--- a/Improgress/2. Artifact and Deliverable/Project Monitoring and Control/PM_ProjectTimeline&Milestones.pptx
+++ b/Improgress/2. Artifact and Deliverable/Project Monitoring and Control/PM_ProjectTimeline&Milestones.pptx
@@ -243,7 +243,7 @@
           <a:p>
             <a:fld id="{C5164158-0CE9-4349-B3F5-2F2E57F0D0CB}" type="datetimeFigureOut">
               <a:rPr lang="en-US" smtClean="0"/>
-              <a:t>11/11/2019</a:t>
+              <a:t>11/15/2019</a:t>
             </a:fld>
             <a:endParaRPr lang="en-US"/>
           </a:p>
@@ -413,7 +413,7 @@
           <a:p>
             <a:fld id="{C5164158-0CE9-4349-B3F5-2F2E57F0D0CB}" type="datetimeFigureOut">
               <a:rPr lang="en-US" smtClean="0"/>
-              <a:t>11/11/2019</a:t>
+              <a:t>11/15/2019</a:t>
             </a:fld>
             <a:endParaRPr lang="en-US"/>
           </a:p>
@@ -593,7 +593,7 @@
           <a:p>
             <a:fld id="{C5164158-0CE9-4349-B3F5-2F2E57F0D0CB}" type="datetimeFigureOut">
               <a:rPr lang="en-US" smtClean="0"/>
-              <a:t>11/11/2019</a:t>
+              <a:t>11/15/2019</a:t>
             </a:fld>
             <a:endParaRPr lang="en-US"/>
           </a:p>
@@ -763,7 +763,7 @@
           <a:p>
             <a:fld id="{C5164158-0CE9-4349-B3F5-2F2E57F0D0CB}" type="datetimeFigureOut">
               <a:rPr lang="en-US" smtClean="0"/>
-              <a:t>11/11/2019</a:t>
+              <a:t>11/15/2019</a:t>
             </a:fld>
             <a:endParaRPr lang="en-US"/>
           </a:p>
@@ -1009,7 +1009,7 @@
           <a:p>
             <a:fld id="{C5164158-0CE9-4349-B3F5-2F2E57F0D0CB}" type="datetimeFigureOut">
               <a:rPr lang="en-US" smtClean="0"/>
-              <a:t>11/11/2019</a:t>
+              <a:t>11/15/2019</a:t>
             </a:fld>
             <a:endParaRPr lang="en-US"/>
           </a:p>
@@ -1241,7 +1241,7 @@
           <a:p>
             <a:fld id="{C5164158-0CE9-4349-B3F5-2F2E57F0D0CB}" type="datetimeFigureOut">
               <a:rPr lang="en-US" smtClean="0"/>
-              <a:t>11/11/2019</a:t>
+              <a:t>11/15/2019</a:t>
             </a:fld>
             <a:endParaRPr lang="en-US"/>
           </a:p>
@@ -1608,7 +1608,7 @@
           <a:p>
             <a:fld id="{C5164158-0CE9-4349-B3F5-2F2E57F0D0CB}" type="datetimeFigureOut">
               <a:rPr lang="en-US" smtClean="0"/>
-              <a:t>11/11/2019</a:t>
+              <a:t>11/15/2019</a:t>
             </a:fld>
             <a:endParaRPr lang="en-US"/>
           </a:p>
@@ -1726,7 +1726,7 @@
           <a:p>
             <a:fld id="{C5164158-0CE9-4349-B3F5-2F2E57F0D0CB}" type="datetimeFigureOut">
               <a:rPr lang="en-US" smtClean="0"/>
-              <a:t>11/11/2019</a:t>
+              <a:t>11/15/2019</a:t>
             </a:fld>
             <a:endParaRPr lang="en-US"/>
           </a:p>
@@ -1821,7 +1821,7 @@
           <a:p>
             <a:fld id="{C5164158-0CE9-4349-B3F5-2F2E57F0D0CB}" type="datetimeFigureOut">
               <a:rPr lang="en-US" smtClean="0"/>
-              <a:t>11/11/2019</a:t>
+              <a:t>11/15/2019</a:t>
             </a:fld>
             <a:endParaRPr lang="en-US"/>
           </a:p>
@@ -2098,7 +2098,7 @@
           <a:p>
             <a:fld id="{C5164158-0CE9-4349-B3F5-2F2E57F0D0CB}" type="datetimeFigureOut">
               <a:rPr lang="en-US" smtClean="0"/>
-              <a:t>11/11/2019</a:t>
+              <a:t>11/15/2019</a:t>
             </a:fld>
             <a:endParaRPr lang="en-US"/>
           </a:p>
@@ -2355,7 +2355,7 @@
           <a:p>
             <a:fld id="{C5164158-0CE9-4349-B3F5-2F2E57F0D0CB}" type="datetimeFigureOut">
               <a:rPr lang="en-US" smtClean="0"/>
-              <a:t>11/11/2019</a:t>
+              <a:t>11/15/2019</a:t>
             </a:fld>
             <a:endParaRPr lang="en-US"/>
           </a:p>
@@ -2568,7 +2568,7 @@
           <a:p>
             <a:fld id="{C5164158-0CE9-4349-B3F5-2F2E57F0D0CB}" type="datetimeFigureOut">
               <a:rPr lang="en-US" smtClean="0"/>
-              <a:t>11/11/2019</a:t>
+              <a:t>11/15/2019</a:t>
             </a:fld>
             <a:endParaRPr lang="en-US"/>
           </a:p>
@@ -3317,55 +3317,6 @@
       </p:cxnSp>
       <p:cxnSp>
         <p:nvCxnSpPr>
-          <p:cNvPr id="17" name="OTLSHAPE_M_86215524b2464d168a53e0c8a8a60f9a_Connector1">
-            <a:extLst>
-              <a:ext uri="{FF2B5EF4-FFF2-40B4-BE49-F238E27FC236}">
-                <a16:creationId xmlns:a16="http://schemas.microsoft.com/office/drawing/2014/main" id="{EB7C0790-B8B8-44F5-B792-224BC60EF71E}"/>
-              </a:ext>
-            </a:extLst>
-          </p:cNvPr>
-          <p:cNvCxnSpPr/>
-          <p:nvPr>
-            <p:custDataLst>
-              <p:tags r:id="rId10"/>
-            </p:custDataLst>
-          </p:nvPr>
-        </p:nvCxnSpPr>
-        <p:spPr>
-          <a:xfrm>
-            <a:off x="3693087" y="2044488"/>
-            <a:ext cx="0" cy="442172"/>
-          </a:xfrm>
-          <a:prstGeom prst="line">
-            <a:avLst/>
-          </a:prstGeom>
-          <a:ln w="7620" cap="flat" cmpd="sng" algn="ctr">
-            <a:solidFill>
-              <a:srgbClr val="4F81BD"/>
-            </a:solidFill>
-            <a:prstDash val="solid"/>
-            <a:miter lim="800000"/>
-            <a:headEnd type="none" w="med" len="med"/>
-            <a:tailEnd type="none" w="med" len="med"/>
-          </a:ln>
-        </p:spPr>
-        <p:style>
-          <a:lnRef idx="1">
-            <a:schemeClr val="accent1"/>
-          </a:lnRef>
-          <a:fillRef idx="0">
-            <a:schemeClr val="accent1"/>
-          </a:fillRef>
-          <a:effectRef idx="0">
-            <a:schemeClr val="accent1"/>
-          </a:effectRef>
-          <a:fontRef idx="minor">
-            <a:schemeClr val="tx1"/>
-          </a:fontRef>
-        </p:style>
-      </p:cxnSp>
-      <p:cxnSp>
-        <p:nvCxnSpPr>
           <p:cNvPr id="24" name="OTLSHAPE_M_315e3df03a234161b9519aae38b30fa2_Connector1">
             <a:extLst>
               <a:ext uri="{FF2B5EF4-FFF2-40B4-BE49-F238E27FC236}">
@@ -3376,7 +3327,7 @@
           <p:cNvCxnSpPr/>
           <p:nvPr>
             <p:custDataLst>
-              <p:tags r:id="rId11"/>
+              <p:tags r:id="rId10"/>
             </p:custDataLst>
           </p:nvPr>
         </p:nvCxnSpPr>
@@ -3425,7 +3376,7 @@
           <p:cNvCxnSpPr/>
           <p:nvPr>
             <p:custDataLst>
-              <p:tags r:id="rId12"/>
+              <p:tags r:id="rId11"/>
             </p:custDataLst>
           </p:nvPr>
         </p:nvCxnSpPr>
@@ -3474,504 +3425,14 @@
           <p:cNvCxnSpPr/>
           <p:nvPr>
             <p:custDataLst>
-              <p:tags r:id="rId13"/>
+              <p:tags r:id="rId12"/>
             </p:custDataLst>
           </p:nvPr>
         </p:nvCxnSpPr>
         <p:spPr>
           <a:xfrm>
-            <a:off x="2660560" y="2044488"/>
-            <a:ext cx="0" cy="442172"/>
-          </a:xfrm>
-          <a:prstGeom prst="line">
-            <a:avLst/>
-          </a:prstGeom>
-          <a:ln w="7620" cap="flat" cmpd="sng" algn="ctr">
-            <a:solidFill>
-              <a:srgbClr val="4F81BD"/>
-            </a:solidFill>
-            <a:prstDash val="solid"/>
-            <a:miter lim="800000"/>
-            <a:headEnd type="none" w="med" len="med"/>
-            <a:tailEnd type="none" w="med" len="med"/>
-          </a:ln>
-        </p:spPr>
-        <p:style>
-          <a:lnRef idx="1">
-            <a:schemeClr val="accent1"/>
-          </a:lnRef>
-          <a:fillRef idx="0">
-            <a:schemeClr val="accent1"/>
-          </a:fillRef>
-          <a:effectRef idx="0">
-            <a:schemeClr val="accent1"/>
-          </a:effectRef>
-          <a:fontRef idx="minor">
-            <a:schemeClr val="tx1"/>
-          </a:fontRef>
-        </p:style>
-      </p:cxnSp>
-      <p:cxnSp>
-        <p:nvCxnSpPr>
-          <p:cNvPr id="5856" name="OTLSHAPE_M_dfef137e3d2144a1a1ad46d61d1f855d_Connector1">
-            <a:extLst>
-              <a:ext uri="{FF2B5EF4-FFF2-40B4-BE49-F238E27FC236}">
-                <a16:creationId xmlns:a16="http://schemas.microsoft.com/office/drawing/2014/main" id="{7EFFD398-1A47-4E73-B2AB-18FC1148CAE4}"/>
-              </a:ext>
-            </a:extLst>
-          </p:cNvPr>
-          <p:cNvCxnSpPr/>
-          <p:nvPr>
-            <p:custDataLst>
-              <p:tags r:id="rId14"/>
-            </p:custDataLst>
-          </p:nvPr>
-        </p:nvCxnSpPr>
-        <p:spPr>
-          <a:xfrm>
-            <a:off x="4725613" y="1591945"/>
-            <a:ext cx="0" cy="340572"/>
-          </a:xfrm>
-          <a:prstGeom prst="line">
-            <a:avLst/>
-          </a:prstGeom>
-          <a:ln w="7620" cap="flat" cmpd="sng" algn="ctr">
-            <a:solidFill>
-              <a:srgbClr val="4F81BD"/>
-            </a:solidFill>
-            <a:prstDash val="solid"/>
-            <a:miter lim="800000"/>
-            <a:headEnd type="none" w="med" len="med"/>
-            <a:tailEnd type="none" w="med" len="med"/>
-          </a:ln>
-        </p:spPr>
-        <p:style>
-          <a:lnRef idx="1">
-            <a:schemeClr val="accent1"/>
-          </a:lnRef>
-          <a:fillRef idx="0">
-            <a:schemeClr val="accent1"/>
-          </a:fillRef>
-          <a:effectRef idx="0">
-            <a:schemeClr val="accent1"/>
-          </a:effectRef>
-          <a:fontRef idx="minor">
-            <a:schemeClr val="tx1"/>
-          </a:fontRef>
-        </p:style>
-      </p:cxnSp>
-      <p:cxnSp>
-        <p:nvCxnSpPr>
-          <p:cNvPr id="5857" name="OTLSHAPE_M_dfef137e3d2144a1a1ad46d61d1f855d_Connector2">
-            <a:extLst>
-              <a:ext uri="{FF2B5EF4-FFF2-40B4-BE49-F238E27FC236}">
-                <a16:creationId xmlns:a16="http://schemas.microsoft.com/office/drawing/2014/main" id="{4A499DA8-A270-41FB-8CAA-0521028D1C6F}"/>
-              </a:ext>
-            </a:extLst>
-          </p:cNvPr>
-          <p:cNvCxnSpPr/>
-          <p:nvPr>
-            <p:custDataLst>
-              <p:tags r:id="rId15"/>
-            </p:custDataLst>
-          </p:nvPr>
-        </p:nvCxnSpPr>
-        <p:spPr>
-          <a:xfrm>
-            <a:off x="4725613" y="2103035"/>
-            <a:ext cx="0" cy="383625"/>
-          </a:xfrm>
-          <a:prstGeom prst="line">
-            <a:avLst/>
-          </a:prstGeom>
-          <a:ln w="7620" cap="flat" cmpd="sng" algn="ctr">
-            <a:solidFill>
-              <a:srgbClr val="4F81BD"/>
-            </a:solidFill>
-            <a:prstDash val="solid"/>
-            <a:miter lim="800000"/>
-            <a:headEnd type="none" w="med" len="med"/>
-            <a:tailEnd type="none" w="med" len="med"/>
-          </a:ln>
-        </p:spPr>
-        <p:style>
-          <a:lnRef idx="1">
-            <a:schemeClr val="accent1"/>
-          </a:lnRef>
-          <a:fillRef idx="0">
-            <a:schemeClr val="accent1"/>
-          </a:fillRef>
-          <a:effectRef idx="0">
-            <a:schemeClr val="accent1"/>
-          </a:effectRef>
-          <a:fontRef idx="minor">
-            <a:schemeClr val="tx1"/>
-          </a:fontRef>
-        </p:style>
-      </p:cxnSp>
-      <p:cxnSp>
-        <p:nvCxnSpPr>
-          <p:cNvPr id="5861" name="OTLSHAPE_M_45351634623e4dac9e68efe12bf51985_Connector1">
-            <a:extLst>
-              <a:ext uri="{FF2B5EF4-FFF2-40B4-BE49-F238E27FC236}">
-                <a16:creationId xmlns:a16="http://schemas.microsoft.com/office/drawing/2014/main" id="{DA8F34C0-5377-4496-AB51-347FF40E7F38}"/>
-              </a:ext>
-            </a:extLst>
-          </p:cNvPr>
-          <p:cNvCxnSpPr/>
-          <p:nvPr>
-            <p:custDataLst>
-              <p:tags r:id="rId16"/>
-            </p:custDataLst>
-          </p:nvPr>
-        </p:nvCxnSpPr>
-        <p:spPr>
-          <a:xfrm>
-            <a:off x="5069789" y="1139402"/>
-            <a:ext cx="0" cy="340572"/>
-          </a:xfrm>
-          <a:prstGeom prst="line">
-            <a:avLst/>
-          </a:prstGeom>
-          <a:ln w="7620" cap="flat" cmpd="sng" algn="ctr">
-            <a:solidFill>
-              <a:srgbClr val="4F81BD"/>
-            </a:solidFill>
-            <a:prstDash val="solid"/>
-            <a:miter lim="800000"/>
-            <a:headEnd type="none" w="med" len="med"/>
-            <a:tailEnd type="none" w="med" len="med"/>
-          </a:ln>
-        </p:spPr>
-        <p:style>
-          <a:lnRef idx="1">
-            <a:schemeClr val="accent1"/>
-          </a:lnRef>
-          <a:fillRef idx="0">
-            <a:schemeClr val="accent1"/>
-          </a:fillRef>
-          <a:effectRef idx="0">
-            <a:schemeClr val="accent1"/>
-          </a:effectRef>
-          <a:fontRef idx="minor">
-            <a:schemeClr val="tx1"/>
-          </a:fontRef>
-        </p:style>
-      </p:cxnSp>
-      <p:cxnSp>
-        <p:nvCxnSpPr>
-          <p:cNvPr id="5862" name="OTLSHAPE_M_6dca38e720904c3d9d8a6d406403c016_Connector1">
-            <a:extLst>
-              <a:ext uri="{FF2B5EF4-FFF2-40B4-BE49-F238E27FC236}">
-                <a16:creationId xmlns:a16="http://schemas.microsoft.com/office/drawing/2014/main" id="{BCCB0BCC-1819-4BE0-A8EA-C6FDD6574508}"/>
-              </a:ext>
-            </a:extLst>
-          </p:cNvPr>
-          <p:cNvCxnSpPr/>
-          <p:nvPr>
-            <p:custDataLst>
-              <p:tags r:id="rId17"/>
-            </p:custDataLst>
-          </p:nvPr>
-        </p:nvCxnSpPr>
-        <p:spPr>
-          <a:xfrm>
-            <a:off x="5413965" y="2044488"/>
-            <a:ext cx="0" cy="442172"/>
-          </a:xfrm>
-          <a:prstGeom prst="line">
-            <a:avLst/>
-          </a:prstGeom>
-          <a:ln w="7620" cap="flat" cmpd="sng" algn="ctr">
-            <a:solidFill>
-              <a:srgbClr val="4F81BD"/>
-            </a:solidFill>
-            <a:prstDash val="solid"/>
-            <a:miter lim="800000"/>
-            <a:headEnd type="none" w="med" len="med"/>
-            <a:tailEnd type="none" w="med" len="med"/>
-          </a:ln>
-        </p:spPr>
-        <p:style>
-          <a:lnRef idx="1">
-            <a:schemeClr val="accent1"/>
-          </a:lnRef>
-          <a:fillRef idx="0">
-            <a:schemeClr val="accent1"/>
-          </a:fillRef>
-          <a:effectRef idx="0">
-            <a:schemeClr val="accent1"/>
-          </a:effectRef>
-          <a:fontRef idx="minor">
-            <a:schemeClr val="tx1"/>
-          </a:fontRef>
-        </p:style>
-      </p:cxnSp>
-      <p:cxnSp>
-        <p:nvCxnSpPr>
-          <p:cNvPr id="5866" name="OTLSHAPE_M_4aad3cfad9f74dd9a1696b4994f0ef33_Connector1">
-            <a:extLst>
-              <a:ext uri="{FF2B5EF4-FFF2-40B4-BE49-F238E27FC236}">
-                <a16:creationId xmlns:a16="http://schemas.microsoft.com/office/drawing/2014/main" id="{29179CA2-BD1F-4B2E-B33E-BBB1B5D76BB9}"/>
-              </a:ext>
-            </a:extLst>
-          </p:cNvPr>
-          <p:cNvCxnSpPr/>
-          <p:nvPr>
-            <p:custDataLst>
-              <p:tags r:id="rId18"/>
-            </p:custDataLst>
-          </p:nvPr>
-        </p:nvCxnSpPr>
-        <p:spPr>
-          <a:xfrm>
-            <a:off x="7134843" y="2044488"/>
-            <a:ext cx="0" cy="442172"/>
-          </a:xfrm>
-          <a:prstGeom prst="line">
-            <a:avLst/>
-          </a:prstGeom>
-          <a:ln w="7620" cap="flat" cmpd="sng" algn="ctr">
-            <a:solidFill>
-              <a:srgbClr val="4F81BD"/>
-            </a:solidFill>
-            <a:prstDash val="solid"/>
-            <a:miter lim="800000"/>
-            <a:headEnd type="none" w="med" len="med"/>
-            <a:tailEnd type="none" w="med" len="med"/>
-          </a:ln>
-        </p:spPr>
-        <p:style>
-          <a:lnRef idx="1">
-            <a:schemeClr val="accent1"/>
-          </a:lnRef>
-          <a:fillRef idx="0">
-            <a:schemeClr val="accent1"/>
-          </a:fillRef>
-          <a:effectRef idx="0">
-            <a:schemeClr val="accent1"/>
-          </a:effectRef>
-          <a:fontRef idx="minor">
-            <a:schemeClr val="tx1"/>
-          </a:fontRef>
-        </p:style>
-      </p:cxnSp>
-      <p:cxnSp>
-        <p:nvCxnSpPr>
-          <p:cNvPr id="5867" name="OTLSHAPE_M_02c7cefed8c249b097bd6c5821cd93c5_Connector1">
-            <a:extLst>
-              <a:ext uri="{FF2B5EF4-FFF2-40B4-BE49-F238E27FC236}">
-                <a16:creationId xmlns:a16="http://schemas.microsoft.com/office/drawing/2014/main" id="{D97A6ED1-67D4-4562-A9DD-D1075538A21E}"/>
-              </a:ext>
-            </a:extLst>
-          </p:cNvPr>
-          <p:cNvCxnSpPr/>
-          <p:nvPr>
-            <p:custDataLst>
-              <p:tags r:id="rId19"/>
-            </p:custDataLst>
-          </p:nvPr>
-        </p:nvCxnSpPr>
-        <p:spPr>
-          <a:xfrm>
-            <a:off x="7134843" y="687479"/>
-            <a:ext cx="0" cy="1799181"/>
-          </a:xfrm>
-          <a:prstGeom prst="line">
-            <a:avLst/>
-          </a:prstGeom>
-          <a:ln w="7620" cap="flat" cmpd="sng" algn="ctr">
-            <a:solidFill>
-              <a:srgbClr val="4F81BD"/>
-            </a:solidFill>
-            <a:prstDash val="solid"/>
-            <a:miter lim="800000"/>
-            <a:headEnd type="none" w="med" len="med"/>
-            <a:tailEnd type="none" w="med" len="med"/>
-          </a:ln>
-        </p:spPr>
-        <p:style>
-          <a:lnRef idx="1">
-            <a:schemeClr val="accent1"/>
-          </a:lnRef>
-          <a:fillRef idx="0">
-            <a:schemeClr val="accent1"/>
-          </a:fillRef>
-          <a:effectRef idx="0">
-            <a:schemeClr val="accent1"/>
-          </a:effectRef>
-          <a:fontRef idx="minor">
-            <a:schemeClr val="tx1"/>
-          </a:fontRef>
-        </p:style>
-      </p:cxnSp>
-      <p:cxnSp>
-        <p:nvCxnSpPr>
-          <p:cNvPr id="5868" name="OTLSHAPE_M_b157ec27d0d14d549b1406fcd5e60d7b_Connector1">
-            <a:extLst>
-              <a:ext uri="{FF2B5EF4-FFF2-40B4-BE49-F238E27FC236}">
-                <a16:creationId xmlns:a16="http://schemas.microsoft.com/office/drawing/2014/main" id="{059ACDDA-FDA1-4D5B-85F5-43EB0F0F66DF}"/>
-              </a:ext>
-            </a:extLst>
-          </p:cNvPr>
-          <p:cNvCxnSpPr/>
-          <p:nvPr>
-            <p:custDataLst>
-              <p:tags r:id="rId20"/>
-            </p:custDataLst>
-          </p:nvPr>
-        </p:nvCxnSpPr>
-        <p:spPr>
-          <a:xfrm>
-            <a:off x="7134843" y="1140023"/>
-            <a:ext cx="0" cy="1346637"/>
-          </a:xfrm>
-          <a:prstGeom prst="line">
-            <a:avLst/>
-          </a:prstGeom>
-          <a:ln w="7620" cap="flat" cmpd="sng" algn="ctr">
-            <a:solidFill>
-              <a:srgbClr val="4F81BD"/>
-            </a:solidFill>
-            <a:prstDash val="solid"/>
-            <a:miter lim="800000"/>
-            <a:headEnd type="none" w="med" len="med"/>
-            <a:tailEnd type="none" w="med" len="med"/>
-          </a:ln>
-        </p:spPr>
-        <p:style>
-          <a:lnRef idx="1">
-            <a:schemeClr val="accent1"/>
-          </a:lnRef>
-          <a:fillRef idx="0">
-            <a:schemeClr val="accent1"/>
-          </a:fillRef>
-          <a:effectRef idx="0">
-            <a:schemeClr val="accent1"/>
-          </a:effectRef>
-          <a:fontRef idx="minor">
-            <a:schemeClr val="tx1"/>
-          </a:fontRef>
-        </p:style>
-      </p:cxnSp>
-      <p:cxnSp>
-        <p:nvCxnSpPr>
-          <p:cNvPr id="2" name="OTLSHAPE_M_45351634623e4dac9e68efe12bf51985_Connector2">
-            <a:extLst>
-              <a:ext uri="{FF2B5EF4-FFF2-40B4-BE49-F238E27FC236}">
-                <a16:creationId xmlns:a16="http://schemas.microsoft.com/office/drawing/2014/main" id="{D0A1F808-66FC-4BC6-A2DA-EC2978218ED4}"/>
-              </a:ext>
-            </a:extLst>
-          </p:cNvPr>
-          <p:cNvCxnSpPr/>
-          <p:nvPr>
-            <p:custDataLst>
-              <p:tags r:id="rId21"/>
-            </p:custDataLst>
-          </p:nvPr>
-        </p:nvCxnSpPr>
-        <p:spPr>
-          <a:xfrm>
-            <a:off x="5069789" y="1650492"/>
-            <a:ext cx="0" cy="12700"/>
-          </a:xfrm>
-          <a:prstGeom prst="line">
-            <a:avLst/>
-          </a:prstGeom>
-          <a:ln w="7620" cap="flat" cmpd="sng" algn="ctr">
-            <a:solidFill>
-              <a:srgbClr val="4F81BD"/>
-            </a:solidFill>
-            <a:prstDash val="solid"/>
-            <a:miter lim="800000"/>
-            <a:headEnd type="none" w="med" len="med"/>
-            <a:tailEnd type="none" w="med" len="med"/>
-          </a:ln>
-        </p:spPr>
-        <p:style>
-          <a:lnRef idx="1">
-            <a:schemeClr val="accent1"/>
-          </a:lnRef>
-          <a:fillRef idx="0">
-            <a:schemeClr val="accent1"/>
-          </a:fillRef>
-          <a:effectRef idx="0">
-            <a:schemeClr val="accent1"/>
-          </a:effectRef>
-          <a:fontRef idx="minor">
-            <a:schemeClr val="tx1"/>
-          </a:fontRef>
-        </p:style>
-      </p:cxnSp>
-      <p:cxnSp>
-        <p:nvCxnSpPr>
-          <p:cNvPr id="3" name="OTLSHAPE_M_45351634623e4dac9e68efe12bf51985_Connector3">
-            <a:extLst>
-              <a:ext uri="{FF2B5EF4-FFF2-40B4-BE49-F238E27FC236}">
-                <a16:creationId xmlns:a16="http://schemas.microsoft.com/office/drawing/2014/main" id="{4AF46761-944C-4362-8E14-0BEF7D1FF07C}"/>
-              </a:ext>
-            </a:extLst>
-          </p:cNvPr>
-          <p:cNvCxnSpPr/>
-          <p:nvPr>
-            <p:custDataLst>
-              <p:tags r:id="rId22"/>
-            </p:custDataLst>
-          </p:nvPr>
-        </p:nvCxnSpPr>
-        <p:spPr>
-          <a:xfrm>
-            <a:off x="5069789" y="1818217"/>
-            <a:ext cx="0" cy="114300"/>
-          </a:xfrm>
-          <a:prstGeom prst="line">
-            <a:avLst/>
-          </a:prstGeom>
-          <a:ln w="7620" cap="flat" cmpd="sng" algn="ctr">
-            <a:solidFill>
-              <a:srgbClr val="4F81BD"/>
-            </a:solidFill>
-            <a:prstDash val="solid"/>
-            <a:miter lim="800000"/>
-            <a:headEnd type="none" w="med" len="med"/>
-            <a:tailEnd type="none" w="med" len="med"/>
-          </a:ln>
-        </p:spPr>
-        <p:style>
-          <a:lnRef idx="1">
-            <a:schemeClr val="accent1"/>
-          </a:lnRef>
-          <a:fillRef idx="0">
-            <a:schemeClr val="accent1"/>
-          </a:fillRef>
-          <a:effectRef idx="0">
-            <a:schemeClr val="accent1"/>
-          </a:effectRef>
-          <a:fontRef idx="minor">
-            <a:schemeClr val="tx1"/>
-          </a:fontRef>
-        </p:style>
-      </p:cxnSp>
-      <p:cxnSp>
-        <p:nvCxnSpPr>
-          <p:cNvPr id="4" name="OTLSHAPE_M_45351634623e4dac9e68efe12bf51985_Connector4">
-            <a:extLst>
-              <a:ext uri="{FF2B5EF4-FFF2-40B4-BE49-F238E27FC236}">
-                <a16:creationId xmlns:a16="http://schemas.microsoft.com/office/drawing/2014/main" id="{3DBA152F-DE69-4CEC-BECD-D5E7F7F99112}"/>
-              </a:ext>
-            </a:extLst>
-          </p:cNvPr>
-          <p:cNvCxnSpPr/>
-          <p:nvPr>
-            <p:custDataLst>
-              <p:tags r:id="rId23"/>
-            </p:custDataLst>
-          </p:nvPr>
-        </p:nvCxnSpPr>
-        <p:spPr>
-          <a:xfrm>
-            <a:off x="5069789" y="2103035"/>
-            <a:ext cx="0" cy="383625"/>
+            <a:off x="2660560" y="1591945"/>
+            <a:ext cx="0" cy="894715"/>
           </a:xfrm>
           <a:prstGeom prst="line">
             <a:avLst/>
@@ -4013,7 +3474,7 @@
           <p:cNvCxnSpPr/>
           <p:nvPr>
             <p:custDataLst>
-              <p:tags r:id="rId24"/>
+              <p:tags r:id="rId13"/>
             </p:custDataLst>
           </p:nvPr>
         </p:nvCxnSpPr>
@@ -4050,13 +3511,62 @@
           </a:fontRef>
         </p:style>
       </p:cxnSp>
+      <p:cxnSp>
+        <p:nvCxnSpPr>
+          <p:cNvPr id="29" name="OTLSHAPE_M_440a7e1110954cea9aadfc599fcb2486_Connector1">
+            <a:extLst>
+              <a:ext uri="{FF2B5EF4-FFF2-40B4-BE49-F238E27FC236}">
+                <a16:creationId xmlns:a16="http://schemas.microsoft.com/office/drawing/2014/main" id="{1E1E55BF-8CD0-4A91-A2FD-51C54C30EC35}"/>
+              </a:ext>
+            </a:extLst>
+          </p:cNvPr>
+          <p:cNvCxnSpPr/>
+          <p:nvPr>
+            <p:custDataLst>
+              <p:tags r:id="rId14"/>
+            </p:custDataLst>
+          </p:nvPr>
+        </p:nvCxnSpPr>
+        <p:spPr>
+          <a:xfrm>
+            <a:off x="3348911" y="2044488"/>
+            <a:ext cx="0" cy="442172"/>
+          </a:xfrm>
+          <a:prstGeom prst="line">
+            <a:avLst/>
+          </a:prstGeom>
+          <a:ln w="7620" cap="flat" cmpd="sng" algn="ctr">
+            <a:solidFill>
+              <a:srgbClr val="4F81BD"/>
+            </a:solidFill>
+            <a:prstDash val="solid"/>
+            <a:miter lim="800000"/>
+            <a:headEnd type="none" w="med" len="med"/>
+            <a:tailEnd type="none" w="med" len="med"/>
+          </a:ln>
+        </p:spPr>
+        <p:style>
+          <a:lnRef idx="1">
+            <a:schemeClr val="accent1"/>
+          </a:lnRef>
+          <a:fillRef idx="0">
+            <a:schemeClr val="accent1"/>
+          </a:fillRef>
+          <a:effectRef idx="0">
+            <a:schemeClr val="accent1"/>
+          </a:effectRef>
+          <a:fontRef idx="minor">
+            <a:schemeClr val="tx1"/>
+          </a:fontRef>
+        </p:style>
+      </p:cxnSp>
       <p:sp>
         <p:nvSpPr>
           <p:cNvPr id="5889" name="OTLSHAPE_TB_00000000000000000000000000000000_ScaleContainer"/>
           <p:cNvSpPr/>
           <p:nvPr>
             <p:custDataLst>
-              <p:tags r:id="rId25"/>
+              <p:tags r:id="rId15"/>
             </p:custDataLst>
           </p:nvPr>
         </p:nvSpPr>
@@ -4142,14 +3652,14 @@
           <p:cNvSpPr/>
           <p:nvPr>
             <p:custDataLst>
-              <p:tags r:id="rId26"/>
+              <p:tags r:id="rId16"/>
             </p:custDataLst>
           </p:nvPr>
         </p:nvSpPr>
         <p:spPr>
           <a:xfrm>
             <a:off x="933365" y="2791460"/>
-            <a:ext cx="1473200" cy="76200"/>
+            <a:ext cx="1651000" cy="76200"/>
           </a:xfrm>
           <a:prstGeom prst="rect">
             <a:avLst/>
@@ -4219,13 +3729,13 @@
           <p:cNvSpPr/>
           <p:nvPr>
             <p:custDataLst>
-              <p:tags r:id="rId27"/>
-            </p:custDataLst>
-          </p:nvPr>
-        </p:nvSpPr>
-        <p:spPr>
-          <a:xfrm>
-            <a:off x="2349436" y="2867660"/>
+              <p:tags r:id="rId17"/>
+            </p:custDataLst>
+          </p:nvPr>
+        </p:nvSpPr>
+        <p:spPr>
+          <a:xfrm>
+            <a:off x="2521892" y="2867660"/>
             <a:ext cx="114300" cy="127000"/>
           </a:xfrm>
           <a:prstGeom prst="triangle">
@@ -4299,13 +3809,13 @@
           <p:cNvSpPr txBox="1"/>
           <p:nvPr>
             <p:custDataLst>
-              <p:tags r:id="rId28"/>
-            </p:custDataLst>
-          </p:nvPr>
-        </p:nvSpPr>
-        <p:spPr>
-          <a:xfrm>
-            <a:off x="2223737" y="2994660"/>
+              <p:tags r:id="rId18"/>
+            </p:custDataLst>
+          </p:nvPr>
+        </p:nvSpPr>
+        <p:spPr>
+          <a:xfrm>
+            <a:off x="2396192" y="2994660"/>
             <a:ext cx="368300" cy="186055"/>
           </a:xfrm>
           <a:prstGeom prst="rect">
@@ -4338,7 +3848,7 @@
           <p:cNvSpPr txBox="1"/>
           <p:nvPr>
             <p:custDataLst>
-              <p:tags r:id="rId29"/>
+              <p:tags r:id="rId19"/>
             </p:custDataLst>
           </p:nvPr>
         </p:nvSpPr>
@@ -4382,7 +3892,7 @@
           <p:cNvSpPr txBox="1"/>
           <p:nvPr>
             <p:custDataLst>
-              <p:tags r:id="rId30"/>
+              <p:tags r:id="rId20"/>
             </p:custDataLst>
           </p:nvPr>
         </p:nvSpPr>
@@ -4420,7 +3930,7 @@
           <p:cNvSpPr txBox="1"/>
           <p:nvPr>
             <p:custDataLst>
-              <p:tags r:id="rId31"/>
+              <p:tags r:id="rId21"/>
             </p:custDataLst>
           </p:nvPr>
         </p:nvSpPr>
@@ -4458,7 +3968,7 @@
           <p:cNvSpPr txBox="1"/>
           <p:nvPr>
             <p:custDataLst>
-              <p:tags r:id="rId32"/>
+              <p:tags r:id="rId22"/>
             </p:custDataLst>
           </p:nvPr>
         </p:nvSpPr>
@@ -4496,7 +4006,7 @@
           <p:cNvSpPr txBox="1"/>
           <p:nvPr>
             <p:custDataLst>
-              <p:tags r:id="rId33"/>
+              <p:tags r:id="rId23"/>
             </p:custDataLst>
           </p:nvPr>
         </p:nvSpPr>
@@ -4534,7 +4044,7 @@
           <p:cNvSpPr txBox="1"/>
           <p:nvPr>
             <p:custDataLst>
-              <p:tags r:id="rId34"/>
+              <p:tags r:id="rId24"/>
             </p:custDataLst>
           </p:nvPr>
         </p:nvSpPr>
@@ -4572,7 +4082,7 @@
           <p:cNvSpPr txBox="1"/>
           <p:nvPr>
             <p:custDataLst>
-              <p:tags r:id="rId35"/>
+              <p:tags r:id="rId25"/>
             </p:custDataLst>
           </p:nvPr>
         </p:nvSpPr>
@@ -4610,7 +4120,7 @@
           <p:cNvSpPr txBox="1"/>
           <p:nvPr>
             <p:custDataLst>
-              <p:tags r:id="rId36"/>
+              <p:tags r:id="rId26"/>
             </p:custDataLst>
           </p:nvPr>
         </p:nvSpPr>
@@ -4648,7 +4158,7 @@
           <p:cNvSpPr txBox="1"/>
           <p:nvPr>
             <p:custDataLst>
-              <p:tags r:id="rId37"/>
+              <p:tags r:id="rId27"/>
             </p:custDataLst>
           </p:nvPr>
         </p:nvSpPr>
@@ -4692,7 +4202,7 @@
           <p:cNvSpPr txBox="1"/>
           <p:nvPr>
             <p:custDataLst>
-              <p:tags r:id="rId38"/>
+              <p:tags r:id="rId28"/>
             </p:custDataLst>
           </p:nvPr>
         </p:nvSpPr>
@@ -4736,7 +4246,7 @@
           <p:cNvCxnSpPr/>
           <p:nvPr>
             <p:custDataLst>
-              <p:tags r:id="rId39"/>
+              <p:tags r:id="rId29"/>
             </p:custDataLst>
           </p:nvPr>
         </p:nvCxnSpPr>
@@ -4781,7 +4291,7 @@
           <p:cNvCxnSpPr/>
           <p:nvPr>
             <p:custDataLst>
-              <p:tags r:id="rId40"/>
+              <p:tags r:id="rId30"/>
             </p:custDataLst>
           </p:nvPr>
         </p:nvCxnSpPr>
@@ -4826,7 +4336,7 @@
           <p:cNvCxnSpPr/>
           <p:nvPr>
             <p:custDataLst>
-              <p:tags r:id="rId41"/>
+              <p:tags r:id="rId31"/>
             </p:custDataLst>
           </p:nvPr>
         </p:nvCxnSpPr>
@@ -4871,7 +4381,7 @@
           <p:cNvCxnSpPr/>
           <p:nvPr>
             <p:custDataLst>
-              <p:tags r:id="rId42"/>
+              <p:tags r:id="rId32"/>
             </p:custDataLst>
           </p:nvPr>
         </p:nvCxnSpPr>
@@ -4916,7 +4426,7 @@
           <p:cNvCxnSpPr/>
           <p:nvPr>
             <p:custDataLst>
-              <p:tags r:id="rId43"/>
+              <p:tags r:id="rId33"/>
             </p:custDataLst>
           </p:nvPr>
         </p:nvCxnSpPr>
@@ -4961,7 +4471,7 @@
           <p:cNvCxnSpPr/>
           <p:nvPr>
             <p:custDataLst>
-              <p:tags r:id="rId44"/>
+              <p:tags r:id="rId34"/>
             </p:custDataLst>
           </p:nvPr>
         </p:nvCxnSpPr>
@@ -5006,7 +4516,7 @@
           <p:cNvCxnSpPr/>
           <p:nvPr>
             <p:custDataLst>
-              <p:tags r:id="rId45"/>
+              <p:tags r:id="rId35"/>
             </p:custDataLst>
           </p:nvPr>
         </p:nvCxnSpPr>
@@ -5051,7 +4561,7 @@
           <p:cNvCxnSpPr/>
           <p:nvPr>
             <p:custDataLst>
-              <p:tags r:id="rId46"/>
+              <p:tags r:id="rId36"/>
             </p:custDataLst>
           </p:nvPr>
         </p:nvCxnSpPr>
@@ -5102,7 +4612,7 @@
           <p:cNvCxnSpPr/>
           <p:nvPr>
             <p:custDataLst>
-              <p:tags r:id="rId47"/>
+              <p:tags r:id="rId37"/>
             </p:custDataLst>
           </p:nvPr>
         </p:nvCxnSpPr>
@@ -5153,7 +4663,7 @@
           <p:cNvSpPr/>
           <p:nvPr>
             <p:custDataLst>
-              <p:tags r:id="rId48"/>
+              <p:tags r:id="rId38"/>
             </p:custDataLst>
           </p:nvPr>
         </p:nvSpPr>
@@ -5234,7 +4744,7 @@
           <p:cNvSpPr/>
           <p:nvPr>
             <p:custDataLst>
-              <p:tags r:id="rId49"/>
+              <p:tags r:id="rId39"/>
             </p:custDataLst>
           </p:nvPr>
         </p:nvSpPr>
@@ -5315,7 +4825,7 @@
           <p:cNvSpPr/>
           <p:nvPr>
             <p:custDataLst>
-              <p:tags r:id="rId50"/>
+              <p:tags r:id="rId40"/>
             </p:custDataLst>
           </p:nvPr>
         </p:nvSpPr>
@@ -5396,7 +4906,7 @@
           <p:cNvSpPr/>
           <p:nvPr>
             <p:custDataLst>
-              <p:tags r:id="rId51"/>
+              <p:tags r:id="rId41"/>
             </p:custDataLst>
           </p:nvPr>
         </p:nvSpPr>
@@ -5477,7 +4987,7 @@
           <p:cNvSpPr/>
           <p:nvPr>
             <p:custDataLst>
-              <p:tags r:id="rId52"/>
+              <p:tags r:id="rId42"/>
             </p:custDataLst>
           </p:nvPr>
         </p:nvSpPr>
@@ -5558,7 +5068,7 @@
           <p:cNvSpPr/>
           <p:nvPr>
             <p:custDataLst>
-              <p:tags r:id="rId53"/>
+              <p:tags r:id="rId43"/>
             </p:custDataLst>
           </p:nvPr>
         </p:nvSpPr>
@@ -5639,7 +5149,7 @@
           <p:cNvSpPr/>
           <p:nvPr>
             <p:custDataLst>
-              <p:tags r:id="rId54"/>
+              <p:tags r:id="rId44"/>
             </p:custDataLst>
           </p:nvPr>
         </p:nvSpPr>
@@ -5720,7 +5230,7 @@
           <p:cNvSpPr/>
           <p:nvPr>
             <p:custDataLst>
-              <p:tags r:id="rId55"/>
+              <p:tags r:id="rId45"/>
             </p:custDataLst>
           </p:nvPr>
         </p:nvSpPr>
@@ -5794,7 +5304,7 @@
           <p:cNvSpPr/>
           <p:nvPr>
             <p:custDataLst>
-              <p:tags r:id="rId56"/>
+              <p:tags r:id="rId46"/>
             </p:custDataLst>
           </p:nvPr>
         </p:nvSpPr>
@@ -5868,7 +5378,7 @@
           <p:cNvSpPr/>
           <p:nvPr>
             <p:custDataLst>
-              <p:tags r:id="rId57"/>
+              <p:tags r:id="rId47"/>
             </p:custDataLst>
           </p:nvPr>
         </p:nvSpPr>
@@ -5918,7 +5428,7 @@
           <p:cNvSpPr/>
           <p:nvPr>
             <p:custDataLst>
-              <p:tags r:id="rId58"/>
+              <p:tags r:id="rId48"/>
             </p:custDataLst>
           </p:nvPr>
         </p:nvSpPr>
@@ -5968,7 +5478,7 @@
           <p:cNvSpPr/>
           <p:nvPr>
             <p:custDataLst>
-              <p:tags r:id="rId59"/>
+              <p:tags r:id="rId49"/>
             </p:custDataLst>
           </p:nvPr>
         </p:nvSpPr>
@@ -6018,7 +5528,7 @@
           <p:cNvSpPr/>
           <p:nvPr>
             <p:custDataLst>
-              <p:tags r:id="rId60"/>
+              <p:tags r:id="rId50"/>
             </p:custDataLst>
           </p:nvPr>
         </p:nvSpPr>
@@ -6068,7 +5578,7 @@
           <p:cNvSpPr/>
           <p:nvPr>
             <p:custDataLst>
-              <p:tags r:id="rId61"/>
+              <p:tags r:id="rId51"/>
             </p:custDataLst>
           </p:nvPr>
         </p:nvSpPr>
@@ -6112,7 +5622,7 @@
           <p:cNvSpPr txBox="1"/>
           <p:nvPr>
             <p:custDataLst>
-              <p:tags r:id="rId62"/>
+              <p:tags r:id="rId52"/>
             </p:custDataLst>
           </p:nvPr>
         </p:nvSpPr>
@@ -6150,7 +5660,7 @@
           <p:cNvSpPr txBox="1"/>
           <p:nvPr>
             <p:custDataLst>
-              <p:tags r:id="rId63"/>
+              <p:tags r:id="rId53"/>
             </p:custDataLst>
           </p:nvPr>
         </p:nvSpPr>
@@ -6189,7 +5699,7 @@
           <p:cNvSpPr txBox="1"/>
           <p:nvPr>
             <p:custDataLst>
-              <p:tags r:id="rId64"/>
+              <p:tags r:id="rId54"/>
             </p:custDataLst>
           </p:nvPr>
         </p:nvSpPr>
@@ -6225,7 +5735,7 @@
           <p:cNvSpPr txBox="1"/>
           <p:nvPr>
             <p:custDataLst>
-              <p:tags r:id="rId65"/>
+              <p:tags r:id="rId55"/>
             </p:custDataLst>
           </p:nvPr>
         </p:nvSpPr>
@@ -6261,7 +5771,7 @@
           <p:cNvSpPr txBox="1"/>
           <p:nvPr>
             <p:custDataLst>
-              <p:tags r:id="rId66"/>
+              <p:tags r:id="rId56"/>
             </p:custDataLst>
           </p:nvPr>
         </p:nvSpPr>
@@ -6299,7 +5809,7 @@
           <p:cNvSpPr txBox="1"/>
           <p:nvPr>
             <p:custDataLst>
-              <p:tags r:id="rId67"/>
+              <p:tags r:id="rId57"/>
             </p:custDataLst>
           </p:nvPr>
         </p:nvSpPr>
@@ -6337,7 +5847,7 @@
           <p:cNvSpPr txBox="1"/>
           <p:nvPr>
             <p:custDataLst>
-              <p:tags r:id="rId68"/>
+              <p:tags r:id="rId58"/>
             </p:custDataLst>
           </p:nvPr>
         </p:nvSpPr>
@@ -6375,7 +5885,7 @@
           <p:cNvSpPr txBox="1"/>
           <p:nvPr>
             <p:custDataLst>
-              <p:tags r:id="rId69"/>
+              <p:tags r:id="rId59"/>
             </p:custDataLst>
           </p:nvPr>
         </p:nvSpPr>
@@ -6414,7 +5924,7 @@
           <p:cNvSpPr txBox="1"/>
           <p:nvPr>
             <p:custDataLst>
-              <p:tags r:id="rId70"/>
+              <p:tags r:id="rId60"/>
             </p:custDataLst>
           </p:nvPr>
         </p:nvSpPr>
@@ -6450,7 +5960,7 @@
           <p:cNvSpPr txBox="1"/>
           <p:nvPr>
             <p:custDataLst>
-              <p:tags r:id="rId71"/>
+              <p:tags r:id="rId61"/>
             </p:custDataLst>
           </p:nvPr>
         </p:nvSpPr>
@@ -6486,7 +5996,7 @@
           <p:cNvSpPr txBox="1"/>
           <p:nvPr>
             <p:custDataLst>
-              <p:tags r:id="rId72"/>
+              <p:tags r:id="rId62"/>
             </p:custDataLst>
           </p:nvPr>
         </p:nvSpPr>
@@ -6524,7 +6034,7 @@
           <p:cNvSpPr txBox="1"/>
           <p:nvPr>
             <p:custDataLst>
-              <p:tags r:id="rId73"/>
+              <p:tags r:id="rId63"/>
             </p:custDataLst>
           </p:nvPr>
         </p:nvSpPr>
@@ -6562,7 +6072,7 @@
           <p:cNvSpPr txBox="1"/>
           <p:nvPr>
             <p:custDataLst>
-              <p:tags r:id="rId74"/>
+              <p:tags r:id="rId64"/>
             </p:custDataLst>
           </p:nvPr>
         </p:nvSpPr>
@@ -6600,7 +6110,7 @@
           <p:cNvSpPr txBox="1"/>
           <p:nvPr>
             <p:custDataLst>
-              <p:tags r:id="rId75"/>
+              <p:tags r:id="rId65"/>
             </p:custDataLst>
           </p:nvPr>
         </p:nvSpPr>
@@ -6639,7 +6149,7 @@
           <p:cNvSpPr txBox="1"/>
           <p:nvPr>
             <p:custDataLst>
-              <p:tags r:id="rId76"/>
+              <p:tags r:id="rId66"/>
             </p:custDataLst>
           </p:nvPr>
         </p:nvSpPr>
@@ -6675,7 +6185,7 @@
           <p:cNvSpPr txBox="1"/>
           <p:nvPr>
             <p:custDataLst>
-              <p:tags r:id="rId77"/>
+              <p:tags r:id="rId67"/>
             </p:custDataLst>
           </p:nvPr>
         </p:nvSpPr>
@@ -6711,7 +6221,7 @@
           <p:cNvSpPr txBox="1"/>
           <p:nvPr>
             <p:custDataLst>
-              <p:tags r:id="rId78"/>
+              <p:tags r:id="rId68"/>
             </p:custDataLst>
           </p:nvPr>
         </p:nvSpPr>
@@ -6749,7 +6259,7 @@
           <p:cNvSpPr txBox="1"/>
           <p:nvPr>
             <p:custDataLst>
-              <p:tags r:id="rId79"/>
+              <p:tags r:id="rId69"/>
             </p:custDataLst>
           </p:nvPr>
         </p:nvSpPr>
@@ -6787,7 +6297,7 @@
           <p:cNvSpPr txBox="1"/>
           <p:nvPr>
             <p:custDataLst>
-              <p:tags r:id="rId80"/>
+              <p:tags r:id="rId70"/>
             </p:custDataLst>
           </p:nvPr>
         </p:nvSpPr>
@@ -6825,7 +6335,7 @@
           <p:cNvSpPr txBox="1"/>
           <p:nvPr>
             <p:custDataLst>
-              <p:tags r:id="rId81"/>
+              <p:tags r:id="rId71"/>
             </p:custDataLst>
           </p:nvPr>
         </p:nvSpPr>
@@ -6864,7 +6374,7 @@
           <p:cNvSpPr txBox="1"/>
           <p:nvPr>
             <p:custDataLst>
-              <p:tags r:id="rId82"/>
+              <p:tags r:id="rId72"/>
             </p:custDataLst>
           </p:nvPr>
         </p:nvSpPr>
@@ -6900,7 +6410,7 @@
           <p:cNvSpPr txBox="1"/>
           <p:nvPr>
             <p:custDataLst>
-              <p:tags r:id="rId83"/>
+              <p:tags r:id="rId73"/>
             </p:custDataLst>
           </p:nvPr>
         </p:nvSpPr>
@@ -6936,7 +6446,7 @@
           <p:cNvSpPr txBox="1"/>
           <p:nvPr>
             <p:custDataLst>
-              <p:tags r:id="rId84"/>
+              <p:tags r:id="rId74"/>
             </p:custDataLst>
           </p:nvPr>
         </p:nvSpPr>
@@ -6974,7 +6484,7 @@
           <p:cNvSpPr txBox="1"/>
           <p:nvPr>
             <p:custDataLst>
-              <p:tags r:id="rId85"/>
+              <p:tags r:id="rId75"/>
             </p:custDataLst>
           </p:nvPr>
         </p:nvSpPr>
@@ -7012,7 +6522,7 @@
           <p:cNvSpPr txBox="1"/>
           <p:nvPr>
             <p:custDataLst>
-              <p:tags r:id="rId86"/>
+              <p:tags r:id="rId76"/>
             </p:custDataLst>
           </p:nvPr>
         </p:nvSpPr>
@@ -7050,7 +6560,7 @@
           <p:cNvSpPr txBox="1"/>
           <p:nvPr>
             <p:custDataLst>
-              <p:tags r:id="rId87"/>
+              <p:tags r:id="rId77"/>
             </p:custDataLst>
           </p:nvPr>
         </p:nvSpPr>
@@ -7086,7 +6596,7 @@
           <p:cNvSpPr txBox="1"/>
           <p:nvPr>
             <p:custDataLst>
-              <p:tags r:id="rId88"/>
+              <p:tags r:id="rId78"/>
             </p:custDataLst>
           </p:nvPr>
         </p:nvSpPr>
@@ -7122,7 +6632,7 @@
           <p:cNvSpPr txBox="1"/>
           <p:nvPr>
             <p:custDataLst>
-              <p:tags r:id="rId89"/>
+              <p:tags r:id="rId79"/>
             </p:custDataLst>
           </p:nvPr>
         </p:nvSpPr>
@@ -7158,7 +6668,7 @@
           <p:cNvSpPr txBox="1"/>
           <p:nvPr>
             <p:custDataLst>
-              <p:tags r:id="rId90"/>
+              <p:tags r:id="rId80"/>
             </p:custDataLst>
           </p:nvPr>
         </p:nvSpPr>
@@ -7196,7 +6706,7 @@
           <p:cNvSpPr txBox="1"/>
           <p:nvPr>
             <p:custDataLst>
-              <p:tags r:id="rId91"/>
+              <p:tags r:id="rId81"/>
             </p:custDataLst>
           </p:nvPr>
         </p:nvSpPr>
@@ -7240,7 +6750,7 @@
           <p:cNvSpPr txBox="1"/>
           <p:nvPr>
             <p:custDataLst>
-              <p:tags r:id="rId92"/>
+              <p:tags r:id="rId82"/>
             </p:custDataLst>
           </p:nvPr>
         </p:nvSpPr>
@@ -7284,7 +6794,7 @@
           <p:cNvSpPr txBox="1"/>
           <p:nvPr>
             <p:custDataLst>
-              <p:tags r:id="rId93"/>
+              <p:tags r:id="rId83"/>
             </p:custDataLst>
           </p:nvPr>
         </p:nvSpPr>
@@ -7321,7 +6831,7 @@
           <p:cNvSpPr txBox="1"/>
           <p:nvPr>
             <p:custDataLst>
-              <p:tags r:id="rId94"/>
+              <p:tags r:id="rId84"/>
             </p:custDataLst>
           </p:nvPr>
         </p:nvSpPr>
@@ -7362,7 +6872,7 @@
           <p:cNvSpPr txBox="1"/>
           <p:nvPr>
             <p:custDataLst>
-              <p:tags r:id="rId95"/>
+              <p:tags r:id="rId85"/>
             </p:custDataLst>
           </p:nvPr>
         </p:nvSpPr>
@@ -7403,7 +6913,7 @@
           <p:cNvSpPr txBox="1"/>
           <p:nvPr>
             <p:custDataLst>
-              <p:tags r:id="rId96"/>
+              <p:tags r:id="rId86"/>
             </p:custDataLst>
           </p:nvPr>
         </p:nvSpPr>
@@ -7447,7 +6957,7 @@
           <p:cNvSpPr txBox="1"/>
           <p:nvPr>
             <p:custDataLst>
-              <p:tags r:id="rId97"/>
+              <p:tags r:id="rId87"/>
             </p:custDataLst>
           </p:nvPr>
         </p:nvSpPr>
@@ -7491,7 +7001,7 @@
           <p:cNvSpPr txBox="1"/>
           <p:nvPr>
             <p:custDataLst>
-              <p:tags r:id="rId98"/>
+              <p:tags r:id="rId88"/>
             </p:custDataLst>
           </p:nvPr>
         </p:nvSpPr>
@@ -7528,7 +7038,7 @@
           <p:cNvSpPr txBox="1"/>
           <p:nvPr>
             <p:custDataLst>
-              <p:tags r:id="rId99"/>
+              <p:tags r:id="rId89"/>
             </p:custDataLst>
           </p:nvPr>
         </p:nvSpPr>
@@ -7565,7 +7075,7 @@
           <p:cNvSpPr txBox="1"/>
           <p:nvPr>
             <p:custDataLst>
-              <p:tags r:id="rId100"/>
+              <p:tags r:id="rId90"/>
             </p:custDataLst>
           </p:nvPr>
         </p:nvSpPr>
@@ -7602,7 +7112,7 @@
           <p:cNvSpPr txBox="1"/>
           <p:nvPr>
             <p:custDataLst>
-              <p:tags r:id="rId101"/>
+              <p:tags r:id="rId91"/>
             </p:custDataLst>
           </p:nvPr>
         </p:nvSpPr>
@@ -7646,7 +7156,7 @@
           <p:cNvSpPr txBox="1"/>
           <p:nvPr>
             <p:custDataLst>
-              <p:tags r:id="rId102"/>
+              <p:tags r:id="rId92"/>
             </p:custDataLst>
           </p:nvPr>
         </p:nvSpPr>
@@ -7690,7 +7200,7 @@
           <p:cNvSpPr txBox="1"/>
           <p:nvPr>
             <p:custDataLst>
-              <p:tags r:id="rId103"/>
+              <p:tags r:id="rId93"/>
             </p:custDataLst>
           </p:nvPr>
         </p:nvSpPr>
@@ -7734,7 +7244,7 @@
           <p:cNvSpPr/>
           <p:nvPr>
             <p:custDataLst>
-              <p:tags r:id="rId104"/>
+              <p:tags r:id="rId94"/>
             </p:custDataLst>
           </p:nvPr>
         </p:nvSpPr>
@@ -7803,23 +7313,23 @@
       </p:sp>
       <p:sp>
         <p:nvSpPr>
-          <p:cNvPr id="23" name="OTLSHAPE_M_86215524b2464d168a53e0c8a8a60f9a_Shape">
+          <p:cNvPr id="28" name="OTLSHAPE_M_315e3df03a234161b9519aae38b30fa2_Shape">
             <a:extLst>
               <a:ext uri="{FF2B5EF4-FFF2-40B4-BE49-F238E27FC236}">
-                <a16:creationId xmlns:a16="http://schemas.microsoft.com/office/drawing/2014/main" id="{5CBBB5F4-D447-4182-8A32-D87E113B847C}"/>
+                <a16:creationId xmlns:a16="http://schemas.microsoft.com/office/drawing/2014/main" id="{19F0F717-287A-49E9-B00A-5814A1D5611F}"/>
               </a:ext>
             </a:extLst>
           </p:cNvPr>
           <p:cNvSpPr/>
           <p:nvPr>
             <p:custDataLst>
-              <p:tags r:id="rId105"/>
-            </p:custDataLst>
-          </p:nvPr>
-        </p:nvSpPr>
-        <p:spPr>
-          <a:xfrm>
-            <a:off x="3718487" y="2044488"/>
+              <p:tags r:id="rId95"/>
+            </p:custDataLst>
+          </p:nvPr>
+        </p:nvSpPr>
+        <p:spPr>
+          <a:xfrm>
+            <a:off x="10847839" y="2044488"/>
             <a:ext cx="165100" cy="165100"/>
           </a:xfrm>
           <a:prstGeom prst="wave">
@@ -7882,23 +7392,23 @@
       </p:sp>
       <p:sp>
         <p:nvSpPr>
-          <p:cNvPr id="28" name="OTLSHAPE_M_315e3df03a234161b9519aae38b30fa2_Shape">
+          <p:cNvPr id="5854" name="OTLSHAPE_M_f36886370e824535b35719d05e608266_Shape">
             <a:extLst>
               <a:ext uri="{FF2B5EF4-FFF2-40B4-BE49-F238E27FC236}">
-                <a16:creationId xmlns:a16="http://schemas.microsoft.com/office/drawing/2014/main" id="{19F0F717-287A-49E9-B00A-5814A1D5611F}"/>
+                <a16:creationId xmlns:a16="http://schemas.microsoft.com/office/drawing/2014/main" id="{E86ECE9F-91F6-467D-9FE1-F9210E7C5058}"/>
               </a:ext>
             </a:extLst>
           </p:cNvPr>
           <p:cNvSpPr/>
           <p:nvPr>
             <p:custDataLst>
-              <p:tags r:id="rId106"/>
-            </p:custDataLst>
-          </p:nvPr>
-        </p:nvSpPr>
-        <p:spPr>
-          <a:xfrm>
-            <a:off x="10847839" y="2044488"/>
+              <p:tags r:id="rId96"/>
+            </p:custDataLst>
+          </p:nvPr>
+        </p:nvSpPr>
+        <p:spPr>
+          <a:xfrm>
+            <a:off x="2685960" y="1591945"/>
             <a:ext cx="165100" cy="165100"/>
           </a:xfrm>
           <a:prstGeom prst="wave">
@@ -7961,23 +7471,23 @@
       </p:sp>
       <p:sp>
         <p:nvSpPr>
-          <p:cNvPr id="5854" name="OTLSHAPE_M_f36886370e824535b35719d05e608266_Shape">
+          <p:cNvPr id="32" name="OTLSHAPE_M_440a7e1110954cea9aadfc599fcb2486_Shape">
             <a:extLst>
               <a:ext uri="{FF2B5EF4-FFF2-40B4-BE49-F238E27FC236}">
-                <a16:creationId xmlns:a16="http://schemas.microsoft.com/office/drawing/2014/main" id="{E86ECE9F-91F6-467D-9FE1-F9210E7C5058}"/>
+                <a16:creationId xmlns:a16="http://schemas.microsoft.com/office/drawing/2014/main" id="{3EF7CD39-8442-4A63-8B47-436313D47FBE}"/>
               </a:ext>
             </a:extLst>
           </p:cNvPr>
           <p:cNvSpPr/>
           <p:nvPr>
             <p:custDataLst>
-              <p:tags r:id="rId107"/>
-            </p:custDataLst>
-          </p:nvPr>
-        </p:nvSpPr>
-        <p:spPr>
-          <a:xfrm>
-            <a:off x="2685960" y="2044488"/>
+              <p:tags r:id="rId97"/>
+            </p:custDataLst>
+          </p:nvPr>
+        </p:nvSpPr>
+        <p:spPr>
+          <a:xfrm>
+            <a:off x="3374311" y="2044488"/>
             <a:ext cx="165100" cy="165100"/>
           </a:xfrm>
           <a:prstGeom prst="wave">
@@ -8040,480 +7550,6 @@
       </p:sp>
       <p:sp>
         <p:nvSpPr>
-          <p:cNvPr id="5860" name="OTLSHAPE_M_dfef137e3d2144a1a1ad46d61d1f855d_Shape">
-            <a:extLst>
-              <a:ext uri="{FF2B5EF4-FFF2-40B4-BE49-F238E27FC236}">
-                <a16:creationId xmlns:a16="http://schemas.microsoft.com/office/drawing/2014/main" id="{7ADE497C-BE53-4168-9138-6BFCC1E5444C}"/>
-              </a:ext>
-            </a:extLst>
-          </p:cNvPr>
-          <p:cNvSpPr/>
-          <p:nvPr>
-            <p:custDataLst>
-              <p:tags r:id="rId108"/>
-            </p:custDataLst>
-          </p:nvPr>
-        </p:nvSpPr>
-        <p:spPr>
-          <a:xfrm>
-            <a:off x="4751013" y="1591945"/>
-            <a:ext cx="165100" cy="165100"/>
-          </a:xfrm>
-          <a:prstGeom prst="wave">
-            <a:avLst/>
-          </a:prstGeom>
-          <a:solidFill>
-            <a:srgbClr val="EA161E"/>
-          </a:solidFill>
-          <a:ln w="12700" cap="flat" cmpd="sng" algn="ctr">
-            <a:noFill/>
-            <a:prstDash val="solid"/>
-            <a:miter lim="800000"/>
-          </a:ln>
-          <a:effectLst/>
-          <a:scene3d>
-            <a:camera prst="orthographicFront"/>
-            <a:lightRig rig="threePt" dir="t"/>
-          </a:scene3d>
-          <a:sp3d>
-            <a:bevelT h="12700"/>
-          </a:sp3d>
-          <a:extLst>
-            <a:ext uri="{91240B29-F687-4F45-9708-019B960494DF}">
-              <a14:hiddenLine xmlns:a14="http://schemas.microsoft.com/office/drawing/2010/main" w="12700" cap="flat" cmpd="sng" algn="ctr">
-                <a:solidFill>
-                  <a:schemeClr val="accent1">
-                    <a:shade val="50000"/>
-                  </a:schemeClr>
-                </a:solidFill>
-                <a:prstDash val="solid"/>
-                <a:miter lim="800000"/>
-              </a14:hiddenLine>
-            </a:ext>
-          </a:extLst>
-        </p:spPr>
-        <p:style>
-          <a:lnRef idx="2">
-            <a:schemeClr val="accent1">
-              <a:shade val="50000"/>
-            </a:schemeClr>
-          </a:lnRef>
-          <a:fillRef idx="1">
-            <a:schemeClr val="accent1"/>
-          </a:fillRef>
-          <a:effectRef idx="0">
-            <a:schemeClr val="accent1"/>
-          </a:effectRef>
-          <a:fontRef idx="minor">
-            <a:schemeClr val="lt1"/>
-          </a:fontRef>
-        </p:style>
-        <p:txBody>
-          <a:bodyPr rtlCol="0" anchor="ctr"/>
-          <a:lstStyle/>
-          <a:p>
-            <a:pPr algn="ctr"/>
-            <a:endParaRPr lang="en-US"/>
-          </a:p>
-        </p:txBody>
-      </p:sp>
-      <p:sp>
-        <p:nvSpPr>
-          <p:cNvPr id="5871" name="OTLSHAPE_M_45351634623e4dac9e68efe12bf51985_Shape">
-            <a:extLst>
-              <a:ext uri="{FF2B5EF4-FFF2-40B4-BE49-F238E27FC236}">
-                <a16:creationId xmlns:a16="http://schemas.microsoft.com/office/drawing/2014/main" id="{F4FFE471-573F-44B1-B4AF-076255BD524D}"/>
-              </a:ext>
-            </a:extLst>
-          </p:cNvPr>
-          <p:cNvSpPr/>
-          <p:nvPr>
-            <p:custDataLst>
-              <p:tags r:id="rId109"/>
-            </p:custDataLst>
-          </p:nvPr>
-        </p:nvSpPr>
-        <p:spPr>
-          <a:xfrm>
-            <a:off x="5095189" y="1139402"/>
-            <a:ext cx="165100" cy="165100"/>
-          </a:xfrm>
-          <a:prstGeom prst="wave">
-            <a:avLst/>
-          </a:prstGeom>
-          <a:solidFill>
-            <a:srgbClr val="EA161E"/>
-          </a:solidFill>
-          <a:ln w="12700" cap="flat" cmpd="sng" algn="ctr">
-            <a:noFill/>
-            <a:prstDash val="solid"/>
-            <a:miter lim="800000"/>
-          </a:ln>
-          <a:effectLst/>
-          <a:scene3d>
-            <a:camera prst="orthographicFront"/>
-            <a:lightRig rig="threePt" dir="t"/>
-          </a:scene3d>
-          <a:sp3d>
-            <a:bevelT h="12700"/>
-          </a:sp3d>
-          <a:extLst>
-            <a:ext uri="{91240B29-F687-4F45-9708-019B960494DF}">
-              <a14:hiddenLine xmlns:a14="http://schemas.microsoft.com/office/drawing/2010/main" w="12700" cap="flat" cmpd="sng" algn="ctr">
-                <a:solidFill>
-                  <a:schemeClr val="accent1">
-                    <a:shade val="50000"/>
-                  </a:schemeClr>
-                </a:solidFill>
-                <a:prstDash val="solid"/>
-                <a:miter lim="800000"/>
-              </a14:hiddenLine>
-            </a:ext>
-          </a:extLst>
-        </p:spPr>
-        <p:style>
-          <a:lnRef idx="2">
-            <a:schemeClr val="accent1">
-              <a:shade val="50000"/>
-            </a:schemeClr>
-          </a:lnRef>
-          <a:fillRef idx="1">
-            <a:schemeClr val="accent1"/>
-          </a:fillRef>
-          <a:effectRef idx="0">
-            <a:schemeClr val="accent1"/>
-          </a:effectRef>
-          <a:fontRef idx="minor">
-            <a:schemeClr val="lt1"/>
-          </a:fontRef>
-        </p:style>
-        <p:txBody>
-          <a:bodyPr rtlCol="0" anchor="ctr"/>
-          <a:lstStyle/>
-          <a:p>
-            <a:pPr algn="ctr"/>
-            <a:endParaRPr lang="en-US"/>
-          </a:p>
-        </p:txBody>
-      </p:sp>
-      <p:sp>
-        <p:nvSpPr>
-          <p:cNvPr id="5874" name="OTLSHAPE_M_6dca38e720904c3d9d8a6d406403c016_Shape">
-            <a:extLst>
-              <a:ext uri="{FF2B5EF4-FFF2-40B4-BE49-F238E27FC236}">
-                <a16:creationId xmlns:a16="http://schemas.microsoft.com/office/drawing/2014/main" id="{F7F6AD12-3556-43F6-8620-9F6E71E52F05}"/>
-              </a:ext>
-            </a:extLst>
-          </p:cNvPr>
-          <p:cNvSpPr/>
-          <p:nvPr>
-            <p:custDataLst>
-              <p:tags r:id="rId110"/>
-            </p:custDataLst>
-          </p:nvPr>
-        </p:nvSpPr>
-        <p:spPr>
-          <a:xfrm>
-            <a:off x="5439365" y="2044488"/>
-            <a:ext cx="165100" cy="165100"/>
-          </a:xfrm>
-          <a:prstGeom prst="wave">
-            <a:avLst/>
-          </a:prstGeom>
-          <a:solidFill>
-            <a:srgbClr val="EA161E"/>
-          </a:solidFill>
-          <a:ln w="12700" cap="flat" cmpd="sng" algn="ctr">
-            <a:noFill/>
-            <a:prstDash val="solid"/>
-            <a:miter lim="800000"/>
-          </a:ln>
-          <a:effectLst/>
-          <a:scene3d>
-            <a:camera prst="orthographicFront"/>
-            <a:lightRig rig="threePt" dir="t"/>
-          </a:scene3d>
-          <a:sp3d>
-            <a:bevelT h="12700"/>
-          </a:sp3d>
-          <a:extLst>
-            <a:ext uri="{91240B29-F687-4F45-9708-019B960494DF}">
-              <a14:hiddenLine xmlns:a14="http://schemas.microsoft.com/office/drawing/2010/main" w="12700" cap="flat" cmpd="sng" algn="ctr">
-                <a:solidFill>
-                  <a:schemeClr val="accent1">
-                    <a:shade val="50000"/>
-                  </a:schemeClr>
-                </a:solidFill>
-                <a:prstDash val="solid"/>
-                <a:miter lim="800000"/>
-              </a14:hiddenLine>
-            </a:ext>
-          </a:extLst>
-        </p:spPr>
-        <p:style>
-          <a:lnRef idx="2">
-            <a:schemeClr val="accent1">
-              <a:shade val="50000"/>
-            </a:schemeClr>
-          </a:lnRef>
-          <a:fillRef idx="1">
-            <a:schemeClr val="accent1"/>
-          </a:fillRef>
-          <a:effectRef idx="0">
-            <a:schemeClr val="accent1"/>
-          </a:effectRef>
-          <a:fontRef idx="minor">
-            <a:schemeClr val="lt1"/>
-          </a:fontRef>
-        </p:style>
-        <p:txBody>
-          <a:bodyPr rtlCol="0" anchor="ctr"/>
-          <a:lstStyle/>
-          <a:p>
-            <a:pPr algn="ctr"/>
-            <a:endParaRPr lang="en-US"/>
-          </a:p>
-        </p:txBody>
-      </p:sp>
-      <p:sp>
-        <p:nvSpPr>
-          <p:cNvPr id="5877" name="OTLSHAPE_M_4aad3cfad9f74dd9a1696b4994f0ef33_Shape">
-            <a:extLst>
-              <a:ext uri="{FF2B5EF4-FFF2-40B4-BE49-F238E27FC236}">
-                <a16:creationId xmlns:a16="http://schemas.microsoft.com/office/drawing/2014/main" id="{874D7CDA-A9D2-4664-B145-337B140007EC}"/>
-              </a:ext>
-            </a:extLst>
-          </p:cNvPr>
-          <p:cNvSpPr/>
-          <p:nvPr>
-            <p:custDataLst>
-              <p:tags r:id="rId111"/>
-            </p:custDataLst>
-          </p:nvPr>
-        </p:nvSpPr>
-        <p:spPr>
-          <a:xfrm>
-            <a:off x="7160243" y="2044488"/>
-            <a:ext cx="165100" cy="165100"/>
-          </a:xfrm>
-          <a:prstGeom prst="wave">
-            <a:avLst/>
-          </a:prstGeom>
-          <a:solidFill>
-            <a:srgbClr val="EA161E"/>
-          </a:solidFill>
-          <a:ln w="12700" cap="flat" cmpd="sng" algn="ctr">
-            <a:noFill/>
-            <a:prstDash val="solid"/>
-            <a:miter lim="800000"/>
-          </a:ln>
-          <a:effectLst/>
-          <a:scene3d>
-            <a:camera prst="orthographicFront"/>
-            <a:lightRig rig="threePt" dir="t"/>
-          </a:scene3d>
-          <a:sp3d>
-            <a:bevelT h="12700"/>
-          </a:sp3d>
-          <a:extLst>
-            <a:ext uri="{91240B29-F687-4F45-9708-019B960494DF}">
-              <a14:hiddenLine xmlns:a14="http://schemas.microsoft.com/office/drawing/2010/main" w="12700" cap="flat" cmpd="sng" algn="ctr">
-                <a:solidFill>
-                  <a:schemeClr val="accent1">
-                    <a:shade val="50000"/>
-                  </a:schemeClr>
-                </a:solidFill>
-                <a:prstDash val="solid"/>
-                <a:miter lim="800000"/>
-              </a14:hiddenLine>
-            </a:ext>
-          </a:extLst>
-        </p:spPr>
-        <p:style>
-          <a:lnRef idx="2">
-            <a:schemeClr val="accent1">
-              <a:shade val="50000"/>
-            </a:schemeClr>
-          </a:lnRef>
-          <a:fillRef idx="1">
-            <a:schemeClr val="accent1"/>
-          </a:fillRef>
-          <a:effectRef idx="0">
-            <a:schemeClr val="accent1"/>
-          </a:effectRef>
-          <a:fontRef idx="minor">
-            <a:schemeClr val="lt1"/>
-          </a:fontRef>
-        </p:style>
-        <p:txBody>
-          <a:bodyPr rtlCol="0" anchor="ctr"/>
-          <a:lstStyle/>
-          <a:p>
-            <a:pPr algn="ctr"/>
-            <a:endParaRPr lang="en-US"/>
-          </a:p>
-        </p:txBody>
-      </p:sp>
-      <p:sp>
-        <p:nvSpPr>
-          <p:cNvPr id="5880" name="OTLSHAPE_M_02c7cefed8c249b097bd6c5821cd93c5_Shape">
-            <a:extLst>
-              <a:ext uri="{FF2B5EF4-FFF2-40B4-BE49-F238E27FC236}">
-                <a16:creationId xmlns:a16="http://schemas.microsoft.com/office/drawing/2014/main" id="{768401BF-EEF5-4D8F-84E3-1652358DB14A}"/>
-              </a:ext>
-            </a:extLst>
-          </p:cNvPr>
-          <p:cNvSpPr/>
-          <p:nvPr>
-            <p:custDataLst>
-              <p:tags r:id="rId112"/>
-            </p:custDataLst>
-          </p:nvPr>
-        </p:nvSpPr>
-        <p:spPr>
-          <a:xfrm>
-            <a:off x="7160243" y="687479"/>
-            <a:ext cx="165100" cy="165100"/>
-          </a:xfrm>
-          <a:prstGeom prst="wave">
-            <a:avLst/>
-          </a:prstGeom>
-          <a:solidFill>
-            <a:srgbClr val="EA161E"/>
-          </a:solidFill>
-          <a:ln w="12700" cap="flat" cmpd="sng" algn="ctr">
-            <a:noFill/>
-            <a:prstDash val="solid"/>
-            <a:miter lim="800000"/>
-          </a:ln>
-          <a:effectLst/>
-          <a:scene3d>
-            <a:camera prst="orthographicFront"/>
-            <a:lightRig rig="threePt" dir="t"/>
-          </a:scene3d>
-          <a:sp3d>
-            <a:bevelT h="12700"/>
-          </a:sp3d>
-          <a:extLst>
-            <a:ext uri="{91240B29-F687-4F45-9708-019B960494DF}">
-              <a14:hiddenLine xmlns:a14="http://schemas.microsoft.com/office/drawing/2010/main" w="12700" cap="flat" cmpd="sng" algn="ctr">
-                <a:solidFill>
-                  <a:schemeClr val="accent1">
-                    <a:shade val="50000"/>
-                  </a:schemeClr>
-                </a:solidFill>
-                <a:prstDash val="solid"/>
-                <a:miter lim="800000"/>
-              </a14:hiddenLine>
-            </a:ext>
-          </a:extLst>
-        </p:spPr>
-        <p:style>
-          <a:lnRef idx="2">
-            <a:schemeClr val="accent1">
-              <a:shade val="50000"/>
-            </a:schemeClr>
-          </a:lnRef>
-          <a:fillRef idx="1">
-            <a:schemeClr val="accent1"/>
-          </a:fillRef>
-          <a:effectRef idx="0">
-            <a:schemeClr val="accent1"/>
-          </a:effectRef>
-          <a:fontRef idx="minor">
-            <a:schemeClr val="lt1"/>
-          </a:fontRef>
-        </p:style>
-        <p:txBody>
-          <a:bodyPr rtlCol="0" anchor="ctr"/>
-          <a:lstStyle/>
-          <a:p>
-            <a:pPr algn="ctr"/>
-            <a:endParaRPr lang="en-US"/>
-          </a:p>
-        </p:txBody>
-      </p:sp>
-      <p:sp>
-        <p:nvSpPr>
-          <p:cNvPr id="5883" name="OTLSHAPE_M_b157ec27d0d14d549b1406fcd5e60d7b_Shape">
-            <a:extLst>
-              <a:ext uri="{FF2B5EF4-FFF2-40B4-BE49-F238E27FC236}">
-                <a16:creationId xmlns:a16="http://schemas.microsoft.com/office/drawing/2014/main" id="{DDAE2DFE-155C-4F87-BCE5-F571F21D3FCB}"/>
-              </a:ext>
-            </a:extLst>
-          </p:cNvPr>
-          <p:cNvSpPr/>
-          <p:nvPr>
-            <p:custDataLst>
-              <p:tags r:id="rId113"/>
-            </p:custDataLst>
-          </p:nvPr>
-        </p:nvSpPr>
-        <p:spPr>
-          <a:xfrm>
-            <a:off x="7160243" y="1140023"/>
-            <a:ext cx="165100" cy="165100"/>
-          </a:xfrm>
-          <a:prstGeom prst="wave">
-            <a:avLst/>
-          </a:prstGeom>
-          <a:solidFill>
-            <a:srgbClr val="EA161E"/>
-          </a:solidFill>
-          <a:ln w="12700" cap="flat" cmpd="sng" algn="ctr">
-            <a:noFill/>
-            <a:prstDash val="solid"/>
-            <a:miter lim="800000"/>
-          </a:ln>
-          <a:effectLst/>
-          <a:scene3d>
-            <a:camera prst="orthographicFront"/>
-            <a:lightRig rig="threePt" dir="t"/>
-          </a:scene3d>
-          <a:sp3d>
-            <a:bevelT h="12700"/>
-          </a:sp3d>
-          <a:extLst>
-            <a:ext uri="{91240B29-F687-4F45-9708-019B960494DF}">
-              <a14:hiddenLine xmlns:a14="http://schemas.microsoft.com/office/drawing/2010/main" w="12700" cap="flat" cmpd="sng" algn="ctr">
-                <a:solidFill>
-                  <a:schemeClr val="accent1">
-                    <a:shade val="50000"/>
-                  </a:schemeClr>
-                </a:solidFill>
-                <a:prstDash val="solid"/>
-                <a:miter lim="800000"/>
-              </a14:hiddenLine>
-            </a:ext>
-          </a:extLst>
-        </p:spPr>
-        <p:style>
-          <a:lnRef idx="2">
-            <a:schemeClr val="accent1">
-              <a:shade val="50000"/>
-            </a:schemeClr>
-          </a:lnRef>
-          <a:fillRef idx="1">
-            <a:schemeClr val="accent1"/>
-          </a:fillRef>
-          <a:effectRef idx="0">
-            <a:schemeClr val="accent1"/>
-          </a:effectRef>
-          <a:fontRef idx="minor">
-            <a:schemeClr val="lt1"/>
-          </a:fontRef>
-        </p:style>
-        <p:txBody>
-          <a:bodyPr rtlCol="0" anchor="ctr"/>
-          <a:lstStyle/>
-          <a:p>
-            <a:pPr algn="ctr"/>
-            <a:endParaRPr lang="en-US"/>
-          </a:p>
-        </p:txBody>
-      </p:sp>
-      <p:sp>
-        <p:nvSpPr>
           <p:cNvPr id="18" name="OTLSHAPE_M_841a70fcf0844b768bd3c93d8e82cdc4_Title">
             <a:extLst>
               <a:ext uri="{FF2B5EF4-FFF2-40B4-BE49-F238E27FC236}">
@@ -8524,7 +7560,7 @@
           <p:cNvSpPr txBox="1"/>
           <p:nvPr>
             <p:custDataLst>
-              <p:tags r:id="rId114"/>
+              <p:tags r:id="rId98"/>
             </p:custDataLst>
           </p:nvPr>
         </p:nvSpPr>
@@ -8568,7 +7604,7 @@
           <p:cNvSpPr txBox="1"/>
           <p:nvPr>
             <p:custDataLst>
-              <p:tags r:id="rId115"/>
+              <p:tags r:id="rId99"/>
             </p:custDataLst>
           </p:nvPr>
         </p:nvSpPr>
@@ -8596,94 +7632,6 @@
                 <a:latin typeface="Calibri" panose="020F0502020204030204" pitchFamily="34" charset="0"/>
               </a:rPr>
               <a:t>Nov 9</a:t>
-            </a:r>
-          </a:p>
-        </p:txBody>
-      </p:sp>
-      <p:sp>
-        <p:nvSpPr>
-          <p:cNvPr id="21" name="OTLSHAPE_M_86215524b2464d168a53e0c8a8a60f9a_Title">
-            <a:extLst>
-              <a:ext uri="{FF2B5EF4-FFF2-40B4-BE49-F238E27FC236}">
-                <a16:creationId xmlns:a16="http://schemas.microsoft.com/office/drawing/2014/main" id="{DC41A59E-5300-4456-B8D3-8CC1A86AC48F}"/>
-              </a:ext>
-            </a:extLst>
-          </p:cNvPr>
-          <p:cNvSpPr txBox="1"/>
-          <p:nvPr>
-            <p:custDataLst>
-              <p:tags r:id="rId116"/>
-            </p:custDataLst>
-          </p:nvPr>
-        </p:nvSpPr>
-        <p:spPr>
-          <a:xfrm>
-            <a:off x="3915337" y="1932517"/>
-            <a:ext cx="1257300" cy="170519"/>
-          </a:xfrm>
-          <a:prstGeom prst="rect">
-            <a:avLst/>
-          </a:prstGeom>
-          <a:noFill/>
-        </p:spPr>
-        <p:txBody>
-          <a:bodyPr vert="horz" wrap="square" lIns="0" tIns="0" rIns="0" bIns="0" rtlCol="0" anchor="ctr" anchorCtr="0">
-            <a:spAutoFit/>
-          </a:bodyPr>
-          <a:lstStyle/>
-          <a:p>
-            <a:r>
-              <a:rPr lang="en-US" sz="1100" spc="-4" dirty="0">
-                <a:solidFill>
-                  <a:schemeClr val="dk1"/>
-                </a:solidFill>
-                <a:latin typeface="Calibri" panose="020F0502020204030204" pitchFamily="34" charset="0"/>
-              </a:rPr>
-              <a:t>Release RE &amp; AR &amp; DD</a:t>
-            </a:r>
-          </a:p>
-        </p:txBody>
-      </p:sp>
-      <p:sp>
-        <p:nvSpPr>
-          <p:cNvPr id="22" name="OTLSHAPE_M_86215524b2464d168a53e0c8a8a60f9a_Date">
-            <a:extLst>
-              <a:ext uri="{FF2B5EF4-FFF2-40B4-BE49-F238E27FC236}">
-                <a16:creationId xmlns:a16="http://schemas.microsoft.com/office/drawing/2014/main" id="{6BF2F384-31B9-45C8-8559-20A2797EB6D4}"/>
-              </a:ext>
-            </a:extLst>
-          </p:cNvPr>
-          <p:cNvSpPr txBox="1"/>
-          <p:nvPr>
-            <p:custDataLst>
-              <p:tags r:id="rId117"/>
-            </p:custDataLst>
-          </p:nvPr>
-        </p:nvSpPr>
-        <p:spPr>
-          <a:xfrm>
-            <a:off x="3915337" y="2115735"/>
-            <a:ext cx="292100" cy="155025"/>
-          </a:xfrm>
-          <a:prstGeom prst="rect">
-            <a:avLst/>
-          </a:prstGeom>
-          <a:noFill/>
-        </p:spPr>
-        <p:txBody>
-          <a:bodyPr vert="horz" wrap="square" lIns="0" tIns="0" rIns="0" bIns="0" rtlCol="0" anchor="ctr" anchorCtr="0">
-            <a:spAutoFit/>
-          </a:bodyPr>
-          <a:lstStyle/>
-          <a:p>
-            <a:r>
-              <a:rPr lang="en-US" sz="1000" spc="-6">
-                <a:solidFill>
-                  <a:schemeClr val="dk2"/>
-                </a:solidFill>
-                <a:latin typeface="Calibri" panose="020F0502020204030204" pitchFamily="34" charset="0"/>
-              </a:rPr>
-              <a:t>Dec 7</a:t>
             </a:r>
           </a:p>
         </p:txBody>
@@ -8700,7 +7648,7 @@
           <p:cNvSpPr txBox="1"/>
           <p:nvPr>
             <p:custDataLst>
-              <p:tags r:id="rId118"/>
+              <p:tags r:id="rId100"/>
             </p:custDataLst>
           </p:nvPr>
         </p:nvSpPr>
@@ -8744,7 +7692,7 @@
           <p:cNvSpPr txBox="1"/>
           <p:nvPr>
             <p:custDataLst>
-              <p:tags r:id="rId119"/>
+              <p:tags r:id="rId101"/>
             </p:custDataLst>
           </p:nvPr>
         </p:nvSpPr>
@@ -8788,13 +7736,13 @@
           <p:cNvSpPr txBox="1"/>
           <p:nvPr>
             <p:custDataLst>
-              <p:tags r:id="rId120"/>
-            </p:custDataLst>
-          </p:nvPr>
-        </p:nvSpPr>
-        <p:spPr>
-          <a:xfrm>
-            <a:off x="2882810" y="1932517"/>
+              <p:tags r:id="rId102"/>
+            </p:custDataLst>
+          </p:nvPr>
+        </p:nvSpPr>
+        <p:spPr>
+          <a:xfrm>
+            <a:off x="2882810" y="1479973"/>
             <a:ext cx="495300" cy="170519"/>
           </a:xfrm>
           <a:prstGeom prst="rect">
@@ -8832,13 +7780,13 @@
           <p:cNvSpPr txBox="1"/>
           <p:nvPr>
             <p:custDataLst>
-              <p:tags r:id="rId121"/>
-            </p:custDataLst>
-          </p:nvPr>
-        </p:nvSpPr>
-        <p:spPr>
-          <a:xfrm>
-            <a:off x="2882810" y="2115735"/>
+              <p:tags r:id="rId103"/>
+            </p:custDataLst>
+          </p:nvPr>
+        </p:nvSpPr>
+        <p:spPr>
+          <a:xfrm>
+            <a:off x="2882810" y="1663192"/>
             <a:ext cx="368300" cy="155025"/>
           </a:xfrm>
           <a:prstGeom prst="rect">
@@ -8866,24 +7814,24 @@
       </p:sp>
       <p:sp>
         <p:nvSpPr>
-          <p:cNvPr id="5858" name="OTLSHAPE_M_dfef137e3d2144a1a1ad46d61d1f855d_Title">
+          <p:cNvPr id="30" name="OTLSHAPE_M_440a7e1110954cea9aadfc599fcb2486_Title">
             <a:extLst>
               <a:ext uri="{FF2B5EF4-FFF2-40B4-BE49-F238E27FC236}">
-                <a16:creationId xmlns:a16="http://schemas.microsoft.com/office/drawing/2014/main" id="{4F959D90-B63E-40C4-8FAC-9CA852D3B54C}"/>
+                <a16:creationId xmlns:a16="http://schemas.microsoft.com/office/drawing/2014/main" id="{DE82AA4C-1C1B-4A93-9F83-B5AFC588CA96}"/>
               </a:ext>
             </a:extLst>
           </p:cNvPr>
           <p:cNvSpPr txBox="1"/>
           <p:nvPr>
             <p:custDataLst>
-              <p:tags r:id="rId122"/>
-            </p:custDataLst>
-          </p:nvPr>
-        </p:nvSpPr>
-        <p:spPr>
-          <a:xfrm>
-            <a:off x="4947863" y="1479973"/>
-            <a:ext cx="1066800" cy="170519"/>
+              <p:tags r:id="rId104"/>
+            </p:custDataLst>
+          </p:nvPr>
+        </p:nvSpPr>
+        <p:spPr>
+          <a:xfrm>
+            <a:off x="3571161" y="1932517"/>
+            <a:ext cx="876300" cy="170519"/>
           </a:xfrm>
           <a:prstGeom prst="rect">
             <a:avLst/>
@@ -8897,37 +7845,37 @@
           <a:lstStyle/>
           <a:p>
             <a:r>
-              <a:rPr lang="en-US" sz="1100" spc="-4" dirty="0">
+              <a:rPr lang="en-US" sz="1100" spc="-4">
                 <a:solidFill>
                   <a:schemeClr val="dk1"/>
                 </a:solidFill>
                 <a:latin typeface="Calibri" panose="020F0502020204030204" pitchFamily="34" charset="0"/>
               </a:rPr>
-              <a:t>Release Function 1</a:t>
-            </a:r>
-          </a:p>
-        </p:txBody>
-      </p:sp>
-      <p:sp>
-        <p:nvSpPr>
-          <p:cNvPr id="5859" name="OTLSHAPE_M_dfef137e3d2144a1a1ad46d61d1f855d_Date">
+              <a:t>Baseline RE, AR</a:t>
+            </a:r>
+          </a:p>
+        </p:txBody>
+      </p:sp>
+      <p:sp>
+        <p:nvSpPr>
+          <p:cNvPr id="31" name="OTLSHAPE_M_440a7e1110954cea9aadfc599fcb2486_Date">
             <a:extLst>
               <a:ext uri="{FF2B5EF4-FFF2-40B4-BE49-F238E27FC236}">
-                <a16:creationId xmlns:a16="http://schemas.microsoft.com/office/drawing/2014/main" id="{79035697-FDD0-4444-ADD1-077545ECEBAE}"/>
+                <a16:creationId xmlns:a16="http://schemas.microsoft.com/office/drawing/2014/main" id="{D54352CA-DEFA-4328-9FAA-489B15B1F1D0}"/>
               </a:ext>
             </a:extLst>
           </p:cNvPr>
           <p:cNvSpPr txBox="1"/>
           <p:nvPr>
             <p:custDataLst>
-              <p:tags r:id="rId123"/>
-            </p:custDataLst>
-          </p:nvPr>
-        </p:nvSpPr>
-        <p:spPr>
-          <a:xfrm>
-            <a:off x="4947863" y="1663192"/>
-            <a:ext cx="355600" cy="155025"/>
+              <p:tags r:id="rId105"/>
+            </p:custDataLst>
+          </p:nvPr>
+        </p:nvSpPr>
+        <p:spPr>
+          <a:xfrm>
+            <a:off x="3571161" y="2115735"/>
+            <a:ext cx="368300" cy="155025"/>
           </a:xfrm>
           <a:prstGeom prst="rect">
             <a:avLst/>
@@ -8947,447 +7895,7 @@
                 </a:solidFill>
                 <a:latin typeface="Calibri" panose="020F0502020204030204" pitchFamily="34" charset="0"/>
               </a:rPr>
-              <a:t>Dec 28</a:t>
-            </a:r>
-          </a:p>
-        </p:txBody>
-      </p:sp>
-      <p:sp>
-        <p:nvSpPr>
-          <p:cNvPr id="5869" name="OTLSHAPE_M_45351634623e4dac9e68efe12bf51985_Title">
-            <a:extLst>
-              <a:ext uri="{FF2B5EF4-FFF2-40B4-BE49-F238E27FC236}">
-                <a16:creationId xmlns:a16="http://schemas.microsoft.com/office/drawing/2014/main" id="{D60031A3-41D2-4814-913E-78E21CDDC47E}"/>
-              </a:ext>
-            </a:extLst>
-          </p:cNvPr>
-          <p:cNvSpPr txBox="1"/>
-          <p:nvPr>
-            <p:custDataLst>
-              <p:tags r:id="rId124"/>
-            </p:custDataLst>
-          </p:nvPr>
-        </p:nvSpPr>
-        <p:spPr>
-          <a:xfrm>
-            <a:off x="5292039" y="1027430"/>
-            <a:ext cx="1066800" cy="170519"/>
-          </a:xfrm>
-          <a:prstGeom prst="rect">
-            <a:avLst/>
-          </a:prstGeom>
-          <a:noFill/>
-        </p:spPr>
-        <p:txBody>
-          <a:bodyPr vert="horz" wrap="square" lIns="0" tIns="0" rIns="0" bIns="0" rtlCol="0" anchor="ctr" anchorCtr="0">
-            <a:spAutoFit/>
-          </a:bodyPr>
-          <a:lstStyle/>
-          <a:p>
-            <a:r>
-              <a:rPr lang="en-US" sz="1100" spc="-4" dirty="0">
-                <a:solidFill>
-                  <a:schemeClr val="dk1"/>
-                </a:solidFill>
-                <a:latin typeface="Calibri" panose="020F0502020204030204" pitchFamily="34" charset="0"/>
-              </a:rPr>
-              <a:t>Release Function 2</a:t>
-            </a:r>
-          </a:p>
-        </p:txBody>
-      </p:sp>
-      <p:sp>
-        <p:nvSpPr>
-          <p:cNvPr id="5870" name="OTLSHAPE_M_45351634623e4dac9e68efe12bf51985_Date">
-            <a:extLst>
-              <a:ext uri="{FF2B5EF4-FFF2-40B4-BE49-F238E27FC236}">
-                <a16:creationId xmlns:a16="http://schemas.microsoft.com/office/drawing/2014/main" id="{95ED5C08-832E-498B-A947-677E44E13A37}"/>
-              </a:ext>
-            </a:extLst>
-          </p:cNvPr>
-          <p:cNvSpPr txBox="1"/>
-          <p:nvPr>
-            <p:custDataLst>
-              <p:tags r:id="rId125"/>
-            </p:custDataLst>
-          </p:nvPr>
-        </p:nvSpPr>
-        <p:spPr>
-          <a:xfrm>
-            <a:off x="5292039" y="1210649"/>
-            <a:ext cx="266700" cy="155025"/>
-          </a:xfrm>
-          <a:prstGeom prst="rect">
-            <a:avLst/>
-          </a:prstGeom>
-          <a:noFill/>
-        </p:spPr>
-        <p:txBody>
-          <a:bodyPr vert="horz" wrap="square" lIns="0" tIns="0" rIns="0" bIns="0" rtlCol="0" anchor="ctr" anchorCtr="0">
-            <a:spAutoFit/>
-          </a:bodyPr>
-          <a:lstStyle/>
-          <a:p>
-            <a:r>
-              <a:rPr lang="en-US" sz="1000" spc="-6">
-                <a:solidFill>
-                  <a:schemeClr val="dk2"/>
-                </a:solidFill>
-                <a:latin typeface="Calibri" panose="020F0502020204030204" pitchFamily="34" charset="0"/>
-              </a:rPr>
-              <a:t>Jan 4</a:t>
-            </a:r>
-          </a:p>
-        </p:txBody>
-      </p:sp>
-      <p:sp>
-        <p:nvSpPr>
-          <p:cNvPr id="5872" name="OTLSHAPE_M_6dca38e720904c3d9d8a6d406403c016_Title">
-            <a:extLst>
-              <a:ext uri="{FF2B5EF4-FFF2-40B4-BE49-F238E27FC236}">
-                <a16:creationId xmlns:a16="http://schemas.microsoft.com/office/drawing/2014/main" id="{1B859E42-09E4-453D-8B75-1537FEC4F4DF}"/>
-              </a:ext>
-            </a:extLst>
-          </p:cNvPr>
-          <p:cNvSpPr txBox="1"/>
-          <p:nvPr>
-            <p:custDataLst>
-              <p:tags r:id="rId126"/>
-            </p:custDataLst>
-          </p:nvPr>
-        </p:nvSpPr>
-        <p:spPr>
-          <a:xfrm>
-            <a:off x="5636215" y="1932517"/>
-            <a:ext cx="1066800" cy="170519"/>
-          </a:xfrm>
-          <a:prstGeom prst="rect">
-            <a:avLst/>
-          </a:prstGeom>
-          <a:noFill/>
-        </p:spPr>
-        <p:txBody>
-          <a:bodyPr vert="horz" wrap="square" lIns="0" tIns="0" rIns="0" bIns="0" rtlCol="0" anchor="ctr" anchorCtr="0">
-            <a:spAutoFit/>
-          </a:bodyPr>
-          <a:lstStyle/>
-          <a:p>
-            <a:r>
-              <a:rPr lang="en-US" sz="1100" spc="-4" dirty="0">
-                <a:solidFill>
-                  <a:schemeClr val="dk1"/>
-                </a:solidFill>
-                <a:latin typeface="Calibri" panose="020F0502020204030204" pitchFamily="34" charset="0"/>
-              </a:rPr>
-              <a:t>Release Function 3</a:t>
-            </a:r>
-          </a:p>
-        </p:txBody>
-      </p:sp>
-      <p:sp>
-        <p:nvSpPr>
-          <p:cNvPr id="5873" name="OTLSHAPE_M_6dca38e720904c3d9d8a6d406403c016_Date">
-            <a:extLst>
-              <a:ext uri="{FF2B5EF4-FFF2-40B4-BE49-F238E27FC236}">
-                <a16:creationId xmlns:a16="http://schemas.microsoft.com/office/drawing/2014/main" id="{D8C505F4-DC94-4132-8DC3-8E0E9BCE4400}"/>
-              </a:ext>
-            </a:extLst>
-          </p:cNvPr>
-          <p:cNvSpPr txBox="1"/>
-          <p:nvPr>
-            <p:custDataLst>
-              <p:tags r:id="rId127"/>
-            </p:custDataLst>
-          </p:nvPr>
-        </p:nvSpPr>
-        <p:spPr>
-          <a:xfrm>
-            <a:off x="5636215" y="2115735"/>
-            <a:ext cx="330200" cy="155025"/>
-          </a:xfrm>
-          <a:prstGeom prst="rect">
-            <a:avLst/>
-          </a:prstGeom>
-          <a:noFill/>
-        </p:spPr>
-        <p:txBody>
-          <a:bodyPr vert="horz" wrap="square" lIns="0" tIns="0" rIns="0" bIns="0" rtlCol="0" anchor="ctr" anchorCtr="0">
-            <a:spAutoFit/>
-          </a:bodyPr>
-          <a:lstStyle/>
-          <a:p>
-            <a:r>
-              <a:rPr lang="en-US" sz="1000" spc="-6">
-                <a:solidFill>
-                  <a:schemeClr val="dk2"/>
-                </a:solidFill>
-                <a:latin typeface="Calibri" panose="020F0502020204030204" pitchFamily="34" charset="0"/>
-              </a:rPr>
-              <a:t>Jan 11</a:t>
-            </a:r>
-          </a:p>
-        </p:txBody>
-      </p:sp>
-      <p:sp>
-        <p:nvSpPr>
-          <p:cNvPr id="5875" name="OTLSHAPE_M_4aad3cfad9f74dd9a1696b4994f0ef33_Title">
-            <a:extLst>
-              <a:ext uri="{FF2B5EF4-FFF2-40B4-BE49-F238E27FC236}">
-                <a16:creationId xmlns:a16="http://schemas.microsoft.com/office/drawing/2014/main" id="{2BB3BF1F-0F81-459B-A14F-0240A9F38134}"/>
-              </a:ext>
-            </a:extLst>
-          </p:cNvPr>
-          <p:cNvSpPr txBox="1"/>
-          <p:nvPr>
-            <p:custDataLst>
-              <p:tags r:id="rId128"/>
-            </p:custDataLst>
-          </p:nvPr>
-        </p:nvSpPr>
-        <p:spPr>
-          <a:xfrm>
-            <a:off x="7357093" y="1932517"/>
-            <a:ext cx="1066800" cy="170519"/>
-          </a:xfrm>
-          <a:prstGeom prst="rect">
-            <a:avLst/>
-          </a:prstGeom>
-          <a:noFill/>
-        </p:spPr>
-        <p:txBody>
-          <a:bodyPr vert="horz" wrap="square" lIns="0" tIns="0" rIns="0" bIns="0" rtlCol="0" anchor="ctr" anchorCtr="0">
-            <a:spAutoFit/>
-          </a:bodyPr>
-          <a:lstStyle/>
-          <a:p>
-            <a:r>
-              <a:rPr lang="en-US" sz="1100" spc="-4" dirty="0">
-                <a:solidFill>
-                  <a:schemeClr val="dk1"/>
-                </a:solidFill>
-                <a:latin typeface="Calibri" panose="020F0502020204030204" pitchFamily="34" charset="0"/>
-              </a:rPr>
-              <a:t>Release Function 4</a:t>
-            </a:r>
-          </a:p>
-        </p:txBody>
-      </p:sp>
-      <p:sp>
-        <p:nvSpPr>
-          <p:cNvPr id="5876" name="OTLSHAPE_M_4aad3cfad9f74dd9a1696b4994f0ef33_Date">
-            <a:extLst>
-              <a:ext uri="{FF2B5EF4-FFF2-40B4-BE49-F238E27FC236}">
-                <a16:creationId xmlns:a16="http://schemas.microsoft.com/office/drawing/2014/main" id="{391D796D-6DDA-477B-B0B8-7104E892D28C}"/>
-              </a:ext>
-            </a:extLst>
-          </p:cNvPr>
-          <p:cNvSpPr txBox="1"/>
-          <p:nvPr>
-            <p:custDataLst>
-              <p:tags r:id="rId129"/>
-            </p:custDataLst>
-          </p:nvPr>
-        </p:nvSpPr>
-        <p:spPr>
-          <a:xfrm>
-            <a:off x="7357093" y="2115735"/>
-            <a:ext cx="355600" cy="155025"/>
-          </a:xfrm>
-          <a:prstGeom prst="rect">
-            <a:avLst/>
-          </a:prstGeom>
-          <a:noFill/>
-        </p:spPr>
-        <p:txBody>
-          <a:bodyPr vert="horz" wrap="square" lIns="0" tIns="0" rIns="0" bIns="0" rtlCol="0" anchor="ctr" anchorCtr="0">
-            <a:spAutoFit/>
-          </a:bodyPr>
-          <a:lstStyle/>
-          <a:p>
-            <a:r>
-              <a:rPr lang="en-US" sz="1000" spc="-8" dirty="0">
-                <a:solidFill>
-                  <a:schemeClr val="dk2"/>
-                </a:solidFill>
-                <a:latin typeface="Calibri" panose="020F0502020204030204" pitchFamily="34" charset="0"/>
-              </a:rPr>
-              <a:t>Feb 15</a:t>
-            </a:r>
-          </a:p>
-        </p:txBody>
-      </p:sp>
-      <p:sp>
-        <p:nvSpPr>
-          <p:cNvPr id="5878" name="OTLSHAPE_M_02c7cefed8c249b097bd6c5821cd93c5_Title">
-            <a:extLst>
-              <a:ext uri="{FF2B5EF4-FFF2-40B4-BE49-F238E27FC236}">
-                <a16:creationId xmlns:a16="http://schemas.microsoft.com/office/drawing/2014/main" id="{92F4670F-A1B6-4702-85CB-A7C01527D68A}"/>
-              </a:ext>
-            </a:extLst>
-          </p:cNvPr>
-          <p:cNvSpPr txBox="1"/>
-          <p:nvPr>
-            <p:custDataLst>
-              <p:tags r:id="rId130"/>
-            </p:custDataLst>
-          </p:nvPr>
-        </p:nvSpPr>
-        <p:spPr>
-          <a:xfrm>
-            <a:off x="7357093" y="575508"/>
-            <a:ext cx="1066800" cy="170519"/>
-          </a:xfrm>
-          <a:prstGeom prst="rect">
-            <a:avLst/>
-          </a:prstGeom>
-          <a:noFill/>
-        </p:spPr>
-        <p:txBody>
-          <a:bodyPr vert="horz" wrap="square" lIns="0" tIns="0" rIns="0" bIns="0" rtlCol="0" anchor="ctr" anchorCtr="0">
-            <a:spAutoFit/>
-          </a:bodyPr>
-          <a:lstStyle/>
-          <a:p>
-            <a:r>
-              <a:rPr lang="en-US" sz="1100" spc="-4" dirty="0">
-                <a:solidFill>
-                  <a:schemeClr val="dk1"/>
-                </a:solidFill>
-                <a:latin typeface="Calibri" panose="020F0502020204030204" pitchFamily="34" charset="0"/>
-              </a:rPr>
-              <a:t>Release Function 5</a:t>
-            </a:r>
-          </a:p>
-        </p:txBody>
-      </p:sp>
-      <p:sp>
-        <p:nvSpPr>
-          <p:cNvPr id="5879" name="OTLSHAPE_M_02c7cefed8c249b097bd6c5821cd93c5_Date">
-            <a:extLst>
-              <a:ext uri="{FF2B5EF4-FFF2-40B4-BE49-F238E27FC236}">
-                <a16:creationId xmlns:a16="http://schemas.microsoft.com/office/drawing/2014/main" id="{61EDB591-CFA0-4623-B786-1FBFC91368F6}"/>
-              </a:ext>
-            </a:extLst>
-          </p:cNvPr>
-          <p:cNvSpPr txBox="1"/>
-          <p:nvPr>
-            <p:custDataLst>
-              <p:tags r:id="rId131"/>
-            </p:custDataLst>
-          </p:nvPr>
-        </p:nvSpPr>
-        <p:spPr>
-          <a:xfrm>
-            <a:off x="7357093" y="758726"/>
-            <a:ext cx="355600" cy="155025"/>
-          </a:xfrm>
-          <a:prstGeom prst="rect">
-            <a:avLst/>
-          </a:prstGeom>
-          <a:noFill/>
-        </p:spPr>
-        <p:txBody>
-          <a:bodyPr vert="horz" wrap="square" lIns="0" tIns="0" rIns="0" bIns="0" rtlCol="0" anchor="ctr" anchorCtr="0">
-            <a:spAutoFit/>
-          </a:bodyPr>
-          <a:lstStyle/>
-          <a:p>
-            <a:r>
-              <a:rPr lang="en-US" sz="1000" spc="-8">
-                <a:solidFill>
-                  <a:schemeClr val="dk2"/>
-                </a:solidFill>
-                <a:latin typeface="Calibri" panose="020F0502020204030204" pitchFamily="34" charset="0"/>
-              </a:rPr>
-              <a:t>Feb 15</a:t>
-            </a:r>
-          </a:p>
-        </p:txBody>
-      </p:sp>
-      <p:sp>
-        <p:nvSpPr>
-          <p:cNvPr id="5881" name="OTLSHAPE_M_b157ec27d0d14d549b1406fcd5e60d7b_Title">
-            <a:extLst>
-              <a:ext uri="{FF2B5EF4-FFF2-40B4-BE49-F238E27FC236}">
-                <a16:creationId xmlns:a16="http://schemas.microsoft.com/office/drawing/2014/main" id="{01362E0D-D150-4C19-84F0-266A31175586}"/>
-              </a:ext>
-            </a:extLst>
-          </p:cNvPr>
-          <p:cNvSpPr txBox="1"/>
-          <p:nvPr>
-            <p:custDataLst>
-              <p:tags r:id="rId132"/>
-            </p:custDataLst>
-          </p:nvPr>
-        </p:nvSpPr>
-        <p:spPr>
-          <a:xfrm>
-            <a:off x="7357093" y="1028051"/>
-            <a:ext cx="1066800" cy="170519"/>
-          </a:xfrm>
-          <a:prstGeom prst="rect">
-            <a:avLst/>
-          </a:prstGeom>
-          <a:noFill/>
-        </p:spPr>
-        <p:txBody>
-          <a:bodyPr vert="horz" wrap="square" lIns="0" tIns="0" rIns="0" bIns="0" rtlCol="0" anchor="ctr" anchorCtr="0">
-            <a:spAutoFit/>
-          </a:bodyPr>
-          <a:lstStyle/>
-          <a:p>
-            <a:r>
-              <a:rPr lang="en-US" sz="1100" spc="-4" dirty="0">
-                <a:solidFill>
-                  <a:schemeClr val="dk1"/>
-                </a:solidFill>
-                <a:latin typeface="Calibri" panose="020F0502020204030204" pitchFamily="34" charset="0"/>
-              </a:rPr>
-              <a:t>Release Function 6</a:t>
-            </a:r>
-          </a:p>
-        </p:txBody>
-      </p:sp>
-      <p:sp>
-        <p:nvSpPr>
-          <p:cNvPr id="5882" name="OTLSHAPE_M_b157ec27d0d14d549b1406fcd5e60d7b_Date">
-            <a:extLst>
-              <a:ext uri="{FF2B5EF4-FFF2-40B4-BE49-F238E27FC236}">
-                <a16:creationId xmlns:a16="http://schemas.microsoft.com/office/drawing/2014/main" id="{D9E68D49-B9A1-4AEA-B34D-FD7B26583C44}"/>
-              </a:ext>
-            </a:extLst>
-          </p:cNvPr>
-          <p:cNvSpPr txBox="1"/>
-          <p:nvPr>
-            <p:custDataLst>
-              <p:tags r:id="rId133"/>
-            </p:custDataLst>
-          </p:nvPr>
-        </p:nvSpPr>
-        <p:spPr>
-          <a:xfrm>
-            <a:off x="7357093" y="1211270"/>
-            <a:ext cx="355600" cy="155025"/>
-          </a:xfrm>
-          <a:prstGeom prst="rect">
-            <a:avLst/>
-          </a:prstGeom>
-          <a:noFill/>
-        </p:spPr>
-        <p:txBody>
-          <a:bodyPr vert="horz" wrap="square" lIns="0" tIns="0" rIns="0" bIns="0" rtlCol="0" anchor="ctr" anchorCtr="0">
-            <a:spAutoFit/>
-          </a:bodyPr>
-          <a:lstStyle/>
-          <a:p>
-            <a:r>
-              <a:rPr lang="en-US" sz="1000" spc="-8">
-                <a:solidFill>
-                  <a:schemeClr val="dk2"/>
-                </a:solidFill>
-                <a:latin typeface="Calibri" panose="020F0502020204030204" pitchFamily="34" charset="0"/>
-              </a:rPr>
-              <a:t>Feb 15</a:t>
+              <a:t>Nov 30</a:t>
             </a:r>
           </a:p>
         </p:txBody>
@@ -9410,7 +7918,7 @@
 
 <file path=ppt/tags/tag1.xml><?xml version="1.0" encoding="utf-8"?>
 <p:tagLst xmlns:a="http://schemas.openxmlformats.org/drawingml/2006/main" xmlns:r="http://schemas.openxmlformats.org/officeDocument/2006/relationships" xmlns:p="http://schemas.openxmlformats.org/presentationml/2006/main">
-  <p:tag name="__PART_0" val="eyIkaWQiOiIxIiwiQ3VsdHVyZUluZm9OYW1lIjoiZW4tVVMiLCJTdHlsZU5hbWUiOiJTdGFuZGFyZCIsIlZlcnNpb24iOnsiJGlkIjoiMiIsIlZlcnNpb24iOiIzLjIuMCIsIk9yaWdpbmFsQXNzZW1ibHlWZXJzaW9uIjoiMS4wMC4wMC4wMCIsIkVkaXRpb24iOiJQbHVzIiwiSXNQbHVzRWRpdGlvbiI6dHJ1ZSwiSXNQcm9FZGl0aW9uIjpmYWxzZX0sIkVmZmVjdCI6MSwiU3R5bGUiOnsiJGlkIjoiMyIsIlRpbWViYW5kU3R5bGUiOnsiJGlkIjoiNCIsIlNjYWxlTWFya2luZyI6MCwiU2hhcGUiOjAsIlNoYXBlU3R5bGUiOnsiJGlkIjoiNSIsIk1hcmdpbiI6eyIkaWQiOiI2IiwiVG9wIjowLCJMZWZ0IjoxMiwiUmlnaHQiOjEyLCJCb3R0b20iOjB9LCJQYWRkaW5nIjp7IiRpZCI6IjciLCJUb3AiOjUsIkxlZnQiOjAsIlJpZ2h0IjowLCJCb3R0b20iOjV9LCJCYWNrZ3JvdW5kIjp7IiRpZCI6IjgiLCJDb2xvciI6eyIkaWQiOiI5IiwiQSI6MjU1LCJSIjozMSwiRyI6NzMsIkIiOjEyNX19LCJJc1Zpc2libGUiOnRydWUsIldpZHRoIjo4NTguMCwiSGVpZ2h0IjozMC4wLCJCb3JkZXJTdHlsZSI6eyIkaWQiOiIxMCIsIkxpbmVDb2xvciI6eyIkaWQiOiIxMSIsIiR0eXBlIjoiTkxSRS5Db21tb24uRG9tLlNvbGlkQ29sb3JCcnVzaCwgTkxSRS5Db21tb24iLCJDb2xvciI6eyIkaWQiOiIxMiIsIkEiOjI1NSwiUiI6MjU1LCJHIjowLCJCIjowfX0sIkxpbmVXZWlnaHQiOjAuMCwiTGluZVR5cGUiOjAsIlBhcmVudFN0eWxlIjpudWxsfSwiUGFyZW50U3R5bGUiOm51bGx9LCJSaWdodEVuZENhcHNTdHlsZSI6eyIkaWQiOiIxMyIsIkZvbnRTZXR0aW5ncyI6eyIkaWQiOiIxNCIsIkZvbnRTaXplIjoxOCwiRm9udE5hbWUiOiJDYWxpYnJpIiwiSXNCb2xkIjp0cnVlLCJJc0l0YWxpYyI6ZmFsc2UsIklzVW5kZXJsaW5lZCI6ZmFsc2UsIlBhcmVudFN0eWxlIjpudWxsfSwiQXV0b1NpemUiOjAsIkZvcmVncm91bmQiOnsiJGlkIjoiMTUiLCJDb2xvciI6eyIkaWQiOiIxNiIsIkEiOjI1NSwiUiI6MjM3LCJHIjoxMjUsIkIiOjQ5fX0sIk1heFdpZHRoIjoiSW5maW5pdHkiLCJNYXhIZWlnaHQiOiJJbmZpbml0eSIsIlNtYXJ0Rm9yZWdyb3VuZElzQWN0aXZlIjpmYWxzZSwiSG9yaXpvbnRhbEFsaWdubWVudCI6MCwiVmVydGljYWxBbGlnbm1lbnQiOjAsIlNtYXJ0Rm9yZWdyb3VuZCI6bnVsbCwiQmFja2dyb3VuZEZpbGxUeXBlIjowLCJNYXJnaW4iOnsiJGlkIjoiMTciLCJUb3AiOjAsIkxlZnQiOjAsIlJpZ2h0IjoyNSwiQm90dG9tIjowfSwiUGFkZGluZyI6eyIkaWQiOiIxOCIsIlRvcCI6MCwiTGVmdCI6MCwiUmlnaHQiOjAsIkJvdHRvbSI6MH0sIkJhY2tncm91bmQiOnsiJGlkIjoiMTkiLCJDb2xvciI6eyIkaWQiOiIyMCIsIkEiOjI1NSwiUiI6MjU1LCJHIjoyNTUsIkIiOjI1NX19LCJJc1Zpc2libGUiOnRydWUsIldpZHRoIjowLjAsIkhlaWdodCI6MC4wLCJCb3JkZXJTdHlsZSI6bnVsbCwiUGFyZW50U3R5bGUiOm51bGx9LCJMZWZ0RW5kQ2Fwc1N0eWxlIjp7IiRpZCI6IjIxIiwiRm9udFNldHRpbmdzIjp7IiRpZCI6IjIyIiwiRm9udFNpemUiOjE4LCJGb250TmFtZSI6IkNhbGlicmkiLCJJc0JvbGQiOnRydWUsIklzSXRhbGljIjpmYWxzZSwiSXNVbmRlcmxpbmVkIjpmYWxzZSwiUGFyZW50U3R5bGUiOm51bGx9LCJBdXRvU2l6ZSI6MCwiRm9yZWdyb3VuZCI6eyIkaWQiOiIyMyIsIkNvbG9yIjp7IiRpZCI6IjI0IiwiQSI6MjU1LCJSIjoyMzcsIkciOjEyNSwiQiI6NDl9fSwiTWF4V2lkdGgiOiJJbmZpbml0eSIsIk1heEhlaWdodCI6IkluZmluaXR5IiwiU21hcnRGb3JlZ3JvdW5kSXNBY3RpdmUiOmZhbHNlLCJIb3Jpem9udGFsQWxpZ25tZW50IjowLCJWZXJ0aWNhbEFsaWdubWVudCI6MCwiU21hcnRGb3JlZ3JvdW5kIjpudWxsLCJCYWNrZ3JvdW5kRmlsbFR5cGUiOjAsIk1hcmdpbiI6eyIkaWQiOiIyNSIsIlRvcCI6MCwiTGVmdCI6MjUsIlJpZ2h0IjowLCJCb3R0b20iOjB9LCJQYWRkaW5nIjp7IiRpZCI6IjI2IiwiVG9wIjowLCJMZWZ0IjowLCJSaWdodCI6MCwiQm90dG9tIjowfSwiQmFja2dyb3VuZCI6eyIkaWQiOiIyNyIsIkNvbG9yIjp7IiRpZCI6IjI4IiwiQSI6MjU1LCJSIjoyNTUsIkciOjI1NSwiQiI6MjU1fX0sIklzVmlzaWJsZSI6dHJ1ZSwiV2lkdGgiOjAuMCwiSGVpZ2h0IjowLjAsIkJvcmRlclN0eWxlIjpudWxsLCJQYXJlbnRTdHlsZSI6bnVsbH0sIlRvZGF5VGV4dFN0eWxlIjp7IiRpZCI6IjI5IiwiRm9udFNldHRpbmdzIjp7IiRpZCI6IjMwIiwiRm9udFNpemUiOjEyLCJGb250TmFtZSI6IkNhbGlicmkiLCJJc0JvbGQiOmZhbHNlLCJJc0l0YWxpYyI6ZmFsc2UsIklzVW5kZXJsaW5lZCI6ZmFsc2UsIlBhcmVudFN0eWxlIjpudWxsfSwiQXV0b1NpemUiOjAsIkZvcmVncm91bmQiOnsiJGlkIjoiMzEiLCJDb2xvciI6eyIkaWQiOiIzMiIsIkEiOjI1NSwiUiI6MCwiRyI6MCwiQiI6MH19LCJNYXhXaWR0aCI6MjAwLjAsIk1heEhlaWdodCI6IkluZmluaXR5IiwiU21hcnRGb3JlZ3JvdW5kSXNBY3RpdmUiOmZhbHNlLCJIb3Jpem9udGFsQWxpZ25tZW50IjowLCJWZXJ0aWNhbEFsaWdubWVudCI6MCwiU21hcnRGb3JlZ3JvdW5kIjpudWxsLCJCYWNrZ3JvdW5kRmlsbFR5cGUiOjAsIk1hcmdpbiI6eyIkaWQiOiIzMyIsIlRvcCI6MCwiTGVmdCI6MCwiUmlnaHQiOjAsIkJvdHRvbSI6MH0sIlBhZGRpbmciOnsiJGlkIjoiMzQiLCJUb3AiOjAsIkxlZnQiOjAsIlJpZ2h0IjowLCJCb3R0b20iOjB9LCJCYWNrZ3JvdW5kIjp7IiRpZCI6IjM1IiwiQ29sb3IiOnsiJGlkIjoiMzYiLCJBIjoyNTUsIlIiOjI1NSwiRyI6MjU1LCJCIjoyNTV9fSwiSXNWaXNpYmxlIjp0cnVlLCJXaWR0aCI6MC4wLCJIZWlnaHQiOjAuMCwiQm9yZGVyU3R5bGUiOm51bGwsIlBhcmVudFN0eWxlIjpudWxsfSwiVG9kYXlNYXJrZXJTdHlsZSI6eyIkaWQiOiIzNyIsIk1hcmdpbiI6eyIkaWQiOiIzOCIsIlRvcCI6MCwiTGVmdCI6MCwiUmlnaHQiOjAsIkJvdHRvbSI6MH0sIlBhZGRpbmciOnsiJGlkIjoiMzkiLCJUb3AiOjAsIkxlZnQiOjAsIlJpZ2h0IjowLCJCb3R0b20iOjB9LCJCYWNrZ3JvdW5kIjp7IiRpZCI6IjQwIiwiQ29sb3IiOnsiJGlkIjoiNDEiLCJBIjoyNTUsIlIiOjI1NSwiRyI6MCwiQiI6MH19LCJJc1Zpc2libGUiOnRydWUsIldpZHRoIjowLjAsIkhlaWdodCI6MC4wLCJCb3JkZXJTdHlsZSI6bnVsbCwiUGFyZW50U3R5bGUiOm51bGx9LCJTY2FsZVN0eWxlIjp7IiRpZCI6IjQyIiwiU2hvd1NlZ21lbnRTZXBhcmF0b3JzIjp0cnVlLCJTZWdtZW50U2VwYXJhdG9yT3BhY2l0eSI6MzAsIkZvbnRTZXR0aW5ncyI6eyIkaWQiOiI0MyIsIkZvbnRTaXplIjoxMiwiRm9udE5hbWUiOiJDYWxpYnJpIiwiSXNCb2xkIjpmYWxzZSwiSXNJdGFsaWMiOmZhbHNlLCJJc1VuZGVybGluZWQiOmZhbHNlLCJQYXJlbnRTdHlsZSI6bnVsbH0sIkF1dG9TaXplIjowLCJGb3JlZ3JvdW5kIjp7IiRpZCI6IjQ0IiwiQ29sb3IiOnsiJGlkIjoiNDUiLCJBIjoyNTUsIlIiOjI1NSwiRyI6MjU1LCJCIjoyNTV9fSwiTWF4V2lkdGgiOjIwMC4wLCJNYXhIZWlnaHQiOiJJbmZpbml0eSIsIlNtYXJ0Rm9yZWdyb3VuZElzQWN0aXZlIjpmYWxzZSwiSG9yaXpvbnRhbEFsaWdubWVudCI6MCwiVmVydGljYWxBbGlnbm1lbnQiOjEsIlNtYXJ0Rm9yZWdyb3VuZCI6bnVsbCwiQmFja2dyb3VuZEZpbGxUeXBlIjowLCJNYXJnaW4iOnsiJGlkIjoiNDYiLCJUb3AiOjAsIkxlZnQiOjUsIlJpZ2h0IjowLCJCb3R0b20iOjB9LCJQYWRkaW5nIjp7IiRpZCI6IjQ3IiwiVG9wIjowLCJMZWZ0IjowLCJSaWdodCI6MCwiQm90dG9tIjowfSwiQmFja2dyb3VuZCI6eyIkaWQiOiI0OCIsIkNvbG9yIjp7IiRpZCI6IjQ5IiwiQSI6ODksIlIiOjAsIkciOjAsIkIiOjB9fSwiSXNWaXNpYmxlIjp0cnVlLCJXaWR0aCI6MC4wLCJIZWlnaHQiOjAuMCwiQm9yZGVyU3R5bGUiOm51bGwsIlBhcmVudFN0eWxlIjpudWxsfSwiRWxhcHNlZFRpbWVCYWNrZ3JvdW5kIjp7IiRpZCI6IjUwIiwiQ29sb3IiOnsiJGlkIjoiNTEiLCJBIjoxOTEsIlIiOjI1NSwiRyI6MCwiQiI6MH19LCJBcHBlbmRZZWFyT25ZZWFyQ2hhbmdlIjp0cnVlLCJFbGFwc2VkVGltZUZvcm1hdCI6MiwiVG9kYXlNYXJrZXJQb3NpdGlvbiI6MiwiUXVpY2tQb3NpdGlvbiI6MywiQWJzb2x1dGVQb3NpdGlvbiI6MTk1LjgsIk1hcmdpbiI6eyIkaWQiOiI1MiIsIlRvcCI6MCwiTGVmdCI6MTAsIlJpZ2h0IjoxMCwiQm90dG9tIjowfSwiUGFkZGluZyI6eyIkaWQiOiI1MyIsIlRvcCI6MCwiTGVmdCI6MCwiUmlnaHQiOjAsIkJvdHRvbSI6MH0sIkJhY2tncm91bmQiOnsiJGlkIjoiNTQiLCJDb2xvciI6eyIkaWQiOiI1NSIsIkEiOjI1NSwiUiI6MzEsIkciOjczLCJCIjoxMjV9fSwiSXNWaXNpYmxlIjp0cnVlLCJXaWR0aCI6MC4wLCJIZWlnaHQiOjAuMCwiQm9yZGVyU3R5bGUiOm51bGwsIlBhcmVudFN0eWxlIjpudWxsfSwiRGVmYXVsdE1pbGVzdG9uZVN0eWxlIjp7IiRpZCI6IjU2IiwiU2hhcGUiOjAsIkNvbm5lY3Rvck1hcmdpbiI6eyIkaWQiOiI1NyIsIlRvcCI6MCwiTGVmdCI6MiwiUmlnaHQiOjIsIkJvdHRvbSI6MH0sIkNvbm5lY3RvclN0eWxlIjp7IiRpZCI6IjU4IiwiTGluZUNvbG9yIjp7IiRpZCI6IjU5IiwiJHR5cGUiOiJOTFJFLkNvbW1vbi5Eb20uU29saWRDb2xvckJydXNoLCBOTFJFLkNvbW1vbiIsIkNvbG9yIjp7IiRpZCI6IjYwIiwiQSI6MjU1LCJSIjo3OSwiRyI6MTI5LCJCIjoxODl9fSwiTGluZVdlaWdodCI6MS4wLCJMaW5lVHlwZSI6MCwiUGFyZW50U3R5bGUiOm51bGx9LCJJc0JlbG93VGltZWJhbmQiOmZhbHNlLCJQb3NpdGlvbk9uVGFzayI6MCwiSGlkZURhdGUiOmZhbHNlLCJTaGFwZVNpemUiOjEsIlNwYWNpbmciOjEuMCwiUGFkZGluZyI6eyIkaWQiOiI2MSIsIlRvcCI6NywiTGVmdCI6MywiUmlnaHQiOjAsIkJvdHRvbSI6Mn0sIlNoYXBlU3R5bGUiOnsiJGlkIjoiNjIiLCJNYXJnaW4iOnsiJGlkIjoiNjMiLCJUb3AiOjAsIkxlZnQiOjAsIlJpZ2h0IjowLCJCb3R0b20iOjB9LCJQYWRkaW5nIjp7IiRpZCI6IjY0IiwiVG9wIjowLCJMZWZ0IjowLCJSaWdodCI6MCwiQm90dG9tIjowfSwiQmFja2dyb3VuZCI6eyIkaWQiOiI2NSIsIkNvbG9yIjp7IiRpZCI6IjY2IiwiQSI6MjU1LCJSIjowLCJHIjoxMTQsIkIiOjE4OH19LCJJc1Zpc2libGUiOnRydWUsIldpZHRoIjoxOC4wLCJIZWlnaHQiOjIwLjAsIkJvcmRlclN0eWxlIjp7IiRpZCI6IjY3IiwiTGluZUNvbG9yIjp7IiRpZCI6IjY4IiwiJHR5cGUiOiJOTFJFLkNvbW1vbi5Eb20uU29saWRDb2xvckJydXNoLCBOTFJFLkNvbW1vbiIsIkNvbG9yIjp7IiRpZCI6IjY5IiwiQSI6MjU1LCJSIjoyNTUsIkciOjAsIkIiOjB9fSwiTGluZVdlaWdodCI6MC4wLCJMaW5lVHlwZSI6MCwiUGFyZW50U3R5bGUiOm51bGx9LCJQYXJlbnRTdHlsZSI6bnVsbH0sIlRpdGxlU3R5bGUiOnsiJGlkIjoiNzAiLCJGb250U2V0dGluZ3MiOnsiJGlkIjoiNzEiLCJGb250U2l6ZSI6MTEsIkZvbnROYW1lIjoiQ2FsaWJyaSIsIklzQm9sZCI6ZmFsc2UsIklzSXRhbGljIjpmYWxzZSwiSXNVbmRlcmxpbmVkIjpmYWxzZSwiUGFyZW50U3R5bGUiOm51bGx9LCJBdXRvU2l6ZSI6MCwiRm9yZWdyb3VuZCI6eyIkaWQiOiI3MiIsIkNvbG9yIjp7IiRpZCI6IjczIiwiQSI6MjU1LCJSIjowLCJHIjowLCJCIjowfX0sIk1heFdpZHRoIjoyMDAuMCwiTWF4SGVpZ2h0IjoiSW5maW5pdHkiLCJTbWFydEZvcmVncm91bmRJc0FjdGl2ZSI6ZmFsc2UsIkhvcml6b250YWxBbGlnbm1lbnQiOjEsIlZlcnRpY2FsQWxpZ25tZW50IjowLCJTbWFydEZvcmVncm91bmQiOm51bGwsIkJhY2tncm91bmRGaWxsVHlwZSI6MCwiTWFyZ2luIjp7IiRpZCI6Ijc0IiwiVG9wIjowLCJMZWZ0IjowLCJSaWdodCI6MCwiQm90dG9tIjowfSwiUGFkZGluZyI6eyIkaWQiOiI3NSIsIlRvcCI6MCwiTGVmdCI6MCwiUmlnaHQiOjAsIkJvdHRvbSI6MH0sIkJhY2tncm91bmQiOnsiJGlkIjoiNzYiLCJDb2xvciI6eyIkcmVmIjoiNDkifX0sIklzVmlzaWJsZSI6dHJ1ZSwiV2lkdGgiOjAuMCwiSGVpZ2h0IjowLjAsIkJvcmRlclN0eWxlIjpudWxsLCJQYXJlbnRTdHlsZSI6bnVsbH0sIkRhdGVTdHlsZSI6eyIkaWQiOiI3NyIsIkZvbnRTZXR0aW5ncyI6eyIkaWQiOiI3OCIsIkZvbnRTaXplIjoxMCwiRm9udE5hbWUiOiJDYWxpYnJpIiwiSXNCb2xkIjpmYWxzZSwiSXNJdGFsaWMiOmZhbHNlLCJJc1VuZGVybGluZWQiOmZhbHNlLCJQYXJlbnRTdHlsZSI6bnVsbH0sIkF1dG9TaXplIjowLCJGb3JlZ3JvdW5kIjp7IiRpZCI6Ijc5IiwiQ29sb3IiOnsiJGlkIjoiODAiLCJBIjoyNTUsIlIiOjY4LCJHIjo4NCwiQiI6MTA2fX0sIk1heFdpZHRoIjoyMDAuMCwiTWF4SGVpZ2h0IjoiSW5maW5pdHkiLCJTbWFydEZvcmVncm91bmRJc0FjdGl2ZSI6ZmFsc2UsIkhvcml6b250YWxBbGlnbm1lbnQiOjAsIlZlcnRpY2FsQWxpZ25tZW50IjowLCJTbWFydEZvcmVncm91bmQiOm51bGwsIkJhY2tncm91bmRGaWxsVHlwZSI6MCwiTWFyZ2luIjp7IiRpZCI6IjgxIiwiVG9wIjowLCJMZWZ0IjowLCJSaWdodCI6MCwiQm90dG9tIjowfSwiUGFkZGluZyI6eyIkaWQiOiI4MiIsIlRvcCI6MCwiTGVmdCI6MCwiUmlnaHQiOjAsIkJvdHRvbSI6MH0sIkJhY2tncm91bmQiOnsiJGlkIjoiODMiLCJDb2xvciI6eyIkcmVmIjoiNDkifX0sIklzVmlzaWJsZSI6dHJ1ZSwiV2lkdGgiOjAuMCwiSGVpZ2h0IjowLjAsIkJvcmRlclN0eWxlIjpudWxsLCJQYXJlbnRTdHlsZSI6bnVsbH0sIkRhdGVGb3JtYXQiOnsiJGlkIjoiODQiLCJGb3JtYXRTdHJpbmciOiJNTU0gZCIsIlNlcGFyYXRvciI6Ii8iLCJVc2VJbnRlcm5hdGlvbmFsRGF0ZUZvcm1hdCI6ZmFsc2UsIkRhdGVJc1Zpc2libGUiOnRydWUsIlRpbWVJc1Zpc2libGUiOmZhbHNlLCJIb3VyRGlnaXRzIjoxLCJBbVBtRGVzaWduYXRvciI6MiwiVHJpbTAwTWludXRlcyI6ZmFsc2UsIkxhc3RLbm93blZpc2liaWxpdHlTdGF0ZSI6eyIkaWQiOiI4NSIsIkRhdGVQYXJ0SXNWaXNpYmxlIjp0cnVlLCJUaW1lUGFydElzVmlzaWJsZSI6ZmFsc2V9fSwiSXNWaXNpYmxlIjp0cnVlLCJQYXJlbnRTdHlsZSI6bnVsbH0sIkRlZmF1bHRUYXNrU3R5bGUiOnsiJGlkIjoiODYiLCJTaGFwZSI6MCwiU2hhcGVUaGlja25lc3MiOjEsIkR1cmF0aW9uRm9ybWF0IjowLCJJbmNsdWRlTm9uV29ya2luZ0RheXNJbkR1cmF0aW9uIjp0cnVlLCJQZXJjZW50YWdlQ29tcGxldGVTdHlsZSI6eyIkaWQiOiI4NyIsIkZvbnRTZXR0aW5ncyI6eyIkaWQiOiI4OCIsIkZvbnRTaXplIjoxMCwiRm9udE5hbWUiOiJDYWxpYnJpIiwiSXNCb2xkIjpmYWxzZSwiSXNJdGFsaWMiOmZhbHNlLCJJc1VuZGVybGluZWQiOmZhbHNlLCJQYXJlbnRTdHlsZSI6bnVsbH0sIkF1dG9TaXplIjowLCJGb3JlZ3JvdW5kIjp7IiRpZCI6Ijg5IiwiQ29sb3IiOnsiJGlkIjoiOTAiLCJBIjoyNTUsIlIiOjE5MiwiRyI6ODAsIkIiOjc3fX0sIk1heFdpZHRoIjoyMDAuMCwiTWF4SGVpZ2h0IjoiSW5maW5pdHkiLCJTbWFydEZvcmVncm91bmRJc0FjdGl2ZSI6ZmFsc2UsIkhvcml6b250YWxBbGlnbm1lbnQiOjAsIlZlcnRpY2FsQWxpZ25tZW50IjowLCJTbWFydEZvcmVncm91bmQiOm51bGwsIkJhY2tncm91bmRGaWxsVHlwZSI6MCwiTWFyZ2luIjp7IiRpZCI6IjkxIiwiVG9wIjowLCJMZWZ0IjowLCJSaWdodCI6MCwiQm90dG9tIjowfSwiUGFkZGluZyI6eyIkaWQiOiI5MiIsIlRvcCI6MCwiTGVmdCI6MCwiUmlnaHQiOjAsIkJvdHRvbSI6MH0sIkJhY2tncm91bmQiOnsiJGlkIjoiOTMiLCJDb2xvciI6eyIkaWQiOiI5NCIsIkEiOjg5LCJSIjoyNTIsIkciOjIyNywiQiI6NTl9fSwiSXNWaXNpYmxlIjp0cnVlLCJXaWR0aCI6MC4wLCJIZWlnaHQiOjAuMCwiQm9yZGVyU3R5bGUiOm51bGwsIlBhcmVudFN0eWxlIjpudWxsfSwiRHVyYXRpb25TdHlsZSI6eyIkaWQiOiI5NSIsIkZvbnRTZXR0aW5ncyI6eyIkaWQiOiI5NiIsIkZvbnRTaXplIjoxMCwiRm9udE5hbWUiOiJDYWxpYnJpIiwiSXNCb2xkIjpmYWxzZSwiSXNJdGFsaWMiOmZhbHNlLCJJc1VuZGVybGluZWQiOmZhbHNlLCJQYXJlbnRTdHlsZSI6bnVsbH0sIkF1dG9TaXplIjowLCJGb3JlZ3JvdW5kIjp7IiRpZCI6Ijk3IiwiQ29sb3IiOnsiJGlkIjoiOTgiLCJBIjoyNTUsIlIiOjAsIkciOjAsIkIiOjB9fSwiTWF4V2lkdGgiOjIwMC4wLCJNYXhIZWlnaHQiOiJJbmZpbml0eSIsIlNtYXJ0Rm9yZWdyb3VuZElzQWN0aXZlIjpmYWxzZSwiSG9yaXpvbnRhbEFsaWdubWVudCI6MCwiVmVydGljYWxBbGlnbm1lbnQiOjAsIlNtYXJ0Rm9yZWdyb3VuZCI6bnVsbCwiQmFja2dyb3VuZEZpbGxUeXBlIjowLCJNYXJnaW4iOnsiJGlkIjoiOTkiLCJUb3AiOjAsIkxlZnQiOjAsIlJpZ2h0IjowLCJCb3R0b20iOjB9LCJQYWRkaW5nIjp7IiRpZCI6IjEwMCIsIlRvcCI6MCwiTGVmdCI6MCwiUmlnaHQiOjAsIkJvdHRvbSI6MH0sIkJhY2tncm91bmQiOnsiJGlkIjoiMTAxIiwiQ29sb3IiOnsiJHJlZiI6IjQ5In19LCJJc1Zpc2libGUiOnRydWUsIldpZHRoIjowLjAsIkhlaWdodCI6MC4wLCJCb3JkZXJTdHlsZSI6bnVsbCwiUGFyZW50U3R5bGUiOm51bGx9LCJIb3Jpem9udGFsQ29ubmVjdG9yU3R5bGUiOnsiJGlkIjoiMTAyIiwiTGluZUNvbG9yIjp7IiRpZCI6IjEwMyIsIiR0eXBlIjoiTkxSRS5Db21tb24uRG9tLlNvbGlkQ29sb3JCcnVzaCwgTkxSRS5Db21tb24iLCJDb2xvciI6eyIkaWQiOiIxMDQiLCJBIjoyNTUsIlIiOjIwNCwiRyI6MjA0LCJCIjoyMDR9fSwiTGluZVdlaWdodCI6MS4wLCJMaW5lVHlwZSI6MCwiUGFyZW50U3R5bGUiOm51bGx9LCJWZXJ0aWNhbENvbm5lY3RvclN0eWxlIjp7IiRpZCI6IjEwNSIsIkxpbmVDb2xvciI6eyIkaWQiOiIxMDYiLCIkdHlwZSI6Ik5MUkUuQ29tbW9uLkRvbS5Tb2xpZENvbG9yQnJ1c2gsIE5MUkUuQ29tbW9uIiwiQ29sb3IiOnsiJGlkIjoiMTA3IiwiQSI6MjU1LCJSIjoyMDQsIkciOjIwNCwiQiI6MjA0fX0sIkxpbmVXZWlnaHQiOjAuMCwiTGluZVR5cGUiOjAsIlBhcmVudFN0eWxlIjpudWxsfSwiTWFyZ2luIjpudWxsLCJTdGFydERhdGVQb3NpdGlvbiI6NCwiRW5kRGF0ZVBvc2l0aW9uIjo0LCJEYXRlSXNWaXNpYmxlIjp0cnVlLCJUaXRsZVBvc2l0aW9uIjo1LCJEdXJhdGlvblBvc2l0aW9uIjowLCJQZXJjZW50YWdlQ29tcGxldGVkUG9zaXRpb24iOjYsIlNwYWNpbmciOjEwLCJJc0JlbG93VGltZWJhbmQiOnRydWUsIlBlcmNlbnRhZ2VDb21wbGV0ZVNoYXBlT3BhY2l0eSI6MzUsIlNoYXBlU3R5bGUiOnsiJGlkIjoiMTA4IiwiTWFyZ2luIjp7IiRpZCI6IjEwOSIsIlRvcCI6MCwiTGVmdCI6NCwiUmlnaHQiOjQsIkJvdHRvbSI6MH0sIlBhZGRpbmciOnsiJGlkIjoiMTEwIiwiVG9wIjowLCJMZWZ0IjowLCJSaWdodCI6MCwiQm90dG9tIjowfSwiQmFja2dyb3VuZCI6eyIkaWQiOiIxMTEiLCJDb2xvciI6eyIkaWQiOiIxMTIiLCJBIjoyNTUsIlIiOjAsIkciOjExNCwiQiI6MTg4fX0sIklzVmlzaWJsZSI6dHJ1ZSwiV2lkdGgiOjAuMCwiSGVpZ2h0IjoxNi4wLCJCb3JkZXJTdHlsZSI6eyIkaWQiOiIxMTMiLCJMaW5lQ29sb3IiOnsiJGlkIjoiMTE0IiwiJHR5cGUiOiJOTFJFLkNvbW1vbi5Eb20uU29saWRDb2xvckJydXNoLCBOTFJFLkNvbW1vbiIsIkNvbG9yIjp7IiRpZCI6IjExNSIsIkEiOjI1NSwiUiI6MjU1LCJHIjowLCJCIjowfX0sIkxpbmVXZWlnaHQiOjAuMCwiTGluZVR5cGUiOjAsIlBhcmVudFN0eWxlIjpudWxsfSwiUGFyZW50U3R5bGUiOm51bGx9LCJUaXRsZVN0eWxlIjp7IiRpZCI6IjExNiIsIkZvbnRTZXR0aW5ncyI6eyIkaWQiOiIxMTciLCJGb250U2l6ZSI6MTEsIkZvbnROYW1lIjoiQ2FsaWJyaSIsIklzQm9sZCI6ZmFsc2UsIklzSXRhbGljIjpmYWxzZSwiSXNVbmRlcmxpbmVkIjpmYWxzZSwiUGFyZW50U3R5bGUiOm51bGx9LCJBdXRvU2l6ZSI6MCwiRm9yZWdyb3VuZCI6eyIkaWQiOiIxMTgiLCJDb2xvciI6eyIkaWQiOiIxMTkiLCJBIjoyNTUsIlIiOjAsIkciOjAsIkIiOjB9fSwiTWF4V2lkdGgiOjIwMC4wLCJNYXhIZWlnaHQiOiJJbmZpbml0eSIsIlNtYXJ0Rm9yZWdyb3VuZElzQWN0aXZlIjpmYWxzZSwiSG9yaXpvbnRhbEFsaWdubWVudCI6MCwiVmVydGljYWxBbGlnbm1lbnQiOjAsIlNtYXJ0Rm9yZWdyb3VuZCI6bnVsbCwiQmFja2dyb3VuZEZpbGxUeXBlIjowLCJNYXJnaW4iOnsiJGlkIjoiMTIwIiwiVG9wIjowLCJMZWZ0IjowLCJSaWdodCI6MCwiQm90dG9tIjowfSwiUGFkZGluZyI6eyIkaWQiOiIxMjEiLCJUb3AiOjAsIkxlZnQiOjAsIlJpZ2h0IjowLCJCb3R0b20iOjB9LCJCYWNrZ3JvdW5kIjp7IiRpZCI6IjEyMiIsIkNvbG9yIjp7IiRyZWYiOiI0OSJ9fSwiSXNWaXNpYmxlIjp0cnVlLCJXaWR0aCI6MC4wLCJIZWlnaHQiOjAuMCwiQm9yZGVyU3R5bGUiOm51bGwsIlBhcmVudFN0eWxlIjpudWxsfSwiRGF0ZVN0eWxlIjp7IiRpZCI6IjEyMyIsIkZvbnRTZXR0aW5ncyI6eyIkaWQiOiIxMjQiLCJGb250U2l6ZSI6MTAsIkZvbnROYW1lIjoiQ2FsaWJyaSIsIklzQm9sZCI6ZmFsc2UsIklzSXRhbGljIjpmYWxzZSwiSXNVbmRlcmxpbmVkIjpmYWxzZSwiUGFyZW50U3R5bGUiOm51bGx9LCJBdXRvU2l6ZSI6MCwiRm9yZWdyb3VuZCI6eyIkaWQiOiIxMjUiLCJDb2xvciI6eyIkaWQiOiIxMjYiLCJBIjoyNTUsIlIiOjAsIkciOjAsIkIiOjB9fSwiTWF4V2lkdGgiOjIwMC4wLCJNYXhIZWlnaHQiOiJJbmZpbml0eSIsIlNtYXJ0Rm9yZWdyb3VuZElzQWN0aXZlIjpmYWxzZSwiSG9yaXpvbnRhbEFsaWdubWVudCI6MCwiVmVydGljYWxBbGlnbm1lbnQiOjAsIlNtYXJ0Rm9yZWdyb3VuZCI6bnVsbCwiQmFja2dyb3VuZEZpbGxUeXBlIjowLCJNYXJnaW4iOnsiJGlkIjoiMTI3IiwiVG9wIjowLCJMZWZ0IjowLCJSaWdodCI6MCwiQm90dG9tIjowfSwiUGFkZGluZyI6eyIkaWQiOiIxMjgiLCJUb3AiOjAsIkxlZnQiOjAsIlJpZ2h0IjowLCJCb3R0b20iOjB9LCJCYWNrZ3JvdW5kIjp7IiRpZCI6IjEyOSIsIkNvbG9yIjp7IiRyZWYiOiI0OSJ9fSwiSXNWaXNpYmxlIjp0cnVlLCJXaWR0aCI6MC4wLCJIZWlnaHQiOjAuMCwiQm9yZGVyU3R5bGUiOm51bGwsIlBhcmVudFN0eWxlIjpudWxsfSwiRGF0ZUZvcm1hdCI6eyIkaWQiOiIxMzAiLCJGb3JtYXRTdHJpbmciOiJNTU0gZCIsIlNlcGFyYXRvciI6Ii8iLCJVc2VJbnRlcm5hdGlvbmFsRGF0ZUZvcm1hdCI6ZmFsc2UsIkRhdGVJc1Zpc2libGUiOnRydWUsIlRpbWVJc1Zpc2libGUiOmZhbHNlLCJIb3VyRGlnaXRzIjoxLCJBbVBtRGVzaWduYXRvciI6MiwiVHJpbTAwTWludXRlcyI6ZmFsc2UsIkxhc3RLbm93blZpc2liaWxpdHlTdGF0ZSI6eyIkaWQiOiIxMzEiLCJEYXRlUGFydElzVmlzaWJsZSI6ZmFsc2UsIlRpbWVQYXJ0SXNWaXNpYmxlIjpmYWxzZX19LCJJc1Zpc2libGUiOnRydWUsIlBhcmVudFN0eWxlIjpudWxsLCJfZXhwbGljaXRseVNldCI6eyIkaWQiOiIxMzIiLCJTaGFwZVN0eWxlIjpmYWxzZSwiVGl0bGVTdHlsZSI6ZmFsc2UsIkRhdGVTdHlsZSI6ZmFsc2UsIkhvcml6b250YWxDb25uZWN0b3JTdHlsZSI6ZmFsc2UsIlZlcnRpY2FsQ29ubmVjdG9yU3R5bGUiOmZhbHNlLCJQZXJjZW50YWdlQ29tcGxldGVTaGFwZU9wYWNpdHkiOmZhbHNlLCJTaGFwZSI6ZmFsc2UsIlNoYXBlVGhpY2tuZXNzIjpmYWxzZSwiRHVyYXRpb25Gb3JtYXQiOmZhbHNlLCJJbmNsdWRlTm9uV29ya2luZ0RheXNJbkR1cmF0aW9uIjpmYWxzZSwiTWFyZ2luIjpmYWxzZSwiU3RhcnREYXRlUG9zaXRpb24iOmZhbHNlLCJFbmREYXRlUG9zaXRpb24iOmZhbHNlLCJUaXRsZVBvc2l0aW9uIjpmYWxzZSwiRHVyYXRpb25Qb3NpdGlvbiI6ZmFsc2UsIlBlcmNlbnRhZ2VDb21wbGV0ZWRQb3NpdGlvbiI6ZmFsc2UsIlNwYWNpbmciOmZhbHNlLCJJc0JlbG93VGltZWJhbmQiOmZhbHNlLCJEYXRlRm9ybWF0IjpmYWxzZSwiSXNWaXNpYmxlIjpmYWxzZX19LCJHcmlkbGluZVBhbmVsU3R5bGUiOnsiJGlkIjoiMTMzIiwiR3JpZGxpbmVTdHlsZSI6eyIkaWQiOiIxMzQiLCJMaW5lQ29sb3IiOnsiJGlkIjoiMTM1IiwiJHR5cGUiOiJOTFJFLkNvbW1vbi5Eb20uU29saWRDb2xvckJydXNoLCBOTFJFLkNvbW1vbiIsIkNvbG9yIjp7IiRpZCI6IjEzNiIsIkEiOjM4LCJSIjo5MSwiRyI6MTU1LCJCIjoyMTN9fSwiTGluZVdlaWdodCI6MS4wLCJMaW5lVHlwZSI6MCwiUGFyZW50U3R5bGUiOm51bGx9LCJNYXJnaW4iOnsiJGlkIjoiMTM3IiwiVG9wIjowLCJMZWZ0IjowLCJSaWdodCI6MCwiQm90dG9tIjowfSwiUGFkZGluZyI6eyIkaWQiOiIxMzgiLCJUb3AiOjAsIkxlZnQiOjAsIlJpZ2h0IjowLCJCb3R0b20iOjB9LCJCYWNrZ3JvdW5kIjpudWxsLCJJc1Zpc2libGUiOnRydWUsIldpZHRoIjowLjAsIkhlaWdodCI6MC4wLCJCb3JkZXJTdHlsZSI6bnVsbCwiUGFyZW50U3R5bGUiOm51bGx9LCJTaG93RWxhcHNlZFRpbWVHcmFkaWVudFN0eWxlIjpmYWxzZSwiRGVmYXVsdFN3aW1sYW5lU3R5bGUiOnsiJGlkIjoiMTM5IiwiSGVhZGVyU3R5bGUiOnsiJGlkIjoiMTQwIiwiVGV4dFN0eWxlIjp7IiRpZCI6IjE0MSIsIkZvbnRTZXR0aW5ncyI6eyIkaWQiOiIxNDIiLCJGb250U2l6ZSI6MTIsIkZvbnROYW1lIjoiQ2FsaWJyaSIsIklzQm9sZCI6ZmFsc2UsIklzSXRhbGljIjpmYWxzZSwiSXNVbmRlcmxpbmVkIjpmYWxzZSwiUGFyZW50U3R5bGUiOm51bGx9LCJBdXRvU2l6ZSI6MCwiRm9yZWdyb3VuZCI6eyIkaWQiOiIxNDMiLCJDb2xvciI6eyIkaWQiOiIxNDQiLCJBIjoyNTUsIlIiOjMyLCJHIjo1NiwiQiI6MTAwfX0sIk1heFdpZHRoIjoiSW5maW5pdHkiLCJNYXhIZWlnaHQiOiJJbmZpbml0eSIsIlNtYXJ0Rm9yZWdyb3VuZElzQWN0aXZlIjpmYWxzZSwiSG9yaXpvbnRhbEFsaWdubWVudCI6MCwiVmVydGljYWxBbGlnbm1lbnQiOjAsIlNtYXJ0Rm9yZWdyb3VuZCI6bnVsbCwiQmFja2dyb3VuZEZpbGxUeXBlIjowLCJNYXJnaW4iOnsiJGlkIjoiMTQ1IiwiVG9wIjowLCJMZWZ0IjowLCJSaWdodCI6MCwiQm90dG9tIjowfSwiUGFkZGluZyI6eyIkaWQiOiIxNDYiLCJUb3AiOjAsIkxlZnQiOjAsIlJpZ2h0IjowLCJCb3R0b20iOjB9LCJCYWNrZ3JvdW5kIjpudWxsLCJJc1Zpc2libGUiOnRydWUsIldpZHRoIjowLjAsIkhlaWdodCI6MC4wLCJCb3JkZXJTdHlsZSI6bnVsbCwiUGFyZW50U3R5bGUiOm51bGx9LCJSZWN0YW5nbGVTdHlsZSI6eyIkaWQiOiIxNDciLCJNYXJnaW4iOnsiJGlkIjoiMTQ4IiwiVG9wIjowLCJMZWZ0IjowLCJSaWdodCI6MCwiQm90dG9tIjowfSwiUGFkZGluZyI6eyIkaWQiOiIxNDkiLCJUb3AiOjAsIkxlZnQiOjAsIlJpZ2h0IjowLCJCb3R0b20iOjB9LCJCYWNrZ3JvdW5kIjp7IiRpZCI6IjE1MCIsIkNvbG9yIjp7IiRpZCI6IjE1MSIsIkEiOjEyNywiUiI6OTEsIkciOjE1NSwiQiI6MjEzfX0sIklzVmlzaWJsZSI6dHJ1ZSwiV2lkdGgiOjAuMCwiSGVpZ2h0IjowLjAsIkJvcmRlclN0eWxlIjp7IiRpZCI6IjE1MiIsIkxpbmVDb2xvciI6eyIkaWQiOiIxNTMiLCIkdHlwZSI6Ik5MUkUuQ29tbW9uLkRvbS5Tb2xpZENvbG9yQnJ1c2gsIE5MUkUuQ29tbW9uIiwiQ29sb3IiOnsiJGlkIjoiMTU0IiwiQSI6MjU1LCJSIjoyNTUsIkciOjAsIkIiOjB9fSwiTGluZVdlaWdodCI6MC4wLCJMaW5lVHlwZSI6MCwiUGFyZW50U3R5bGUiOm51bGx9LCJQYXJlbnRTdHlsZSI6bnVsbH0sIk1hcmdpbiI6eyIkaWQiOiIxNTUiLCJUb3AiOjAsIkxlZnQiOjAsIlJpZ2h0IjowLCJCb3R0b20iOjB9LCJQYWRkaW5nIjp7IiRpZCI6IjE1NiIsIlRvcCI6MCwiTGVmdCI6MCwiUmlnaHQiOjAsIkJvdHRvbSI6MH0sIkJhY2tncm91bmQiOm51bGwsIklzVmlzaWJsZSI6dHJ1ZSwiV2lkdGgiOjAuMCwiSGVpZ2h0IjowLjAsIkJvcmRlclN0eWxlIjpudWxsLCJQYXJlbnRTdHlsZSI6bnVsbH0sIkJhY2tncm91bmRTdHlsZSI6eyIkaWQiOiIxNTciLCJNYXJnaW4iOnsiJGlkIjoiMTU4IiwiVG9wIjowLCJMZWZ0IjowLCJSaWdodCI6MCwiQm90dG9tIjowfSwiUGFkZGluZyI6eyIkaWQiOiIxNTkiLCJUb3AiOjAsIkxlZnQiOjAsIlJpZ2h0IjowLCJCb3R0b20iOjB9LCJCYWNrZ3JvdW5kIjp7IiRpZCI6IjE2MCIsIkNvbG9yIjp7IiRpZCI6IjE2MSIsIkEiOjM4LCJSIjo5MSwiRyI6MTU1LCJCIjoyMTN9fSwiSXNWaXNpYmxlIjp0cnVlLCJXaWR0aCI6MC4wLCJIZWlnaHQiOjAuMCwiQm9yZGVyU3R5bGUiOnsiJGlkIjoiMTYyIiwiTGluZUNvbG9yIjp7IiRpZCI6IjE2MyIsIiR0eXBlIjoiTkxSRS5Db21tb24uRG9tLlNvbGlkQ29sb3JCcnVzaCwgTkxSRS5Db21tb24iLCJDb2xvciI6eyIkaWQiOiIxNjQiLCJBIjoyNTUsIlIiOjI1NSwiRyI6MCwiQiI6MH19LCJMaW5lV2VpZ2h0IjowLjAsIkxpbmVUeXBlIjowLCJQYXJlbnRTdHlsZSI6bnVsbH0sIlBhcmVudFN0eWxlIjpudWxsfSwiSXNBYm92ZVRpbWViYW5kIjpmYWxzZSwiTWFyZ2luIjp7IiRpZCI6IjE2NSIsIlRvcCI6MCwiTGVmdCI6MCwiUmlnaHQiOjAsIkJvdHRvbSI6MH0sIlBhZGRpbmciOnsiJGlkIjoiMTY2IiwiVG9wIjowLCJMZWZ0IjowLCJSaWdodCI6MCwiQm90dG9tIjowfSwiSXNWaXNpYmxlIjp0cnVlLCJXaWR0aCI6MC4wLCJIZWlnaHQiOjAuMCwiQm9yZGVyU3R5bGUiOm51bGwsIlBhcmVudFN0eWxlIjpudWxsfX0sIlNjYWxlIjp7IiRpZCI6IjE2NyIsIlN0YXJ0RGF0ZSI6IjIwMTctMDEtMDVUMDA6MDA6MDBaIiwiRW5kRGF0ZSI6IjIwMjAtMDQtMzBUMjM6NTk6MDBaIiwiRm9ybWF0IjoidyIsIlR5cGUiOjEsIkF1dG9EYXRlUmFuZ2UiOnRydWUsIldvcmtpbmdEYXlzIjo2MywiVG9kYXlNYXJrZXJUZXh0IjoiVG9kYXkiLCJBdXRvU2NhbGVUeXBlIjpmYWxzZX0sIk1pbGVzdG9uZXMiOlt7IiRpZCI6IjE2OCIsIkRhdGUiOiIyMDE5LTExLTA5VDIzOjU5OjAwWiIsIlN0eWxlIjp7IiRpZCI6IjE2OSIsIlNoYXBlIjoxOSwiQ29ubmVjdG9yTWFyZ2luIjp7IiRyZWYiOiI1NyJ9LCJDb25uZWN0b3JTdHlsZSI6eyIkaWQiOiIxNzAiLCJMaW5lQ29sb3IiOnsiJGlkIjoiMTcxIiwiJHR5cGUiOiJOTFJFLkNvbW1vbi5Eb20uU29saWRDb2xvckJydXNoLCBOTFJFLkNvbW1vbiIsIkNvbG9yIjp7IiRpZCI6IjE3MiIsIkEiOjI1NSwiUiI6NzksIkciOjEyOSwiQiI6MTg5fX0sIkxpbmVXZWlnaHQiOjEuMCwiTGluZVR5cGUiOjAsIlBhcmVudFN0eWxlIjpudWxsfSwiSXNCZWxvd1RpbWViYW5kIjpmYWxzZSwiUG9zaXRpb25PblRhc2siOjAsIkhpZGVEYXRlIjpmYWxzZSwiU2hhcGVTaXplIjoxLCJTcGFjaW5nIjoxLjAsIlBhZGRpbmciOnsiJHJlZiI6IjYxIn0sIlNoYXBlU3R5bGUiOnsiJGlkIjoiMTczIiwiTWFyZ2luIjp7IiRyZWYiOiI2MyJ9LCJQYWRkaW5nIjp7IiRyZWYiOiI2NCJ9LCJCYWNrZ3JvdW5kIjp7IiRpZCI6IjE3NCIsIkNvbG9yIjp7IiRpZCI6IjE3NSIsIkEiOjI1NSwiUiI6MjM0LCJHIjoyMiwiQiI6MzB9fSwiSXNWaXNpYmxlIjp0cnVlLCJXaWR0aCI6MTguMCwiSGVpZ2h0IjoyMC4wLCJCb3JkZXJTdHlsZSI6eyIkaWQiOiIxNzYiLCJMaW5lQ29sb3IiOnsiJHJlZiI6IjY4In0sIkxpbmVXZWlnaHQiOjAuMCwiTGluZVR5cGUiOjAsIlBhcmVudFN0eWxlIjpudWxsfSwiUGFyZW50U3R5bGUiOm51bGx9LCJUaXRsZVN0eWxlIjp7IiRpZCI6IjE3NyIsIkZvbnRTZXR0aW5ncyI6eyIkaWQiOiIxNzgiLCJGb250U2l6ZSI6MTEsIkZvbnROYW1lIjoiQ2FsaWJyaSIsIklzQm9sZCI6ZmFsc2UsIklzSXRhbGljIjpmYWxzZSwiSXNVbmRlcmxpbmVkIjpmYWxzZSwiUGFyZW50U3R5bGUiOm51bGx9LCJBdXRvU2l6ZSI6MCwiRm9yZWdyb3VuZCI6eyIkaWQiOiIxNzkiLCJDb2xvciI6eyIkaWQiOiIxODAiLCJBIjoyNTUsIlIiOjAsIkciOjAsIkIiOjB9fSwiTWF4V2lkdGgiOjIwMC4wLCJNYXhIZWlnaHQiOiJJbmZpbml0eSIsIlNtYXJ0Rm9yZWdyb3VuZElzQWN0aXZlIjpmYWxzZSwiSG9yaXpvbnRhbEFsaWdubWVudCI6MCwiVmVydGljYWxBbGlnbm1lbnQiOjAsIlNtYXJ0Rm9yZWdyb3VuZCI6bnVsbCwiQmFja2dyb3VuZEZpbGxUeXBlIjowLCJNYXJnaW4iOnsiJHJlZiI6Ijc0In0sIlBhZGRpbmciOnsiJHJlZiI6Ijc1In0sIkJhY2tncm91bmQiOnsiJHJlZiI6Ijc2In0sIklzVmlzaWJsZSI6dHJ1ZSwiV2lkdGgiOjAuMCwiSGVpZ2h0IjowLjAsIkJvcmRlclN0eWxlIjp7IiRpZCI6IjE4MSIsIkxpbmVDb2xvciI6bnVsbCwiTGluZVdlaWdodCI6MC4wLCJMaW5lVHlwZSI6MCwiUGFyZW50U3R5bGUiOm51bGx9LCJQYXJlbnRTdHlsZSI6bnVsbH0sIkRhdGVTdHlsZSI6eyIkaWQiOiIxODIiLCJGb250U2V0dGluZ3MiOnsiJGlkIjoiMTgzIiwiRm9udFNpemUiOjEwLCJGb250TmFtZSI6IkNhbGlicmkiLCJJc0JvbGQiOmZhbHNlLCJJc0l0YWxpYyI6ZmFsc2UsIklzVW5kZXJsaW5lZCI6ZmFsc2UsIlBhcmVudFN0eWxlIjpudWxsfSwiQXV0b1NpemUiOjAsIkZvcmVncm91bmQiOnsiJGlkIjoiMTg0IiwiQ29sb3IiOnsiJGlkIjoiMTg1IiwiQSI6MjU1LCJSIjo2OCwiRyI6ODQsIkIiOjEwNn19LCJNYXhXaWR0aCI6MjAwLjAsIk1heEhlaWdodCI6IkluZmluaXR5IiwiU21hcnRGb3JlZ3JvdW5kSXNBY3RpdmUiOmZhbHNlLCJIb3Jpem9udGFsQWxpZ25tZW50IjowLCJWZXJ0aWNhbEFsaWdubWVudCI6MCwiU21hcnRGb3JlZ3JvdW5kIjpudWxsLCJCYWNrZ3JvdW5kRmlsbFR5cGUiOjAsIk1hcmdpbiI6eyIkcmVmIjoiODEifSwiUGFkZGluZyI6eyIkcmVmIjoiODIifSwiQmFja2dyb3VuZCI6eyIkcmVmIjoiODMifSwiSXNWaXNpYmxlIjp0cnVlLCJXaWR0aCI6MC4wLCJIZWlnaHQiOjAuMCwiQm9yZGVyU3R5bGUiOnsiJGlkIjoiMTg2IiwiTGluZUNvbG9yIjpudWxsLCJMaW5lV2VpZ2h0IjowLjAsIkxpbmVUeXBlIjowLCJQYXJlbnRTdHlsZSI6bnVsbH0sIlBhcmVudFN0eWxlIjpudWxsfSwiRGF0ZUZvcm1hdCI6eyIkaWQiOiIxODciLCJGb3JtYXRTdHJpbmciOiJNTU0gZCIsIlNlcGFyYXRvciI6Ii8iLCJVc2VJbnRlcm5hdGlvbmFsRGF0ZUZvcm1hdCI6ZmFsc2UsIkRhdGVJc1Zpc2libGUiOnRydWUsIlRpbWVJc1Zpc2libGUiOmZhbHNlLCJIb3VyRGlnaXRzIjoxLCJBbVBtRGVzaWduYXRvciI6MiwiVHJpbTAwTWludXRlcyI6ZmFsc2UsIkxhc3RLbm93blZpc2liaWxpdHlTdGF0ZSI6eyIkaWQiOiIxODgiLCJEYXRlUGFydElzVmlzaWJsZSI6dHJ1ZSwiVGltZVBhcnRJc1Zpc2libGUiOmZhbHNlfX0sIklzVmlzaWJsZSI6dHJ1ZSwiUGFyZW50U3R5bGUiOm51bGx9LCJJbmRleCI6NywiUGVyY2VudGFnZUNvbXBsZXRlIjpudWxsLCJQb3NpdGlvbiI6eyJSYXRpbyI6MC4yNjQ0MDUwNDEzNDc0ODI3MiwiSXNDdXN0b20iOnRydWV9LCJEYXRlRm9ybWF0Ijp7IiRyZWYiOiIxODcifSwiUmVsYXRlZFRhc2tJZCI6IjAwMDAwMDAwLTAwMDAtMDAwMC0wMDAwLTAwMDAwMDAwMDAwMCIsIklkIjoiODQxYTcwZmMtZjA4NC00Yjc2LThiZDMtYzkzZDhlODJjZGM0IiwiSW1wb3J0SWQiOm51bGwsIlRpdGxlIjoiRW5kIFBoYXNlIFBsYW5uaW5nIChSZXZpZXcgRG9jdW1tZW50cykiLCJOb3RlIjpudWxsLCJIeXBlcmxpbmsiOnsiJGlkIjoiMTg5IiwiQWRkcmVzcyI6IiIsIlN1YkFkZHJlc3MiOiIifSwiSXNDaGFuZ2VkIjpmYWxzZSwiSXNOZXciOmZhbHNlfSx7IiRpZCI6IjE5MCIsIkRhdGUiOiIyMDE5LTExLTE2VDIzOjU5OjAwWiIsIlN0eWxlIjp7IiRpZCI6IjE5MSIsIlNoYXBlIjoxOSwiQ29ubmVjdG9yTWFyZ2luIjp7IiRyZWYiOiI1NyJ9LCJDb25uZWN0b3JTdHlsZSI6eyIkaWQiOiIxOTIiLCJMaW5lQ29sb3IiOnsiJGlkIjoiMTkzIiwiJHR5cGUiOiJOTFJFLkNvbW1vbi5Eb20uU29saWRDb2xvckJydXNoLCBOTFJFLkNvbW1vbiIsIkNvbG9yIjp7IiRpZCI6IjE5NCIsIkEiOjI1NSwiUiI6NzksIkciOjEyOSwiQiI6MTg5fX0sIkxpbmVXZWlnaHQiOjEuMCwiTGluZVR5cGUiOjAsIlBhcmVudFN0eWxlIjpudWxsfSwiSXNCZWxvd1RpbWViYW5kIjpmYWxzZSwiUG9zaXRpb25PblRhc2siOjAsIkhpZGVEYXRlIjpmYWxzZSwiU2hhcGVTaXplIjoxLCJTcGFjaW5nIjoxLjAsIlBhZGRpbmciOnsiJHJlZiI6IjYxIn0sIlNoYXBlU3R5bGUiOnsiJGlkIjoiMTk1IiwiTWFyZ2luIjp7IiRyZWYiOiI2MyJ9LCJQYWRkaW5nIjp7IiRyZWYiOiI2NCJ9LCJCYWNrZ3JvdW5kIjp7IiRpZCI6IjE5NiIsIkNvbG9yIjp7IiRpZCI6IjE5NyIsIkEiOjI1NSwiUiI6MjM0LCJHIjoyMiwiQiI6MzB9fSwiSXNWaXNpYmxlIjp0cnVlLCJXaWR0aCI6MTguMCwiSGVpZ2h0IjoyMC4wLCJCb3JkZXJTdHlsZSI6eyIkaWQiOiIxOTgiLCJMaW5lQ29sb3IiOnsiJHJlZiI6IjY4In0sIkxpbmVXZWlnaHQiOjAuMCwiTGluZVR5cGUiOjAsIlBhcmVudFN0eWxlIjpudWxsfSwiUGFyZW50U3R5bGUiOm51bGx9LCJUaXRsZVN0eWxlIjp7IiRpZCI6IjE5OSIsIkZvbnRTZXR0aW5ncyI6eyIkaWQiOiIyMDAiLCJGb250U2l6ZSI6MTEsIkZvbnROYW1lIjoiQ2FsaWJyaSIsIklzQm9sZCI6ZmFsc2UsIklzSXRhbGljIjpmYWxzZSwiSXNVbmRlcmxpbmVkIjpmYWxzZSwiUGFyZW50U3R5bGUiOm51bGx9LCJBdXRvU2l6ZSI6MCwiRm9yZWdyb3VuZCI6eyIkaWQiOiIyMDEiLCJDb2xvciI6eyIkaWQiOiIyMDIiLCJBIjoyNTUsIlIiOjAsIkciOjAsIkIiOjB9fSwiTWF4V2lkdGgiOjIwMC4wLCJNYXhIZWlnaHQiOiJJbmZpbml0eSIsIlNtYXJ0Rm9yZWdyb3VuZElzQWN0aXZlIjpmYWxzZSwiSG9yaXpvbnRhbEFsaWdubWVudCI6MCwiVmVydGljYWxBbGlnbm1lbnQiOjAsIlNtYXJ0Rm9yZWdyb3VuZCI6bnVsbCwiQmFja2dyb3VuZEZpbGxUeXBlIjowLCJNYXJnaW4iOnsiJHJlZiI6Ijc0In0sIlBhZGRpbmciOnsiJHJlZiI6Ijc1In0sIkJhY2tncm91bmQiOnsiJHJlZiI6Ijc2In0sIklzVmlzaWJsZSI6dHJ1ZSwiV2lkdGgiOjAuMCwiSGVpZ2h0IjowLjAsIkJvcmRlclN0eWxlIjp7IiRpZCI6IjIwMyIsIkxpbmVDb2xvciI6bnVsbCwiTGluZVdlaWdodCI6MC4wLCJMaW5lVHlwZSI6MCwiUGFyZW50U3R5bGUiOm51bGx9LCJQYXJlbnRTdHlsZSI6bnVsbH0sIkRhdGVTdHlsZSI6eyIkaWQiOiIyMDQiLCJGb250U2V0dGluZ3MiOnsiJGlkIjoiMjA1IiwiRm9udFNpemUiOjEwLCJGb250TmFtZSI6IkNhbGlicmkiLCJJc0JvbGQiOmZhbHNlLCJJc0l0YWxpYyI6ZmFsc2UsIklzVW5kZXJsaW5lZCI6ZmFsc2UsIlBhcmVudFN0eWxlIjpudWxsfSwiQXV0b1NpemUiOjAsIkZvcmVncm91bmQiOnsiJGlkIjoiMjA2IiwiQ29sb3IiOnsiJGlkIjoiMjA3IiwiQSI6MjU1LCJSIjo2OCwiRyI6ODQsIkIiOjEwNn19LCJNYXhXaWR0aCI6MjAwLjAsIk1heEhlaWdodCI6IkluZmluaXR5IiwiU21hcnRGb3JlZ3JvdW5kSXNBY3RpdmUiOmZhbHNlLCJIb3Jpem9udGFsQWxpZ25tZW50IjowLCJWZXJ0aWNhbEFsaWdubWVudCI6MCwiU21hcnRGb3JlZ3JvdW5kIjpudWxsLCJCYWNrZ3JvdW5kRmlsbFR5cGUiOjAsIk1hcmdpbiI6eyIkcmVmIjoiODEifSwiUGFkZGluZyI6eyIkcmVmIjoiODIifSwiQmFja2dyb3VuZCI6eyIkcmVmIjoiODMifSwiSXNWaXNpYmxlIjp0cnVlLCJXaWR0aCI6MC4wLCJIZWlnaHQiOjAuMCwiQm9yZGVyU3R5bGUiOnsiJGlkIjoiMjA4IiwiTGluZUNvbG9yIjpudWxsLCJMaW5lV2VpZ2h0IjowLjAsIkxpbmVUeXBlIjowLCJQYXJlbnRTdHlsZSI6bnVsbH0sIlBhcmVudFN0eWxlIjpudWxsfSwiRGF0ZUZvcm1hdCI6eyIkaWQiOiIyMDkiLCJGb3JtYXRTdHJpbmciOiJNTU0gZCIsIlNlcGFyYXRvciI6Ii8iLCJVc2VJbnRlcm5hdGlvbmFsRGF0ZUZvcm1hdCI6ZmFsc2UsIkRhdGVJc1Zpc2libGUiOnRydWUsIlRpbWVJc1Zpc2libGUiOmZhbHNlLCJIb3VyRGlnaXRzIjoxLCJBbVBtRGVzaWduYXRvciI6MiwiVHJpbTAwTWludXRlcyI6ZmFsc2UsIkxhc3RLbm93blZpc2liaWxpdHlTdGF0ZSI6eyIkaWQiOiIyMTAiLCJEYXRlUGFydElzVmlzaWJsZSI6dHJ1ZSwiVGltZVBhcnRJc1Zpc2libGUiOmZhbHNlfX0sIklzVmlzaWJsZSI6dHJ1ZSwiUGFyZW50U3R5bGUiOm51bGx9LCJJbmRleCI6OCwiUGVyY2VudGFnZUNvbXBsZXRlIjpudWxsLCJQb3NpdGlvbiI6eyJSYXRpbyI6MC4wLCJJc0N1c3RvbSI6ZmFsc2V9LCJEYXRlRm9ybWF0Ijp7IiRyZWYiOiIyMDkifSwiUmVsYXRlZFRhc2tJZCI6IjAwMDAwMDAwLTAwMDAtMDAwMC0wMDAwLTAwMDAwMDAwMDAwMCIsIklkIjoiZjM2ODg2MzctMGU4Mi00NTM1LWIzNTctMTlkMDVlNjA4MjY2IiwiSW1wb3J0SWQiOm51bGwsIlRpdGxlIjoiRU9NUCMxIiwiTm90ZSI6bnVsbCwiSHlwZXJsaW5rIjp7IiRpZCI6IjIxMSIsIkFkZHJlc3MiOiIiLCJTdWJBZGRyZXNzIjoiIn0sIklzQ2hhbmdlZCI6ZmFsc2UsIklzTmV3IjpmYWxzZX0seyIkaWQiOiIyMTIiLCJEYXRlIjoiMjAxOS0xMi0wN1QyMzo1OTowMFoiLCJTdHlsZSI6eyIkaWQiOiIyMTMiLCJTaGFwZSI6MTksIkNvbm5lY3Rvck1hcmdpbiI6eyIkcmVmIjoiNTcifSwiQ29ubmVjdG9yU3R5bGUiOnsiJGlkIjoiMjE0IiwiTGluZUNvbG9yIjp7IiRpZCI6IjIxNSIsIiR0eXBlIjoiTkxSRS5Db21tb24uRG9tLlNvbGlkQ29sb3JCcnVzaCwgTkxSRS5Db21tb24iLCJDb2xvciI6eyIkaWQiOiIyMTYiLCJBIjoyNTUsIlIiOjc5LCJHIjoxMjksIkIiOjE4OX19LCJMaW5lV2VpZ2h0IjoxLjAsIkxpbmVUeXBlIjowLCJQYXJlbnRTdHlsZSI6bnVsbH0sIklzQmVsb3dUaW1lYmFuZCI6ZmFsc2UsIlBvc2l0aW9uT25UYXNrIjowLCJIaWRlRGF0ZSI6ZmFsc2UsIlNoYXBlU2l6ZSI6MSwiU3BhY2luZyI6MS4wLCJQYWRkaW5nIjp7IiRyZWYiOiI2MSJ9LCJTaGFwZVN0eWxlIjp7IiRpZCI6IjIxNyIsIk1hcmdpbiI6eyIkcmVmIjoiNjMifSwiUGFkZGluZyI6eyIkcmVmIjoiNjQifSwiQmFja2dyb3VuZCI6eyIkaWQiOiIyMTgiLCJDb2xvciI6eyIkaWQiOiIyMTkiLCJBIjoyNTUsIlIiOjIzNCwiRyI6MjIsIkIiOjMwfX0sIklzVmlzaWJsZSI6dHJ1ZSwiV2lkdGgiOjE4LjAsIkhlaWdodCI6MjAuMCwiQm9yZGVyU3R5bGUiOnsiJGlkIjoiMjIwIiwiTGluZUNvbG9yIjp7IiRyZWYiOiI2OCJ9LCJMaW5lV2VpZ2h0IjowLjAsIkxpbmVUeXBlIjowLCJQYXJlbnRTdHlsZSI6bnVsbH0sIlBhcmVudFN0eWxlIjpudWxsfSwiVGl0bGVTdHlsZSI6eyIkaWQiOiIyMjEiLCJGb250U2V0dGluZ3MiOnsiJGlkIjoiMjIyIiwiRm9udFNpemUiOjExLCJGb250TmFtZSI6IkNhbGlicmkiLCJJc0JvbGQiOmZhbHNlLCJJc0l0YWxpYyI6ZmFsc2UsIklzVW5kZXJsaW5lZCI6ZmFsc2UsIlBhcmVudFN0eWxlIjpudWxsfSwiQXV0b1NpemUiOjAsIkZvcmVncm91bmQiOnsiJGlkIjoiMjIzIiwiQ29sb3IiOnsiJGlkIjoiMjI0IiwiQSI6MjU1LCJSIjowLCJHIjowLCJCIjowfX0sIk1heFdpZHRoIjoyMDAuMCwiTWF4SGVpZ2h0IjoiSW5maW5pdHkiLCJTbWFydEZvcmVncm91bmRJc0FjdGl2ZSI6ZmFsc2UsIkhvcml6b250YWxBbGlnbm1lbnQiOjAsIlZlcnRpY2FsQWxpZ25tZW50IjowLCJTbWFydEZvcmVncm91bmQiOm51bGwsIkJhY2tncm91bmRGaWxsVHlwZSI6MCwiTWFyZ2luIjp7IiRyZWYiOiI3NCJ9LCJQYWRkaW5nIjp7IiRyZWYiOiI3NSJ9LCJCYWNrZ3JvdW5kIjp7IiRyZWYiOiI3NiJ9LCJJc1Zpc2libGUiOnRydWUsIldpZHRoIjowLjAsIkhlaWdodCI6MC4wLCJCb3JkZXJTdHlsZSI6eyIkaWQiOiIyMjUiLCJMaW5lQ29sb3IiOm51bGwsIkxpbmVXZWlnaHQiOjAuMCwiTGluZVR5cGUiOjAsIlBhcmVudFN0eWxlIjpudWxsfSwiUGFyZW50U3R5bGUiOm51bGx9LCJEYXRlU3R5bGUiOnsiJGlkIjoiMjI2IiwiRm9udFNldHRpbmdzIjp7IiRpZCI6IjIyNyIsIkZvbnRTaXplIjoxMCwiRm9udE5hbWUiOiJDYWxpYnJpIiwiSXNCb2xkIjpmYWxzZSwiSXNJdGFsaWMiOmZhbHNlLCJJc1VuZGVybGluZWQiOmZhbHNlLCJQYXJlbnRTdHlsZSI6bnVsbH0sIkF1dG9TaXplIjowLCJGb3JlZ3JvdW5kIjp7IiRpZCI6IjIyOCIsIkNvbG9yIjp7IiRpZCI6IjIyOSIsIkEiOjI1NSwiUiI6NjgsIkciOjg0LCJCIjoxMDZ9fSwiTWF4V2lkdGgiOjIwMC4wLCJNYXhIZWlnaHQiOiJJbmZpbml0eSIsIlNtYXJ0Rm9yZWdyb3VuZElzQWN0aXZlIjpmYWxzZSwiSG9yaXpvbnRhbEFsaWdubWVudCI6MCwiVmVydGljYWxBbGlnbm1lbnQiOjAsIlNtYXJ0Rm9yZWdyb3VuZCI6bnVsbCwiQmFja2dyb3VuZEZpbGxUeXBlIjowLCJNYXJnaW4iOnsiJHJlZiI6IjgxIn0sIlBhZGRpbmciOnsiJHJlZiI6IjgyIn0sIkJhY2tncm91bmQiOnsiJHJlZiI6IjgzIn0sIklzVmlzaWJsZSI6dHJ1ZSwiV2lkdGgiOjAuMCwiSGVpZ2h0IjowLjAsIkJvcmRlclN0eWxlIjp7IiRpZCI6IjIzMCIsIkxpbmVDb2xvciI6bnVsbCwiTGluZVdlaWdodCI6MC4wLCJMaW5lVHlwZSI6MCwiUGFyZW50U3R5bGUiOm51bGx9LCJQYXJlbnRTdHlsZSI6bnVsbH0sIkRhdGVGb3JtYXQiOnsiJGlkIjoiMjMxIiwiRm9ybWF0U3RyaW5nIjoiTU1NIGQiLCJTZXBhcmF0b3IiOiIvIiwiVXNlSW50ZXJuYXRpb25hbERhdGVGb3JtYXQiOmZhbHNlLCJEYXRlSXNWaXNpYmxlIjp0cnVlLCJUaW1lSXNWaXNpYmxlIjpmYWxzZSwiSG91ckRpZ2l0cyI6MSwiQW1QbURlc2lnbmF0b3IiOjIsIlRyaW0wME1pbnV0ZXMiOmZhbHNlLCJMYXN0S25vd25WaXNpYmlsaXR5U3RhdGUiOnsiJGlkIjoiMjMyIiwiRGF0ZVBhcnRJc1Zpc2libGUiOnRydWUsIlRpbWVQYXJ0SXNWaXNpYmxlIjpmYWxzZX19LCJJc1Zpc2libGUiOnRydWUsIlBhcmVudFN0eWxlIjpudWxsfSwiSW5kZXgiOjksIlBlcmNlbnRhZ2VDb21wbGV0ZSI6bnVsbCwiUG9zaXRpb24iOnsiUmF0aW8iOjAuMDkwMDYxNzI4Mzk1MDYxNzY5LCJJc0N1c3RvbSI6dHJ1ZX0sIkRhdGVGb3JtYXQiOnsiJHJlZiI6IjIzMSJ9LCJSZWxhdGVkVGFza0lkIjoiMDAwMDAwMDAtMDAwMC0wMDAwLTAwMDAtMDAwMDAwMDAwMDAwIiwiSWQiOiI4NjIxNTUyNC1iMjQ2LTRkMTYtOGE1My1lMGM4YThhNjBmOWEiLCJJbXBvcnRJZCI6bnVsbCwiVGl0bGUiOiJSZWxlYXNlIFJFICYgQVIgJiBERCIsIk5vdGUiOm51bGwsIkh5cGVybGluayI6eyIkaWQiOiIyMzMiLCJBZGRyZXNzIjoiIiwiU3ViQWRkcmVzcyI6IiJ9LCJJc0NoYW5nZWQiOmZhbHNlLCJJc05ldyI6ZmFsc2V9LHsiJGlkIjoiMjM0IiwiRGF0ZSI6IjIwMTktMTItMjhUMjM6NTk6MDBaIiwiU3R5bGUiOnsiJGlkIjoiMjM1IiwiU2hhcGUiOjE5LCJDb25uZWN0b3JNYXJnaW4iOnsiJHJlZiI6IjU3In0sIkNvbm5lY3RvclN0eWxlIjp7IiRpZCI6IjIzNiIsIkxpbmVDb2xvciI6eyIkaWQiOiIyMzciLCIkdHlwZSI6Ik5MUkUuQ29tbW9uLkRvbS5Tb2xpZENvbG9yQnJ1c2gsIE5MUkUuQ29tbW9uIiwiQ29sb3IiOnsiJGlkIjoiMjM4IiwiQSI6MjU1LCJSIjo3OSwiRyI6MTI5LCJCIjoxODl9fSwiTGluZVdlaWdodCI6MS4wLCJMaW5lVHlwZSI6MCwiUGFyZW50U3R5bGUiOm51bGx9LCJJc0JlbG93VGltZWJhbmQiOmZhbHNlLCJQb3NpdGlvbk9uVGFzayI6MCwiSGlkZURhdGUiOmZhbHNlLCJTaGFwZVNpemUiOjEsIlNwYWNpbmciOjEuMCwiUGFkZGluZyI6eyIkcmVmIjoiNjEifSwiU2hhcGVTdHlsZSI6eyIkaWQiOiIyMzkiLCJNYXJnaW4iOnsiJHJlZiI6IjYzIn0sIlBhZGRpbmciOnsiJHJlZiI6IjY0In0sIkJhY2tncm91bmQiOnsiJGlkIjoiMjQwIiwiQ29sb3IiOnsiJGlkIjoiMjQxIiwiQSI6MjU1LCJSIjoyMzQsIkciOjIyLCJCIjozMH19LCJJc1Zpc2libGUiOnRydWUsIldpZHRoIjoxOC4wLCJIZWlnaHQiOjIwLjAsIkJvcmRlclN0eWxlIjp7IiRpZCI6IjI0MiIsIkxpbmVDb2xvciI6eyIkcmVmIjoiNjgifSwiTGluZVdlaWdodCI6MC4wLCJMaW5lVHlwZSI6MCwiUGFyZW50U3R5bGUiOm51bGx9LCJQYXJlbnRTdHlsZSI6bnVsbH0sIlRpdGxlU3R5bGUiOnsiJGlkIjoiMjQzIiwiRm9udFNldHRpbmdzIjp7IiRpZCI6IjI0NCIsIkZvbnRTaXplIjoxMSwiRm9udE5hbWUiOiJDYWxpYnJpIiwiSXNCb2xkIjpmYWxzZSwiSXNJdGFsaWMiOmZhbHNlLCJJc1VuZGVybGluZWQiOmZhbHNlLCJQYXJlbnRTdHlsZSI6bnVsbH0sIkF1dG9TaXplIjowLCJGb3JlZ3JvdW5kIjp7IiRpZCI6IjI0NSIsIkNvbG9yIjp7IiRpZCI6IjI0NiIsIkEiOjI1NSwiUiI6MCwiRyI6MCwiQiI6MH19LCJNYXhXaWR0aCI6MjAwLjAsIk1heEhlaWdodCI6IkluZmluaXR5IiwiU21hcnRGb3JlZ3JvdW5kSXNBY3RpdmUiOmZhbHNlLCJIb3Jpem9udGFsQWxpZ25tZW50IjowLCJWZXJ0aWNhbEFsaWdubWVudCI6MCwiU21hcnRGb3JlZ3JvdW5kIjpudWxsLCJCYWNrZ3JvdW5kRmlsbFR5cGUiOjAsIk1hcmdpbiI6eyIkcmVmIjoiNzQifSwiUGFkZGluZyI6eyIkcmVmIjoiNzUifSwiQmFja2dyb3VuZCI6eyIkcmVmIjoiNzYifSwiSXNWaXNpYmxlIjp0cnVlLCJXaWR0aCI6MC4wLCJIZWlnaHQiOjAuMCwiQm9yZGVyU3R5bGUiOnsiJGlkIjoiMjQ3IiwiTGluZUNvbG9yIjpudWxsLCJMaW5lV2VpZ2h0IjowLjAsIkxpbmVUeXBlIjowLCJQYXJlbnRTdHlsZSI6bnVsbH0sIlBhcmVudFN0eWxlIjpudWxsfSwiRGF0ZVN0eWxlIjp7IiRpZCI6IjI0OCIsIkZvbnRTZXR0aW5ncyI6eyIkaWQiOiIyNDkiLCJGb250U2l6ZSI6MTAsIkZvbnROYW1lIjoiQ2FsaWJyaSIsIklzQm9sZCI6ZmFsc2UsIklzSXRhbGljIjpmYWxzZSwiSXNVbmRlcmxpbmVkIjpmYWxzZSwiUGFyZW50U3R5bGUiOm51bGx9LCJBdXRvU2l6ZSI6MCwiRm9yZWdyb3VuZCI6eyIkaWQiOiIyNTAiLCJDb2xvciI6eyIkaWQiOiIyNTEiLCJBIjoyNTUsIlIiOjY4LCJHIjo4NCwiQiI6MTA2fX0sIk1heFdpZHRoIjoyMDAuMCwiTWF4SGVpZ2h0IjoiSW5maW5pdHkiLCJTbWFydEZvcmVncm91bmRJc0FjdGl2ZSI6ZmFsc2UsIkhvcml6b250YWxBbGlnbm1lbnQiOjAsIlZlcnRpY2FsQWxpZ25tZW50IjowLCJTbWFydEZvcmVncm91bmQiOm51bGwsIkJhY2tncm91bmRGaWxsVHlwZSI6MCwiTWFyZ2luIjp7IiRyZWYiOiI4MSJ9LCJQYWRkaW5nIjp7IiRyZWYiOiI4MiJ9LCJCYWNrZ3JvdW5kIjp7IiRyZWYiOiI4MyJ9LCJJc1Zpc2libGUiOnRydWUsIldpZHRoIjowLjAsIkhlaWdodCI6MC4wLCJCb3JkZXJTdHlsZSI6eyIkaWQiOiIyNTIiLCJMaW5lQ29sb3IiOm51bGwsIkxpbmVXZWlnaHQiOjAuMCwiTGluZVR5cGUiOjAsIlBhcmVudFN0eWxlIjpudWxsfSwiUGFyZW50U3R5bGUiOm51bGx9LCJEYXRlRm9ybWF0Ijp7IiRpZCI6IjI1MyIsIkZvcm1hdFN0cmluZyI6Ik1NTSBkIiwiU2VwYXJhdG9yIjoiLyIsIlVzZUludGVybmF0aW9uYWxEYXRlRm9ybWF0IjpmYWxzZSwiRGF0ZUlzVmlzaWJsZSI6dHJ1ZSwiVGltZUlzVmlzaWJsZSI6ZmFsc2UsIkhvdXJEaWdpdHMiOjEsIkFtUG1EZXNpZ25hdG9yIjoyLCJUcmltMDBNaW51dGVzIjpmYWxzZSwiTGFzdEtub3duVmlzaWJpbGl0eVN0YXRlIjp7IiRpZCI6IjI1NCIsIkRhdGVQYXJ0SXNWaXNpYmxlIjp0cnVlLCJUaW1lUGFydElzVmlzaWJsZSI6ZmFsc2V9fSwiSXNWaXNpYmxlIjp0cnVlLCJQYXJlbnRTdHlsZSI6bnVsbH0sIkluZGV4IjoxMCwiUGVyY2VudGFnZUNvbXBsZXRlIjpudWxsLCJQb3NpdGlvbiI6eyJSYXRpbyI6MC4wLCJJc0N1c3RvbSI6ZmFsc2V9LCJEYXRlRm9ybWF0Ijp7IiRyZWYiOiIyNTMifSwiUmVsYXRlZFRhc2tJZCI6IjAwMDAwMDAwLTAwMDAtMDAwMC0wMDAwLTAwMDAwMDAwMDAwMCIsIklkIjoiZGZlZjEzN2UtM2QyMS00NGExLWExYWQtNDZkNjFkMWY4NTVkIiwiSW1wb3J0SWQiOm51bGwsIlRpdGxlIjoiUmVsZWFzZSBGdW5jdGlvbiAxIiwiTm90ZSI6bnVsbCwiSHlwZXJsaW5rIjp7IiRpZCI6IjI1NSIsIkFkZHJlc3MiOiIiLCJTdWJBZGRyZXNzIjoiIn0sIklzQ2hhbmdlZCI6ZmFsc2UsIklzTmV3IjpmYWxzZX0seyIkaWQiOiIyNTYiLCJEYXRlIjoiMjAyMC0wMS0wNFQyMzo1OTowMFoiLCJTdHlsZSI6eyIkaWQiOiIyNTciLCJTaGFwZSI6MTksIkNvbm5lY3Rvck1hcmdpbiI6eyIkcmVmIjoiNTcifSwiQ29ubmVjdG9yU3R5bGUiOnsiJGlkIjoiMjU4IiwiTGluZUNvbG9yIjp7IiRpZCI6IjI1OSIsIiR0eXBlIjoiTkxSRS5Db21tb24uRG9tLlNvbGlkQ29sb3JCcnVzaCwgTkxSRS5Db21tb24iLCJDb2xvciI6eyIkaWQiOiIyNjAiLCJBIjoyNTUsIlIiOjc5LCJHIjoxMjksIkIiOjE4OX19LCJMaW5lV2VpZ2h0IjoxLjAsIkxpbmVUeXBlIjowLCJQYXJlbnRTdHlsZSI6bnVsbH0sIklzQmVsb3dUaW1lYmFuZCI6ZmFsc2UsIlBvc2l0aW9uT25UYXNrIjowLCJIaWRlRGF0ZSI6ZmFsc2UsIlNoYXBlU2l6ZSI6MSwiU3BhY2luZyI6MS4wLCJQYWRkaW5nIjp7IiRyZWYiOiI2MSJ9LCJTaGFwZVN0eWxlIjp7IiRpZCI6IjI2MSIsIk1hcmdpbiI6eyIkcmVmIjoiNjMifSwiUGFkZGluZyI6eyIkcmVmIjoiNjQifSwiQmFja2dyb3VuZCI6eyIkaWQiOiIyNjIiLCJDb2xvciI6eyIkaWQiOiIyNjMiLCJBIjoyNTUsIlIiOjIzNCwiRyI6MjIsIkIiOjMwfX0sIklzVmlzaWJsZSI6dHJ1ZSwiV2lkdGgiOjE4LjAsIkhlaWdodCI6MjAuMCwiQm9yZGVyU3R5bGUiOnsiJGlkIjoiMjY0IiwiTGluZUNvbG9yIjp7IiRyZWYiOiI2OCJ9LCJMaW5lV2VpZ2h0IjowLjAsIkxpbmVUeXBlIjowLCJQYXJlbnRTdHlsZSI6bnVsbH0sIlBhcmVudFN0eWxlIjpudWxsfSwiVGl0bGVTdHlsZSI6eyIkaWQiOiIyNjUiLCJGb250U2V0dGluZ3MiOnsiJGlkIjoiMjY2IiwiRm9udFNpemUiOjExLCJGb250TmFtZSI6IkNhbGlicmkiLCJJc0JvbGQiOmZhbHNlLCJJc0l0YWxpYyI6ZmFsc2UsIklzVW5kZXJsaW5lZCI6ZmFsc2UsIlBhcmVudFN0eWxlIjpudWxsfSwiQXV0b1NpemUiOjAsIkZvcmVncm91bmQiOnsiJGlkIjoiMjY3IiwiQ29sb3IiOnsiJGlkIjoiMjY4IiwiQSI6MjU1LCJSIjowLCJHIjowLCJCIjowfX0sIk1heFdpZHRoIjoyMDAuMCwiTWF4SGVpZ2h0IjoiSW5maW5pdHkiLCJTbWFydEZvcmVncm91bmRJc0FjdGl2ZSI6ZmFsc2UsIkhvcml6b250YWxBbGlnbm1lbnQiOjAsIlZlcnRpY2FsQWxpZ25tZW50IjowLCJTbWFydEZvcmVncm91bmQiOm51bGwsIkJhY2tncm91bmRGaWxsVHlwZSI6MCwiTWFyZ2luIjp7IiRyZWYiOiI3NCJ9LCJQYWRkaW5nIjp7IiRyZWYiOiI3NSJ9LCJCYWNrZ3JvdW5kIjp7IiRyZWYiOiI3NiJ9LCJJc1Zpc2libGUiOnRydWUsIldpZHRoIjowLjAsIkhlaWdodCI6MC4wLCJCb3JkZXJTdHlsZSI6eyIkaWQiOiIyNjkiLCJMaW5lQ29sb3IiOm51bGwsIkxpbmVXZWlnaHQiOjAuMCwiTGluZVR5cGUiOjAsIlBhcmVudFN0eWxlIjpudWxsfSwiUGFyZW50U3R5bGUiOm51bGx9LCJEYXRlU3R5bGUiOnsiJGlkIjoiMjcwIiwiRm9udFNldHRpbmdzIjp7IiRpZCI6IjI3MSIsIkZvbnRTaXplIjoxMCwiRm9udE5hbWUiOiJDYWxpYnJpIiwiSXNCb2xkIjpmYWxzZSwiSXNJdGFsaWMiOmZhbHNlLCJJc1VuZGVybGluZWQiOmZhbHNlLCJQYXJlbnRTdHlsZSI6bnVsbH0sIkF1dG9TaXplIjowLCJGb3JlZ3JvdW5kIjp7IiRpZCI6IjI3MiIsIkNvbG9yIjp7IiRpZCI6IjI3MyIsIkEiOjI1NSwiUiI6NjgsIkciOjg0LCJCIjoxMDZ9fSwiTWF4V2lkdGgiOjIwMC4wLCJNYXhIZWlnaHQiOiJJbmZpbml0eSIsIlNtYXJ0Rm9yZWdyb3VuZElzQWN0aXZlIjpmYWxzZSwiSG9yaXpvbnRhbEFsaWdubWVudCI6MCwiVmVydGljYWxBbGlnbm1lbnQiOjAsIlNtYXJ0Rm9yZWdyb3VuZCI6bnVsbCwiQmFja2dyb3VuZEZpbGxUeXBlIjowLCJNYXJnaW4iOnsiJHJlZiI6IjgxIn0sIlBhZGRpbmciOnsiJHJlZiI6IjgyIn0sIkJhY2tncm91bmQiOnsiJHJlZiI6IjgzIn0sIklzVmlzaWJsZSI6dHJ1ZSwiV2lkdGgiOjAuMCwiSGVpZ2h0IjowLjAsIkJvcmRlclN0eWxlIjp7IiRpZCI6IjI3NCIsIkxpbmVDb2xvciI6bnVsbCwiTGluZVdlaWdodCI6MC4wLCJMaW5lVHlwZSI6MCwiUGFyZW50U3R5bGUiOm51bGx9LCJQYXJlbnRTdHlsZSI6bnVsbH0sIkRhdGVGb3JtYXQiOnsiJGlkIjoiMjc1IiwiRm9ybWF0U3RyaW5nIjoiTU1NIGQiLCJTZXBhcmF0b3IiOiIvIiwiVXNlSW50ZXJuYXRpb25hbERhdGVGb3JtYXQiOmZhbHNlLCJEYXRlSXNWaXNpYmxlIjp0cnVlLCJUaW1lSXNWaXNpYmxlIjpmYWxzZSwiSG91ckRpZ2l0cyI6MSwiQW1QbURlc2lnbmF0b3IiOjIsIlRyaW0wME1pbnV0ZXMiOmZhbHNlLCJMYXN0S25vd25WaXNpYmlsaXR5U3RhdGUiOnsiJGlkIjoiMjc2IiwiRGF0ZVBhcnRJc1Zpc2libGUiOnRydWUsIlRpbWVQYXJ0SXNWaXNpYmxlIjpmYWxzZX19LCJJc1Zpc2libGUiOnRydWUsIlBhcmVudFN0eWxlIjpudWxsfSwiSW5kZXgiOjExLCJQZXJjZW50YWdlQ29tcGxldGUiOm51bGwsIlBvc2l0aW9uIjp7IlJhdGlvIjowLjAsIklzQ3VzdG9tIjpmYWxzZX0sIkRhdGVGb3JtYXQiOnsiJHJlZiI6IjI3NSJ9LCJSZWxhdGVkVGFza0lkIjoiMDAwMDAwMDAtMDAwMC0wMDAwLTAwMDAtMDAwMDAwMDAwMDAwIiwiSWQiOiI0NTM1MTYzNC02MjNlLTRkYWMtOWU2OC1lZmUxMmJmNTE5ODUiLCJJbXBvcnRJZCI6bnVsbCwiVGl0bGUiOiJSZWxlYXNlIEZ1bmN0aW9uIDIiLCJOb3RlIjpudWxsLCJIeXBlcmxpbmsiOnsiJGlkIjoiMjc3IiwiQWRkcmVzcyI6IiIsIlN1YkFkZHJlc3MiOiIifSwiSXNDaGFuZ2VkIjpmYWxzZSwiSXNOZXciOmZhbHNlfSx7IiRpZCI6IjI3OCIsIkRhdGUiOiIyMDIwLTAxLTExVDIzOjU5OjAwWiIsIlN0eWxlIjp7IiRpZCI6IjI3OSIsIlNoYXBlIjoxOSwiQ29ubmVjdG9yTWFyZ2luIjp7IiRyZWYiOiI1NyJ9LCJDb25uZWN0b3JTdHlsZSI6eyIkaWQiOiIyODAiLCJMaW5lQ29sb3IiOnsiJGlkIjoiMjgxIiwiJHR5cGUiOiJOTFJFLkNvbW1vbi5Eb20uU29saWRDb2xvckJydXNoLCBOTFJFLkNvbW1vbiIsIkNvbG9yIjp7IiRpZCI6IjI4MiIsIkEiOjI1NSwiUiI6NzksIkciOjEyOSwiQiI6MTg5fX0sIkxpbmVXZWlnaHQiOjEuMCwiTGluZVR5cGUiOjAsIlBhcmVudFN0eWxlIjpudWxsfSwiSXNCZWxvd1RpbWViYW5kIjpmYWxzZSwiUG9zaXRpb25PblRhc2siOjAsIkhpZGVEYXRlIjpmYWxzZSwiU2hhcGVTaXplIjoxLCJTcGFjaW5nIjoxLjAsIlBhZGRpbmciOnsiJHJlZiI6IjYxIn0sIlNoYXBlU3R5bGUiOnsiJGlkIjoiMjgzIiwiTWFyZ2luIjp7IiRyZWYiOiI2MyJ9LCJQYWRkaW5nIjp7IiRyZWYiOiI2NCJ9LCJCYWNrZ3JvdW5kIjp7IiRpZCI6IjI4NCIsIkNvbG9yIjp7IiRpZCI6IjI4NSIsIkEiOjI1NSwiUiI6MjM0LCJHIjoyMiwiQiI6MzB9fSwiSXNWaXNpYmxlIjp0cnVlLCJXaWR0aCI6MTguMCwiSGVpZ2h0IjoyMC4wLCJCb3JkZXJTdHlsZSI6eyIkaWQiOiIyODYiLCJMaW5lQ29sb3IiOnsiJHJlZiI6IjY4In0sIkxpbmVXZWlnaHQiOjAuMCwiTGluZVR5cGUiOjAsIlBhcmVudFN0eWxlIjpudWxsfSwiUGFyZW50U3R5bGUiOm51bGx9LCJUaXRsZVN0eWxlIjp7IiRpZCI6IjI4NyIsIkZvbnRTZXR0aW5ncyI6eyIkaWQiOiIyODgiLCJGb250U2l6ZSI6MTEsIkZvbnROYW1lIjoiQ2FsaWJyaSIsIklzQm9sZCI6ZmFsc2UsIklzSXRhbGljIjpmYWxzZSwiSXNVbmRlcmxpbmVkIjpmYWxzZSwiUGFyZW50U3R5bGUiOm51bGx9LCJBdXRvU2l6ZSI6MCwiRm9yZWdyb3VuZCI6eyIkaWQiOiIyODkiLCJDb2xvciI6eyIkaWQiOiIyOTAiLCJBIjoyNTUsIlIiOjAsIkciOjAsIkIiOjB9fSwiTWF4V2lkdGgiOjIwMC4wLCJNYXhIZWlnaHQiOiJJbmZpbml0eSIsIlNtYXJ0Rm9yZWdyb3VuZElzQWN0aXZlIjpmYWxzZSwiSG9yaXpvbnRhbEFsaWdubWVudCI6MCwiVmVydGljYWxBbGlnbm1lbnQiOjAsIlNtYXJ0Rm9yZWdyb3VuZCI6bnVsbCwiQmFja2dyb3VuZEZpbGxUeXBlIjowLCJNYXJnaW4iOnsiJHJlZiI6Ijc0In0sIlBhZGRpbmciOnsiJHJlZiI6Ijc1In0sIkJhY2tncm91bmQiOnsiJHJlZiI6Ijc2In0sIklzVmlzaWJsZSI6dHJ1ZSwiV2lkdGgiOjAuMCwiSGVpZ2h0IjowLjAsIkJvcmRlclN0eWxlIjp7IiRpZCI6IjI5MSIsIkxpbmVDb2xvciI6bnVsbCwiTGluZVdlaWdodCI6MC4wLCJMaW5lVHlwZSI6MCwiUGFyZW50U3R5bGUiOm51bGx9LCJQYXJlbnRTdHlsZSI6bnVsbH0sIkRhdGVTdHlsZSI6eyIkaWQiOiIyOTIiLCJGb250U2V0dGluZ3MiOnsiJGlkIjoiMjkzIiwiRm9udFNpemUiOjEwLCJGb250TmFtZSI6IkNhbGlicmkiLCJJc0JvbGQiOmZhbHNlLCJJc0l0YWxpYyI6ZmFsc2UsIklzVW5kZXJsaW5lZCI6ZmFsc2UsIlBhcmVudFN0eWxlIjpudWxsfSwiQXV0b1NpemUiOjAsIkZvcmVncm91bmQiOnsiJGlkIjoiMjk0IiwiQ29sb3IiOnsiJGlkIjoiMjk1IiwiQSI6MjU1LCJSIjo2OCwiRyI6ODQsIkIiOjEwNn19LCJNYXhXaWR0aCI6MjAwLjAsIk1heEhlaWdodCI6IkluZmluaXR5IiwiU21hcnRGb3JlZ3JvdW5kSXNBY3RpdmUiOmZhbHNlLCJIb3Jpem9udGFsQWxpZ25tZW50IjowLCJWZXJ0aWNhbEFsaWdubWVudCI6MCwiU21hcnRGb3JlZ3JvdW5kIjpudWxsLCJCYWNrZ3JvdW5kRmlsbFR5cGUiOjAsIk1hcmdpbiI6eyIkcmVmIjoiODEifSwiUGFkZGluZyI6eyIkcmVmIjoiODIifSwiQmFja2dyb3VuZCI6eyIkcmVmIjoiODMifSwiSXNWaXNpYmxlIjp0cnVlLCJXaWR0aCI6MC4wLCJIZWlnaHQiOjAuMCwiQm9yZGVyU3R5bGUiOnsiJGlkIjoiMjk2IiwiTGluZUNvbG9yIjpudWxsLCJMaW5lV2VpZ2h0IjowLjAsIkxpbmVUeXBlIjowLCJQYXJlbnRTdHlsZSI6bnVsbH0sIlBhcmVudFN0eWxlIjpudWxsfSwiRGF0ZUZvcm1hdCI6eyIkaWQiOiIyOTciLCJGb3JtYXRTdHJpbmciOiJNTU0gZCIsIlNlcGFyYXRvciI6Ii8iLCJVc2VJbnRlcm5hdGlvbmFsRGF0ZUZvcm1hdCI6ZmFsc2UsIkRhdGVJc1Zpc2libGUiOnRydWUsIlRpbWVJc1Zpc2libGUiOmZhbHNlLCJIb3VyRGlnaXRzIjoxLCJBbVBtRGVzaWduYXRvciI6MiwiVHJpbTAwTWludXRlcyI6ZmFsc2UsIkxhc3RLbm93blZpc2liaWxpdHlTdGF0ZSI6eyIkaWQiOiIyOTgiLCJEYXRlUGFydElzVmlzaWJsZSI6dHJ1ZSwiVGltZVBhcnRJc1Zpc2libGUiOmZhbHNlfX0sIklzVmlzaWJsZSI6dHJ1ZSwiUGFyZW50U3R5bGUiOm51bGx9LCJJbmRleCI6MTIsIlBlcmNlbnRhZ2VDb21wbGV0ZSI6bnVsbCwiUG9zaXRpb24iOnsiUmF0aW8iOjAuMCwiSXNDdXN0b20iOmZhbHNlfSwiRGF0ZUZvcm1hdCI6eyIkcmVmIjoiMjk3In0sIlJlbGF0ZWRUYXNrSWQiOiIwMDAwMDAwMC0wMDAwLTAwMDAtMDAwMC0wMDAwMDAwMDAwMDAiLCJJZCI6IjZkY2EzOGU3LTIwOTAtNGMzZC05ZDhhLTZkNDA2NDAzYzAxNiIsIkltcG9ydElkIjpudWxsLCJUaXRsZSI6IlJlbGVhc2UgRnVuY3Rpb24gMyIsIk5vdGUiOm51bGwsIkh5cGVybGluayI6eyIkaWQiOiIyOTkiLCJBZGRyZXNzIjoiIiwiU3ViQWRkcmVzcyI6IiJ9LCJJc0NoYW5nZWQiOmZhbHNlLCJJc05ldyI6ZmFsc2V9LHsiJGlkIjoiMzAwIiwiRGF0ZSI6IjIwMjAtMDItMTVUMjM6NTk6MDBaIiwiU3R5bGUiOnsiJGlkIjoiMzAxIiwiU2hhcGUiOjE5LCJDb25uZWN0b3JNYXJnaW4iOnsiJHJlZiI6IjU3In0sIkNvbm5lY3RvclN0eWxlIjp7IiRpZCI6IjMwMiIsIkxpbmVDb2xvciI6eyIkaWQiOiIzMDMiLCIkdHlwZSI6Ik5MUkUuQ29tbW9uLkRvbS5Tb2xpZENvbG9yQnJ1c2gsIE5MUkUuQ29tbW9uIiwiQ29sb3IiOnsiJGlkIjoiMzA0IiwiQSI6MjU1LCJSIjo3OSwiRyI6MTI5LCJCIjoxODl9fSwiTGluZVdlaWdodCI6MS4wLCJMaW5lVHlwZSI6MCwiUGFyZW50U3R5bGUiOm51bGx9LCJJc0JlbG93VGltZWJhbmQiOmZhbHNlLCJQb3NpdGlvbk9uVGFzayI6MCwiSGlkZURhdGUiOmZhbHNlLCJTaGFwZVNpemUiOjEsIlNwYWNpbmciOjEuMCwiUGFkZGluZyI6eyIkcmVmIjoiNjEifSwiU2hhcGVTdHlsZSI6eyIkaWQiOiIzMDUiLCJNYXJnaW4iOnsiJHJlZiI6IjYzIn0sIlBhZGRpbmciOnsiJHJlZiI6IjY0In0sIkJhY2tncm91bmQiOnsiJGlkIjoiMzA2IiwiQ29sb3IiOnsiJGlkIjoiMzA3IiwiQSI6MjU1LCJSIjoyMzQsIkciOjIyLCJCIjozMH19LCJJc1Zpc2libGUiOnRydWUsIldpZHRoIjoxOC4wLCJIZWlnaHQiOjIwLjAsIkJvcmRlclN0eWxlIjp7IiRpZCI6IjMwOCIsIkxpbmVDb2xvciI6eyIkcmVmIjoiNjgifSwiTGluZVdlaWdodCI6MC4wLCJMaW5lVHlwZSI6MCwiUGFyZW50U3R5bGUiOm51bGx9LCJQYXJlbnRTdHlsZSI6bnVsbH0sIlRpdGxlU3R5bGUiOnsiJGlkIjoiMzA5IiwiRm9udFNldHRpbmdzIjp7IiRpZCI6IjMxMCIsIkZvbnRTaXplIjoxMSwiRm9udE5hbWUiOiJDYWxpYnJpIiwiSXNCb2xkIjpmYWxzZSwiSXNJdGFsaWMiOmZhbHNlLCJJc1VuZGVybGluZWQiOmZhbHNlLCJQYXJlbnRTdHlsZSI6bnVsbH0sIkF1dG9TaXplIjowLCJGb3JlZ3JvdW5kIjp7IiRpZCI6IjMxMSIsIkNvbG9yIjp7IiRpZCI6IjMxMiIsIkEiOjI1NSwiUiI6MCwiRyI6MCwiQiI6MH19LCJNYXhXaWR0aCI6MjAwLjAsIk1heEhlaWdodCI6IkluZmluaXR5IiwiU21hcnRGb3JlZ3JvdW5kSXNBY3RpdmUiOmZhbHNlLCJIb3Jpem9udGFsQWxpZ25tZW50IjowLCJWZXJ0aWNhbEFsaWdubWVudCI6MCwiU21hcnRGb3JlZ3JvdW5kIjpudWxsLCJCYWNrZ3JvdW5kRmlsbFR5cGUiOjAsIk1hcmdpbiI6eyIkcmVmIjoiNzQifSwiUGFkZGluZyI6eyIkcmVmIjoiNzUifSwiQmFja2dyb3VuZCI6eyIkcmVmIjoiNzYifSwiSXNWaXNpYmxlIjp0cnVlLCJXaWR0aCI6MC4wLCJIZWlnaHQiOjAuMCwiQm9yZGVyU3R5bGUiOnsiJGlkIjoiMzEzIiwiTGluZUNvbG9yIjpudWxsLCJMaW5lV2VpZ2h0IjowLjAsIkxpbmVUeXBlIjowLCJQYXJlbnRTdHlsZSI6bnVsbH0sIlBhcmVudFN0eWxlIjpudWxsfSwiRGF0ZVN0eWxlIjp7IiRpZCI6IjMxNCIsIkZvbnRTZXR0aW5ncyI6eyIkaWQiOiIzMTUiLCJGb250U2l6ZSI6MTAsIkZvbnROYW1lIjoiQ2FsaWJyaSIsIklzQm9sZCI6ZmFsc2UsIklzSXRhbGljIjpmYWxzZSwiSXNVbmRlcmxpbmVkIjpmYWxzZSwiUGFyZW50U3R5bGUiOm51bGx9LCJBdXRvU2l6ZSI6MCwiRm9yZWdyb3VuZCI6eyIkaWQiOiIzMTYiLCJDb2xvciI6eyIkaWQiOiIzMTciLCJBIjoyNTUsIlIiOjY4LCJHIjo4NCwiQiI6MTA2fX0sIk1heFdpZHRoIjoyMDAuMCwiTWF4SGVpZ2h0IjoiSW5maW5pdHkiLCJTbWFydEZvcmVncm91bmRJc0FjdGl2ZSI6ZmFsc2UsIkhvcml6b250YWxBbGlnbm1lbnQiOjAsIlZlcnRpY2FsQWxpZ25tZW50IjowLCJTbWFydEZvcmVncm91bmQiOm51bGwsIkJhY2tncm91bmRGaWxsVHlwZSI6MCwiTWFyZ2luIjp7IiRyZWYiOiI4MSJ9LCJQYWRkaW5nIjp7IiRyZWYiOiI4MiJ9LCJCYWNrZ3JvdW5kIjp7IiRyZWYiOiI4MyJ9LCJJc1Zpc2libGUiOnRydWUsIldpZHRoIjowLjAsIkhlaWdodCI6MC4wLCJCb3JkZXJTdHlsZSI6eyIkaWQiOiIzMTgiLCJMaW5lQ29sb3IiOm51bGwsIkxpbmVXZWlnaHQiOjAuMCwiTGluZVR5cGUiOjAsIlBhcmVudFN0eWxlIjpudWxsfSwiUGFyZW50U3R5bGUiOm51bGx9LCJEYXRlRm9ybWF0Ijp7IiRpZCI6IjMxOSIsIkZvcm1hdFN0cmluZyI6Ik1NTSBkIiwiU2VwYXJhdG9yIjoiLyIsIlVzZUludGVybmF0aW9uYWxEYXRlRm9ybWF0IjpmYWxzZSwiRGF0ZUlzVmlzaWJsZSI6dHJ1ZSwiVGltZUlzVmlzaWJsZSI6ZmFsc2UsIkhvdXJEaWdpdHMiOjEsIkFtUG1EZXNpZ25hdG9yIjoyLCJUcmltMDBNaW51dGVzIjpmYWxzZSwiTGFzdEtub3duVmlzaWJpbGl0eVN0YXRlIjp7IiRpZCI6IjMyMCIsIkRhdGVQYXJ0SXNWaXNpYmxlIjp0cnVlLCJUaW1lUGFydElzVmlzaWJsZSI6ZmFsc2V9fSwiSXNWaXNpYmxlIjp0cnVlLCJQYXJlbnRTdHlsZSI6bnVsbH0sIkluZGV4IjoxMywiUGVyY2VudGFnZUNvbXBsZXRlIjpudWxsLCJQb3NpdGlvbiI6eyJSYXRpbyI6MC4wLCJJc0N1c3RvbSI6ZmFsc2V9LCJEYXRlRm9ybWF0Ijp7IiRyZWYiOiIzMTkifSwiUmVsYXRlZFRhc2tJZCI6IjAwMDAwMDAwLTAwMDAtMDAwMC0wMDAwLTAwMDAwMDAwMDAwMCIsIklkIjoiNGFhZDNjZmEtZDlmNy00ZGQ5LWExNjktNmI0OTk0ZjBlZjMzIiwiSW1wb3J0SWQiOm51bGwsIlRpdGxlIjoiUmVsZWFzZSBGdW5jdGlvbiA0IiwiTm90ZSI6bnVsbCwiSHlwZXJsaW5rIjp7IiRpZCI6IjMyMSIsIkFkZHJlc3MiOiIiLCJTdWJBZGRyZXNzIjoiIn0sIklzQ2hhbmdlZCI6ZmFsc2UsIklzTmV3IjpmYWxzZX0seyIkaWQiOiIzMjIiLCJEYXRlIjoiMjAyMC0wMi0xNVQyMzo1OTowMFoiLCJTdHlsZSI6eyIkaWQiOiIzMjMiLCJTaGFwZSI6MTksIkNvbm5lY3Rvck1hcmdpbiI6eyIkcmVmIjoiNTcifSwiQ29ubmVjdG9yU3R5bGUiOnsiJGlkIjoiMzI0IiwiTGluZUNvbG9yIjp7IiRpZCI6IjMyNSIsIiR0eXBlIjoiTkxSRS5Db21tb24uRG9tLlNvbGlkQ29sb3JCcnVzaCwgTkxSRS5Db21tb24iLCJDb2xvciI6eyIkaWQiOiIzMjYiLCJBIjoyNTUsIlIiOjc5LCJHIjoxMjksIkIiOjE4OX19LCJMaW5lV2VpZ2h0IjoxLjAsIkxpbmVUeXBlIjowLCJQYXJlbnRTdHlsZSI6bnVsbH0sIklzQmVsb3dUaW1lYmFuZCI6ZmFsc2UsIlBvc2l0aW9uT25UYXNrIjowLCJIaWRlRGF0ZSI6ZmFsc2UsIlNoYXBlU2l6ZSI6MSwiU3BhY2luZyI6MS4wLCJQYWRkaW5nIjp7IiRyZWYiOiI2MSJ9LCJTaGFwZVN0eWxlIjp7IiRpZCI6IjMyNyIsIk1hcmdpbiI6eyIkcmVmIjoiNjMifSwiUGFkZGluZyI6eyIkcmVmIjoiNjQifSwiQmFja2dyb3VuZCI6eyIkaWQiOiIzMjgiLCJDb2xvciI6eyIkaWQiOiIzMjkiLCJBIjoyNTUsIlIiOjIzNCwiRyI6MjIsIkIiOjMwfX0sIklzVmlzaWJsZSI6dHJ1ZSwiV2lkdGgiOjE4LjAsIkhlaWdodCI6MjAuMCwiQm9yZGVyU3R5bGUiOnsiJGlkIjoiMzMwIiwiTGluZUNvbG9yIjp7IiRyZWYiOiI2OCJ9LCJMaW5lV2VpZ2h0IjowLjAsIkxpbmVUeXBlIjowLCJQYXJlbnRTdHlsZSI6bnVsbH0sIlBhcmVudFN0eWxlIjpudWxsfSwiVGl0bGVTdHlsZSI6eyIkaWQiOiIzMzEiLCJGb250U2V0dGluZ3MiOnsiJGlkIjoiMzMyIiwiRm9udFNpemUiOjExLCJGb250TmFtZSI6IkNhbGlicmkiLCJJc0JvbGQiOmZhbHNlLCJJc0l0YWxpYyI6ZmFsc2UsIklzVW5kZXJsaW5lZCI6ZmFsc2UsIlBhcmVudFN0eWxlIjpudWxsfSwiQXV0b1NpemUiOjAsIkZvcmVncm91bmQiOnsiJGlkIjoiMzMzIiwiQ29sb3IiOnsiJGlkIjoiMzM0IiwiQSI6MjU1LCJSIjowLCJHIjowLCJCIjowfX0sIk1heFdpZHRoIjoyMDAuMCwiTWF4SGVpZ2h0IjoiSW5maW5pdHkiLCJTbWFydEZvcmVncm91bmRJc0FjdGl2ZSI6ZmFsc2UsIkhvcml6b250YWxBbGlnbm1lbnQiOjAsIlZlcnRpY2FsQWxpZ25tZW50IjowLCJTbWFydEZvcmVncm91bmQiOm51bGwsIkJhY2tncm91bmRGaWxsVHlwZSI6MCwiTWFyZ2luIjp7IiRyZWYiOiI3NCJ9LCJQYWRkaW5nIjp7IiRyZWYiOiI3NSJ9LCJCYWNrZ3JvdW5kIjp7IiRyZWYiOiI3NiJ9LCJJc1Zpc2libGUiOnRydWUsIldpZHRoIjowLjAsIkhlaWdodCI6MC4wLCJCb3JkZXJTdHlsZSI6eyIkaWQiOiIzMzUiLCJMaW5lQ29sb3IiOm51bGwsIkxpbmVXZWlnaHQiOjAuMCwiTGluZVR5cGUiOjAsIlBhcmVudFN0eWxlIjpudWxsfSwiUGFyZW50U3R5bGUiOm51bGx9LCJEYXRlU3R5bGUiOnsiJGlkIjoiMzM2IiwiRm9udFNldHRpbmdzIjp7IiRpZCI6IjMzNyIsIkZvbnRTaXplIjoxMCwiRm9udE5hbWUiOiJDYWxpYnJpIiwiSXNCb2xkIjpmYWxzZSwiSXNJdGFsaWMiOmZhbHNlLCJJc1VuZGVybGluZWQiOmZhbHNlLCJQYXJlbnRTdHlsZSI6bnVsbH0sIkF1dG9TaXplIjowLCJGb3JlZ3JvdW5kIjp7IiRpZCI6IjMzOCIsIkNvbG9yIjp7IiRpZCI6IjMzOSIsIkEiOjI1NSwiUiI6NjgsIkciOjg0LCJCIjoxMDZ9fSwiTWF4V2lkdGgiOjIwMC4wLCJNYXhIZWlnaHQiOiJJbmZpbml0eSIsIlNtYXJ0Rm9yZWdyb3VuZElzQWN0aXZlIjpmYWxzZSwiSG9yaXpvbnRhbEFsaWdubWVudCI6MCwiVmVydGljYWxBbGlnbm1lbnQiOjAsIlNtYXJ0Rm9yZWdyb3VuZCI6bnVsbCwiQmFja2dyb3VuZEZpbGxUeXBlIjowLCJNYXJnaW4iOnsiJHJlZiI6IjgxIn0sIlBhZGRpbmciOnsiJHJlZiI6IjgyIn0sIkJhY2tncm91bmQiOnsiJHJlZiI6IjgzIn0sIklzVmlzaWJsZSI6dHJ1ZSwiV2lkdGgiOjAuMCwiSGVpZ2h0IjowLjAsIkJvcmRlclN0eWxlIjp7IiRpZCI6IjM0MCIsIkxpbmVDb2xvciI6bnVsbCwiTGluZVdlaWdodCI6MC4wLCJMaW5lVHlwZSI6MCwiUGFyZW50U3R5bGUiOm51bGx9LCJQYXJlbnRTdHlsZSI6bnVsbH0sIkRhdGVGb3JtYXQiOnsiJGlkIjoiMzQxIiwiRm9ybWF0U3RyaW5nIjoiTU1NIGQiLCJTZXBhcmF0b3IiOiIvIiwiVXNlSW50ZXJuYXRpb25hbERhdGVGb3JtYXQiOmZhbHNlLCJEYXRlSXNWaXNpYmxlIjp0cnVlLCJUaW1lSXNWaXNpYmxlIjpmYWxzZSwiSG91ckRpZ2l0cyI6MSwiQW1QbURlc2lnbmF0b3IiOjIsIlRyaW0wME1pbnV0ZXMiOmZhbHNlLCJMYXN0S25vd25WaXNpYmlsaXR5U3RhdGUiOnsiJGlkIjoiMzQyIiwiRGF0ZVBhcnRJc1Zpc2libGUiOnRydWUsIlRpbWVQYXJ0SXNWaXNpYmxlIjpmYWxzZX19LCJJc1Zpc2libGUiOnRydWUsIlBhcmVudFN0eWxlIjpudWxsfSwiSW5kZXgiOjE0LCJQZXJjZW50YWdlQ29tcGxldGUiOm51bGwsIlBvc2l0aW9uIjp7IlJhdGlvIjowLjAsIklzQ3VzdG9tIjpmYWxzZX0sIkRhdGVGb3JtYXQiOnsiJHJlZiI6IjM0MSJ9LCJSZWxhdGVkVGFza0lkIjoiMDAwMDAwMDAtMDAwMC0wMDAwLTAwMDAtMDAwMDAwMDAwMDAwIiwiSWQiOiIwMmM3Y2VmZS1kOGMyLTQ5YjAtOTdiZC02YzU4MjFjZDkzYzUiLCJJbXBvcnRJZCI6bnVsbCwiVGl0bGUiOiJSZWxlYXNlIEZ1bmN0aW9uIDUiLCJOb3RlIjpudWxsLCJIeXBlcmxpbmsiOnsiJGlkIjoiMzQzIiwiQWRkcmVzcyI6IiIsIlN1YkFkZHJlc3MiOiIifSwiSXNDaGFuZ2VkIjpmYWxzZSwiSXNOZXciOmZhbHNlfSx7IiRpZCI6IjM0NCIsIkRhdGUiOiIyMDIwLTAyLTE1VDIzOjU5OjAwWiIsIlN0eWxlIjp7IiRpZCI6IjM0NSIsIlNoYXBlIjoxOSwiQ29ubmVjdG9yTWFyZ2luIjp7IiRyZWYiOiI1NyJ9LCJDb25uZWN0b3JTdHlsZSI6eyIkaWQiOiIzNDYiLCJMaW5lQ29sb3IiOnsiJGlkIjoiMzQ3IiwiJHR5cGUiOiJOTFJFLkNvbW1vbi5Eb20uU29saWRDb2xvckJydXNoLCBOTFJFLkNvbW1vbiIsIkNvbG9yIjp7IiRpZCI6IjM0OCIsIkEiOjI1NSwiUiI6NzksIkciOjEyOSwiQiI6MTg5fX0sIkxpbmVXZWlnaHQiOjEuMCwiTGluZVR5cGUiOjAsIlBhcmVudFN0eWxlIjpudWxsfSwiSXNCZWxvd1RpbWViYW5kIjpmYWxzZSwiUG9zaXRpb25PblRhc2siOjAsIkhpZGVEYXRlIjpmYWxzZSwiU2hhcGVTaXplIjoxLCJTcGFjaW5nIjoxLjAsIlBhZGRpbmciOnsiJHJlZiI6IjYxIn0sIlNoYXBlU3R5bGUiOnsiJGlkIjoiMzQ5IiwiTWFyZ2luIjp7IiRyZWYiOiI2MyJ9LCJQYWRkaW5nIjp7IiRyZWYiOiI2NCJ9LCJCYWNrZ3JvdW5kIjp7IiRpZCI6IjM1MCIsIkNvbG9yIjp7IiRpZCI6IjM1MSIsIkEiOjI1NSwiUiI6MjM0LCJHIjoyMiwiQiI6MzB9fSwiSXNWaXNpYmxlIjp0cnVlLCJXaWR0aCI6MTguMCwiSGVpZ2h0IjoyMC4wLCJCb3JkZXJTdHlsZSI6eyIkaWQiOiIzNTIiLCJMaW5lQ29sb3IiOnsiJHJlZiI6IjY4In0sIkxpbmVXZWlnaHQiOjAuMCwiTGluZVR5cGUiOjAsIlBhcmVudFN0eWxlIjpudWxsfSwiUGFyZW50U3R5bGUiOm51bGx9LCJUaXRsZVN0eWxlIjp7IiRpZCI6IjM1MyIsIkZvbnRTZXR0aW5ncyI6eyIkaWQiOiIzNTQiLCJGb250U2l6ZSI6MTEsIkZvbnROYW1lIjoiQ2FsaWJyaSIsIklzQm9sZCI6ZmFsc2UsIklzSXRhbGljIjpmYWxzZSwiSXNVbmRlcmxpbmVkIjpmYWxzZSwiUGFyZW50U3R5bGUiOm51bGx9LCJBdXRvU2l6ZSI6MCwiRm9yZWdyb3VuZCI6eyIkaWQiOiIzNTUiLCJDb2xvciI6eyIkaWQiOiIzNTYiLCJBIjoyNTUsIlIiOjAsIkciOjAsIkIiOjB9fSwiTWF4V2lkdGgiOjIwMC4wLCJNYXhIZWlnaHQiOiJJbmZpbml0eSIsIlNtYXJ0Rm9yZWdyb3VuZElzQWN0aXZlIjpmYWxzZSwiSG9yaXpvbnRhbEFsaWdubWVudCI6MCwiVmVydGljYWxBbGlnbm1lbnQiOjAsIlNtYXJ0Rm9yZWdyb3VuZCI6bnVsbCwiQmFja2dyb3VuZEZpbGxUeXBlIjowLCJNYXJnaW4iOnsiJHJlZiI6Ijc0In0sIlBhZGRpbmciOnsiJHJlZiI6Ijc1In0sIkJhY2tncm91bmQiOnsiJHJlZiI6Ijc2In0sIklzVmlzaWJsZSI6dHJ1ZSwiV2lkdGgiOjAuMCwiSGVpZ2h0IjowLjAsIkJvcmRlclN0eWxlIjp7IiRpZCI6IjM1NyIsIkxpbmVDb2xvciI6bnVsbCwiTGluZVdlaWdodCI6MC4wLCJMaW5lVHlwZSI6MCwiUGFyZW50U3R5bGUiOm51bGx9LCJQYXJlbnRTdHlsZSI6bnVsbH0sIkRhdGVTdHlsZSI6eyIkaWQiOiIzNTgiLCJGb250U2V0dGluZ3MiOnsiJGlkIjoiMzU5IiwiRm9udFNpemUiOjEwLCJGb250TmFtZSI6IkNhbGlicmkiLCJJc0JvbGQiOmZhbHNlLCJJc0l0YWxpYyI6ZmFsc2UsIklzVW5kZXJsaW5lZCI6ZmFsc2UsIlBhcmVudFN0eWxlIjpudWxsfSwiQXV0b1NpemUiOjAsIkZvcmVncm91bmQiOnsiJGlkIjoiMzYwIiwiQ29sb3IiOnsiJGlkIjoiMzYxIiwiQSI6MjU1LCJSIjo2OCwiRyI6ODQsIkIiOjEwNn19LCJNYXhXaWR0aCI6MjAwLjAsIk1heEhlaWdodCI6IkluZmluaXR5IiwiU21hcnRGb3JlZ3JvdW5kSXNBY3RpdmUiOmZhbHNlLCJIb3Jpem9udGFsQWxpZ25tZW50IjowLCJWZXJ0aWNhbEFsaWdubWVudCI6MCwiU21hcnRGb3JlZ3JvdW5kIjpudWxsLCJCYWNrZ3JvdW5kRmlsbFR5cGUiOjAsIk1hcmdpbiI6eyIkcmVmIjoiODEifSwiUGFkZGluZyI6eyIkcmVmIjoiODIifSwiQmFja2dyb3VuZCI6eyIkcmVmIjoiODMifSwiSXNWaXNpYmxlIjp0cnVlLCJXaWR0aCI6MC4wLCJIZWlnaHQiOjAuMCwiQm9yZGVyU3R5bGUiOnsiJGlkIjoiMzYyIiwiTGluZUNvbG9yIjpudWxsLCJMaW5lV2VpZ2h0IjowLjAsIkxpbmVUeXBlIjowLCJQYXJlbnRTdHlsZSI6bnVsbH0sIlBhcmVudFN0eWxlIjpudWxsfSwiRGF0ZUZvcm1hdCI6eyIkaWQiOiIzNjMiLCJGb3JtYXRTdHJpbmciOiJNTU0gZCIsIlNlcGFyYXRvciI6Ii8iLCJVc2VJbnRlcm5hdGlvbmFsRGF0ZUZvcm1hdCI6ZmFsc2UsIkRhdGVJc1Zpc2libGUiOnRydWUsIlRpbWVJc1Zpc2libGUiOmZhbHNlLCJIb3VyRGlnaXRzIjoxLCJBbVBtRGVzaWduYXRvciI6MiwiVHJpbTAwTWludXRlcyI6ZmFsc2UsIkxhc3RLbm93blZpc2liaWxpdHlTdGF0ZSI6eyIkaWQiOiIzNjQiLCJEYXRlUGFydElzVmlzaWJsZSI6dHJ1ZSwiVGltZVBhcnRJc1Zpc2libGUiOmZhbHNlfX0sIklzVmlzaWJsZSI6dHJ1ZSwiUGFyZW50U3R5bGUiOm51bGx9LCJJbmRleCI6MTUsIlBlcmNlbnRhZ2VDb21wbGV0ZSI6bnVsbCwiUG9zaXRpb24iOnsiUmF0aW8iOjAuMjIxOTQ2NDkwMjUyNDU5NDksIklzQ3VzdG9tIjp0cnVlfSwiRGF0ZUZvcm1hdCI6eyIkcmVmIjoiMzYzIn0sIlJlbGF0ZWRUYXNrSWQiOiIwMDAwMDAwMC0wMDAwLTAwMDAtMDAwMC0wMDAwMDAwMDAwMDAiLCJJZCI6ImIxNTdlYzI3LWQwZDEtNGQ1NC05YjE0LTA2ZmNkNWU2MGQ3YiIsIkltcG9ydElkIjpudWxsLCJUaXRsZSI6IlJlbGVhc2UgRnVuY3Rpb24gNiIsIk5vdGUiOm51bGwsIkh5cGVybGluayI6eyIkaWQiOiIzNjUiLCJBZGRyZXNzIjoiIiwiU3ViQWRkcmVzcyI6IiJ9LCJJc0NoYW5nZWQiOmZhbHNlLCJJc05ldyI6ZmFsc2V9LHsiJGlkIjoiMzY2IiwiRGF0ZSI6IjIwMjAtMDQtMzBUMjM6NTk6MDBaIiwiU3R5bGUiOnsiJGlkIjoiMzY3IiwiU2hhcGUiOjE5LCJDb25uZWN0b3JNYXJnaW4iOnsiJHJlZiI6IjU3In0sIkNvbm5lY3RvclN0eWxlIjp7IiRpZCI6IjM2OCIsIkxpbmVDb2xvciI6eyIkaWQiOiIzNjkiLCIkdHlwZSI6Ik5MUkUuQ29tbW9uLkRvbS5Tb2xpZENvbG9yQnJ1c2gsIE5MUkUuQ29tbW9uIiwiQ29sb3IiOnsiJGlkIjoiMzcwIiwiQSI6MjU1LCJSIjo3OSwiRyI6MTI5LCJCIjoxODl9fSwiTGluZVdlaWdodCI6MS4wLCJMaW5lVHlwZSI6MCwiUGFyZW50U3R5bGUiOm51bGx9LCJJc0JlbG93VGltZWJhbmQiOmZhbHNlLCJQb3NpdGlvbk9uVGFzayI6MCwiSGlkZURhdGUiOmZhbHNlLCJTaGFwZVNpemUiOjEsIlNwYWNpbmciOjEuMCwiUGFkZGluZyI6eyIkcmVmIjoiNjEifSwiU2hhcGVTdHlsZSI6eyIkaWQiOiIzNzEiLCJNYXJnaW4iOnsiJHJlZiI6IjYzIn0sIlBhZGRpbmciOnsiJHJlZiI6IjY0In0sIkJhY2tncm91bmQiOnsiJGlkIjoiMzcyIiwiQ29sb3IiOnsiJGlkIjoiMzczIiwiQSI6MjU1LCJSIjoyMzQsIkciOjIyLCJCIjozMH19LCJJc1Zpc2libGUiOnRydWUsIldpZHRoIjoxOC4wLCJIZWlnaHQiOjIwLjAsIkJvcmRlclN0eWxlIjp7IiRpZCI6IjM3NCIsIkxpbmVDb2xvciI6eyIkcmVmIjoiNjgifSwiTGluZVdlaWdodCI6MC4wLCJMaW5lVHlwZSI6MCwiUGFyZW50U3R5bGUiOm51bGx9LCJQYXJlbnRTdHlsZSI6bnVsbH0sIlRpdGxlU3R5bGUiOnsiJGlkIjoiMzc1IiwiRm9udFNldHRpbmdzIjp7IiRpZCI6IjM3NiIsIkZvbnRTaXplIjoxMSwiRm9udE5hbWUiOiJDYWxpYnJpIiwiSXNCb2xkIjpmYWxzZSwiSXNJdGFsaWMiOmZhbHNlLCJJc1VuZGVybGluZWQiOmZhbHNlLCJQYXJlbnRTdHlsZSI6bnVsbH0sIkF1dG9TaXplIjowLCJGb3JlZ3JvdW5kIjp7IiRpZCI6IjM3NyIsIkNvbG9yIjp7IiRpZCI6IjM3OCIsIkEiOjI1NSwiUiI6MCwiRyI6MCwiQiI6MH19LCJNYXhXaWR0aCI6MjAwLjAsIk1heEhlaWdodCI6IkluZmluaXR5IiwiU21hcnRGb3JlZ3JvdW5kSXNBY3RpdmUiOmZhbHNlLCJIb3Jpem9udGFsQWxpZ25tZW50IjowLCJWZXJ0aWNhbEFsaWdubWVudCI6MCwiU21hcnRGb3JlZ3JvdW5kIjpudWxsLCJCYWNrZ3JvdW5kRmlsbFR5cGUiOjAsIk1hcmdpbiI6eyIkcmVmIjoiNzQifSwiUGFkZGluZyI6eyIkcmVmIjoiNzUifSwiQmFja2dyb3VuZCI6eyIkcmVmIjoiNzYifSwiSXNWaXNpYmxlIjp0cnVlLCJXaWR0aCI6MC4wLCJIZWlnaHQiOjAuMCwiQm9yZGVyU3R5bGUiOnsiJGlkIjoiMzc5IiwiTGluZUNvbG9yIjpudWxsLCJMaW5lV2VpZ2h0IjowLjAsIkxpbmVUeXBlIjowLCJQYXJlbnRTdHlsZSI6bnVsbH0sIlBhcmVudFN0eWxlIjpudWxsfSwiRGF0ZVN0eWxlIjp7IiRpZCI6IjM4MCIsIkZvbnRTZXR0aW5ncyI6eyIkaWQiOiIzODEiLCJGb250U2l6ZSI6MTAsIkZvbnROYW1lIjoiQ2FsaWJyaSIsIklzQm9sZCI6ZmFsc2UsIklzSXRhbGljIjpmYWxzZSwiSXNVbmRlcmxpbmVkIjpmYWxzZSwiUGFyZW50U3R5bGUiOm51bGx9LCJBdXRvU2l6ZSI6MCwiRm9yZWdyb3VuZCI6eyIkaWQiOiIzODIiLCJDb2xvciI6eyIkaWQiOiIzODMiLCJBIjoyNTUsIlIiOjY4LCJHIjo4NCwiQiI6MTA2fX0sIk1heFdpZHRoIjoyMDAuMCwiTWF4SGVpZ2h0IjoiSW5maW5pdHkiLCJTbWFydEZvcmVncm91bmRJc0FjdGl2ZSI6ZmFsc2UsIkhvcml6b250YWxBbGlnbm1lbnQiOjAsIlZlcnRpY2FsQWxpZ25tZW50IjowLCJTbWFydEZvcmVncm91bmQiOm51bGwsIkJhY2tncm91bmRGaWxsVHlwZSI6MCwiTWFyZ2luIjp7IiRyZWYiOiI4MSJ9LCJQYWRkaW5nIjp7IiRyZWYiOiI4MiJ9LCJCYWNrZ3JvdW5kIjp7IiRyZWYiOiI4MyJ9LCJJc1Zpc2libGUiOnRydWUsIldpZHRoIjowLjAsIkhlaWdodCI6MC4wLCJCb3JkZXJTdHlsZSI6eyIkaWQiOiIzODQiLCJMaW5lQ29sb3IiOm51bGwsIkxpbmVXZWlnaHQiOjAuMCwiTGluZVR5cGUiOjAsIlBhcmVudFN0eWxlIjpudWxsfSwiUGFyZW50U3R5bGUiOm51bGx9LCJEYXRlRm9ybWF0Ijp7IiRpZCI6IjM4NSIsIkZvcm1hdFN0cmluZyI6Ik1NTSBkIiwiU2VwYXJhdG9yIjoiLyIsIlVzZUludGVybmF0aW9uYWxEYXRlRm9ybWF0IjpmYWxzZSwiRGF0ZUlzVmlzaWJsZSI6dHJ1ZSwiVGltZUlzVmlzaWJsZSI6ZmFsc2UsIkhvdXJEaWdpdHMiOjEsIkFtUG1EZXNpZ25hdG9yIjoyLCJUcmltMDBNaW51dGVzIjpmYWxzZSwiTGFzdEtub3duVmlzaWJpbGl0eVN0YXRlIjp7IiRpZCI6IjM4NiIsIkRhdGVQYXJ0SXNWaXNpYmxlIjp0cnVlLCJUaW1lUGFydElzVmlzaWJsZSI6ZmFsc2V9fSwiSXNWaXNpYmxlIjp0cnVlLCJQYXJlbnRTdHlsZSI6bnVsbH0sIkluZGV4IjoxNiwiUGVyY2VudGFnZUNvbXBsZXRlIjpudWxsLCJQb3NpdGlvbiI6eyJSYXRpbyI6MC4wLCJJc0N1c3RvbSI6ZmFsc2V9LCJEYXRlRm9ybWF0Ijp7IiRyZWYiOiIzODUifSwiUmVsYXRlZFRhc2tJZCI6IjAwMDAwMDAwLTAwMDAtMDAwMC0wMDAwLTAwMDAwMDAwMDAwMCIsIklkIjoiMzE1ZTNkZjAtM2EyMy00MTYxLWI5NTEtOWFhZTM4YjMwZmEyIiwiSW1wb3J0SWQiOm51bGwsIlRpdGxlIjoiQ2xvc2UgUHJvamVjdCIsIk5vdGUiOm51bGwsIkh5cGVybGluayI6eyIkaWQiOiIzODciLCJBZGRyZXNzIjoiIiwiU3ViQWRkcmVzcyI6IiJ9LCJJc0NoYW5nZWQiOmZhbHNlLCJJc05ldyI6ZmFsc2V9XSwiVGFza3MiOlt7IiRpZCI6IjM4OCIsIkdyb3VwTmFtZSI6bnVsbCwiU3RhcnREYXRlIjoiMjAxOS0xMC0xNFQwMDowMDowMFoiLCJFbmREYXRlIjoiMjAxOS0xMC0xOVQyMzo1OTowMFoiLCJQZXJjZW50YWdlQ29tcGxldGUiOjEwMC4wLCJTdHlsZSI6eyIkaWQiOiIzODkiLCJTaGFwZSI6MCwiU2hhcGVUaGlja25lc3MiOjEsIkR1cmF0aW9uRm9ybWF0IjowLCJJbmNsdWRlTm9uV29ya2luZ0RheXNJbkR1cmF0aW9uIjp0cnVlLCJQZXJjZW50YWdlQ29tcGxldGVTdHlsZSI6eyIkaWQiOiIzOTAiLCJGb250U2V0dGluZ3MiOnsiJGlkIjoiMzkxIiwiRm9udFNpemUiOjEwLCJGb250TmFtZSI6IkNhbGlicmkiLCJJc0JvbGQiOmZhbHNlLCJJc0l0YWxpYyI6ZmFsc2UsIklzVW5kZXJsaW5lZCI6ZmFsc2UsIlBhcmVudFN0eWxlIjp7IiRyZWYiOiI4OCJ9fSwiQXV0b1NpemUiOjAsIkZvcmVncm91bmQiOnsiJHJlZiI6Ijg5In0sIk1heFdpZHRoIjoyMDAuMCwiTWF4SGVpZ2h0IjoiSW5maW5pdHkiLCJTbWFydEZvcmVncm91bmRJc0FjdGl2ZSI6ZmFsc2UsIkhvcml6b250YWxBbGlnbm1lbnQiOjAsIlZlcnRpY2FsQWxpZ25tZW50IjowLCJTbWFydEZvcmVncm91bmQiOm51bGwsIkJhY2tncm91bmRGaWxsVHlwZSI6MCwiTWFyZ2luIjp7IiRyZWYiOiI5MSJ9LCJQYWRkaW5nIjp7IiRyZWYiOiI5MiJ9LCJCYWNrZ3JvdW5kIjp7IiRyZWYiOiI5MyJ9LCJJc1Zpc2libGUiOnRydWUsIldpZHRoIjowLjAsIkhlaWdodCI6MC4wLCJCb3JkZXJTdHlsZSI6eyIkaWQiOiIzOTIiLCJMaW5lQ29sb3IiOm51bGwsIkxpbmVXZWlnaHQiOjAuMCwiTGluZVR5cGUiOjAsIlBhcmVudFN0eWxlIjpudWxsfSwiUGFyZW50U3R5bGUiOnsiJHJlZiI6Ijg3In19LCJEdXJhdGlvblN0eWxlIjp7IiRpZCI6IjM5MyIsIkZvbnRTZXR0aW5ncyI6eyIkaWQiOiIzOTQiLCJGb250U2l6ZSI6MTAsIkZvbnROYW1lIjoiQ2FsaWJyaSIsIklzQm9sZCI6ZmFsc2UsIklzSXRhbGljIjpmYWxzZSwiSXNVbmRlcmxpbmVkIjpmYWxzZSwiUGFyZW50U3R5bGUiOnsiJHJlZiI6Ijk2In19LCJBdXRvU2l6ZSI6MCwiRm9yZWdyb3VuZCI6eyIkcmVmIjoiOTcifSwiTWF4V2lkdGgiOjIwMC4wLCJNYXhIZWlnaHQiOiJJbmZpbml0eSIsIlNtYXJ0Rm9yZWdyb3VuZElzQWN0aXZlIjpmYWxzZSwiSG9yaXpvbnRhbEFsaWdubWVudCI6MCwiVmVydGljYWxBbGlnbm1lbnQiOjAsIlNtYXJ0Rm9yZWdyb3VuZCI6bnVsbCwiQmFja2dyb3VuZEZpbGxUeXBlIjowLCJNYXJnaW4iOnsiJHJlZiI6Ijk5In0sIlBhZGRpbmciOnsiJHJlZiI6IjEwMCJ9LCJCYWNrZ3JvdW5kIjp7IiRyZWYiOiIxMDEifSwiSXNWaXNpYmxlIjp0cnVlLCJXaWR0aCI6MC4wLCJIZWlnaHQiOjAuMCwiQm9yZGVyU3R5bGUiOnsiJGlkIjoiMzk1IiwiTGluZUNvbG9yIjpudWxsLCJMaW5lV2VpZ2h0IjowLjAsIkxpbmVUeXBlIjowLCJQYXJlbnRTdHlsZSI6bnVsbH0sIlBhcmVudFN0eWxlIjp7IiRyZWYiOiI5NSJ9fSwiSG9yaXpvbnRhbENvbm5lY3RvclN0eWxlIjp7IiRpZCI6IjM5NiIsIkxpbmVDb2xvciI6eyIkcmVmIjoiMTAzIn0sIkxpbmVXZWlnaHQiOjEuMjUsIkxpbmVUeXBlIjowLCJQYXJlbnRTdHlsZSI6eyIkcmVmIjoiMTAyIn19LCJWZXJ0aWNhbENvbm5lY3RvclN0eWxlIjp7IiRpZCI6IjM5NyIsIkxpbmVDb2xvciI6eyIkcmVmIjoiMTA2In0sIkxpbmVXZWlnaHQiOjAuMCwiTGluZVR5cGUiOjAsIlBhcmVudFN0eWxlIjp7IiRyZWYiOiIxMDUifX0sIk1hcmdpbiI6bnVsbCwiU3RhcnREYXRlUG9zaXRpb24iOjQsIkVuZERhdGVQb3NpdGlvbiI6NCwiRGF0ZUlzVmlzaWJsZSI6dHJ1ZSwiVGl0bGVQb3NpdGlvbiI6NSwiRHVyYXRpb25Qb3NpdGlvbiI6MCwiUGVyY2VudGFnZUNvbXBsZXRlZFBvc2l0aW9uIjo2LCJTcGFjaW5nIjoxMCwiSXNCZWxvd1RpbWViYW5kIjp0cnVlLCJQZXJjZW50YWdlQ29tcGxldGVTaGFwZU9wYWNpdHkiOjM1LCJTaGFwZVN0eWxlIjp7IiRpZCI6IjM5OCIsIk1hcmdpbiI6eyIkcmVmIjoiMTA5In0sIlBhZGRpbmciOnsiJHJlZiI6IjExMCJ9LCJCYWNrZ3JvdW5kIjp7IiRpZCI6IjM5OSIsIkNvbG9yIjp7IiRpZCI6IjQwMCIsIkEiOjI1NSwiUiI6OTEsIkciOjE1NSwiQiI6MjEzfX0sIklzVmlzaWJsZSI6dHJ1ZSwiV2lkdGgiOjAuMCwiSGVpZ2h0IjoxNi4wLCJCb3JkZXJTdHlsZSI6eyIkaWQiOiI0MDEiLCJMaW5lQ29sb3IiOnsiJGlkIjoiNDAyIiwiJHR5cGUiOiJOTFJFLkNvbW1vbi5Eb20uU29saWRDb2xvckJydXNoLCBOTFJFLkNvbW1vbiIsIkNvbG9yIjp7IiRpZCI6IjQwMyIsIkEiOjI1NSwiUiI6MjU1LCJHIjowLCJCIjowfX0sIkxpbmVXZWlnaHQiOjAuMCwiTGluZVR5cGUiOjAsIlBhcmVudFN0eWxlIjpudWxsfSwiUGFyZW50U3R5bGUiOnsiJHJlZiI6IjEwOCJ9fSwiVGl0bGVTdHlsZSI6eyIkaWQiOiI0MDQiLCJGb250U2V0dGluZ3MiOnsiJGlkIjoiNDA1IiwiRm9udFNpemUiOjExLCJGb250TmFtZSI6IkNhbGlicmkiLCJJc0JvbGQiOnRydWUsIklzSXRhbGljIjpmYWxzZSwiSXNVbmRlcmxpbmVkIjpmYWxzZSwiUGFyZW50U3R5bGUiOnsiJHJlZiI6IjExNyJ9fSwiQXV0b1NpemUiOjAsIkZvcmVncm91bmQiOnsiJGlkIjoiNDA2IiwiQ29sb3IiOnsiJGlkIjoiNDA3IiwiQSI6MjU1LCJSIjowLCJHIjowLCJCIjowfX0sIk1heFdpZHRoIjo3MjAuMCwiTWF4SGVpZ2h0IjoiSW5maW5pdHkiLCJTbWFydEZvcmVncm91bmRJc0FjdGl2ZSI6ZmFsc2UsIkhvcml6b250YWxBbGlnbm1lbnQiOjAsIlZlcnRpY2FsQWxpZ25tZW50IjowLCJTbWFydEZvcmVncm91bmQiOm51bGwsIkJhY2tncm91bmRGaWxsVHlwZSI6MCwiTWFyZ2luIjp7IiRyZWYiOiIxMjAifSwiUGFkZGluZyI6eyIkcmVmIjoiMTIxIn0sIkJhY2tncm91bmQiOnsiJHJlZiI6IjEyMiJ9LCJJc1Zpc2libGUiOnRydWUsIldpZHRoIjowLjAsIkhlaWdodCI6MC4wLCJCb3JkZXJTdHlsZSI6eyIkaWQiOiI0MDgiLCJMaW5lQ29sb3IiOm51bGwsIkxpbmVXZWlnaHQiOjAuMCwiTGluZVR5cGUiOjAsIlBhcmVudFN0eWxlIjpudWxsfSwiUGFyZW50U3R5bGUiOnsiJHJlZiI6IjExNiJ9fSwiRGF0ZVN0eWxlIjp7IiRpZCI6IjQwOSIsIkZvbnRTZXR0aW5ncyI6eyIkaWQiOiI0MTAiLCJGb250U2l6ZSI6MTAsIkZvbnROYW1lIjoiQ2FsaWJyaSIsIklzQm9sZCI6ZmFsc2UsIklzSXRhbGljIjpmYWxzZSwiSXNVbmRlcmxpbmVkIjpmYWxzZSwiUGFyZW50U3R5bGUiOnsiJHJlZiI6IjEyNCJ9fSwiQXV0b1NpemUiOjAsIkZvcmVncm91bmQiOnsiJGlkIjoiNDExIiwiQ29sb3IiOnsiJGlkIjoiNDEyIiwiQSI6MjU1LCJSIjowLCJHIjowLCJCIjowfX0sIk1heFdpZHRoIjoyMDAuMCwiTWF4SGVpZ2h0IjoiSW5maW5pdHkiLCJTbWFydEZvcmVncm91bmRJc0FjdGl2ZSI6ZmFsc2UsIkhvcml6b250YWxBbGlnbm1lbnQiOjAsIlZlcnRpY2FsQWxpZ25tZW50IjowLCJTbWFydEZvcmVncm91bmQiOm51bGwsIkJhY2tncm91bmRGaWxsVHlwZSI6MCwiTWFyZ2luIjp7IiRyZWYiOiIxMjcifSwiUGFkZGluZyI6eyIkcmVmIjoiMTI4In0sIkJhY2tncm91bmQiOnsiJHJlZiI6IjEyOSJ9LCJJc1Zpc2libGUiOnRydWUsIldpZHRoIjowLjAsIkhlaWdodCI6MC4wLCJCb3JkZXJTdHlsZSI6eyIkaWQiOiI0MTMiLCJMaW5lQ29sb3IiOm51bGwsIkxpbmVXZWlnaHQiOjAuMCwiTGluZVR5cGUiOjAsIlBhcmVudFN0eWxlIjpudWxsfSwiUGFyZW50U3R5bGUiOnsiJHJlZiI6IjEyMyJ9fSwiRGF0ZUZvcm1hdCI6eyIkcmVmIjoiMTMwIn0sIklzVmlzaWJsZSI6dHJ1ZSwiUGFyZW50U3R5bGUiOnsiJHJlZiI6Ijg2In19LCJJbmRleCI6MCwiU21hcnREdXJhdGlvbkFjdGl2YXRlZCI6ZmFsc2UsIkRhdGVGb3JtYXQiOnsiJHJlZiI6IjEzMCJ9LCJJZCI6IjExYTVmZDIwLTE2OWEtNGU1YS1hMGJlLWQwNDhkYmEwOGZmMiIsIkltcG9ydElkIjpudWxsLCJUaXRsZSI6IktpY2stT2ZmIiwiTm90ZSI6bnVsbCwiSHlwZXJsaW5rIjp7IiRpZCI6IjQxNCIsIkFkZHJlc3MiOiIiLCJTdWJBZGRyZXNzIjoiIn0sIklzQ2hhbmdlZCI6ZmFsc2UsIklzTmV3Ijp0cnVlfSx7IiRpZCI6IjQxNSIsIkdyb3VwTmFtZSI6bnVsbCwiU3RhcnREYXRlIjoiMjAxOS0xMC0yMVQwMDowMDowMFoiLCJFbmREYXRlIjoiMjAxOS0xMS0wOVQyMzo1OTowMFoiLCJQZXJjZW50YWdlQ29tcGxldGUiOjEwMC4wLCJTdHlsZSI6eyIkaWQiOiI0MTYiLCJTaGFwZSI6MCwiU2hhcGVUaGlja25lc3MiOjEsIkR1cmF0aW9uRm9ybWF0IjowLCJJbmNsdWRlTm9uV29ya2luZ0RheXNJbkR1cmF0aW9uIjp0cnVlLCJQZXJjZW50YWdlQ29tcGxldGVTdHlsZSI6eyIkaWQiOiI0MTciLCJGb250U2V0dGluZ3MiOnsiJGlkIjoiNDE4IiwiRm9udFNpemUiOjEwLCJGb250TmFtZSI6IkNhbGlicmkiLCJJc0JvbGQiOmZhbHNlLCJJc0l0YWxpYyI6ZmFsc2UsIklzVW5kZXJsaW5lZCI6ZmFsc2UsIlBhcmVudFN0eWxlIjp7IiRyZWYiOiI4OCJ9fSwiQXV0b1NpemUiOjAsIkZvcmVncm91bmQiOnsiJHJlZiI6Ijg5In0sIk1heFdpZHRoIjoyMDAuMCwiTWF4SGVpZ2h0IjoiSW5maW5pdHkiLCJTbWFydEZvcmVncm91bmRJc0FjdGl2ZSI6ZmFsc2UsIkhvcml6b250YWxBbGlnbm1lbnQiOjAsIlZlcnRpY2FsQWxpZ25tZW50IjowLCJTbWFydEZvcmVncm91bmQiOm51bGwsIkJhY2tncm91bmRGaWxsVHlwZSI6MCwiTWFyZ2luIjp7IiRyZWYiOiI5MSJ9LCJQYWRkaW5nIjp7IiRyZWYiOiI5MiJ9LCJCYWNrZ3JvdW5kIjp7IiRyZWYiOiI5MyJ9LCJJc1Zpc2libGUiOnRydWUsIldpZHRoIjowLjAsIkhlaWdodCI6MC4wLCJCb3JkZXJTdHlsZSI6eyIkaWQiOiI0MTkiLCJMaW5lQ29sb3IiOm51bGwsIkxpbmVXZWlnaHQiOjAuMCwiTGluZVR5cGUiOjAsIlBhcmVudFN0eWxlIjpudWxsfSwiUGFyZW50U3R5bGUiOnsiJHJlZiI6Ijg3In19LCJEdXJhdGlvblN0eWxlIjp7IiRpZCI6IjQyMCIsIkZvbnRTZXR0aW5ncyI6eyIkaWQiOiI0MjEiLCJGb250U2l6ZSI6MTAsIkZvbnROYW1lIjoiQ2FsaWJyaSIsIklzQm9sZCI6ZmFsc2UsIklzSXRhbGljIjpmYWxzZSwiSXNVbmRlcmxpbmVkIjpmYWxzZSwiUGFyZW50U3R5bGUiOnsiJHJlZiI6Ijk2In19LCJBdXRvU2l6ZSI6MCwiRm9yZWdyb3VuZCI6eyIkcmVmIjoiOTcifSwiTWF4V2lkdGgiOjIwMC4wLCJNYXhIZWlnaHQiOiJJbmZpbml0eSIsIlNtYXJ0Rm9yZWdyb3VuZElzQWN0aXZlIjpmYWxzZSwiSG9yaXpvbnRhbEFsaWdubWVudCI6MCwiVmVydGljYWxBbGlnbm1lbnQiOjAsIlNtYXJ0Rm9yZWdyb3VuZCI6bnVsbCwiQmFja2dyb3VuZEZpbGxUeXBlIjowLCJNYXJnaW4iOnsiJHJlZiI6Ijk5In0sIlBhZGRpbmciOnsiJHJlZiI6IjEwMCJ9LCJCYWNrZ3JvdW5kIjp7IiRyZWYiOiIxMDEifSwiSXNWaXNpYmxlIjp0cnVlLCJXaWR0aCI6MC4wLCJIZWlnaHQiOjAuMCwiQm9yZGVyU3R5bGUiOnsiJGlkIjoiNDIyIiwiTGluZUNvbG9yIjpudWxsLCJMaW5lV2VpZ2h0IjowLjAsIkxpbmVUeXBlIjowLCJQYXJlbnRTdHlsZSI6bnVsbH0sIlBhcmVudFN0eWxlIjp7IiRyZWYiOiI5NSJ9fSwiSG9yaXpvbnRhbENvbm5lY3RvclN0eWxlIjp7IiRpZCI6IjQyMyIsIkxpbmVDb2xvciI6eyIkcmVmIjoiMTAzIn0sIkxpbmVXZWlnaHQiOjEuMCwiTGluZVR5cGUiOjAsIlBhcmVudFN0eWxlIjp7IiRyZWYiOiIxMDIifX0sIlZlcnRpY2FsQ29ubmVjdG9yU3R5bGUiOnsiJGlkIjoiNDI0IiwiTGluZUNvbG9yIjp7IiRyZWYiOiIxMDYifSwiTGluZVdlaWdodCI6MC4wLCJMaW5lVHlwZSI6MCwiUGFyZW50U3R5bGUiOnsiJHJlZiI6IjEwNSJ9fSwiTWFyZ2luIjpudWxsLCJTdGFydERhdGVQb3NpdGlvbiI6NCwiRW5kRGF0ZVBvc2l0aW9uIjo0LCJEYXRlSXNWaXNpYmxlIjp0cnVlLCJUaXRsZVBvc2l0aW9uIjo1LCJEdXJhdGlvblBvc2l0aW9uIjowLCJQZXJjZW50YWdlQ29tcGxldGVkUG9zaXRpb24iOjYsIlNwYWNpbmciOjEwLCJJc0JlbG93VGltZWJhbmQiOnRydWUsIlBlcmNlbnRhZ2VDb21wbGV0ZVNoYXBlT3BhY2l0eSI6MzUsIlNoYXBlU3R5bGUiOnsiJGlkIjoiNDI1IiwiTWFyZ2luIjp7IiRyZWYiOiIxMDkifSwiUGFkZGluZyI6eyIkcmVmIjoiMTEwIn0sIkJhY2tncm91bmQiOnsiJGlkIjoiNDI2IiwiQ29sb3IiOnsiJGlkIjoiNDI3IiwiQSI6MjU1LCJSIjo5MSwiRyI6MTU1LCJCIjoyMTN9fSwiSXNWaXNpYmxlIjp0cnVlLCJXaWR0aCI6MC4wLCJIZWlnaHQiOjE2LjAsIkJvcmRlclN0eWxlIjp7IiRpZCI6IjQyOCIsIkxpbmVDb2xvciI6eyIkaWQiOiI0MjkiLCIkdHlwZSI6Ik5MUkUuQ29tbW9uLkRvbS5Tb2xpZENvbG9yQnJ1c2gsIE5MUkUuQ29tbW9uIiwiQ29sb3IiOnsiJGlkIjoiNDMwIiwiQSI6MjU1LCJSIjoyNTUsIkciOjAsIkIiOjB9fSwiTGluZVdlaWdodCI6MC4wLCJMaW5lVHlwZSI6MCwiUGFyZW50U3R5bGUiOm51bGx9LCJQYXJlbnRTdHlsZSI6eyIkcmVmIjoiMTA4In19LCJUaXRsZVN0eWxlIjp7IiRpZCI6IjQzMSIsIkZvbnRTZXR0aW5ncyI6eyIkaWQiOiI0MzIiLCJGb250U2l6ZSI6MTEsIkZvbnROYW1lIjoiQ2FsaWJyaSIsIklzQm9sZCI6dHJ1ZSwiSXNJdGFsaWMiOmZhbHNlLCJJc1VuZGVybGluZWQiOmZhbHNlLCJQYXJlbnRTdHlsZSI6eyIkcmVmIjoiMTE3In19LCJBdXRvU2l6ZSI6MCwiRm9yZWdyb3VuZCI6eyIkaWQiOiI0MzMiLCJDb2xvciI6eyIkaWQiOiI0MzQiLCJBIjoyNTUsIlIiOjAsIkciOjAsIkIiOjB9fSwiTWF4V2lkdGgiOjcyMC4wLCJNYXhIZWlnaHQiOiJJbmZpbml0eSIsIlNtYXJ0Rm9yZWdyb3VuZElzQWN0aXZlIjpmYWxzZSwiSG9yaXpvbnRhbEFsaWdubWVudCI6MCwiVmVydGljYWxBbGlnbm1lbnQiOjAsIlNtYXJ0Rm9yZWdyb3VuZCI6bnVsbCwiQmFja2dyb3VuZEZpbGxUeXBlIjowLCJNYXJnaW4iOnsiJHJlZiI6IjEyMCJ9LCJQYWRkaW5nIjp7IiRyZWYiOiIxMjEifSwiQmFja2dyb3VuZCI6eyIkcmVmIjoiMTIyIn0sIklzVmlzaWJsZSI6dHJ1ZSwiV2lkdGgiOjAuMCwiSGVpZ2h0IjowLjAsIkJvcmRlclN0eWxlIjp7IiRpZCI6IjQzNSIsIkxpbmVDb2xvciI6bnVsbCwiTGluZVdlaWdodCI6MC4wLCJMaW5lVHlwZSI6MCwiUGFyZW50U3R5bGUiOm51bGx9LCJQYXJlbnRTdHlsZSI6eyIkcmVmIjoiMTE2In19LCJEYXRlU3R5bGUiOnsiJGlkIjoiNDM2IiwiRm9udFNldHRpbmdzIjp7IiRpZCI6IjQzNyIsIkZvbnRTaXplIjoxMCwiRm9udE5hbWUiOiJDYWxpYnJpIiwiSXNCb2xkIjpmYWxzZSwiSXNJdGFsaWMiOmZhbHNlLCJJc1VuZGVybGluZWQiOmZhbHNlLCJQYXJlbnRTdHlsZSI6eyIkcmVmIjoiMTI0In19LCJBdXRvU2l6ZSI6MCwiRm9yZWdyb3VuZCI6eyIkaWQiOiI0MzgiLCJDb2xvciI6eyIkaWQiOiI0MzkiLCJBIjoyNTUsIlIiOjAsIkciOjAsIkIiOjB9fSwiTWF4V2lkdGgiOjIwMC4wLCJNYXhIZWlnaHQiOiJJbmZpbml0eSIsIlNtYXJ0Rm9yZWdyb3VuZElzQWN0aXZlIjpmYWxzZSwiSG9yaXpvbnRhbEFsaWdubWVudCI6MCwiVmVydGljYWxBbGlnbm1lbnQiOjAsIlNtYXJ0Rm9yZWdyb3VuZCI6bnVsbCwiQmFja2dyb3VuZEZpbGxUeXBlIjowLCJNYXJnaW4iOnsiJHJlZiI6IjEyNyJ9LCJQYWRkaW5nIjp7IiRyZWYiOiIxMjgifSwiQmFja2dyb3VuZCI6eyIkcmVmIjoiMTI5In0sIklzVmlzaWJsZSI6dHJ1ZSwiV2lkdGgiOjAuMCwiSGVpZ2h0IjowLjAsIkJvcmRlclN0eWxlIjp7IiRpZCI6IjQ0MCIsIkxpbmVDb2xvciI6bnVsbCwiTGluZVdlaWdodCI6MC4wLCJMaW5lVHlwZSI6MCwiUGFyZW50U3R5bGUiOm51bGx9LCJQYXJlbnRTdHlsZSI6eyIkcmVmIjoiMTIzIn19LCJEYXRlRm9ybWF0Ijp7IiRyZWYiOiIxMzAifSwiSXNWaXNpYmxlIjp0cnVlLCJQYXJlbnRTdHlsZSI6eyIkcmVmIjoiODYifX0sIkluZGV4IjoxLCJTbWFydER1cmF0aW9uQWN0aXZhdGVkIjpmYWxzZSwiRGF0ZUZvcm1hdCI6eyIkcmVmIjoiMTMwIn0sIklkIjoiMjNjMTUyMzItN2QzMS00ZTk1LThlMTEtY2EyNTFmMzNmYjQ5IiwiSW1wb3J0SWQiOm51bGwsIlRpdGxlIjoiUGxhbm5pbmciLCJOb3RlIjpudWxsLCJIeXBlcmxpbmsiOnsiJGlkIjoiNDQxIiwiQWRkcmVzcyI6IiIsIlN1YkFkZHJlc3MiOiIifSwiSXNDaGFuZ2VkIjpmYWxzZSwiSXNOZXciOnRydWV9LHsiJGlkIjoiNDQyIiwiR3JvdXBOYW1lIjpudWxsLCJTdGFydERhdGUiOiIyMDE5LTExLTExVDAwOjAwOjAwWiIsIkVuZERhdGUiOiIyMDE5LTEyLTIxVDIzOjU5OjAwWiIsIlBlcmNlbnRhZ2VDb21wbGV0ZSI6bnVsbCwiU3R5bGUiOnsiJGlkIjoiNDQzIiwiU2hhcGUiOjAsIlNoYXBlVGhpY2tuZXNzIjoxLCJEdXJhdGlvbkZvcm1hdCI6MCwiSW5jbHVkZU5vbldvcmtpbmdEYXlzSW5EdXJhdGlvbiI6dHJ1ZSwiUGVyY2VudGFnZUNvbXBsZXRlU3R5bGUiOnsiJGlkIjoiNDQ0IiwiRm9udFNldHRpbmdzIjp7IiRpZCI6IjQ0NSIsIkZvbnRTaXplIjoxMCwiRm9udE5hbWUiOiJDYWxpYnJpIiwiSXNCb2xkIjpmYWxzZSwiSXNJdGFsaWMiOmZhbHNlLCJJc1VuZGVybGluZWQiOmZhbHNlLCJQYXJlbnRTdHlsZSI6eyIkcmVmIjoiODgifX0sIkF1dG9TaXplIjowLCJGb3JlZ3JvdW5kIjp7IiRyZWYiOiI4OSJ9LCJNYXhXaWR0aCI6MjAwLjAsIk1heEhlaWdodCI6IkluZmluaXR5IiwiU21hcnRGb3JlZ3JvdW5kSXNBY3RpdmUiOmZhbHNlLCJIb3Jpem9udGFsQWxpZ25tZW50IjowLCJWZXJ0aWNhbEFsaWdubWVudCI6MCwiU21hcnRGb3JlZ3JvdW5kIjpudWxsLCJCYWNrZ3JvdW5kRmlsbFR5cGUiOjAsIk1hcmdpbiI6eyIkcmVmIjoiOTEifSwiUGFkZGluZyI6eyIkcmVmIjoiOTIifSwiQmFja2dyb3VuZCI6eyIkcmVmIjoiOTMifSwiSXNWaXNpYmxlIjp0cnVlLCJXaWR0aCI6MC4wLCJIZWlnaHQiOjAuMCwiQm9yZGVyU3R5bGUiOnsiJGlkIjoiNDQ2IiwiTGluZUNvbG9yIjpudWxsLCJMaW5lV2VpZ2h0IjowLjAsIkxpbmVUeXBlIjowLCJQYXJlbnRTdHlsZSI6bnVsbH0sIlBhcmVudFN0eWxlIjp7IiRyZWYiOiI4NyJ9fSwiRHVyYXRpb25TdHlsZSI6eyIkaWQiOiI0NDciLCJGb250U2V0dGluZ3MiOnsiJGlkIjoiNDQ4IiwiRm9udFNpemUiOjEwLCJGb250TmFtZSI6IkNhbGlicmkiLCJJc0JvbGQiOmZhbHNlLCJJc0l0YWxpYyI6ZmFsc2UsIklzVW5kZXJsaW5lZCI6ZmFsc2UsIlBhcmVudFN0eWxlIjp7IiRyZWYiOiI5NiJ9fSwiQXV0b1NpemUiOjAsIkZvcmVncm91bmQiOnsiJHJlZiI6Ijk3In0sIk1heFdpZHRoIjoyMDAuMCwiTWF4SGVpZ2h0IjoiSW5maW5pdHkiLCJTbWFydEZvcmVncm91bmRJc0FjdGl2ZSI6ZmFsc2UsIkhvcml6b250YWxBbGlnbm1lbnQiOjAsIlZlcnRpY2FsQWxpZ25tZW50IjowLCJTbWFydEZvcmVncm91bmQiOm51bGwsIkJhY2tncm91bmRGaWxsVHlwZSI6MCwiTWFyZ2luIjp7IiRyZWYiOiI5OSJ9LCJQYWRkaW5nIjp7IiRyZWYiOiIxMDAifSwiQmFja2dyb3VuZCI6eyIkcmVmIjoiMTAxIn0sIklzVmlzaWJsZSI6dHJ1ZSwiV2lkdGgiOjAuMCwiSGVpZ2h0IjowLjAsIkJvcmRlclN0eWxlIjp7IiRpZCI6IjQ0OSIsIkxpbmVDb2xvciI6bnVsbCwiTGluZVdlaWdodCI6MC4wLCJMaW5lVHlwZSI6MCwiUGFyZW50U3R5bGUiOm51bGx9LCJQYXJlbnRTdHlsZSI6eyIkcmVmIjoiOTUifX0sIkhvcml6b250YWxDb25uZWN0b3JTdHlsZSI6eyIkaWQiOiI0NTAiLCJMaW5lQ29sb3IiOnsiJHJlZiI6IjEwMyJ9LCJMaW5lV2VpZ2h0IjoxLjI1LCJMaW5lVHlwZSI6MCwiUGFyZW50U3R5bGUiOnsiJHJlZiI6IjEwMiJ9fSwiVmVydGljYWxDb25uZWN0b3JTdHlsZSI6eyIkaWQiOiI0NTEiLCJMaW5lQ29sb3IiOnsiJHJlZiI6IjEwNiJ9LCJMaW5lV2VpZ2h0IjowLjAsIkxpbmVUeXBlIjowLCJQYXJlbnRTdHlsZSI6eyIkcmVmIjoiMTA1In19LCJNYXJnaW4iOm51bGwsIlN0YXJ0RGF0ZVBvc2l0aW9uIjo0LCJFbmREYXRlUG9zaXRpb24iOjQsIkRhdGVJc1Zpc2libGUiOnRydWUsIlRpdGxlUG9zaXRpb24iOjUsIkR1cmF0aW9uUG9zaXRpb24iOjAsIlBlcmNlbnRhZ2VDb21wbGV0ZWRQb3NpdGlvbiI6NiwiU3BhY2luZyI6MTAsIklzQmVsb3dUaW1lYmFuZCI6dHJ1ZSwiUGVyY2VudGFnZUNvbXBsZXRlU2hhcGVPcGFjaXR5IjozNSwiU2hhcGVTdHlsZSI6eyIkaWQiOiI0NTIiLCJNYXJnaW4iOnsiJHJlZiI6IjEwOSJ9LCJQYWRkaW5nIjp7IiRyZWYiOiIxMTAifSwiQmFja2dyb3VuZCI6eyIkaWQiOiI0NTMiLCJDb2xvciI6eyIkaWQiOiI0NTQiLCJBIjoyNTUsIlIiOjkxLCJHIjoxNTUsIkIiOjIxM319LCJJc1Zpc2libGUiOnRydWUsIldpZHRoIjowLjAsIkhlaWdodCI6MTYuMCwiQm9yZGVyU3R5bGUiOnsiJGlkIjoiNDU1IiwiTGluZUNvbG9yIjp7IiRpZCI6IjQ1NiIsIiR0eXBlIjoiTkxSRS5Db21tb24uRG9tLlNvbGlkQ29sb3JCcnVzaCwgTkxSRS5Db21tb24iLCJDb2xvciI6eyIkaWQiOiI0NTciLCJBIjoyNTUsIlIiOjI1NSwiRyI6MCwiQiI6MH19LCJMaW5lV2VpZ2h0IjowLjAsIkxpbmVUeXBlIjowLCJQYXJlbnRTdHlsZSI6bnVsbH0sIlBhcmVudFN0eWxlIjp7IiRyZWYiOiIxMDgifX0sIlRpdGxlU3R5bGUiOnsiJGlkIjoiNDU4IiwiRm9udFNldHRpbmdzIjp7IiRpZCI6IjQ1OSIsIkZvbnRTaXplIjoxMSwiRm9udE5hbWUiOiJDYWxpYnJpIiwiSXNCb2xkIjp0cnVlLCJJc0l0YWxpYyI6ZmFsc2UsIklzVW5kZXJsaW5lZCI6ZmFsc2UsIlBhcmVudFN0eWxlIjp7IiRyZWYiOiIxMTcifX0sIkF1dG9TaXplIjowLCJGb3JlZ3JvdW5kIjp7IiRpZCI6IjQ2MCIsIkNvbG9yIjp7IiRpZCI6IjQ2MSIsIkEiOjI1NSwiUiI6MCwiRyI6MCwiQiI6MH19LCJNYXhXaWR0aCI6NzIwLjAsIk1heEhlaWdodCI6IkluZmluaXR5IiwiU21hcnRGb3JlZ3JvdW5kSXNBY3RpdmUiOmZhbHNlLCJIb3Jpem9udGFsQWxpZ25tZW50IjowLCJWZXJ0aWNhbEFsaWdubWVudCI6MCwiU21hcnRGb3JlZ3JvdW5kIjpudWxsLCJCYWNrZ3JvdW5kRmlsbFR5cGUiOjAsIk1hcmdpbiI6eyIkcmVmIjoiMTIwIn0sIlBhZGRpbmciOnsiJHJlZiI6IjEyMSJ9LCJCYWNrZ3JvdW5kIjp7IiRyZWYiOiIxMjIifSwiSXNWaXNpYmxlIjp0cnVlLCJXaWR0aCI6MC4wLCJIZWlnaHQiOjAuMCwiQm9yZGVyU3R5bGUiOnsiJGlkIjoiNDYyIiwiTGluZUNvbG9yIjpudWxsLCJMaW5lV2VpZ2h0IjowLjAsIkxpbmVUeXBlIjowLCJQYXJlbnRTdHlsZSI6bnVsbH0sIlBhcmVudFN0eWxlIjp7IiRyZWYiOiIxMTYifX0sIkRhdGVTdHlsZSI6eyIkaWQiOiI0NjMiLCJGb250U2V0dGluZ3MiOnsiJGlkIjoiNDY0IiwiRm9udFNpemUiOjEwLCJGb250TmFtZSI6IkNhbGlicmkiLCJJc0JvbGQiOmZhbHNlLCJJc0l0YWxpYyI6ZmFsc2UsIklzVW5kZXJsaW5lZCI6ZmFsc2UsIlBhcmVudFN0eWxlIjp7IiRyZWYiOiIxMjQifX0sIkF1dG9TaXplIjowLCJGb3JlZ3JvdW5kIjp7IiRpZCI6IjQ2NSIsIkNvbG9yIjp7IiRpZCI6IjQ2NiIsIkEiOjI1NSwiUiI6MCwiRyI6MCwiQiI6MH19LCJNYXhXaWR0aCI6MjAwLjAsIk1heEhlaWdodCI6IkluZmluaXR5IiwiU21hcnRGb3JlZ3JvdW5kSXNBY3RpdmUiOmZhbHNlLCJIb3Jpem9udGFsQWxpZ25tZW50IjowLCJWZXJ0aWNhbEFsaWdubWVudCI6MCwiU21hcnRGb3JlZ3JvdW5kIjpudWxsLCJCYWNrZ3JvdW5kRmlsbFR5cGUiOjAsIk1hcmdpbiI6eyIkcmVmIjoiMTI3In0sIlBhZGRpbmciOnsiJHJlZiI6IjEyOCJ9LCJCYWNrZ3JvdW5kIjp7IiRyZWYiOiIxMjkifSwiSXNWaXNpYmxlIjp0cnVlLCJXaWR0aCI6MC4wLCJIZWlnaHQiOjAuMCwiQm9yZGVyU3R5bGUiOnsiJGlkIjoiNDY3IiwiTGluZUNvbG9yIjpudWxsLCJMaW5lV2VpZ2h0IjowLjAsIkxpbmVUeXBlIjowLCJQYXJlbnRTdHlsZSI6bnVsbH0sIlBhcmVudFN0eWxlIjp7IiRyZWYiOiIxMjMifX0sIkRhdGVGb3JtYXQiOnsiJHJlZiI6IjEzMCJ9LCJJc1Zpc2libGUiOnRydWUsIlBhcmVudFN0eWxlIjp7IiRyZWYiOiI4NiJ9fSwiSW5kZXgiOjIsIlNtYXJ0RHVyYXRpb25BY3RpdmF0ZWQiOmZhbHNlLCJEYXRlRm9ybWF0Ijp7IiRyZWYiOiIxMzAifSwiSWQiOiJmMjNlNDYwNS0wNWMyLTRlZTgtODE1OS1iNDIxYjgxMGI3ZTQiLCJJbXBvcnRJZCI6bnVsbCwiVGl0bGUiOiJBbmFseXNpbmciLCJOb3RlIjpudWxsLCJIeXBlcmxpbmsiOnsiJGlkIjoiNDY4IiwiQWRkcmVzcyI6IiIsIlN1YkFkZHJlc3MiOiIifSwiSXNDaGFuZ2VkIjpmYWxzZSwiSXNOZXciOnRydWV9LHsiJGlkIjoiNDY5IiwiR3JvdXBOYW1lIjpudWxsLCJTdGFydERhdGUiOiIyMDE5LTExLTI1VDAwOjAwOjAwWiIsIkVuZERhdGUiOiIyMDE5LTEyLTIxVDIzOjU5OjAwWiIsIlBlcmNlbnRhZ2VDb21wbGV0ZSI6bnVsbCwiU3R5bGUiOnsiJGlkIjoiNDcwIiwiU2hhcGUiOjAsIlNoYXBlVGhpY2tuZXNzIjoxLCJEdXJhdGlvbkZvcm1hdCI6MCwiSW5jbHVkZU5vbldvcmtpbmdEYXlzSW5EdXJhdGlvbiI6ZmFsc2UsIlBlcmNlbnRhZ2VDb21wbGV0ZVN0eWxlIjp7IiRpZCI6IjQ3MSIsIkZvbnRTZXR0aW5ncyI6eyIkaWQiOiI0NzIiLCJGb250U2l6ZSI6MTAsIkZvbnROYW1lIjoiQ2FsaWJyaSIsIklzQm9sZCI6ZmFsc2UsIklzSXRhbGljIjpmYWxzZSwiSXNVbmRlcmxpbmVkIjpmYWxzZSwiUGFyZW50U3R5bGUiOm51bGx9LCJBdXRvU2l6ZSI6MCwiRm9yZWdyb3VuZCI6eyIkcmVmIjoiODkifSwiTWF4V2lkdGgiOjIwMC4wLCJNYXhIZWlnaHQiOiJJbmZpbml0eSIsIlNtYXJ0Rm9yZWdyb3VuZElzQWN0aXZlIjpmYWxzZSwiSG9yaXpvbnRhbEFsaWdubWVudCI6MCwiVmVydGljYWxBbGlnbm1lbnQiOjAsIlNtYXJ0Rm9yZWdyb3VuZCI6bnVsbCwiQmFja2dyb3VuZEZpbGxUeXBlIjowLCJNYXJnaW4iOnsiJHJlZiI6IjkxIn0sIlBhZGRpbmciOnsiJHJlZiI6IjkyIn0sIkJhY2tncm91bmQiOnsiJHJlZiI6IjkzIn0sIklzVmlzaWJsZSI6dHJ1ZSwiV2lkdGgiOjAuMCwiSGVpZ2h0IjowLjAsIkJvcmRlclN0eWxlIjp7IiRpZCI6IjQ3MyIsIkxpbmVDb2xvciI6bnVsbCwiTGluZVdlaWdodCI6MC4wLCJMaW5lVHlwZSI6MCwiUGFyZW50U3R5bGUiOm51bGx9LCJQYXJlbnRTdHlsZSI6bnVsbH0sIkR1cmF0aW9uU3R5bGUiOnsiJGlkIjoiNDc0IiwiRm9udFNldHRpbmdzIjp7IiRpZCI6IjQ3NSIsIkZvbnRTaXplIjoxMCwiRm9udE5hbWUiOiJDYWxpYnJpIiwiSXNCb2xkIjpmYWxzZSwiSXNJdGFsaWMiOmZhbHNlLCJJc1VuZGVybGluZWQiOmZhbHNlLCJQYXJlbnRTdHlsZSI6bnVsbH0sIkF1dG9TaXplIjowLCJGb3JlZ3JvdW5kIjp7IiRpZCI6IjQ3NiIsIkNvbG9yIjp7IiRpZCI6IjQ3NyIsIkEiOjI1NSwiUiI6MCwiRyI6MCwiQiI6MH19LCJNYXhXaWR0aCI6MjAwLjAsIk1heEhlaWdodCI6IkluZmluaXR5IiwiU21hcnRGb3JlZ3JvdW5kSXNBY3RpdmUiOmZhbHNlLCJIb3Jpem9udGFsQWxpZ25tZW50IjowLCJWZXJ0aWNhbEFsaWdubWVudCI6MCwiU21hcnRGb3JlZ3JvdW5kIjpudWxsLCJCYWNrZ3JvdW5kRmlsbFR5cGUiOjAsIk1hcmdpbiI6eyIkcmVmIjoiOTkifSwiUGFkZGluZyI6eyIkcmVmIjoiMTAwIn0sIkJhY2tncm91bmQiOnsiJHJlZiI6IjEwMSJ9LCJJc1Zpc2libGUiOnRydWUsIldpZHRoIjowLjAsIkhlaWdodCI6MC4wLCJCb3JkZXJTdHlsZSI6eyIkaWQiOiI0NzgiLCJMaW5lQ29sb3IiOm51bGwsIkxpbmVXZWlnaHQiOjAuMCwiTGluZVR5cGUiOjAsIlBhcmVudFN0eWxlIjpudWxsfSwiUGFyZW50U3R5bGUiOm51bGx9LCJIb3Jpem9udGFsQ29ubmVjdG9yU3R5bGUiOnsiJGlkIjoiNDc5IiwiTGluZUNvbG9yIjp7IiRyZWYiOiIxMDMifSwiTGluZVdlaWdodCI6MS4wLCJMaW5lVHlwZSI6MCwiUGFyZW50U3R5bGUiOm51bGx9LCJWZXJ0aWNhbENvbm5lY3RvclN0eWxlIjp7IiRpZCI6IjQ4MCIsIkxpbmVDb2xvciI6eyIkcmVmIjoiMTA2In0sIkxpbmVXZWlnaHQiOjAuMCwiTGluZVR5cGUiOjAsIlBhcmVudFN0eWxlIjpudWxsfSwiTWFyZ2luIjpudWxsLCJTdGFydERhdGVQb3NpdGlvbiI6NCwiRW5kRGF0ZVBvc2l0aW9uIjo0LCJEYXRlSXNWaXNpYmxlIjp0cnVlLCJUaXRsZVBvc2l0aW9uIjo1LCJEdXJhdGlvblBvc2l0aW9uIjowLCJQZXJjZW50YWdlQ29tcGxldGVkUG9zaXRpb24iOjYsIlNwYWNpbmciOjEwLCJJc0JlbG93VGltZWJhbmQiOnRydWUsIlBlcmNlbnRhZ2VDb21wbGV0ZVNoYXBlT3BhY2l0eSI6MzUsIlNoYXBlU3R5bGUiOnsiJGlkIjoiNDgxIiwiTWFyZ2luIjp7IiRyZWYiOiIxMDkifSwiUGFkZGluZyI6eyIkcmVmIjoiMTEwIn0sIkJhY2tncm91bmQiOnsiJGlkIjoiNDgyIiwiQ29sb3IiOnsiJGlkIjoiNDgzIiwiQSI6MjU1LCJSIjo5MSwiRyI6MTU1LCJCIjoyMTN9fSwiSXNWaXNpYmxlIjp0cnVlLCJXaWR0aCI6MC4wLCJIZWlnaHQiOjE2LjAsIkJvcmRlclN0eWxlIjp7IiRpZCI6IjQ4NCIsIkxpbmVDb2xvciI6eyIkcmVmIjoiMTE0In0sIkxpbmVXZWlnaHQiOjAuMCwiTGluZVR5cGUiOjAsIlBhcmVudFN0eWxlIjpudWxsfSwiUGFyZW50U3R5bGUiOm51bGx9LCJUaXRsZVN0eWxlIjp7IiRpZCI6IjQ4NSIsIkZvbnRTZXR0aW5ncyI6eyIkaWQiOiI0ODYiLCJGb250U2l6ZSI6MTEsIkZvbnROYW1lIjoiQ2FsaWJyaSIsIklzQm9sZCI6dHJ1ZSwiSXNJdGFsaWMiOmZhbHNlLCJJc1VuZGVybGluZWQiOmZhbHNlLCJQYXJlbnRTdHlsZSI6bnVsbH0sIkF1dG9TaXplIjowLCJGb3JlZ3JvdW5kIjp7IiRpZCI6IjQ4NyIsIkNvbG9yIjp7IiRpZCI6IjQ4OCIsIkEiOjI1NSwiUiI6MCwiRyI6MCwiQiI6MH19LCJNYXhXaWR0aCI6NzIwLjAsIk1heEhlaWdodCI6IkluZmluaXR5IiwiU21hcnRGb3JlZ3JvdW5kSXNBY3RpdmUiOmZhbHNlLCJIb3Jpem9udGFsQWxpZ25tZW50IjowLCJWZXJ0aWNhbEFsaWdubWVudCI6MCwiU21hcnRGb3JlZ3JvdW5kIjpudWxsLCJCYWNrZ3JvdW5kRmlsbFR5cGUiOjAsIk1hcmdpbiI6eyIkcmVmIjoiMTIwIn0sIlBhZGRpbmciOnsiJHJlZiI6IjEyMSJ9LCJCYWNrZ3JvdW5kIjp7IiRyZWYiOiIxMjIifSwiSXNWaXNpYmxlIjp0cnVlLCJXaWR0aCI6MC4wLCJIZWlnaHQiOjAuMCwiQm9yZGVyU3R5bGUiOnsiJGlkIjoiNDg5IiwiTGluZUNvbG9yIjpudWxsLCJMaW5lV2VpZ2h0IjowLjAsIkxpbmVUeXBlIjowLCJQYXJlbnRTdHlsZSI6bnVsbH0sIlBhcmVudFN0eWxlIjpudWxsfSwiRGF0ZVN0eWxlIjp7IiRpZCI6IjQ5MCIsIkZvbnRTZXR0aW5ncyI6eyIkaWQiOiI0OTEiLCJGb250U2l6ZSI6MTAsIkZvbnROYW1lIjoiQ2FsaWJyaSIsIklzQm9sZCI6ZmFsc2UsIklzSXRhbGljIjpmYWxzZSwiSXNVbmRlcmxpbmVkIjpmYWxzZSwiUGFyZW50U3R5bGUiOm51bGx9LCJBdXRvU2l6ZSI6MCwiRm9yZWdyb3VuZCI6eyIkaWQiOiI0OTIiLCJDb2xvciI6eyIkaWQiOiI0OTMiLCJBIjoyNTUsIlIiOjAsIkciOjAsIkIiOjB9fSwiTWF4V2lkdGgiOjIwMC4wLCJNYXhIZWlnaHQiOiJJbmZpbml0eSIsIlNtYXJ0Rm9yZWdyb3VuZElzQWN0aXZlIjpmYWxzZSwiSG9yaXpvbnRhbEFsaWdubWVudCI6MCwiVmVydGljYWxBbGlnbm1lbnQiOjAsIlNtYXJ0Rm9yZWdyb3VuZCI6bnVsbCwiQmFja2dyb3VuZEZpbGxUeXBlIjowLCJNYXJnaW4iOnsiJHJlZiI6IjEyNyJ9LCJQYWRkaW5nIjp7IiRyZWYiOiIxMjgifSwiQmFja2dyb3VuZCI6eyIkcmVmIjoiMTI5In0sIklzVmlzaWJsZSI6dHJ1ZSwiV2lkdGgiOjAuMCwiSGVpZ2h0IjowLjAsIkJvcmRlclN0eWxlIjp7IiRpZCI6IjQ5NCIsIkxpbmVDb2xvciI6bnVsbCwiTGluZVdlaWdodCI6MC4wLCJMaW5lVHlwZSI6MCwiUGFyZW50U3R5bGUiOm51bGx9LCJQYXJlbnRTdHlsZSI6bnVsbH0sIkRhdGVGb3JtYXQiOnsiJGlkIjoiNDk1IiwiRm9ybWF0U3RyaW5nIjoiTU1NIGQiLCJTZXBhcmF0b3IiOiIvIiwiVXNlSW50ZXJuYXRpb25hbERhdGVGb3JtYXQiOmZhbHNlLCJEYXRlSXNWaXNpYmxlIjp0cnVlLCJUaW1lSXNWaXNpYmxlIjpmYWxzZSwiSG91ckRpZ2l0cyI6MSwiQW1QbURlc2lnbmF0b3IiOjIsIlRyaW0wME1pbnV0ZXMiOmZhbHNlLCJMYXN0S25vd25WaXNpYmlsaXR5U3RhdGUiOnsiJGlkIjoiNDk2IiwiRGF0ZVBhcnRJc1Zpc2libGUiOmZhbHNlLCJUaW1lUGFydElzVmlzaWJsZSI6ZmFsc2V9fSwiSXNWaXNpYmxlIjp0cnVlLCJQYXJlbnRTdHlsZSI6bnVsbH0sIkluZGV4IjozLCJTbWFydER1cmF0aW9uQWN0aXZhdGVkIjpmYWxzZSwiRGF0ZUZvcm1hdCI6eyIkcmVmIjoiNDk1In0sIklkIjoiNTA1ZTVmYTEtYWI2Mi00OTE3LWEzYjktOTc2Y2UwMTI4YmVhIiwiSW1wb3J0SWQiOm51bGwsIlRpdGxlIjoiVHJhaW5pbmciLCJOb3RlIjpudWxsLCJIeXBlcmxpbmsiOnsiJGlkIjoiNDk3IiwiQWRkcmVzcyI6IiIsIlN1YkFkZHJlc3MiOiIifSwiSXNDaGFuZ2VkIjpmYWxzZSwiSXNOZXciOmZhbHNlfSx7IiRpZCI6IjQ5OCIsIkdyb3VwTmFtZSI6bnVsbCwiU3RhcnREYXRlIjoiMjAxOS0xMi0yM1QwMDowMDowMFoiLCJFbmREYXRlIjoiMjAyMC0wNC0zMFQyMzo1OTowMCIsIlBlcmNlbnRhZ2VDb21wbGV0ZSI6bnVsbCwiU3R5bGUiOnsiJGlkIjoiNDk5IiwiU2hhcGUiOjAsIlNoYXBlVGhpY2tuZXNzIjoxLCJEdXJhdGlvbkZvcm1hdCI6MCwiSW5jbHVkZU5vbldvcmtpbmdEYXlzSW5EdXJhdGlvbiI6dHJ1ZSwiUGVyY2VudGFnZUNvbXBsZXRlU3R5bGUiOnsiJGlkIjoiNTAwIiwiRm9udFNldHRpbmdzIjp7IiRpZCI6IjUwMSIsIkZvbnRTaXplIjoxMCwiRm9udE5hbWUiOiJDYWxpYnJpIiwiSXNCb2xkIjpmYWxzZSwiSXNJdGFsaWMiOmZhbHNlLCJJc1VuZGVybGluZWQiOmZhbHNlLCJQYXJlbnRTdHlsZSI6eyIkcmVmIjoiODgifX0sIkF1dG9TaXplIjowLCJGb3JlZ3JvdW5kIjp7IiRyZWYiOiI4OSJ9LCJNYXhXaWR0aCI6MjAwLjAsIk1heEhlaWdodCI6IkluZmluaXR5IiwiU21hcnRGb3JlZ3JvdW5kSXNBY3RpdmUiOmZhbHNlLCJIb3Jpem9udGFsQWxpZ25tZW50IjowLCJWZXJ0aWNhbEFsaWdubWVudCI6MCwiU21hcnRGb3JlZ3JvdW5kIjpudWxsLCJCYWNrZ3JvdW5kRmlsbFR5cGUiOjAsIk1hcmdpbiI6eyIkcmVmIjoiOTEifSwiUGFkZGluZyI6eyIkcmVmIjoiOTIifSwiQmFja2dyb3VuZCI6eyIkcmVmIjoiOTMifSwiSXNWaXNpYmxlIjp0cnVlLCJXaWR0aCI6MC4wLCJIZWlnaHQiOjAuMCwiQm9yZGVyU3R5bGUiOnsiJGlkIjoiNTAyIiwiTGluZUNvbG9yIjpudWxsLCJMaW5lV2VpZ2h0IjowLjAsIkxpbmVUeXBlIjowLCJQYXJlbnRTdHlsZSI6bnVsbH0sIlBhcmVudFN0eWxlIjp7IiRyZWYiOiI4NyJ9fSwiRHVyYXRpb25TdHlsZSI6eyIkaWQiOiI1MDMiLCJGb250U2V0dGluZ3MiOnsiJGlkIjoiNTA0IiwiRm9udFNpemUiOjEwLCJGb250TmFtZSI6IkNhbGlicmkiLCJJc0JvbGQiOmZhbHNlLCJJc0l0YWxpYyI6ZmFsc2UsIklzVW5kZXJsaW5lZCI6ZmFsc2UsIlBhcmVudFN0eWxlIjp7IiRyZWYiOiI5NiJ9fSwiQXV0b1NpemUiOjAsIkZvcmVncm91bmQiOnsiJHJlZiI6Ijk3In0sIk1heFdpZHRoIjoyMDAuMCwiTWF4SGVpZ2h0IjoiSW5maW5pdHkiLCJTbWFydEZvcmVncm91bmRJc0FjdGl2ZSI6ZmFsc2UsIkhvcml6b250YWxBbGlnbm1lbnQiOjAsIlZlcnRpY2FsQWxpZ25tZW50IjowLCJTbWFydEZvcmVncm91bmQiOm51bGwsIkJhY2tncm91bmRGaWxsVHlwZSI6MCwiTWFyZ2luIjp7IiRyZWYiOiI5OSJ9LCJQYWRkaW5nIjp7IiRyZWYiOiIxMDAifSwiQmFja2dyb3VuZCI6eyIkcmVmIjoiMTAxIn0sIklzVmlzaWJsZSI6dHJ1ZSwiV2lkdGgiOjAuMCwiSGVpZ2h0IjowLjAsIkJvcmRlclN0eWxlIjp7IiRpZCI6IjUwNSIsIkxpbmVDb2xvciI6bnVsbCwiTGluZVdlaWdodCI6MC4wLCJMaW5lVHlwZSI6MCwiUGFyZW50U3R5bGUiOm51bGx9LCJQYXJlbnRTdHlsZSI6eyIkcmVmIjoiOTUifX0sIkhvcml6b250YWxDb25uZWN0b3JTdHlsZSI6eyIkaWQiOiI1MDYiLCJMaW5lQ29sb3IiOnsiJHJlZiI6IjEwMyJ9LCJMaW5lV2VpZ2h0IjoxLjI1LCJMaW5lVHlwZSI6MCwiUGFyZW50U3R5bGUiOnsiJHJlZiI6IjEwMiJ9fSwiVmVydGljYWxDb25uZWN0b3JTdHlsZSI6eyIkaWQiOiI1MDciLCJMaW5lQ29sb3IiOnsiJHJlZiI6IjEwNiJ9LCJMaW5lV2VpZ2h0IjowLjAsIkxpbmVUeXBlIjowLCJQYXJlbnRTdHlsZSI6eyIkcmVmIjoiMTA1In19LCJNYXJnaW4iOm51bGwsIlN0YXJ0RGF0ZVBvc2l0aW9uIjo0LCJFbmREYXRlUG9zaXRpb24iOjQsIkRhdGVJc1Zpc2libGUiOnRydWUsIlRpdGxlUG9zaXRpb24iOjUsIkR1cmF0aW9uUG9zaXRpb24iOjAsIlBlcmNlbnRhZ2VDb21wbGV0ZWRQb3NpdGlvbiI6NiwiU3BhY2luZyI6MTAsIklzQmVsb3dUaW1lYmFuZCI6dHJ1ZSwiUGVyY2VudGFnZUNvbXBsZXRlU2hhcGVPcGFjaXR5IjozNSwiU2hhcGVTdHlsZSI6eyIkaWQiOiI1MDgiLCJNYXJnaW4iOnsiJHJlZiI6IjEwOSJ9LCJQYWRkaW5nIjp7IiRyZWYiOiIxMTAifSwiQmFja2dyb3VuZCI6eyIkaWQiOiI1MDkiLCJDb2xvciI6eyIkaWQiOiI1MTAiLCJBIjoyNTUsIlIiOjkxLCJHIjoxNTUsIkIiOjIxM319LCJJc1Zpc2libGUiOnRydWUsIldpZHRoIjowLjAsIkhlaWdodCI6MTYuMCwiQm9yZGVyU3R5bGUiOnsiJGlkIjoiNTExIiwiTGluZUNvbG9yIjp7IiRpZCI6IjUxMiIsIiR0eXBlIjoiTkxSRS5Db21tb24uRG9tLlNvbGlkQ29sb3JCcnVzaCwgTkxSRS5Db21tb24iLCJDb2xvciI6eyIkaWQiOiI1MTMiLCJBIjoyNTUsIlIiOjI1NSwiRyI6MCwiQiI6MH19LCJMaW5lV2VpZ2h0IjowLjAsIkxpbmVUeXBlIjowLCJQYXJlbnRTdHlsZSI6bnVsbH0sIlBhcmVudFN0eWxlIjp7IiRyZWYiOiIxMDgifX0sIlRpdGxlU3R5bGUiOnsiJGlkIjoiNTE0IiwiRm9udFNldHRpbmdzIjp7IiRpZCI6IjUxNSIsIkZvbnRTaXplIjoxMSwiRm9udE5hbWUiOiJDYWxpYnJpIiwiSXNCb2xkIjp0cnVlLCJJc0l0YWxpYyI6ZmFsc2UsIklzVW5kZXJsaW5lZCI6ZmFsc2UsIlBhcmVudFN0eWxlIjp7IiRyZWYiOiIxMTcifX0sIkF1dG9TaXplIjowLCJGb3JlZ3JvdW5kIjp7IiRpZCI6IjUxNiIsIkNvbG9yIjp7IiRpZCI6IjUxNyIsIkEiOjI1NSwiUiI6MCwiRyI6MCwiQiI6MH19LCJNYXhXaWR0aCI6NzIwLjAsIk1heEhlaWdodCI6IkluZmluaXR5IiwiU21hcnRGb3JlZ3JvdW5kSXNBY3RpdmUiOmZhbHNlLCJIb3Jpem9udGFsQWxpZ25tZW50IjowLCJWZXJ0aWNhbEFsaWdubWVudCI6MCwiU21hcnRGb3JlZ3JvdW5kIjpudWxsLCJCYWNrZ3JvdW5kRmlsbFR5cGUiOjAsIk1hcmdpbiI6eyIkcmVmIjoiMTIwIn0sIlBhZGRpbmciOnsiJHJlZiI6IjEyMSJ9LCJCYWNrZ3JvdW5kIjp7IiRyZWYiOiIxMjIifSwiSXNWaXNpYmxlIjp0cnVlLCJXaWR0aCI6MC4wLCJIZWlnaHQiOjAuMCwiQm9yZGVyU3R5bGUiOnsiJGlkIjoiNTE4IiwiTGluZUNvbG9yIjpudWxsLCJMaW5lV2VpZ2h0IjowLjAsIkxpbmVUeXBlIjowLCJQYXJlbnRTdHlsZSI6bnVsbH0sIlBhcmVudFN0eWxlIjp7IiRyZWYiOiIxMTYifX0sIkRhdGVTdHlsZSI6eyIkaWQiOiI1MTkiLCJGb250U2V0dGluZ3MiOnsiJGlkIjoiNTIwIiwiRm9udFNpemUiOjEwLCJGb250TmFtZSI6IkNhbGlicmkiLCJJc0JvbGQiOmZhbHNlLCJJc0l0YWxpYyI6ZmFsc2UsIklzVW5kZXJsaW5lZCI6ZmFsc2UsIlBhcmVudFN0eWxlIjp7IiRyZWYiOiIxMjQifX0sIkF1dG9TaXplIjowLCJGb3JlZ3JvdW5kIjp7IiRpZCI6IjUyMSIsIkNvbG9yIjp7IiRpZCI6IjUyMiIsIkEiOjI1NSwiUiI6MCwiRyI6MCwiQiI6MH19LCJNYXhXaWR0aCI6MjAwLjAsIk1heEhlaWdodCI6IkluZmluaXR5IiwiU21hcnRGb3JlZ3JvdW5kSXNBY3RpdmUiOmZhbHNlLCJIb3Jpem9udGFsQWxpZ25tZW50IjowLCJWZXJ0aWNhbEFsaWdubWVudCI6MCwiU21hcnRGb3JlZ3JvdW5kIjpudWxsLCJCYWNrZ3JvdW5kRmlsbFR5cGUiOjAsIk1hcmdpbiI6eyIkcmVmIjoiMTI3In0sIlBhZGRpbmciOnsiJHJlZiI6IjEyOCJ9LCJCYWNrZ3JvdW5kIjp7IiRyZWYiOiIxMjkifSwiSXNWaXNpYmxlIjp0cnVlLCJXaWR0aCI6MC4wLCJIZWlnaHQiOjAuMCwiQm9yZGVyU3R5bGUiOnsiJGlkIjoiNTIzIiwiTGluZUNvbG9yIjpudWxsLCJMaW5lV2VpZ2h0IjowLjAsIkxpbmVUeXBlIjowLCJQYXJlbnRTdHlsZSI6bnVsbH0sIlBhcmVudFN0eWxlIjp7IiRyZWYiOiIxMjMifX0sIkRhdGVGb3JtYXQiOnsiJHJlZiI6IjEzMCJ9LCJJc1Zpc2libGUiOnRydWUsIlBhcmVudFN0eWxlIjp7IiRyZWYiOiI4NiJ9fSwiSW5kZXgiOjQsIlNtYXJ0RHVyYXRpb25BY3RpdmF0ZWQiOmZhbHNlLCJEYXRlRm9ybWF0Ijp7IiRyZWYiOiIxMzAifSwiSWQiOiI4MmQxYjdhYS1lNzdkLTQxYTItYmUxNC1kNjlmNWU1MDFiMWIiLCJJbXBvcnRJZCI6bnVsbCwiVGl0bGUiOiJJbXBsZW1lbnRhdGlvbiAmIFRlc3RpbmciLCJOb3RlIjpudWxsLCJIeXBlcmxpbmsiOnsiJGlkIjoiNTI0IiwiQWRkcmVzcyI6IiIsIlN1YkFkZHJlc3MiOiIifSwiSXNDaGFuZ2VkIjpmYWxzZSwiSXNOZXciOnRydWV9LHsiJGlkIjoiNTI1IiwiR3JvdXBOYW1lIjpudWxsLCJTdGFydERhdGUiOiIyMDIwLTAxLTEzVDAwOjAwOjAwWiIsIkVuZERhdGUiOiIyMDIwLTAyLTA5VDIzOjU5OjAwWiIsIlBlcmNlbnRhZ2VDb21wbGV0ZSI6bnVsbCwiU3R5bGUiOnsiJGlkIjoiNTI2IiwiU2hhcGUiOjAsIlNoYXBlVGhpY2tuZXNzIjoxLCJEdXJhdGlvbkZvcm1hdCI6MCwiSW5jbHVkZU5vbldvcmtpbmdEYXlzSW5EdXJhdGlvbiI6dHJ1ZSwiUGVyY2VudGFnZUNvbXBsZXRlU3R5bGUiOnsiJGlkIjoiNTI3IiwiRm9udFNldHRpbmdzIjp7IiRpZCI6IjUyOCIsIkZvbnRTaXplIjoxMCwiRm9udE5hbWUiOiJDYWxpYnJpIiwiSXNCb2xkIjpmYWxzZSwiSXNJdGFsaWMiOmZhbHNlLCJJc1VuZGVybGluZWQiOmZhbHNlLCJQYXJlbnRTdHlsZSI6eyIkcmVmIjoiODgifX0sIkF1dG9TaXplIjowLCJGb3JlZ3JvdW5kIjp7IiRyZWYiOiI4OSJ9LCJNYXhXaWR0aCI6MjAwLjAsIk1heEhlaWdodCI6IkluZmluaXR5IiwiU21hcnRGb3JlZ3JvdW5kSXNBY3RpdmUiOmZhbHNlLCJIb3Jpem9udGFsQWxpZ25tZW50IjowLCJWZXJ0aWNhbEFsaWdubWVudCI6MCwiU21hcnRGb3JlZ3JvdW5kIjpudWxsLCJCYWNrZ3JvdW5kRmlsbFR5cGUiOjAsIk1hcmdpbiI6eyIkcmVmIjoiOTEifSwiUGFkZGluZyI6eyIkcmVmIjoiOTIifSwiQmFja2dyb3VuZCI6eyIkcmVmIjoiOTMifSwiSXNWaXNpYmxlIjp0cnVlLCJXaWR0aCI6MC4wLCJIZWlnaHQiOjAuMCwiQm9yZGVyU3R5bGUiOnsiJGlkIjoiNTI5IiwiTGluZUNvbG9yIjpudWxsLCJMaW5lV2VpZ2h0IjowLjAsIkxpbmVUeXBlIjowLCJQYXJlbnRTdHlsZSI6bnVsbH0sIlBhcmVudFN0eWxlIjp7IiRyZWYiOiI4NyJ9fSwiRHVyYXRpb25TdHlsZSI6eyIkaWQiOiI1MzAiLCJGb250U2V0dGluZ3MiOnsiJGlkIjoiNTMxIiwiRm9udFNpemUiOjEwLCJGb250TmFtZSI6IkNhbGlicmkiLCJJc0JvbGQiOmZhbHNlLCJJc0l0YWxpYyI6ZmFsc2UsIklzVW5kZXJsaW5lZCI6ZmFsc2UsIlBhcmVudFN0eWxlIjp7IiRyZWYiOiI5NiJ9fSwiQXV0b1NpemUiOjAsIkZvcmVncm91bmQiOnsiJHJlZiI6Ijk3In0sIk1heFdpZHRoIjoyMDAuMCwiTWF4SGVpZ2h0IjoiSW5maW5pdHkiLCJTbWFydEZvcmVncm91bmRJc0FjdGl2ZSI6ZmFsc2UsIkhvcml6b250YWxBbGlnbm1lbnQiOjAsIlZlcnRpY2FsQWxpZ25tZW50IjowLCJTbWFydEZvcmVncm91bmQiOm51bGwsIkJhY2tncm91bmRGaWxsVHlwZSI6MCwiTWFyZ2luIjp7IiRyZWYiOiI5OSJ9LCJQYWRkaW5nIjp7IiRyZWYiOiIxMDAifSwiQmFja2dyb3VuZCI6eyIkcmVmIjoiMTAxIn0sIklzVmlzaWJsZSI6dHJ1ZSwiV2lkdGgiOjAuMCwiSGVpZ2h0IjowLjAsIkJvcmRlclN0eWxlIjp7IiRpZCI6IjUzMiIsIkxpbmVDb2xvciI6bnVsbCwiTGluZVdlaWdodCI6MC4wLCJMaW5lVHlwZSI6MCwiUGFyZW50U3R5bGUiOm51bGx9LCJQYXJlbnRTdHlsZSI6eyIkcmVmIjoiOTUifX0sIkhvcml6b250YWxDb25uZWN0b3JTdHlsZSI6eyIkaWQiOiI1MzMiLCJMaW5lQ29sb3IiOnsiJHJlZiI6IjEwMyJ9LCJMaW5lV2VpZ2h0IjoxLjI1LCJMaW5lVHlwZSI6MCwiUGFyZW50U3R5bGUiOnsiJHJlZiI6IjEwMiJ9fSwiVmVydGljYWxDb25uZWN0b3JTdHlsZSI6eyIkaWQiOiI1MzQiLCJMaW5lQ29sb3IiOnsiJHJlZiI6IjEwNiJ9LCJMaW5lV2VpZ2h0IjowLjAsIkxpbmVUeXBlIjowLCJQYXJlbnRTdHlsZSI6eyIkcmVmIjoiMTA1In19LCJNYXJnaW4iOm51bGwsIlN0YXJ0RGF0ZVBvc2l0aW9uIjo0LCJFbmREYXRlUG9zaXRpb24iOjQsIkRhdGVJc1Zpc2libGUiOnRydWUsIlRpdGxlUG9zaXRpb24iOjUsIkR1cmF0aW9uUG9zaXRpb24iOjAsIlBlcmNlbnRhZ2VDb21wbGV0ZWRQb3NpdGlvbiI6NiwiU3BhY2luZyI6MTAsIklzQmVsb3dUaW1lYmFuZCI6dHJ1ZSwiUGVyY2VudGFnZUNvbXBsZXRlU2hhcGVPcGFjaXR5IjozNSwiU2hhcGVTdHlsZSI6eyIkaWQiOiI1MzUiLCJNYXJnaW4iOnsiJHJlZiI6IjEwOSJ9LCJQYWRkaW5nIjp7IiRpZCI6IjUzNiIsIlRvcCI6MCwiTGVmdCI6MCwiUmlnaHQiOjIsIkJvdHRvbSI6MH0sIkJhY2tncm91bmQiOnsiJGlkIjoiNTM3IiwiQ29sb3IiOnsiJGlkIjoiNTM4IiwiQSI6MjU1LCJSIjoyMzQsIkciOjIyLCJCIjozMH19LCJJc1Zpc2libGUiOnRydWUsIldpZHRoIjowLjAsIkhlaWdodCI6MTYuMCwiQm9yZGVyU3R5bGUiOnsiJGlkIjoiNTM5IiwiTGluZUNvbG9yIjp7IiRpZCI6IjU0MCIsIiR0eXBlIjoiTkxSRS5Db21tb24uRG9tLlNvbGlkQ29sb3JCcnVzaCwgTkxSRS5Db21tb24iLCJDb2xvciI6eyIkaWQiOiI1NDEiLCJBIjoyNTUsIlIiOjI1NSwiRyI6MCwiQiI6MH19LCJMaW5lV2VpZ2h0IjowLjAsIkxpbmVUeXBlIjowLCJQYXJlbnRTdHlsZSI6bnVsbH0sIlBhcmVudFN0eWxlIjp7IiRyZWYiOiIxMDgifX0sIlRpdGxlU3R5bGUiOnsiJGlkIjoiNTQyIiwiRm9udFNldHRpbmdzIjp7IiRpZCI6IjU0MyIsIkZvbnRTaXplIjoxMSwiRm9udE5hbWUiOiJDYWxpYnJpIiwiSXNCb2xkIjp0cnVlLCJJc0l0YWxpYyI6ZmFsc2UsIklzVW5kZXJsaW5lZCI6ZmFsc2UsIlBhcmVudFN0eWxlIjp7IiRyZWYiOiIxMTcifX0sIkF1dG9TaXplIjowLCJGb3JlZ3JvdW5kIjp7IiRpZCI6IjU0NCIsIkNvbG9yIjp7IiRpZCI6IjU0NSIsIkEiOjI1NSwiUiI6MCwiRyI6MCwiQiI6MH19LCJNYXhXaWR0aCI6NzIwLjAsIk1heEhlaWdodCI6IkluZmluaXR5IiwiU21hcnRGb3JlZ3JvdW5kSXNBY3RpdmUiOmZhbHNlLCJIb3Jpem9udGFsQWxpZ25tZW50IjowLCJWZXJ0aWNhbEFsaWdubWVudCI6MCwiU21hcnRGb3JlZ3JvdW5kIjpudWxsLCJCYWNrZ3JvdW5kRmlsbFR5cGUiOjAsIk1hcmdpbiI6eyIkcmVmIjoiMTIwIn0sIlBhZGRpbmciOnsiJHJlZiI6IjEyMSJ9LCJCYWNrZ3JvdW5kIjp7IiRyZWYiOiIxMjIifSwiSXNWaXNpYmxlIjp0cnVlLCJXaWR0aCI6MC4wLCJIZWlnaHQiOjAuMCwiQm9yZGVyU3R5bGUiOnsiJGlkIjoiNTQ2IiwiTGluZUNvbG9yIjpudWxsLCJMaW5lV2VpZ2h0IjowLjAsIkxpbmVUeXBlIjowLCJQYXJlbnRTdHlsZSI6bnVsbH0sIlBhcmVudFN0eWxlIjp7IiRyZWYiOiIxMTYifX0sIkRhdGVTdHlsZSI6eyIkaWQiOiI1NDciLCJGb250U2V0dGluZ3MiOnsiJGlkIjoiNTQ4IiwiRm9udFNpemUiOjEwLCJGb250TmFtZSI6IkNhbGlicmkiLCJJc0JvbGQiOmZhbHNlLCJJc0l0YWxpYyI6ZmFsc2UsIklzVW5kZXJsaW5lZCI6ZmFsc2UsIlBhcmVudFN0eWxlIjp7IiRyZWYiOiIxMjQifX0sIkF1dG9TaXplIjowLCJGb3JlZ3JvdW5kIjp7IiRpZCI6IjU0OSIsIkNvbG9yIjp7IiRpZCI6IjU1MCIsIkEiOjI1NSwiUiI6MCwiRyI6MCwiQiI6MH19LCJNYXhXaWR0aCI6MjAwLjAsIk1heEhlaWdodCI6IkluZmluaXR5IiwiU21hcnRGb3JlZ3JvdW5kSXNBY3RpdmUiOmZhbHNlLCJIb3Jpem9udGFsQWxpZ25tZW50IjowLCJWZXJ0aWNhbEFsaWdubWVudCI6MCwiU21hcnRGb3JlZ3JvdW5kIjpudWxsLCJCYWNrZ3JvdW5kRmlsbFR5cGUiOjAsIk1hcmdpbiI6eyIkcmVmIjoiMTI3In0sIlBhZGRpbmciOnsiJHJlZiI6IjEyOCJ9LCJCYWNrZ3JvdW5kIjp7IiRyZWYiOiIxMjkifSwiSXNWaXNpYmxlIjp0cnVlLCJXaWR0aCI6MC4wLCJIZWlnaHQiOjAuMCwiQm9yZGVyU3R5bGUiOnsiJGlkIjoiNTUxIiwiTGluZUNvbG9yIjpudWxsLCJMaW5lV2VpZ2h0IjowLjAsIkxpbmVUeXBlIjowLCJQYXJlbnRTdHlsZSI6bnVsbH0sIlBhcmVudFN0eWxlIjp7IiRyZWYiOiIxMjMifX0sIkRhdGVGb3JtYXQiOnsiJHJlZiI6IjEzMCJ9LCJJc1Zpc2libGUiOnRydWUsIlBhcmVudFN0eWxlIjp7IiRyZWYiOiI4NiJ9fSwiSW5kZXgiOjUsIlNtYXJ0RHVyYXRpb25BY3RpdmF0ZWQiOmZhbHNlLCJEYXRlRm9ybWF0Ijp7IiRyZWYiOiIxMzAifSwiSWQiOiJmZTgyYTA1NC1lYjcyLTQ4NTEtYTkzZi02YTYwNjQzMmJmYWMiLCJJbXBvcnRJZCI6bnVsbCwiVGl0bGUiOiJUZXQgSG9saWRheSIsIk5vdGUiOm51bGwsIkh5cGVybGluayI6eyIkaWQiOiI1NTIiLCJBZGRyZXNzIjoiIiwiU3ViQWRkcmVzcyI6IiJ9LCJJc0NoYW5nZWQiOmZhbHNlLCJJc05ldyI6dHJ1ZX0seyIkaWQiOiI1NTMiLCJHcm91cE5hbWUiOm51bGwsIlN0YXJ0RGF0ZSI6IjIwMjAtMDQtMzBUMDA6MDA6MDBaIiwiRW5kRGF0ZSI6IjIwMjAtMDQtMzBUMjM6NTk6MDBaIiwiUGVyY2VudGFnZUNvbXBsZXRlIjpudWxsLCJTdHlsZSI6eyIkaWQiOiI1NTQiLCJTaGFwZSI6MCwiU2hhcGVUaGlja25lc3MiOjEsIkR1cmF0aW9uRm9ybWF0IjowLCJJbmNsdWRlTm9uV29ya2luZ0RheXNJbkR1cmF0aW9uIjpmYWxzZSwiUGVyY2VudGFnZUNvbXBsZXRlU3R5bGUiOnsiJGlkIjoiNTU1IiwiRm9udFNldHRpbmdzIjp7IiRpZCI6IjU1NiIsIkZvbnRTaXplIjoxMCwiRm9udE5hbWUiOiJDYWxpYnJpIiwiSXNCb2xkIjpmYWxzZSwiSXNJdGFsaWMiOmZhbHNlLCJJc1VuZGVybGluZWQiOmZhbHNlLCJQYXJlbnRTdHlsZSI6bnVsbH0sIkF1dG9TaXplIjowLCJGb3JlZ3JvdW5kIjp7IiRyZWYiOiI4OSJ9LCJNYXhXaWR0aCI6MjAwLjAsIk1heEhlaWdodCI6IkluZmluaXR5IiwiU21hcnRGb3JlZ3JvdW5kSXNBY3RpdmUiOmZhbHNlLCJIb3Jpem9udGFsQWxpZ25tZW50IjowLCJWZXJ0aWNhbEFsaWdubWVudCI6MCwiU21hcnRGb3JlZ3JvdW5kIjpudWxsLCJCYWNrZ3JvdW5kRmlsbFR5cGUiOjAsIk1hcmdpbiI6eyIkcmVmIjoiOTEifSwiUGFkZGluZyI6eyIkcmVmIjoiOTIifSwiQmFja2dyb3VuZCI6eyIkcmVmIjoiOTMifSwiSXNWaXNpYmxlIjp0cnVlLCJXaWR0aCI6MC4wLCJIZWlnaHQiOjAuMCwiQm9yZGVyU3R5bGUiOnsiJGlkIjoiNTU3IiwiTGluZUNvbG9yIjpudWxsLCJMaW5lV2VpZ2h0IjowLjAsIkxpbmVUeXBlIjowLCJQYXJlbnRTdHlsZSI6bnVsbH0sIlBhcmVudFN0eWxlIjpudWxsfSwiRHVyYXRpb25TdHlsZSI6eyIkaWQiOiI1NTgiLCJGb250U2V0dGluZ3MiOnsiJGlkIjoiNTU5IiwiRm9udFNpemUiOjEwLCJGb250TmFtZSI6IkNhbGlicmkiLCJJc0JvbGQiOmZhbHNlLCJJc0l0YWxpYyI6ZmFsc2UsIklzVW5kZXJsaW5lZCI6ZmFsc2UsIlBhcmVudFN0eWxlIjpudWxsfSwiQXV0b1NpemUiOjAsIkZvcmVncm91bmQiOnsiJGlkIjoiNTYwIiwiQ29sb3IiOnsiJGlkIjoiNTYxIiwiQSI6MjU1LCJSIjowLCJHIjowLCJCIjowfX0sIk1heFdpZHRoIjoyMDAuMCwiTWF4SGVpZ2h0IjoiSW5maW5pdHkiLCJTbWFydEZvcmVncm91bmRJc0FjdGl2ZSI6ZmFsc2UsIkhvcml6b250YWxBbGlnbm1lbnQiOjAsIlZlcnRpY2FsQWxpZ25tZW50IjowLCJTbWFydEZvcmVncm91bmQiOm51bGwsIkJhY2tncm91bmRGaWxsVHlwZSI6MCwiTWFyZ2luIjp7IiRyZWYiOiI5OSJ9LCJQYWRkaW5nIjp7IiRyZWYiOiIxMDAifSwiQmFja2dyb3VuZCI6eyIkcmVmIjoiMTAxIn0sIklzVmlzaWJsZSI6dHJ1ZSwiV2lkdGgiOjAuMCwiSGVpZ2h0IjowLjAsIkJvcmRlclN0eWxlIjp7IiRpZCI6IjU2MiIsIkxpbmVDb2xvciI6bnVsbCwiTGluZVdlaWdodCI6MC4wLCJMaW5lVHlwZSI6MCwiUGFyZW50U3R5bGUiOm51bGx9LCJQYXJlbnRTdHlsZSI6bnVsbH0sIkhvcml6b250YWxDb25uZWN0b3JTdHlsZSI6eyIkaWQiOiI1NjMiLCJMaW5lQ29sb3IiOnsiJHJlZiI6IjEwMyJ9LCJMaW5lV2VpZ2h0IjoxLjAsIkxpbmVUeXBlIjowLCJQYXJlbnRTdHlsZSI6bnVsbH0sIlZlcnRpY2FsQ29ubmVjdG9yU3R5bGUiOnsiJGlkIjoiNTY0IiwiTGluZUNvbG9yIjp7IiRyZWYiOiIxMDYifSwiTGluZVdlaWdodCI6MC4wLCJMaW5lVHlwZSI6MCwiUGFyZW50U3R5bGUiOm51bGx9LCJNYXJnaW4iOm51bGwsIlN0YXJ0RGF0ZVBvc2l0aW9uIjo0LCJFbmREYXRlUG9zaXRpb24iOjQsIkRhdGVJc1Zpc2libGUiOnRydWUsIlRpdGxlUG9zaXRpb24iOjUsIkR1cmF0aW9uUG9zaXRpb24iOjAsIlBlcmNlbnRhZ2VDb21wbGV0ZWRQb3NpdGlvbiI6NiwiU3BhY2luZyI6MTAsIklzQmVsb3dUaW1lYmFuZCI6dHJ1ZSwiUGVyY2VudGFnZUNvbXBsZXRlU2hhcGVPcGFjaXR5IjozNSwiU2hhcGVTdHlsZSI6eyIkaWQiOiI1NjUiLCJNYXJnaW4iOnsiJHJlZiI6IjEwOSJ9LCJQYWRkaW5nIjp7IiRyZWYiOiIxMTAifSwiQmFja2dyb3VuZCI6eyIkaWQiOiI1NjYiLCJDb2xvciI6eyIkaWQiOiI1NjciLCJBIjoyNTUsIlIiOjkxLCJHIjoxNTUsIkIiOjIxM319LCJJc1Zpc2libGUiOnRydWUsIldpZHRoIjowLjAsIkhlaWdodCI6MTYuMCwiQm9yZGVyU3R5bGUiOnsiJGlkIjoiNTY4IiwiTGluZUNvbG9yIjp7IiRyZWYiOiIxMTQifSwiTGluZVdlaWdodCI6MC4wLCJMaW5lVHlwZSI6MCwiUGFyZW50U3R5bGUiOm51bGx9LCJQYXJlbnRTdHlsZSI6bnVsbH0sIlRpdGxlU3R5bGUiOnsiJGlkIjoiNTY5IiwiRm9udFNldHRpbmdzIjp7IiRpZCI6IjU3MCIsIkZvbnRTaXplIjoxMSwiRm9udE5hbWUiOiJDYWxpYnJpIiwiSXNCb2xkIjp0cnVlLCJJc0l0YWxpYyI6ZmFsc2UsIklzVW5kZXJsaW5lZCI6ZmFsc2UsIlBhcmVudFN0eWxlIjpudWxsfSwiQXV0b1NpemUiOjAsIkZvcmVncm91bmQiOnsiJGlkIjoiNTcxIiwiQ29sb3IiOnsiJGlkIjoiNTcyIiwiQSI6MjU1LCJSIjowLCJHIjowLCJCIjowfX0sIk1heFdpZHRoIjo3MjAuMCwiTWF4SGVpZ2h0IjoiSW5maW5pdHkiLCJTbWFydEZvcmVncm91bmRJc0FjdGl2ZSI6ZmFsc2UsIkhvcml6b250YWxBbGlnbm1lbnQiOjAsIlZlcnRpY2FsQWxpZ25tZW50IjowLCJTbWFydEZvcmVncm91bmQiOm51bGwsIkJhY2tncm91bmRGaWxsVHlwZSI6MCwiTWFyZ2luIjp7IiRyZWYiOiIxMjAifSwiUGFkZGluZyI6eyIkcmVmIjoiMTIxIn0sIkJhY2tncm91bmQiOnsiJHJlZiI6IjEyMiJ9LCJJc1Zpc2libGUiOnRydWUsIldpZHRoIjowLjAsIkhlaWdodCI6MC4wLCJCb3JkZXJTdHlsZSI6eyIkaWQiOiI1NzMiLCJMaW5lQ29sb3IiOm51bGwsIkxpbmVXZWlnaHQiOjAuMCwiTGluZVR5cGUiOjAsIlBhcmVudFN0eWxlIjpudWxsfSwiUGFyZW50U3R5bGUiOm51bGx9LCJEYXRlU3R5bGUiOnsiJGlkIjoiNTc0IiwiRm9udFNldHRpbmdzIjp7IiRpZCI6IjU3NSIsIkZvbnRTaXplIjoxMCwiRm9udE5hbWUiOiJDYWxpYnJpIiwiSXNCb2xkIjpmYWxzZSwiSXNJdGFsaWMiOmZhbHNlLCJJc1VuZGVybGluZWQiOmZhbHNlLCJQYXJlbnRTdHlsZSI6bnVsbH0sIkF1dG9TaXplIjowLCJGb3JlZ3JvdW5kIjp7IiRpZCI6IjU3NiIsIkNvbG9yIjp7IiRpZCI6IjU3NyIsIkEiOjI1NSwiUiI6MCwiRyI6MCwiQiI6MH19LCJNYXhXaWR0aCI6MjAwLjAsIk1heEhlaWdodCI6IkluZmluaXR5IiwiU21hcnRGb3JlZ3JvdW5kSXNBY3RpdmUiOmZhbHNlLCJIb3Jpem9udGFsQWxpZ25tZW50IjowLCJWZXJ0aWNhbEFsaWdubWVudCI6MCwiU21hcnRGb3JlZ3JvdW5kIjpudWxsLCJCYWNrZ3JvdW5kRmlsbFR5cGUiOjAsIk1hcmdpbiI6eyIkcmVmIjoiMTI3In0sIlBhZGRpbmciOnsiJHJlZiI6IjEyOCJ9LCJCYWNrZ3JvdW5kIjp7IiRyZWYiOiIxMjkifSwiSXNWaXNpYmxlIjp0cnVlLCJXaWR0aCI6MC4wLCJIZWlnaHQiOjAuMCwiQm9yZGVyU3R5bGUiOnsiJGlkIjoiNTc4IiwiTGluZUNvbG9yIjpudWxsLCJMaW5lV2VpZ2h0IjowLjAsIkxpbmVUeXBlIjowLCJQYXJlbnRTdHlsZSI6bnVsbH0sIlBhcmVudFN0eWxlIjpudWxsfSwiRGF0ZUZvcm1hdCI6eyIkaWQiOiI1NzkiLCJGb3JtYXRTdHJpbmciOiJNTU0gZCIsIlNlcGFyYXRvciI6Ii8iLCJVc2VJbnRlcm5hdGlvbmFsRGF0ZUZvcm1hdCI6ZmFsc2UsIkRhdGVJc1Zpc2libGUiOnRydWUsIlRpbWVJc1Zpc2libGUiOmZhbHNlLCJIb3VyRGlnaXRzIjoxLCJBbVBtRGVzaWduYXRvciI6MiwiVHJpbTAwTWludXRlcyI6ZmFsc2UsIkxhc3RLbm93blZpc2liaWxpdHlTdGF0ZSI6eyIkaWQiOiI1ODAiLCJEYXRlUGFydElzVmlzaWJsZSI6ZmFsc2UsIlRpbWVQYXJ0SXNWaXNpYmxlIjpmYWxzZX19LCJJc1Zpc2libGUiOnRydWUsIlBhcmVudFN0eWxlIjpudWxsfSwiSW5kZXgiOjYsIlNtYXJ0RHVyYXRpb25BY3RpdmF0ZWQiOmZhbHNlLCJEYXRlRm9ybWF0Ijp7IiRyZWYiOiI1NzkifSwiSWQiOiIzMTNhMTYxZC0yYTdmLTRlYWQtYTQ0My1lOGMzNDJkNzY4NjAiLCJJbXBvcnRJZCI6bnVsbCwiVGl0bGUiOiJDbG9zZSBQcm9qZWN0IiwiTm90ZSI6bnVsbCwiSHlwZXJsaW5rIjp7IiRpZCI6IjU4MSIsIkFkZHJlc3MiOiIiLCJTdWJBZGRyZXNzIjoiIn0sIklzQ2hhbmdlZCI6ZmFsc2UsIklzTmV3IjpmYWxzZX1dLCJTd2ltbGFuZXMiOltdLCJNc1Byb2plY3RJdGVtc1RyZWUiOnsiJGlkIjoiNTgyIiwiUm9vdCI6eyJJbXBvcnRJZCI6bnVsbCwiSXNJbXBvcnRlZCI6ZmFsc2UsIkNoaWxkcmVuIjpbXX19LCJNZXRhZGF0YSI6eyIkaWQiOiI1ODMiLCJSZWNlbnRDb2xvcnNDb2xsZWN0aW9uIjoiW1wiI0ZGRUExNjFFXCIsXCIjRkZGRUJBMEFcIl0ifSwiU2V0dGluZ3MiOnsiJGlkIjoiNTg0IiwiSW1wYU9wdGlvbnMiOm51bGwsIlVzZUNvbXByZXNzaW9uIjpmYWxzZSwiQ29tcHJlc2lvblBlcmNlbnRhZ2UiOjUwLjAsIkluYWN0aXZlSW50ZXJ2YWxXaWR0aFRocmVzaG9sZCI6MzAuMCwiSW5hY3RpdmVJbnRlcnZhbFdpZHRoIjoxLjAsIlNwbGl0VGFza3MiOmZhbHNlLCJVc2VDbHVzdGVyIjpmYWxzZSwiRXBzaWxvbiI6MC4wLCJNaW5Qb2ludHNUb0Zvcm1BQ2x1c3RlciI6MiwiR2VuZXJhdGVJbnZpc2libGVTaGFwZXMiOnRydWUsIlNtYXJ0VGltZWxpbmVUYXNrUGVyY2VudGFnZUZpdCI6ZmFsc2V9LCJJc05ldyI6ZmFsc2UsIkltcG9ydFR5cGUiOjAsIkZpbGVQYXRoIjpudWxsLCJUaW1lQ29uZmlndXJhdGlvbiI6eyIkaWQiOiI1ODUiLCJVc2VUaW1lIjpmYWxzZSwiV29ya0RheVN0YXJ0IjoiMDA6MDA6MDAiLCJXb3JrRGF5RW5kIjoiMjM6NTk6MDAifSwiTGFzdFVzZWRUZW1wbGF0ZUlkIjoiNzM1NWI2MzMtYWM2Ni00NTI4LThiNGQtMjk5ZmFlZGM5ZWU5In0="/>
+  <p:tag name="__PART_0" val="eyIkaWQiOiIxIiwiQ3VsdHVyZUluZm9OYW1lIjoiZW4tVVMiLCJTdHlsZU5hbWUiOiJTdGFuZGFyZCIsIlZlcnNpb24iOnsiJGlkIjoiMiIsIlZlcnNpb24iOiIzLjIuMCIsIk9yaWdpbmFsQXNzZW1ibHlWZXJzaW9uIjoiMS4wMC4wMC4wMCIsIkVkaXRpb24iOiJQbHVzIiwiSXNQbHVzRWRpdGlvbiI6dHJ1ZSwiSXNQcm9FZGl0aW9uIjpmYWxzZX0sIkVmZmVjdCI6MSwiU3R5bGUiOnsiJGlkIjoiMyIsIlRpbWViYW5kU3R5bGUiOnsiJGlkIjoiNCIsIlNjYWxlTWFya2luZyI6MCwiU2hhcGUiOjAsIlNoYXBlU3R5bGUiOnsiJGlkIjoiNSIsIk1hcmdpbiI6eyIkaWQiOiI2IiwiVG9wIjowLCJMZWZ0IjoxMiwiUmlnaHQiOjEyLCJCb3R0b20iOjB9LCJQYWRkaW5nIjp7IiRpZCI6IjciLCJUb3AiOjUsIkxlZnQiOjAsIlJpZ2h0IjowLCJCb3R0b20iOjV9LCJCYWNrZ3JvdW5kIjp7IiRpZCI6IjgiLCJDb2xvciI6eyIkaWQiOiI5IiwiQSI6MjU1LCJSIjozMSwiRyI6NzMsIkIiOjEyNX19LCJJc1Zpc2libGUiOnRydWUsIldpZHRoIjo4NTguMCwiSGVpZ2h0IjozMC4wLCJCb3JkZXJTdHlsZSI6eyIkaWQiOiIxMCIsIkxpbmVDb2xvciI6eyIkaWQiOiIxMSIsIiR0eXBlIjoiTkxSRS5Db21tb24uRG9tLlNvbGlkQ29sb3JCcnVzaCwgTkxSRS5Db21tb24iLCJDb2xvciI6eyIkaWQiOiIxMiIsIkEiOjI1NSwiUiI6MjU1LCJHIjowLCJCIjowfX0sIkxpbmVXZWlnaHQiOjAuMCwiTGluZVR5cGUiOjAsIlBhcmVudFN0eWxlIjpudWxsfSwiUGFyZW50U3R5bGUiOm51bGx9LCJSaWdodEVuZENhcHNTdHlsZSI6eyIkaWQiOiIxMyIsIkZvbnRTZXR0aW5ncyI6eyIkaWQiOiIxNCIsIkZvbnRTaXplIjoxOCwiRm9udE5hbWUiOiJDYWxpYnJpIiwiSXNCb2xkIjp0cnVlLCJJc0l0YWxpYyI6ZmFsc2UsIklzVW5kZXJsaW5lZCI6ZmFsc2UsIlBhcmVudFN0eWxlIjpudWxsfSwiQXV0b1NpemUiOjAsIkZvcmVncm91bmQiOnsiJGlkIjoiMTUiLCJDb2xvciI6eyIkaWQiOiIxNiIsIkEiOjI1NSwiUiI6MjM3LCJHIjoxMjUsIkIiOjQ5fX0sIk1heFdpZHRoIjoiSW5maW5pdHkiLCJNYXhIZWlnaHQiOiJJbmZpbml0eSIsIlNtYXJ0Rm9yZWdyb3VuZElzQWN0aXZlIjpmYWxzZSwiSG9yaXpvbnRhbEFsaWdubWVudCI6MCwiVmVydGljYWxBbGlnbm1lbnQiOjAsIlNtYXJ0Rm9yZWdyb3VuZCI6bnVsbCwiQmFja2dyb3VuZEZpbGxUeXBlIjowLCJNYXJnaW4iOnsiJGlkIjoiMTciLCJUb3AiOjAsIkxlZnQiOjAsIlJpZ2h0IjoyNSwiQm90dG9tIjowfSwiUGFkZGluZyI6eyIkaWQiOiIxOCIsIlRvcCI6MCwiTGVmdCI6MCwiUmlnaHQiOjAsIkJvdHRvbSI6MH0sIkJhY2tncm91bmQiOnsiJGlkIjoiMTkiLCJDb2xvciI6eyIkaWQiOiIyMCIsIkEiOjI1NSwiUiI6MjU1LCJHIjoyNTUsIkIiOjI1NX19LCJJc1Zpc2libGUiOnRydWUsIldpZHRoIjowLjAsIkhlaWdodCI6MC4wLCJCb3JkZXJTdHlsZSI6bnVsbCwiUGFyZW50U3R5bGUiOm51bGx9LCJMZWZ0RW5kQ2Fwc1N0eWxlIjp7IiRpZCI6IjIxIiwiRm9udFNldHRpbmdzIjp7IiRpZCI6IjIyIiwiRm9udFNpemUiOjE4LCJGb250TmFtZSI6IkNhbGlicmkiLCJJc0JvbGQiOnRydWUsIklzSXRhbGljIjpmYWxzZSwiSXNVbmRlcmxpbmVkIjpmYWxzZSwiUGFyZW50U3R5bGUiOm51bGx9LCJBdXRvU2l6ZSI6MCwiRm9yZWdyb3VuZCI6eyIkaWQiOiIyMyIsIkNvbG9yIjp7IiRpZCI6IjI0IiwiQSI6MjU1LCJSIjoyMzcsIkciOjEyNSwiQiI6NDl9fSwiTWF4V2lkdGgiOiJJbmZpbml0eSIsIk1heEhlaWdodCI6IkluZmluaXR5IiwiU21hcnRGb3JlZ3JvdW5kSXNBY3RpdmUiOmZhbHNlLCJIb3Jpem9udGFsQWxpZ25tZW50IjowLCJWZXJ0aWNhbEFsaWdubWVudCI6MCwiU21hcnRGb3JlZ3JvdW5kIjpudWxsLCJCYWNrZ3JvdW5kRmlsbFR5cGUiOjAsIk1hcmdpbiI6eyIkaWQiOiIyNSIsIlRvcCI6MCwiTGVmdCI6MjUsIlJpZ2h0IjowLCJCb3R0b20iOjB9LCJQYWRkaW5nIjp7IiRpZCI6IjI2IiwiVG9wIjowLCJMZWZ0IjowLCJSaWdodCI6MCwiQm90dG9tIjowfSwiQmFja2dyb3VuZCI6eyIkaWQiOiIyNyIsIkNvbG9yIjp7IiRpZCI6IjI4IiwiQSI6MjU1LCJSIjoyNTUsIkciOjI1NSwiQiI6MjU1fX0sIklzVmlzaWJsZSI6dHJ1ZSwiV2lkdGgiOjAuMCwiSGVpZ2h0IjowLjAsIkJvcmRlclN0eWxlIjpudWxsLCJQYXJlbnRTdHlsZSI6bnVsbH0sIlRvZGF5VGV4dFN0eWxlIjp7IiRpZCI6IjI5IiwiRm9udFNldHRpbmdzIjp7IiRpZCI6IjMwIiwiRm9udFNpemUiOjEyLCJGb250TmFtZSI6IkNhbGlicmkiLCJJc0JvbGQiOmZhbHNlLCJJc0l0YWxpYyI6ZmFsc2UsIklzVW5kZXJsaW5lZCI6ZmFsc2UsIlBhcmVudFN0eWxlIjpudWxsfSwiQXV0b1NpemUiOjAsIkZvcmVncm91bmQiOnsiJGlkIjoiMzEiLCJDb2xvciI6eyIkaWQiOiIzMiIsIkEiOjI1NSwiUiI6MCwiRyI6MCwiQiI6MH19LCJNYXhXaWR0aCI6MjAwLjAsIk1heEhlaWdodCI6IkluZmluaXR5IiwiU21hcnRGb3JlZ3JvdW5kSXNBY3RpdmUiOmZhbHNlLCJIb3Jpem9udGFsQWxpZ25tZW50IjowLCJWZXJ0aWNhbEFsaWdubWVudCI6MCwiU21hcnRGb3JlZ3JvdW5kIjpudWxsLCJCYWNrZ3JvdW5kRmlsbFR5cGUiOjAsIk1hcmdpbiI6eyIkaWQiOiIzMyIsIlRvcCI6MCwiTGVmdCI6MCwiUmlnaHQiOjAsIkJvdHRvbSI6MH0sIlBhZGRpbmciOnsiJGlkIjoiMzQiLCJUb3AiOjAsIkxlZnQiOjAsIlJpZ2h0IjowLCJCb3R0b20iOjB9LCJCYWNrZ3JvdW5kIjp7IiRpZCI6IjM1IiwiQ29sb3IiOnsiJGlkIjoiMzYiLCJBIjoyNTUsIlIiOjI1NSwiRyI6MjU1LCJCIjoyNTV9fSwiSXNWaXNpYmxlIjp0cnVlLCJXaWR0aCI6MC4wLCJIZWlnaHQiOjAuMCwiQm9yZGVyU3R5bGUiOm51bGwsIlBhcmVudFN0eWxlIjpudWxsfSwiVG9kYXlNYXJrZXJTdHlsZSI6eyIkaWQiOiIzNyIsIk1hcmdpbiI6eyIkaWQiOiIzOCIsIlRvcCI6MCwiTGVmdCI6MCwiUmlnaHQiOjAsIkJvdHRvbSI6MH0sIlBhZGRpbmciOnsiJGlkIjoiMzkiLCJUb3AiOjAsIkxlZnQiOjAsIlJpZ2h0IjowLCJCb3R0b20iOjB9LCJCYWNrZ3JvdW5kIjp7IiRpZCI6IjQwIiwiQ29sb3IiOnsiJGlkIjoiNDEiLCJBIjoyNTUsIlIiOjI1NSwiRyI6MCwiQiI6MH19LCJJc1Zpc2libGUiOnRydWUsIldpZHRoIjowLjAsIkhlaWdodCI6MC4wLCJCb3JkZXJTdHlsZSI6bnVsbCwiUGFyZW50U3R5bGUiOm51bGx9LCJTY2FsZVN0eWxlIjp7IiRpZCI6IjQyIiwiU2hvd1NlZ21lbnRTZXBhcmF0b3JzIjp0cnVlLCJTZWdtZW50U2VwYXJhdG9yT3BhY2l0eSI6MzAsIkZvbnRTZXR0aW5ncyI6eyIkaWQiOiI0MyIsIkZvbnRTaXplIjoxMiwiRm9udE5hbWUiOiJDYWxpYnJpIiwiSXNCb2xkIjpmYWxzZSwiSXNJdGFsaWMiOmZhbHNlLCJJc1VuZGVybGluZWQiOmZhbHNlLCJQYXJlbnRTdHlsZSI6bnVsbH0sIkF1dG9TaXplIjowLCJGb3JlZ3JvdW5kIjp7IiRpZCI6IjQ0IiwiQ29sb3IiOnsiJGlkIjoiNDUiLCJBIjoyNTUsIlIiOjI1NSwiRyI6MjU1LCJCIjoyNTV9fSwiTWF4V2lkdGgiOjIwMC4wLCJNYXhIZWlnaHQiOiJJbmZpbml0eSIsIlNtYXJ0Rm9yZWdyb3VuZElzQWN0aXZlIjpmYWxzZSwiSG9yaXpvbnRhbEFsaWdubWVudCI6MCwiVmVydGljYWxBbGlnbm1lbnQiOjEsIlNtYXJ0Rm9yZWdyb3VuZCI6bnVsbCwiQmFja2dyb3VuZEZpbGxUeXBlIjowLCJNYXJnaW4iOnsiJGlkIjoiNDYiLCJUb3AiOjAsIkxlZnQiOjUsIlJpZ2h0IjowLCJCb3R0b20iOjB9LCJQYWRkaW5nIjp7IiRpZCI6IjQ3IiwiVG9wIjowLCJMZWZ0IjowLCJSaWdodCI6MCwiQm90dG9tIjowfSwiQmFja2dyb3VuZCI6eyIkaWQiOiI0OCIsIkNvbG9yIjp7IiRpZCI6IjQ5IiwiQSI6ODksIlIiOjAsIkciOjAsIkIiOjB9fSwiSXNWaXNpYmxlIjp0cnVlLCJXaWR0aCI6MC4wLCJIZWlnaHQiOjAuMCwiQm9yZGVyU3R5bGUiOm51bGwsIlBhcmVudFN0eWxlIjpudWxsfSwiRWxhcHNlZFRpbWVCYWNrZ3JvdW5kIjp7IiRpZCI6IjUwIiwiQ29sb3IiOnsiJGlkIjoiNTEiLCJBIjoxOTEsIlIiOjI1NSwiRyI6MCwiQiI6MH19LCJBcHBlbmRZZWFyT25ZZWFyQ2hhbmdlIjp0cnVlLCJFbGFwc2VkVGltZUZvcm1hdCI6MiwiVG9kYXlNYXJrZXJQb3NpdGlvbiI6MiwiUXVpY2tQb3NpdGlvbiI6MywiQWJzb2x1dGVQb3NpdGlvbiI6MTk1LjgsIk1hcmdpbiI6eyIkaWQiOiI1MiIsIlRvcCI6MCwiTGVmdCI6MTAsIlJpZ2h0IjoxMCwiQm90dG9tIjowfSwiUGFkZGluZyI6eyIkaWQiOiI1MyIsIlRvcCI6MCwiTGVmdCI6MCwiUmlnaHQiOjAsIkJvdHRvbSI6MH0sIkJhY2tncm91bmQiOnsiJGlkIjoiNTQiLCJDb2xvciI6eyIkaWQiOiI1NSIsIkEiOjI1NSwiUiI6MzEsIkciOjczLCJCIjoxMjV9fSwiSXNWaXNpYmxlIjp0cnVlLCJXaWR0aCI6MC4wLCJIZWlnaHQiOjAuMCwiQm9yZGVyU3R5bGUiOm51bGwsIlBhcmVudFN0eWxlIjpudWxsfSwiRGVmYXVsdE1pbGVzdG9uZVN0eWxlIjp7IiRpZCI6IjU2IiwiU2hhcGUiOjAsIkNvbm5lY3Rvck1hcmdpbiI6eyIkaWQiOiI1NyIsIlRvcCI6MCwiTGVmdCI6MiwiUmlnaHQiOjIsIkJvdHRvbSI6MH0sIkNvbm5lY3RvclN0eWxlIjp7IiRpZCI6IjU4IiwiTGluZUNvbG9yIjp7IiRpZCI6IjU5IiwiJHR5cGUiOiJOTFJFLkNvbW1vbi5Eb20uU29saWRDb2xvckJydXNoLCBOTFJFLkNvbW1vbiIsIkNvbG9yIjp7IiRpZCI6IjYwIiwiQSI6MjU1LCJSIjo3OSwiRyI6MTI5LCJCIjoxODl9fSwiTGluZVdlaWdodCI6MS4wLCJMaW5lVHlwZSI6MCwiUGFyZW50U3R5bGUiOm51bGx9LCJJc0JlbG93VGltZWJhbmQiOmZhbHNlLCJQb3NpdGlvbk9uVGFzayI6MCwiSGlkZURhdGUiOmZhbHNlLCJTaGFwZVNpemUiOjEsIlNwYWNpbmciOjEuMCwiUGFkZGluZyI6eyIkaWQiOiI2MSIsIlRvcCI6NywiTGVmdCI6MywiUmlnaHQiOjAsIkJvdHRvbSI6Mn0sIlNoYXBlU3R5bGUiOnsiJGlkIjoiNjIiLCJNYXJnaW4iOnsiJGlkIjoiNjMiLCJUb3AiOjAsIkxlZnQiOjAsIlJpZ2h0IjowLCJCb3R0b20iOjB9LCJQYWRkaW5nIjp7IiRpZCI6IjY0IiwiVG9wIjowLCJMZWZ0IjowLCJSaWdodCI6MCwiQm90dG9tIjowfSwiQmFja2dyb3VuZCI6eyIkaWQiOiI2NSIsIkNvbG9yIjp7IiRpZCI6IjY2IiwiQSI6MjU1LCJSIjowLCJHIjoxMTQsIkIiOjE4OH19LCJJc1Zpc2libGUiOnRydWUsIldpZHRoIjoxOC4wLCJIZWlnaHQiOjIwLjAsIkJvcmRlclN0eWxlIjp7IiRpZCI6IjY3IiwiTGluZUNvbG9yIjp7IiRpZCI6IjY4IiwiJHR5cGUiOiJOTFJFLkNvbW1vbi5Eb20uU29saWRDb2xvckJydXNoLCBOTFJFLkNvbW1vbiIsIkNvbG9yIjp7IiRpZCI6IjY5IiwiQSI6MjU1LCJSIjoyNTUsIkciOjAsIkIiOjB9fSwiTGluZVdlaWdodCI6MC4wLCJMaW5lVHlwZSI6MCwiUGFyZW50U3R5bGUiOm51bGx9LCJQYXJlbnRTdHlsZSI6bnVsbH0sIlRpdGxlU3R5bGUiOnsiJGlkIjoiNzAiLCJGb250U2V0dGluZ3MiOnsiJGlkIjoiNzEiLCJGb250U2l6ZSI6MTEsIkZvbnROYW1lIjoiQ2FsaWJyaSIsIklzQm9sZCI6ZmFsc2UsIklzSXRhbGljIjpmYWxzZSwiSXNVbmRlcmxpbmVkIjpmYWxzZSwiUGFyZW50U3R5bGUiOm51bGx9LCJBdXRvU2l6ZSI6MCwiRm9yZWdyb3VuZCI6eyIkaWQiOiI3MiIsIkNvbG9yIjp7IiRpZCI6IjczIiwiQSI6MjU1LCJSIjowLCJHIjowLCJCIjowfX0sIk1heFdpZHRoIjoyMDAuMCwiTWF4SGVpZ2h0IjoiSW5maW5pdHkiLCJTbWFydEZvcmVncm91bmRJc0FjdGl2ZSI6ZmFsc2UsIkhvcml6b250YWxBbGlnbm1lbnQiOjEsIlZlcnRpY2FsQWxpZ25tZW50IjowLCJTbWFydEZvcmVncm91bmQiOm51bGwsIkJhY2tncm91bmRGaWxsVHlwZSI6MCwiTWFyZ2luIjp7IiRpZCI6Ijc0IiwiVG9wIjowLCJMZWZ0IjowLCJSaWdodCI6MCwiQm90dG9tIjowfSwiUGFkZGluZyI6eyIkaWQiOiI3NSIsIlRvcCI6MCwiTGVmdCI6MCwiUmlnaHQiOjAsIkJvdHRvbSI6MH0sIkJhY2tncm91bmQiOnsiJGlkIjoiNzYiLCJDb2xvciI6eyIkcmVmIjoiNDkifX0sIklzVmlzaWJsZSI6dHJ1ZSwiV2lkdGgiOjAuMCwiSGVpZ2h0IjowLjAsIkJvcmRlclN0eWxlIjpudWxsLCJQYXJlbnRTdHlsZSI6bnVsbH0sIkRhdGVTdHlsZSI6eyIkaWQiOiI3NyIsIkZvbnRTZXR0aW5ncyI6eyIkaWQiOiI3OCIsIkZvbnRTaXplIjoxMCwiRm9udE5hbWUiOiJDYWxpYnJpIiwiSXNCb2xkIjpmYWxzZSwiSXNJdGFsaWMiOmZhbHNlLCJJc1VuZGVybGluZWQiOmZhbHNlLCJQYXJlbnRTdHlsZSI6bnVsbH0sIkF1dG9TaXplIjowLCJGb3JlZ3JvdW5kIjp7IiRpZCI6Ijc5IiwiQ29sb3IiOnsiJGlkIjoiODAiLCJBIjoyNTUsIlIiOjY4LCJHIjo4NCwiQiI6MTA2fX0sIk1heFdpZHRoIjoyMDAuMCwiTWF4SGVpZ2h0IjoiSW5maW5pdHkiLCJTbWFydEZvcmVncm91bmRJc0FjdGl2ZSI6ZmFsc2UsIkhvcml6b250YWxBbGlnbm1lbnQiOjAsIlZlcnRpY2FsQWxpZ25tZW50IjowLCJTbWFydEZvcmVncm91bmQiOm51bGwsIkJhY2tncm91bmRGaWxsVHlwZSI6MCwiTWFyZ2luIjp7IiRpZCI6IjgxIiwiVG9wIjowLCJMZWZ0IjowLCJSaWdodCI6MCwiQm90dG9tIjowfSwiUGFkZGluZyI6eyIkaWQiOiI4MiIsIlRvcCI6MCwiTGVmdCI6MCwiUmlnaHQiOjAsIkJvdHRvbSI6MH0sIkJhY2tncm91bmQiOnsiJGlkIjoiODMiLCJDb2xvciI6eyIkcmVmIjoiNDkifX0sIklzVmlzaWJsZSI6dHJ1ZSwiV2lkdGgiOjAuMCwiSGVpZ2h0IjowLjAsIkJvcmRlclN0eWxlIjpudWxsLCJQYXJlbnRTdHlsZSI6bnVsbH0sIkRhdGVGb3JtYXQiOnsiJGlkIjoiODQiLCJGb3JtYXRTdHJpbmciOiJNTU0gZCIsIlNlcGFyYXRvciI6Ii8iLCJVc2VJbnRlcm5hdGlvbmFsRGF0ZUZvcm1hdCI6ZmFsc2UsIkRhdGVJc1Zpc2libGUiOnRydWUsIlRpbWVJc1Zpc2libGUiOmZhbHNlLCJIb3VyRGlnaXRzIjoxLCJBbVBtRGVzaWduYXRvciI6MiwiVHJpbTAwTWludXRlcyI6ZmFsc2UsIkxhc3RLbm93blZpc2liaWxpdHlTdGF0ZSI6eyIkaWQiOiI4NSIsIkRhdGVQYXJ0SXNWaXNpYmxlIjp0cnVlLCJUaW1lUGFydElzVmlzaWJsZSI6ZmFsc2V9fSwiSXNWaXNpYmxlIjp0cnVlLCJQYXJlbnRTdHlsZSI6bnVsbH0sIkRlZmF1bHRUYXNrU3R5bGUiOnsiJGlkIjoiODYiLCJTaGFwZSI6MCwiU2hhcGVUaGlja25lc3MiOjEsIkR1cmF0aW9uRm9ybWF0IjowLCJJbmNsdWRlTm9uV29ya2luZ0RheXNJbkR1cmF0aW9uIjp0cnVlLCJQZXJjZW50YWdlQ29tcGxldGVTdHlsZSI6eyIkaWQiOiI4NyIsIkZvbnRTZXR0aW5ncyI6eyIkaWQiOiI4OCIsIkZvbnRTaXplIjoxMCwiRm9udE5hbWUiOiJDYWxpYnJpIiwiSXNCb2xkIjpmYWxzZSwiSXNJdGFsaWMiOmZhbHNlLCJJc1VuZGVybGluZWQiOmZhbHNlLCJQYXJlbnRTdHlsZSI6bnVsbH0sIkF1dG9TaXplIjowLCJGb3JlZ3JvdW5kIjp7IiRpZCI6Ijg5IiwiQ29sb3IiOnsiJGlkIjoiOTAiLCJBIjoyNTUsIlIiOjE5MiwiRyI6ODAsIkIiOjc3fX0sIk1heFdpZHRoIjoyMDAuMCwiTWF4SGVpZ2h0IjoiSW5maW5pdHkiLCJTbWFydEZvcmVncm91bmRJc0FjdGl2ZSI6ZmFsc2UsIkhvcml6b250YWxBbGlnbm1lbnQiOjAsIlZlcnRpY2FsQWxpZ25tZW50IjowLCJTbWFydEZvcmVncm91bmQiOm51bGwsIkJhY2tncm91bmRGaWxsVHlwZSI6MCwiTWFyZ2luIjp7IiRpZCI6IjkxIiwiVG9wIjowLCJMZWZ0IjowLCJSaWdodCI6MCwiQm90dG9tIjowfSwiUGFkZGluZyI6eyIkaWQiOiI5MiIsIlRvcCI6MCwiTGVmdCI6MCwiUmlnaHQiOjAsIkJvdHRvbSI6MH0sIkJhY2tncm91bmQiOnsiJGlkIjoiOTMiLCJDb2xvciI6eyIkaWQiOiI5NCIsIkEiOjg5LCJSIjoyNTIsIkciOjIyNywiQiI6NTl9fSwiSXNWaXNpYmxlIjp0cnVlLCJXaWR0aCI6MC4wLCJIZWlnaHQiOjAuMCwiQm9yZGVyU3R5bGUiOm51bGwsIlBhcmVudFN0eWxlIjpudWxsfSwiRHVyYXRpb25TdHlsZSI6eyIkaWQiOiI5NSIsIkZvbnRTZXR0aW5ncyI6eyIkaWQiOiI5NiIsIkZvbnRTaXplIjoxMCwiRm9udE5hbWUiOiJDYWxpYnJpIiwiSXNCb2xkIjpmYWxzZSwiSXNJdGFsaWMiOmZhbHNlLCJJc1VuZGVybGluZWQiOmZhbHNlLCJQYXJlbnRTdHlsZSI6bnVsbH0sIkF1dG9TaXplIjowLCJGb3JlZ3JvdW5kIjp7IiRpZCI6Ijk3IiwiQ29sb3IiOnsiJGlkIjoiOTgiLCJBIjoyNTUsIlIiOjAsIkciOjAsIkIiOjB9fSwiTWF4V2lkdGgiOjIwMC4wLCJNYXhIZWlnaHQiOiJJbmZpbml0eSIsIlNtYXJ0Rm9yZWdyb3VuZElzQWN0aXZlIjpmYWxzZSwiSG9yaXpvbnRhbEFsaWdubWVudCI6MCwiVmVydGljYWxBbGlnbm1lbnQiOjAsIlNtYXJ0Rm9yZWdyb3VuZCI6bnVsbCwiQmFja2dyb3VuZEZpbGxUeXBlIjowLCJNYXJnaW4iOnsiJGlkIjoiOTkiLCJUb3AiOjAsIkxlZnQiOjAsIlJpZ2h0IjowLCJCb3R0b20iOjB9LCJQYWRkaW5nIjp7IiRpZCI6IjEwMCIsIlRvcCI6MCwiTGVmdCI6MCwiUmlnaHQiOjAsIkJvdHRvbSI6MH0sIkJhY2tncm91bmQiOnsiJGlkIjoiMTAxIiwiQ29sb3IiOnsiJHJlZiI6IjQ5In19LCJJc1Zpc2libGUiOnRydWUsIldpZHRoIjowLjAsIkhlaWdodCI6MC4wLCJCb3JkZXJTdHlsZSI6bnVsbCwiUGFyZW50U3R5bGUiOm51bGx9LCJIb3Jpem9udGFsQ29ubmVjdG9yU3R5bGUiOnsiJGlkIjoiMTAyIiwiTGluZUNvbG9yIjp7IiRpZCI6IjEwMyIsIiR0eXBlIjoiTkxSRS5Db21tb24uRG9tLlNvbGlkQ29sb3JCcnVzaCwgTkxSRS5Db21tb24iLCJDb2xvciI6eyIkaWQiOiIxMDQiLCJBIjoyNTUsIlIiOjIwNCwiRyI6MjA0LCJCIjoyMDR9fSwiTGluZVdlaWdodCI6MS4wLCJMaW5lVHlwZSI6MCwiUGFyZW50U3R5bGUiOm51bGx9LCJWZXJ0aWNhbENvbm5lY3RvclN0eWxlIjp7IiRpZCI6IjEwNSIsIkxpbmVDb2xvciI6eyIkaWQiOiIxMDYiLCIkdHlwZSI6Ik5MUkUuQ29tbW9uLkRvbS5Tb2xpZENvbG9yQnJ1c2gsIE5MUkUuQ29tbW9uIiwiQ29sb3IiOnsiJGlkIjoiMTA3IiwiQSI6MjU1LCJSIjoyMDQsIkciOjIwNCwiQiI6MjA0fX0sIkxpbmVXZWlnaHQiOjAuMCwiTGluZVR5cGUiOjAsIlBhcmVudFN0eWxlIjpudWxsfSwiTWFyZ2luIjpudWxsLCJTdGFydERhdGVQb3NpdGlvbiI6NCwiRW5kRGF0ZVBvc2l0aW9uIjo0LCJEYXRlSXNWaXNpYmxlIjp0cnVlLCJUaXRsZVBvc2l0aW9uIjo1LCJEdXJhdGlvblBvc2l0aW9uIjowLCJQZXJjZW50YWdlQ29tcGxldGVkUG9zaXRpb24iOjYsIlNwYWNpbmciOjEwLCJJc0JlbG93VGltZWJhbmQiOnRydWUsIlBlcmNlbnRhZ2VDb21wbGV0ZVNoYXBlT3BhY2l0eSI6MzUsIlNoYXBlU3R5bGUiOnsiJGlkIjoiMTA4IiwiTWFyZ2luIjp7IiRpZCI6IjEwOSIsIlRvcCI6MCwiTGVmdCI6NCwiUmlnaHQiOjQsIkJvdHRvbSI6MH0sIlBhZGRpbmciOnsiJGlkIjoiMTEwIiwiVG9wIjowLCJMZWZ0IjowLCJSaWdodCI6MCwiQm90dG9tIjowfSwiQmFja2dyb3VuZCI6eyIkaWQiOiIxMTEiLCJDb2xvciI6eyIkaWQiOiIxMTIiLCJBIjoyNTUsIlIiOjAsIkciOjExNCwiQiI6MTg4fX0sIklzVmlzaWJsZSI6dHJ1ZSwiV2lkdGgiOjAuMCwiSGVpZ2h0IjoxNi4wLCJCb3JkZXJTdHlsZSI6eyIkaWQiOiIxMTMiLCJMaW5lQ29sb3IiOnsiJGlkIjoiMTE0IiwiJHR5cGUiOiJOTFJFLkNvbW1vbi5Eb20uU29saWRDb2xvckJydXNoLCBOTFJFLkNvbW1vbiIsIkNvbG9yIjp7IiRpZCI6IjExNSIsIkEiOjI1NSwiUiI6MjU1LCJHIjowLCJCIjowfX0sIkxpbmVXZWlnaHQiOjAuMCwiTGluZVR5cGUiOjAsIlBhcmVudFN0eWxlIjpudWxsfSwiUGFyZW50U3R5bGUiOm51bGx9LCJUaXRsZVN0eWxlIjp7IiRpZCI6IjExNiIsIkZvbnRTZXR0aW5ncyI6eyIkaWQiOiIxMTciLCJGb250U2l6ZSI6MTEsIkZvbnROYW1lIjoiQ2FsaWJyaSIsIklzQm9sZCI6ZmFsc2UsIklzSXRhbGljIjpmYWxzZSwiSXNVbmRlcmxpbmVkIjpmYWxzZSwiUGFyZW50U3R5bGUiOm51bGx9LCJBdXRvU2l6ZSI6MCwiRm9yZWdyb3VuZCI6eyIkaWQiOiIxMTgiLCJDb2xvciI6eyIkaWQiOiIxMTkiLCJBIjoyNTUsIlIiOjAsIkciOjAsIkIiOjB9fSwiTWF4V2lkdGgiOjIwMC4wLCJNYXhIZWlnaHQiOiJJbmZpbml0eSIsIlNtYXJ0Rm9yZWdyb3VuZElzQWN0aXZlIjpmYWxzZSwiSG9yaXpvbnRhbEFsaWdubWVudCI6MCwiVmVydGljYWxBbGlnbm1lbnQiOjAsIlNtYXJ0Rm9yZWdyb3VuZCI6bnVsbCwiQmFja2dyb3VuZEZpbGxUeXBlIjowLCJNYXJnaW4iOnsiJGlkIjoiMTIwIiwiVG9wIjowLCJMZWZ0IjowLCJSaWdodCI6MCwiQm90dG9tIjowfSwiUGFkZGluZyI6eyIkaWQiOiIxMjEiLCJUb3AiOjAsIkxlZnQiOjAsIlJpZ2h0IjowLCJCb3R0b20iOjB9LCJCYWNrZ3JvdW5kIjp7IiRpZCI6IjEyMiIsIkNvbG9yIjp7IiRyZWYiOiI0OSJ9fSwiSXNWaXNpYmxlIjp0cnVlLCJXaWR0aCI6MC4wLCJIZWlnaHQiOjAuMCwiQm9yZGVyU3R5bGUiOm51bGwsIlBhcmVudFN0eWxlIjpudWxsfSwiRGF0ZVN0eWxlIjp7IiRpZCI6IjEyMyIsIkZvbnRTZXR0aW5ncyI6eyIkaWQiOiIxMjQiLCJGb250U2l6ZSI6MTAsIkZvbnROYW1lIjoiQ2FsaWJyaSIsIklzQm9sZCI6ZmFsc2UsIklzSXRhbGljIjpmYWxzZSwiSXNVbmRlcmxpbmVkIjpmYWxzZSwiUGFyZW50U3R5bGUiOm51bGx9LCJBdXRvU2l6ZSI6MCwiRm9yZWdyb3VuZCI6eyIkaWQiOiIxMjUiLCJDb2xvciI6eyIkaWQiOiIxMjYiLCJBIjoyNTUsIlIiOjAsIkciOjAsIkIiOjB9fSwiTWF4V2lkdGgiOjIwMC4wLCJNYXhIZWlnaHQiOiJJbmZpbml0eSIsIlNtYXJ0Rm9yZWdyb3VuZElzQWN0aXZlIjpmYWxzZSwiSG9yaXpvbnRhbEFsaWdubWVudCI6MCwiVmVydGljYWxBbGlnbm1lbnQiOjAsIlNtYXJ0Rm9yZWdyb3VuZCI6bnVsbCwiQmFja2dyb3VuZEZpbGxUeXBlIjowLCJNYXJnaW4iOnsiJGlkIjoiMTI3IiwiVG9wIjowLCJMZWZ0IjowLCJSaWdodCI6MCwiQm90dG9tIjowfSwiUGFkZGluZyI6eyIkaWQiOiIxMjgiLCJUb3AiOjAsIkxlZnQiOjAsIlJpZ2h0IjowLCJCb3R0b20iOjB9LCJCYWNrZ3JvdW5kIjp7IiRpZCI6IjEyOSIsIkNvbG9yIjp7IiRyZWYiOiI0OSJ9fSwiSXNWaXNpYmxlIjp0cnVlLCJXaWR0aCI6MC4wLCJIZWlnaHQiOjAuMCwiQm9yZGVyU3R5bGUiOm51bGwsIlBhcmVudFN0eWxlIjpudWxsfSwiRGF0ZUZvcm1hdCI6eyIkaWQiOiIxMzAiLCJGb3JtYXRTdHJpbmciOiJNTU0gZCIsIlNlcGFyYXRvciI6Ii8iLCJVc2VJbnRlcm5hdGlvbmFsRGF0ZUZvcm1hdCI6ZmFsc2UsIkRhdGVJc1Zpc2libGUiOnRydWUsIlRpbWVJc1Zpc2libGUiOmZhbHNlLCJIb3VyRGlnaXRzIjoxLCJBbVBtRGVzaWduYXRvciI6MiwiVHJpbTAwTWludXRlcyI6ZmFsc2UsIkxhc3RLbm93blZpc2liaWxpdHlTdGF0ZSI6eyIkaWQiOiIxMzEiLCJEYXRlUGFydElzVmlzaWJsZSI6ZmFsc2UsIlRpbWVQYXJ0SXNWaXNpYmxlIjpmYWxzZX19LCJJc1Zpc2libGUiOnRydWUsIlBhcmVudFN0eWxlIjpudWxsLCJfZXhwbGljaXRseVNldCI6eyIkaWQiOiIxMzIiLCJTaGFwZVN0eWxlIjpmYWxzZSwiVGl0bGVTdHlsZSI6ZmFsc2UsIkRhdGVTdHlsZSI6ZmFsc2UsIkhvcml6b250YWxDb25uZWN0b3JTdHlsZSI6ZmFsc2UsIlZlcnRpY2FsQ29ubmVjdG9yU3R5bGUiOmZhbHNlLCJQZXJjZW50YWdlQ29tcGxldGVTaGFwZU9wYWNpdHkiOmZhbHNlLCJTaGFwZSI6ZmFsc2UsIlNoYXBlVGhpY2tuZXNzIjpmYWxzZSwiRHVyYXRpb25Gb3JtYXQiOmZhbHNlLCJJbmNsdWRlTm9uV29ya2luZ0RheXNJbkR1cmF0aW9uIjpmYWxzZSwiTWFyZ2luIjpmYWxzZSwiU3RhcnREYXRlUG9zaXRpb24iOmZhbHNlLCJFbmREYXRlUG9zaXRpb24iOmZhbHNlLCJUaXRsZVBvc2l0aW9uIjpmYWxzZSwiRHVyYXRpb25Qb3NpdGlvbiI6ZmFsc2UsIlBlcmNlbnRhZ2VDb21wbGV0ZWRQb3NpdGlvbiI6ZmFsc2UsIlNwYWNpbmciOmZhbHNlLCJJc0JlbG93VGltZWJhbmQiOmZhbHNlLCJEYXRlRm9ybWF0IjpmYWxzZSwiSXNWaXNpYmxlIjpmYWxzZX19LCJHcmlkbGluZVBhbmVsU3R5bGUiOnsiJGlkIjoiMTMzIiwiR3JpZGxpbmVTdHlsZSI6eyIkaWQiOiIxMzQiLCJMaW5lQ29sb3IiOnsiJGlkIjoiMTM1IiwiJHR5cGUiOiJOTFJFLkNvbW1vbi5Eb20uU29saWRDb2xvckJydXNoLCBOTFJFLkNvbW1vbiIsIkNvbG9yIjp7IiRpZCI6IjEzNiIsIkEiOjM4LCJSIjo5MSwiRyI6MTU1LCJCIjoyMTN9fSwiTGluZVdlaWdodCI6MS4wLCJMaW5lVHlwZSI6MCwiUGFyZW50U3R5bGUiOm51bGx9LCJNYXJnaW4iOnsiJGlkIjoiMTM3IiwiVG9wIjowLCJMZWZ0IjowLCJSaWdodCI6MCwiQm90dG9tIjowfSwiUGFkZGluZyI6eyIkaWQiOiIxMzgiLCJUb3AiOjAsIkxlZnQiOjAsIlJpZ2h0IjowLCJCb3R0b20iOjB9LCJCYWNrZ3JvdW5kIjpudWxsLCJJc1Zpc2libGUiOnRydWUsIldpZHRoIjowLjAsIkhlaWdodCI6MC4wLCJCb3JkZXJTdHlsZSI6bnVsbCwiUGFyZW50U3R5bGUiOm51bGx9LCJTaG93RWxhcHNlZFRpbWVHcmFkaWVudFN0eWxlIjpmYWxzZSwiRGVmYXVsdFN3aW1sYW5lU3R5bGUiOnsiJGlkIjoiMTM5IiwiSGVhZGVyU3R5bGUiOnsiJGlkIjoiMTQwIiwiVGV4dFN0eWxlIjp7IiRpZCI6IjE0MSIsIkZvbnRTZXR0aW5ncyI6eyIkaWQiOiIxNDIiLCJGb250U2l6ZSI6MTIsIkZvbnROYW1lIjoiQ2FsaWJyaSIsIklzQm9sZCI6ZmFsc2UsIklzSXRhbGljIjpmYWxzZSwiSXNVbmRlcmxpbmVkIjpmYWxzZSwiUGFyZW50U3R5bGUiOm51bGx9LCJBdXRvU2l6ZSI6MCwiRm9yZWdyb3VuZCI6eyIkaWQiOiIxNDMiLCJDb2xvciI6eyIkaWQiOiIxNDQiLCJBIjoyNTUsIlIiOjMyLCJHIjo1NiwiQiI6MTAwfX0sIk1heFdpZHRoIjoiSW5maW5pdHkiLCJNYXhIZWlnaHQiOiJJbmZpbml0eSIsIlNtYXJ0Rm9yZWdyb3VuZElzQWN0aXZlIjpmYWxzZSwiSG9yaXpvbnRhbEFsaWdubWVudCI6MCwiVmVydGljYWxBbGlnbm1lbnQiOjAsIlNtYXJ0Rm9yZWdyb3VuZCI6bnVsbCwiQmFja2dyb3VuZEZpbGxUeXBlIjowLCJNYXJnaW4iOnsiJGlkIjoiMTQ1IiwiVG9wIjowLCJMZWZ0IjowLCJSaWdodCI6MCwiQm90dG9tIjowfSwiUGFkZGluZyI6eyIkaWQiOiIxNDYiLCJUb3AiOjAsIkxlZnQiOjAsIlJpZ2h0IjowLCJCb3R0b20iOjB9LCJCYWNrZ3JvdW5kIjpudWxsLCJJc1Zpc2libGUiOnRydWUsIldpZHRoIjowLjAsIkhlaWdodCI6MC4wLCJCb3JkZXJTdHlsZSI6bnVsbCwiUGFyZW50U3R5bGUiOm51bGx9LCJSZWN0YW5nbGVTdHlsZSI6eyIkaWQiOiIxNDciLCJNYXJnaW4iOnsiJGlkIjoiMTQ4IiwiVG9wIjowLCJMZWZ0IjowLCJSaWdodCI6MCwiQm90dG9tIjowfSwiUGFkZGluZyI6eyIkaWQiOiIxNDkiLCJUb3AiOjAsIkxlZnQiOjAsIlJpZ2h0IjowLCJCb3R0b20iOjB9LCJCYWNrZ3JvdW5kIjp7IiRpZCI6IjE1MCIsIkNvbG9yIjp7IiRpZCI6IjE1MSIsIkEiOjEyNywiUiI6OTEsIkciOjE1NSwiQiI6MjEzfX0sIklzVmlzaWJsZSI6dHJ1ZSwiV2lkdGgiOjAuMCwiSGVpZ2h0IjowLjAsIkJvcmRlclN0eWxlIjp7IiRpZCI6IjE1MiIsIkxpbmVDb2xvciI6eyIkaWQiOiIxNTMiLCIkdHlwZSI6Ik5MUkUuQ29tbW9uLkRvbS5Tb2xpZENvbG9yQnJ1c2gsIE5MUkUuQ29tbW9uIiwiQ29sb3IiOnsiJGlkIjoiMTU0IiwiQSI6MjU1LCJSIjoyNTUsIkciOjAsIkIiOjB9fSwiTGluZVdlaWdodCI6MC4wLCJMaW5lVHlwZSI6MCwiUGFyZW50U3R5bGUiOm51bGx9LCJQYXJlbnRTdHlsZSI6bnVsbH0sIk1hcmdpbiI6eyIkaWQiOiIxNTUiLCJUb3AiOjAsIkxlZnQiOjAsIlJpZ2h0IjowLCJCb3R0b20iOjB9LCJQYWRkaW5nIjp7IiRpZCI6IjE1NiIsIlRvcCI6MCwiTGVmdCI6MCwiUmlnaHQiOjAsIkJvdHRvbSI6MH0sIkJhY2tncm91bmQiOm51bGwsIklzVmlzaWJsZSI6dHJ1ZSwiV2lkdGgiOjAuMCwiSGVpZ2h0IjowLjAsIkJvcmRlclN0eWxlIjpudWxsLCJQYXJlbnRTdHlsZSI6bnVsbH0sIkJhY2tncm91bmRTdHlsZSI6eyIkaWQiOiIxNTciLCJNYXJnaW4iOnsiJGlkIjoiMTU4IiwiVG9wIjowLCJMZWZ0IjowLCJSaWdodCI6MCwiQm90dG9tIjowfSwiUGFkZGluZyI6eyIkaWQiOiIxNTkiLCJUb3AiOjAsIkxlZnQiOjAsIlJpZ2h0IjowLCJCb3R0b20iOjB9LCJCYWNrZ3JvdW5kIjp7IiRpZCI6IjE2MCIsIkNvbG9yIjp7IiRpZCI6IjE2MSIsIkEiOjM4LCJSIjo5MSwiRyI6MTU1LCJCIjoyMTN9fSwiSXNWaXNpYmxlIjp0cnVlLCJXaWR0aCI6MC4wLCJIZWlnaHQiOjAuMCwiQm9yZGVyU3R5bGUiOnsiJGlkIjoiMTYyIiwiTGluZUNvbG9yIjp7IiRpZCI6IjE2MyIsIiR0eXBlIjoiTkxSRS5Db21tb24uRG9tLlNvbGlkQ29sb3JCcnVzaCwgTkxSRS5Db21tb24iLCJDb2xvciI6eyIkaWQiOiIxNjQiLCJBIjoyNTUsIlIiOjI1NSwiRyI6MCwiQiI6MH19LCJMaW5lV2VpZ2h0IjowLjAsIkxpbmVUeXBlIjowLCJQYXJlbnRTdHlsZSI6bnVsbH0sIlBhcmVudFN0eWxlIjpudWxsfSwiSXNBYm92ZVRpbWViYW5kIjpmYWxzZSwiTWFyZ2luIjp7IiRpZCI6IjE2NSIsIlRvcCI6MCwiTGVmdCI6MCwiUmlnaHQiOjAsIkJvdHRvbSI6MH0sIlBhZGRpbmciOnsiJGlkIjoiMTY2IiwiVG9wIjowLCJMZWZ0IjowLCJSaWdodCI6MCwiQm90dG9tIjowfSwiSXNWaXNpYmxlIjp0cnVlLCJXaWR0aCI6MC4wLCJIZWlnaHQiOjAuMCwiQm9yZGVyU3R5bGUiOm51bGwsIlBhcmVudFN0eWxlIjpudWxsfX0sIlNjYWxlIjp7IiRpZCI6IjE2NyIsIlN0YXJ0RGF0ZSI6IjIwMTctMDEtMDVUMDA6MDA6MDBaIiwiRW5kRGF0ZSI6IjIwMjAtMDQtMzBUMjM6NTk6MDBaIiwiRm9ybWF0IjoidyIsIlR5cGUiOjEsIkF1dG9EYXRlUmFuZ2UiOnRydWUsIldvcmtpbmdEYXlzIjo2MywiVG9kYXlNYXJrZXJUZXh0IjoiVG9kYXkiLCJBdXRvU2NhbGVUeXBlIjpmYWxzZX0sIk1pbGVzdG9uZXMiOlt7IiRpZCI6IjE2OCIsIkRhdGUiOiIyMDE5LTExLTA5VDIzOjU5OjAwWiIsIlN0eWxlIjp7IiRpZCI6IjE2OSIsIlNoYXBlIjoxOSwiQ29ubmVjdG9yTWFyZ2luIjp7IiRyZWYiOiI1NyJ9LCJDb25uZWN0b3JTdHlsZSI6eyIkaWQiOiIxNzAiLCJMaW5lQ29sb3IiOnsiJGlkIjoiMTcxIiwiJHR5cGUiOiJOTFJFLkNvbW1vbi5Eb20uU29saWRDb2xvckJydXNoLCBOTFJFLkNvbW1vbiIsIkNvbG9yIjp7IiRpZCI6IjE3MiIsIkEiOjI1NSwiUiI6NzksIkciOjEyOSwiQiI6MTg5fX0sIkxpbmVXZWlnaHQiOjEuMCwiTGluZVR5cGUiOjAsIlBhcmVudFN0eWxlIjpudWxsfSwiSXNCZWxvd1RpbWViYW5kIjpmYWxzZSwiUG9zaXRpb25PblRhc2siOjAsIkhpZGVEYXRlIjpmYWxzZSwiU2hhcGVTaXplIjoxLCJTcGFjaW5nIjoxLjAsIlBhZGRpbmciOnsiJHJlZiI6IjYxIn0sIlNoYXBlU3R5bGUiOnsiJGlkIjoiMTczIiwiTWFyZ2luIjp7IiRyZWYiOiI2MyJ9LCJQYWRkaW5nIjp7IiRyZWYiOiI2NCJ9LCJCYWNrZ3JvdW5kIjp7IiRpZCI6IjE3NCIsIkNvbG9yIjp7IiRpZCI6IjE3NSIsIkEiOjI1NSwiUiI6MjM0LCJHIjoyMiwiQiI6MzB9fSwiSXNWaXNpYmxlIjp0cnVlLCJXaWR0aCI6MTguMCwiSGVpZ2h0IjoyMC4wLCJCb3JkZXJTdHlsZSI6eyIkaWQiOiIxNzYiLCJMaW5lQ29sb3IiOnsiJHJlZiI6IjY4In0sIkxpbmVXZWlnaHQiOjAuMCwiTGluZVR5cGUiOjAsIlBhcmVudFN0eWxlIjpudWxsfSwiUGFyZW50U3R5bGUiOm51bGx9LCJUaXRsZVN0eWxlIjp7IiRpZCI6IjE3NyIsIkZvbnRTZXR0aW5ncyI6eyIkaWQiOiIxNzgiLCJGb250U2l6ZSI6MTEsIkZvbnROYW1lIjoiQ2FsaWJyaSIsIklzQm9sZCI6ZmFsc2UsIklzSXRhbGljIjpmYWxzZSwiSXNVbmRlcmxpbmVkIjpmYWxzZSwiUGFyZW50U3R5bGUiOm51bGx9LCJBdXRvU2l6ZSI6MCwiRm9yZWdyb3VuZCI6eyIkaWQiOiIxNzkiLCJDb2xvciI6eyIkaWQiOiIxODAiLCJBIjoyNTUsIlIiOjAsIkciOjAsIkIiOjB9fSwiTWF4V2lkdGgiOjIwMC4wLCJNYXhIZWlnaHQiOiJJbmZpbml0eSIsIlNtYXJ0Rm9yZWdyb3VuZElzQWN0aXZlIjpmYWxzZSwiSG9yaXpvbnRhbEFsaWdubWVudCI6MCwiVmVydGljYWxBbGlnbm1lbnQiOjAsIlNtYXJ0Rm9yZWdyb3VuZCI6bnVsbCwiQmFja2dyb3VuZEZpbGxUeXBlIjowLCJNYXJnaW4iOnsiJHJlZiI6Ijc0In0sIlBhZGRpbmciOnsiJHJlZiI6Ijc1In0sIkJhY2tncm91bmQiOnsiJHJlZiI6Ijc2In0sIklzVmlzaWJsZSI6dHJ1ZSwiV2lkdGgiOjAuMCwiSGVpZ2h0IjowLjAsIkJvcmRlclN0eWxlIjp7IiRpZCI6IjE4MSIsIkxpbmVDb2xvciI6bnVsbCwiTGluZVdlaWdodCI6MC4wLCJMaW5lVHlwZSI6MCwiUGFyZW50U3R5bGUiOm51bGx9LCJQYXJlbnRTdHlsZSI6bnVsbH0sIkRhdGVTdHlsZSI6eyIkaWQiOiIxODIiLCJGb250U2V0dGluZ3MiOnsiJGlkIjoiMTgzIiwiRm9udFNpemUiOjEwLCJGb250TmFtZSI6IkNhbGlicmkiLCJJc0JvbGQiOmZhbHNlLCJJc0l0YWxpYyI6ZmFsc2UsIklzVW5kZXJsaW5lZCI6ZmFsc2UsIlBhcmVudFN0eWxlIjpudWxsfSwiQXV0b1NpemUiOjAsIkZvcmVncm91bmQiOnsiJGlkIjoiMTg0IiwiQ29sb3IiOnsiJGlkIjoiMTg1IiwiQSI6MjU1LCJSIjo2OCwiRyI6ODQsIkIiOjEwNn19LCJNYXhXaWR0aCI6MjAwLjAsIk1heEhlaWdodCI6IkluZmluaXR5IiwiU21hcnRGb3JlZ3JvdW5kSXNBY3RpdmUiOmZhbHNlLCJIb3Jpem9udGFsQWxpZ25tZW50IjowLCJWZXJ0aWNhbEFsaWdubWVudCI6MCwiU21hcnRGb3JlZ3JvdW5kIjpudWxsLCJCYWNrZ3JvdW5kRmlsbFR5cGUiOjAsIk1hcmdpbiI6eyIkcmVmIjoiODEifSwiUGFkZGluZyI6eyIkcmVmIjoiODIifSwiQmFja2dyb3VuZCI6eyIkcmVmIjoiODMifSwiSXNWaXNpYmxlIjp0cnVlLCJXaWR0aCI6MC4wLCJIZWlnaHQiOjAuMCwiQm9yZGVyU3R5bGUiOnsiJGlkIjoiMTg2IiwiTGluZUNvbG9yIjpudWxsLCJMaW5lV2VpZ2h0IjowLjAsIkxpbmVUeXBlIjowLCJQYXJlbnRTdHlsZSI6bnVsbH0sIlBhcmVudFN0eWxlIjpudWxsfSwiRGF0ZUZvcm1hdCI6eyIkaWQiOiIxODciLCJGb3JtYXRTdHJpbmciOiJNTU0gZCIsIlNlcGFyYXRvciI6Ii8iLCJVc2VJbnRlcm5hdGlvbmFsRGF0ZUZvcm1hdCI6ZmFsc2UsIkRhdGVJc1Zpc2libGUiOnRydWUsIlRpbWVJc1Zpc2libGUiOmZhbHNlLCJIb3VyRGlnaXRzIjoxLCJBbVBtRGVzaWduYXRvciI6MiwiVHJpbTAwTWludXRlcyI6ZmFsc2UsIkxhc3RLbm93blZpc2liaWxpdHlTdGF0ZSI6eyIkaWQiOiIxODgiLCJEYXRlUGFydElzVmlzaWJsZSI6dHJ1ZSwiVGltZVBhcnRJc1Zpc2libGUiOmZhbHNlfX0sIklzVmlzaWJsZSI6dHJ1ZSwiUGFyZW50U3R5bGUiOm51bGx9LCJJbmRleCI6NywiUGVyY2VudGFnZUNvbXBsZXRlIjpudWxsLCJQb3NpdGlvbiI6eyJSYXRpbyI6MC4yNjQ0MDUwNDEzNDc0ODI3MiwiSXNDdXN0b20iOnRydWV9LCJEYXRlRm9ybWF0Ijp7IiRyZWYiOiIxODcifSwiUmVsYXRlZFRhc2tJZCI6IjAwMDAwMDAwLTAwMDAtMDAwMC0wMDAwLTAwMDAwMDAwMDAwMCIsIklkIjoiODQxYTcwZmMtZjA4NC00Yjc2LThiZDMtYzkzZDhlODJjZGM0IiwiSW1wb3J0SWQiOm51bGwsIlRpdGxlIjoiRW5kIFBoYXNlIFBsYW5uaW5nIChSZXZpZXcgRG9jdW1tZW50cykiLCJOb3RlIjpudWxsLCJIeXBlcmxpbmsiOnsiJGlkIjoiMTg5IiwiQWRkcmVzcyI6IiIsIlN1YkFkZHJlc3MiOiIifSwiSXNDaGFuZ2VkIjpmYWxzZSwiSXNOZXciOmZhbHNlfSx7IiRpZCI6IjE5MCIsIkRhdGUiOiIyMDE5LTExLTE2VDIzOjU5OjAwWiIsIlN0eWxlIjp7IiRpZCI6IjE5MSIsIlNoYXBlIjoxOSwiQ29ubmVjdG9yTWFyZ2luIjp7IiRyZWYiOiI1NyJ9LCJDb25uZWN0b3JTdHlsZSI6eyIkaWQiOiIxOTIiLCJMaW5lQ29sb3IiOnsiJGlkIjoiMTkzIiwiJHR5cGUiOiJOTFJFLkNvbW1vbi5Eb20uU29saWRDb2xvckJydXNoLCBOTFJFLkNvbW1vbiIsIkNvbG9yIjp7IiRpZCI6IjE5NCIsIkEiOjI1NSwiUiI6NzksIkciOjEyOSwiQiI6MTg5fX0sIkxpbmVXZWlnaHQiOjEuMCwiTGluZVR5cGUiOjAsIlBhcmVudFN0eWxlIjpudWxsfSwiSXNCZWxvd1RpbWViYW5kIjpmYWxzZSwiUG9zaXRpb25PblRhc2siOjAsIkhpZGVEYXRlIjpmYWxzZSwiU2hhcGVTaXplIjoxLCJTcGFjaW5nIjoxLjAsIlBhZGRpbmciOnsiJHJlZiI6IjYxIn0sIlNoYXBlU3R5bGUiOnsiJGlkIjoiMTk1IiwiTWFyZ2luIjp7IiRyZWYiOiI2MyJ9LCJQYWRkaW5nIjp7IiRyZWYiOiI2NCJ9LCJCYWNrZ3JvdW5kIjp7IiRpZCI6IjE5NiIsIkNvbG9yIjp7IiRpZCI6IjE5NyIsIkEiOjI1NSwiUiI6MjM0LCJHIjoyMiwiQiI6MzB9fSwiSXNWaXNpYmxlIjp0cnVlLCJXaWR0aCI6MTguMCwiSGVpZ2h0IjoyMC4wLCJCb3JkZXJTdHlsZSI6eyIkaWQiOiIxOTgiLCJMaW5lQ29sb3IiOnsiJHJlZiI6IjY4In0sIkxpbmVXZWlnaHQiOjAuMCwiTGluZVR5cGUiOjAsIlBhcmVudFN0eWxlIjpudWxsfSwiUGFyZW50U3R5bGUiOm51bGx9LCJUaXRsZVN0eWxlIjp7IiRpZCI6IjE5OSIsIkZvbnRTZXR0aW5ncyI6eyIkaWQiOiIyMDAiLCJGb250U2l6ZSI6MTEsIkZvbnROYW1lIjoiQ2FsaWJyaSIsIklzQm9sZCI6ZmFsc2UsIklzSXRhbGljIjpmYWxzZSwiSXNVbmRlcmxpbmVkIjpmYWxzZSwiUGFyZW50U3R5bGUiOm51bGx9LCJBdXRvU2l6ZSI6MCwiRm9yZWdyb3VuZCI6eyIkaWQiOiIyMDEiLCJDb2xvciI6eyIkaWQiOiIyMDIiLCJBIjoyNTUsIlIiOjAsIkciOjAsIkIiOjB9fSwiTWF4V2lkdGgiOjIwMC4wLCJNYXhIZWlnaHQiOiJJbmZpbml0eSIsIlNtYXJ0Rm9yZWdyb3VuZElzQWN0aXZlIjpmYWxzZSwiSG9yaXpvbnRhbEFsaWdubWVudCI6MCwiVmVydGljYWxBbGlnbm1lbnQiOjAsIlNtYXJ0Rm9yZWdyb3VuZCI6bnVsbCwiQmFja2dyb3VuZEZpbGxUeXBlIjowLCJNYXJnaW4iOnsiJHJlZiI6Ijc0In0sIlBhZGRpbmciOnsiJHJlZiI6Ijc1In0sIkJhY2tncm91bmQiOnsiJHJlZiI6Ijc2In0sIklzVmlzaWJsZSI6dHJ1ZSwiV2lkdGgiOjAuMCwiSGVpZ2h0IjowLjAsIkJvcmRlclN0eWxlIjp7IiRpZCI6IjIwMyIsIkxpbmVDb2xvciI6bnVsbCwiTGluZVdlaWdodCI6MC4wLCJMaW5lVHlwZSI6MCwiUGFyZW50U3R5bGUiOm51bGx9LCJQYXJlbnRTdHlsZSI6bnVsbH0sIkRhdGVTdHlsZSI6eyIkaWQiOiIyMDQiLCJGb250U2V0dGluZ3MiOnsiJGlkIjoiMjA1IiwiRm9udFNpemUiOjEwLCJGb250TmFtZSI6IkNhbGlicmkiLCJJc0JvbGQiOmZhbHNlLCJJc0l0YWxpYyI6ZmFsc2UsIklzVW5kZXJsaW5lZCI6ZmFsc2UsIlBhcmVudFN0eWxlIjpudWxsfSwiQXV0b1NpemUiOjAsIkZvcmVncm91bmQiOnsiJGlkIjoiMjA2IiwiQ29sb3IiOnsiJGlkIjoiMjA3IiwiQSI6MjU1LCJSIjo2OCwiRyI6ODQsIkIiOjEwNn19LCJNYXhXaWR0aCI6MjAwLjAsIk1heEhlaWdodCI6IkluZmluaXR5IiwiU21hcnRGb3JlZ3JvdW5kSXNBY3RpdmUiOmZhbHNlLCJIb3Jpem9udGFsQWxpZ25tZW50IjowLCJWZXJ0aWNhbEFsaWdubWVudCI6MCwiU21hcnRGb3JlZ3JvdW5kIjpudWxsLCJCYWNrZ3JvdW5kRmlsbFR5cGUiOjAsIk1hcmdpbiI6eyIkcmVmIjoiODEifSwiUGFkZGluZyI6eyIkcmVmIjoiODIifSwiQmFja2dyb3VuZCI6eyIkcmVmIjoiODMifSwiSXNWaXNpYmxlIjp0cnVlLCJXaWR0aCI6MC4wLCJIZWlnaHQiOjAuMCwiQm9yZGVyU3R5bGUiOnsiJGlkIjoiMjA4IiwiTGluZUNvbG9yIjpudWxsLCJMaW5lV2VpZ2h0IjowLjAsIkxpbmVUeXBlIjowLCJQYXJlbnRTdHlsZSI6bnVsbH0sIlBhcmVudFN0eWxlIjpudWxsfSwiRGF0ZUZvcm1hdCI6eyIkaWQiOiIyMDkiLCJGb3JtYXRTdHJpbmciOiJNTU0gZCIsIlNlcGFyYXRvciI6Ii8iLCJVc2VJbnRlcm5hdGlvbmFsRGF0ZUZvcm1hdCI6ZmFsc2UsIkRhdGVJc1Zpc2libGUiOnRydWUsIlRpbWVJc1Zpc2libGUiOmZhbHNlLCJIb3VyRGlnaXRzIjoxLCJBbVBtRGVzaWduYXRvciI6MiwiVHJpbTAwTWludXRlcyI6ZmFsc2UsIkxhc3RLbm93blZpc2liaWxpdHlTdGF0ZSI6eyIkaWQiOiIyMTAiLCJEYXRlUGFydElzVmlzaWJsZSI6dHJ1ZSwiVGltZVBhcnRJc1Zpc2libGUiOmZhbHNlfX0sIklzVmlzaWJsZSI6dHJ1ZSwiUGFyZW50U3R5bGUiOm51bGx9LCJJbmRleCI6OCwiUGVyY2VudGFnZUNvbXBsZXRlIjpudWxsLCJQb3NpdGlvbiI6eyJSYXRpbyI6MC4wLCJJc0N1c3RvbSI6ZmFsc2V9LCJEYXRlRm9ybWF0Ijp7IiRyZWYiOiIyMDkifSwiUmVsYXRlZFRhc2tJZCI6IjAwMDAwMDAwLTAwMDAtMDAwMC0wMDAwLTAwMDAwMDAwMDAwMCIsIklkIjoiZjM2ODg2MzctMGU4Mi00NTM1LWIzNTctMTlkMDVlNjA4MjY2IiwiSW1wb3J0SWQiOm51bGwsIlRpdGxlIjoiRU9NUCMxIiwiTm90ZSI6bnVsbCwiSHlwZXJsaW5rIjp7IiRpZCI6IjIxMSIsIkFkZHJlc3MiOiIiLCJTdWJBZGRyZXNzIjoiIn0sIklzQ2hhbmdlZCI6ZmFsc2UsIklzTmV3IjpmYWxzZX0seyIkaWQiOiIyMTIiLCJEYXRlIjoiMjAxOS0xMS0zMFQyMzo1OTowMFoiLCJTdHlsZSI6eyIkaWQiOiIyMTMiLCJTaGFwZSI6MTksIkNvbm5lY3Rvck1hcmdpbiI6eyIkcmVmIjoiNTcifSwiQ29ubmVjdG9yU3R5bGUiOnsiJGlkIjoiMjE0IiwiTGluZUNvbG9yIjp7IiRpZCI6IjIxNSIsIiR0eXBlIjoiTkxSRS5Db21tb24uRG9tLlNvbGlkQ29sb3JCcnVzaCwgTkxSRS5Db21tb24iLCJDb2xvciI6eyIkaWQiOiIyMTYiLCJBIjoyNTUsIlIiOjc5LCJHIjoxMjksIkIiOjE4OX19LCJMaW5lV2VpZ2h0IjoxLjAsIkxpbmVUeXBlIjowLCJQYXJlbnRTdHlsZSI6bnVsbH0sIklzQmVsb3dUaW1lYmFuZCI6ZmFsc2UsIlBvc2l0aW9uT25UYXNrIjowLCJIaWRlRGF0ZSI6ZmFsc2UsIlNoYXBlU2l6ZSI6MSwiU3BhY2luZyI6MS4wLCJQYWRkaW5nIjp7IiRyZWYiOiI2MSJ9LCJTaGFwZVN0eWxlIjp7IiRpZCI6IjIxNyIsIk1hcmdpbiI6eyIkcmVmIjoiNjMifSwiUGFkZGluZyI6eyIkcmVmIjoiNjQifSwiQmFja2dyb3VuZCI6eyIkaWQiOiIyMTgiLCJDb2xvciI6eyIkaWQiOiIyMTkiLCJBIjoyNTUsIlIiOjIzNCwiRyI6MjIsIkIiOjMwfX0sIklzVmlzaWJsZSI6dHJ1ZSwiV2lkdGgiOjE4LjAsIkhlaWdodCI6MjAuMCwiQm9yZGVyU3R5bGUiOnsiJGlkIjoiMjIwIiwiTGluZUNvbG9yIjp7IiRyZWYiOiI2OCJ9LCJMaW5lV2VpZ2h0IjowLjAsIkxpbmVUeXBlIjowLCJQYXJlbnRTdHlsZSI6bnVsbH0sIlBhcmVudFN0eWxlIjpudWxsfSwiVGl0bGVTdHlsZSI6eyIkaWQiOiIyMjEiLCJGb250U2V0dGluZ3MiOnsiJGlkIjoiMjIyIiwiRm9udFNpemUiOjExLCJGb250TmFtZSI6IkNhbGlicmkiLCJJc0JvbGQiOmZhbHNlLCJJc0l0YWxpYyI6ZmFsc2UsIklzVW5kZXJsaW5lZCI6ZmFsc2UsIlBhcmVudFN0eWxlIjpudWxsfSwiQXV0b1NpemUiOjAsIkZvcmVncm91bmQiOnsiJGlkIjoiMjIzIiwiQ29sb3IiOnsiJGlkIjoiMjI0IiwiQSI6MjU1LCJSIjowLCJHIjowLCJCIjowfX0sIk1heFdpZHRoIjoyMDAuMCwiTWF4SGVpZ2h0IjoiSW5maW5pdHkiLCJTbWFydEZvcmVncm91bmRJc0FjdGl2ZSI6ZmFsc2UsIkhvcml6b250YWxBbGlnbm1lbnQiOjAsIlZlcnRpY2FsQWxpZ25tZW50IjowLCJTbWFydEZvcmVncm91bmQiOm51bGwsIkJhY2tncm91bmRGaWxsVHlwZSI6MCwiTWFyZ2luIjp7IiRyZWYiOiI3NCJ9LCJQYWRkaW5nIjp7IiRyZWYiOiI3NSJ9LCJCYWNrZ3JvdW5kIjp7IiRyZWYiOiI3NiJ9LCJJc1Zpc2libGUiOnRydWUsIldpZHRoIjowLjAsIkhlaWdodCI6MC4wLCJCb3JkZXJTdHlsZSI6eyIkaWQiOiIyMjUiLCJMaW5lQ29sb3IiOm51bGwsIkxpbmVXZWlnaHQiOjAuMCwiTGluZVR5cGUiOjAsIlBhcmVudFN0eWxlIjpudWxsfSwiUGFyZW50U3R5bGUiOm51bGx9LCJEYXRlU3R5bGUiOnsiJGlkIjoiMjI2IiwiRm9udFNldHRpbmdzIjp7IiRpZCI6IjIyNyIsIkZvbnRTaXplIjoxMCwiRm9udE5hbWUiOiJDYWxpYnJpIiwiSXNCb2xkIjpmYWxzZSwiSXNJdGFsaWMiOmZhbHNlLCJJc1VuZGVybGluZWQiOmZhbHNlLCJQYXJlbnRTdHlsZSI6bnVsbH0sIkF1dG9TaXplIjowLCJGb3JlZ3JvdW5kIjp7IiRpZCI6IjIyOCIsIkNvbG9yIjp7IiRpZCI6IjIyOSIsIkEiOjI1NSwiUiI6NjgsIkciOjg0LCJCIjoxMDZ9fSwiTWF4V2lkdGgiOjIwMC4wLCJNYXhIZWlnaHQiOiJJbmZpbml0eSIsIlNtYXJ0Rm9yZWdyb3VuZElzQWN0aXZlIjpmYWxzZSwiSG9yaXpvbnRhbEFsaWdubWVudCI6MCwiVmVydGljYWxBbGlnbm1lbnQiOjAsIlNtYXJ0Rm9yZWdyb3VuZCI6bnVsbCwiQmFja2dyb3VuZEZpbGxUeXBlIjowLCJNYXJnaW4iOnsiJHJlZiI6IjgxIn0sIlBhZGRpbmciOnsiJHJlZiI6IjgyIn0sIkJhY2tncm91bmQiOnsiJHJlZiI6IjgzIn0sIklzVmlzaWJsZSI6dHJ1ZSwiV2lkdGgiOjAuMCwiSGVpZ2h0IjowLjAsIkJvcmRlclN0eWxlIjp7IiRpZCI6IjIzMCIsIkxpbmVDb2xvciI6bnVsbCwiTGluZVdlaWdodCI6MC4wLCJMaW5lVHlwZSI6MCwiUGFyZW50U3R5bGUiOm51bGx9LCJQYXJlbnRTdHlsZSI6bnVsbH0sIkRhdGVGb3JtYXQiOnsiJHJlZiI6Ijg0In0sIklzVmlzaWJsZSI6dHJ1ZSwiUGFyZW50U3R5bGUiOm51bGx9LCJJbmRleCI6OSwiUGVyY2VudGFnZUNvbXBsZXRlIjpudWxsLCJQb3NpdGlvbiI6eyJSYXRpbyI6MC4wLCJJc0N1c3RvbSI6ZmFsc2V9LCJEYXRlRm9ybWF0Ijp7IiRyZWYiOiI4NCJ9LCJSZWxhdGVkVGFza0lkIjoiMDAwMDAwMDAtMDAwMC0wMDAwLTAwMDAtMDAwMDAwMDAwMDAwIiwiSWQiOiI0NDBhN2UxMS0xMDk1LTRjZWEtOWFhZC1mYzU5OWZjYjI0ODYiLCJJbXBvcnRJZCI6bnVsbCwiVGl0bGUiOiJCYXNlbGluZSBSRSwgQVIiLCJOb3RlIjpudWxsLCJIeXBlcmxpbmsiOnsiJGlkIjoiMjMxIiwiQWRkcmVzcyI6IiIsIlN1YkFkZHJlc3MiOiIifSwiSXNDaGFuZ2VkIjpmYWxzZSwiSXNOZXciOmZhbHNlfSx7IiRpZCI6IjIzMiIsIkRhdGUiOiIyMDIwLTA0LTMwVDIzOjU5OjAwWiIsIlN0eWxlIjp7IiRpZCI6IjIzMyIsIlNoYXBlIjoxOSwiQ29ubmVjdG9yTWFyZ2luIjp7IiRyZWYiOiI1NyJ9LCJDb25uZWN0b3JTdHlsZSI6eyIkaWQiOiIyMzQiLCJMaW5lQ29sb3IiOnsiJGlkIjoiMjM1IiwiJHR5cGUiOiJOTFJFLkNvbW1vbi5Eb20uU29saWRDb2xvckJydXNoLCBOTFJFLkNvbW1vbiIsIkNvbG9yIjp7IiRpZCI6IjIzNiIsIkEiOjI1NSwiUiI6NzksIkciOjEyOSwiQiI6MTg5fX0sIkxpbmVXZWlnaHQiOjEuMCwiTGluZVR5cGUiOjAsIlBhcmVudFN0eWxlIjpudWxsfSwiSXNCZWxvd1RpbWViYW5kIjpmYWxzZSwiUG9zaXRpb25PblRhc2siOjAsIkhpZGVEYXRlIjpmYWxzZSwiU2hhcGVTaXplIjoxLCJTcGFjaW5nIjoxLjAsIlBhZGRpbmciOnsiJHJlZiI6IjYxIn0sIlNoYXBlU3R5bGUiOnsiJGlkIjoiMjM3IiwiTWFyZ2luIjp7IiRyZWYiOiI2MyJ9LCJQYWRkaW5nIjp7IiRyZWYiOiI2NCJ9LCJCYWNrZ3JvdW5kIjp7IiRpZCI6IjIzOCIsIkNvbG9yIjp7IiRpZCI6IjIzOSIsIkEiOjI1NSwiUiI6MjM0LCJHIjoyMiwiQiI6MzB9fSwiSXNWaXNpYmxlIjp0cnVlLCJXaWR0aCI6MTguMCwiSGVpZ2h0IjoyMC4wLCJCb3JkZXJTdHlsZSI6eyIkaWQiOiIyNDAiLCJMaW5lQ29sb3IiOnsiJHJlZiI6IjY4In0sIkxpbmVXZWlnaHQiOjAuMCwiTGluZVR5cGUiOjAsIlBhcmVudFN0eWxlIjpudWxsfSwiUGFyZW50U3R5bGUiOm51bGx9LCJUaXRsZVN0eWxlIjp7IiRpZCI6IjI0MSIsIkZvbnRTZXR0aW5ncyI6eyIkaWQiOiIyNDIiLCJGb250U2l6ZSI6MTEsIkZvbnROYW1lIjoiQ2FsaWJyaSIsIklzQm9sZCI6ZmFsc2UsIklzSXRhbGljIjpmYWxzZSwiSXNVbmRlcmxpbmVkIjpmYWxzZSwiUGFyZW50U3R5bGUiOm51bGx9LCJBdXRvU2l6ZSI6MCwiRm9yZWdyb3VuZCI6eyIkaWQiOiIyNDMiLCJDb2xvciI6eyIkaWQiOiIyNDQiLCJBIjoyNTUsIlIiOjAsIkciOjAsIkIiOjB9fSwiTWF4V2lkdGgiOjIwMC4wLCJNYXhIZWlnaHQiOiJJbmZpbml0eSIsIlNtYXJ0Rm9yZWdyb3VuZElzQWN0aXZlIjpmYWxzZSwiSG9yaXpvbnRhbEFsaWdubWVudCI6MCwiVmVydGljYWxBbGlnbm1lbnQiOjAsIlNtYXJ0Rm9yZWdyb3VuZCI6bnVsbCwiQmFja2dyb3VuZEZpbGxUeXBlIjowLCJNYXJnaW4iOnsiJHJlZiI6Ijc0In0sIlBhZGRpbmciOnsiJHJlZiI6Ijc1In0sIkJhY2tncm91bmQiOnsiJHJlZiI6Ijc2In0sIklzVmlzaWJsZSI6dHJ1ZSwiV2lkdGgiOjAuMCwiSGVpZ2h0IjowLjAsIkJvcmRlclN0eWxlIjp7IiRpZCI6IjI0NSIsIkxpbmVDb2xvciI6bnVsbCwiTGluZVdlaWdodCI6MC4wLCJMaW5lVHlwZSI6MCwiUGFyZW50U3R5bGUiOm51bGx9LCJQYXJlbnRTdHlsZSI6bnVsbH0sIkRhdGVTdHlsZSI6eyIkaWQiOiIyNDYiLCJGb250U2V0dGluZ3MiOnsiJGlkIjoiMjQ3IiwiRm9udFNpemUiOjEwLCJGb250TmFtZSI6IkNhbGlicmkiLCJJc0JvbGQiOmZhbHNlLCJJc0l0YWxpYyI6ZmFsc2UsIklzVW5kZXJsaW5lZCI6ZmFsc2UsIlBhcmVudFN0eWxlIjpudWxsfSwiQXV0b1NpemUiOjAsIkZvcmVncm91bmQiOnsiJGlkIjoiMjQ4IiwiQ29sb3IiOnsiJGlkIjoiMjQ5IiwiQSI6MjU1LCJSIjo2OCwiRyI6ODQsIkIiOjEwNn19LCJNYXhXaWR0aCI6MjAwLjAsIk1heEhlaWdodCI6IkluZmluaXR5IiwiU21hcnRGb3JlZ3JvdW5kSXNBY3RpdmUiOmZhbHNlLCJIb3Jpem9udGFsQWxpZ25tZW50IjowLCJWZXJ0aWNhbEFsaWdubWVudCI6MCwiU21hcnRGb3JlZ3JvdW5kIjpudWxsLCJCYWNrZ3JvdW5kRmlsbFR5cGUiOjAsIk1hcmdpbiI6eyIkcmVmIjoiODEifSwiUGFkZGluZyI6eyIkcmVmIjoiODIifSwiQmFja2dyb3VuZCI6eyIkcmVmIjoiODMifSwiSXNWaXNpYmxlIjp0cnVlLCJXaWR0aCI6MC4wLCJIZWlnaHQiOjAuMCwiQm9yZGVyU3R5bGUiOnsiJGlkIjoiMjUwIiwiTGluZUNvbG9yIjpudWxsLCJMaW5lV2VpZ2h0IjowLjAsIkxpbmVUeXBlIjowLCJQYXJlbnRTdHlsZSI6bnVsbH0sIlBhcmVudFN0eWxlIjpudWxsfSwiRGF0ZUZvcm1hdCI6eyIkaWQiOiIyNTEiLCJGb3JtYXRTdHJpbmciOiJNTU0gZCIsIlNlcGFyYXRvciI6Ii8iLCJVc2VJbnRlcm5hdGlvbmFsRGF0ZUZvcm1hdCI6ZmFsc2UsIkRhdGVJc1Zpc2libGUiOnRydWUsIlRpbWVJc1Zpc2libGUiOmZhbHNlLCJIb3VyRGlnaXRzIjoxLCJBbVBtRGVzaWduYXRvciI6MiwiVHJpbTAwTWludXRlcyI6ZmFsc2UsIkxhc3RLbm93blZpc2liaWxpdHlTdGF0ZSI6eyIkaWQiOiIyNTIiLCJEYXRlUGFydElzVmlzaWJsZSI6dHJ1ZSwiVGltZVBhcnRJc1Zpc2libGUiOmZhbHNlfX0sIklzVmlzaWJsZSI6dHJ1ZSwiUGFyZW50U3R5bGUiOm51bGx9LCJJbmRleCI6MTAsIlBlcmNlbnRhZ2VDb21wbGV0ZSI6bnVsbCwiUG9zaXRpb24iOnsiUmF0aW8iOjAuMCwiSXNDdXN0b20iOmZhbHNlfSwiRGF0ZUZvcm1hdCI6eyIkcmVmIjoiMjUxIn0sIlJlbGF0ZWRUYXNrSWQiOiIwMDAwMDAwMC0wMDAwLTAwMDAtMDAwMC0wMDAwMDAwMDAwMDAiLCJJZCI6IjMxNWUzZGYwLTNhMjMtNDE2MS1iOTUxLTlhYWUzOGIzMGZhMiIsIkltcG9ydElkIjpudWxsLCJUaXRsZSI6IkNsb3NlIFByb2plY3QiLCJOb3RlIjpudWxsLCJIeXBlcmxpbmsiOnsiJGlkIjoiMjUzIiwiQWRkcmVzcyI6IiIsIlN1YkFkZHJlc3MiOiIifSwiSXNDaGFuZ2VkIjpmYWxzZSwiSXNOZXciOmZhbHNlfV0sIlRhc2tzIjpbeyIkaWQiOiIyNTQiLCJHcm91cE5hbWUiOm51bGwsIlN0YXJ0RGF0ZSI6IjIwMTktMTAtMTRUMDA6MDA6MDBaIiwiRW5kRGF0ZSI6IjIwMTktMTAtMTlUMjM6NTk6MDBaIiwiUGVyY2VudGFnZUNvbXBsZXRlIjoxMDAuMCwiU3R5bGUiOnsiJGlkIjoiMjU1IiwiU2hhcGUiOjAsIlNoYXBlVGhpY2tuZXNzIjoxLCJEdXJhdGlvbkZvcm1hdCI6MCwiSW5jbHVkZU5vbldvcmtpbmdEYXlzSW5EdXJhdGlvbiI6dHJ1ZSwiUGVyY2VudGFnZUNvbXBsZXRlU3R5bGUiOnsiJGlkIjoiMjU2IiwiRm9udFNldHRpbmdzIjp7IiRpZCI6IjI1NyIsIkZvbnRTaXplIjoxMCwiRm9udE5hbWUiOiJDYWxpYnJpIiwiSXNCb2xkIjpmYWxzZSwiSXNJdGFsaWMiOmZhbHNlLCJJc1VuZGVybGluZWQiOmZhbHNlLCJQYXJlbnRTdHlsZSI6eyIkcmVmIjoiODgifX0sIkF1dG9TaXplIjowLCJGb3JlZ3JvdW5kIjp7IiRyZWYiOiI4OSJ9LCJNYXhXaWR0aCI6MjAwLjAsIk1heEhlaWdodCI6IkluZmluaXR5IiwiU21hcnRGb3JlZ3JvdW5kSXNBY3RpdmUiOmZhbHNlLCJIb3Jpem9udGFsQWxpZ25tZW50IjowLCJWZXJ0aWNhbEFsaWdubWVudCI6MCwiU21hcnRGb3JlZ3JvdW5kIjpudWxsLCJCYWNrZ3JvdW5kRmlsbFR5cGUiOjAsIk1hcmdpbiI6eyIkcmVmIjoiOTEifSwiUGFkZGluZyI6eyIkcmVmIjoiOTIifSwiQmFja2dyb3VuZCI6eyIkcmVmIjoiOTMifSwiSXNWaXNpYmxlIjp0cnVlLCJXaWR0aCI6MC4wLCJIZWlnaHQiOjAuMCwiQm9yZGVyU3R5bGUiOnsiJGlkIjoiMjU4IiwiTGluZUNvbG9yIjpudWxsLCJMaW5lV2VpZ2h0IjowLjAsIkxpbmVUeXBlIjowLCJQYXJlbnRTdHlsZSI6bnVsbH0sIlBhcmVudFN0eWxlIjp7IiRyZWYiOiI4NyJ9fSwiRHVyYXRpb25TdHlsZSI6eyIkaWQiOiIyNTkiLCJGb250U2V0dGluZ3MiOnsiJGlkIjoiMjYwIiwiRm9udFNpemUiOjEwLCJGb250TmFtZSI6IkNhbGlicmkiLCJJc0JvbGQiOmZhbHNlLCJJc0l0YWxpYyI6ZmFsc2UsIklzVW5kZXJsaW5lZCI6ZmFsc2UsIlBhcmVudFN0eWxlIjp7IiRyZWYiOiI5NiJ9fSwiQXV0b1NpemUiOjAsIkZvcmVncm91bmQiOnsiJHJlZiI6Ijk3In0sIk1heFdpZHRoIjoyMDAuMCwiTWF4SGVpZ2h0IjoiSW5maW5pdHkiLCJTbWFydEZvcmVncm91bmRJc0FjdGl2ZSI6ZmFsc2UsIkhvcml6b250YWxBbGlnbm1lbnQiOjAsIlZlcnRpY2FsQWxpZ25tZW50IjowLCJTbWFydEZvcmVncm91bmQiOm51bGwsIkJhY2tncm91bmRGaWxsVHlwZSI6MCwiTWFyZ2luIjp7IiRyZWYiOiI5OSJ9LCJQYWRkaW5nIjp7IiRyZWYiOiIxMDAifSwiQmFja2dyb3VuZCI6eyIkcmVmIjoiMTAxIn0sIklzVmlzaWJsZSI6dHJ1ZSwiV2lkdGgiOjAuMCwiSGVpZ2h0IjowLjAsIkJvcmRlclN0eWxlIjp7IiRpZCI6IjI2MSIsIkxpbmVDb2xvciI6bnVsbCwiTGluZVdlaWdodCI6MC4wLCJMaW5lVHlwZSI6MCwiUGFyZW50U3R5bGUiOm51bGx9LCJQYXJlbnRTdHlsZSI6eyIkcmVmIjoiOTUifX0sIkhvcml6b250YWxDb25uZWN0b3JTdHlsZSI6eyIkaWQiOiIyNjIiLCJMaW5lQ29sb3IiOnsiJHJlZiI6IjEwMyJ9LCJMaW5lV2VpZ2h0IjoxLjI1LCJMaW5lVHlwZSI6MCwiUGFyZW50U3R5bGUiOnsiJHJlZiI6IjEwMiJ9fSwiVmVydGljYWxDb25uZWN0b3JTdHlsZSI6eyIkaWQiOiIyNjMiLCJMaW5lQ29sb3IiOnsiJHJlZiI6IjEwNiJ9LCJMaW5lV2VpZ2h0IjowLjAsIkxpbmVUeXBlIjowLCJQYXJlbnRTdHlsZSI6eyIkcmVmIjoiMTA1In19LCJNYXJnaW4iOm51bGwsIlN0YXJ0RGF0ZVBvc2l0aW9uIjo0LCJFbmREYXRlUG9zaXRpb24iOjQsIkRhdGVJc1Zpc2libGUiOnRydWUsIlRpdGxlUG9zaXRpb24iOjUsIkR1cmF0aW9uUG9zaXRpb24iOjAsIlBlcmNlbnRhZ2VDb21wbGV0ZWRQb3NpdGlvbiI6NiwiU3BhY2luZyI6MTAsIklzQmVsb3dUaW1lYmFuZCI6dHJ1ZSwiUGVyY2VudGFnZUNvbXBsZXRlU2hhcGVPcGFjaXR5IjozNSwiU2hhcGVTdHlsZSI6eyIkaWQiOiIyNjQiLCJNYXJnaW4iOnsiJHJlZiI6IjEwOSJ9LCJQYWRkaW5nIjp7IiRyZWYiOiIxMTAifSwiQmFja2dyb3VuZCI6eyIkaWQiOiIyNjUiLCJDb2xvciI6eyIkaWQiOiIyNjYiLCJBIjoyNTUsIlIiOjkxLCJHIjoxNTUsIkIiOjIxM319LCJJc1Zpc2libGUiOnRydWUsIldpZHRoIjowLjAsIkhlaWdodCI6MTYuMCwiQm9yZGVyU3R5bGUiOnsiJGlkIjoiMjY3IiwiTGluZUNvbG9yIjp7IiRpZCI6IjI2OCIsIiR0eXBlIjoiTkxSRS5Db21tb24uRG9tLlNvbGlkQ29sb3JCcnVzaCwgTkxSRS5Db21tb24iLCJDb2xvciI6eyIkaWQiOiIyNjkiLCJBIjoyNTUsIlIiOjI1NSwiRyI6MCwiQiI6MH19LCJMaW5lV2VpZ2h0IjowLjAsIkxpbmVUeXBlIjowLCJQYXJlbnRTdHlsZSI6bnVsbH0sIlBhcmVudFN0eWxlIjp7IiRyZWYiOiIxMDgifX0sIlRpdGxlU3R5bGUiOnsiJGlkIjoiMjcwIiwiRm9udFNldHRpbmdzIjp7IiRpZCI6IjI3MSIsIkZvbnRTaXplIjoxMSwiRm9udE5hbWUiOiJDYWxpYnJpIiwiSXNCb2xkIjp0cnVlLCJJc0l0YWxpYyI6ZmFsc2UsIklzVW5kZXJsaW5lZCI6ZmFsc2UsIlBhcmVudFN0eWxlIjp7IiRyZWYiOiIxMTcifX0sIkF1dG9TaXplIjowLCJGb3JlZ3JvdW5kIjp7IiRpZCI6IjI3MiIsIkNvbG9yIjp7IiRpZCI6IjI3MyIsIkEiOjI1NSwiUiI6MCwiRyI6MCwiQiI6MH19LCJNYXhXaWR0aCI6NzIwLjAsIk1heEhlaWdodCI6IkluZmluaXR5IiwiU21hcnRGb3JlZ3JvdW5kSXNBY3RpdmUiOmZhbHNlLCJIb3Jpem9udGFsQWxpZ25tZW50IjowLCJWZXJ0aWNhbEFsaWdubWVudCI6MCwiU21hcnRGb3JlZ3JvdW5kIjpudWxsLCJCYWNrZ3JvdW5kRmlsbFR5cGUiOjAsIk1hcmdpbiI6eyIkcmVmIjoiMTIwIn0sIlBhZGRpbmciOnsiJHJlZiI6IjEyMSJ9LCJCYWNrZ3JvdW5kIjp7IiRyZWYiOiIxMjIifSwiSXNWaXNpYmxlIjp0cnVlLCJXaWR0aCI6MC4wLCJIZWlnaHQiOjAuMCwiQm9yZGVyU3R5bGUiOnsiJGlkIjoiMjc0IiwiTGluZUNvbG9yIjpudWxsLCJMaW5lV2VpZ2h0IjowLjAsIkxpbmVUeXBlIjowLCJQYXJlbnRTdHlsZSI6bnVsbH0sIlBhcmVudFN0eWxlIjp7IiRyZWYiOiIxMTYifX0sIkRhdGVTdHlsZSI6eyIkaWQiOiIyNzUiLCJGb250U2V0dGluZ3MiOnsiJGlkIjoiMjc2IiwiRm9udFNpemUiOjEwLCJGb250TmFtZSI6IkNhbGlicmkiLCJJc0JvbGQiOmZhbHNlLCJJc0l0YWxpYyI6ZmFsc2UsIklzVW5kZXJsaW5lZCI6ZmFsc2UsIlBhcmVudFN0eWxlIjp7IiRyZWYiOiIxMjQifX0sIkF1dG9TaXplIjowLCJGb3JlZ3JvdW5kIjp7IiRpZCI6IjI3NyIsIkNvbG9yIjp7IiRpZCI6IjI3OCIsIkEiOjI1NSwiUiI6MCwiRyI6MCwiQiI6MH19LCJNYXhXaWR0aCI6MjAwLjAsIk1heEhlaWdodCI6IkluZmluaXR5IiwiU21hcnRGb3JlZ3JvdW5kSXNBY3RpdmUiOmZhbHNlLCJIb3Jpem9udGFsQWxpZ25tZW50IjowLCJWZXJ0aWNhbEFsaWdubWVudCI6MCwiU21hcnRGb3JlZ3JvdW5kIjpudWxsLCJCYWNrZ3JvdW5kRmlsbFR5cGUiOjAsIk1hcmdpbiI6eyIkcmVmIjoiMTI3In0sIlBhZGRpbmciOnsiJHJlZiI6IjEyOCJ9LCJCYWNrZ3JvdW5kIjp7IiRyZWYiOiIxMjkifSwiSXNWaXNpYmxlIjp0cnVlLCJXaWR0aCI6MC4wLCJIZWlnaHQiOjAuMCwiQm9yZGVyU3R5bGUiOnsiJGlkIjoiMjc5IiwiTGluZUNvbG9yIjpudWxsLCJMaW5lV2VpZ2h0IjowLjAsIkxpbmVUeXBlIjowLCJQYXJlbnRTdHlsZSI6bnVsbH0sIlBhcmVudFN0eWxlIjp7IiRyZWYiOiIxMjMifX0sIkRhdGVGb3JtYXQiOnsiJHJlZiI6IjEzMCJ9LCJJc1Zpc2libGUiOnRydWUsIlBhcmVudFN0eWxlIjp7IiRyZWYiOiI4NiJ9fSwiSW5kZXgiOjAsIlNtYXJ0RHVyYXRpb25BY3RpdmF0ZWQiOmZhbHNlLCJEYXRlRm9ybWF0Ijp7IiRyZWYiOiIxMzAifSwiSWQiOiIxMWE1ZmQyMC0xNjlhLTRlNWEtYTBiZS1kMDQ4ZGJhMDhmZjIiLCJJbXBvcnRJZCI6bnVsbCwiVGl0bGUiOiJLaWNrLU9mZiIsIk5vdGUiOm51bGwsIkh5cGVybGluayI6eyIkaWQiOiIyODAiLCJBZGRyZXNzIjoiIiwiU3ViQWRkcmVzcyI6IiJ9LCJJc0NoYW5nZWQiOmZhbHNlLCJJc05ldyI6dHJ1ZX0seyIkaWQiOiIyODEiLCJHcm91cE5hbWUiOm51bGwsIlN0YXJ0RGF0ZSI6IjIwMTktMTAtMjFUMDA6MDA6MDBaIiwiRW5kRGF0ZSI6IjIwMTktMTEtMDlUMjM6NTk6MDBaIiwiUGVyY2VudGFnZUNvbXBsZXRlIjoxMDAuMCwiU3R5bGUiOnsiJGlkIjoiMjgyIiwiU2hhcGUiOjAsIlNoYXBlVGhpY2tuZXNzIjoxLCJEdXJhdGlvbkZvcm1hdCI6MCwiSW5jbHVkZU5vbldvcmtpbmdEYXlzSW5EdXJhdGlvbiI6dHJ1ZSwiUGVyY2VudGFnZUNvbXBsZXRlU3R5bGUiOnsiJGlkIjoiMjgzIiwiRm9udFNldHRpbmdzIjp7IiRpZCI6IjI4NCIsIkZvbnRTaXplIjoxMCwiRm9udE5hbWUiOiJDYWxpYnJpIiwiSXNCb2xkIjpmYWxzZSwiSXNJdGFsaWMiOmZhbHNlLCJJc1VuZGVybGluZWQiOmZhbHNlLCJQYXJlbnRTdHlsZSI6eyIkcmVmIjoiODgifX0sIkF1dG9TaXplIjowLCJGb3JlZ3JvdW5kIjp7IiRyZWYiOiI4OSJ9LCJNYXhXaWR0aCI6MjAwLjAsIk1heEhlaWdodCI6IkluZmluaXR5IiwiU21hcnRGb3JlZ3JvdW5kSXNBY3RpdmUiOmZhbHNlLCJIb3Jpem9udGFsQWxpZ25tZW50IjowLCJWZXJ0aWNhbEFsaWdubWVudCI6MCwiU21hcnRGb3JlZ3JvdW5kIjpudWxsLCJCYWNrZ3JvdW5kRmlsbFR5cGUiOjAsIk1hcmdpbiI6eyIkcmVmIjoiOTEifSwiUGFkZGluZyI6eyIkcmVmIjoiOTIifSwiQmFja2dyb3VuZCI6eyIkcmVmIjoiOTMifSwiSXNWaXNpYmxlIjp0cnVlLCJXaWR0aCI6MC4wLCJIZWlnaHQiOjAuMCwiQm9yZGVyU3R5bGUiOnsiJGlkIjoiMjg1IiwiTGluZUNvbG9yIjpudWxsLCJMaW5lV2VpZ2h0IjowLjAsIkxpbmVUeXBlIjowLCJQYXJlbnRTdHlsZSI6bnVsbH0sIlBhcmVudFN0eWxlIjp7IiRyZWYiOiI4NyJ9fSwiRHVyYXRpb25TdHlsZSI6eyIkaWQiOiIyODYiLCJGb250U2V0dGluZ3MiOnsiJGlkIjoiMjg3IiwiRm9udFNpemUiOjEwLCJGb250TmFtZSI6IkNhbGlicmkiLCJJc0JvbGQiOmZhbHNlLCJJc0l0YWxpYyI6ZmFsc2UsIklzVW5kZXJsaW5lZCI6ZmFsc2UsIlBhcmVudFN0eWxlIjp7IiRyZWYiOiI5NiJ9fSwiQXV0b1NpemUiOjAsIkZvcmVncm91bmQiOnsiJHJlZiI6Ijk3In0sIk1heFdpZHRoIjoyMDAuMCwiTWF4SGVpZ2h0IjoiSW5maW5pdHkiLCJTbWFydEZvcmVncm91bmRJc0FjdGl2ZSI6ZmFsc2UsIkhvcml6b250YWxBbGlnbm1lbnQiOjAsIlZlcnRpY2FsQWxpZ25tZW50IjowLCJTbWFydEZvcmVncm91bmQiOm51bGwsIkJhY2tncm91bmRGaWxsVHlwZSI6MCwiTWFyZ2luIjp7IiRyZWYiOiI5OSJ9LCJQYWRkaW5nIjp7IiRyZWYiOiIxMDAifSwiQmFja2dyb3VuZCI6eyIkcmVmIjoiMTAxIn0sIklzVmlzaWJsZSI6dHJ1ZSwiV2lkdGgiOjAuMCwiSGVpZ2h0IjowLjAsIkJvcmRlclN0eWxlIjp7IiRpZCI6IjI4OCIsIkxpbmVDb2xvciI6bnVsbCwiTGluZVdlaWdodCI6MC4wLCJMaW5lVHlwZSI6MCwiUGFyZW50U3R5bGUiOm51bGx9LCJQYXJlbnRTdHlsZSI6eyIkcmVmIjoiOTUifX0sIkhvcml6b250YWxDb25uZWN0b3JTdHlsZSI6eyIkaWQiOiIyODkiLCJMaW5lQ29sb3IiOnsiJHJlZiI6IjEwMyJ9LCJMaW5lV2VpZ2h0IjoxLjAsIkxpbmVUeXBlIjowLCJQYXJlbnRTdHlsZSI6eyIkcmVmIjoiMTAyIn19LCJWZXJ0aWNhbENvbm5lY3RvclN0eWxlIjp7IiRpZCI6IjI5MCIsIkxpbmVDb2xvciI6eyIkcmVmIjoiMTA2In0sIkxpbmVXZWlnaHQiOjAuMCwiTGluZVR5cGUiOjAsIlBhcmVudFN0eWxlIjp7IiRyZWYiOiIxMDUifX0sIk1hcmdpbiI6bnVsbCwiU3RhcnREYXRlUG9zaXRpb24iOjQsIkVuZERhdGVQb3NpdGlvbiI6NCwiRGF0ZUlzVmlzaWJsZSI6dHJ1ZSwiVGl0bGVQb3NpdGlvbiI6NSwiRHVyYXRpb25Qb3NpdGlvbiI6MCwiUGVyY2VudGFnZUNvbXBsZXRlZFBvc2l0aW9uIjo2LCJTcGFjaW5nIjoxMCwiSXNCZWxvd1RpbWViYW5kIjp0cnVlLCJQZXJjZW50YWdlQ29tcGxldGVTaGFwZU9wYWNpdHkiOjM1LCJTaGFwZVN0eWxlIjp7IiRpZCI6IjI5MSIsIk1hcmdpbiI6eyIkcmVmIjoiMTA5In0sIlBhZGRpbmciOnsiJHJlZiI6IjExMCJ9LCJCYWNrZ3JvdW5kIjp7IiRpZCI6IjI5MiIsIkNvbG9yIjp7IiRpZCI6IjI5MyIsIkEiOjI1NSwiUiI6OTEsIkciOjE1NSwiQiI6MjEzfX0sIklzVmlzaWJsZSI6dHJ1ZSwiV2lkdGgiOjAuMCwiSGVpZ2h0IjoxNi4wLCJCb3JkZXJTdHlsZSI6eyIkaWQiOiIyOTQiLCJMaW5lQ29sb3IiOnsiJGlkIjoiMjk1IiwiJHR5cGUiOiJOTFJFLkNvbW1vbi5Eb20uU29saWRDb2xvckJydXNoLCBOTFJFLkNvbW1vbiIsIkNvbG9yIjp7IiRpZCI6IjI5NiIsIkEiOjI1NSwiUiI6MjU1LCJHIjowLCJCIjowfX0sIkxpbmVXZWlnaHQiOjAuMCwiTGluZVR5cGUiOjAsIlBhcmVudFN0eWxlIjpudWxsfSwiUGFyZW50U3R5bGUiOnsiJHJlZiI6IjEwOCJ9fSwiVGl0bGVTdHlsZSI6eyIkaWQiOiIyOTciLCJGb250U2V0dGluZ3MiOnsiJGlkIjoiMjk4IiwiRm9udFNpemUiOjExLCJGb250TmFtZSI6IkNhbGlicmkiLCJJc0JvbGQiOnRydWUsIklzSXRhbGljIjpmYWxzZSwiSXNVbmRlcmxpbmVkIjpmYWxzZSwiUGFyZW50U3R5bGUiOnsiJHJlZiI6IjExNyJ9fSwiQXV0b1NpemUiOjAsIkZvcmVncm91bmQiOnsiJGlkIjoiMjk5IiwiQ29sb3IiOnsiJGlkIjoiMzAwIiwiQSI6MjU1LCJSIjowLCJHIjowLCJCIjowfX0sIk1heFdpZHRoIjo3MjAuMCwiTWF4SGVpZ2h0IjoiSW5maW5pdHkiLCJTbWFydEZvcmVncm91bmRJc0FjdGl2ZSI6ZmFsc2UsIkhvcml6b250YWxBbGlnbm1lbnQiOjAsIlZlcnRpY2FsQWxpZ25tZW50IjowLCJTbWFydEZvcmVncm91bmQiOm51bGwsIkJhY2tncm91bmRGaWxsVHlwZSI6MCwiTWFyZ2luIjp7IiRyZWYiOiIxMjAifSwiUGFkZGluZyI6eyIkcmVmIjoiMTIxIn0sIkJhY2tncm91bmQiOnsiJHJlZiI6IjEyMiJ9LCJJc1Zpc2libGUiOnRydWUsIldpZHRoIjowLjAsIkhlaWdodCI6MC4wLCJCb3JkZXJTdHlsZSI6eyIkaWQiOiIzMDEiLCJMaW5lQ29sb3IiOm51bGwsIkxpbmVXZWlnaHQiOjAuMCwiTGluZVR5cGUiOjAsIlBhcmVudFN0eWxlIjpudWxsfSwiUGFyZW50U3R5bGUiOnsiJHJlZiI6IjExNiJ9fSwiRGF0ZVN0eWxlIjp7IiRpZCI6IjMwMiIsIkZvbnRTZXR0aW5ncyI6eyIkaWQiOiIzMDMiLCJGb250U2l6ZSI6MTAsIkZvbnROYW1lIjoiQ2FsaWJyaSIsIklzQm9sZCI6ZmFsc2UsIklzSXRhbGljIjpmYWxzZSwiSXNVbmRlcmxpbmVkIjpmYWxzZSwiUGFyZW50U3R5bGUiOnsiJHJlZiI6IjEyNCJ9fSwiQXV0b1NpemUiOjAsIkZvcmVncm91bmQiOnsiJGlkIjoiMzA0IiwiQ29sb3IiOnsiJGlkIjoiMzA1IiwiQSI6MjU1LCJSIjowLCJHIjowLCJCIjowfX0sIk1heFdpZHRoIjoyMDAuMCwiTWF4SGVpZ2h0IjoiSW5maW5pdHkiLCJTbWFydEZvcmVncm91bmRJc0FjdGl2ZSI6ZmFsc2UsIkhvcml6b250YWxBbGlnbm1lbnQiOjAsIlZlcnRpY2FsQWxpZ25tZW50IjowLCJTbWFydEZvcmVncm91bmQiOm51bGwsIkJhY2tncm91bmRGaWxsVHlwZSI6MCwiTWFyZ2luIjp7IiRyZWYiOiIxMjcifSwiUGFkZGluZyI6eyIkcmVmIjoiMTI4In0sIkJhY2tncm91bmQiOnsiJHJlZiI6IjEyOSJ9LCJJc1Zpc2libGUiOnRydWUsIldpZHRoIjowLjAsIkhlaWdodCI6MC4wLCJCb3JkZXJTdHlsZSI6eyIkaWQiOiIzMDYiLCJMaW5lQ29sb3IiOm51bGwsIkxpbmVXZWlnaHQiOjAuMCwiTGluZVR5cGUiOjAsIlBhcmVudFN0eWxlIjpudWxsfSwiUGFyZW50U3R5bGUiOnsiJHJlZiI6IjEyMyJ9fSwiRGF0ZUZvcm1hdCI6eyIkcmVmIjoiMTMwIn0sIklzVmlzaWJsZSI6dHJ1ZSwiUGFyZW50U3R5bGUiOnsiJHJlZiI6Ijg2In19LCJJbmRleCI6MSwiU21hcnREdXJhdGlvbkFjdGl2YXRlZCI6ZmFsc2UsIkRhdGVGb3JtYXQiOnsiJHJlZiI6IjEzMCJ9LCJJZCI6IjIzYzE1MjMyLTdkMzEtNGU5NS04ZTExLWNhMjUxZjMzZmI0OSIsIkltcG9ydElkIjpudWxsLCJUaXRsZSI6IlBsYW5uaW5nIiwiTm90ZSI6bnVsbCwiSHlwZXJsaW5rIjp7IiRpZCI6IjMwNyIsIkFkZHJlc3MiOiIiLCJTdWJBZGRyZXNzIjoiIn0sIklzQ2hhbmdlZCI6ZmFsc2UsIklzTmV3Ijp0cnVlfSx7IiRpZCI6IjMwOCIsIkdyb3VwTmFtZSI6bnVsbCwiU3RhcnREYXRlIjoiMjAxOS0xMS0xMVQwMDowMDowMFoiLCJFbmREYXRlIjoiMjAxOS0xMi0yMVQyMzo1OTowMFoiLCJQZXJjZW50YWdlQ29tcGxldGUiOm51bGwsIlN0eWxlIjp7IiRpZCI6IjMwOSIsIlNoYXBlIjowLCJTaGFwZVRoaWNrbmVzcyI6MSwiRHVyYXRpb25Gb3JtYXQiOjAsIkluY2x1ZGVOb25Xb3JraW5nRGF5c0luRHVyYXRpb24iOnRydWUsIlBlcmNlbnRhZ2VDb21wbGV0ZVN0eWxlIjp7IiRpZCI6IjMxMCIsIkZvbnRTZXR0aW5ncyI6eyIkaWQiOiIzMTEiLCJGb250U2l6ZSI6MTAsIkZvbnROYW1lIjoiQ2FsaWJyaSIsIklzQm9sZCI6ZmFsc2UsIklzSXRhbGljIjpmYWxzZSwiSXNVbmRlcmxpbmVkIjpmYWxzZSwiUGFyZW50U3R5bGUiOnsiJHJlZiI6Ijg4In19LCJBdXRvU2l6ZSI6MCwiRm9yZWdyb3VuZCI6eyIkcmVmIjoiODkifSwiTWF4V2lkdGgiOjIwMC4wLCJNYXhIZWlnaHQiOiJJbmZpbml0eSIsIlNtYXJ0Rm9yZWdyb3VuZElzQWN0aXZlIjpmYWxzZSwiSG9yaXpvbnRhbEFsaWdubWVudCI6MCwiVmVydGljYWxBbGlnbm1lbnQiOjAsIlNtYXJ0Rm9yZWdyb3VuZCI6bnVsbCwiQmFja2dyb3VuZEZpbGxUeXBlIjowLCJNYXJnaW4iOnsiJHJlZiI6IjkxIn0sIlBhZGRpbmciOnsiJHJlZiI6IjkyIn0sIkJhY2tncm91bmQiOnsiJHJlZiI6IjkzIn0sIklzVmlzaWJsZSI6dHJ1ZSwiV2lkdGgiOjAuMCwiSGVpZ2h0IjowLjAsIkJvcmRlclN0eWxlIjp7IiRpZCI6IjMxMiIsIkxpbmVDb2xvciI6bnVsbCwiTGluZVdlaWdodCI6MC4wLCJMaW5lVHlwZSI6MCwiUGFyZW50U3R5bGUiOm51bGx9LCJQYXJlbnRTdHlsZSI6eyIkcmVmIjoiODcifX0sIkR1cmF0aW9uU3R5bGUiOnsiJGlkIjoiMzEzIiwiRm9udFNldHRpbmdzIjp7IiRpZCI6IjMxNCIsIkZvbnRTaXplIjoxMCwiRm9udE5hbWUiOiJDYWxpYnJpIiwiSXNCb2xkIjpmYWxzZSwiSXNJdGFsaWMiOmZhbHNlLCJJc1VuZGVybGluZWQiOmZhbHNlLCJQYXJlbnRTdHlsZSI6eyIkcmVmIjoiOTYifX0sIkF1dG9TaXplIjowLCJGb3JlZ3JvdW5kIjp7IiRyZWYiOiI5NyJ9LCJNYXhXaWR0aCI6MjAwLjAsIk1heEhlaWdodCI6IkluZmluaXR5IiwiU21hcnRGb3JlZ3JvdW5kSXNBY3RpdmUiOmZhbHNlLCJIb3Jpem9udGFsQWxpZ25tZW50IjowLCJWZXJ0aWNhbEFsaWdubWVudCI6MCwiU21hcnRGb3JlZ3JvdW5kIjpudWxsLCJCYWNrZ3JvdW5kRmlsbFR5cGUiOjAsIk1hcmdpbiI6eyIkcmVmIjoiOTkifSwiUGFkZGluZyI6eyIkcmVmIjoiMTAwIn0sIkJhY2tncm91bmQiOnsiJHJlZiI6IjEwMSJ9LCJJc1Zpc2libGUiOnRydWUsIldpZHRoIjowLjAsIkhlaWdodCI6MC4wLCJCb3JkZXJTdHlsZSI6eyIkaWQiOiIzMTUiLCJMaW5lQ29sb3IiOm51bGwsIkxpbmVXZWlnaHQiOjAuMCwiTGluZVR5cGUiOjAsIlBhcmVudFN0eWxlIjpudWxsfSwiUGFyZW50U3R5bGUiOnsiJHJlZiI6Ijk1In19LCJIb3Jpem9udGFsQ29ubmVjdG9yU3R5bGUiOnsiJGlkIjoiMzE2IiwiTGluZUNvbG9yIjp7IiRyZWYiOiIxMDMifSwiTGluZVdlaWdodCI6MS4yNSwiTGluZVR5cGUiOjAsIlBhcmVudFN0eWxlIjp7IiRyZWYiOiIxMDIifX0sIlZlcnRpY2FsQ29ubmVjdG9yU3R5bGUiOnsiJGlkIjoiMzE3IiwiTGluZUNvbG9yIjp7IiRyZWYiOiIxMDYifSwiTGluZVdlaWdodCI6MC4wLCJMaW5lVHlwZSI6MCwiUGFyZW50U3R5bGUiOnsiJHJlZiI6IjEwNSJ9fSwiTWFyZ2luIjpudWxsLCJTdGFydERhdGVQb3NpdGlvbiI6NCwiRW5kRGF0ZVBvc2l0aW9uIjo0LCJEYXRlSXNWaXNpYmxlIjp0cnVlLCJUaXRsZVBvc2l0aW9uIjo1LCJEdXJhdGlvblBvc2l0aW9uIjowLCJQZXJjZW50YWdlQ29tcGxldGVkUG9zaXRpb24iOjYsIlNwYWNpbmciOjEwLCJJc0JlbG93VGltZWJhbmQiOnRydWUsIlBlcmNlbnRhZ2VDb21wbGV0ZVNoYXBlT3BhY2l0eSI6MzUsIlNoYXBlU3R5bGUiOnsiJGlkIjoiMzE4IiwiTWFyZ2luIjp7IiRyZWYiOiIxMDkifSwiUGFkZGluZyI6eyIkcmVmIjoiMTEwIn0sIkJhY2tncm91bmQiOnsiJGlkIjoiMzE5IiwiQ29sb3IiOnsiJGlkIjoiMzIwIiwiQSI6MjU1LCJSIjo5MSwiRyI6MTU1LCJCIjoyMTN9fSwiSXNWaXNpYmxlIjp0cnVlLCJXaWR0aCI6MC4wLCJIZWlnaHQiOjE2LjAsIkJvcmRlclN0eWxlIjp7IiRpZCI6IjMyMSIsIkxpbmVDb2xvciI6eyIkaWQiOiIzMjIiLCIkdHlwZSI6Ik5MUkUuQ29tbW9uLkRvbS5Tb2xpZENvbG9yQnJ1c2gsIE5MUkUuQ29tbW9uIiwiQ29sb3IiOnsiJGlkIjoiMzIzIiwiQSI6MjU1LCJSIjoyNTUsIkciOjAsIkIiOjB9fSwiTGluZVdlaWdodCI6MC4wLCJMaW5lVHlwZSI6MCwiUGFyZW50U3R5bGUiOm51bGx9LCJQYXJlbnRTdHlsZSI6eyIkcmVmIjoiMTA4In19LCJUaXRsZVN0eWxlIjp7IiRpZCI6IjMyNCIsIkZvbnRTZXR0aW5ncyI6eyIkaWQiOiIzMjUiLCJGb250U2l6ZSI6MTEsIkZvbnROYW1lIjoiQ2FsaWJyaSIsIklzQm9sZCI6dHJ1ZSwiSXNJdGFsaWMiOmZhbHNlLCJJc1VuZGVybGluZWQiOmZhbHNlLCJQYXJlbnRTdHlsZSI6eyIkcmVmIjoiMTE3In19LCJBdXRvU2l6ZSI6MCwiRm9yZWdyb3VuZCI6eyIkaWQiOiIzMjYiLCJDb2xvciI6eyIkaWQiOiIzMjciLCJBIjoyNTUsIlIiOjAsIkciOjAsIkIiOjB9fSwiTWF4V2lkdGgiOjcyMC4wLCJNYXhIZWlnaHQiOiJJbmZpbml0eSIsIlNtYXJ0Rm9yZWdyb3VuZElzQWN0aXZlIjpmYWxzZSwiSG9yaXpvbnRhbEFsaWdubWVudCI6MCwiVmVydGljYWxBbGlnbm1lbnQiOjAsIlNtYXJ0Rm9yZWdyb3VuZCI6bnVsbCwiQmFja2dyb3VuZEZpbGxUeXBlIjowLCJNYXJnaW4iOnsiJHJlZiI6IjEyMCJ9LCJQYWRkaW5nIjp7IiRyZWYiOiIxMjEifSwiQmFja2dyb3VuZCI6eyIkcmVmIjoiMTIyIn0sIklzVmlzaWJsZSI6dHJ1ZSwiV2lkdGgiOjAuMCwiSGVpZ2h0IjowLjAsIkJvcmRlclN0eWxlIjp7IiRpZCI6IjMyOCIsIkxpbmVDb2xvciI6bnVsbCwiTGluZVdlaWdodCI6MC4wLCJMaW5lVHlwZSI6MCwiUGFyZW50U3R5bGUiOm51bGx9LCJQYXJlbnRTdHlsZSI6eyIkcmVmIjoiMTE2In19LCJEYXRlU3R5bGUiOnsiJGlkIjoiMzI5IiwiRm9udFNldHRpbmdzIjp7IiRpZCI6IjMzMCIsIkZvbnRTaXplIjoxMCwiRm9udE5hbWUiOiJDYWxpYnJpIiwiSXNCb2xkIjpmYWxzZSwiSXNJdGFsaWMiOmZhbHNlLCJJc1VuZGVybGluZWQiOmZhbHNlLCJQYXJlbnRTdHlsZSI6eyIkcmVmIjoiMTI0In19LCJBdXRvU2l6ZSI6MCwiRm9yZWdyb3VuZCI6eyIkaWQiOiIzMzEiLCJDb2xvciI6eyIkaWQiOiIzMzIiLCJBIjoyNTUsIlIiOjAsIkciOjAsIkIiOjB9fSwiTWF4V2lkdGgiOjIwMC4wLCJNYXhIZWlnaHQiOiJJbmZpbml0eSIsIlNtYXJ0Rm9yZWdyb3VuZElzQWN0aXZlIjpmYWxzZSwiSG9yaXpvbnRhbEFsaWdubWVudCI6MCwiVmVydGljYWxBbGlnbm1lbnQiOjAsIlNtYXJ0Rm9yZWdyb3VuZCI6bnVsbCwiQmFja2dyb3VuZEZpbGxUeXBlIjowLCJNYXJnaW4iOnsiJHJlZiI6IjEyNyJ9LCJQYWRkaW5nIjp7IiRyZWYiOiIxMjgifSwiQmFja2dyb3VuZCI6eyIkcmVmIjoiMTI5In0sIklzVmlzaWJsZSI6dHJ1ZSwiV2lkdGgiOjAuMCwiSGVpZ2h0IjowLjAsIkJvcmRlclN0eWxlIjp7IiRpZCI6IjMzMyIsIkxpbmVDb2xvciI6bnVsbCwiTGluZVdlaWdodCI6MC4wLCJMaW5lVHlwZSI6MCwiUGFyZW50U3R5bGUiOm51bGx9LCJQYXJlbnRTdHlsZSI6eyIkcmVmIjoiMTIzIn19LCJEYXRlRm9ybWF0Ijp7IiRyZWYiOiIxMzAifSwiSXNWaXNpYmxlIjp0cnVlLCJQYXJlbnRTdHlsZSI6eyIkcmVmIjoiODYifX0sIkluZGV4IjoyLCJTbWFydER1cmF0aW9uQWN0aXZhdGVkIjpmYWxzZSwiRGF0ZUZvcm1hdCI6eyIkcmVmIjoiMTMwIn0sIklkIjoiZjIzZTQ2MDUtMDVjMi00ZWU4LTgxNTktYjQyMWI4MTBiN2U0IiwiSW1wb3J0SWQiOm51bGwsIlRpdGxlIjoiQW5hbHlzaW5nIiwiTm90ZSI6bnVsbCwiSHlwZXJsaW5rIjp7IiRpZCI6IjMzNCIsIkFkZHJlc3MiOiIiLCJTdWJBZGRyZXNzIjoiIn0sIklzQ2hhbmdlZCI6ZmFsc2UsIklzTmV3Ijp0cnVlfSx7IiRpZCI6IjMzNSIsIkdyb3VwTmFtZSI6bnVsbCwiU3RhcnREYXRlIjoiMjAxOS0xMS0yNVQwMDowMDowMFoiLCJFbmREYXRlIjoiMjAxOS0xMi0yMVQyMzo1OTowMFoiLCJQZXJjZW50YWdlQ29tcGxldGUiOm51bGwsIlN0eWxlIjp7IiRpZCI6IjMzNiIsIlNoYXBlIjowLCJTaGFwZVRoaWNrbmVzcyI6MSwiRHVyYXRpb25Gb3JtYXQiOjAsIkluY2x1ZGVOb25Xb3JraW5nRGF5c0luRHVyYXRpb24iOmZhbHNlLCJQZXJjZW50YWdlQ29tcGxldGVTdHlsZSI6eyIkaWQiOiIzMzciLCJGb250U2V0dGluZ3MiOnsiJGlkIjoiMzM4IiwiRm9udFNpemUiOjEwLCJGb250TmFtZSI6IkNhbGlicmkiLCJJc0JvbGQiOmZhbHNlLCJJc0l0YWxpYyI6ZmFsc2UsIklzVW5kZXJsaW5lZCI6ZmFsc2UsIlBhcmVudFN0eWxlIjpudWxsfSwiQXV0b1NpemUiOjAsIkZvcmVncm91bmQiOnsiJHJlZiI6Ijg5In0sIk1heFdpZHRoIjoyMDAuMCwiTWF4SGVpZ2h0IjoiSW5maW5pdHkiLCJTbWFydEZvcmVncm91bmRJc0FjdGl2ZSI6ZmFsc2UsIkhvcml6b250YWxBbGlnbm1lbnQiOjAsIlZlcnRpY2FsQWxpZ25tZW50IjowLCJTbWFydEZvcmVncm91bmQiOm51bGwsIkJhY2tncm91bmRGaWxsVHlwZSI6MCwiTWFyZ2luIjp7IiRyZWYiOiI5MSJ9LCJQYWRkaW5nIjp7IiRyZWYiOiI5MiJ9LCJCYWNrZ3JvdW5kIjp7IiRyZWYiOiI5MyJ9LCJJc1Zpc2libGUiOnRydWUsIldpZHRoIjowLjAsIkhlaWdodCI6MC4wLCJCb3JkZXJTdHlsZSI6eyIkaWQiOiIzMzkiLCJMaW5lQ29sb3IiOm51bGwsIkxpbmVXZWlnaHQiOjAuMCwiTGluZVR5cGUiOjAsIlBhcmVudFN0eWxlIjpudWxsfSwiUGFyZW50U3R5bGUiOm51bGx9LCJEdXJhdGlvblN0eWxlIjp7IiRpZCI6IjM0MCIsIkZvbnRTZXR0aW5ncyI6eyIkaWQiOiIzNDEiLCJGb250U2l6ZSI6MTAsIkZvbnROYW1lIjoiQ2FsaWJyaSIsIklzQm9sZCI6ZmFsc2UsIklzSXRhbGljIjpmYWxzZSwiSXNVbmRlcmxpbmVkIjpmYWxzZSwiUGFyZW50U3R5bGUiOm51bGx9LCJBdXRvU2l6ZSI6MCwiRm9yZWdyb3VuZCI6eyIkaWQiOiIzNDIiLCJDb2xvciI6eyIkaWQiOiIzNDMiLCJBIjoyNTUsIlIiOjAsIkciOjAsIkIiOjB9fSwiTWF4V2lkdGgiOjIwMC4wLCJNYXhIZWlnaHQiOiJJbmZpbml0eSIsIlNtYXJ0Rm9yZWdyb3VuZElzQWN0aXZlIjpmYWxzZSwiSG9yaXpvbnRhbEFsaWdubWVudCI6MCwiVmVydGljYWxBbGlnbm1lbnQiOjAsIlNtYXJ0Rm9yZWdyb3VuZCI6bnVsbCwiQmFja2dyb3VuZEZpbGxUeXBlIjowLCJNYXJnaW4iOnsiJHJlZiI6Ijk5In0sIlBhZGRpbmciOnsiJHJlZiI6IjEwMCJ9LCJCYWNrZ3JvdW5kIjp7IiRyZWYiOiIxMDEifSwiSXNWaXNpYmxlIjp0cnVlLCJXaWR0aCI6MC4wLCJIZWlnaHQiOjAuMCwiQm9yZGVyU3R5bGUiOnsiJGlkIjoiMzQ0IiwiTGluZUNvbG9yIjpudWxsLCJMaW5lV2VpZ2h0IjowLjAsIkxpbmVUeXBlIjowLCJQYXJlbnRTdHlsZSI6bnVsbH0sIlBhcmVudFN0eWxlIjpudWxsfSwiSG9yaXpvbnRhbENvbm5lY3RvclN0eWxlIjp7IiRpZCI6IjM0NSIsIkxpbmVDb2xvciI6eyIkcmVmIjoiMTAzIn0sIkxpbmVXZWlnaHQiOjEuMCwiTGluZVR5cGUiOjAsIlBhcmVudFN0eWxlIjpudWxsfSwiVmVydGljYWxDb25uZWN0b3JTdHlsZSI6eyIkaWQiOiIzNDYiLCJMaW5lQ29sb3IiOnsiJHJlZiI6IjEwNiJ9LCJMaW5lV2VpZ2h0IjowLjAsIkxpbmVUeXBlIjowLCJQYXJlbnRTdHlsZSI6bnVsbH0sIk1hcmdpbiI6bnVsbCwiU3RhcnREYXRlUG9zaXRpb24iOjQsIkVuZERhdGVQb3NpdGlvbiI6NCwiRGF0ZUlzVmlzaWJsZSI6dHJ1ZSwiVGl0bGVQb3NpdGlvbiI6NSwiRHVyYXRpb25Qb3NpdGlvbiI6MCwiUGVyY2VudGFnZUNvbXBsZXRlZFBvc2l0aW9uIjo2LCJTcGFjaW5nIjoxMCwiSXNCZWxvd1RpbWViYW5kIjp0cnVlLCJQZXJjZW50YWdlQ29tcGxldGVTaGFwZU9wYWNpdHkiOjM1LCJTaGFwZVN0eWxlIjp7IiRpZCI6IjM0NyIsIk1hcmdpbiI6eyIkcmVmIjoiMTA5In0sIlBhZGRpbmciOnsiJHJlZiI6IjExMCJ9LCJCYWNrZ3JvdW5kIjp7IiRpZCI6IjM0OCIsIkNvbG9yIjp7IiRpZCI6IjM0OSIsIkEiOjI1NSwiUiI6OTEsIkciOjE1NSwiQiI6MjEzfX0sIklzVmlzaWJsZSI6dHJ1ZSwiV2lkdGgiOjAuMCwiSGVpZ2h0IjoxNi4wLCJCb3JkZXJTdHlsZSI6eyIkaWQiOiIzNTAiLCJMaW5lQ29sb3IiOnsiJHJlZiI6IjExNCJ9LCJMaW5lV2VpZ2h0IjowLjAsIkxpbmVUeXBlIjowLCJQYXJlbnRTdHlsZSI6bnVsbH0sIlBhcmVudFN0eWxlIjpudWxsfSwiVGl0bGVTdHlsZSI6eyIkaWQiOiIzNTEiLCJGb250U2V0dGluZ3MiOnsiJGlkIjoiMzUyIiwiRm9udFNpemUiOjExLCJGb250TmFtZSI6IkNhbGlicmkiLCJJc0JvbGQiOnRydWUsIklzSXRhbGljIjpmYWxzZSwiSXNVbmRlcmxpbmVkIjpmYWxzZSwiUGFyZW50U3R5bGUiOm51bGx9LCJBdXRvU2l6ZSI6MCwiRm9yZWdyb3VuZCI6eyIkaWQiOiIzNTMiLCJDb2xvciI6eyIkaWQiOiIzNTQiLCJBIjoyNTUsIlIiOjAsIkciOjAsIkIiOjB9fSwiTWF4V2lkdGgiOjcyMC4wLCJNYXhIZWlnaHQiOiJJbmZpbml0eSIsIlNtYXJ0Rm9yZWdyb3VuZElzQWN0aXZlIjpmYWxzZSwiSG9yaXpvbnRhbEFsaWdubWVudCI6MCwiVmVydGljYWxBbGlnbm1lbnQiOjAsIlNtYXJ0Rm9yZWdyb3VuZCI6bnVsbCwiQmFja2dyb3VuZEZpbGxUeXBlIjowLCJNYXJnaW4iOnsiJHJlZiI6IjEyMCJ9LCJQYWRkaW5nIjp7IiRyZWYiOiIxMjEifSwiQmFja2dyb3VuZCI6eyIkcmVmIjoiMTIyIn0sIklzVmlzaWJsZSI6dHJ1ZSwiV2lkdGgiOjAuMCwiSGVpZ2h0IjowLjAsIkJvcmRlclN0eWxlIjp7IiRpZCI6IjM1NSIsIkxpbmVDb2xvciI6bnVsbCwiTGluZVdlaWdodCI6MC4wLCJMaW5lVHlwZSI6MCwiUGFyZW50U3R5bGUiOm51bGx9LCJQYXJlbnRTdHlsZSI6bnVsbH0sIkRhdGVTdHlsZSI6eyIkaWQiOiIzNTYiLCJGb250U2V0dGluZ3MiOnsiJGlkIjoiMzU3IiwiRm9udFNpemUiOjEwLCJGb250TmFtZSI6IkNhbGlicmkiLCJJc0JvbGQiOmZhbHNlLCJJc0l0YWxpYyI6ZmFsc2UsIklzVW5kZXJsaW5lZCI6ZmFsc2UsIlBhcmVudFN0eWxlIjpudWxsfSwiQXV0b1NpemUiOjAsIkZvcmVncm91bmQiOnsiJGlkIjoiMzU4IiwiQ29sb3IiOnsiJGlkIjoiMzU5IiwiQSI6MjU1LCJSIjowLCJHIjowLCJCIjowfX0sIk1heFdpZHRoIjoyMDAuMCwiTWF4SGVpZ2h0IjoiSW5maW5pdHkiLCJTbWFydEZvcmVncm91bmRJc0FjdGl2ZSI6ZmFsc2UsIkhvcml6b250YWxBbGlnbm1lbnQiOjAsIlZlcnRpY2FsQWxpZ25tZW50IjowLCJTbWFydEZvcmVncm91bmQiOm51bGwsIkJhY2tncm91bmRGaWxsVHlwZSI6MCwiTWFyZ2luIjp7IiRyZWYiOiIxMjcifSwiUGFkZGluZyI6eyIkcmVmIjoiMTI4In0sIkJhY2tncm91bmQiOnsiJHJlZiI6IjEyOSJ9LCJJc1Zpc2libGUiOnRydWUsIldpZHRoIjowLjAsIkhlaWdodCI6MC4wLCJCb3JkZXJTdHlsZSI6eyIkaWQiOiIzNjAiLCJMaW5lQ29sb3IiOm51bGwsIkxpbmVXZWlnaHQiOjAuMCwiTGluZVR5cGUiOjAsIlBhcmVudFN0eWxlIjpudWxsfSwiUGFyZW50U3R5bGUiOm51bGx9LCJEYXRlRm9ybWF0Ijp7IiRpZCI6IjM2MSIsIkZvcm1hdFN0cmluZyI6Ik1NTSBkIiwiU2VwYXJhdG9yIjoiLyIsIlVzZUludGVybmF0aW9uYWxEYXRlRm9ybWF0IjpmYWxzZSwiRGF0ZUlzVmlzaWJsZSI6dHJ1ZSwiVGltZUlzVmlzaWJsZSI6ZmFsc2UsIkhvdXJEaWdpdHMiOjEsIkFtUG1EZXNpZ25hdG9yIjoyLCJUcmltMDBNaW51dGVzIjpmYWxzZSwiTGFzdEtub3duVmlzaWJpbGl0eVN0YXRlIjp7IiRpZCI6IjM2MiIsIkRhdGVQYXJ0SXNWaXNpYmxlIjpmYWxzZSwiVGltZVBhcnRJc1Zpc2libGUiOmZhbHNlfX0sIklzVmlzaWJsZSI6dHJ1ZSwiUGFyZW50U3R5bGUiOm51bGx9LCJJbmRleCI6MywiU21hcnREdXJhdGlvbkFjdGl2YXRlZCI6ZmFsc2UsIkRhdGVGb3JtYXQiOnsiJHJlZiI6IjM2MSJ9LCJJZCI6IjUwNWU1ZmExLWFiNjItNDkxNy1hM2I5LTk3NmNlMDEyOGJlYSIsIkltcG9ydElkIjpudWxsLCJUaXRsZSI6IlRyYWluaW5nIiwiTm90ZSI6bnVsbCwiSHlwZXJsaW5rIjp7IiRpZCI6IjM2MyIsIkFkZHJlc3MiOiIiLCJTdWJBZGRyZXNzIjoiIn0sIklzQ2hhbmdlZCI6ZmFsc2UsIklzTmV3IjpmYWxzZX0seyIkaWQiOiIzNjQiLCJHcm91cE5hbWUiOm51bGwsIlN0YXJ0RGF0ZSI6IjIwMTktMTItMjNUMDA6MDA6MDBaIiwiRW5kRGF0ZSI6IjIwMjAtMDQtMzBUMjM6NTk6MDBaIiwiUGVyY2VudGFnZUNvbXBsZXRlIjpudWxsLCJTdHlsZSI6eyIkaWQiOiIzNjUiLCJTaGFwZSI6MCwiU2hhcGVUaGlja25lc3MiOjEsIkR1cmF0aW9uRm9ybWF0IjowLCJJbmNsdWRlTm9uV29ya2luZ0RheXNJbkR1cmF0aW9uIjp0cnVlLCJQZXJjZW50YWdlQ29tcGxldGVTdHlsZSI6eyIkaWQiOiIzNjYiLCJGb250U2V0dGluZ3MiOnsiJGlkIjoiMzY3IiwiRm9udFNpemUiOjEwLCJGb250TmFtZSI6IkNhbGlicmkiLCJJc0JvbGQiOmZhbHNlLCJJc0l0YWxpYyI6ZmFsc2UsIklzVW5kZXJsaW5lZCI6ZmFsc2UsIlBhcmVudFN0eWxlIjp7IiRyZWYiOiI4OCJ9fSwiQXV0b1NpemUiOjAsIkZvcmVncm91bmQiOnsiJHJlZiI6Ijg5In0sIk1heFdpZHRoIjoyMDAuMCwiTWF4SGVpZ2h0IjoiSW5maW5pdHkiLCJTbWFydEZvcmVncm91bmRJc0FjdGl2ZSI6ZmFsc2UsIkhvcml6b250YWxBbGlnbm1lbnQiOjAsIlZlcnRpY2FsQWxpZ25tZW50IjowLCJTbWFydEZvcmVncm91bmQiOm51bGwsIkJhY2tncm91bmRGaWxsVHlwZSI6MCwiTWFyZ2luIjp7IiRyZWYiOiI5MSJ9LCJQYWRkaW5nIjp7IiRyZWYiOiI5MiJ9LCJCYWNrZ3JvdW5kIjp7IiRyZWYiOiI5MyJ9LCJJc1Zpc2libGUiOnRydWUsIldpZHRoIjowLjAsIkhlaWdodCI6MC4wLCJCb3JkZXJTdHlsZSI6eyIkaWQiOiIzNjgiLCJMaW5lQ29sb3IiOm51bGwsIkxpbmVXZWlnaHQiOjAuMCwiTGluZVR5cGUiOjAsIlBhcmVudFN0eWxlIjpudWxsfSwiUGFyZW50U3R5bGUiOnsiJHJlZiI6Ijg3In19LCJEdXJhdGlvblN0eWxlIjp7IiRpZCI6IjM2OSIsIkZvbnRTZXR0aW5ncyI6eyIkaWQiOiIzNzAiLCJGb250U2l6ZSI6MTAsIkZvbnROYW1lIjoiQ2FsaWJyaSIsIklzQm9sZCI6ZmFsc2UsIklzSXRhbGljIjpmYWxzZSwiSXNVbmRlcmxpbmVkIjpmYWxzZSwiUGFyZW50U3R5bGUiOnsiJHJlZiI6Ijk2In19LCJBdXRvU2l6ZSI6MCwiRm9yZWdyb3VuZCI6eyIkcmVmIjoiOTcifSwiTWF4V2lkdGgiOjIwMC4wLCJNYXhIZWlnaHQiOiJJbmZpbml0eSIsIlNtYXJ0Rm9yZWdyb3VuZElzQWN0aXZlIjpmYWxzZSwiSG9yaXpvbnRhbEFsaWdubWVudCI6MCwiVmVydGljYWxBbGlnbm1lbnQiOjAsIlNtYXJ0Rm9yZWdyb3VuZCI6bnVsbCwiQmFja2dyb3VuZEZpbGxUeXBlIjowLCJNYXJnaW4iOnsiJHJlZiI6Ijk5In0sIlBhZGRpbmciOnsiJHJlZiI6IjEwMCJ9LCJCYWNrZ3JvdW5kIjp7IiRyZWYiOiIxMDEifSwiSXNWaXNpYmxlIjp0cnVlLCJXaWR0aCI6MC4wLCJIZWlnaHQiOjAuMCwiQm9yZGVyU3R5bGUiOnsiJGlkIjoiMzcxIiwiTGluZUNvbG9yIjpudWxsLCJMaW5lV2VpZ2h0IjowLjAsIkxpbmVUeXBlIjowLCJQYXJlbnRTdHlsZSI6bnVsbH0sIlBhcmVudFN0eWxlIjp7IiRyZWYiOiI5NSJ9fSwiSG9yaXpvbnRhbENvbm5lY3RvclN0eWxlIjp7IiRpZCI6IjM3MiIsIkxpbmVDb2xvciI6eyIkcmVmIjoiMTAzIn0sIkxpbmVXZWlnaHQiOjEuMjUsIkxpbmVUeXBlIjowLCJQYXJlbnRTdHlsZSI6eyIkcmVmIjoiMTAyIn19LCJWZXJ0aWNhbENvbm5lY3RvclN0eWxlIjp7IiRpZCI6IjM3MyIsIkxpbmVDb2xvciI6eyIkcmVmIjoiMTA2In0sIkxpbmVXZWlnaHQiOjAuMCwiTGluZVR5cGUiOjAsIlBhcmVudFN0eWxlIjp7IiRyZWYiOiIxMDUifX0sIk1hcmdpbiI6bnVsbCwiU3RhcnREYXRlUG9zaXRpb24iOjQsIkVuZERhdGVQb3NpdGlvbiI6NCwiRGF0ZUlzVmlzaWJsZSI6dHJ1ZSwiVGl0bGVQb3NpdGlvbiI6NSwiRHVyYXRpb25Qb3NpdGlvbiI6MCwiUGVyY2VudGFnZUNvbXBsZXRlZFBvc2l0aW9uIjo2LCJTcGFjaW5nIjoxMCwiSXNCZWxvd1RpbWViYW5kIjp0cnVlLCJQZXJjZW50YWdlQ29tcGxldGVTaGFwZU9wYWNpdHkiOjM1LCJTaGFwZVN0eWxlIjp7IiRpZCI6IjM3NCIsIk1hcmdpbiI6eyIkcmVmIjoiMTA5In0sIlBhZGRpbmciOnsiJHJlZiI6IjExMCJ9LCJCYWNrZ3JvdW5kIjp7IiRpZCI6IjM3NSIsIkNvbG9yIjp7IiRpZCI6IjM3NiIsIkEiOjI1NSwiUiI6OTEsIkciOjE1NSwiQiI6MjEzfX0sIklzVmlzaWJsZSI6dHJ1ZSwiV2lkdGgiOjAuMCwiSGVpZ2h0IjoxNi4wLCJCb3JkZXJTdHlsZSI6eyIkaWQiOiIzNzciLCJMaW5lQ29sb3IiOnsiJGlkIjoiMzc4IiwiJHR5cGUiOiJOTFJFLkNvbW1vbi5Eb20uU29saWRDb2xvckJydXNoLCBOTFJFLkNvbW1vbiIsIkNvbG9yIjp7IiRpZCI6IjM3OSIsIkEiOjI1NSwiUiI6MjU1LCJHIjowLCJCIjowfX0sIkxpbmVXZWlnaHQiOjAuMCwiTGluZVR5cGUiOjAsIlBhcmVudFN0eWxlIjpudWxsfSwiUGFyZW50U3R5bGUiOnsiJHJlZiI6IjEwOCJ9fSwiVGl0bGVTdHlsZSI6eyIkaWQiOiIzODAiLCJGb250U2V0dGluZ3MiOnsiJGlkIjoiMzgxIiwiRm9udFNpemUiOjExLCJGb250TmFtZSI6IkNhbGlicmkiLCJJc0JvbGQiOnRydWUsIklzSXRhbGljIjpmYWxzZSwiSXNVbmRlcmxpbmVkIjpmYWxzZSwiUGFyZW50U3R5bGUiOnsiJHJlZiI6IjExNyJ9fSwiQXV0b1NpemUiOjAsIkZvcmVncm91bmQiOnsiJGlkIjoiMzgyIiwiQ29sb3IiOnsiJGlkIjoiMzgzIiwiQSI6MjU1LCJSIjowLCJHIjowLCJCIjowfX0sIk1heFdpZHRoIjo3MjAuMCwiTWF4SGVpZ2h0IjoiSW5maW5pdHkiLCJTbWFydEZvcmVncm91bmRJc0FjdGl2ZSI6ZmFsc2UsIkhvcml6b250YWxBbGlnbm1lbnQiOjAsIlZlcnRpY2FsQWxpZ25tZW50IjowLCJTbWFydEZvcmVncm91bmQiOm51bGwsIkJhY2tncm91bmRGaWxsVHlwZSI6MCwiTWFyZ2luIjp7IiRyZWYiOiIxMjAifSwiUGFkZGluZyI6eyIkcmVmIjoiMTIxIn0sIkJhY2tncm91bmQiOnsiJHJlZiI6IjEyMiJ9LCJJc1Zpc2libGUiOnRydWUsIldpZHRoIjowLjAsIkhlaWdodCI6MC4wLCJCb3JkZXJTdHlsZSI6eyIkaWQiOiIzODQiLCJMaW5lQ29sb3IiOm51bGwsIkxpbmVXZWlnaHQiOjAuMCwiTGluZVR5cGUiOjAsIlBhcmVudFN0eWxlIjpudWxsfSwiUGFyZW50U3R5bGUiOnsiJHJlZiI6IjExNiJ9fSwiRGF0ZVN0eWxlIjp7IiRpZCI6IjM4NSIsIkZvbnRTZXR0aW5ncyI6eyIkaWQiOiIzODYiLCJGb250U2l6ZSI6MTAsIkZvbnROYW1lIjoiQ2FsaWJyaSIsIklzQm9sZCI6ZmFsc2UsIklzSXRhbGljIjpmYWxzZSwiSXNVbmRlcmxpbmVkIjpmYWxzZSwiUGFyZW50U3R5bGUiOnsiJHJlZiI6IjEyNCJ9fSwiQXV0b1NpemUiOjAsIkZvcmVncm91bmQiOnsiJGlkIjoiMzg3IiwiQ29sb3IiOnsiJGlkIjoiMzg4IiwiQSI6MjU1LCJSIjowLCJHIjowLCJCIjowfX0sIk1heFdpZHRoIjoyMDAuMCwiTWF4SGVpZ2h0IjoiSW5maW5pdHkiLCJTbWFydEZvcmVncm91bmRJc0FjdGl2ZSI6ZmFsc2UsIkhvcml6b250YWxBbGlnbm1lbnQiOjAsIlZlcnRpY2FsQWxpZ25tZW50IjowLCJTbWFydEZvcmVncm91bmQiOm51bGwsIkJhY2tncm91bmRGaWxsVHlwZSI6MCwiTWFyZ2luIjp7IiRyZWYiOiIxMjcifSwiUGFkZGluZyI6eyIkcmVmIjoiMTI4In0sIkJhY2tncm91bmQiOnsiJHJlZiI6IjEyOSJ9LCJJc1Zpc2libGUiOnRydWUsIldpZHRoIjowLjAsIkhlaWdodCI6MC4wLCJCb3JkZXJTdHlsZSI6eyIkaWQiOiIzODkiLCJMaW5lQ29sb3IiOm51bGwsIkxpbmVXZWlnaHQiOjAuMCwiTGluZVR5cGUiOjAsIlBhcmVudFN0eWxlIjpudWxsfSwiUGFyZW50U3R5bGUiOnsiJHJlZiI6IjEyMyJ9fSwiRGF0ZUZvcm1hdCI6eyIkcmVmIjoiMTMwIn0sIklzVmlzaWJsZSI6dHJ1ZSwiUGFyZW50U3R5bGUiOnsiJHJlZiI6Ijg2In19LCJJbmRleCI6NCwiU21hcnREdXJhdGlvbkFjdGl2YXRlZCI6ZmFsc2UsIkRhdGVGb3JtYXQiOnsiJHJlZiI6IjEzMCJ9LCJJZCI6IjgyZDFiN2FhLWU3N2QtNDFhMi1iZTE0LWQ2OWY1ZTUwMWIxYiIsIkltcG9ydElkIjpudWxsLCJUaXRsZSI6IkltcGxlbWVudGF0aW9uICYgVGVzdGluZyIsIk5vdGUiOm51bGwsIkh5cGVybGluayI6eyIkaWQiOiIzOTAiLCJBZGRyZXNzIjoiIiwiU3ViQWRkcmVzcyI6IiJ9LCJJc0NoYW5nZWQiOmZhbHNlLCJJc05ldyI6dHJ1ZX0seyIkaWQiOiIzOTEiLCJHcm91cE5hbWUiOm51bGwsIlN0YXJ0RGF0ZSI6IjIwMjAtMDEtMTNUMDA6MDA6MDBaIiwiRW5kRGF0ZSI6IjIwMjAtMDItMDlUMjM6NTk6MDBaIiwiUGVyY2VudGFnZUNvbXBsZXRlIjpudWxsLCJTdHlsZSI6eyIkaWQiOiIzOTIiLCJTaGFwZSI6MCwiU2hhcGVUaGlja25lc3MiOjEsIkR1cmF0aW9uRm9ybWF0IjowLCJJbmNsdWRlTm9uV29ya2luZ0RheXNJbkR1cmF0aW9uIjp0cnVlLCJQZXJjZW50YWdlQ29tcGxldGVTdHlsZSI6eyIkaWQiOiIzOTMiLCJGb250U2V0dGluZ3MiOnsiJGlkIjoiMzk0IiwiRm9udFNpemUiOjEwLCJGb250TmFtZSI6IkNhbGlicmkiLCJJc0JvbGQiOmZhbHNlLCJJc0l0YWxpYyI6ZmFsc2UsIklzVW5kZXJsaW5lZCI6ZmFsc2UsIlBhcmVudFN0eWxlIjp7IiRyZWYiOiI4OCJ9fSwiQXV0b1NpemUiOjAsIkZvcmVncm91bmQiOnsiJHJlZiI6Ijg5In0sIk1heFdpZHRoIjoyMDAuMCwiTWF4SGVpZ2h0IjoiSW5maW5pdHkiLCJTbWFydEZvcmVncm91bmRJc0FjdGl2ZSI6ZmFsc2UsIkhvcml6b250YWxBbGlnbm1lbnQiOjAsIlZlcnRpY2FsQWxpZ25tZW50IjowLCJTbWFydEZvcmVncm91bmQiOm51bGwsIkJhY2tncm91bmRGaWxsVHlwZSI6MCwiTWFyZ2luIjp7IiRyZWYiOiI5MSJ9LCJQYWRkaW5nIjp7IiRyZWYiOiI5MiJ9LCJCYWNrZ3JvdW5kIjp7IiRyZWYiOiI5MyJ9LCJJc1Zpc2libGUiOnRydWUsIldpZHRoIjowLjAsIkhlaWdodCI6MC4wLCJCb3JkZXJTdHlsZSI6eyIkaWQiOiIzOTUiLCJMaW5lQ29sb3IiOm51bGwsIkxpbmVXZWlnaHQiOjAuMCwiTGluZVR5cGUiOjAsIlBhcmVudFN0eWxlIjpudWxsfSwiUGFyZW50U3R5bGUiOnsiJHJlZiI6Ijg3In19LCJEdXJhdGlvblN0eWxlIjp7IiRpZCI6IjM5NiIsIkZvbnRTZXR0aW5ncyI6eyIkaWQiOiIzOTciLCJGb250U2l6ZSI6MTAsIkZvbnROYW1lIjoiQ2FsaWJyaSIsIklzQm9sZCI6ZmFsc2UsIklzSXRhbGljIjpmYWxzZSwiSXNVbmRlcmxpbmVkIjpmYWxzZSwiUGFyZW50U3R5bGUiOnsiJHJlZiI6Ijk2In19LCJBdXRvU2l6ZSI6MCwiRm9yZWdyb3VuZCI6eyIkcmVmIjoiOTcifSwiTWF4V2lkdGgiOjIwMC4wLCJNYXhIZWlnaHQiOiJJbmZpbml0eSIsIlNtYXJ0Rm9yZWdyb3VuZElzQWN0aXZlIjpmYWxzZSwiSG9yaXpvbnRhbEFsaWdubWVudCI6MCwiVmVydGljYWxBbGlnbm1lbnQiOjAsIlNtYXJ0Rm9yZWdyb3VuZCI6bnVsbCwiQmFja2dyb3VuZEZpbGxUeXBlIjowLCJNYXJnaW4iOnsiJHJlZiI6Ijk5In0sIlBhZGRpbmciOnsiJHJlZiI6IjEwMCJ9LCJCYWNrZ3JvdW5kIjp7IiRyZWYiOiIxMDEifSwiSXNWaXNpYmxlIjp0cnVlLCJXaWR0aCI6MC4wLCJIZWlnaHQiOjAuMCwiQm9yZGVyU3R5bGUiOnsiJGlkIjoiMzk4IiwiTGluZUNvbG9yIjpudWxsLCJMaW5lV2VpZ2h0IjowLjAsIkxpbmVUeXBlIjowLCJQYXJlbnRTdHlsZSI6bnVsbH0sIlBhcmVudFN0eWxlIjp7IiRyZWYiOiI5NSJ9fSwiSG9yaXpvbnRhbENvbm5lY3RvclN0eWxlIjp7IiRpZCI6IjM5OSIsIkxpbmVDb2xvciI6eyIkcmVmIjoiMTAzIn0sIkxpbmVXZWlnaHQiOjEuMjUsIkxpbmVUeXBlIjowLCJQYXJlbnRTdHlsZSI6eyIkcmVmIjoiMTAyIn19LCJWZXJ0aWNhbENvbm5lY3RvclN0eWxlIjp7IiRpZCI6IjQwMCIsIkxpbmVDb2xvciI6eyIkcmVmIjoiMTA2In0sIkxpbmVXZWlnaHQiOjAuMCwiTGluZVR5cGUiOjAsIlBhcmVudFN0eWxlIjp7IiRyZWYiOiIxMDUifX0sIk1hcmdpbiI6bnVsbCwiU3RhcnREYXRlUG9zaXRpb24iOjQsIkVuZERhdGVQb3NpdGlvbiI6NCwiRGF0ZUlzVmlzaWJsZSI6dHJ1ZSwiVGl0bGVQb3NpdGlvbiI6NSwiRHVyYXRpb25Qb3NpdGlvbiI6MCwiUGVyY2VudGFnZUNvbXBsZXRlZFBvc2l0aW9uIjo2LCJTcGFjaW5nIjoxMCwiSXNCZWxvd1RpbWViYW5kIjp0cnVlLCJQZXJjZW50YWdlQ29tcGxldGVTaGFwZU9wYWNpdHkiOjM1LCJTaGFwZVN0eWxlIjp7IiRpZCI6IjQwMSIsIk1hcmdpbiI6eyIkcmVmIjoiMTA5In0sIlBhZGRpbmciOnsiJGlkIjoiNDAyIiwiVG9wIjowLCJMZWZ0IjowLCJSaWdodCI6MiwiQm90dG9tIjowfSwiQmFja2dyb3VuZCI6eyIkaWQiOiI0MDMiLCJDb2xvciI6eyIkaWQiOiI0MDQiLCJBIjoyNTUsIlIiOjIzNCwiRyI6MjIsIkIiOjMwfX0sIklzVmlzaWJsZSI6dHJ1ZSwiV2lkdGgiOjAuMCwiSGVpZ2h0IjoxNi4wLCJCb3JkZXJTdHlsZSI6eyIkaWQiOiI0MDUiLCJMaW5lQ29sb3IiOnsiJGlkIjoiNDA2IiwiJHR5cGUiOiJOTFJFLkNvbW1vbi5Eb20uU29saWRDb2xvckJydXNoLCBOTFJFLkNvbW1vbiIsIkNvbG9yIjp7IiRpZCI6IjQwNyIsIkEiOjI1NSwiUiI6MjU1LCJHIjowLCJCIjowfX0sIkxpbmVXZWlnaHQiOjAuMCwiTGluZVR5cGUiOjAsIlBhcmVudFN0eWxlIjpudWxsfSwiUGFyZW50U3R5bGUiOnsiJHJlZiI6IjEwOCJ9fSwiVGl0bGVTdHlsZSI6eyIkaWQiOiI0MDgiLCJGb250U2V0dGluZ3MiOnsiJGlkIjoiNDA5IiwiRm9udFNpemUiOjExLCJGb250TmFtZSI6IkNhbGlicmkiLCJJc0JvbGQiOnRydWUsIklzSXRhbGljIjpmYWxzZSwiSXNVbmRlcmxpbmVkIjpmYWxzZSwiUGFyZW50U3R5bGUiOnsiJHJlZiI6IjExNyJ9fSwiQXV0b1NpemUiOjAsIkZvcmVncm91bmQiOnsiJGlkIjoiNDEwIiwiQ29sb3IiOnsiJGlkIjoiNDExIiwiQSI6MjU1LCJSIjowLCJHIjowLCJCIjowfX0sIk1heFdpZHRoIjo3MjAuMCwiTWF4SGVpZ2h0IjoiSW5maW5pdHkiLCJTbWFydEZvcmVncm91bmRJc0FjdGl2ZSI6ZmFsc2UsIkhvcml6b250YWxBbGlnbm1lbnQiOjAsIlZlcnRpY2FsQWxpZ25tZW50IjowLCJTbWFydEZvcmVncm91bmQiOm51bGwsIkJhY2tncm91bmRGaWxsVHlwZSI6MCwiTWFyZ2luIjp7IiRyZWYiOiIxMjAifSwiUGFkZGluZyI6eyIkcmVmIjoiMTIxIn0sIkJhY2tncm91bmQiOnsiJHJlZiI6IjEyMiJ9LCJJc1Zpc2libGUiOnRydWUsIldpZHRoIjowLjAsIkhlaWdodCI6MC4wLCJCb3JkZXJTdHlsZSI6eyIkaWQiOiI0MTIiLCJMaW5lQ29sb3IiOm51bGwsIkxpbmVXZWlnaHQiOjAuMCwiTGluZVR5cGUiOjAsIlBhcmVudFN0eWxlIjpudWxsfSwiUGFyZW50U3R5bGUiOnsiJHJlZiI6IjExNiJ9fSwiRGF0ZVN0eWxlIjp7IiRpZCI6IjQxMyIsIkZvbnRTZXR0aW5ncyI6eyIkaWQiOiI0MTQiLCJGb250U2l6ZSI6MTAsIkZvbnROYW1lIjoiQ2FsaWJyaSIsIklzQm9sZCI6ZmFsc2UsIklzSXRhbGljIjpmYWxzZSwiSXNVbmRlcmxpbmVkIjpmYWxzZSwiUGFyZW50U3R5bGUiOnsiJHJlZiI6IjEyNCJ9fSwiQXV0b1NpemUiOjAsIkZvcmVncm91bmQiOnsiJGlkIjoiNDE1IiwiQ29sb3IiOnsiJGlkIjoiNDE2IiwiQSI6MjU1LCJSIjowLCJHIjowLCJCIjowfX0sIk1heFdpZHRoIjoyMDAuMCwiTWF4SGVpZ2h0IjoiSW5maW5pdHkiLCJTbWFydEZvcmVncm91bmRJc0FjdGl2ZSI6ZmFsc2UsIkhvcml6b250YWxBbGlnbm1lbnQiOjAsIlZlcnRpY2FsQWxpZ25tZW50IjowLCJTbWFydEZvcmVncm91bmQiOm51bGwsIkJhY2tncm91bmRGaWxsVHlwZSI6MCwiTWFyZ2luIjp7IiRyZWYiOiIxMjcifSwiUGFkZGluZyI6eyIkcmVmIjoiMTI4In0sIkJhY2tncm91bmQiOnsiJHJlZiI6IjEyOSJ9LCJJc1Zpc2libGUiOnRydWUsIldpZHRoIjowLjAsIkhlaWdodCI6MC4wLCJCb3JkZXJTdHlsZSI6eyIkaWQiOiI0MTciLCJMaW5lQ29sb3IiOm51bGwsIkxpbmVXZWlnaHQiOjAuMCwiTGluZVR5cGUiOjAsIlBhcmVudFN0eWxlIjpudWxsfSwiUGFyZW50U3R5bGUiOnsiJHJlZiI6IjEyMyJ9fSwiRGF0ZUZvcm1hdCI6eyIkcmVmIjoiMTMwIn0sIklzVmlzaWJsZSI6dHJ1ZSwiUGFyZW50U3R5bGUiOnsiJHJlZiI6Ijg2In19LCJJbmRleCI6NSwiU21hcnREdXJhdGlvbkFjdGl2YXRlZCI6ZmFsc2UsIkRhdGVGb3JtYXQiOnsiJHJlZiI6IjEzMCJ9LCJJZCI6ImZlODJhMDU0LWViNzItNDg1MS1hOTNmLTZhNjA2NDMyYmZhYyIsIkltcG9ydElkIjpudWxsLCJUaXRsZSI6IlRldCBIb2xpZGF5IiwiTm90ZSI6bnVsbCwiSHlwZXJsaW5rIjp7IiRpZCI6IjQxOCIsIkFkZHJlc3MiOiIiLCJTdWJBZGRyZXNzIjoiIn0sIklzQ2hhbmdlZCI6ZmFsc2UsIklzTmV3Ijp0cnVlfSx7IiRpZCI6IjQxOSIsIkdyb3VwTmFtZSI6bnVsbCwiU3RhcnREYXRlIjoiMjAyMC0wNC0zMFQwMDowMDowMFoiLCJFbmREYXRlIjoiMjAyMC0wNC0zMFQyMzo1OTowMFoiLCJQZXJjZW50YWdlQ29tcGxldGUiOm51bGwsIlN0eWxlIjp7IiRpZCI6IjQyMCIsIlNoYXBlIjowLCJTaGFwZVRoaWNrbmVzcyI6MSwiRHVyYXRpb25Gb3JtYXQiOjAsIkluY2x1ZGVOb25Xb3JraW5nRGF5c0luRHVyYXRpb24iOmZhbHNlLCJQZXJjZW50YWdlQ29tcGxldGVTdHlsZSI6eyIkaWQiOiI0MjEiLCJGb250U2V0dGluZ3MiOnsiJGlkIjoiNDIyIiwiRm9udFNpemUiOjEwLCJGb250TmFtZSI6IkNhbGlicmkiLCJJc0JvbGQiOmZhbHNlLCJJc0l0YWxpYyI6ZmFsc2UsIklzVW5kZXJsaW5lZCI6ZmFsc2UsIlBhcmVudFN0eWxlIjpudWxsfSwiQXV0b1NpemUiOjAsIkZvcmVncm91bmQiOnsiJHJlZiI6Ijg5In0sIk1heFdpZHRoIjoyMDAuMCwiTWF4SGVpZ2h0IjoiSW5maW5pdHkiLCJTbWFydEZvcmVncm91bmRJc0FjdGl2ZSI6ZmFsc2UsIkhvcml6b250YWxBbGlnbm1lbnQiOjAsIlZlcnRpY2FsQWxpZ25tZW50IjowLCJTbWFydEZvcmVncm91bmQiOm51bGwsIkJhY2tncm91bmRGaWxsVHlwZSI6MCwiTWFyZ2luIjp7IiRyZWYiOiI5MSJ9LCJQYWRkaW5nIjp7IiRyZWYiOiI5MiJ9LCJCYWNrZ3JvdW5kIjp7IiRyZWYiOiI5MyJ9LCJJc1Zpc2libGUiOnRydWUsIldpZHRoIjowLjAsIkhlaWdodCI6MC4wLCJCb3JkZXJTdHlsZSI6eyIkaWQiOiI0MjMiLCJMaW5lQ29sb3IiOm51bGwsIkxpbmVXZWlnaHQiOjAuMCwiTGluZVR5cGUiOjAsIlBhcmVudFN0eWxlIjpudWxsfSwiUGFyZW50U3R5bGUiOm51bGx9LCJEdXJhdGlvblN0eWxlIjp7IiRpZCI6IjQyNCIsIkZvbnRTZXR0aW5ncyI6eyIkaWQiOiI0MjUiLCJGb250U2l6ZSI6MTAsIkZvbnROYW1lIjoiQ2FsaWJyaSIsIklzQm9sZCI6ZmFsc2UsIklzSXRhbGljIjpmYWxzZSwiSXNVbmRlcmxpbmVkIjpmYWxzZSwiUGFyZW50U3R5bGUiOm51bGx9LCJBdXRvU2l6ZSI6MCwiRm9yZWdyb3VuZCI6eyIkaWQiOiI0MjYiLCJDb2xvciI6eyIkaWQiOiI0MjciLCJBIjoyNTUsIlIiOjAsIkciOjAsIkIiOjB9fSwiTWF4V2lkdGgiOjIwMC4wLCJNYXhIZWlnaHQiOiJJbmZpbml0eSIsIlNtYXJ0Rm9yZWdyb3VuZElzQWN0aXZlIjpmYWxzZSwiSG9yaXpvbnRhbEFsaWdubWVudCI6MCwiVmVydGljYWxBbGlnbm1lbnQiOjAsIlNtYXJ0Rm9yZWdyb3VuZCI6bnVsbCwiQmFja2dyb3VuZEZpbGxUeXBlIjowLCJNYXJnaW4iOnsiJHJlZiI6Ijk5In0sIlBhZGRpbmciOnsiJHJlZiI6IjEwMCJ9LCJCYWNrZ3JvdW5kIjp7IiRyZWYiOiIxMDEifSwiSXNWaXNpYmxlIjp0cnVlLCJXaWR0aCI6MC4wLCJIZWlnaHQiOjAuMCwiQm9yZGVyU3R5bGUiOnsiJGlkIjoiNDI4IiwiTGluZUNvbG9yIjpudWxsLCJMaW5lV2VpZ2h0IjowLjAsIkxpbmVUeXBlIjowLCJQYXJlbnRTdHlsZSI6bnVsbH0sIlBhcmVudFN0eWxlIjpudWxsfSwiSG9yaXpvbnRhbENvbm5lY3RvclN0eWxlIjp7IiRpZCI6IjQyOSIsIkxpbmVDb2xvciI6eyIkcmVmIjoiMTAzIn0sIkxpbmVXZWlnaHQiOjEuMCwiTGluZVR5cGUiOjAsIlBhcmVudFN0eWxlIjpudWxsfSwiVmVydGljYWxDb25uZWN0b3JTdHlsZSI6eyIkaWQiOiI0MzAiLCJMaW5lQ29sb3IiOnsiJHJlZiI6IjEwNiJ9LCJMaW5lV2VpZ2h0IjowLjAsIkxpbmVUeXBlIjowLCJQYXJlbnRTdHlsZSI6bnVsbH0sIk1hcmdpbiI6bnVsbCwiU3RhcnREYXRlUG9zaXRpb24iOjQsIkVuZERhdGVQb3NpdGlvbiI6NCwiRGF0ZUlzVmlzaWJsZSI6dHJ1ZSwiVGl0bGVQb3NpdGlvbiI6NSwiRHVyYXRpb25Qb3NpdGlvbiI6MCwiUGVyY2VudGFnZUNvbXBsZXRlZFBvc2l0aW9uIjo2LCJTcGFjaW5nIjoxMCwiSXNCZWxvd1RpbWViYW5kIjp0cnVlLCJQZXJjZW50YWdlQ29tcGxldGVTaGFwZU9wYWNpdHkiOjM1LCJTaGFwZVN0eWxlIjp7IiRpZCI6IjQzMSIsIk1hcmdpbiI6eyIkcmVmIjoiMTA5In0sIlBhZGRpbmciOnsiJHJlZiI6IjExMCJ9LCJCYWNrZ3JvdW5kIjp7IiRpZCI6IjQzMiIsIkNvbG9yIjp7IiRpZCI6IjQzMyIsIkEiOjI1NSwiUiI6OTEsIkciOjE1NSwiQiI6MjEzfX0sIklzVmlzaWJsZSI6dHJ1ZSwiV2lkdGgiOjAuMCwiSGVpZ2h0IjoxNi4wLCJCb3JkZXJTdHlsZSI6eyIkaWQiOiI0MzQiLCJMaW5lQ29sb3IiOnsiJHJlZiI6IjExNCJ9LCJMaW5lV2VpZ2h0IjowLjAsIkxpbmVUeXBlIjowLCJQYXJlbnRTdHlsZSI6bnVsbH0sIlBhcmVudFN0eWxlIjpudWxsfSwiVGl0bGVTdHlsZSI6eyIkaWQiOiI0MzUiLCJGb250U2V0dGluZ3MiOnsiJGlkIjoiNDM2IiwiRm9udFNpemUiOjExLCJGb250TmFtZSI6IkNhbGlicmkiLCJJc0JvbGQiOnRydWUsIklzSXRhbGljIjpmYWxzZSwiSXNVbmRlcmxpbmVkIjpmYWxzZSwiUGFyZW50U3R5bGUiOm51bGx9LCJBdXRvU2l6ZSI6MCwiRm9yZWdyb3VuZCI6eyIkaWQiOiI0MzciLCJDb2xvciI6eyIkaWQiOiI0MzgiLCJBIjoyNTUsIlIiOjAsIkciOjAsIkIiOjB9fSwiTWF4V2lkdGgiOjcyMC4wLCJNYXhIZWlnaHQiOiJJbmZpbml0eSIsIlNtYXJ0Rm9yZWdyb3VuZElzQWN0aXZlIjpmYWxzZSwiSG9yaXpvbnRhbEFsaWdubWVudCI6MCwiVmVydGljYWxBbGlnbm1lbnQiOjAsIlNtYXJ0Rm9yZWdyb3VuZCI6bnVsbCwiQmFja2dyb3VuZEZpbGxUeXBlIjowLCJNYXJnaW4iOnsiJHJlZiI6IjEyMCJ9LCJQYWRkaW5nIjp7IiRyZWYiOiIxMjEifSwiQmFja2dyb3VuZCI6eyIkcmVmIjoiMTIyIn0sIklzVmlzaWJsZSI6dHJ1ZSwiV2lkdGgiOjAuMCwiSGVpZ2h0IjowLjAsIkJvcmRlclN0eWxlIjp7IiRpZCI6IjQzOSIsIkxpbmVDb2xvciI6bnVsbCwiTGluZVdlaWdodCI6MC4wLCJMaW5lVHlwZSI6MCwiUGFyZW50U3R5bGUiOm51bGx9LCJQYXJlbnRTdHlsZSI6bnVsbH0sIkRhdGVTdHlsZSI6eyIkaWQiOiI0NDAiLCJGb250U2V0dGluZ3MiOnsiJGlkIjoiNDQxIiwiRm9udFNpemUiOjEwLCJGb250TmFtZSI6IkNhbGlicmkiLCJJc0JvbGQiOmZhbHNlLCJJc0l0YWxpYyI6ZmFsc2UsIklzVW5kZXJsaW5lZCI6ZmFsc2UsIlBhcmVudFN0eWxlIjpudWxsfSwiQXV0b1NpemUiOjAsIkZvcmVncm91bmQiOnsiJGlkIjoiNDQyIiwiQ29sb3IiOnsiJGlkIjoiNDQzIiwiQSI6MjU1LCJSIjowLCJHIjowLCJCIjowfX0sIk1heFdpZHRoIjoyMDAuMCwiTWF4SGVpZ2h0IjoiSW5maW5pdHkiLCJTbWFydEZvcmVncm91bmRJc0FjdGl2ZSI6ZmFsc2UsIkhvcml6b250YWxBbGlnbm1lbnQiOjAsIlZlcnRpY2FsQWxpZ25tZW50IjowLCJTbWFydEZvcmVncm91bmQiOm51bGwsIkJhY2tncm91bmRGaWxsVHlwZSI6MCwiTWFyZ2luIjp7IiRyZWYiOiIxMjcifSwiUGFkZGluZyI6eyIkcmVmIjoiMTI4In0sIkJhY2tncm91bmQiOnsiJHJlZiI6IjEyOSJ9LCJJc1Zpc2libGUiOnRydWUsIldpZHRoIjowLjAsIkhlaWdodCI6MC4wLCJCb3JkZXJTdHlsZSI6eyIkaWQiOiI0NDQiLCJMaW5lQ29sb3IiOm51bGwsIkxpbmVXZWlnaHQiOjAuMCwiTGluZVR5cGUiOjAsIlBhcmVudFN0eWxlIjpudWxsfSwiUGFyZW50U3R5bGUiOm51bGx9LCJEYXRlRm9ybWF0Ijp7IiRpZCI6IjQ0NSIsIkZvcm1hdFN0cmluZyI6Ik1NTSBkIiwiU2VwYXJhdG9yIjoiLyIsIlVzZUludGVybmF0aW9uYWxEYXRlRm9ybWF0IjpmYWxzZSwiRGF0ZUlzVmlzaWJsZSI6dHJ1ZSwiVGltZUlzVmlzaWJsZSI6ZmFsc2UsIkhvdXJEaWdpdHMiOjEsIkFtUG1EZXNpZ25hdG9yIjoyLCJUcmltMDBNaW51dGVzIjpmYWxzZSwiTGFzdEtub3duVmlzaWJpbGl0eVN0YXRlIjp7IiRpZCI6IjQ0NiIsIkRhdGVQYXJ0SXNWaXNpYmxlIjpmYWxzZSwiVGltZVBhcnRJc1Zpc2libGUiOmZhbHNlfX0sIklzVmlzaWJsZSI6dHJ1ZSwiUGFyZW50U3R5bGUiOm51bGx9LCJJbmRleCI6NiwiU21hcnREdXJhdGlvbkFjdGl2YXRlZCI6ZmFsc2UsIkRhdGVGb3JtYXQiOnsiJHJlZiI6IjQ0NSJ9LCJJZCI6IjMxM2ExNjFkLTJhN2YtNGVhZC1hNDQzLWU4YzM0MmQ3Njg2MCIsIkltcG9ydElkIjpudWxsLCJUaXRsZSI6IkNsb3NlIFByb2plY3QiLCJOb3RlIjpudWxsLCJIeXBlcmxpbmsiOnsiJGlkIjoiNDQ3IiwiQWRkcmVzcyI6IiIsIlN1YkFkZHJlc3MiOiIifSwiSXNDaGFuZ2VkIjpmYWxzZSwiSXNOZXciOmZhbHNlfV0sIlN3aW1sYW5lcyI6W10sIk1zUHJvamVjdEl0ZW1zVHJlZSI6eyIkaWQiOiI0NDgiLCJSb290Ijp7IkltcG9ydElkIjpudWxsLCJJc0ltcG9ydGVkIjpmYWxzZSwiQ2hpbGRyZW4iOltdfX0sIk1ldGFkYXRhIjp7IiRpZCI6IjQ0OSIsIlJlY2VudENvbG9yc0NvbGxlY3Rpb24iOiJbXCIjRkZFQTE2MUVcIixcIiNGRkZFQkEwQVwiXSJ9LCJTZXR0aW5ncyI6eyIkaWQiOiI0NTAiLCJJbXBhT3B0aW9ucyI6bnVsbCwiVXNlQ29tcHJlc3Npb24iOmZhbHNlLCJDb21wcmVzaW9uUGVyY2VudGFnZSI6NTAuMCwiSW5hY3RpdmVJbnRlcnZhbFdpZHRoVGhyZXNob2xkIjozMC4wLCJJbmFjdGl2ZUludGVydmFsV2lkdGgiOjEuMCwiU3BsaXRUYXNrcyI6ZmFsc2UsIlVzZUNsdXN0ZXIiOmZhbHNlLCJFcHNpbG9uIjowLjAsIk1pblBvaW50c1RvRm9ybUFDbHVzdGVyIjoyLCJHZW5lcmF0ZUludmlzaWJsZVNoYXBlcyI6dHJ1ZSwiU21hcnRUaW1lbGluZVRhc2tQZXJjZW50YWdlRml0IjpmYWxzZX0sIklzTmV3IjpmYWxzZSwiSW1wb3J0VHlwZSI6MCwiRmlsZVBhdGgiOm51bGwsIlRpbWVDb25maWd1cmF0aW9uIjp7IiRpZCI6IjQ1MSIsIlVzZVRpbWUiOmZhbHNlLCJXb3JrRGF5U3RhcnQiOiIwMDowMDowMCIsIldvcmtEYXlFbmQiOiIyMzo1OTowMCJ9LCJMYXN0VXNlZFRlbXBsYXRlSWQiOiI3MzU1YjYzMy1hYzY2LTQ1MjgtOGI0ZC0yOTlmYWVkYzllZTkifQ=="/>
   <p:tag name="__MASTER" val="__part_0"/>
 </p:tagLst>
 </file>
@@ -9457,187 +7965,19 @@
 </p:tagLst>
 </file>
 
-<file path=ppt/tags/tag106.xml><?xml version="1.0" encoding="utf-8"?>
-<p:tagLst xmlns:a="http://schemas.openxmlformats.org/drawingml/2006/main" xmlns:r="http://schemas.openxmlformats.org/officeDocument/2006/relationships" xmlns:p="http://schemas.openxmlformats.org/presentationml/2006/main">
-  <p:tag name="OTLMARKERSHAPE" val="OTL"/>
-</p:tagLst>
-</file>
-
-<file path=ppt/tags/tag107.xml><?xml version="1.0" encoding="utf-8"?>
-<p:tagLst xmlns:a="http://schemas.openxmlformats.org/drawingml/2006/main" xmlns:r="http://schemas.openxmlformats.org/officeDocument/2006/relationships" xmlns:p="http://schemas.openxmlformats.org/presentationml/2006/main">
-  <p:tag name="OTLMARKERSHAPE" val="OTL"/>
-</p:tagLst>
-</file>
-
-<file path=ppt/tags/tag108.xml><?xml version="1.0" encoding="utf-8"?>
-<p:tagLst xmlns:a="http://schemas.openxmlformats.org/drawingml/2006/main" xmlns:r="http://schemas.openxmlformats.org/officeDocument/2006/relationships" xmlns:p="http://schemas.openxmlformats.org/presentationml/2006/main">
-  <p:tag name="OTLMARKERSHAPE" val="OTL"/>
-</p:tagLst>
-</file>
-
-<file path=ppt/tags/tag109.xml><?xml version="1.0" encoding="utf-8"?>
-<p:tagLst xmlns:a="http://schemas.openxmlformats.org/drawingml/2006/main" xmlns:r="http://schemas.openxmlformats.org/officeDocument/2006/relationships" xmlns:p="http://schemas.openxmlformats.org/presentationml/2006/main">
-  <p:tag name="OTLMARKERSHAPE" val="OTL"/>
-</p:tagLst>
-</file>
-
 <file path=ppt/tags/tag11.xml><?xml version="1.0" encoding="utf-8"?>
 <p:tagLst xmlns:a="http://schemas.openxmlformats.org/drawingml/2006/main" xmlns:r="http://schemas.openxmlformats.org/officeDocument/2006/relationships" xmlns:p="http://schemas.openxmlformats.org/presentationml/2006/main">
   <p:tag name="OTLMARKERSHAPE" val="OTL"/>
 </p:tagLst>
 </file>
 
-<file path=ppt/tags/tag110.xml><?xml version="1.0" encoding="utf-8"?>
-<p:tagLst xmlns:a="http://schemas.openxmlformats.org/drawingml/2006/main" xmlns:r="http://schemas.openxmlformats.org/officeDocument/2006/relationships" xmlns:p="http://schemas.openxmlformats.org/presentationml/2006/main">
-  <p:tag name="OTLMARKERSHAPE" val="OTL"/>
-</p:tagLst>
-</file>
-
-<file path=ppt/tags/tag111.xml><?xml version="1.0" encoding="utf-8"?>
-<p:tagLst xmlns:a="http://schemas.openxmlformats.org/drawingml/2006/main" xmlns:r="http://schemas.openxmlformats.org/officeDocument/2006/relationships" xmlns:p="http://schemas.openxmlformats.org/presentationml/2006/main">
-  <p:tag name="OTLMARKERSHAPE" val="OTL"/>
-</p:tagLst>
-</file>
-
-<file path=ppt/tags/tag112.xml><?xml version="1.0" encoding="utf-8"?>
-<p:tagLst xmlns:a="http://schemas.openxmlformats.org/drawingml/2006/main" xmlns:r="http://schemas.openxmlformats.org/officeDocument/2006/relationships" xmlns:p="http://schemas.openxmlformats.org/presentationml/2006/main">
-  <p:tag name="OTLMARKERSHAPE" val="OTL"/>
-</p:tagLst>
-</file>
-
-<file path=ppt/tags/tag113.xml><?xml version="1.0" encoding="utf-8"?>
-<p:tagLst xmlns:a="http://schemas.openxmlformats.org/drawingml/2006/main" xmlns:r="http://schemas.openxmlformats.org/officeDocument/2006/relationships" xmlns:p="http://schemas.openxmlformats.org/presentationml/2006/main">
-  <p:tag name="OTLMARKERSHAPE" val="OTL"/>
-</p:tagLst>
-</file>
-
-<file path=ppt/tags/tag114.xml><?xml version="1.0" encoding="utf-8"?>
-<p:tagLst xmlns:a="http://schemas.openxmlformats.org/drawingml/2006/main" xmlns:r="http://schemas.openxmlformats.org/officeDocument/2006/relationships" xmlns:p="http://schemas.openxmlformats.org/presentationml/2006/main">
-  <p:tag name="OTLMARKERSHAPE" val="OTL"/>
-</p:tagLst>
-</file>
-
-<file path=ppt/tags/tag115.xml><?xml version="1.0" encoding="utf-8"?>
-<p:tagLst xmlns:a="http://schemas.openxmlformats.org/drawingml/2006/main" xmlns:r="http://schemas.openxmlformats.org/officeDocument/2006/relationships" xmlns:p="http://schemas.openxmlformats.org/presentationml/2006/main">
-  <p:tag name="OTLMARKERSHAPE" val="OTL"/>
-</p:tagLst>
-</file>
-
-<file path=ppt/tags/tag116.xml><?xml version="1.0" encoding="utf-8"?>
-<p:tagLst xmlns:a="http://schemas.openxmlformats.org/drawingml/2006/main" xmlns:r="http://schemas.openxmlformats.org/officeDocument/2006/relationships" xmlns:p="http://schemas.openxmlformats.org/presentationml/2006/main">
-  <p:tag name="OTLMARKERSHAPE" val="OTL"/>
-</p:tagLst>
-</file>
-
-<file path=ppt/tags/tag117.xml><?xml version="1.0" encoding="utf-8"?>
-<p:tagLst xmlns:a="http://schemas.openxmlformats.org/drawingml/2006/main" xmlns:r="http://schemas.openxmlformats.org/officeDocument/2006/relationships" xmlns:p="http://schemas.openxmlformats.org/presentationml/2006/main">
-  <p:tag name="OTLMARKERSHAPE" val="OTL"/>
-</p:tagLst>
-</file>
-
-<file path=ppt/tags/tag118.xml><?xml version="1.0" encoding="utf-8"?>
-<p:tagLst xmlns:a="http://schemas.openxmlformats.org/drawingml/2006/main" xmlns:r="http://schemas.openxmlformats.org/officeDocument/2006/relationships" xmlns:p="http://schemas.openxmlformats.org/presentationml/2006/main">
-  <p:tag name="OTLMARKERSHAPE" val="OTL"/>
-</p:tagLst>
-</file>
-
-<file path=ppt/tags/tag119.xml><?xml version="1.0" encoding="utf-8"?>
-<p:tagLst xmlns:a="http://schemas.openxmlformats.org/drawingml/2006/main" xmlns:r="http://schemas.openxmlformats.org/officeDocument/2006/relationships" xmlns:p="http://schemas.openxmlformats.org/presentationml/2006/main">
-  <p:tag name="OTLMARKERSHAPE" val="OTL"/>
-</p:tagLst>
-</file>
-
 <file path=ppt/tags/tag12.xml><?xml version="1.0" encoding="utf-8"?>
 <p:tagLst xmlns:a="http://schemas.openxmlformats.org/drawingml/2006/main" xmlns:r="http://schemas.openxmlformats.org/officeDocument/2006/relationships" xmlns:p="http://schemas.openxmlformats.org/presentationml/2006/main">
   <p:tag name="OTLMARKERSHAPE" val="OTL"/>
 </p:tagLst>
 </file>
 
-<file path=ppt/tags/tag120.xml><?xml version="1.0" encoding="utf-8"?>
-<p:tagLst xmlns:a="http://schemas.openxmlformats.org/drawingml/2006/main" xmlns:r="http://schemas.openxmlformats.org/officeDocument/2006/relationships" xmlns:p="http://schemas.openxmlformats.org/presentationml/2006/main">
-  <p:tag name="OTLMARKERSHAPE" val="OTL"/>
-</p:tagLst>
-</file>
-
-<file path=ppt/tags/tag121.xml><?xml version="1.0" encoding="utf-8"?>
-<p:tagLst xmlns:a="http://schemas.openxmlformats.org/drawingml/2006/main" xmlns:r="http://schemas.openxmlformats.org/officeDocument/2006/relationships" xmlns:p="http://schemas.openxmlformats.org/presentationml/2006/main">
-  <p:tag name="OTLMARKERSHAPE" val="OTL"/>
-</p:tagLst>
-</file>
-
-<file path=ppt/tags/tag122.xml><?xml version="1.0" encoding="utf-8"?>
-<p:tagLst xmlns:a="http://schemas.openxmlformats.org/drawingml/2006/main" xmlns:r="http://schemas.openxmlformats.org/officeDocument/2006/relationships" xmlns:p="http://schemas.openxmlformats.org/presentationml/2006/main">
-  <p:tag name="OTLMARKERSHAPE" val="OTL"/>
-</p:tagLst>
-</file>
-
-<file path=ppt/tags/tag123.xml><?xml version="1.0" encoding="utf-8"?>
-<p:tagLst xmlns:a="http://schemas.openxmlformats.org/drawingml/2006/main" xmlns:r="http://schemas.openxmlformats.org/officeDocument/2006/relationships" xmlns:p="http://schemas.openxmlformats.org/presentationml/2006/main">
-  <p:tag name="OTLMARKERSHAPE" val="OTL"/>
-</p:tagLst>
-</file>
-
-<file path=ppt/tags/tag124.xml><?xml version="1.0" encoding="utf-8"?>
-<p:tagLst xmlns:a="http://schemas.openxmlformats.org/drawingml/2006/main" xmlns:r="http://schemas.openxmlformats.org/officeDocument/2006/relationships" xmlns:p="http://schemas.openxmlformats.org/presentationml/2006/main">
-  <p:tag name="OTLMARKERSHAPE" val="OTL"/>
-</p:tagLst>
-</file>
-
-<file path=ppt/tags/tag125.xml><?xml version="1.0" encoding="utf-8"?>
-<p:tagLst xmlns:a="http://schemas.openxmlformats.org/drawingml/2006/main" xmlns:r="http://schemas.openxmlformats.org/officeDocument/2006/relationships" xmlns:p="http://schemas.openxmlformats.org/presentationml/2006/main">
-  <p:tag name="OTLMARKERSHAPE" val="OTL"/>
-</p:tagLst>
-</file>
-
-<file path=ppt/tags/tag126.xml><?xml version="1.0" encoding="utf-8"?>
-<p:tagLst xmlns:a="http://schemas.openxmlformats.org/drawingml/2006/main" xmlns:r="http://schemas.openxmlformats.org/officeDocument/2006/relationships" xmlns:p="http://schemas.openxmlformats.org/presentationml/2006/main">
-  <p:tag name="OTLMARKERSHAPE" val="OTL"/>
-</p:tagLst>
-</file>
-
-<file path=ppt/tags/tag127.xml><?xml version="1.0" encoding="utf-8"?>
-<p:tagLst xmlns:a="http://schemas.openxmlformats.org/drawingml/2006/main" xmlns:r="http://schemas.openxmlformats.org/officeDocument/2006/relationships" xmlns:p="http://schemas.openxmlformats.org/presentationml/2006/main">
-  <p:tag name="OTLMARKERSHAPE" val="OTL"/>
-</p:tagLst>
-</file>
-
-<file path=ppt/tags/tag128.xml><?xml version="1.0" encoding="utf-8"?>
-<p:tagLst xmlns:a="http://schemas.openxmlformats.org/drawingml/2006/main" xmlns:r="http://schemas.openxmlformats.org/officeDocument/2006/relationships" xmlns:p="http://schemas.openxmlformats.org/presentationml/2006/main">
-  <p:tag name="OTLMARKERSHAPE" val="OTL"/>
-</p:tagLst>
-</file>
-
-<file path=ppt/tags/tag129.xml><?xml version="1.0" encoding="utf-8"?>
-<p:tagLst xmlns:a="http://schemas.openxmlformats.org/drawingml/2006/main" xmlns:r="http://schemas.openxmlformats.org/officeDocument/2006/relationships" xmlns:p="http://schemas.openxmlformats.org/presentationml/2006/main">
-  <p:tag name="OTLMARKERSHAPE" val="OTL"/>
-</p:tagLst>
-</file>
-
 <file path=ppt/tags/tag13.xml><?xml version="1.0" encoding="utf-8"?>
-<p:tagLst xmlns:a="http://schemas.openxmlformats.org/drawingml/2006/main" xmlns:r="http://schemas.openxmlformats.org/officeDocument/2006/relationships" xmlns:p="http://schemas.openxmlformats.org/presentationml/2006/main">
-  <p:tag name="OTLMARKERSHAPE" val="OTL"/>
-</p:tagLst>
-</file>
-
-<file path=ppt/tags/tag130.xml><?xml version="1.0" encoding="utf-8"?>
-<p:tagLst xmlns:a="http://schemas.openxmlformats.org/drawingml/2006/main" xmlns:r="http://schemas.openxmlformats.org/officeDocument/2006/relationships" xmlns:p="http://schemas.openxmlformats.org/presentationml/2006/main">
-  <p:tag name="OTLMARKERSHAPE" val="OTL"/>
-</p:tagLst>
-</file>
-
-<file path=ppt/tags/tag131.xml><?xml version="1.0" encoding="utf-8"?>
-<p:tagLst xmlns:a="http://schemas.openxmlformats.org/drawingml/2006/main" xmlns:r="http://schemas.openxmlformats.org/officeDocument/2006/relationships" xmlns:p="http://schemas.openxmlformats.org/presentationml/2006/main">
-  <p:tag name="OTLMARKERSHAPE" val="OTL"/>
-</p:tagLst>
-</file>
-
-<file path=ppt/tags/tag132.xml><?xml version="1.0" encoding="utf-8"?>
-<p:tagLst xmlns:a="http://schemas.openxmlformats.org/drawingml/2006/main" xmlns:r="http://schemas.openxmlformats.org/officeDocument/2006/relationships" xmlns:p="http://schemas.openxmlformats.org/presentationml/2006/main">
-  <p:tag name="OTLMARKERSHAPE" val="OTL"/>
-</p:tagLst>
-</file>
-
-<file path=ppt/tags/tag133.xml><?xml version="1.0" encoding="utf-8"?>
 <p:tagLst xmlns:a="http://schemas.openxmlformats.org/drawingml/2006/main" xmlns:r="http://schemas.openxmlformats.org/officeDocument/2006/relationships" xmlns:p="http://schemas.openxmlformats.org/presentationml/2006/main">
   <p:tag name="OTLMARKERSHAPE" val="OTL"/>
 </p:tagLst>

--- a/Improgress/2. Artifact and Deliverable/Project Monitoring and Control/PM_ProjectTimeline&Milestones.pptx
+++ b/Improgress/2. Artifact and Deliverable/Project Monitoring and Control/PM_ProjectTimeline&Milestones.pptx
@@ -243,7 +243,7 @@
           <a:p>
             <a:fld id="{C5164158-0CE9-4349-B3F5-2F2E57F0D0CB}" type="datetimeFigureOut">
               <a:rPr lang="en-US" smtClean="0"/>
-              <a:t>11/15/2019</a:t>
+              <a:t>1/5/2020</a:t>
             </a:fld>
             <a:endParaRPr lang="en-US"/>
           </a:p>
@@ -413,7 +413,7 @@
           <a:p>
             <a:fld id="{C5164158-0CE9-4349-B3F5-2F2E57F0D0CB}" type="datetimeFigureOut">
               <a:rPr lang="en-US" smtClean="0"/>
-              <a:t>11/15/2019</a:t>
+              <a:t>1/5/2020</a:t>
             </a:fld>
             <a:endParaRPr lang="en-US"/>
           </a:p>
@@ -593,7 +593,7 @@
           <a:p>
             <a:fld id="{C5164158-0CE9-4349-B3F5-2F2E57F0D0CB}" type="datetimeFigureOut">
               <a:rPr lang="en-US" smtClean="0"/>
-              <a:t>11/15/2019</a:t>
+              <a:t>1/5/2020</a:t>
             </a:fld>
             <a:endParaRPr lang="en-US"/>
           </a:p>
@@ -763,7 +763,7 @@
           <a:p>
             <a:fld id="{C5164158-0CE9-4349-B3F5-2F2E57F0D0CB}" type="datetimeFigureOut">
               <a:rPr lang="en-US" smtClean="0"/>
-              <a:t>11/15/2019</a:t>
+              <a:t>1/5/2020</a:t>
             </a:fld>
             <a:endParaRPr lang="en-US"/>
           </a:p>
@@ -1009,7 +1009,7 @@
           <a:p>
             <a:fld id="{C5164158-0CE9-4349-B3F5-2F2E57F0D0CB}" type="datetimeFigureOut">
               <a:rPr lang="en-US" smtClean="0"/>
-              <a:t>11/15/2019</a:t>
+              <a:t>1/5/2020</a:t>
             </a:fld>
             <a:endParaRPr lang="en-US"/>
           </a:p>
@@ -1241,7 +1241,7 @@
           <a:p>
             <a:fld id="{C5164158-0CE9-4349-B3F5-2F2E57F0D0CB}" type="datetimeFigureOut">
               <a:rPr lang="en-US" smtClean="0"/>
-              <a:t>11/15/2019</a:t>
+              <a:t>1/5/2020</a:t>
             </a:fld>
             <a:endParaRPr lang="en-US"/>
           </a:p>
@@ -1608,7 +1608,7 @@
           <a:p>
             <a:fld id="{C5164158-0CE9-4349-B3F5-2F2E57F0D0CB}" type="datetimeFigureOut">
               <a:rPr lang="en-US" smtClean="0"/>
-              <a:t>11/15/2019</a:t>
+              <a:t>1/5/2020</a:t>
             </a:fld>
             <a:endParaRPr lang="en-US"/>
           </a:p>
@@ -1726,7 +1726,7 @@
           <a:p>
             <a:fld id="{C5164158-0CE9-4349-B3F5-2F2E57F0D0CB}" type="datetimeFigureOut">
               <a:rPr lang="en-US" smtClean="0"/>
-              <a:t>11/15/2019</a:t>
+              <a:t>1/5/2020</a:t>
             </a:fld>
             <a:endParaRPr lang="en-US"/>
           </a:p>
@@ -1821,7 +1821,7 @@
           <a:p>
             <a:fld id="{C5164158-0CE9-4349-B3F5-2F2E57F0D0CB}" type="datetimeFigureOut">
               <a:rPr lang="en-US" smtClean="0"/>
-              <a:t>11/15/2019</a:t>
+              <a:t>1/5/2020</a:t>
             </a:fld>
             <a:endParaRPr lang="en-US"/>
           </a:p>
@@ -2098,7 +2098,7 @@
           <a:p>
             <a:fld id="{C5164158-0CE9-4349-B3F5-2F2E57F0D0CB}" type="datetimeFigureOut">
               <a:rPr lang="en-US" smtClean="0"/>
-              <a:t>11/15/2019</a:t>
+              <a:t>1/5/2020</a:t>
             </a:fld>
             <a:endParaRPr lang="en-US"/>
           </a:p>
@@ -2355,7 +2355,7 @@
           <a:p>
             <a:fld id="{C5164158-0CE9-4349-B3F5-2F2E57F0D0CB}" type="datetimeFigureOut">
               <a:rPr lang="en-US" smtClean="0"/>
-              <a:t>11/15/2019</a:t>
+              <a:t>1/5/2020</a:t>
             </a:fld>
             <a:endParaRPr lang="en-US"/>
           </a:p>
@@ -2568,7 +2568,7 @@
           <a:p>
             <a:fld id="{C5164158-0CE9-4349-B3F5-2F2E57F0D0CB}" type="datetimeFigureOut">
               <a:rPr lang="en-US" smtClean="0"/>
-              <a:t>11/15/2019</a:t>
+              <a:t>1/5/2020</a:t>
             </a:fld>
             <a:endParaRPr lang="en-US"/>
           </a:p>
@@ -3658,8 +3658,8 @@
         </p:nvSpPr>
         <p:spPr>
           <a:xfrm>
-            <a:off x="933365" y="2791460"/>
-            <a:ext cx="1651000" cy="76200"/>
+            <a:off x="933364" y="2791460"/>
+            <a:ext cx="4130106" cy="76200"/>
           </a:xfrm>
           <a:prstGeom prst="rect">
             <a:avLst/>
@@ -3735,7 +3735,7 @@
         </p:nvSpPr>
         <p:spPr>
           <a:xfrm>
-            <a:off x="2521892" y="2867660"/>
+            <a:off x="5006321" y="2867660"/>
             <a:ext cx="114300" cy="127000"/>
           </a:xfrm>
           <a:prstGeom prst="triangle">
@@ -3913,7 +3913,7 @@
           <a:lstStyle/>
           <a:p>
             <a:r>
-              <a:rPr lang="en-GB" sz="1200" spc="-26">
+              <a:rPr lang="en-GB" sz="1200" spc="-26" dirty="0">
                 <a:solidFill>
                   <a:schemeClr val="lt1"/>
                 </a:solidFill>
@@ -7757,7 +7757,7 @@
           <a:lstStyle/>
           <a:p>
             <a:r>
-              <a:rPr lang="en-US" sz="1100" spc="-10">
+              <a:rPr lang="en-US" sz="1100" spc="-10" dirty="0">
                 <a:solidFill>
                   <a:schemeClr val="dk1"/>
                 </a:solidFill>
@@ -7801,7 +7801,7 @@
           <a:lstStyle/>
           <a:p>
             <a:r>
-              <a:rPr lang="en-US" sz="1000" spc="-6">
+              <a:rPr lang="en-US" sz="1000" spc="-6" dirty="0">
                 <a:solidFill>
                   <a:schemeClr val="dk2"/>
                 </a:solidFill>
@@ -7896,6 +7896,222 @@
                 <a:latin typeface="Calibri" panose="020F0502020204030204" pitchFamily="34" charset="0"/>
               </a:rPr>
               <a:t>Nov 30</a:t>
+            </a:r>
+          </a:p>
+        </p:txBody>
+      </p:sp>
+      <p:cxnSp>
+        <p:nvCxnSpPr>
+          <p:cNvPr id="106" name="OTLSHAPE_M_f36886370e824535b35719d05e608266_Connector1">
+            <a:extLst>
+              <a:ext uri="{FF2B5EF4-FFF2-40B4-BE49-F238E27FC236}">
+                <a16:creationId xmlns:a16="http://schemas.microsoft.com/office/drawing/2014/main" id="{E9E885FF-51C8-46CD-92D4-FC5B277B4531}"/>
+              </a:ext>
+            </a:extLst>
+          </p:cNvPr>
+          <p:cNvCxnSpPr/>
+          <p:nvPr>
+            <p:custDataLst>
+              <p:tags r:id="rId106"/>
+            </p:custDataLst>
+          </p:nvPr>
+        </p:nvCxnSpPr>
+        <p:spPr>
+          <a:xfrm>
+            <a:off x="5063473" y="1570418"/>
+            <a:ext cx="0" cy="894715"/>
+          </a:xfrm>
+          <a:prstGeom prst="line">
+            <a:avLst/>
+          </a:prstGeom>
+          <a:ln w="7620" cap="flat" cmpd="sng" algn="ctr">
+            <a:solidFill>
+              <a:srgbClr val="4F81BD"/>
+            </a:solidFill>
+            <a:prstDash val="solid"/>
+            <a:miter lim="800000"/>
+            <a:headEnd type="none" w="med" len="med"/>
+            <a:tailEnd type="none" w="med" len="med"/>
+          </a:ln>
+        </p:spPr>
+        <p:style>
+          <a:lnRef idx="1">
+            <a:schemeClr val="accent1"/>
+          </a:lnRef>
+          <a:fillRef idx="0">
+            <a:schemeClr val="accent1"/>
+          </a:fillRef>
+          <a:effectRef idx="0">
+            <a:schemeClr val="accent1"/>
+          </a:effectRef>
+          <a:fontRef idx="minor">
+            <a:schemeClr val="tx1"/>
+          </a:fontRef>
+        </p:style>
+      </p:cxnSp>
+      <p:sp>
+        <p:nvSpPr>
+          <p:cNvPr id="107" name="OTLSHAPE_M_f36886370e824535b35719d05e608266_Shape">
+            <a:extLst>
+              <a:ext uri="{FF2B5EF4-FFF2-40B4-BE49-F238E27FC236}">
+                <a16:creationId xmlns:a16="http://schemas.microsoft.com/office/drawing/2014/main" id="{AC226A60-5CD3-4D20-A82C-4171FEC4B499}"/>
+              </a:ext>
+            </a:extLst>
+          </p:cNvPr>
+          <p:cNvSpPr/>
+          <p:nvPr>
+            <p:custDataLst>
+              <p:tags r:id="rId107"/>
+            </p:custDataLst>
+          </p:nvPr>
+        </p:nvSpPr>
+        <p:spPr>
+          <a:xfrm>
+            <a:off x="5092671" y="1550210"/>
+            <a:ext cx="165100" cy="165100"/>
+          </a:xfrm>
+          <a:prstGeom prst="wave">
+            <a:avLst/>
+          </a:prstGeom>
+          <a:solidFill>
+            <a:srgbClr val="EA161E"/>
+          </a:solidFill>
+          <a:ln w="12700" cap="flat" cmpd="sng" algn="ctr">
+            <a:noFill/>
+            <a:prstDash val="solid"/>
+            <a:miter lim="800000"/>
+          </a:ln>
+          <a:effectLst/>
+          <a:scene3d>
+            <a:camera prst="orthographicFront"/>
+            <a:lightRig rig="threePt" dir="t"/>
+          </a:scene3d>
+          <a:sp3d>
+            <a:bevelT h="12700"/>
+          </a:sp3d>
+          <a:extLst>
+            <a:ext uri="{91240B29-F687-4F45-9708-019B960494DF}">
+              <a14:hiddenLine xmlns:a14="http://schemas.microsoft.com/office/drawing/2010/main" w="12700" cap="flat" cmpd="sng" algn="ctr">
+                <a:solidFill>
+                  <a:schemeClr val="accent1">
+                    <a:shade val="50000"/>
+                  </a:schemeClr>
+                </a:solidFill>
+                <a:prstDash val="solid"/>
+                <a:miter lim="800000"/>
+              </a14:hiddenLine>
+            </a:ext>
+          </a:extLst>
+        </p:spPr>
+        <p:style>
+          <a:lnRef idx="2">
+            <a:schemeClr val="accent1">
+              <a:shade val="50000"/>
+            </a:schemeClr>
+          </a:lnRef>
+          <a:fillRef idx="1">
+            <a:schemeClr val="accent1"/>
+          </a:fillRef>
+          <a:effectRef idx="0">
+            <a:schemeClr val="accent1"/>
+          </a:effectRef>
+          <a:fontRef idx="minor">
+            <a:schemeClr val="lt1"/>
+          </a:fontRef>
+        </p:style>
+        <p:txBody>
+          <a:bodyPr rtlCol="0" anchor="ctr"/>
+          <a:lstStyle/>
+          <a:p>
+            <a:pPr algn="ctr"/>
+            <a:endParaRPr lang="en-US"/>
+          </a:p>
+        </p:txBody>
+      </p:sp>
+      <p:sp>
+        <p:nvSpPr>
+          <p:cNvPr id="108" name="OTLSHAPE_M_f36886370e824535b35719d05e608266_Title">
+            <a:extLst>
+              <a:ext uri="{FF2B5EF4-FFF2-40B4-BE49-F238E27FC236}">
+                <a16:creationId xmlns:a16="http://schemas.microsoft.com/office/drawing/2014/main" id="{DA113117-9842-4815-9A10-65D68FF6A531}"/>
+              </a:ext>
+            </a:extLst>
+          </p:cNvPr>
+          <p:cNvSpPr txBox="1"/>
+          <p:nvPr>
+            <p:custDataLst>
+              <p:tags r:id="rId108"/>
+            </p:custDataLst>
+          </p:nvPr>
+        </p:nvSpPr>
+        <p:spPr>
+          <a:xfrm>
+            <a:off x="5283703" y="1462241"/>
+            <a:ext cx="495300" cy="170519"/>
+          </a:xfrm>
+          <a:prstGeom prst="rect">
+            <a:avLst/>
+          </a:prstGeom>
+          <a:noFill/>
+        </p:spPr>
+        <p:txBody>
+          <a:bodyPr vert="horz" wrap="square" lIns="0" tIns="0" rIns="0" bIns="0" rtlCol="0" anchor="ctr" anchorCtr="0">
+            <a:spAutoFit/>
+          </a:bodyPr>
+          <a:lstStyle/>
+          <a:p>
+            <a:r>
+              <a:rPr lang="en-US" sz="1100" spc="-10" dirty="0">
+                <a:solidFill>
+                  <a:schemeClr val="dk1"/>
+                </a:solidFill>
+                <a:latin typeface="Calibri" panose="020F0502020204030204" pitchFamily="34" charset="0"/>
+              </a:rPr>
+              <a:t>EOMP#2</a:t>
+            </a:r>
+          </a:p>
+        </p:txBody>
+      </p:sp>
+      <p:sp>
+        <p:nvSpPr>
+          <p:cNvPr id="109" name="OTLSHAPE_M_f36886370e824535b35719d05e608266_Date">
+            <a:extLst>
+              <a:ext uri="{FF2B5EF4-FFF2-40B4-BE49-F238E27FC236}">
+                <a16:creationId xmlns:a16="http://schemas.microsoft.com/office/drawing/2014/main" id="{10D5B9A5-2296-4491-BD90-E468B69B07CC}"/>
+              </a:ext>
+            </a:extLst>
+          </p:cNvPr>
+          <p:cNvSpPr txBox="1"/>
+          <p:nvPr>
+            <p:custDataLst>
+              <p:tags r:id="rId109"/>
+            </p:custDataLst>
+          </p:nvPr>
+        </p:nvSpPr>
+        <p:spPr>
+          <a:xfrm>
+            <a:off x="5286968" y="1606047"/>
+            <a:ext cx="368300" cy="155025"/>
+          </a:xfrm>
+          <a:prstGeom prst="rect">
+            <a:avLst/>
+          </a:prstGeom>
+          <a:noFill/>
+        </p:spPr>
+        <p:txBody>
+          <a:bodyPr vert="horz" wrap="square" lIns="0" tIns="0" rIns="0" bIns="0" rtlCol="0" anchor="ctr" anchorCtr="0">
+            <a:spAutoFit/>
+          </a:bodyPr>
+          <a:lstStyle/>
+          <a:p>
+            <a:r>
+              <a:rPr lang="en-US" sz="1000" spc="-6" dirty="0">
+                <a:solidFill>
+                  <a:schemeClr val="dk2"/>
+                </a:solidFill>
+                <a:latin typeface="Calibri" panose="020F0502020204030204" pitchFamily="34" charset="0"/>
+              </a:rPr>
+              <a:t>Jan 7</a:t>
             </a:r>
           </a:p>
         </p:txBody>
@@ -7960,6 +8176,30 @@
 </file>
 
 <file path=ppt/tags/tag105.xml><?xml version="1.0" encoding="utf-8"?>
+<p:tagLst xmlns:a="http://schemas.openxmlformats.org/drawingml/2006/main" xmlns:r="http://schemas.openxmlformats.org/officeDocument/2006/relationships" xmlns:p="http://schemas.openxmlformats.org/presentationml/2006/main">
+  <p:tag name="OTLMARKERSHAPE" val="OTL"/>
+</p:tagLst>
+</file>
+
+<file path=ppt/tags/tag106.xml><?xml version="1.0" encoding="utf-8"?>
+<p:tagLst xmlns:a="http://schemas.openxmlformats.org/drawingml/2006/main" xmlns:r="http://schemas.openxmlformats.org/officeDocument/2006/relationships" xmlns:p="http://schemas.openxmlformats.org/presentationml/2006/main">
+  <p:tag name="OTLMARKERSHAPE" val="OTL"/>
+</p:tagLst>
+</file>
+
+<file path=ppt/tags/tag107.xml><?xml version="1.0" encoding="utf-8"?>
+<p:tagLst xmlns:a="http://schemas.openxmlformats.org/drawingml/2006/main" xmlns:r="http://schemas.openxmlformats.org/officeDocument/2006/relationships" xmlns:p="http://schemas.openxmlformats.org/presentationml/2006/main">
+  <p:tag name="OTLMARKERSHAPE" val="OTL"/>
+</p:tagLst>
+</file>
+
+<file path=ppt/tags/tag108.xml><?xml version="1.0" encoding="utf-8"?>
+<p:tagLst xmlns:a="http://schemas.openxmlformats.org/drawingml/2006/main" xmlns:r="http://schemas.openxmlformats.org/officeDocument/2006/relationships" xmlns:p="http://schemas.openxmlformats.org/presentationml/2006/main">
+  <p:tag name="OTLMARKERSHAPE" val="OTL"/>
+</p:tagLst>
+</file>
+
+<file path=ppt/tags/tag109.xml><?xml version="1.0" encoding="utf-8"?>
 <p:tagLst xmlns:a="http://schemas.openxmlformats.org/drawingml/2006/main" xmlns:r="http://schemas.openxmlformats.org/officeDocument/2006/relationships" xmlns:p="http://schemas.openxmlformats.org/presentationml/2006/main">
   <p:tag name="OTLMARKERSHAPE" val="OTL"/>
 </p:tagLst>

--- a/Improgress/2. Artifact and Deliverable/Project Monitoring and Control/PM_ProjectTimeline&Milestones.pptx
+++ b/Improgress/2. Artifact and Deliverable/Project Monitoring and Control/PM_ProjectTimeline&Milestones.pptx
@@ -243,7 +243,7 @@
           <a:p>
             <a:fld id="{C5164158-0CE9-4349-B3F5-2F2E57F0D0CB}" type="datetimeFigureOut">
               <a:rPr lang="en-US" smtClean="0"/>
-              <a:t>11/15/2019</a:t>
+              <a:t>1/7/2020</a:t>
             </a:fld>
             <a:endParaRPr lang="en-US"/>
           </a:p>
@@ -413,7 +413,7 @@
           <a:p>
             <a:fld id="{C5164158-0CE9-4349-B3F5-2F2E57F0D0CB}" type="datetimeFigureOut">
               <a:rPr lang="en-US" smtClean="0"/>
-              <a:t>11/15/2019</a:t>
+              <a:t>1/7/2020</a:t>
             </a:fld>
             <a:endParaRPr lang="en-US"/>
           </a:p>
@@ -593,7 +593,7 @@
           <a:p>
             <a:fld id="{C5164158-0CE9-4349-B3F5-2F2E57F0D0CB}" type="datetimeFigureOut">
               <a:rPr lang="en-US" smtClean="0"/>
-              <a:t>11/15/2019</a:t>
+              <a:t>1/7/2020</a:t>
             </a:fld>
             <a:endParaRPr lang="en-US"/>
           </a:p>
@@ -763,7 +763,7 @@
           <a:p>
             <a:fld id="{C5164158-0CE9-4349-B3F5-2F2E57F0D0CB}" type="datetimeFigureOut">
               <a:rPr lang="en-US" smtClean="0"/>
-              <a:t>11/15/2019</a:t>
+              <a:t>1/7/2020</a:t>
             </a:fld>
             <a:endParaRPr lang="en-US"/>
           </a:p>
@@ -1009,7 +1009,7 @@
           <a:p>
             <a:fld id="{C5164158-0CE9-4349-B3F5-2F2E57F0D0CB}" type="datetimeFigureOut">
               <a:rPr lang="en-US" smtClean="0"/>
-              <a:t>11/15/2019</a:t>
+              <a:t>1/7/2020</a:t>
             </a:fld>
             <a:endParaRPr lang="en-US"/>
           </a:p>
@@ -1241,7 +1241,7 @@
           <a:p>
             <a:fld id="{C5164158-0CE9-4349-B3F5-2F2E57F0D0CB}" type="datetimeFigureOut">
               <a:rPr lang="en-US" smtClean="0"/>
-              <a:t>11/15/2019</a:t>
+              <a:t>1/7/2020</a:t>
             </a:fld>
             <a:endParaRPr lang="en-US"/>
           </a:p>
@@ -1608,7 +1608,7 @@
           <a:p>
             <a:fld id="{C5164158-0CE9-4349-B3F5-2F2E57F0D0CB}" type="datetimeFigureOut">
               <a:rPr lang="en-US" smtClean="0"/>
-              <a:t>11/15/2019</a:t>
+              <a:t>1/7/2020</a:t>
             </a:fld>
             <a:endParaRPr lang="en-US"/>
           </a:p>
@@ -1726,7 +1726,7 @@
           <a:p>
             <a:fld id="{C5164158-0CE9-4349-B3F5-2F2E57F0D0CB}" type="datetimeFigureOut">
               <a:rPr lang="en-US" smtClean="0"/>
-              <a:t>11/15/2019</a:t>
+              <a:t>1/7/2020</a:t>
             </a:fld>
             <a:endParaRPr lang="en-US"/>
           </a:p>
@@ -1821,7 +1821,7 @@
           <a:p>
             <a:fld id="{C5164158-0CE9-4349-B3F5-2F2E57F0D0CB}" type="datetimeFigureOut">
               <a:rPr lang="en-US" smtClean="0"/>
-              <a:t>11/15/2019</a:t>
+              <a:t>1/7/2020</a:t>
             </a:fld>
             <a:endParaRPr lang="en-US"/>
           </a:p>
@@ -2098,7 +2098,7 @@
           <a:p>
             <a:fld id="{C5164158-0CE9-4349-B3F5-2F2E57F0D0CB}" type="datetimeFigureOut">
               <a:rPr lang="en-US" smtClean="0"/>
-              <a:t>11/15/2019</a:t>
+              <a:t>1/7/2020</a:t>
             </a:fld>
             <a:endParaRPr lang="en-US"/>
           </a:p>
@@ -2355,7 +2355,7 @@
           <a:p>
             <a:fld id="{C5164158-0CE9-4349-B3F5-2F2E57F0D0CB}" type="datetimeFigureOut">
               <a:rPr lang="en-US" smtClean="0"/>
-              <a:t>11/15/2019</a:t>
+              <a:t>1/7/2020</a:t>
             </a:fld>
             <a:endParaRPr lang="en-US"/>
           </a:p>
@@ -2568,7 +2568,7 @@
           <a:p>
             <a:fld id="{C5164158-0CE9-4349-B3F5-2F2E57F0D0CB}" type="datetimeFigureOut">
               <a:rPr lang="en-US" smtClean="0"/>
-              <a:t>11/15/2019</a:t>
+              <a:t>1/7/2020</a:t>
             </a:fld>
             <a:endParaRPr lang="en-US"/>
           </a:p>
@@ -2985,7 +2985,7 @@
         </p:nvSpPr>
         <p:spPr>
           <a:xfrm>
-            <a:off x="317500" y="2537629"/>
+            <a:off x="317500" y="2550329"/>
             <a:ext cx="451662" cy="279061"/>
           </a:xfrm>
           <a:prstGeom prst="rect">
@@ -3024,7 +3024,7 @@
         </p:nvSpPr>
         <p:spPr>
           <a:xfrm>
-            <a:off x="11411034" y="2537629"/>
+            <a:off x="11411034" y="2550329"/>
             <a:ext cx="451662" cy="279061"/>
           </a:xfrm>
           <a:prstGeom prst="rect">
@@ -3063,7 +3063,7 @@
         </p:nvCxnSpPr>
         <p:spPr>
           <a:xfrm>
-            <a:off x="772880" y="6066663"/>
+            <a:off x="772880" y="5634863"/>
             <a:ext cx="4683937" cy="0"/>
           </a:xfrm>
           <a:prstGeom prst="line">
@@ -3106,7 +3106,7 @@
         </p:nvCxnSpPr>
         <p:spPr>
           <a:xfrm>
-            <a:off x="1627801" y="5581438"/>
+            <a:off x="1627801" y="5238538"/>
             <a:ext cx="2796489" cy="0"/>
           </a:xfrm>
           <a:prstGeom prst="line">
@@ -3149,7 +3149,7 @@
         </p:nvCxnSpPr>
         <p:spPr>
           <a:xfrm>
-            <a:off x="686393" y="4610989"/>
+            <a:off x="686393" y="4445889"/>
             <a:ext cx="1672843" cy="0"/>
           </a:xfrm>
           <a:prstGeom prst="line">
@@ -3192,7 +3192,7 @@
         </p:nvCxnSpPr>
         <p:spPr>
           <a:xfrm>
-            <a:off x="630048" y="4125764"/>
+            <a:off x="630048" y="4049564"/>
             <a:ext cx="696662" cy="0"/>
           </a:xfrm>
           <a:prstGeom prst="line">
@@ -3235,7 +3235,7 @@
         </p:nvCxnSpPr>
         <p:spPr>
           <a:xfrm>
-            <a:off x="584369" y="3640540"/>
+            <a:off x="584369" y="3653240"/>
             <a:ext cx="398164" cy="0"/>
           </a:xfrm>
           <a:prstGeom prst="line">
@@ -3284,7 +3284,7 @@
         </p:nvCxnSpPr>
         <p:spPr>
           <a:xfrm>
-            <a:off x="2316384" y="848842"/>
+            <a:off x="2315114" y="861542"/>
             <a:ext cx="0" cy="1637818"/>
           </a:xfrm>
           <a:prstGeom prst="line">
@@ -3333,7 +3333,7 @@
         </p:nvCxnSpPr>
         <p:spPr>
           <a:xfrm>
-            <a:off x="10822439" y="2044488"/>
+            <a:off x="10821170" y="2057188"/>
             <a:ext cx="0" cy="442172"/>
           </a:xfrm>
           <a:prstGeom prst="line">
@@ -3382,7 +3382,7 @@
         </p:nvCxnSpPr>
         <p:spPr>
           <a:xfrm>
-            <a:off x="878247" y="6551888"/>
+            <a:off x="878247" y="6031188"/>
             <a:ext cx="9888708" cy="0"/>
           </a:xfrm>
           <a:prstGeom prst="line">
@@ -3431,7 +3431,7 @@
         </p:nvCxnSpPr>
         <p:spPr>
           <a:xfrm>
-            <a:off x="2660560" y="1591945"/>
+            <a:off x="2659289" y="1604646"/>
             <a:ext cx="0" cy="894715"/>
           </a:xfrm>
           <a:prstGeom prst="line">
@@ -3480,7 +3480,7 @@
         </p:nvCxnSpPr>
         <p:spPr>
           <a:xfrm>
-            <a:off x="589365" y="5096214"/>
+            <a:off x="589365" y="4842214"/>
             <a:ext cx="2458223" cy="0"/>
           </a:xfrm>
           <a:prstGeom prst="line">
@@ -3529,7 +3529,7 @@
         </p:nvCxnSpPr>
         <p:spPr>
           <a:xfrm>
-            <a:off x="3348911" y="2044488"/>
+            <a:off x="3347641" y="2057188"/>
             <a:ext cx="0" cy="442172"/>
           </a:xfrm>
           <a:prstGeom prst="line">
@@ -3560,19 +3560,264 @@
           </a:fontRef>
         </p:style>
       </p:cxnSp>
+      <p:cxnSp>
+        <p:nvCxnSpPr>
+          <p:cNvPr id="2" name="OTLSHAPE_M_b8d8e3a727d34366833bd51745f4c1c0_Connector1">
+            <a:extLst>
+              <a:ext uri="{FF2B5EF4-FFF2-40B4-BE49-F238E27FC236}">
+                <a16:creationId xmlns:a16="http://schemas.microsoft.com/office/drawing/2014/main" id="{CC0AA1EA-966F-41CF-920A-8FD391083C6D}"/>
+              </a:ext>
+            </a:extLst>
+          </p:cNvPr>
+          <p:cNvCxnSpPr/>
+          <p:nvPr>
+            <p:custDataLst>
+              <p:tags r:id="rId15"/>
+            </p:custDataLst>
+          </p:nvPr>
+        </p:nvCxnSpPr>
+        <p:spPr>
+          <a:xfrm>
+            <a:off x="5217293" y="1152102"/>
+            <a:ext cx="0" cy="793115"/>
+          </a:xfrm>
+          <a:prstGeom prst="line">
+            <a:avLst/>
+          </a:prstGeom>
+          <a:ln w="9525" cap="flat" cmpd="sng" algn="ctr">
+            <a:solidFill>
+              <a:srgbClr val="4F81BD"/>
+            </a:solidFill>
+            <a:prstDash val="solid"/>
+            <a:miter lim="800000"/>
+            <a:headEnd type="none" w="med" len="med"/>
+            <a:tailEnd type="none" w="med" len="med"/>
+          </a:ln>
+        </p:spPr>
+        <p:style>
+          <a:lnRef idx="1">
+            <a:schemeClr val="accent1"/>
+          </a:lnRef>
+          <a:fillRef idx="0">
+            <a:schemeClr val="accent1"/>
+          </a:fillRef>
+          <a:effectRef idx="0">
+            <a:schemeClr val="accent1"/>
+          </a:effectRef>
+          <a:fontRef idx="minor">
+            <a:schemeClr val="tx1"/>
+          </a:fontRef>
+        </p:style>
+      </p:cxnSp>
+      <p:cxnSp>
+        <p:nvCxnSpPr>
+          <p:cNvPr id="23" name="OTLSHAPE_M_d7718b2de0af4d4e89c3ffe6ae0bd866_Connector1">
+            <a:extLst>
+              <a:ext uri="{FF2B5EF4-FFF2-40B4-BE49-F238E27FC236}">
+                <a16:creationId xmlns:a16="http://schemas.microsoft.com/office/drawing/2014/main" id="{1DB48C9D-C027-455F-BCBD-4194A5A84AD3}"/>
+              </a:ext>
+            </a:extLst>
+          </p:cNvPr>
+          <p:cNvCxnSpPr/>
+          <p:nvPr>
+            <p:custDataLst>
+              <p:tags r:id="rId16"/>
+            </p:custDataLst>
+          </p:nvPr>
+        </p:nvCxnSpPr>
+        <p:spPr>
+          <a:xfrm>
+            <a:off x="4479774" y="2057188"/>
+            <a:ext cx="0" cy="442172"/>
+          </a:xfrm>
+          <a:prstGeom prst="line">
+            <a:avLst/>
+          </a:prstGeom>
+          <a:ln w="9525" cap="flat" cmpd="sng" algn="ctr">
+            <a:solidFill>
+              <a:srgbClr val="4F81BD"/>
+            </a:solidFill>
+            <a:prstDash val="solid"/>
+            <a:miter lim="800000"/>
+            <a:headEnd type="none" w="med" len="med"/>
+            <a:tailEnd type="none" w="med" len="med"/>
+          </a:ln>
+        </p:spPr>
+        <p:style>
+          <a:lnRef idx="1">
+            <a:schemeClr val="accent1"/>
+          </a:lnRef>
+          <a:fillRef idx="0">
+            <a:schemeClr val="accent1"/>
+          </a:fillRef>
+          <a:effectRef idx="0">
+            <a:schemeClr val="accent1"/>
+          </a:effectRef>
+          <a:fontRef idx="minor">
+            <a:schemeClr val="tx1"/>
+          </a:fontRef>
+        </p:style>
+      </p:cxnSp>
+      <p:cxnSp>
+        <p:nvCxnSpPr>
+          <p:cNvPr id="42" name="OTLSHAPE_M_b8d8e3a727d34366833bd51745f4c1c0_Connector2">
+            <a:extLst>
+              <a:ext uri="{FF2B5EF4-FFF2-40B4-BE49-F238E27FC236}">
+                <a16:creationId xmlns:a16="http://schemas.microsoft.com/office/drawing/2014/main" id="{C57E1E16-D9DB-4ABF-9031-DD3BE50530A9}"/>
+              </a:ext>
+            </a:extLst>
+          </p:cNvPr>
+          <p:cNvCxnSpPr/>
+          <p:nvPr>
+            <p:custDataLst>
+              <p:tags r:id="rId17"/>
+            </p:custDataLst>
+          </p:nvPr>
+        </p:nvCxnSpPr>
+        <p:spPr>
+          <a:xfrm>
+            <a:off x="5217293" y="2115735"/>
+            <a:ext cx="0" cy="383625"/>
+          </a:xfrm>
+          <a:prstGeom prst="line">
+            <a:avLst/>
+          </a:prstGeom>
+          <a:ln w="9525" cap="flat" cmpd="sng" algn="ctr">
+            <a:solidFill>
+              <a:srgbClr val="4F81BD"/>
+            </a:solidFill>
+            <a:prstDash val="solid"/>
+            <a:miter lim="800000"/>
+            <a:headEnd type="none" w="med" len="med"/>
+            <a:tailEnd type="none" w="med" len="med"/>
+          </a:ln>
+        </p:spPr>
+        <p:style>
+          <a:lnRef idx="1">
+            <a:schemeClr val="accent1"/>
+          </a:lnRef>
+          <a:fillRef idx="0">
+            <a:schemeClr val="accent1"/>
+          </a:fillRef>
+          <a:effectRef idx="0">
+            <a:schemeClr val="accent1"/>
+          </a:effectRef>
+          <a:fontRef idx="minor">
+            <a:schemeClr val="tx1"/>
+          </a:fontRef>
+        </p:style>
+      </p:cxnSp>
+      <p:cxnSp>
+        <p:nvCxnSpPr>
+          <p:cNvPr id="43" name="OTLSHAPE_M_46abe3f955d64b66a04a7eb9cb3b00a8_Connector1">
+            <a:extLst>
+              <a:ext uri="{FF2B5EF4-FFF2-40B4-BE49-F238E27FC236}">
+                <a16:creationId xmlns:a16="http://schemas.microsoft.com/office/drawing/2014/main" id="{A9BB6FBC-9873-407A-9A75-949B496AADD5}"/>
+              </a:ext>
+            </a:extLst>
+          </p:cNvPr>
+          <p:cNvCxnSpPr/>
+          <p:nvPr>
+            <p:custDataLst>
+              <p:tags r:id="rId18"/>
+            </p:custDataLst>
+          </p:nvPr>
+        </p:nvCxnSpPr>
+        <p:spPr>
+          <a:xfrm>
+            <a:off x="5168125" y="1604645"/>
+            <a:ext cx="0" cy="340572"/>
+          </a:xfrm>
+          <a:prstGeom prst="line">
+            <a:avLst/>
+          </a:prstGeom>
+          <a:ln w="9525" cap="flat" cmpd="sng" algn="ctr">
+            <a:solidFill>
+              <a:srgbClr val="4F81BD"/>
+            </a:solidFill>
+            <a:prstDash val="solid"/>
+            <a:miter lim="800000"/>
+            <a:headEnd type="none" w="med" len="med"/>
+            <a:tailEnd type="none" w="med" len="med"/>
+          </a:ln>
+        </p:spPr>
+        <p:style>
+          <a:lnRef idx="1">
+            <a:schemeClr val="accent1"/>
+          </a:lnRef>
+          <a:fillRef idx="0">
+            <a:schemeClr val="accent1"/>
+          </a:fillRef>
+          <a:effectRef idx="0">
+            <a:schemeClr val="accent1"/>
+          </a:effectRef>
+          <a:fontRef idx="minor">
+            <a:schemeClr val="tx1"/>
+          </a:fontRef>
+        </p:style>
+      </p:cxnSp>
+      <p:cxnSp>
+        <p:nvCxnSpPr>
+          <p:cNvPr id="44" name="OTLSHAPE_M_46abe3f955d64b66a04a7eb9cb3b00a8_Connector2">
+            <a:extLst>
+              <a:ext uri="{FF2B5EF4-FFF2-40B4-BE49-F238E27FC236}">
+                <a16:creationId xmlns:a16="http://schemas.microsoft.com/office/drawing/2014/main" id="{32D6FC8F-3DB2-43E3-A127-3DB04152BCBD}"/>
+              </a:ext>
+            </a:extLst>
+          </p:cNvPr>
+          <p:cNvCxnSpPr/>
+          <p:nvPr>
+            <p:custDataLst>
+              <p:tags r:id="rId19"/>
+            </p:custDataLst>
+          </p:nvPr>
+        </p:nvCxnSpPr>
+        <p:spPr>
+          <a:xfrm>
+            <a:off x="5168125" y="2115735"/>
+            <a:ext cx="0" cy="383625"/>
+          </a:xfrm>
+          <a:prstGeom prst="line">
+            <a:avLst/>
+          </a:prstGeom>
+          <a:ln w="9525" cap="flat" cmpd="sng" algn="ctr">
+            <a:solidFill>
+              <a:srgbClr val="4F81BD"/>
+            </a:solidFill>
+            <a:prstDash val="solid"/>
+            <a:miter lim="800000"/>
+            <a:headEnd type="none" w="med" len="med"/>
+            <a:tailEnd type="none" w="med" len="med"/>
+          </a:ln>
+        </p:spPr>
+        <p:style>
+          <a:lnRef idx="1">
+            <a:schemeClr val="accent1"/>
+          </a:lnRef>
+          <a:fillRef idx="0">
+            <a:schemeClr val="accent1"/>
+          </a:fillRef>
+          <a:effectRef idx="0">
+            <a:schemeClr val="accent1"/>
+          </a:effectRef>
+          <a:fontRef idx="minor">
+            <a:schemeClr val="tx1"/>
+          </a:fontRef>
+        </p:style>
+      </p:cxnSp>
       <p:sp>
         <p:nvSpPr>
           <p:cNvPr id="5889" name="OTLSHAPE_TB_00000000000000000000000000000000_ScaleContainer"/>
           <p:cNvSpPr/>
           <p:nvPr>
             <p:custDataLst>
-              <p:tags r:id="rId15"/>
-            </p:custDataLst>
-          </p:nvPr>
-        </p:nvSpPr>
-        <p:spPr>
-          <a:xfrm>
-            <a:off x="933365" y="2486660"/>
+              <p:tags r:id="rId20"/>
+            </p:custDataLst>
+          </p:nvPr>
+        </p:nvSpPr>
+        <p:spPr>
+          <a:xfrm>
+            <a:off x="933365" y="2499360"/>
             <a:ext cx="10337800" cy="381000"/>
           </a:xfrm>
           <a:prstGeom prst="rect">
@@ -3652,14 +3897,14 @@
           <p:cNvSpPr/>
           <p:nvPr>
             <p:custDataLst>
-              <p:tags r:id="rId16"/>
-            </p:custDataLst>
-          </p:nvPr>
-        </p:nvSpPr>
-        <p:spPr>
-          <a:xfrm>
-            <a:off x="933365" y="2791460"/>
-            <a:ext cx="1651000" cy="76200"/>
+              <p:tags r:id="rId21"/>
+            </p:custDataLst>
+          </p:nvPr>
+        </p:nvSpPr>
+        <p:spPr>
+          <a:xfrm>
+            <a:off x="933365" y="2804160"/>
+            <a:ext cx="4254500" cy="76200"/>
           </a:xfrm>
           <a:prstGeom prst="rect">
             <a:avLst/>
@@ -3729,13 +3974,13 @@
           <p:cNvSpPr/>
           <p:nvPr>
             <p:custDataLst>
-              <p:tags r:id="rId17"/>
-            </p:custDataLst>
-          </p:nvPr>
-        </p:nvSpPr>
-        <p:spPr>
-          <a:xfrm>
-            <a:off x="2521892" y="2867660"/>
+              <p:tags r:id="rId22"/>
+            </p:custDataLst>
+          </p:nvPr>
+        </p:nvSpPr>
+        <p:spPr>
+          <a:xfrm>
+            <a:off x="5128258" y="2880360"/>
             <a:ext cx="114300" cy="127000"/>
           </a:xfrm>
           <a:prstGeom prst="triangle">
@@ -3809,13 +4054,13 @@
           <p:cNvSpPr txBox="1"/>
           <p:nvPr>
             <p:custDataLst>
-              <p:tags r:id="rId18"/>
-            </p:custDataLst>
-          </p:nvPr>
-        </p:nvSpPr>
-        <p:spPr>
-          <a:xfrm>
-            <a:off x="2396192" y="2994660"/>
+              <p:tags r:id="rId23"/>
+            </p:custDataLst>
+          </p:nvPr>
+        </p:nvSpPr>
+        <p:spPr>
+          <a:xfrm>
+            <a:off x="5002559" y="3007360"/>
             <a:ext cx="368300" cy="186055"/>
           </a:xfrm>
           <a:prstGeom prst="rect">
@@ -3848,13 +4093,13 @@
           <p:cNvSpPr txBox="1"/>
           <p:nvPr>
             <p:custDataLst>
-              <p:tags r:id="rId19"/>
-            </p:custDataLst>
-          </p:nvPr>
-        </p:nvSpPr>
-        <p:spPr>
-          <a:xfrm>
-            <a:off x="996865" y="2584133"/>
+              <p:tags r:id="rId24"/>
+            </p:custDataLst>
+          </p:nvPr>
+        </p:nvSpPr>
+        <p:spPr>
+          <a:xfrm>
+            <a:off x="996865" y="2596833"/>
             <a:ext cx="469900" cy="186055"/>
           </a:xfrm>
           <a:prstGeom prst="rect">
@@ -3892,13 +4137,13 @@
           <p:cNvSpPr txBox="1"/>
           <p:nvPr>
             <p:custDataLst>
-              <p:tags r:id="rId20"/>
-            </p:custDataLst>
-          </p:nvPr>
-        </p:nvSpPr>
-        <p:spPr>
-          <a:xfrm>
-            <a:off x="2029392" y="2584133"/>
+              <p:tags r:id="rId25"/>
+            </p:custDataLst>
+          </p:nvPr>
+        </p:nvSpPr>
+        <p:spPr>
+          <a:xfrm>
+            <a:off x="2029392" y="2596833"/>
             <a:ext cx="75470" cy="186055"/>
           </a:xfrm>
           <a:prstGeom prst="rect">
@@ -3930,13 +4175,13 @@
           <p:cNvSpPr txBox="1"/>
           <p:nvPr>
             <p:custDataLst>
-              <p:tags r:id="rId21"/>
-            </p:custDataLst>
-          </p:nvPr>
-        </p:nvSpPr>
-        <p:spPr>
-          <a:xfrm>
-            <a:off x="3061919" y="2584133"/>
+              <p:tags r:id="rId26"/>
+            </p:custDataLst>
+          </p:nvPr>
+        </p:nvSpPr>
+        <p:spPr>
+          <a:xfrm>
+            <a:off x="3061919" y="2596833"/>
             <a:ext cx="75470" cy="186055"/>
           </a:xfrm>
           <a:prstGeom prst="rect">
@@ -3968,13 +4213,13 @@
           <p:cNvSpPr txBox="1"/>
           <p:nvPr>
             <p:custDataLst>
-              <p:tags r:id="rId22"/>
-            </p:custDataLst>
-          </p:nvPr>
-        </p:nvSpPr>
-        <p:spPr>
-          <a:xfrm>
-            <a:off x="4094446" y="2584133"/>
+              <p:tags r:id="rId27"/>
+            </p:custDataLst>
+          </p:nvPr>
+        </p:nvSpPr>
+        <p:spPr>
+          <a:xfrm>
+            <a:off x="4094446" y="2596833"/>
             <a:ext cx="150939" cy="186055"/>
           </a:xfrm>
           <a:prstGeom prst="rect">
@@ -4006,13 +4251,13 @@
           <p:cNvSpPr txBox="1"/>
           <p:nvPr>
             <p:custDataLst>
-              <p:tags r:id="rId23"/>
-            </p:custDataLst>
-          </p:nvPr>
-        </p:nvSpPr>
-        <p:spPr>
-          <a:xfrm>
-            <a:off x="5126973" y="2584133"/>
+              <p:tags r:id="rId28"/>
+            </p:custDataLst>
+          </p:nvPr>
+        </p:nvSpPr>
+        <p:spPr>
+          <a:xfrm>
+            <a:off x="5126973" y="2596833"/>
             <a:ext cx="150939" cy="186055"/>
           </a:xfrm>
           <a:prstGeom prst="rect">
@@ -4044,13 +4289,13 @@
           <p:cNvSpPr txBox="1"/>
           <p:nvPr>
             <p:custDataLst>
-              <p:tags r:id="rId24"/>
-            </p:custDataLst>
-          </p:nvPr>
-        </p:nvSpPr>
-        <p:spPr>
-          <a:xfrm>
-            <a:off x="6159500" y="2584133"/>
+              <p:tags r:id="rId29"/>
+            </p:custDataLst>
+          </p:nvPr>
+        </p:nvSpPr>
+        <p:spPr>
+          <a:xfrm>
+            <a:off x="6159500" y="2596833"/>
             <a:ext cx="150939" cy="186055"/>
           </a:xfrm>
           <a:prstGeom prst="rect">
@@ -4082,13 +4327,13 @@
           <p:cNvSpPr txBox="1"/>
           <p:nvPr>
             <p:custDataLst>
-              <p:tags r:id="rId25"/>
-            </p:custDataLst>
-          </p:nvPr>
-        </p:nvSpPr>
-        <p:spPr>
-          <a:xfrm>
-            <a:off x="7192027" y="2584133"/>
+              <p:tags r:id="rId30"/>
+            </p:custDataLst>
+          </p:nvPr>
+        </p:nvSpPr>
+        <p:spPr>
+          <a:xfrm>
+            <a:off x="7192027" y="2596833"/>
             <a:ext cx="150939" cy="186055"/>
           </a:xfrm>
           <a:prstGeom prst="rect">
@@ -4120,13 +4365,13 @@
           <p:cNvSpPr txBox="1"/>
           <p:nvPr>
             <p:custDataLst>
-              <p:tags r:id="rId26"/>
-            </p:custDataLst>
-          </p:nvPr>
-        </p:nvSpPr>
-        <p:spPr>
-          <a:xfrm>
-            <a:off x="8224555" y="2584133"/>
+              <p:tags r:id="rId31"/>
+            </p:custDataLst>
+          </p:nvPr>
+        </p:nvSpPr>
+        <p:spPr>
+          <a:xfrm>
+            <a:off x="8224555" y="2596833"/>
             <a:ext cx="150939" cy="186055"/>
           </a:xfrm>
           <a:prstGeom prst="rect">
@@ -4158,13 +4403,13 @@
           <p:cNvSpPr txBox="1"/>
           <p:nvPr>
             <p:custDataLst>
-              <p:tags r:id="rId27"/>
-            </p:custDataLst>
-          </p:nvPr>
-        </p:nvSpPr>
-        <p:spPr>
-          <a:xfrm>
-            <a:off x="9257081" y="2584133"/>
+              <p:tags r:id="rId32"/>
+            </p:custDataLst>
+          </p:nvPr>
+        </p:nvSpPr>
+        <p:spPr>
+          <a:xfrm>
+            <a:off x="9257081" y="2596833"/>
             <a:ext cx="150939" cy="186055"/>
           </a:xfrm>
           <a:prstGeom prst="rect">
@@ -4202,13 +4447,13 @@
           <p:cNvSpPr txBox="1"/>
           <p:nvPr>
             <p:custDataLst>
-              <p:tags r:id="rId28"/>
-            </p:custDataLst>
-          </p:nvPr>
-        </p:nvSpPr>
-        <p:spPr>
-          <a:xfrm>
-            <a:off x="10289608" y="2584133"/>
+              <p:tags r:id="rId33"/>
+            </p:custDataLst>
+          </p:nvPr>
+        </p:nvSpPr>
+        <p:spPr>
+          <a:xfrm>
+            <a:off x="10289608" y="2596833"/>
             <a:ext cx="150939" cy="186055"/>
           </a:xfrm>
           <a:prstGeom prst="rect">
@@ -4246,19 +4491,19 @@
           <p:cNvCxnSpPr/>
           <p:nvPr>
             <p:custDataLst>
-              <p:tags r:id="rId29"/>
+              <p:tags r:id="rId34"/>
             </p:custDataLst>
           </p:nvPr>
         </p:nvCxnSpPr>
         <p:spPr>
           <a:xfrm>
-            <a:off x="1965892" y="2550160"/>
+            <a:off x="1965892" y="2562860"/>
             <a:ext cx="0" cy="254000"/>
           </a:xfrm>
           <a:prstGeom prst="line">
             <a:avLst/>
           </a:prstGeom>
-          <a:ln w="7620" cap="flat" cmpd="sng" algn="ctr">
+          <a:ln w="9525" cap="flat" cmpd="sng" algn="ctr">
             <a:solidFill>
               <a:schemeClr val="lt1">
                 <a:alpha val="29804"/>
@@ -4291,19 +4536,19 @@
           <p:cNvCxnSpPr/>
           <p:nvPr>
             <p:custDataLst>
-              <p:tags r:id="rId30"/>
+              <p:tags r:id="rId35"/>
             </p:custDataLst>
           </p:nvPr>
         </p:nvCxnSpPr>
         <p:spPr>
           <a:xfrm>
-            <a:off x="2998419" y="2550160"/>
+            <a:off x="2998419" y="2562860"/>
             <a:ext cx="0" cy="254000"/>
           </a:xfrm>
           <a:prstGeom prst="line">
             <a:avLst/>
           </a:prstGeom>
-          <a:ln w="7620" cap="flat" cmpd="sng" algn="ctr">
+          <a:ln w="9525" cap="flat" cmpd="sng" algn="ctr">
             <a:solidFill>
               <a:schemeClr val="lt1">
                 <a:alpha val="29804"/>
@@ -4336,19 +4581,19 @@
           <p:cNvCxnSpPr/>
           <p:nvPr>
             <p:custDataLst>
-              <p:tags r:id="rId31"/>
+              <p:tags r:id="rId36"/>
             </p:custDataLst>
           </p:nvPr>
         </p:nvCxnSpPr>
         <p:spPr>
           <a:xfrm>
-            <a:off x="4030946" y="2550160"/>
+            <a:off x="4030946" y="2562860"/>
             <a:ext cx="0" cy="254000"/>
           </a:xfrm>
           <a:prstGeom prst="line">
             <a:avLst/>
           </a:prstGeom>
-          <a:ln w="7620" cap="flat" cmpd="sng" algn="ctr">
+          <a:ln w="9525" cap="flat" cmpd="sng" algn="ctr">
             <a:solidFill>
               <a:schemeClr val="lt1">
                 <a:alpha val="29804"/>
@@ -4381,19 +4626,19 @@
           <p:cNvCxnSpPr/>
           <p:nvPr>
             <p:custDataLst>
-              <p:tags r:id="rId32"/>
+              <p:tags r:id="rId37"/>
             </p:custDataLst>
           </p:nvPr>
         </p:nvCxnSpPr>
         <p:spPr>
           <a:xfrm>
-            <a:off x="5063473" y="2550160"/>
+            <a:off x="5063473" y="2562860"/>
             <a:ext cx="0" cy="254000"/>
           </a:xfrm>
           <a:prstGeom prst="line">
             <a:avLst/>
           </a:prstGeom>
-          <a:ln w="7620" cap="flat" cmpd="sng" algn="ctr">
+          <a:ln w="9525" cap="flat" cmpd="sng" algn="ctr">
             <a:solidFill>
               <a:schemeClr val="lt1">
                 <a:alpha val="29804"/>
@@ -4426,19 +4671,19 @@
           <p:cNvCxnSpPr/>
           <p:nvPr>
             <p:custDataLst>
-              <p:tags r:id="rId33"/>
+              <p:tags r:id="rId38"/>
             </p:custDataLst>
           </p:nvPr>
         </p:nvCxnSpPr>
         <p:spPr>
           <a:xfrm>
-            <a:off x="6096000" y="2550160"/>
+            <a:off x="6096000" y="2562860"/>
             <a:ext cx="0" cy="254000"/>
           </a:xfrm>
           <a:prstGeom prst="line">
             <a:avLst/>
           </a:prstGeom>
-          <a:ln w="7620" cap="flat" cmpd="sng" algn="ctr">
+          <a:ln w="9525" cap="flat" cmpd="sng" algn="ctr">
             <a:solidFill>
               <a:schemeClr val="lt1">
                 <a:alpha val="29804"/>
@@ -4471,19 +4716,19 @@
           <p:cNvCxnSpPr/>
           <p:nvPr>
             <p:custDataLst>
-              <p:tags r:id="rId34"/>
+              <p:tags r:id="rId39"/>
             </p:custDataLst>
           </p:nvPr>
         </p:nvCxnSpPr>
         <p:spPr>
           <a:xfrm>
-            <a:off x="7128527" y="2550160"/>
+            <a:off x="7128527" y="2562860"/>
             <a:ext cx="0" cy="254000"/>
           </a:xfrm>
           <a:prstGeom prst="line">
             <a:avLst/>
           </a:prstGeom>
-          <a:ln w="7620" cap="flat" cmpd="sng" algn="ctr">
+          <a:ln w="9525" cap="flat" cmpd="sng" algn="ctr">
             <a:solidFill>
               <a:schemeClr val="lt1">
                 <a:alpha val="29804"/>
@@ -4516,19 +4761,19 @@
           <p:cNvCxnSpPr/>
           <p:nvPr>
             <p:custDataLst>
-              <p:tags r:id="rId35"/>
+              <p:tags r:id="rId40"/>
             </p:custDataLst>
           </p:nvPr>
         </p:nvCxnSpPr>
         <p:spPr>
           <a:xfrm>
-            <a:off x="8161054" y="2550160"/>
+            <a:off x="8161054" y="2562860"/>
             <a:ext cx="0" cy="254000"/>
           </a:xfrm>
           <a:prstGeom prst="line">
             <a:avLst/>
           </a:prstGeom>
-          <a:ln w="7620" cap="flat" cmpd="sng" algn="ctr">
+          <a:ln w="9525" cap="flat" cmpd="sng" algn="ctr">
             <a:solidFill>
               <a:schemeClr val="lt1">
                 <a:alpha val="29804"/>
@@ -4561,19 +4806,19 @@
           <p:cNvCxnSpPr/>
           <p:nvPr>
             <p:custDataLst>
-              <p:tags r:id="rId36"/>
+              <p:tags r:id="rId41"/>
             </p:custDataLst>
           </p:nvPr>
         </p:nvCxnSpPr>
         <p:spPr>
           <a:xfrm>
-            <a:off x="9193581" y="2550160"/>
+            <a:off x="9193581" y="2562860"/>
             <a:ext cx="0" cy="254000"/>
           </a:xfrm>
           <a:prstGeom prst="line">
             <a:avLst/>
           </a:prstGeom>
-          <a:ln w="7620" cap="flat" cmpd="sng" algn="ctr">
+          <a:ln w="9525" cap="flat" cmpd="sng" algn="ctr">
             <a:solidFill>
               <a:schemeClr val="lt1">
                 <a:alpha val="29804"/>
@@ -4612,19 +4857,19 @@
           <p:cNvCxnSpPr/>
           <p:nvPr>
             <p:custDataLst>
-              <p:tags r:id="rId37"/>
+              <p:tags r:id="rId42"/>
             </p:custDataLst>
           </p:nvPr>
         </p:nvCxnSpPr>
         <p:spPr>
           <a:xfrm>
-            <a:off x="10226108" y="2550160"/>
+            <a:off x="10226108" y="2562860"/>
             <a:ext cx="0" cy="254000"/>
           </a:xfrm>
           <a:prstGeom prst="line">
             <a:avLst/>
           </a:prstGeom>
-          <a:ln w="7620" cap="flat" cmpd="sng" algn="ctr">
+          <a:ln w="9525" cap="flat" cmpd="sng" algn="ctr">
             <a:solidFill>
               <a:schemeClr val="lt1">
                 <a:alpha val="29804"/>
@@ -4663,13 +4908,13 @@
           <p:cNvSpPr/>
           <p:nvPr>
             <p:custDataLst>
-              <p:tags r:id="rId38"/>
-            </p:custDataLst>
-          </p:nvPr>
-        </p:nvSpPr>
-        <p:spPr>
-          <a:xfrm>
-            <a:off x="982533" y="3538940"/>
+              <p:tags r:id="rId43"/>
+            </p:custDataLst>
+          </p:nvPr>
+        </p:nvSpPr>
+        <p:spPr>
+          <a:xfrm>
+            <a:off x="982533" y="3551640"/>
             <a:ext cx="304800" cy="203200"/>
           </a:xfrm>
           <a:prstGeom prst="rect">
@@ -4744,13 +4989,13 @@
           <p:cNvSpPr/>
           <p:nvPr>
             <p:custDataLst>
-              <p:tags r:id="rId39"/>
-            </p:custDataLst>
-          </p:nvPr>
-        </p:nvSpPr>
-        <p:spPr>
-          <a:xfrm>
-            <a:off x="1326709" y="4024164"/>
+              <p:tags r:id="rId44"/>
+            </p:custDataLst>
+          </p:nvPr>
+        </p:nvSpPr>
+        <p:spPr>
+          <a:xfrm>
+            <a:off x="1326709" y="3947964"/>
             <a:ext cx="990600" cy="203200"/>
           </a:xfrm>
           <a:prstGeom prst="rect">
@@ -4825,13 +5070,13 @@
           <p:cNvSpPr/>
           <p:nvPr>
             <p:custDataLst>
-              <p:tags r:id="rId40"/>
-            </p:custDataLst>
-          </p:nvPr>
-        </p:nvSpPr>
-        <p:spPr>
-          <a:xfrm>
-            <a:off x="2359236" y="4509389"/>
+              <p:tags r:id="rId45"/>
+            </p:custDataLst>
+          </p:nvPr>
+        </p:nvSpPr>
+        <p:spPr>
+          <a:xfrm>
+            <a:off x="2359236" y="4344289"/>
             <a:ext cx="2019300" cy="203200"/>
           </a:xfrm>
           <a:prstGeom prst="rect">
@@ -4906,13 +5151,13 @@
           <p:cNvSpPr/>
           <p:nvPr>
             <p:custDataLst>
-              <p:tags r:id="rId41"/>
-            </p:custDataLst>
-          </p:nvPr>
-        </p:nvSpPr>
-        <p:spPr>
-          <a:xfrm>
-            <a:off x="4424290" y="5479838"/>
+              <p:tags r:id="rId46"/>
+            </p:custDataLst>
+          </p:nvPr>
+        </p:nvSpPr>
+        <p:spPr>
+          <a:xfrm>
+            <a:off x="4424290" y="5136938"/>
             <a:ext cx="6400800" cy="203200"/>
           </a:xfrm>
           <a:prstGeom prst="rect">
@@ -4987,13 +5232,13 @@
           <p:cNvSpPr/>
           <p:nvPr>
             <p:custDataLst>
-              <p:tags r:id="rId42"/>
-            </p:custDataLst>
-          </p:nvPr>
-        </p:nvSpPr>
-        <p:spPr>
-          <a:xfrm>
-            <a:off x="5456817" y="5965063"/>
+              <p:tags r:id="rId47"/>
+            </p:custDataLst>
+          </p:nvPr>
+        </p:nvSpPr>
+        <p:spPr>
+          <a:xfrm>
+            <a:off x="5456817" y="5533263"/>
             <a:ext cx="1384300" cy="203200"/>
           </a:xfrm>
           <a:prstGeom prst="rect">
@@ -5068,13 +5313,13 @@
           <p:cNvSpPr/>
           <p:nvPr>
             <p:custDataLst>
-              <p:tags r:id="rId43"/>
-            </p:custDataLst>
-          </p:nvPr>
-        </p:nvSpPr>
-        <p:spPr>
-          <a:xfrm>
-            <a:off x="10766956" y="6450288"/>
+              <p:tags r:id="rId48"/>
+            </p:custDataLst>
+          </p:nvPr>
+        </p:nvSpPr>
+        <p:spPr>
+          <a:xfrm>
+            <a:off x="10766956" y="5929588"/>
             <a:ext cx="50800" cy="203200"/>
           </a:xfrm>
           <a:prstGeom prst="rect">
@@ -5149,13 +5394,13 @@
           <p:cNvSpPr/>
           <p:nvPr>
             <p:custDataLst>
-              <p:tags r:id="rId44"/>
-            </p:custDataLst>
-          </p:nvPr>
-        </p:nvSpPr>
-        <p:spPr>
-          <a:xfrm>
-            <a:off x="3047587" y="4994614"/>
+              <p:tags r:id="rId49"/>
+            </p:custDataLst>
+          </p:nvPr>
+        </p:nvSpPr>
+        <p:spPr>
+          <a:xfrm>
+            <a:off x="3047587" y="4740614"/>
             <a:ext cx="1333500" cy="203200"/>
           </a:xfrm>
           <a:prstGeom prst="rect">
@@ -5230,7 +5475,7 @@
           <p:cNvSpPr/>
           <p:nvPr>
             <p:custDataLst>
-              <p:tags r:id="rId45"/>
+              <p:tags r:id="rId50"/>
             </p:custDataLst>
           </p:nvPr>
         </p:nvSpPr>
@@ -5304,7 +5549,7 @@
           <p:cNvSpPr/>
           <p:nvPr>
             <p:custDataLst>
-              <p:tags r:id="rId46"/>
+              <p:tags r:id="rId51"/>
             </p:custDataLst>
           </p:nvPr>
         </p:nvSpPr>
@@ -5378,7 +5623,7 @@
           <p:cNvSpPr/>
           <p:nvPr>
             <p:custDataLst>
-              <p:tags r:id="rId47"/>
+              <p:tags r:id="rId52"/>
             </p:custDataLst>
           </p:nvPr>
         </p:nvSpPr>
@@ -5428,7 +5673,7 @@
           <p:cNvSpPr/>
           <p:nvPr>
             <p:custDataLst>
-              <p:tags r:id="rId48"/>
+              <p:tags r:id="rId53"/>
             </p:custDataLst>
           </p:nvPr>
         </p:nvSpPr>
@@ -5478,7 +5723,7 @@
           <p:cNvSpPr/>
           <p:nvPr>
             <p:custDataLst>
-              <p:tags r:id="rId49"/>
+              <p:tags r:id="rId54"/>
             </p:custDataLst>
           </p:nvPr>
         </p:nvSpPr>
@@ -5528,7 +5773,7 @@
           <p:cNvSpPr/>
           <p:nvPr>
             <p:custDataLst>
-              <p:tags r:id="rId50"/>
+              <p:tags r:id="rId55"/>
             </p:custDataLst>
           </p:nvPr>
         </p:nvSpPr>
@@ -5578,7 +5823,7 @@
           <p:cNvSpPr/>
           <p:nvPr>
             <p:custDataLst>
-              <p:tags r:id="rId51"/>
+              <p:tags r:id="rId56"/>
             </p:custDataLst>
           </p:nvPr>
         </p:nvSpPr>
@@ -5622,13 +5867,13 @@
           <p:cNvSpPr txBox="1"/>
           <p:nvPr>
             <p:custDataLst>
-              <p:tags r:id="rId52"/>
-            </p:custDataLst>
-          </p:nvPr>
-        </p:nvSpPr>
-        <p:spPr>
-          <a:xfrm>
-            <a:off x="982533" y="3383915"/>
+              <p:tags r:id="rId57"/>
+            </p:custDataLst>
+          </p:nvPr>
+        </p:nvSpPr>
+        <p:spPr>
+          <a:xfrm>
+            <a:off x="982533" y="3396615"/>
             <a:ext cx="330200" cy="155025"/>
           </a:xfrm>
           <a:prstGeom prst="rect">
@@ -5660,7 +5905,7 @@
           <p:cNvSpPr txBox="1"/>
           <p:nvPr>
             <p:custDataLst>
-              <p:tags r:id="rId53"/>
+              <p:tags r:id="rId58"/>
             </p:custDataLst>
           </p:nvPr>
         </p:nvSpPr>
@@ -5699,7 +5944,7 @@
           <p:cNvSpPr txBox="1"/>
           <p:nvPr>
             <p:custDataLst>
-              <p:tags r:id="rId54"/>
+              <p:tags r:id="rId59"/>
             </p:custDataLst>
           </p:nvPr>
         </p:nvSpPr>
@@ -5735,7 +5980,7 @@
           <p:cNvSpPr txBox="1"/>
           <p:nvPr>
             <p:custDataLst>
-              <p:tags r:id="rId55"/>
+              <p:tags r:id="rId60"/>
             </p:custDataLst>
           </p:nvPr>
         </p:nvSpPr>
@@ -5771,13 +6016,13 @@
           <p:cNvSpPr txBox="1"/>
           <p:nvPr>
             <p:custDataLst>
-              <p:tags r:id="rId56"/>
-            </p:custDataLst>
-          </p:nvPr>
-        </p:nvSpPr>
-        <p:spPr>
-          <a:xfrm>
-            <a:off x="1328307" y="3563027"/>
+              <p:tags r:id="rId61"/>
+            </p:custDataLst>
+          </p:nvPr>
+        </p:nvSpPr>
+        <p:spPr>
+          <a:xfrm>
+            <a:off x="1328307" y="3575727"/>
             <a:ext cx="774700" cy="155025"/>
           </a:xfrm>
           <a:prstGeom prst="rect">
@@ -5809,13 +6054,13 @@
           <p:cNvSpPr txBox="1"/>
           <p:nvPr>
             <p:custDataLst>
-              <p:tags r:id="rId57"/>
-            </p:custDataLst>
-          </p:nvPr>
-        </p:nvSpPr>
-        <p:spPr>
-          <a:xfrm>
-            <a:off x="127000" y="3555280"/>
+              <p:tags r:id="rId62"/>
+            </p:custDataLst>
+          </p:nvPr>
+        </p:nvSpPr>
+        <p:spPr>
+          <a:xfrm>
+            <a:off x="127000" y="3567980"/>
             <a:ext cx="469900" cy="170519"/>
           </a:xfrm>
           <a:prstGeom prst="rect">
@@ -5847,13 +6092,13 @@
           <p:cNvSpPr txBox="1"/>
           <p:nvPr>
             <p:custDataLst>
-              <p:tags r:id="rId58"/>
-            </p:custDataLst>
-          </p:nvPr>
-        </p:nvSpPr>
-        <p:spPr>
-          <a:xfrm>
-            <a:off x="1326709" y="3869140"/>
+              <p:tags r:id="rId63"/>
+            </p:custDataLst>
+          </p:nvPr>
+        </p:nvSpPr>
+        <p:spPr>
+          <a:xfrm>
+            <a:off x="1326709" y="3792940"/>
             <a:ext cx="393700" cy="155025"/>
           </a:xfrm>
           <a:prstGeom prst="rect">
@@ -5885,7 +6130,7 @@
           <p:cNvSpPr txBox="1"/>
           <p:nvPr>
             <p:custDataLst>
-              <p:tags r:id="rId59"/>
+              <p:tags r:id="rId64"/>
             </p:custDataLst>
           </p:nvPr>
         </p:nvSpPr>
@@ -5924,7 +6169,7 @@
           <p:cNvSpPr txBox="1"/>
           <p:nvPr>
             <p:custDataLst>
-              <p:tags r:id="rId60"/>
+              <p:tags r:id="rId65"/>
             </p:custDataLst>
           </p:nvPr>
         </p:nvSpPr>
@@ -5960,7 +6205,7 @@
           <p:cNvSpPr txBox="1"/>
           <p:nvPr>
             <p:custDataLst>
-              <p:tags r:id="rId61"/>
+              <p:tags r:id="rId66"/>
             </p:custDataLst>
           </p:nvPr>
         </p:nvSpPr>
@@ -5996,13 +6241,13 @@
           <p:cNvSpPr txBox="1"/>
           <p:nvPr>
             <p:custDataLst>
-              <p:tags r:id="rId62"/>
-            </p:custDataLst>
-          </p:nvPr>
-        </p:nvSpPr>
-        <p:spPr>
-          <a:xfrm>
-            <a:off x="2360834" y="4048252"/>
+              <p:tags r:id="rId67"/>
+            </p:custDataLst>
+          </p:nvPr>
+        </p:nvSpPr>
+        <p:spPr>
+          <a:xfrm>
+            <a:off x="2360834" y="3972052"/>
             <a:ext cx="736600" cy="155025"/>
           </a:xfrm>
           <a:prstGeom prst="rect">
@@ -6034,13 +6279,13 @@
           <p:cNvSpPr txBox="1"/>
           <p:nvPr>
             <p:custDataLst>
-              <p:tags r:id="rId63"/>
-            </p:custDataLst>
-          </p:nvPr>
-        </p:nvSpPr>
-        <p:spPr>
-          <a:xfrm>
-            <a:off x="127000" y="4040505"/>
+              <p:tags r:id="rId68"/>
+            </p:custDataLst>
+          </p:nvPr>
+        </p:nvSpPr>
+        <p:spPr>
+          <a:xfrm>
+            <a:off x="127000" y="3964305"/>
             <a:ext cx="508000" cy="170519"/>
           </a:xfrm>
           <a:prstGeom prst="rect">
@@ -6072,13 +6317,13 @@
           <p:cNvSpPr txBox="1"/>
           <p:nvPr>
             <p:custDataLst>
-              <p:tags r:id="rId64"/>
-            </p:custDataLst>
-          </p:nvPr>
-        </p:nvSpPr>
-        <p:spPr>
-          <a:xfrm>
-            <a:off x="2359236" y="4354364"/>
+              <p:tags r:id="rId69"/>
+            </p:custDataLst>
+          </p:nvPr>
+        </p:nvSpPr>
+        <p:spPr>
+          <a:xfrm>
+            <a:off x="2359236" y="4189264"/>
             <a:ext cx="393700" cy="155025"/>
           </a:xfrm>
           <a:prstGeom prst="rect">
@@ -6110,7 +6355,7 @@
           <p:cNvSpPr txBox="1"/>
           <p:nvPr>
             <p:custDataLst>
-              <p:tags r:id="rId65"/>
+              <p:tags r:id="rId70"/>
             </p:custDataLst>
           </p:nvPr>
         </p:nvSpPr>
@@ -6149,7 +6394,7 @@
           <p:cNvSpPr txBox="1"/>
           <p:nvPr>
             <p:custDataLst>
-              <p:tags r:id="rId66"/>
+              <p:tags r:id="rId71"/>
             </p:custDataLst>
           </p:nvPr>
         </p:nvSpPr>
@@ -6185,7 +6430,7 @@
           <p:cNvSpPr txBox="1"/>
           <p:nvPr>
             <p:custDataLst>
-              <p:tags r:id="rId67"/>
+              <p:tags r:id="rId72"/>
             </p:custDataLst>
           </p:nvPr>
         </p:nvSpPr>
@@ -6221,13 +6466,13 @@
           <p:cNvSpPr txBox="1"/>
           <p:nvPr>
             <p:custDataLst>
-              <p:tags r:id="rId68"/>
-            </p:custDataLst>
-          </p:nvPr>
-        </p:nvSpPr>
-        <p:spPr>
-          <a:xfrm>
-            <a:off x="4425888" y="4533477"/>
+              <p:tags r:id="rId73"/>
+            </p:custDataLst>
+          </p:nvPr>
+        </p:nvSpPr>
+        <p:spPr>
+          <a:xfrm>
+            <a:off x="4425888" y="4368377"/>
             <a:ext cx="812800" cy="155025"/>
           </a:xfrm>
           <a:prstGeom prst="rect">
@@ -6259,13 +6504,13 @@
           <p:cNvSpPr txBox="1"/>
           <p:nvPr>
             <p:custDataLst>
-              <p:tags r:id="rId69"/>
-            </p:custDataLst>
-          </p:nvPr>
-        </p:nvSpPr>
-        <p:spPr>
-          <a:xfrm>
-            <a:off x="127000" y="4525730"/>
+              <p:tags r:id="rId74"/>
+            </p:custDataLst>
+          </p:nvPr>
+        </p:nvSpPr>
+        <p:spPr>
+          <a:xfrm>
+            <a:off x="127000" y="4360630"/>
             <a:ext cx="571500" cy="170519"/>
           </a:xfrm>
           <a:prstGeom prst="rect">
@@ -6297,13 +6542,13 @@
           <p:cNvSpPr txBox="1"/>
           <p:nvPr>
             <p:custDataLst>
-              <p:tags r:id="rId70"/>
-            </p:custDataLst>
-          </p:nvPr>
-        </p:nvSpPr>
-        <p:spPr>
-          <a:xfrm>
-            <a:off x="4424290" y="5324814"/>
+              <p:tags r:id="rId75"/>
+            </p:custDataLst>
+          </p:nvPr>
+        </p:nvSpPr>
+        <p:spPr>
+          <a:xfrm>
+            <a:off x="4424290" y="4981914"/>
             <a:ext cx="457200" cy="155025"/>
           </a:xfrm>
           <a:prstGeom prst="rect">
@@ -6335,7 +6580,7 @@
           <p:cNvSpPr txBox="1"/>
           <p:nvPr>
             <p:custDataLst>
-              <p:tags r:id="rId71"/>
+              <p:tags r:id="rId76"/>
             </p:custDataLst>
           </p:nvPr>
         </p:nvSpPr>
@@ -6374,7 +6619,7 @@
           <p:cNvSpPr txBox="1"/>
           <p:nvPr>
             <p:custDataLst>
-              <p:tags r:id="rId72"/>
+              <p:tags r:id="rId77"/>
             </p:custDataLst>
           </p:nvPr>
         </p:nvSpPr>
@@ -6410,7 +6655,7 @@
           <p:cNvSpPr txBox="1"/>
           <p:nvPr>
             <p:custDataLst>
-              <p:tags r:id="rId73"/>
+              <p:tags r:id="rId78"/>
             </p:custDataLst>
           </p:nvPr>
         </p:nvSpPr>
@@ -6446,13 +6691,13 @@
           <p:cNvSpPr txBox="1"/>
           <p:nvPr>
             <p:custDataLst>
-              <p:tags r:id="rId74"/>
-            </p:custDataLst>
-          </p:nvPr>
-        </p:nvSpPr>
-        <p:spPr>
-          <a:xfrm>
-            <a:off x="10866889" y="5503926"/>
+              <p:tags r:id="rId79"/>
+            </p:custDataLst>
+          </p:nvPr>
+        </p:nvSpPr>
+        <p:spPr>
+          <a:xfrm>
+            <a:off x="10866889" y="5161026"/>
             <a:ext cx="800100" cy="155025"/>
           </a:xfrm>
           <a:prstGeom prst="rect">
@@ -6484,13 +6729,13 @@
           <p:cNvSpPr txBox="1"/>
           <p:nvPr>
             <p:custDataLst>
-              <p:tags r:id="rId75"/>
-            </p:custDataLst>
-          </p:nvPr>
-        </p:nvSpPr>
-        <p:spPr>
-          <a:xfrm>
-            <a:off x="127000" y="5496179"/>
+              <p:tags r:id="rId80"/>
+            </p:custDataLst>
+          </p:nvPr>
+        </p:nvSpPr>
+        <p:spPr>
+          <a:xfrm>
+            <a:off x="127000" y="5153279"/>
             <a:ext cx="1511300" cy="170519"/>
           </a:xfrm>
           <a:prstGeom prst="rect">
@@ -6522,13 +6767,13 @@
           <p:cNvSpPr txBox="1"/>
           <p:nvPr>
             <p:custDataLst>
-              <p:tags r:id="rId76"/>
-            </p:custDataLst>
-          </p:nvPr>
-        </p:nvSpPr>
-        <p:spPr>
-          <a:xfrm>
-            <a:off x="5456817" y="5810038"/>
+              <p:tags r:id="rId81"/>
+            </p:custDataLst>
+          </p:nvPr>
+        </p:nvSpPr>
+        <p:spPr>
+          <a:xfrm>
+            <a:off x="5456817" y="5378238"/>
             <a:ext cx="393700" cy="155025"/>
           </a:xfrm>
           <a:prstGeom prst="rect">
@@ -6560,7 +6805,7 @@
           <p:cNvSpPr txBox="1"/>
           <p:nvPr>
             <p:custDataLst>
-              <p:tags r:id="rId77"/>
+              <p:tags r:id="rId82"/>
             </p:custDataLst>
           </p:nvPr>
         </p:nvSpPr>
@@ -6596,7 +6841,7 @@
           <p:cNvSpPr txBox="1"/>
           <p:nvPr>
             <p:custDataLst>
-              <p:tags r:id="rId78"/>
+              <p:tags r:id="rId83"/>
             </p:custDataLst>
           </p:nvPr>
         </p:nvSpPr>
@@ -6632,7 +6877,7 @@
           <p:cNvSpPr txBox="1"/>
           <p:nvPr>
             <p:custDataLst>
-              <p:tags r:id="rId79"/>
+              <p:tags r:id="rId84"/>
             </p:custDataLst>
           </p:nvPr>
         </p:nvSpPr>
@@ -6668,13 +6913,13 @@
           <p:cNvSpPr txBox="1"/>
           <p:nvPr>
             <p:custDataLst>
-              <p:tags r:id="rId80"/>
-            </p:custDataLst>
-          </p:nvPr>
-        </p:nvSpPr>
-        <p:spPr>
-          <a:xfrm>
-            <a:off x="6884285" y="5989151"/>
+              <p:tags r:id="rId85"/>
+            </p:custDataLst>
+          </p:nvPr>
+        </p:nvSpPr>
+        <p:spPr>
+          <a:xfrm>
+            <a:off x="6884285" y="5557351"/>
             <a:ext cx="711200" cy="155025"/>
           </a:xfrm>
           <a:prstGeom prst="rect">
@@ -6706,13 +6951,13 @@
           <p:cNvSpPr txBox="1"/>
           <p:nvPr>
             <p:custDataLst>
-              <p:tags r:id="rId81"/>
-            </p:custDataLst>
-          </p:nvPr>
-        </p:nvSpPr>
-        <p:spPr>
-          <a:xfrm>
-            <a:off x="127000" y="5981404"/>
+              <p:tags r:id="rId86"/>
+            </p:custDataLst>
+          </p:nvPr>
+        </p:nvSpPr>
+        <p:spPr>
+          <a:xfrm>
+            <a:off x="127000" y="5549604"/>
             <a:ext cx="647700" cy="170519"/>
           </a:xfrm>
           <a:prstGeom prst="rect">
@@ -6750,13 +6995,13 @@
           <p:cNvSpPr txBox="1"/>
           <p:nvPr>
             <p:custDataLst>
-              <p:tags r:id="rId82"/>
-            </p:custDataLst>
-          </p:nvPr>
-        </p:nvSpPr>
-        <p:spPr>
-          <a:xfrm>
-            <a:off x="10766956" y="6295263"/>
+              <p:tags r:id="rId87"/>
+            </p:custDataLst>
+          </p:nvPr>
+        </p:nvSpPr>
+        <p:spPr>
+          <a:xfrm>
+            <a:off x="10766956" y="5774563"/>
             <a:ext cx="279400" cy="155025"/>
           </a:xfrm>
           <a:prstGeom prst="rect">
@@ -6794,7 +7039,7 @@
           <p:cNvSpPr txBox="1"/>
           <p:nvPr>
             <p:custDataLst>
-              <p:tags r:id="rId83"/>
+              <p:tags r:id="rId88"/>
             </p:custDataLst>
           </p:nvPr>
         </p:nvSpPr>
@@ -6831,7 +7076,7 @@
           <p:cNvSpPr txBox="1"/>
           <p:nvPr>
             <p:custDataLst>
-              <p:tags r:id="rId84"/>
+              <p:tags r:id="rId89"/>
             </p:custDataLst>
           </p:nvPr>
         </p:nvSpPr>
@@ -6872,7 +7117,7 @@
           <p:cNvSpPr txBox="1"/>
           <p:nvPr>
             <p:custDataLst>
-              <p:tags r:id="rId85"/>
+              <p:tags r:id="rId90"/>
             </p:custDataLst>
           </p:nvPr>
         </p:nvSpPr>
@@ -6913,13 +7158,13 @@
           <p:cNvSpPr txBox="1"/>
           <p:nvPr>
             <p:custDataLst>
-              <p:tags r:id="rId86"/>
-            </p:custDataLst>
-          </p:nvPr>
-        </p:nvSpPr>
-        <p:spPr>
-          <a:xfrm>
-            <a:off x="10868556" y="6474375"/>
+              <p:tags r:id="rId91"/>
+            </p:custDataLst>
+          </p:nvPr>
+        </p:nvSpPr>
+        <p:spPr>
+          <a:xfrm>
+            <a:off x="10868556" y="5953675"/>
             <a:ext cx="342900" cy="155025"/>
           </a:xfrm>
           <a:prstGeom prst="rect">
@@ -6957,13 +7202,13 @@
           <p:cNvSpPr txBox="1"/>
           <p:nvPr>
             <p:custDataLst>
-              <p:tags r:id="rId87"/>
-            </p:custDataLst>
-          </p:nvPr>
-        </p:nvSpPr>
-        <p:spPr>
-          <a:xfrm>
-            <a:off x="127000" y="6466629"/>
+              <p:tags r:id="rId92"/>
+            </p:custDataLst>
+          </p:nvPr>
+        </p:nvSpPr>
+        <p:spPr>
+          <a:xfrm>
+            <a:off x="127000" y="5945929"/>
             <a:ext cx="762000" cy="170519"/>
           </a:xfrm>
           <a:prstGeom prst="rect">
@@ -7001,7 +7246,7 @@
           <p:cNvSpPr txBox="1"/>
           <p:nvPr>
             <p:custDataLst>
-              <p:tags r:id="rId88"/>
+              <p:tags r:id="rId93"/>
             </p:custDataLst>
           </p:nvPr>
         </p:nvSpPr>
@@ -7038,7 +7283,7 @@
           <p:cNvSpPr txBox="1"/>
           <p:nvPr>
             <p:custDataLst>
-              <p:tags r:id="rId89"/>
+              <p:tags r:id="rId94"/>
             </p:custDataLst>
           </p:nvPr>
         </p:nvSpPr>
@@ -7075,7 +7320,7 @@
           <p:cNvSpPr txBox="1"/>
           <p:nvPr>
             <p:custDataLst>
-              <p:tags r:id="rId90"/>
+              <p:tags r:id="rId95"/>
             </p:custDataLst>
           </p:nvPr>
         </p:nvSpPr>
@@ -7112,13 +7357,13 @@
           <p:cNvSpPr txBox="1"/>
           <p:nvPr>
             <p:custDataLst>
-              <p:tags r:id="rId91"/>
-            </p:custDataLst>
-          </p:nvPr>
-        </p:nvSpPr>
-        <p:spPr>
-          <a:xfrm>
-            <a:off x="3047587" y="4839589"/>
+              <p:tags r:id="rId96"/>
+            </p:custDataLst>
+          </p:nvPr>
+        </p:nvSpPr>
+        <p:spPr>
+          <a:xfrm>
+            <a:off x="3047587" y="4585589"/>
             <a:ext cx="393700" cy="155025"/>
           </a:xfrm>
           <a:prstGeom prst="rect">
@@ -7156,13 +7401,13 @@
           <p:cNvSpPr txBox="1"/>
           <p:nvPr>
             <p:custDataLst>
-              <p:tags r:id="rId92"/>
-            </p:custDataLst>
-          </p:nvPr>
-        </p:nvSpPr>
-        <p:spPr>
-          <a:xfrm>
-            <a:off x="4425888" y="5018701"/>
+              <p:tags r:id="rId97"/>
+            </p:custDataLst>
+          </p:nvPr>
+        </p:nvSpPr>
+        <p:spPr>
+          <a:xfrm>
+            <a:off x="4425888" y="4764701"/>
             <a:ext cx="812800" cy="155025"/>
           </a:xfrm>
           <a:prstGeom prst="rect">
@@ -7200,13 +7445,13 @@
           <p:cNvSpPr txBox="1"/>
           <p:nvPr>
             <p:custDataLst>
-              <p:tags r:id="rId93"/>
-            </p:custDataLst>
-          </p:nvPr>
-        </p:nvSpPr>
-        <p:spPr>
-          <a:xfrm>
-            <a:off x="127000" y="5010954"/>
+              <p:tags r:id="rId98"/>
+            </p:custDataLst>
+          </p:nvPr>
+        </p:nvSpPr>
+        <p:spPr>
+          <a:xfrm>
+            <a:off x="127000" y="4756954"/>
             <a:ext cx="469900" cy="170519"/>
           </a:xfrm>
           <a:prstGeom prst="rect">
@@ -7244,13 +7489,13 @@
           <p:cNvSpPr/>
           <p:nvPr>
             <p:custDataLst>
-              <p:tags r:id="rId94"/>
-            </p:custDataLst>
-          </p:nvPr>
-        </p:nvSpPr>
-        <p:spPr>
-          <a:xfrm>
-            <a:off x="2341784" y="848842"/>
+              <p:tags r:id="rId99"/>
+            </p:custDataLst>
+          </p:nvPr>
+        </p:nvSpPr>
+        <p:spPr>
+          <a:xfrm>
+            <a:off x="2340514" y="861542"/>
             <a:ext cx="165100" cy="165100"/>
           </a:xfrm>
           <a:prstGeom prst="wave">
@@ -7323,13 +7568,13 @@
           <p:cNvSpPr/>
           <p:nvPr>
             <p:custDataLst>
-              <p:tags r:id="rId95"/>
-            </p:custDataLst>
-          </p:nvPr>
-        </p:nvSpPr>
-        <p:spPr>
-          <a:xfrm>
-            <a:off x="10847839" y="2044488"/>
+              <p:tags r:id="rId100"/>
+            </p:custDataLst>
+          </p:nvPr>
+        </p:nvSpPr>
+        <p:spPr>
+          <a:xfrm>
+            <a:off x="10846570" y="2057188"/>
             <a:ext cx="165100" cy="165100"/>
           </a:xfrm>
           <a:prstGeom prst="wave">
@@ -7402,13 +7647,13 @@
           <p:cNvSpPr/>
           <p:nvPr>
             <p:custDataLst>
-              <p:tags r:id="rId96"/>
-            </p:custDataLst>
-          </p:nvPr>
-        </p:nvSpPr>
-        <p:spPr>
-          <a:xfrm>
-            <a:off x="2685960" y="1591945"/>
+              <p:tags r:id="rId101"/>
+            </p:custDataLst>
+          </p:nvPr>
+        </p:nvSpPr>
+        <p:spPr>
+          <a:xfrm>
+            <a:off x="2684689" y="1604645"/>
             <a:ext cx="165100" cy="165100"/>
           </a:xfrm>
           <a:prstGeom prst="wave">
@@ -7481,13 +7726,13 @@
           <p:cNvSpPr/>
           <p:nvPr>
             <p:custDataLst>
-              <p:tags r:id="rId97"/>
-            </p:custDataLst>
-          </p:nvPr>
-        </p:nvSpPr>
-        <p:spPr>
-          <a:xfrm>
-            <a:off x="3374311" y="2044488"/>
+              <p:tags r:id="rId102"/>
+            </p:custDataLst>
+          </p:nvPr>
+        </p:nvSpPr>
+        <p:spPr>
+          <a:xfrm>
+            <a:off x="3373041" y="2057188"/>
             <a:ext cx="165100" cy="165100"/>
           </a:xfrm>
           <a:prstGeom prst="wave">
@@ -7550,6 +7795,243 @@
       </p:sp>
       <p:sp>
         <p:nvSpPr>
+          <p:cNvPr id="17" name="OTLSHAPE_M_b8d8e3a727d34366833bd51745f4c1c0_Shape">
+            <a:extLst>
+              <a:ext uri="{FF2B5EF4-FFF2-40B4-BE49-F238E27FC236}">
+                <a16:creationId xmlns:a16="http://schemas.microsoft.com/office/drawing/2014/main" id="{4CB68C10-A22C-456F-BD39-4D98D1E6CFA2}"/>
+              </a:ext>
+            </a:extLst>
+          </p:cNvPr>
+          <p:cNvSpPr/>
+          <p:nvPr>
+            <p:custDataLst>
+              <p:tags r:id="rId103"/>
+            </p:custDataLst>
+          </p:nvPr>
+        </p:nvSpPr>
+        <p:spPr>
+          <a:xfrm>
+            <a:off x="5242693" y="1152102"/>
+            <a:ext cx="165100" cy="165100"/>
+          </a:xfrm>
+          <a:prstGeom prst="wave">
+            <a:avLst/>
+          </a:prstGeom>
+          <a:solidFill>
+            <a:srgbClr val="EA161E"/>
+          </a:solidFill>
+          <a:ln w="12700" cap="flat" cmpd="sng" algn="ctr">
+            <a:noFill/>
+            <a:prstDash val="solid"/>
+            <a:miter lim="800000"/>
+          </a:ln>
+          <a:effectLst/>
+          <a:scene3d>
+            <a:camera prst="orthographicFront"/>
+            <a:lightRig rig="threePt" dir="t"/>
+          </a:scene3d>
+          <a:sp3d>
+            <a:bevelT h="12700"/>
+          </a:sp3d>
+          <a:extLst>
+            <a:ext uri="{91240B29-F687-4F45-9708-019B960494DF}">
+              <a14:hiddenLine xmlns:a14="http://schemas.microsoft.com/office/drawing/2010/main" w="12700" cap="flat" cmpd="sng" algn="ctr">
+                <a:solidFill>
+                  <a:schemeClr val="accent1">
+                    <a:shade val="50000"/>
+                  </a:schemeClr>
+                </a:solidFill>
+                <a:prstDash val="solid"/>
+                <a:miter lim="800000"/>
+              </a14:hiddenLine>
+            </a:ext>
+          </a:extLst>
+        </p:spPr>
+        <p:style>
+          <a:lnRef idx="2">
+            <a:schemeClr val="accent1">
+              <a:shade val="50000"/>
+            </a:schemeClr>
+          </a:lnRef>
+          <a:fillRef idx="1">
+            <a:schemeClr val="accent1"/>
+          </a:fillRef>
+          <a:effectRef idx="0">
+            <a:schemeClr val="accent1"/>
+          </a:effectRef>
+          <a:fontRef idx="minor">
+            <a:schemeClr val="lt1"/>
+          </a:fontRef>
+        </p:style>
+        <p:txBody>
+          <a:bodyPr rtlCol="0" anchor="ctr"/>
+          <a:lstStyle/>
+          <a:p>
+            <a:pPr algn="ctr"/>
+            <a:endParaRPr lang="en-US"/>
+          </a:p>
+        </p:txBody>
+      </p:sp>
+      <p:sp>
+        <p:nvSpPr>
+          <p:cNvPr id="41" name="OTLSHAPE_M_d7718b2de0af4d4e89c3ffe6ae0bd866_Shape">
+            <a:extLst>
+              <a:ext uri="{FF2B5EF4-FFF2-40B4-BE49-F238E27FC236}">
+                <a16:creationId xmlns:a16="http://schemas.microsoft.com/office/drawing/2014/main" id="{145C510A-3B77-4BD5-9111-DA6A3A58991E}"/>
+              </a:ext>
+            </a:extLst>
+          </p:cNvPr>
+          <p:cNvSpPr/>
+          <p:nvPr>
+            <p:custDataLst>
+              <p:tags r:id="rId104"/>
+            </p:custDataLst>
+          </p:nvPr>
+        </p:nvSpPr>
+        <p:spPr>
+          <a:xfrm>
+            <a:off x="4505174" y="2057188"/>
+            <a:ext cx="165100" cy="165100"/>
+          </a:xfrm>
+          <a:prstGeom prst="wave">
+            <a:avLst/>
+          </a:prstGeom>
+          <a:solidFill>
+            <a:srgbClr val="EA161E"/>
+          </a:solidFill>
+          <a:ln w="12700" cap="flat" cmpd="sng" algn="ctr">
+            <a:noFill/>
+            <a:prstDash val="solid"/>
+            <a:miter lim="800000"/>
+          </a:ln>
+          <a:effectLst/>
+          <a:scene3d>
+            <a:camera prst="orthographicFront"/>
+            <a:lightRig rig="threePt" dir="t"/>
+          </a:scene3d>
+          <a:sp3d>
+            <a:bevelT h="12700"/>
+          </a:sp3d>
+          <a:extLst>
+            <a:ext uri="{91240B29-F687-4F45-9708-019B960494DF}">
+              <a14:hiddenLine xmlns:a14="http://schemas.microsoft.com/office/drawing/2010/main" w="12700" cap="flat" cmpd="sng" algn="ctr">
+                <a:solidFill>
+                  <a:schemeClr val="accent1">
+                    <a:shade val="50000"/>
+                  </a:schemeClr>
+                </a:solidFill>
+                <a:prstDash val="solid"/>
+                <a:miter lim="800000"/>
+              </a14:hiddenLine>
+            </a:ext>
+          </a:extLst>
+        </p:spPr>
+        <p:style>
+          <a:lnRef idx="2">
+            <a:schemeClr val="accent1">
+              <a:shade val="50000"/>
+            </a:schemeClr>
+          </a:lnRef>
+          <a:fillRef idx="1">
+            <a:schemeClr val="accent1"/>
+          </a:fillRef>
+          <a:effectRef idx="0">
+            <a:schemeClr val="accent1"/>
+          </a:effectRef>
+          <a:fontRef idx="minor">
+            <a:schemeClr val="lt1"/>
+          </a:fontRef>
+        </p:style>
+        <p:txBody>
+          <a:bodyPr rtlCol="0" anchor="ctr"/>
+          <a:lstStyle/>
+          <a:p>
+            <a:pPr algn="ctr"/>
+            <a:endParaRPr lang="en-US"/>
+          </a:p>
+        </p:txBody>
+      </p:sp>
+      <p:sp>
+        <p:nvSpPr>
+          <p:cNvPr id="47" name="OTLSHAPE_M_46abe3f955d64b66a04a7eb9cb3b00a8_Shape">
+            <a:extLst>
+              <a:ext uri="{FF2B5EF4-FFF2-40B4-BE49-F238E27FC236}">
+                <a16:creationId xmlns:a16="http://schemas.microsoft.com/office/drawing/2014/main" id="{CFBB9CF4-1F03-4072-ABC4-CFD4FBB2CF21}"/>
+              </a:ext>
+            </a:extLst>
+          </p:cNvPr>
+          <p:cNvSpPr/>
+          <p:nvPr>
+            <p:custDataLst>
+              <p:tags r:id="rId105"/>
+            </p:custDataLst>
+          </p:nvPr>
+        </p:nvSpPr>
+        <p:spPr>
+          <a:xfrm>
+            <a:off x="5193525" y="1604645"/>
+            <a:ext cx="165100" cy="165100"/>
+          </a:xfrm>
+          <a:prstGeom prst="wave">
+            <a:avLst/>
+          </a:prstGeom>
+          <a:solidFill>
+            <a:srgbClr val="EA161E"/>
+          </a:solidFill>
+          <a:ln w="12700" cap="flat" cmpd="sng" algn="ctr">
+            <a:noFill/>
+            <a:prstDash val="solid"/>
+            <a:miter lim="800000"/>
+          </a:ln>
+          <a:effectLst/>
+          <a:scene3d>
+            <a:camera prst="orthographicFront"/>
+            <a:lightRig rig="threePt" dir="t"/>
+          </a:scene3d>
+          <a:sp3d>
+            <a:bevelT h="12700"/>
+          </a:sp3d>
+          <a:extLst>
+            <a:ext uri="{91240B29-F687-4F45-9708-019B960494DF}">
+              <a14:hiddenLine xmlns:a14="http://schemas.microsoft.com/office/drawing/2010/main" w="12700" cap="flat" cmpd="sng" algn="ctr">
+                <a:solidFill>
+                  <a:schemeClr val="accent1">
+                    <a:shade val="50000"/>
+                  </a:schemeClr>
+                </a:solidFill>
+                <a:prstDash val="solid"/>
+                <a:miter lim="800000"/>
+              </a14:hiddenLine>
+            </a:ext>
+          </a:extLst>
+        </p:spPr>
+        <p:style>
+          <a:lnRef idx="2">
+            <a:schemeClr val="accent1">
+              <a:shade val="50000"/>
+            </a:schemeClr>
+          </a:lnRef>
+          <a:fillRef idx="1">
+            <a:schemeClr val="accent1"/>
+          </a:fillRef>
+          <a:effectRef idx="0">
+            <a:schemeClr val="accent1"/>
+          </a:effectRef>
+          <a:fontRef idx="minor">
+            <a:schemeClr val="lt1"/>
+          </a:fontRef>
+        </p:style>
+        <p:txBody>
+          <a:bodyPr rtlCol="0" anchor="ctr"/>
+          <a:lstStyle/>
+          <a:p>
+            <a:pPr algn="ctr"/>
+            <a:endParaRPr lang="en-US"/>
+          </a:p>
+        </p:txBody>
+      </p:sp>
+      <p:sp>
+        <p:nvSpPr>
           <p:cNvPr id="18" name="OTLSHAPE_M_841a70fcf0844b768bd3c93d8e82cdc4_Title">
             <a:extLst>
               <a:ext uri="{FF2B5EF4-FFF2-40B4-BE49-F238E27FC236}">
@@ -7560,13 +8042,13 @@
           <p:cNvSpPr txBox="1"/>
           <p:nvPr>
             <p:custDataLst>
-              <p:tags r:id="rId98"/>
-            </p:custDataLst>
-          </p:nvPr>
-        </p:nvSpPr>
-        <p:spPr>
-          <a:xfrm>
-            <a:off x="2538634" y="736870"/>
+              <p:tags r:id="rId106"/>
+            </p:custDataLst>
+          </p:nvPr>
+        </p:nvSpPr>
+        <p:spPr>
+          <a:xfrm>
+            <a:off x="2538634" y="749570"/>
             <a:ext cx="2425700" cy="170519"/>
           </a:xfrm>
           <a:prstGeom prst="rect">
@@ -7604,13 +8086,13 @@
           <p:cNvSpPr txBox="1"/>
           <p:nvPr>
             <p:custDataLst>
-              <p:tags r:id="rId99"/>
-            </p:custDataLst>
-          </p:nvPr>
-        </p:nvSpPr>
-        <p:spPr>
-          <a:xfrm>
-            <a:off x="2538634" y="920089"/>
+              <p:tags r:id="rId107"/>
+            </p:custDataLst>
+          </p:nvPr>
+        </p:nvSpPr>
+        <p:spPr>
+          <a:xfrm>
+            <a:off x="2538634" y="932789"/>
             <a:ext cx="304800" cy="155025"/>
           </a:xfrm>
           <a:prstGeom prst="rect">
@@ -7648,13 +8130,13 @@
           <p:cNvSpPr txBox="1"/>
           <p:nvPr>
             <p:custDataLst>
-              <p:tags r:id="rId100"/>
-            </p:custDataLst>
-          </p:nvPr>
-        </p:nvSpPr>
-        <p:spPr>
-          <a:xfrm>
-            <a:off x="11044689" y="1932517"/>
+              <p:tags r:id="rId108"/>
+            </p:custDataLst>
+          </p:nvPr>
+        </p:nvSpPr>
+        <p:spPr>
+          <a:xfrm>
+            <a:off x="11044689" y="1945217"/>
             <a:ext cx="749300" cy="170519"/>
           </a:xfrm>
           <a:prstGeom prst="rect">
@@ -7692,13 +8174,13 @@
           <p:cNvSpPr txBox="1"/>
           <p:nvPr>
             <p:custDataLst>
-              <p:tags r:id="rId101"/>
-            </p:custDataLst>
-          </p:nvPr>
-        </p:nvSpPr>
-        <p:spPr>
-          <a:xfrm>
-            <a:off x="11044689" y="2115735"/>
+              <p:tags r:id="rId109"/>
+            </p:custDataLst>
+          </p:nvPr>
+        </p:nvSpPr>
+        <p:spPr>
+          <a:xfrm>
+            <a:off x="11044689" y="2128435"/>
             <a:ext cx="342900" cy="155025"/>
           </a:xfrm>
           <a:prstGeom prst="rect">
@@ -7736,13 +8218,13 @@
           <p:cNvSpPr txBox="1"/>
           <p:nvPr>
             <p:custDataLst>
-              <p:tags r:id="rId102"/>
-            </p:custDataLst>
-          </p:nvPr>
-        </p:nvSpPr>
-        <p:spPr>
-          <a:xfrm>
-            <a:off x="2882810" y="1479973"/>
+              <p:tags r:id="rId110"/>
+            </p:custDataLst>
+          </p:nvPr>
+        </p:nvSpPr>
+        <p:spPr>
+          <a:xfrm>
+            <a:off x="2882810" y="1492673"/>
             <a:ext cx="495300" cy="170519"/>
           </a:xfrm>
           <a:prstGeom prst="rect">
@@ -7780,13 +8262,13 @@
           <p:cNvSpPr txBox="1"/>
           <p:nvPr>
             <p:custDataLst>
-              <p:tags r:id="rId103"/>
-            </p:custDataLst>
-          </p:nvPr>
-        </p:nvSpPr>
-        <p:spPr>
-          <a:xfrm>
-            <a:off x="2882810" y="1663192"/>
+              <p:tags r:id="rId111"/>
+            </p:custDataLst>
+          </p:nvPr>
+        </p:nvSpPr>
+        <p:spPr>
+          <a:xfrm>
+            <a:off x="2882810" y="1675892"/>
             <a:ext cx="368300" cy="155025"/>
           </a:xfrm>
           <a:prstGeom prst="rect">
@@ -7824,13 +8306,13 @@
           <p:cNvSpPr txBox="1"/>
           <p:nvPr>
             <p:custDataLst>
-              <p:tags r:id="rId104"/>
-            </p:custDataLst>
-          </p:nvPr>
-        </p:nvSpPr>
-        <p:spPr>
-          <a:xfrm>
-            <a:off x="3571161" y="1932517"/>
+              <p:tags r:id="rId112"/>
+            </p:custDataLst>
+          </p:nvPr>
+        </p:nvSpPr>
+        <p:spPr>
+          <a:xfrm>
+            <a:off x="3571161" y="1945217"/>
             <a:ext cx="876300" cy="170519"/>
           </a:xfrm>
           <a:prstGeom prst="rect">
@@ -7868,13 +8350,13 @@
           <p:cNvSpPr txBox="1"/>
           <p:nvPr>
             <p:custDataLst>
-              <p:tags r:id="rId105"/>
-            </p:custDataLst>
-          </p:nvPr>
-        </p:nvSpPr>
-        <p:spPr>
-          <a:xfrm>
-            <a:off x="3571161" y="2115735"/>
+              <p:tags r:id="rId113"/>
+            </p:custDataLst>
+          </p:nvPr>
+        </p:nvSpPr>
+        <p:spPr>
+          <a:xfrm>
+            <a:off x="3571161" y="2128435"/>
             <a:ext cx="368300" cy="155025"/>
           </a:xfrm>
           <a:prstGeom prst="rect">
@@ -7896,6 +8378,270 @@
                 <a:latin typeface="Calibri" panose="020F0502020204030204" pitchFamily="34" charset="0"/>
               </a:rPr>
               <a:t>Nov 30</a:t>
+            </a:r>
+          </a:p>
+        </p:txBody>
+      </p:sp>
+      <p:sp>
+        <p:nvSpPr>
+          <p:cNvPr id="3" name="OTLSHAPE_M_b8d8e3a727d34366833bd51745f4c1c0_Title">
+            <a:extLst>
+              <a:ext uri="{FF2B5EF4-FFF2-40B4-BE49-F238E27FC236}">
+                <a16:creationId xmlns:a16="http://schemas.microsoft.com/office/drawing/2014/main" id="{4FFEFB06-A2FD-4941-93C5-AB5D9E851364}"/>
+              </a:ext>
+            </a:extLst>
+          </p:cNvPr>
+          <p:cNvSpPr txBox="1"/>
+          <p:nvPr>
+            <p:custDataLst>
+              <p:tags r:id="rId114"/>
+            </p:custDataLst>
+          </p:nvPr>
+        </p:nvSpPr>
+        <p:spPr>
+          <a:xfrm>
+            <a:off x="5439543" y="1040130"/>
+            <a:ext cx="495300" cy="170519"/>
+          </a:xfrm>
+          <a:prstGeom prst="rect">
+            <a:avLst/>
+          </a:prstGeom>
+          <a:noFill/>
+        </p:spPr>
+        <p:txBody>
+          <a:bodyPr vert="horz" wrap="square" lIns="0" tIns="0" rIns="0" bIns="0" rtlCol="0" anchor="ctr" anchorCtr="0">
+            <a:spAutoFit/>
+          </a:bodyPr>
+          <a:lstStyle/>
+          <a:p>
+            <a:r>
+              <a:rPr lang="en-US" sz="1100" spc="-10">
+                <a:solidFill>
+                  <a:schemeClr val="dk1"/>
+                </a:solidFill>
+                <a:latin typeface="Calibri" panose="020F0502020204030204" pitchFamily="34" charset="0"/>
+              </a:rPr>
+              <a:t>EOPM#2</a:t>
+            </a:r>
+          </a:p>
+        </p:txBody>
+      </p:sp>
+      <p:sp>
+        <p:nvSpPr>
+          <p:cNvPr id="4" name="OTLSHAPE_M_b8d8e3a727d34366833bd51745f4c1c0_Date">
+            <a:extLst>
+              <a:ext uri="{FF2B5EF4-FFF2-40B4-BE49-F238E27FC236}">
+                <a16:creationId xmlns:a16="http://schemas.microsoft.com/office/drawing/2014/main" id="{2155A319-4D61-41E0-8AE1-6FDE0BDB291F}"/>
+              </a:ext>
+            </a:extLst>
+          </p:cNvPr>
+          <p:cNvSpPr txBox="1"/>
+          <p:nvPr>
+            <p:custDataLst>
+              <p:tags r:id="rId115"/>
+            </p:custDataLst>
+          </p:nvPr>
+        </p:nvSpPr>
+        <p:spPr>
+          <a:xfrm>
+            <a:off x="5439543" y="1223349"/>
+            <a:ext cx="266700" cy="155025"/>
+          </a:xfrm>
+          <a:prstGeom prst="rect">
+            <a:avLst/>
+          </a:prstGeom>
+          <a:noFill/>
+        </p:spPr>
+        <p:txBody>
+          <a:bodyPr vert="horz" wrap="square" lIns="0" tIns="0" rIns="0" bIns="0" rtlCol="0" anchor="ctr" anchorCtr="0">
+            <a:spAutoFit/>
+          </a:bodyPr>
+          <a:lstStyle/>
+          <a:p>
+            <a:r>
+              <a:rPr lang="en-US" sz="1000" spc="-6">
+                <a:solidFill>
+                  <a:schemeClr val="dk2"/>
+                </a:solidFill>
+                <a:latin typeface="Calibri" panose="020F0502020204030204" pitchFamily="34" charset="0"/>
+              </a:rPr>
+              <a:t>Jan 7</a:t>
+            </a:r>
+          </a:p>
+        </p:txBody>
+      </p:sp>
+      <p:sp>
+        <p:nvSpPr>
+          <p:cNvPr id="39" name="OTLSHAPE_M_d7718b2de0af4d4e89c3ffe6ae0bd866_Title">
+            <a:extLst>
+              <a:ext uri="{FF2B5EF4-FFF2-40B4-BE49-F238E27FC236}">
+                <a16:creationId xmlns:a16="http://schemas.microsoft.com/office/drawing/2014/main" id="{1DA24B3A-0C26-4B99-9F75-E479D63AD634}"/>
+              </a:ext>
+            </a:extLst>
+          </p:cNvPr>
+          <p:cNvSpPr txBox="1"/>
+          <p:nvPr>
+            <p:custDataLst>
+              <p:tags r:id="rId116"/>
+            </p:custDataLst>
+          </p:nvPr>
+        </p:nvSpPr>
+        <p:spPr>
+          <a:xfrm>
+            <a:off x="4702024" y="1945217"/>
+            <a:ext cx="850900" cy="170519"/>
+          </a:xfrm>
+          <a:prstGeom prst="rect">
+            <a:avLst/>
+          </a:prstGeom>
+          <a:noFill/>
+        </p:spPr>
+        <p:txBody>
+          <a:bodyPr vert="horz" wrap="square" lIns="0" tIns="0" rIns="0" bIns="0" rtlCol="0" anchor="ctr" anchorCtr="0">
+            <a:spAutoFit/>
+          </a:bodyPr>
+          <a:lstStyle/>
+          <a:p>
+            <a:r>
+              <a:rPr lang="en-US" sz="1100" spc="-4">
+                <a:solidFill>
+                  <a:schemeClr val="dk1"/>
+                </a:solidFill>
+                <a:latin typeface="Calibri" panose="020F0502020204030204" pitchFamily="34" charset="0"/>
+              </a:rPr>
+              <a:t>Start Module 1</a:t>
+            </a:r>
+          </a:p>
+        </p:txBody>
+      </p:sp>
+      <p:sp>
+        <p:nvSpPr>
+          <p:cNvPr id="40" name="OTLSHAPE_M_d7718b2de0af4d4e89c3ffe6ae0bd866_Date">
+            <a:extLst>
+              <a:ext uri="{FF2B5EF4-FFF2-40B4-BE49-F238E27FC236}">
+                <a16:creationId xmlns:a16="http://schemas.microsoft.com/office/drawing/2014/main" id="{C6F59816-F3F2-49B7-BAF5-4930DCE4DB0E}"/>
+              </a:ext>
+            </a:extLst>
+          </p:cNvPr>
+          <p:cNvSpPr txBox="1"/>
+          <p:nvPr>
+            <p:custDataLst>
+              <p:tags r:id="rId117"/>
+            </p:custDataLst>
+          </p:nvPr>
+        </p:nvSpPr>
+        <p:spPr>
+          <a:xfrm>
+            <a:off x="4702024" y="2128435"/>
+            <a:ext cx="355600" cy="155025"/>
+          </a:xfrm>
+          <a:prstGeom prst="rect">
+            <a:avLst/>
+          </a:prstGeom>
+          <a:noFill/>
+        </p:spPr>
+        <p:txBody>
+          <a:bodyPr vert="horz" wrap="square" lIns="0" tIns="0" rIns="0" bIns="0" rtlCol="0" anchor="ctr" anchorCtr="0">
+            <a:spAutoFit/>
+          </a:bodyPr>
+          <a:lstStyle/>
+          <a:p>
+            <a:r>
+              <a:rPr lang="en-US" sz="1000" spc="-6">
+                <a:solidFill>
+                  <a:schemeClr val="dk2"/>
+                </a:solidFill>
+                <a:latin typeface="Calibri" panose="020F0502020204030204" pitchFamily="34" charset="0"/>
+              </a:rPr>
+              <a:t>Dec 23</a:t>
+            </a:r>
+          </a:p>
+        </p:txBody>
+      </p:sp>
+      <p:sp>
+        <p:nvSpPr>
+          <p:cNvPr id="45" name="OTLSHAPE_M_46abe3f955d64b66a04a7eb9cb3b00a8_Title">
+            <a:extLst>
+              <a:ext uri="{FF2B5EF4-FFF2-40B4-BE49-F238E27FC236}">
+                <a16:creationId xmlns:a16="http://schemas.microsoft.com/office/drawing/2014/main" id="{40F36F8C-DC94-454C-8925-0A4BE02046BA}"/>
+              </a:ext>
+            </a:extLst>
+          </p:cNvPr>
+          <p:cNvSpPr txBox="1"/>
+          <p:nvPr>
+            <p:custDataLst>
+              <p:tags r:id="rId118"/>
+            </p:custDataLst>
+          </p:nvPr>
+        </p:nvSpPr>
+        <p:spPr>
+          <a:xfrm>
+            <a:off x="5390375" y="1492673"/>
+            <a:ext cx="850900" cy="170519"/>
+          </a:xfrm>
+          <a:prstGeom prst="rect">
+            <a:avLst/>
+          </a:prstGeom>
+          <a:noFill/>
+        </p:spPr>
+        <p:txBody>
+          <a:bodyPr vert="horz" wrap="square" lIns="0" tIns="0" rIns="0" bIns="0" rtlCol="0" anchor="ctr" anchorCtr="0">
+            <a:spAutoFit/>
+          </a:bodyPr>
+          <a:lstStyle/>
+          <a:p>
+            <a:r>
+              <a:rPr lang="en-US" sz="1100" spc="-4">
+                <a:solidFill>
+                  <a:schemeClr val="dk1"/>
+                </a:solidFill>
+                <a:latin typeface="Calibri" panose="020F0502020204030204" pitchFamily="34" charset="0"/>
+              </a:rPr>
+              <a:t>Start Module 2</a:t>
+            </a:r>
+          </a:p>
+        </p:txBody>
+      </p:sp>
+      <p:sp>
+        <p:nvSpPr>
+          <p:cNvPr id="46" name="OTLSHAPE_M_46abe3f955d64b66a04a7eb9cb3b00a8_Date">
+            <a:extLst>
+              <a:ext uri="{FF2B5EF4-FFF2-40B4-BE49-F238E27FC236}">
+                <a16:creationId xmlns:a16="http://schemas.microsoft.com/office/drawing/2014/main" id="{DBD55B0E-7645-4A72-ACCC-32DF3B675668}"/>
+              </a:ext>
+            </a:extLst>
+          </p:cNvPr>
+          <p:cNvSpPr txBox="1"/>
+          <p:nvPr>
+            <p:custDataLst>
+              <p:tags r:id="rId119"/>
+            </p:custDataLst>
+          </p:nvPr>
+        </p:nvSpPr>
+        <p:spPr>
+          <a:xfrm>
+            <a:off x="5390375" y="1675892"/>
+            <a:ext cx="266700" cy="155025"/>
+          </a:xfrm>
+          <a:prstGeom prst="rect">
+            <a:avLst/>
+          </a:prstGeom>
+          <a:noFill/>
+        </p:spPr>
+        <p:txBody>
+          <a:bodyPr vert="horz" wrap="square" lIns="0" tIns="0" rIns="0" bIns="0" rtlCol="0" anchor="ctr" anchorCtr="0">
+            <a:spAutoFit/>
+          </a:bodyPr>
+          <a:lstStyle/>
+          <a:p>
+            <a:r>
+              <a:rPr lang="en-US" sz="1000" spc="-6">
+                <a:solidFill>
+                  <a:schemeClr val="dk2"/>
+                </a:solidFill>
+                <a:latin typeface="Calibri" panose="020F0502020204030204" pitchFamily="34" charset="0"/>
+              </a:rPr>
+              <a:t>Jan 6</a:t>
             </a:r>
           </a:p>
         </p:txBody>
@@ -7918,7 +8664,7 @@
 
 <file path=ppt/tags/tag1.xml><?xml version="1.0" encoding="utf-8"?>
 <p:tagLst xmlns:a="http://schemas.openxmlformats.org/drawingml/2006/main" xmlns:r="http://schemas.openxmlformats.org/officeDocument/2006/relationships" xmlns:p="http://schemas.openxmlformats.org/presentationml/2006/main">
-  <p:tag name="__PART_0" val="eyIkaWQiOiIxIiwiQ3VsdHVyZUluZm9OYW1lIjoiZW4tVVMiLCJTdHlsZU5hbWUiOiJTdGFuZGFyZCIsIlZlcnNpb24iOnsiJGlkIjoiMiIsIlZlcnNpb24iOiIzLjIuMCIsIk9yaWdpbmFsQXNzZW1ibHlWZXJzaW9uIjoiMS4wMC4wMC4wMCIsIkVkaXRpb24iOiJQbHVzIiwiSXNQbHVzRWRpdGlvbiI6dHJ1ZSwiSXNQcm9FZGl0aW9uIjpmYWxzZX0sIkVmZmVjdCI6MSwiU3R5bGUiOnsiJGlkIjoiMyIsIlRpbWViYW5kU3R5bGUiOnsiJGlkIjoiNCIsIlNjYWxlTWFya2luZyI6MCwiU2hhcGUiOjAsIlNoYXBlU3R5bGUiOnsiJGlkIjoiNSIsIk1hcmdpbiI6eyIkaWQiOiI2IiwiVG9wIjowLCJMZWZ0IjoxMiwiUmlnaHQiOjEyLCJCb3R0b20iOjB9LCJQYWRkaW5nIjp7IiRpZCI6IjciLCJUb3AiOjUsIkxlZnQiOjAsIlJpZ2h0IjowLCJCb3R0b20iOjV9LCJCYWNrZ3JvdW5kIjp7IiRpZCI6IjgiLCJDb2xvciI6eyIkaWQiOiI5IiwiQSI6MjU1LCJSIjozMSwiRyI6NzMsIkIiOjEyNX19LCJJc1Zpc2libGUiOnRydWUsIldpZHRoIjo4NTguMCwiSGVpZ2h0IjozMC4wLCJCb3JkZXJTdHlsZSI6eyIkaWQiOiIxMCIsIkxpbmVDb2xvciI6eyIkaWQiOiIxMSIsIiR0eXBlIjoiTkxSRS5Db21tb24uRG9tLlNvbGlkQ29sb3JCcnVzaCwgTkxSRS5Db21tb24iLCJDb2xvciI6eyIkaWQiOiIxMiIsIkEiOjI1NSwiUiI6MjU1LCJHIjowLCJCIjowfX0sIkxpbmVXZWlnaHQiOjAuMCwiTGluZVR5cGUiOjAsIlBhcmVudFN0eWxlIjpudWxsfSwiUGFyZW50U3R5bGUiOm51bGx9LCJSaWdodEVuZENhcHNTdHlsZSI6eyIkaWQiOiIxMyIsIkZvbnRTZXR0aW5ncyI6eyIkaWQiOiIxNCIsIkZvbnRTaXplIjoxOCwiRm9udE5hbWUiOiJDYWxpYnJpIiwiSXNCb2xkIjp0cnVlLCJJc0l0YWxpYyI6ZmFsc2UsIklzVW5kZXJsaW5lZCI6ZmFsc2UsIlBhcmVudFN0eWxlIjpudWxsfSwiQXV0b1NpemUiOjAsIkZvcmVncm91bmQiOnsiJGlkIjoiMTUiLCJDb2xvciI6eyIkaWQiOiIxNiIsIkEiOjI1NSwiUiI6MjM3LCJHIjoxMjUsIkIiOjQ5fX0sIk1heFdpZHRoIjoiSW5maW5pdHkiLCJNYXhIZWlnaHQiOiJJbmZpbml0eSIsIlNtYXJ0Rm9yZWdyb3VuZElzQWN0aXZlIjpmYWxzZSwiSG9yaXpvbnRhbEFsaWdubWVudCI6MCwiVmVydGljYWxBbGlnbm1lbnQiOjAsIlNtYXJ0Rm9yZWdyb3VuZCI6bnVsbCwiQmFja2dyb3VuZEZpbGxUeXBlIjowLCJNYXJnaW4iOnsiJGlkIjoiMTciLCJUb3AiOjAsIkxlZnQiOjAsIlJpZ2h0IjoyNSwiQm90dG9tIjowfSwiUGFkZGluZyI6eyIkaWQiOiIxOCIsIlRvcCI6MCwiTGVmdCI6MCwiUmlnaHQiOjAsIkJvdHRvbSI6MH0sIkJhY2tncm91bmQiOnsiJGlkIjoiMTkiLCJDb2xvciI6eyIkaWQiOiIyMCIsIkEiOjI1NSwiUiI6MjU1LCJHIjoyNTUsIkIiOjI1NX19LCJJc1Zpc2libGUiOnRydWUsIldpZHRoIjowLjAsIkhlaWdodCI6MC4wLCJCb3JkZXJTdHlsZSI6bnVsbCwiUGFyZW50U3R5bGUiOm51bGx9LCJMZWZ0RW5kQ2Fwc1N0eWxlIjp7IiRpZCI6IjIxIiwiRm9udFNldHRpbmdzIjp7IiRpZCI6IjIyIiwiRm9udFNpemUiOjE4LCJGb250TmFtZSI6IkNhbGlicmkiLCJJc0JvbGQiOnRydWUsIklzSXRhbGljIjpmYWxzZSwiSXNVbmRlcmxpbmVkIjpmYWxzZSwiUGFyZW50U3R5bGUiOm51bGx9LCJBdXRvU2l6ZSI6MCwiRm9yZWdyb3VuZCI6eyIkaWQiOiIyMyIsIkNvbG9yIjp7IiRpZCI6IjI0IiwiQSI6MjU1LCJSIjoyMzcsIkciOjEyNSwiQiI6NDl9fSwiTWF4V2lkdGgiOiJJbmZpbml0eSIsIk1heEhlaWdodCI6IkluZmluaXR5IiwiU21hcnRGb3JlZ3JvdW5kSXNBY3RpdmUiOmZhbHNlLCJIb3Jpem9udGFsQWxpZ25tZW50IjowLCJWZXJ0aWNhbEFsaWdubWVudCI6MCwiU21hcnRGb3JlZ3JvdW5kIjpudWxsLCJCYWNrZ3JvdW5kRmlsbFR5cGUiOjAsIk1hcmdpbiI6eyIkaWQiOiIyNSIsIlRvcCI6MCwiTGVmdCI6MjUsIlJpZ2h0IjowLCJCb3R0b20iOjB9LCJQYWRkaW5nIjp7IiRpZCI6IjI2IiwiVG9wIjowLCJMZWZ0IjowLCJSaWdodCI6MCwiQm90dG9tIjowfSwiQmFja2dyb3VuZCI6eyIkaWQiOiIyNyIsIkNvbG9yIjp7IiRpZCI6IjI4IiwiQSI6MjU1LCJSIjoyNTUsIkciOjI1NSwiQiI6MjU1fX0sIklzVmlzaWJsZSI6dHJ1ZSwiV2lkdGgiOjAuMCwiSGVpZ2h0IjowLjAsIkJvcmRlclN0eWxlIjpudWxsLCJQYXJlbnRTdHlsZSI6bnVsbH0sIlRvZGF5VGV4dFN0eWxlIjp7IiRpZCI6IjI5IiwiRm9udFNldHRpbmdzIjp7IiRpZCI6IjMwIiwiRm9udFNpemUiOjEyLCJGb250TmFtZSI6IkNhbGlicmkiLCJJc0JvbGQiOmZhbHNlLCJJc0l0YWxpYyI6ZmFsc2UsIklzVW5kZXJsaW5lZCI6ZmFsc2UsIlBhcmVudFN0eWxlIjpudWxsfSwiQXV0b1NpemUiOjAsIkZvcmVncm91bmQiOnsiJGlkIjoiMzEiLCJDb2xvciI6eyIkaWQiOiIzMiIsIkEiOjI1NSwiUiI6MCwiRyI6MCwiQiI6MH19LCJNYXhXaWR0aCI6MjAwLjAsIk1heEhlaWdodCI6IkluZmluaXR5IiwiU21hcnRGb3JlZ3JvdW5kSXNBY3RpdmUiOmZhbHNlLCJIb3Jpem9udGFsQWxpZ25tZW50IjowLCJWZXJ0aWNhbEFsaWdubWVudCI6MCwiU21hcnRGb3JlZ3JvdW5kIjpudWxsLCJCYWNrZ3JvdW5kRmlsbFR5cGUiOjAsIk1hcmdpbiI6eyIkaWQiOiIzMyIsIlRvcCI6MCwiTGVmdCI6MCwiUmlnaHQiOjAsIkJvdHRvbSI6MH0sIlBhZGRpbmciOnsiJGlkIjoiMzQiLCJUb3AiOjAsIkxlZnQiOjAsIlJpZ2h0IjowLCJCb3R0b20iOjB9LCJCYWNrZ3JvdW5kIjp7IiRpZCI6IjM1IiwiQ29sb3IiOnsiJGlkIjoiMzYiLCJBIjoyNTUsIlIiOjI1NSwiRyI6MjU1LCJCIjoyNTV9fSwiSXNWaXNpYmxlIjp0cnVlLCJXaWR0aCI6MC4wLCJIZWlnaHQiOjAuMCwiQm9yZGVyU3R5bGUiOm51bGwsIlBhcmVudFN0eWxlIjpudWxsfSwiVG9kYXlNYXJrZXJTdHlsZSI6eyIkaWQiOiIzNyIsIk1hcmdpbiI6eyIkaWQiOiIzOCIsIlRvcCI6MCwiTGVmdCI6MCwiUmlnaHQiOjAsIkJvdHRvbSI6MH0sIlBhZGRpbmciOnsiJGlkIjoiMzkiLCJUb3AiOjAsIkxlZnQiOjAsIlJpZ2h0IjowLCJCb3R0b20iOjB9LCJCYWNrZ3JvdW5kIjp7IiRpZCI6IjQwIiwiQ29sb3IiOnsiJGlkIjoiNDEiLCJBIjoyNTUsIlIiOjI1NSwiRyI6MCwiQiI6MH19LCJJc1Zpc2libGUiOnRydWUsIldpZHRoIjowLjAsIkhlaWdodCI6MC4wLCJCb3JkZXJTdHlsZSI6bnVsbCwiUGFyZW50U3R5bGUiOm51bGx9LCJTY2FsZVN0eWxlIjp7IiRpZCI6IjQyIiwiU2hvd1NlZ21lbnRTZXBhcmF0b3JzIjp0cnVlLCJTZWdtZW50U2VwYXJhdG9yT3BhY2l0eSI6MzAsIkZvbnRTZXR0aW5ncyI6eyIkaWQiOiI0MyIsIkZvbnRTaXplIjoxMiwiRm9udE5hbWUiOiJDYWxpYnJpIiwiSXNCb2xkIjpmYWxzZSwiSXNJdGFsaWMiOmZhbHNlLCJJc1VuZGVybGluZWQiOmZhbHNlLCJQYXJlbnRTdHlsZSI6bnVsbH0sIkF1dG9TaXplIjowLCJGb3JlZ3JvdW5kIjp7IiRpZCI6IjQ0IiwiQ29sb3IiOnsiJGlkIjoiNDUiLCJBIjoyNTUsIlIiOjI1NSwiRyI6MjU1LCJCIjoyNTV9fSwiTWF4V2lkdGgiOjIwMC4wLCJNYXhIZWlnaHQiOiJJbmZpbml0eSIsIlNtYXJ0Rm9yZWdyb3VuZElzQWN0aXZlIjpmYWxzZSwiSG9yaXpvbnRhbEFsaWdubWVudCI6MCwiVmVydGljYWxBbGlnbm1lbnQiOjEsIlNtYXJ0Rm9yZWdyb3VuZCI6bnVsbCwiQmFja2dyb3VuZEZpbGxUeXBlIjowLCJNYXJnaW4iOnsiJGlkIjoiNDYiLCJUb3AiOjAsIkxlZnQiOjUsIlJpZ2h0IjowLCJCb3R0b20iOjB9LCJQYWRkaW5nIjp7IiRpZCI6IjQ3IiwiVG9wIjowLCJMZWZ0IjowLCJSaWdodCI6MCwiQm90dG9tIjowfSwiQmFja2dyb3VuZCI6eyIkaWQiOiI0OCIsIkNvbG9yIjp7IiRpZCI6IjQ5IiwiQSI6ODksIlIiOjAsIkciOjAsIkIiOjB9fSwiSXNWaXNpYmxlIjp0cnVlLCJXaWR0aCI6MC4wLCJIZWlnaHQiOjAuMCwiQm9yZGVyU3R5bGUiOm51bGwsIlBhcmVudFN0eWxlIjpudWxsfSwiRWxhcHNlZFRpbWVCYWNrZ3JvdW5kIjp7IiRpZCI6IjUwIiwiQ29sb3IiOnsiJGlkIjoiNTEiLCJBIjoxOTEsIlIiOjI1NSwiRyI6MCwiQiI6MH19LCJBcHBlbmRZZWFyT25ZZWFyQ2hhbmdlIjp0cnVlLCJFbGFwc2VkVGltZUZvcm1hdCI6MiwiVG9kYXlNYXJrZXJQb3NpdGlvbiI6MiwiUXVpY2tQb3NpdGlvbiI6MywiQWJzb2x1dGVQb3NpdGlvbiI6MTk1LjgsIk1hcmdpbiI6eyIkaWQiOiI1MiIsIlRvcCI6MCwiTGVmdCI6MTAsIlJpZ2h0IjoxMCwiQm90dG9tIjowfSwiUGFkZGluZyI6eyIkaWQiOiI1MyIsIlRvcCI6MCwiTGVmdCI6MCwiUmlnaHQiOjAsIkJvdHRvbSI6MH0sIkJhY2tncm91bmQiOnsiJGlkIjoiNTQiLCJDb2xvciI6eyIkaWQiOiI1NSIsIkEiOjI1NSwiUiI6MzEsIkciOjczLCJCIjoxMjV9fSwiSXNWaXNpYmxlIjp0cnVlLCJXaWR0aCI6MC4wLCJIZWlnaHQiOjAuMCwiQm9yZGVyU3R5bGUiOm51bGwsIlBhcmVudFN0eWxlIjpudWxsfSwiRGVmYXVsdE1pbGVzdG9uZVN0eWxlIjp7IiRpZCI6IjU2IiwiU2hhcGUiOjAsIkNvbm5lY3Rvck1hcmdpbiI6eyIkaWQiOiI1NyIsIlRvcCI6MCwiTGVmdCI6MiwiUmlnaHQiOjIsIkJvdHRvbSI6MH0sIkNvbm5lY3RvclN0eWxlIjp7IiRpZCI6IjU4IiwiTGluZUNvbG9yIjp7IiRpZCI6IjU5IiwiJHR5cGUiOiJOTFJFLkNvbW1vbi5Eb20uU29saWRDb2xvckJydXNoLCBOTFJFLkNvbW1vbiIsIkNvbG9yIjp7IiRpZCI6IjYwIiwiQSI6MjU1LCJSIjo3OSwiRyI6MTI5LCJCIjoxODl9fSwiTGluZVdlaWdodCI6MS4wLCJMaW5lVHlwZSI6MCwiUGFyZW50U3R5bGUiOm51bGx9LCJJc0JlbG93VGltZWJhbmQiOmZhbHNlLCJQb3NpdGlvbk9uVGFzayI6MCwiSGlkZURhdGUiOmZhbHNlLCJTaGFwZVNpemUiOjEsIlNwYWNpbmciOjEuMCwiUGFkZGluZyI6eyIkaWQiOiI2MSIsIlRvcCI6NywiTGVmdCI6MywiUmlnaHQiOjAsIkJvdHRvbSI6Mn0sIlNoYXBlU3R5bGUiOnsiJGlkIjoiNjIiLCJNYXJnaW4iOnsiJGlkIjoiNjMiLCJUb3AiOjAsIkxlZnQiOjAsIlJpZ2h0IjowLCJCb3R0b20iOjB9LCJQYWRkaW5nIjp7IiRpZCI6IjY0IiwiVG9wIjowLCJMZWZ0IjowLCJSaWdodCI6MCwiQm90dG9tIjowfSwiQmFja2dyb3VuZCI6eyIkaWQiOiI2NSIsIkNvbG9yIjp7IiRpZCI6IjY2IiwiQSI6MjU1LCJSIjowLCJHIjoxMTQsIkIiOjE4OH19LCJJc1Zpc2libGUiOnRydWUsIldpZHRoIjoxOC4wLCJIZWlnaHQiOjIwLjAsIkJvcmRlclN0eWxlIjp7IiRpZCI6IjY3IiwiTGluZUNvbG9yIjp7IiRpZCI6IjY4IiwiJHR5cGUiOiJOTFJFLkNvbW1vbi5Eb20uU29saWRDb2xvckJydXNoLCBOTFJFLkNvbW1vbiIsIkNvbG9yIjp7IiRpZCI6IjY5IiwiQSI6MjU1LCJSIjoyNTUsIkciOjAsIkIiOjB9fSwiTGluZVdlaWdodCI6MC4wLCJMaW5lVHlwZSI6MCwiUGFyZW50U3R5bGUiOm51bGx9LCJQYXJlbnRTdHlsZSI6bnVsbH0sIlRpdGxlU3R5bGUiOnsiJGlkIjoiNzAiLCJGb250U2V0dGluZ3MiOnsiJGlkIjoiNzEiLCJGb250U2l6ZSI6MTEsIkZvbnROYW1lIjoiQ2FsaWJyaSIsIklzQm9sZCI6ZmFsc2UsIklzSXRhbGljIjpmYWxzZSwiSXNVbmRlcmxpbmVkIjpmYWxzZSwiUGFyZW50U3R5bGUiOm51bGx9LCJBdXRvU2l6ZSI6MCwiRm9yZWdyb3VuZCI6eyIkaWQiOiI3MiIsIkNvbG9yIjp7IiRpZCI6IjczIiwiQSI6MjU1LCJSIjowLCJHIjowLCJCIjowfX0sIk1heFdpZHRoIjoyMDAuMCwiTWF4SGVpZ2h0IjoiSW5maW5pdHkiLCJTbWFydEZvcmVncm91bmRJc0FjdGl2ZSI6ZmFsc2UsIkhvcml6b250YWxBbGlnbm1lbnQiOjEsIlZlcnRpY2FsQWxpZ25tZW50IjowLCJTbWFydEZvcmVncm91bmQiOm51bGwsIkJhY2tncm91bmRGaWxsVHlwZSI6MCwiTWFyZ2luIjp7IiRpZCI6Ijc0IiwiVG9wIjowLCJMZWZ0IjowLCJSaWdodCI6MCwiQm90dG9tIjowfSwiUGFkZGluZyI6eyIkaWQiOiI3NSIsIlRvcCI6MCwiTGVmdCI6MCwiUmlnaHQiOjAsIkJvdHRvbSI6MH0sIkJhY2tncm91bmQiOnsiJGlkIjoiNzYiLCJDb2xvciI6eyIkcmVmIjoiNDkifX0sIklzVmlzaWJsZSI6dHJ1ZSwiV2lkdGgiOjAuMCwiSGVpZ2h0IjowLjAsIkJvcmRlclN0eWxlIjpudWxsLCJQYXJlbnRTdHlsZSI6bnVsbH0sIkRhdGVTdHlsZSI6eyIkaWQiOiI3NyIsIkZvbnRTZXR0aW5ncyI6eyIkaWQiOiI3OCIsIkZvbnRTaXplIjoxMCwiRm9udE5hbWUiOiJDYWxpYnJpIiwiSXNCb2xkIjpmYWxzZSwiSXNJdGFsaWMiOmZhbHNlLCJJc1VuZGVybGluZWQiOmZhbHNlLCJQYXJlbnRTdHlsZSI6bnVsbH0sIkF1dG9TaXplIjowLCJGb3JlZ3JvdW5kIjp7IiRpZCI6Ijc5IiwiQ29sb3IiOnsiJGlkIjoiODAiLCJBIjoyNTUsIlIiOjY4LCJHIjo4NCwiQiI6MTA2fX0sIk1heFdpZHRoIjoyMDAuMCwiTWF4SGVpZ2h0IjoiSW5maW5pdHkiLCJTbWFydEZvcmVncm91bmRJc0FjdGl2ZSI6ZmFsc2UsIkhvcml6b250YWxBbGlnbm1lbnQiOjAsIlZlcnRpY2FsQWxpZ25tZW50IjowLCJTbWFydEZvcmVncm91bmQiOm51bGwsIkJhY2tncm91bmRGaWxsVHlwZSI6MCwiTWFyZ2luIjp7IiRpZCI6IjgxIiwiVG9wIjowLCJMZWZ0IjowLCJSaWdodCI6MCwiQm90dG9tIjowfSwiUGFkZGluZyI6eyIkaWQiOiI4MiIsIlRvcCI6MCwiTGVmdCI6MCwiUmlnaHQiOjAsIkJvdHRvbSI6MH0sIkJhY2tncm91bmQiOnsiJGlkIjoiODMiLCJDb2xvciI6eyIkcmVmIjoiNDkifX0sIklzVmlzaWJsZSI6dHJ1ZSwiV2lkdGgiOjAuMCwiSGVpZ2h0IjowLjAsIkJvcmRlclN0eWxlIjpudWxsLCJQYXJlbnRTdHlsZSI6bnVsbH0sIkRhdGVGb3JtYXQiOnsiJGlkIjoiODQiLCJGb3JtYXRTdHJpbmciOiJNTU0gZCIsIlNlcGFyYXRvciI6Ii8iLCJVc2VJbnRlcm5hdGlvbmFsRGF0ZUZvcm1hdCI6ZmFsc2UsIkRhdGVJc1Zpc2libGUiOnRydWUsIlRpbWVJc1Zpc2libGUiOmZhbHNlLCJIb3VyRGlnaXRzIjoxLCJBbVBtRGVzaWduYXRvciI6MiwiVHJpbTAwTWludXRlcyI6ZmFsc2UsIkxhc3RLbm93blZpc2liaWxpdHlTdGF0ZSI6eyIkaWQiOiI4NSIsIkRhdGVQYXJ0SXNWaXNpYmxlIjp0cnVlLCJUaW1lUGFydElzVmlzaWJsZSI6ZmFsc2V9fSwiSXNWaXNpYmxlIjp0cnVlLCJQYXJlbnRTdHlsZSI6bnVsbH0sIkRlZmF1bHRUYXNrU3R5bGUiOnsiJGlkIjoiODYiLCJTaGFwZSI6MCwiU2hhcGVUaGlja25lc3MiOjEsIkR1cmF0aW9uRm9ybWF0IjowLCJJbmNsdWRlTm9uV29ya2luZ0RheXNJbkR1cmF0aW9uIjp0cnVlLCJQZXJjZW50YWdlQ29tcGxldGVTdHlsZSI6eyIkaWQiOiI4NyIsIkZvbnRTZXR0aW5ncyI6eyIkaWQiOiI4OCIsIkZvbnRTaXplIjoxMCwiRm9udE5hbWUiOiJDYWxpYnJpIiwiSXNCb2xkIjpmYWxzZSwiSXNJdGFsaWMiOmZhbHNlLCJJc1VuZGVybGluZWQiOmZhbHNlLCJQYXJlbnRTdHlsZSI6bnVsbH0sIkF1dG9TaXplIjowLCJGb3JlZ3JvdW5kIjp7IiRpZCI6Ijg5IiwiQ29sb3IiOnsiJGlkIjoiOTAiLCJBIjoyNTUsIlIiOjE5MiwiRyI6ODAsIkIiOjc3fX0sIk1heFdpZHRoIjoyMDAuMCwiTWF4SGVpZ2h0IjoiSW5maW5pdHkiLCJTbWFydEZvcmVncm91bmRJc0FjdGl2ZSI6ZmFsc2UsIkhvcml6b250YWxBbGlnbm1lbnQiOjAsIlZlcnRpY2FsQWxpZ25tZW50IjowLCJTbWFydEZvcmVncm91bmQiOm51bGwsIkJhY2tncm91bmRGaWxsVHlwZSI6MCwiTWFyZ2luIjp7IiRpZCI6IjkxIiwiVG9wIjowLCJMZWZ0IjowLCJSaWdodCI6MCwiQm90dG9tIjowfSwiUGFkZGluZyI6eyIkaWQiOiI5MiIsIlRvcCI6MCwiTGVmdCI6MCwiUmlnaHQiOjAsIkJvdHRvbSI6MH0sIkJhY2tncm91bmQiOnsiJGlkIjoiOTMiLCJDb2xvciI6eyIkaWQiOiI5NCIsIkEiOjg5LCJSIjoyNTIsIkciOjIyNywiQiI6NTl9fSwiSXNWaXNpYmxlIjp0cnVlLCJXaWR0aCI6MC4wLCJIZWlnaHQiOjAuMCwiQm9yZGVyU3R5bGUiOm51bGwsIlBhcmVudFN0eWxlIjpudWxsfSwiRHVyYXRpb25TdHlsZSI6eyIkaWQiOiI5NSIsIkZvbnRTZXR0aW5ncyI6eyIkaWQiOiI5NiIsIkZvbnRTaXplIjoxMCwiRm9udE5hbWUiOiJDYWxpYnJpIiwiSXNCb2xkIjpmYWxzZSwiSXNJdGFsaWMiOmZhbHNlLCJJc1VuZGVybGluZWQiOmZhbHNlLCJQYXJlbnRTdHlsZSI6bnVsbH0sIkF1dG9TaXplIjowLCJGb3JlZ3JvdW5kIjp7IiRpZCI6Ijk3IiwiQ29sb3IiOnsiJGlkIjoiOTgiLCJBIjoyNTUsIlIiOjAsIkciOjAsIkIiOjB9fSwiTWF4V2lkdGgiOjIwMC4wLCJNYXhIZWlnaHQiOiJJbmZpbml0eSIsIlNtYXJ0Rm9yZWdyb3VuZElzQWN0aXZlIjpmYWxzZSwiSG9yaXpvbnRhbEFsaWdubWVudCI6MCwiVmVydGljYWxBbGlnbm1lbnQiOjAsIlNtYXJ0Rm9yZWdyb3VuZCI6bnVsbCwiQmFja2dyb3VuZEZpbGxUeXBlIjowLCJNYXJnaW4iOnsiJGlkIjoiOTkiLCJUb3AiOjAsIkxlZnQiOjAsIlJpZ2h0IjowLCJCb3R0b20iOjB9LCJQYWRkaW5nIjp7IiRpZCI6IjEwMCIsIlRvcCI6MCwiTGVmdCI6MCwiUmlnaHQiOjAsIkJvdHRvbSI6MH0sIkJhY2tncm91bmQiOnsiJGlkIjoiMTAxIiwiQ29sb3IiOnsiJHJlZiI6IjQ5In19LCJJc1Zpc2libGUiOnRydWUsIldpZHRoIjowLjAsIkhlaWdodCI6MC4wLCJCb3JkZXJTdHlsZSI6bnVsbCwiUGFyZW50U3R5bGUiOm51bGx9LCJIb3Jpem9udGFsQ29ubmVjdG9yU3R5bGUiOnsiJGlkIjoiMTAyIiwiTGluZUNvbG9yIjp7IiRpZCI6IjEwMyIsIiR0eXBlIjoiTkxSRS5Db21tb24uRG9tLlNvbGlkQ29sb3JCcnVzaCwgTkxSRS5Db21tb24iLCJDb2xvciI6eyIkaWQiOiIxMDQiLCJBIjoyNTUsIlIiOjIwNCwiRyI6MjA0LCJCIjoyMDR9fSwiTGluZVdlaWdodCI6MS4wLCJMaW5lVHlwZSI6MCwiUGFyZW50U3R5bGUiOm51bGx9LCJWZXJ0aWNhbENvbm5lY3RvclN0eWxlIjp7IiRpZCI6IjEwNSIsIkxpbmVDb2xvciI6eyIkaWQiOiIxMDYiLCIkdHlwZSI6Ik5MUkUuQ29tbW9uLkRvbS5Tb2xpZENvbG9yQnJ1c2gsIE5MUkUuQ29tbW9uIiwiQ29sb3IiOnsiJGlkIjoiMTA3IiwiQSI6MjU1LCJSIjoyMDQsIkciOjIwNCwiQiI6MjA0fX0sIkxpbmVXZWlnaHQiOjAuMCwiTGluZVR5cGUiOjAsIlBhcmVudFN0eWxlIjpudWxsfSwiTWFyZ2luIjpudWxsLCJTdGFydERhdGVQb3NpdGlvbiI6NCwiRW5kRGF0ZVBvc2l0aW9uIjo0LCJEYXRlSXNWaXNpYmxlIjp0cnVlLCJUaXRsZVBvc2l0aW9uIjo1LCJEdXJhdGlvblBvc2l0aW9uIjowLCJQZXJjZW50YWdlQ29tcGxldGVkUG9zaXRpb24iOjYsIlNwYWNpbmciOjEwLCJJc0JlbG93VGltZWJhbmQiOnRydWUsIlBlcmNlbnRhZ2VDb21wbGV0ZVNoYXBlT3BhY2l0eSI6MzUsIlNoYXBlU3R5bGUiOnsiJGlkIjoiMTA4IiwiTWFyZ2luIjp7IiRpZCI6IjEwOSIsIlRvcCI6MCwiTGVmdCI6NCwiUmlnaHQiOjQsIkJvdHRvbSI6MH0sIlBhZGRpbmciOnsiJGlkIjoiMTEwIiwiVG9wIjowLCJMZWZ0IjowLCJSaWdodCI6MCwiQm90dG9tIjowfSwiQmFja2dyb3VuZCI6eyIkaWQiOiIxMTEiLCJDb2xvciI6eyIkaWQiOiIxMTIiLCJBIjoyNTUsIlIiOjAsIkciOjExNCwiQiI6MTg4fX0sIklzVmlzaWJsZSI6dHJ1ZSwiV2lkdGgiOjAuMCwiSGVpZ2h0IjoxNi4wLCJCb3JkZXJTdHlsZSI6eyIkaWQiOiIxMTMiLCJMaW5lQ29sb3IiOnsiJGlkIjoiMTE0IiwiJHR5cGUiOiJOTFJFLkNvbW1vbi5Eb20uU29saWRDb2xvckJydXNoLCBOTFJFLkNvbW1vbiIsIkNvbG9yIjp7IiRpZCI6IjExNSIsIkEiOjI1NSwiUiI6MjU1LCJHIjowLCJCIjowfX0sIkxpbmVXZWlnaHQiOjAuMCwiTGluZVR5cGUiOjAsIlBhcmVudFN0eWxlIjpudWxsfSwiUGFyZW50U3R5bGUiOm51bGx9LCJUaXRsZVN0eWxlIjp7IiRpZCI6IjExNiIsIkZvbnRTZXR0aW5ncyI6eyIkaWQiOiIxMTciLCJGb250U2l6ZSI6MTEsIkZvbnROYW1lIjoiQ2FsaWJyaSIsIklzQm9sZCI6ZmFsc2UsIklzSXRhbGljIjpmYWxzZSwiSXNVbmRlcmxpbmVkIjpmYWxzZSwiUGFyZW50U3R5bGUiOm51bGx9LCJBdXRvU2l6ZSI6MCwiRm9yZWdyb3VuZCI6eyIkaWQiOiIxMTgiLCJDb2xvciI6eyIkaWQiOiIxMTkiLCJBIjoyNTUsIlIiOjAsIkciOjAsIkIiOjB9fSwiTWF4V2lkdGgiOjIwMC4wLCJNYXhIZWlnaHQiOiJJbmZpbml0eSIsIlNtYXJ0Rm9yZWdyb3VuZElzQWN0aXZlIjpmYWxzZSwiSG9yaXpvbnRhbEFsaWdubWVudCI6MCwiVmVydGljYWxBbGlnbm1lbnQiOjAsIlNtYXJ0Rm9yZWdyb3VuZCI6bnVsbCwiQmFja2dyb3VuZEZpbGxUeXBlIjowLCJNYXJnaW4iOnsiJGlkIjoiMTIwIiwiVG9wIjowLCJMZWZ0IjowLCJSaWdodCI6MCwiQm90dG9tIjowfSwiUGFkZGluZyI6eyIkaWQiOiIxMjEiLCJUb3AiOjAsIkxlZnQiOjAsIlJpZ2h0IjowLCJCb3R0b20iOjB9LCJCYWNrZ3JvdW5kIjp7IiRpZCI6IjEyMiIsIkNvbG9yIjp7IiRyZWYiOiI0OSJ9fSwiSXNWaXNpYmxlIjp0cnVlLCJXaWR0aCI6MC4wLCJIZWlnaHQiOjAuMCwiQm9yZGVyU3R5bGUiOm51bGwsIlBhcmVudFN0eWxlIjpudWxsfSwiRGF0ZVN0eWxlIjp7IiRpZCI6IjEyMyIsIkZvbnRTZXR0aW5ncyI6eyIkaWQiOiIxMjQiLCJGb250U2l6ZSI6MTAsIkZvbnROYW1lIjoiQ2FsaWJyaSIsIklzQm9sZCI6ZmFsc2UsIklzSXRhbGljIjpmYWxzZSwiSXNVbmRlcmxpbmVkIjpmYWxzZSwiUGFyZW50U3R5bGUiOm51bGx9LCJBdXRvU2l6ZSI6MCwiRm9yZWdyb3VuZCI6eyIkaWQiOiIxMjUiLCJDb2xvciI6eyIkaWQiOiIxMjYiLCJBIjoyNTUsIlIiOjAsIkciOjAsIkIiOjB9fSwiTWF4V2lkdGgiOjIwMC4wLCJNYXhIZWlnaHQiOiJJbmZpbml0eSIsIlNtYXJ0Rm9yZWdyb3VuZElzQWN0aXZlIjpmYWxzZSwiSG9yaXpvbnRhbEFsaWdubWVudCI6MCwiVmVydGljYWxBbGlnbm1lbnQiOjAsIlNtYXJ0Rm9yZWdyb3VuZCI6bnVsbCwiQmFja2dyb3VuZEZpbGxUeXBlIjowLCJNYXJnaW4iOnsiJGlkIjoiMTI3IiwiVG9wIjowLCJMZWZ0IjowLCJSaWdodCI6MCwiQm90dG9tIjowfSwiUGFkZGluZyI6eyIkaWQiOiIxMjgiLCJUb3AiOjAsIkxlZnQiOjAsIlJpZ2h0IjowLCJCb3R0b20iOjB9LCJCYWNrZ3JvdW5kIjp7IiRpZCI6IjEyOSIsIkNvbG9yIjp7IiRyZWYiOiI0OSJ9fSwiSXNWaXNpYmxlIjp0cnVlLCJXaWR0aCI6MC4wLCJIZWlnaHQiOjAuMCwiQm9yZGVyU3R5bGUiOm51bGwsIlBhcmVudFN0eWxlIjpudWxsfSwiRGF0ZUZvcm1hdCI6eyIkaWQiOiIxMzAiLCJGb3JtYXRTdHJpbmciOiJNTU0gZCIsIlNlcGFyYXRvciI6Ii8iLCJVc2VJbnRlcm5hdGlvbmFsRGF0ZUZvcm1hdCI6ZmFsc2UsIkRhdGVJc1Zpc2libGUiOnRydWUsIlRpbWVJc1Zpc2libGUiOmZhbHNlLCJIb3VyRGlnaXRzIjoxLCJBbVBtRGVzaWduYXRvciI6MiwiVHJpbTAwTWludXRlcyI6ZmFsc2UsIkxhc3RLbm93blZpc2liaWxpdHlTdGF0ZSI6eyIkaWQiOiIxMzEiLCJEYXRlUGFydElzVmlzaWJsZSI6ZmFsc2UsIlRpbWVQYXJ0SXNWaXNpYmxlIjpmYWxzZX19LCJJc1Zpc2libGUiOnRydWUsIlBhcmVudFN0eWxlIjpudWxsLCJfZXhwbGljaXRseVNldCI6eyIkaWQiOiIxMzIiLCJTaGFwZVN0eWxlIjpmYWxzZSwiVGl0bGVTdHlsZSI6ZmFsc2UsIkRhdGVTdHlsZSI6ZmFsc2UsIkhvcml6b250YWxDb25uZWN0b3JTdHlsZSI6ZmFsc2UsIlZlcnRpY2FsQ29ubmVjdG9yU3R5bGUiOmZhbHNlLCJQZXJjZW50YWdlQ29tcGxldGVTaGFwZU9wYWNpdHkiOmZhbHNlLCJTaGFwZSI6ZmFsc2UsIlNoYXBlVGhpY2tuZXNzIjpmYWxzZSwiRHVyYXRpb25Gb3JtYXQiOmZhbHNlLCJJbmNsdWRlTm9uV29ya2luZ0RheXNJbkR1cmF0aW9uIjpmYWxzZSwiTWFyZ2luIjpmYWxzZSwiU3RhcnREYXRlUG9zaXRpb24iOmZhbHNlLCJFbmREYXRlUG9zaXRpb24iOmZhbHNlLCJUaXRsZVBvc2l0aW9uIjpmYWxzZSwiRHVyYXRpb25Qb3NpdGlvbiI6ZmFsc2UsIlBlcmNlbnRhZ2VDb21wbGV0ZWRQb3NpdGlvbiI6ZmFsc2UsIlNwYWNpbmciOmZhbHNlLCJJc0JlbG93VGltZWJhbmQiOmZhbHNlLCJEYXRlRm9ybWF0IjpmYWxzZSwiSXNWaXNpYmxlIjpmYWxzZX19LCJHcmlkbGluZVBhbmVsU3R5bGUiOnsiJGlkIjoiMTMzIiwiR3JpZGxpbmVTdHlsZSI6eyIkaWQiOiIxMzQiLCJMaW5lQ29sb3IiOnsiJGlkIjoiMTM1IiwiJHR5cGUiOiJOTFJFLkNvbW1vbi5Eb20uU29saWRDb2xvckJydXNoLCBOTFJFLkNvbW1vbiIsIkNvbG9yIjp7IiRpZCI6IjEzNiIsIkEiOjM4LCJSIjo5MSwiRyI6MTU1LCJCIjoyMTN9fSwiTGluZVdlaWdodCI6MS4wLCJMaW5lVHlwZSI6MCwiUGFyZW50U3R5bGUiOm51bGx9LCJNYXJnaW4iOnsiJGlkIjoiMTM3IiwiVG9wIjowLCJMZWZ0IjowLCJSaWdodCI6MCwiQm90dG9tIjowfSwiUGFkZGluZyI6eyIkaWQiOiIxMzgiLCJUb3AiOjAsIkxlZnQiOjAsIlJpZ2h0IjowLCJCb3R0b20iOjB9LCJCYWNrZ3JvdW5kIjpudWxsLCJJc1Zpc2libGUiOnRydWUsIldpZHRoIjowLjAsIkhlaWdodCI6MC4wLCJCb3JkZXJTdHlsZSI6bnVsbCwiUGFyZW50U3R5bGUiOm51bGx9LCJTaG93RWxhcHNlZFRpbWVHcmFkaWVudFN0eWxlIjpmYWxzZSwiRGVmYXVsdFN3aW1sYW5lU3R5bGUiOnsiJGlkIjoiMTM5IiwiSGVhZGVyU3R5bGUiOnsiJGlkIjoiMTQwIiwiVGV4dFN0eWxlIjp7IiRpZCI6IjE0MSIsIkZvbnRTZXR0aW5ncyI6eyIkaWQiOiIxNDIiLCJGb250U2l6ZSI6MTIsIkZvbnROYW1lIjoiQ2FsaWJyaSIsIklzQm9sZCI6ZmFsc2UsIklzSXRhbGljIjpmYWxzZSwiSXNVbmRlcmxpbmVkIjpmYWxzZSwiUGFyZW50U3R5bGUiOm51bGx9LCJBdXRvU2l6ZSI6MCwiRm9yZWdyb3VuZCI6eyIkaWQiOiIxNDMiLCJDb2xvciI6eyIkaWQiOiIxNDQiLCJBIjoyNTUsIlIiOjMyLCJHIjo1NiwiQiI6MTAwfX0sIk1heFdpZHRoIjoiSW5maW5pdHkiLCJNYXhIZWlnaHQiOiJJbmZpbml0eSIsIlNtYXJ0Rm9yZWdyb3VuZElzQWN0aXZlIjpmYWxzZSwiSG9yaXpvbnRhbEFsaWdubWVudCI6MCwiVmVydGljYWxBbGlnbm1lbnQiOjAsIlNtYXJ0Rm9yZWdyb3VuZCI6bnVsbCwiQmFja2dyb3VuZEZpbGxUeXBlIjowLCJNYXJnaW4iOnsiJGlkIjoiMTQ1IiwiVG9wIjowLCJMZWZ0IjowLCJSaWdodCI6MCwiQm90dG9tIjowfSwiUGFkZGluZyI6eyIkaWQiOiIxNDYiLCJUb3AiOjAsIkxlZnQiOjAsIlJpZ2h0IjowLCJCb3R0b20iOjB9LCJCYWNrZ3JvdW5kIjpudWxsLCJJc1Zpc2libGUiOnRydWUsIldpZHRoIjowLjAsIkhlaWdodCI6MC4wLCJCb3JkZXJTdHlsZSI6bnVsbCwiUGFyZW50U3R5bGUiOm51bGx9LCJSZWN0YW5nbGVTdHlsZSI6eyIkaWQiOiIxNDciLCJNYXJnaW4iOnsiJGlkIjoiMTQ4IiwiVG9wIjowLCJMZWZ0IjowLCJSaWdodCI6MCwiQm90dG9tIjowfSwiUGFkZGluZyI6eyIkaWQiOiIxNDkiLCJUb3AiOjAsIkxlZnQiOjAsIlJpZ2h0IjowLCJCb3R0b20iOjB9LCJCYWNrZ3JvdW5kIjp7IiRpZCI6IjE1MCIsIkNvbG9yIjp7IiRpZCI6IjE1MSIsIkEiOjEyNywiUiI6OTEsIkciOjE1NSwiQiI6MjEzfX0sIklzVmlzaWJsZSI6dHJ1ZSwiV2lkdGgiOjAuMCwiSGVpZ2h0IjowLjAsIkJvcmRlclN0eWxlIjp7IiRpZCI6IjE1MiIsIkxpbmVDb2xvciI6eyIkaWQiOiIxNTMiLCIkdHlwZSI6Ik5MUkUuQ29tbW9uLkRvbS5Tb2xpZENvbG9yQnJ1c2gsIE5MUkUuQ29tbW9uIiwiQ29sb3IiOnsiJGlkIjoiMTU0IiwiQSI6MjU1LCJSIjoyNTUsIkciOjAsIkIiOjB9fSwiTGluZVdlaWdodCI6MC4wLCJMaW5lVHlwZSI6MCwiUGFyZW50U3R5bGUiOm51bGx9LCJQYXJlbnRTdHlsZSI6bnVsbH0sIk1hcmdpbiI6eyIkaWQiOiIxNTUiLCJUb3AiOjAsIkxlZnQiOjAsIlJpZ2h0IjowLCJCb3R0b20iOjB9LCJQYWRkaW5nIjp7IiRpZCI6IjE1NiIsIlRvcCI6MCwiTGVmdCI6MCwiUmlnaHQiOjAsIkJvdHRvbSI6MH0sIkJhY2tncm91bmQiOm51bGwsIklzVmlzaWJsZSI6dHJ1ZSwiV2lkdGgiOjAuMCwiSGVpZ2h0IjowLjAsIkJvcmRlclN0eWxlIjpudWxsLCJQYXJlbnRTdHlsZSI6bnVsbH0sIkJhY2tncm91bmRTdHlsZSI6eyIkaWQiOiIxNTciLCJNYXJnaW4iOnsiJGlkIjoiMTU4IiwiVG9wIjowLCJMZWZ0IjowLCJSaWdodCI6MCwiQm90dG9tIjowfSwiUGFkZGluZyI6eyIkaWQiOiIxNTkiLCJUb3AiOjAsIkxlZnQiOjAsIlJpZ2h0IjowLCJCb3R0b20iOjB9LCJCYWNrZ3JvdW5kIjp7IiRpZCI6IjE2MCIsIkNvbG9yIjp7IiRpZCI6IjE2MSIsIkEiOjM4LCJSIjo5MSwiRyI6MTU1LCJCIjoyMTN9fSwiSXNWaXNpYmxlIjp0cnVlLCJXaWR0aCI6MC4wLCJIZWlnaHQiOjAuMCwiQm9yZGVyU3R5bGUiOnsiJGlkIjoiMTYyIiwiTGluZUNvbG9yIjp7IiRpZCI6IjE2MyIsIiR0eXBlIjoiTkxSRS5Db21tb24uRG9tLlNvbGlkQ29sb3JCcnVzaCwgTkxSRS5Db21tb24iLCJDb2xvciI6eyIkaWQiOiIxNjQiLCJBIjoyNTUsIlIiOjI1NSwiRyI6MCwiQiI6MH19LCJMaW5lV2VpZ2h0IjowLjAsIkxpbmVUeXBlIjowLCJQYXJlbnRTdHlsZSI6bnVsbH0sIlBhcmVudFN0eWxlIjpudWxsfSwiSXNBYm92ZVRpbWViYW5kIjpmYWxzZSwiTWFyZ2luIjp7IiRpZCI6IjE2NSIsIlRvcCI6MCwiTGVmdCI6MCwiUmlnaHQiOjAsIkJvdHRvbSI6MH0sIlBhZGRpbmciOnsiJGlkIjoiMTY2IiwiVG9wIjowLCJMZWZ0IjowLCJSaWdodCI6MCwiQm90dG9tIjowfSwiSXNWaXNpYmxlIjp0cnVlLCJXaWR0aCI6MC4wLCJIZWlnaHQiOjAuMCwiQm9yZGVyU3R5bGUiOm51bGwsIlBhcmVudFN0eWxlIjpudWxsfX0sIlNjYWxlIjp7IiRpZCI6IjE2NyIsIlN0YXJ0RGF0ZSI6IjIwMTctMDEtMDVUMDA6MDA6MDBaIiwiRW5kRGF0ZSI6IjIwMjAtMDQtMzBUMjM6NTk6MDBaIiwiRm9ybWF0IjoidyIsIlR5cGUiOjEsIkF1dG9EYXRlUmFuZ2UiOnRydWUsIldvcmtpbmdEYXlzIjo2MywiVG9kYXlNYXJrZXJUZXh0IjoiVG9kYXkiLCJBdXRvU2NhbGVUeXBlIjpmYWxzZX0sIk1pbGVzdG9uZXMiOlt7IiRpZCI6IjE2OCIsIkRhdGUiOiIyMDE5LTExLTA5VDIzOjU5OjAwWiIsIlN0eWxlIjp7IiRpZCI6IjE2OSIsIlNoYXBlIjoxOSwiQ29ubmVjdG9yTWFyZ2luIjp7IiRyZWYiOiI1NyJ9LCJDb25uZWN0b3JTdHlsZSI6eyIkaWQiOiIxNzAiLCJMaW5lQ29sb3IiOnsiJGlkIjoiMTcxIiwiJHR5cGUiOiJOTFJFLkNvbW1vbi5Eb20uU29saWRDb2xvckJydXNoLCBOTFJFLkNvbW1vbiIsIkNvbG9yIjp7IiRpZCI6IjE3MiIsIkEiOjI1NSwiUiI6NzksIkciOjEyOSwiQiI6MTg5fX0sIkxpbmVXZWlnaHQiOjEuMCwiTGluZVR5cGUiOjAsIlBhcmVudFN0eWxlIjpudWxsfSwiSXNCZWxvd1RpbWViYW5kIjpmYWxzZSwiUG9zaXRpb25PblRhc2siOjAsIkhpZGVEYXRlIjpmYWxzZSwiU2hhcGVTaXplIjoxLCJTcGFjaW5nIjoxLjAsIlBhZGRpbmciOnsiJHJlZiI6IjYxIn0sIlNoYXBlU3R5bGUiOnsiJGlkIjoiMTczIiwiTWFyZ2luIjp7IiRyZWYiOiI2MyJ9LCJQYWRkaW5nIjp7IiRyZWYiOiI2NCJ9LCJCYWNrZ3JvdW5kIjp7IiRpZCI6IjE3NCIsIkNvbG9yIjp7IiRpZCI6IjE3NSIsIkEiOjI1NSwiUiI6MjM0LCJHIjoyMiwiQiI6MzB9fSwiSXNWaXNpYmxlIjp0cnVlLCJXaWR0aCI6MTguMCwiSGVpZ2h0IjoyMC4wLCJCb3JkZXJTdHlsZSI6eyIkaWQiOiIxNzYiLCJMaW5lQ29sb3IiOnsiJHJlZiI6IjY4In0sIkxpbmVXZWlnaHQiOjAuMCwiTGluZVR5cGUiOjAsIlBhcmVudFN0eWxlIjpudWxsfSwiUGFyZW50U3R5bGUiOm51bGx9LCJUaXRsZVN0eWxlIjp7IiRpZCI6IjE3NyIsIkZvbnRTZXR0aW5ncyI6eyIkaWQiOiIxNzgiLCJGb250U2l6ZSI6MTEsIkZvbnROYW1lIjoiQ2FsaWJyaSIsIklzQm9sZCI6ZmFsc2UsIklzSXRhbGljIjpmYWxzZSwiSXNVbmRlcmxpbmVkIjpmYWxzZSwiUGFyZW50U3R5bGUiOm51bGx9LCJBdXRvU2l6ZSI6MCwiRm9yZWdyb3VuZCI6eyIkaWQiOiIxNzkiLCJDb2xvciI6eyIkaWQiOiIxODAiLCJBIjoyNTUsIlIiOjAsIkciOjAsIkIiOjB9fSwiTWF4V2lkdGgiOjIwMC4wLCJNYXhIZWlnaHQiOiJJbmZpbml0eSIsIlNtYXJ0Rm9yZWdyb3VuZElzQWN0aXZlIjpmYWxzZSwiSG9yaXpvbnRhbEFsaWdubWVudCI6MCwiVmVydGljYWxBbGlnbm1lbnQiOjAsIlNtYXJ0Rm9yZWdyb3VuZCI6bnVsbCwiQmFja2dyb3VuZEZpbGxUeXBlIjowLCJNYXJnaW4iOnsiJHJlZiI6Ijc0In0sIlBhZGRpbmciOnsiJHJlZiI6Ijc1In0sIkJhY2tncm91bmQiOnsiJHJlZiI6Ijc2In0sIklzVmlzaWJsZSI6dHJ1ZSwiV2lkdGgiOjAuMCwiSGVpZ2h0IjowLjAsIkJvcmRlclN0eWxlIjp7IiRpZCI6IjE4MSIsIkxpbmVDb2xvciI6bnVsbCwiTGluZVdlaWdodCI6MC4wLCJMaW5lVHlwZSI6MCwiUGFyZW50U3R5bGUiOm51bGx9LCJQYXJlbnRTdHlsZSI6bnVsbH0sIkRhdGVTdHlsZSI6eyIkaWQiOiIxODIiLCJGb250U2V0dGluZ3MiOnsiJGlkIjoiMTgzIiwiRm9udFNpemUiOjEwLCJGb250TmFtZSI6IkNhbGlicmkiLCJJc0JvbGQiOmZhbHNlLCJJc0l0YWxpYyI6ZmFsc2UsIklzVW5kZXJsaW5lZCI6ZmFsc2UsIlBhcmVudFN0eWxlIjpudWxsfSwiQXV0b1NpemUiOjAsIkZvcmVncm91bmQiOnsiJGlkIjoiMTg0IiwiQ29sb3IiOnsiJGlkIjoiMTg1IiwiQSI6MjU1LCJSIjo2OCwiRyI6ODQsIkIiOjEwNn19LCJNYXhXaWR0aCI6MjAwLjAsIk1heEhlaWdodCI6IkluZmluaXR5IiwiU21hcnRGb3JlZ3JvdW5kSXNBY3RpdmUiOmZhbHNlLCJIb3Jpem9udGFsQWxpZ25tZW50IjowLCJWZXJ0aWNhbEFsaWdubWVudCI6MCwiU21hcnRGb3JlZ3JvdW5kIjpudWxsLCJCYWNrZ3JvdW5kRmlsbFR5cGUiOjAsIk1hcmdpbiI6eyIkcmVmIjoiODEifSwiUGFkZGluZyI6eyIkcmVmIjoiODIifSwiQmFja2dyb3VuZCI6eyIkcmVmIjoiODMifSwiSXNWaXNpYmxlIjp0cnVlLCJXaWR0aCI6MC4wLCJIZWlnaHQiOjAuMCwiQm9yZGVyU3R5bGUiOnsiJGlkIjoiMTg2IiwiTGluZUNvbG9yIjpudWxsLCJMaW5lV2VpZ2h0IjowLjAsIkxpbmVUeXBlIjowLCJQYXJlbnRTdHlsZSI6bnVsbH0sIlBhcmVudFN0eWxlIjpudWxsfSwiRGF0ZUZvcm1hdCI6eyIkaWQiOiIxODciLCJGb3JtYXRTdHJpbmciOiJNTU0gZCIsIlNlcGFyYXRvciI6Ii8iLCJVc2VJbnRlcm5hdGlvbmFsRGF0ZUZvcm1hdCI6ZmFsc2UsIkRhdGVJc1Zpc2libGUiOnRydWUsIlRpbWVJc1Zpc2libGUiOmZhbHNlLCJIb3VyRGlnaXRzIjoxLCJBbVBtRGVzaWduYXRvciI6MiwiVHJpbTAwTWludXRlcyI6ZmFsc2UsIkxhc3RLbm93blZpc2liaWxpdHlTdGF0ZSI6eyIkaWQiOiIxODgiLCJEYXRlUGFydElzVmlzaWJsZSI6dHJ1ZSwiVGltZVBhcnRJc1Zpc2libGUiOmZhbHNlfX0sIklzVmlzaWJsZSI6dHJ1ZSwiUGFyZW50U3R5bGUiOm51bGx9LCJJbmRleCI6NywiUGVyY2VudGFnZUNvbXBsZXRlIjpudWxsLCJQb3NpdGlvbiI6eyJSYXRpbyI6MC4yNjQ0MDUwNDEzNDc0ODI3MiwiSXNDdXN0b20iOnRydWV9LCJEYXRlRm9ybWF0Ijp7IiRyZWYiOiIxODcifSwiUmVsYXRlZFRhc2tJZCI6IjAwMDAwMDAwLTAwMDAtMDAwMC0wMDAwLTAwMDAwMDAwMDAwMCIsIklkIjoiODQxYTcwZmMtZjA4NC00Yjc2LThiZDMtYzkzZDhlODJjZGM0IiwiSW1wb3J0SWQiOm51bGwsIlRpdGxlIjoiRW5kIFBoYXNlIFBsYW5uaW5nIChSZXZpZXcgRG9jdW1tZW50cykiLCJOb3RlIjpudWxsLCJIeXBlcmxpbmsiOnsiJGlkIjoiMTg5IiwiQWRkcmVzcyI6IiIsIlN1YkFkZHJlc3MiOiIifSwiSXNDaGFuZ2VkIjpmYWxzZSwiSXNOZXciOmZhbHNlfSx7IiRpZCI6IjE5MCIsIkRhdGUiOiIyMDE5LTExLTE2VDIzOjU5OjAwWiIsIlN0eWxlIjp7IiRpZCI6IjE5MSIsIlNoYXBlIjoxOSwiQ29ubmVjdG9yTWFyZ2luIjp7IiRyZWYiOiI1NyJ9LCJDb25uZWN0b3JTdHlsZSI6eyIkaWQiOiIxOTIiLCJMaW5lQ29sb3IiOnsiJGlkIjoiMTkzIiwiJHR5cGUiOiJOTFJFLkNvbW1vbi5Eb20uU29saWRDb2xvckJydXNoLCBOTFJFLkNvbW1vbiIsIkNvbG9yIjp7IiRpZCI6IjE5NCIsIkEiOjI1NSwiUiI6NzksIkciOjEyOSwiQiI6MTg5fX0sIkxpbmVXZWlnaHQiOjEuMCwiTGluZVR5cGUiOjAsIlBhcmVudFN0eWxlIjpudWxsfSwiSXNCZWxvd1RpbWViYW5kIjpmYWxzZSwiUG9zaXRpb25PblRhc2siOjAsIkhpZGVEYXRlIjpmYWxzZSwiU2hhcGVTaXplIjoxLCJTcGFjaW5nIjoxLjAsIlBhZGRpbmciOnsiJHJlZiI6IjYxIn0sIlNoYXBlU3R5bGUiOnsiJGlkIjoiMTk1IiwiTWFyZ2luIjp7IiRyZWYiOiI2MyJ9LCJQYWRkaW5nIjp7IiRyZWYiOiI2NCJ9LCJCYWNrZ3JvdW5kIjp7IiRpZCI6IjE5NiIsIkNvbG9yIjp7IiRpZCI6IjE5NyIsIkEiOjI1NSwiUiI6MjM0LCJHIjoyMiwiQiI6MzB9fSwiSXNWaXNpYmxlIjp0cnVlLCJXaWR0aCI6MTguMCwiSGVpZ2h0IjoyMC4wLCJCb3JkZXJTdHlsZSI6eyIkaWQiOiIxOTgiLCJMaW5lQ29sb3IiOnsiJHJlZiI6IjY4In0sIkxpbmVXZWlnaHQiOjAuMCwiTGluZVR5cGUiOjAsIlBhcmVudFN0eWxlIjpudWxsfSwiUGFyZW50U3R5bGUiOm51bGx9LCJUaXRsZVN0eWxlIjp7IiRpZCI6IjE5OSIsIkZvbnRTZXR0aW5ncyI6eyIkaWQiOiIyMDAiLCJGb250U2l6ZSI6MTEsIkZvbnROYW1lIjoiQ2FsaWJyaSIsIklzQm9sZCI6ZmFsc2UsIklzSXRhbGljIjpmYWxzZSwiSXNVbmRlcmxpbmVkIjpmYWxzZSwiUGFyZW50U3R5bGUiOm51bGx9LCJBdXRvU2l6ZSI6MCwiRm9yZWdyb3VuZCI6eyIkaWQiOiIyMDEiLCJDb2xvciI6eyIkaWQiOiIyMDIiLCJBIjoyNTUsIlIiOjAsIkciOjAsIkIiOjB9fSwiTWF4V2lkdGgiOjIwMC4wLCJNYXhIZWlnaHQiOiJJbmZpbml0eSIsIlNtYXJ0Rm9yZWdyb3VuZElzQWN0aXZlIjpmYWxzZSwiSG9yaXpvbnRhbEFsaWdubWVudCI6MCwiVmVydGljYWxBbGlnbm1lbnQiOjAsIlNtYXJ0Rm9yZWdyb3VuZCI6bnVsbCwiQmFja2dyb3VuZEZpbGxUeXBlIjowLCJNYXJnaW4iOnsiJHJlZiI6Ijc0In0sIlBhZGRpbmciOnsiJHJlZiI6Ijc1In0sIkJhY2tncm91bmQiOnsiJHJlZiI6Ijc2In0sIklzVmlzaWJsZSI6dHJ1ZSwiV2lkdGgiOjAuMCwiSGVpZ2h0IjowLjAsIkJvcmRlclN0eWxlIjp7IiRpZCI6IjIwMyIsIkxpbmVDb2xvciI6bnVsbCwiTGluZVdlaWdodCI6MC4wLCJMaW5lVHlwZSI6MCwiUGFyZW50U3R5bGUiOm51bGx9LCJQYXJlbnRTdHlsZSI6bnVsbH0sIkRhdGVTdHlsZSI6eyIkaWQiOiIyMDQiLCJGb250U2V0dGluZ3MiOnsiJGlkIjoiMjA1IiwiRm9udFNpemUiOjEwLCJGb250TmFtZSI6IkNhbGlicmkiLCJJc0JvbGQiOmZhbHNlLCJJc0l0YWxpYyI6ZmFsc2UsIklzVW5kZXJsaW5lZCI6ZmFsc2UsIlBhcmVudFN0eWxlIjpudWxsfSwiQXV0b1NpemUiOjAsIkZvcmVncm91bmQiOnsiJGlkIjoiMjA2IiwiQ29sb3IiOnsiJGlkIjoiMjA3IiwiQSI6MjU1LCJSIjo2OCwiRyI6ODQsIkIiOjEwNn19LCJNYXhXaWR0aCI6MjAwLjAsIk1heEhlaWdodCI6IkluZmluaXR5IiwiU21hcnRGb3JlZ3JvdW5kSXNBY3RpdmUiOmZhbHNlLCJIb3Jpem9udGFsQWxpZ25tZW50IjowLCJWZXJ0aWNhbEFsaWdubWVudCI6MCwiU21hcnRGb3JlZ3JvdW5kIjpudWxsLCJCYWNrZ3JvdW5kRmlsbFR5cGUiOjAsIk1hcmdpbiI6eyIkcmVmIjoiODEifSwiUGFkZGluZyI6eyIkcmVmIjoiODIifSwiQmFja2dyb3VuZCI6eyIkcmVmIjoiODMifSwiSXNWaXNpYmxlIjp0cnVlLCJXaWR0aCI6MC4wLCJIZWlnaHQiOjAuMCwiQm9yZGVyU3R5bGUiOnsiJGlkIjoiMjA4IiwiTGluZUNvbG9yIjpudWxsLCJMaW5lV2VpZ2h0IjowLjAsIkxpbmVUeXBlIjowLCJQYXJlbnRTdHlsZSI6bnVsbH0sIlBhcmVudFN0eWxlIjpudWxsfSwiRGF0ZUZvcm1hdCI6eyIkaWQiOiIyMDkiLCJGb3JtYXRTdHJpbmciOiJNTU0gZCIsIlNlcGFyYXRvciI6Ii8iLCJVc2VJbnRlcm5hdGlvbmFsRGF0ZUZvcm1hdCI6ZmFsc2UsIkRhdGVJc1Zpc2libGUiOnRydWUsIlRpbWVJc1Zpc2libGUiOmZhbHNlLCJIb3VyRGlnaXRzIjoxLCJBbVBtRGVzaWduYXRvciI6MiwiVHJpbTAwTWludXRlcyI6ZmFsc2UsIkxhc3RLbm93blZpc2liaWxpdHlTdGF0ZSI6eyIkaWQiOiIyMTAiLCJEYXRlUGFydElzVmlzaWJsZSI6dHJ1ZSwiVGltZVBhcnRJc1Zpc2libGUiOmZhbHNlfX0sIklzVmlzaWJsZSI6dHJ1ZSwiUGFyZW50U3R5bGUiOm51bGx9LCJJbmRleCI6OCwiUGVyY2VudGFnZUNvbXBsZXRlIjpudWxsLCJQb3NpdGlvbiI6eyJSYXRpbyI6MC4wLCJJc0N1c3RvbSI6ZmFsc2V9LCJEYXRlRm9ybWF0Ijp7IiRyZWYiOiIyMDkifSwiUmVsYXRlZFRhc2tJZCI6IjAwMDAwMDAwLTAwMDAtMDAwMC0wMDAwLTAwMDAwMDAwMDAwMCIsIklkIjoiZjM2ODg2MzctMGU4Mi00NTM1LWIzNTctMTlkMDVlNjA4MjY2IiwiSW1wb3J0SWQiOm51bGwsIlRpdGxlIjoiRU9NUCMxIiwiTm90ZSI6bnVsbCwiSHlwZXJsaW5rIjp7IiRpZCI6IjIxMSIsIkFkZHJlc3MiOiIiLCJTdWJBZGRyZXNzIjoiIn0sIklzQ2hhbmdlZCI6ZmFsc2UsIklzTmV3IjpmYWxzZX0seyIkaWQiOiIyMTIiLCJEYXRlIjoiMjAxOS0xMS0zMFQyMzo1OTowMFoiLCJTdHlsZSI6eyIkaWQiOiIyMTMiLCJTaGFwZSI6MTksIkNvbm5lY3Rvck1hcmdpbiI6eyIkcmVmIjoiNTcifSwiQ29ubmVjdG9yU3R5bGUiOnsiJGlkIjoiMjE0IiwiTGluZUNvbG9yIjp7IiRpZCI6IjIxNSIsIiR0eXBlIjoiTkxSRS5Db21tb24uRG9tLlNvbGlkQ29sb3JCcnVzaCwgTkxSRS5Db21tb24iLCJDb2xvciI6eyIkaWQiOiIyMTYiLCJBIjoyNTUsIlIiOjc5LCJHIjoxMjksIkIiOjE4OX19LCJMaW5lV2VpZ2h0IjoxLjAsIkxpbmVUeXBlIjowLCJQYXJlbnRTdHlsZSI6bnVsbH0sIklzQmVsb3dUaW1lYmFuZCI6ZmFsc2UsIlBvc2l0aW9uT25UYXNrIjowLCJIaWRlRGF0ZSI6ZmFsc2UsIlNoYXBlU2l6ZSI6MSwiU3BhY2luZyI6MS4wLCJQYWRkaW5nIjp7IiRyZWYiOiI2MSJ9LCJTaGFwZVN0eWxlIjp7IiRpZCI6IjIxNyIsIk1hcmdpbiI6eyIkcmVmIjoiNjMifSwiUGFkZGluZyI6eyIkcmVmIjoiNjQifSwiQmFja2dyb3VuZCI6eyIkaWQiOiIyMTgiLCJDb2xvciI6eyIkaWQiOiIyMTkiLCJBIjoyNTUsIlIiOjIzNCwiRyI6MjIsIkIiOjMwfX0sIklzVmlzaWJsZSI6dHJ1ZSwiV2lkdGgiOjE4LjAsIkhlaWdodCI6MjAuMCwiQm9yZGVyU3R5bGUiOnsiJGlkIjoiMjIwIiwiTGluZUNvbG9yIjp7IiRyZWYiOiI2OCJ9LCJMaW5lV2VpZ2h0IjowLjAsIkxpbmVUeXBlIjowLCJQYXJlbnRTdHlsZSI6bnVsbH0sIlBhcmVudFN0eWxlIjpudWxsfSwiVGl0bGVTdHlsZSI6eyIkaWQiOiIyMjEiLCJGb250U2V0dGluZ3MiOnsiJGlkIjoiMjIyIiwiRm9udFNpemUiOjExLCJGb250TmFtZSI6IkNhbGlicmkiLCJJc0JvbGQiOmZhbHNlLCJJc0l0YWxpYyI6ZmFsc2UsIklzVW5kZXJsaW5lZCI6ZmFsc2UsIlBhcmVudFN0eWxlIjpudWxsfSwiQXV0b1NpemUiOjAsIkZvcmVncm91bmQiOnsiJGlkIjoiMjIzIiwiQ29sb3IiOnsiJGlkIjoiMjI0IiwiQSI6MjU1LCJSIjowLCJHIjowLCJCIjowfX0sIk1heFdpZHRoIjoyMDAuMCwiTWF4SGVpZ2h0IjoiSW5maW5pdHkiLCJTbWFydEZvcmVncm91bmRJc0FjdGl2ZSI6ZmFsc2UsIkhvcml6b250YWxBbGlnbm1lbnQiOjAsIlZlcnRpY2FsQWxpZ25tZW50IjowLCJTbWFydEZvcmVncm91bmQiOm51bGwsIkJhY2tncm91bmRGaWxsVHlwZSI6MCwiTWFyZ2luIjp7IiRyZWYiOiI3NCJ9LCJQYWRkaW5nIjp7IiRyZWYiOiI3NSJ9LCJCYWNrZ3JvdW5kIjp7IiRyZWYiOiI3NiJ9LCJJc1Zpc2libGUiOnRydWUsIldpZHRoIjowLjAsIkhlaWdodCI6MC4wLCJCb3JkZXJTdHlsZSI6eyIkaWQiOiIyMjUiLCJMaW5lQ29sb3IiOm51bGwsIkxpbmVXZWlnaHQiOjAuMCwiTGluZVR5cGUiOjAsIlBhcmVudFN0eWxlIjpudWxsfSwiUGFyZW50U3R5bGUiOm51bGx9LCJEYXRlU3R5bGUiOnsiJGlkIjoiMjI2IiwiRm9udFNldHRpbmdzIjp7IiRpZCI6IjIyNyIsIkZvbnRTaXplIjoxMCwiRm9udE5hbWUiOiJDYWxpYnJpIiwiSXNCb2xkIjpmYWxzZSwiSXNJdGFsaWMiOmZhbHNlLCJJc1VuZGVybGluZWQiOmZhbHNlLCJQYXJlbnRTdHlsZSI6bnVsbH0sIkF1dG9TaXplIjowLCJGb3JlZ3JvdW5kIjp7IiRpZCI6IjIyOCIsIkNvbG9yIjp7IiRpZCI6IjIyOSIsIkEiOjI1NSwiUiI6NjgsIkciOjg0LCJCIjoxMDZ9fSwiTWF4V2lkdGgiOjIwMC4wLCJNYXhIZWlnaHQiOiJJbmZpbml0eSIsIlNtYXJ0Rm9yZWdyb3VuZElzQWN0aXZlIjpmYWxzZSwiSG9yaXpvbnRhbEFsaWdubWVudCI6MCwiVmVydGljYWxBbGlnbm1lbnQiOjAsIlNtYXJ0Rm9yZWdyb3VuZCI6bnVsbCwiQmFja2dyb3VuZEZpbGxUeXBlIjowLCJNYXJnaW4iOnsiJHJlZiI6IjgxIn0sIlBhZGRpbmciOnsiJHJlZiI6IjgyIn0sIkJhY2tncm91bmQiOnsiJHJlZiI6IjgzIn0sIklzVmlzaWJsZSI6dHJ1ZSwiV2lkdGgiOjAuMCwiSGVpZ2h0IjowLjAsIkJvcmRlclN0eWxlIjp7IiRpZCI6IjIzMCIsIkxpbmVDb2xvciI6bnVsbCwiTGluZVdlaWdodCI6MC4wLCJMaW5lVHlwZSI6MCwiUGFyZW50U3R5bGUiOm51bGx9LCJQYXJlbnRTdHlsZSI6bnVsbH0sIkRhdGVGb3JtYXQiOnsiJHJlZiI6Ijg0In0sIklzVmlzaWJsZSI6dHJ1ZSwiUGFyZW50U3R5bGUiOm51bGx9LCJJbmRleCI6OSwiUGVyY2VudGFnZUNvbXBsZXRlIjpudWxsLCJQb3NpdGlvbiI6eyJSYXRpbyI6MC4wLCJJc0N1c3RvbSI6ZmFsc2V9LCJEYXRlRm9ybWF0Ijp7IiRyZWYiOiI4NCJ9LCJSZWxhdGVkVGFza0lkIjoiMDAwMDAwMDAtMDAwMC0wMDAwLTAwMDAtMDAwMDAwMDAwMDAwIiwiSWQiOiI0NDBhN2UxMS0xMDk1LTRjZWEtOWFhZC1mYzU5OWZjYjI0ODYiLCJJbXBvcnRJZCI6bnVsbCwiVGl0bGUiOiJCYXNlbGluZSBSRSwgQVIiLCJOb3RlIjpudWxsLCJIeXBlcmxpbmsiOnsiJGlkIjoiMjMxIiwiQWRkcmVzcyI6IiIsIlN1YkFkZHJlc3MiOiIifSwiSXNDaGFuZ2VkIjpmYWxzZSwiSXNOZXciOmZhbHNlfSx7IiRpZCI6IjIzMiIsIkRhdGUiOiIyMDIwLTA0LTMwVDIzOjU5OjAwWiIsIlN0eWxlIjp7IiRpZCI6IjIzMyIsIlNoYXBlIjoxOSwiQ29ubmVjdG9yTWFyZ2luIjp7IiRyZWYiOiI1NyJ9LCJDb25uZWN0b3JTdHlsZSI6eyIkaWQiOiIyMzQiLCJMaW5lQ29sb3IiOnsiJGlkIjoiMjM1IiwiJHR5cGUiOiJOTFJFLkNvbW1vbi5Eb20uU29saWRDb2xvckJydXNoLCBOTFJFLkNvbW1vbiIsIkNvbG9yIjp7IiRpZCI6IjIzNiIsIkEiOjI1NSwiUiI6NzksIkciOjEyOSwiQiI6MTg5fX0sIkxpbmVXZWlnaHQiOjEuMCwiTGluZVR5cGUiOjAsIlBhcmVudFN0eWxlIjpudWxsfSwiSXNCZWxvd1RpbWViYW5kIjpmYWxzZSwiUG9zaXRpb25PblRhc2siOjAsIkhpZGVEYXRlIjpmYWxzZSwiU2hhcGVTaXplIjoxLCJTcGFjaW5nIjoxLjAsIlBhZGRpbmciOnsiJHJlZiI6IjYxIn0sIlNoYXBlU3R5bGUiOnsiJGlkIjoiMjM3IiwiTWFyZ2luIjp7IiRyZWYiOiI2MyJ9LCJQYWRkaW5nIjp7IiRyZWYiOiI2NCJ9LCJCYWNrZ3JvdW5kIjp7IiRpZCI6IjIzOCIsIkNvbG9yIjp7IiRpZCI6IjIzOSIsIkEiOjI1NSwiUiI6MjM0LCJHIjoyMiwiQiI6MzB9fSwiSXNWaXNpYmxlIjp0cnVlLCJXaWR0aCI6MTguMCwiSGVpZ2h0IjoyMC4wLCJCb3JkZXJTdHlsZSI6eyIkaWQiOiIyNDAiLCJMaW5lQ29sb3IiOnsiJHJlZiI6IjY4In0sIkxpbmVXZWlnaHQiOjAuMCwiTGluZVR5cGUiOjAsIlBhcmVudFN0eWxlIjpudWxsfSwiUGFyZW50U3R5bGUiOm51bGx9LCJUaXRsZVN0eWxlIjp7IiRpZCI6IjI0MSIsIkZvbnRTZXR0aW5ncyI6eyIkaWQiOiIyNDIiLCJGb250U2l6ZSI6MTEsIkZvbnROYW1lIjoiQ2FsaWJyaSIsIklzQm9sZCI6ZmFsc2UsIklzSXRhbGljIjpmYWxzZSwiSXNVbmRlcmxpbmVkIjpmYWxzZSwiUGFyZW50U3R5bGUiOm51bGx9LCJBdXRvU2l6ZSI6MCwiRm9yZWdyb3VuZCI6eyIkaWQiOiIyNDMiLCJDb2xvciI6eyIkaWQiOiIyNDQiLCJBIjoyNTUsIlIiOjAsIkciOjAsIkIiOjB9fSwiTWF4V2lkdGgiOjIwMC4wLCJNYXhIZWlnaHQiOiJJbmZpbml0eSIsIlNtYXJ0Rm9yZWdyb3VuZElzQWN0aXZlIjpmYWxzZSwiSG9yaXpvbnRhbEFsaWdubWVudCI6MCwiVmVydGljYWxBbGlnbm1lbnQiOjAsIlNtYXJ0Rm9yZWdyb3VuZCI6bnVsbCwiQmFja2dyb3VuZEZpbGxUeXBlIjowLCJNYXJnaW4iOnsiJHJlZiI6Ijc0In0sIlBhZGRpbmciOnsiJHJlZiI6Ijc1In0sIkJhY2tncm91bmQiOnsiJHJlZiI6Ijc2In0sIklzVmlzaWJsZSI6dHJ1ZSwiV2lkdGgiOjAuMCwiSGVpZ2h0IjowLjAsIkJvcmRlclN0eWxlIjp7IiRpZCI6IjI0NSIsIkxpbmVDb2xvciI6bnVsbCwiTGluZVdlaWdodCI6MC4wLCJMaW5lVHlwZSI6MCwiUGFyZW50U3R5bGUiOm51bGx9LCJQYXJlbnRTdHlsZSI6bnVsbH0sIkRhdGVTdHlsZSI6eyIkaWQiOiIyNDYiLCJGb250U2V0dGluZ3MiOnsiJGlkIjoiMjQ3IiwiRm9udFNpemUiOjEwLCJGb250TmFtZSI6IkNhbGlicmkiLCJJc0JvbGQiOmZhbHNlLCJJc0l0YWxpYyI6ZmFsc2UsIklzVW5kZXJsaW5lZCI6ZmFsc2UsIlBhcmVudFN0eWxlIjpudWxsfSwiQXV0b1NpemUiOjAsIkZvcmVncm91bmQiOnsiJGlkIjoiMjQ4IiwiQ29sb3IiOnsiJGlkIjoiMjQ5IiwiQSI6MjU1LCJSIjo2OCwiRyI6ODQsIkIiOjEwNn19LCJNYXhXaWR0aCI6MjAwLjAsIk1heEhlaWdodCI6IkluZmluaXR5IiwiU21hcnRGb3JlZ3JvdW5kSXNBY3RpdmUiOmZhbHNlLCJIb3Jpem9udGFsQWxpZ25tZW50IjowLCJWZXJ0aWNhbEFsaWdubWVudCI6MCwiU21hcnRGb3JlZ3JvdW5kIjpudWxsLCJCYWNrZ3JvdW5kRmlsbFR5cGUiOjAsIk1hcmdpbiI6eyIkcmVmIjoiODEifSwiUGFkZGluZyI6eyIkcmVmIjoiODIifSwiQmFja2dyb3VuZCI6eyIkcmVmIjoiODMifSwiSXNWaXNpYmxlIjp0cnVlLCJXaWR0aCI6MC4wLCJIZWlnaHQiOjAuMCwiQm9yZGVyU3R5bGUiOnsiJGlkIjoiMjUwIiwiTGluZUNvbG9yIjpudWxsLCJMaW5lV2VpZ2h0IjowLjAsIkxpbmVUeXBlIjowLCJQYXJlbnRTdHlsZSI6bnVsbH0sIlBhcmVudFN0eWxlIjpudWxsfSwiRGF0ZUZvcm1hdCI6eyIkaWQiOiIyNTEiLCJGb3JtYXRTdHJpbmciOiJNTU0gZCIsIlNlcGFyYXRvciI6Ii8iLCJVc2VJbnRlcm5hdGlvbmFsRGF0ZUZvcm1hdCI6ZmFsc2UsIkRhdGVJc1Zpc2libGUiOnRydWUsIlRpbWVJc1Zpc2libGUiOmZhbHNlLCJIb3VyRGlnaXRzIjoxLCJBbVBtRGVzaWduYXRvciI6MiwiVHJpbTAwTWludXRlcyI6ZmFsc2UsIkxhc3RLbm93blZpc2liaWxpdHlTdGF0ZSI6eyIkaWQiOiIyNTIiLCJEYXRlUGFydElzVmlzaWJsZSI6dHJ1ZSwiVGltZVBhcnRJc1Zpc2libGUiOmZhbHNlfX0sIklzVmlzaWJsZSI6dHJ1ZSwiUGFyZW50U3R5bGUiOm51bGx9LCJJbmRleCI6MTAsIlBlcmNlbnRhZ2VDb21wbGV0ZSI6bnVsbCwiUG9zaXRpb24iOnsiUmF0aW8iOjAuMCwiSXNDdXN0b20iOmZhbHNlfSwiRGF0ZUZvcm1hdCI6eyIkcmVmIjoiMjUxIn0sIlJlbGF0ZWRUYXNrSWQiOiIwMDAwMDAwMC0wMDAwLTAwMDAtMDAwMC0wMDAwMDAwMDAwMDAiLCJJZCI6IjMxNWUzZGYwLTNhMjMtNDE2MS1iOTUxLTlhYWUzOGIzMGZhMiIsIkltcG9ydElkIjpudWxsLCJUaXRsZSI6IkNsb3NlIFByb2plY3QiLCJOb3RlIjpudWxsLCJIeXBlcmxpbmsiOnsiJGlkIjoiMjUzIiwiQWRkcmVzcyI6IiIsIlN1YkFkZHJlc3MiOiIifSwiSXNDaGFuZ2VkIjpmYWxzZSwiSXNOZXciOmZhbHNlfV0sIlRhc2tzIjpbeyIkaWQiOiIyNTQiLCJHcm91cE5hbWUiOm51bGwsIlN0YXJ0RGF0ZSI6IjIwMTktMTAtMTRUMDA6MDA6MDBaIiwiRW5kRGF0ZSI6IjIwMTktMTAtMTlUMjM6NTk6MDBaIiwiUGVyY2VudGFnZUNvbXBsZXRlIjoxMDAuMCwiU3R5bGUiOnsiJGlkIjoiMjU1IiwiU2hhcGUiOjAsIlNoYXBlVGhpY2tuZXNzIjoxLCJEdXJhdGlvbkZvcm1hdCI6MCwiSW5jbHVkZU5vbldvcmtpbmdEYXlzSW5EdXJhdGlvbiI6dHJ1ZSwiUGVyY2VudGFnZUNvbXBsZXRlU3R5bGUiOnsiJGlkIjoiMjU2IiwiRm9udFNldHRpbmdzIjp7IiRpZCI6IjI1NyIsIkZvbnRTaXplIjoxMCwiRm9udE5hbWUiOiJDYWxpYnJpIiwiSXNCb2xkIjpmYWxzZSwiSXNJdGFsaWMiOmZhbHNlLCJJc1VuZGVybGluZWQiOmZhbHNlLCJQYXJlbnRTdHlsZSI6eyIkcmVmIjoiODgifX0sIkF1dG9TaXplIjowLCJGb3JlZ3JvdW5kIjp7IiRyZWYiOiI4OSJ9LCJNYXhXaWR0aCI6MjAwLjAsIk1heEhlaWdodCI6IkluZmluaXR5IiwiU21hcnRGb3JlZ3JvdW5kSXNBY3RpdmUiOmZhbHNlLCJIb3Jpem9udGFsQWxpZ25tZW50IjowLCJWZXJ0aWNhbEFsaWdubWVudCI6MCwiU21hcnRGb3JlZ3JvdW5kIjpudWxsLCJCYWNrZ3JvdW5kRmlsbFR5cGUiOjAsIk1hcmdpbiI6eyIkcmVmIjoiOTEifSwiUGFkZGluZyI6eyIkcmVmIjoiOTIifSwiQmFja2dyb3VuZCI6eyIkcmVmIjoiOTMifSwiSXNWaXNpYmxlIjp0cnVlLCJXaWR0aCI6MC4wLCJIZWlnaHQiOjAuMCwiQm9yZGVyU3R5bGUiOnsiJGlkIjoiMjU4IiwiTGluZUNvbG9yIjpudWxsLCJMaW5lV2VpZ2h0IjowLjAsIkxpbmVUeXBlIjowLCJQYXJlbnRTdHlsZSI6bnVsbH0sIlBhcmVudFN0eWxlIjp7IiRyZWYiOiI4NyJ9fSwiRHVyYXRpb25TdHlsZSI6eyIkaWQiOiIyNTkiLCJGb250U2V0dGluZ3MiOnsiJGlkIjoiMjYwIiwiRm9udFNpemUiOjEwLCJGb250TmFtZSI6IkNhbGlicmkiLCJJc0JvbGQiOmZhbHNlLCJJc0l0YWxpYyI6ZmFsc2UsIklzVW5kZXJsaW5lZCI6ZmFsc2UsIlBhcmVudFN0eWxlIjp7IiRyZWYiOiI5NiJ9fSwiQXV0b1NpemUiOjAsIkZvcmVncm91bmQiOnsiJHJlZiI6Ijk3In0sIk1heFdpZHRoIjoyMDAuMCwiTWF4SGVpZ2h0IjoiSW5maW5pdHkiLCJTbWFydEZvcmVncm91bmRJc0FjdGl2ZSI6ZmFsc2UsIkhvcml6b250YWxBbGlnbm1lbnQiOjAsIlZlcnRpY2FsQWxpZ25tZW50IjowLCJTbWFydEZvcmVncm91bmQiOm51bGwsIkJhY2tncm91bmRGaWxsVHlwZSI6MCwiTWFyZ2luIjp7IiRyZWYiOiI5OSJ9LCJQYWRkaW5nIjp7IiRyZWYiOiIxMDAifSwiQmFja2dyb3VuZCI6eyIkcmVmIjoiMTAxIn0sIklzVmlzaWJsZSI6dHJ1ZSwiV2lkdGgiOjAuMCwiSGVpZ2h0IjowLjAsIkJvcmRlclN0eWxlIjp7IiRpZCI6IjI2MSIsIkxpbmVDb2xvciI6bnVsbCwiTGluZVdlaWdodCI6MC4wLCJMaW5lVHlwZSI6MCwiUGFyZW50U3R5bGUiOm51bGx9LCJQYXJlbnRTdHlsZSI6eyIkcmVmIjoiOTUifX0sIkhvcml6b250YWxDb25uZWN0b3JTdHlsZSI6eyIkaWQiOiIyNjIiLCJMaW5lQ29sb3IiOnsiJHJlZiI6IjEwMyJ9LCJMaW5lV2VpZ2h0IjoxLjI1LCJMaW5lVHlwZSI6MCwiUGFyZW50U3R5bGUiOnsiJHJlZiI6IjEwMiJ9fSwiVmVydGljYWxDb25uZWN0b3JTdHlsZSI6eyIkaWQiOiIyNjMiLCJMaW5lQ29sb3IiOnsiJHJlZiI6IjEwNiJ9LCJMaW5lV2VpZ2h0IjowLjAsIkxpbmVUeXBlIjowLCJQYXJlbnRTdHlsZSI6eyIkcmVmIjoiMTA1In19LCJNYXJnaW4iOm51bGwsIlN0YXJ0RGF0ZVBvc2l0aW9uIjo0LCJFbmREYXRlUG9zaXRpb24iOjQsIkRhdGVJc1Zpc2libGUiOnRydWUsIlRpdGxlUG9zaXRpb24iOjUsIkR1cmF0aW9uUG9zaXRpb24iOjAsIlBlcmNlbnRhZ2VDb21wbGV0ZWRQb3NpdGlvbiI6NiwiU3BhY2luZyI6MTAsIklzQmVsb3dUaW1lYmFuZCI6dHJ1ZSwiUGVyY2VudGFnZUNvbXBsZXRlU2hhcGVPcGFjaXR5IjozNSwiU2hhcGVTdHlsZSI6eyIkaWQiOiIyNjQiLCJNYXJnaW4iOnsiJHJlZiI6IjEwOSJ9LCJQYWRkaW5nIjp7IiRyZWYiOiIxMTAifSwiQmFja2dyb3VuZCI6eyIkaWQiOiIyNjUiLCJDb2xvciI6eyIkaWQiOiIyNjYiLCJBIjoyNTUsIlIiOjkxLCJHIjoxNTUsIkIiOjIxM319LCJJc1Zpc2libGUiOnRydWUsIldpZHRoIjowLjAsIkhlaWdodCI6MTYuMCwiQm9yZGVyU3R5bGUiOnsiJGlkIjoiMjY3IiwiTGluZUNvbG9yIjp7IiRpZCI6IjI2OCIsIiR0eXBlIjoiTkxSRS5Db21tb24uRG9tLlNvbGlkQ29sb3JCcnVzaCwgTkxSRS5Db21tb24iLCJDb2xvciI6eyIkaWQiOiIyNjkiLCJBIjoyNTUsIlIiOjI1NSwiRyI6MCwiQiI6MH19LCJMaW5lV2VpZ2h0IjowLjAsIkxpbmVUeXBlIjowLCJQYXJlbnRTdHlsZSI6bnVsbH0sIlBhcmVudFN0eWxlIjp7IiRyZWYiOiIxMDgifX0sIlRpdGxlU3R5bGUiOnsiJGlkIjoiMjcwIiwiRm9udFNldHRpbmdzIjp7IiRpZCI6IjI3MSIsIkZvbnRTaXplIjoxMSwiRm9udE5hbWUiOiJDYWxpYnJpIiwiSXNCb2xkIjp0cnVlLCJJc0l0YWxpYyI6ZmFsc2UsIklzVW5kZXJsaW5lZCI6ZmFsc2UsIlBhcmVudFN0eWxlIjp7IiRyZWYiOiIxMTcifX0sIkF1dG9TaXplIjowLCJGb3JlZ3JvdW5kIjp7IiRpZCI6IjI3MiIsIkNvbG9yIjp7IiRpZCI6IjI3MyIsIkEiOjI1NSwiUiI6MCwiRyI6MCwiQiI6MH19LCJNYXhXaWR0aCI6NzIwLjAsIk1heEhlaWdodCI6IkluZmluaXR5IiwiU21hcnRGb3JlZ3JvdW5kSXNBY3RpdmUiOmZhbHNlLCJIb3Jpem9udGFsQWxpZ25tZW50IjowLCJWZXJ0aWNhbEFsaWdubWVudCI6MCwiU21hcnRGb3JlZ3JvdW5kIjpudWxsLCJCYWNrZ3JvdW5kRmlsbFR5cGUiOjAsIk1hcmdpbiI6eyIkcmVmIjoiMTIwIn0sIlBhZGRpbmciOnsiJHJlZiI6IjEyMSJ9LCJCYWNrZ3JvdW5kIjp7IiRyZWYiOiIxMjIifSwiSXNWaXNpYmxlIjp0cnVlLCJXaWR0aCI6MC4wLCJIZWlnaHQiOjAuMCwiQm9yZGVyU3R5bGUiOnsiJGlkIjoiMjc0IiwiTGluZUNvbG9yIjpudWxsLCJMaW5lV2VpZ2h0IjowLjAsIkxpbmVUeXBlIjowLCJQYXJlbnRTdHlsZSI6bnVsbH0sIlBhcmVudFN0eWxlIjp7IiRyZWYiOiIxMTYifX0sIkRhdGVTdHlsZSI6eyIkaWQiOiIyNzUiLCJGb250U2V0dGluZ3MiOnsiJGlkIjoiMjc2IiwiRm9udFNpemUiOjEwLCJGb250TmFtZSI6IkNhbGlicmkiLCJJc0JvbGQiOmZhbHNlLCJJc0l0YWxpYyI6ZmFsc2UsIklzVW5kZXJsaW5lZCI6ZmFsc2UsIlBhcmVudFN0eWxlIjp7IiRyZWYiOiIxMjQifX0sIkF1dG9TaXplIjowLCJGb3JlZ3JvdW5kIjp7IiRpZCI6IjI3NyIsIkNvbG9yIjp7IiRpZCI6IjI3OCIsIkEiOjI1NSwiUiI6MCwiRyI6MCwiQiI6MH19LCJNYXhXaWR0aCI6MjAwLjAsIk1heEhlaWdodCI6IkluZmluaXR5IiwiU21hcnRGb3JlZ3JvdW5kSXNBY3RpdmUiOmZhbHNlLCJIb3Jpem9udGFsQWxpZ25tZW50IjowLCJWZXJ0aWNhbEFsaWdubWVudCI6MCwiU21hcnRGb3JlZ3JvdW5kIjpudWxsLCJCYWNrZ3JvdW5kRmlsbFR5cGUiOjAsIk1hcmdpbiI6eyIkcmVmIjoiMTI3In0sIlBhZGRpbmciOnsiJHJlZiI6IjEyOCJ9LCJCYWNrZ3JvdW5kIjp7IiRyZWYiOiIxMjkifSwiSXNWaXNpYmxlIjp0cnVlLCJXaWR0aCI6MC4wLCJIZWlnaHQiOjAuMCwiQm9yZGVyU3R5bGUiOnsiJGlkIjoiMjc5IiwiTGluZUNvbG9yIjpudWxsLCJMaW5lV2VpZ2h0IjowLjAsIkxpbmVUeXBlIjowLCJQYXJlbnRTdHlsZSI6bnVsbH0sIlBhcmVudFN0eWxlIjp7IiRyZWYiOiIxMjMifX0sIkRhdGVGb3JtYXQiOnsiJHJlZiI6IjEzMCJ9LCJJc1Zpc2libGUiOnRydWUsIlBhcmVudFN0eWxlIjp7IiRyZWYiOiI4NiJ9fSwiSW5kZXgiOjAsIlNtYXJ0RHVyYXRpb25BY3RpdmF0ZWQiOmZhbHNlLCJEYXRlRm9ybWF0Ijp7IiRyZWYiOiIxMzAifSwiSWQiOiIxMWE1ZmQyMC0xNjlhLTRlNWEtYTBiZS1kMDQ4ZGJhMDhmZjIiLCJJbXBvcnRJZCI6bnVsbCwiVGl0bGUiOiJLaWNrLU9mZiIsIk5vdGUiOm51bGwsIkh5cGVybGluayI6eyIkaWQiOiIyODAiLCJBZGRyZXNzIjoiIiwiU3ViQWRkcmVzcyI6IiJ9LCJJc0NoYW5nZWQiOmZhbHNlLCJJc05ldyI6dHJ1ZX0seyIkaWQiOiIyODEiLCJHcm91cE5hbWUiOm51bGwsIlN0YXJ0RGF0ZSI6IjIwMTktMTAtMjFUMDA6MDA6MDBaIiwiRW5kRGF0ZSI6IjIwMTktMTEtMDlUMjM6NTk6MDBaIiwiUGVyY2VudGFnZUNvbXBsZXRlIjoxMDAuMCwiU3R5bGUiOnsiJGlkIjoiMjgyIiwiU2hhcGUiOjAsIlNoYXBlVGhpY2tuZXNzIjoxLCJEdXJhdGlvbkZvcm1hdCI6MCwiSW5jbHVkZU5vbldvcmtpbmdEYXlzSW5EdXJhdGlvbiI6dHJ1ZSwiUGVyY2VudGFnZUNvbXBsZXRlU3R5bGUiOnsiJGlkIjoiMjgzIiwiRm9udFNldHRpbmdzIjp7IiRpZCI6IjI4NCIsIkZvbnRTaXplIjoxMCwiRm9udE5hbWUiOiJDYWxpYnJpIiwiSXNCb2xkIjpmYWxzZSwiSXNJdGFsaWMiOmZhbHNlLCJJc1VuZGVybGluZWQiOmZhbHNlLCJQYXJlbnRTdHlsZSI6eyIkcmVmIjoiODgifX0sIkF1dG9TaXplIjowLCJGb3JlZ3JvdW5kIjp7IiRyZWYiOiI4OSJ9LCJNYXhXaWR0aCI6MjAwLjAsIk1heEhlaWdodCI6IkluZmluaXR5IiwiU21hcnRGb3JlZ3JvdW5kSXNBY3RpdmUiOmZhbHNlLCJIb3Jpem9udGFsQWxpZ25tZW50IjowLCJWZXJ0aWNhbEFsaWdubWVudCI6MCwiU21hcnRGb3JlZ3JvdW5kIjpudWxsLCJCYWNrZ3JvdW5kRmlsbFR5cGUiOjAsIk1hcmdpbiI6eyIkcmVmIjoiOTEifSwiUGFkZGluZyI6eyIkcmVmIjoiOTIifSwiQmFja2dyb3VuZCI6eyIkcmVmIjoiOTMifSwiSXNWaXNpYmxlIjp0cnVlLCJXaWR0aCI6MC4wLCJIZWlnaHQiOjAuMCwiQm9yZGVyU3R5bGUiOnsiJGlkIjoiMjg1IiwiTGluZUNvbG9yIjpudWxsLCJMaW5lV2VpZ2h0IjowLjAsIkxpbmVUeXBlIjowLCJQYXJlbnRTdHlsZSI6bnVsbH0sIlBhcmVudFN0eWxlIjp7IiRyZWYiOiI4NyJ9fSwiRHVyYXRpb25TdHlsZSI6eyIkaWQiOiIyODYiLCJGb250U2V0dGluZ3MiOnsiJGlkIjoiMjg3IiwiRm9udFNpemUiOjEwLCJGb250TmFtZSI6IkNhbGlicmkiLCJJc0JvbGQiOmZhbHNlLCJJc0l0YWxpYyI6ZmFsc2UsIklzVW5kZXJsaW5lZCI6ZmFsc2UsIlBhcmVudFN0eWxlIjp7IiRyZWYiOiI5NiJ9fSwiQXV0b1NpemUiOjAsIkZvcmVncm91bmQiOnsiJHJlZiI6Ijk3In0sIk1heFdpZHRoIjoyMDAuMCwiTWF4SGVpZ2h0IjoiSW5maW5pdHkiLCJTbWFydEZvcmVncm91bmRJc0FjdGl2ZSI6ZmFsc2UsIkhvcml6b250YWxBbGlnbm1lbnQiOjAsIlZlcnRpY2FsQWxpZ25tZW50IjowLCJTbWFydEZvcmVncm91bmQiOm51bGwsIkJhY2tncm91bmRGaWxsVHlwZSI6MCwiTWFyZ2luIjp7IiRyZWYiOiI5OSJ9LCJQYWRkaW5nIjp7IiRyZWYiOiIxMDAifSwiQmFja2dyb3VuZCI6eyIkcmVmIjoiMTAxIn0sIklzVmlzaWJsZSI6dHJ1ZSwiV2lkdGgiOjAuMCwiSGVpZ2h0IjowLjAsIkJvcmRlclN0eWxlIjp7IiRpZCI6IjI4OCIsIkxpbmVDb2xvciI6bnVsbCwiTGluZVdlaWdodCI6MC4wLCJMaW5lVHlwZSI6MCwiUGFyZW50U3R5bGUiOm51bGx9LCJQYXJlbnRTdHlsZSI6eyIkcmVmIjoiOTUifX0sIkhvcml6b250YWxDb25uZWN0b3JTdHlsZSI6eyIkaWQiOiIyODkiLCJMaW5lQ29sb3IiOnsiJHJlZiI6IjEwMyJ9LCJMaW5lV2VpZ2h0IjoxLjAsIkxpbmVUeXBlIjowLCJQYXJlbnRTdHlsZSI6eyIkcmVmIjoiMTAyIn19LCJWZXJ0aWNhbENvbm5lY3RvclN0eWxlIjp7IiRpZCI6IjI5MCIsIkxpbmVDb2xvciI6eyIkcmVmIjoiMTA2In0sIkxpbmVXZWlnaHQiOjAuMCwiTGluZVR5cGUiOjAsIlBhcmVudFN0eWxlIjp7IiRyZWYiOiIxMDUifX0sIk1hcmdpbiI6bnVsbCwiU3RhcnREYXRlUG9zaXRpb24iOjQsIkVuZERhdGVQb3NpdGlvbiI6NCwiRGF0ZUlzVmlzaWJsZSI6dHJ1ZSwiVGl0bGVQb3NpdGlvbiI6NSwiRHVyYXRpb25Qb3NpdGlvbiI6MCwiUGVyY2VudGFnZUNvbXBsZXRlZFBvc2l0aW9uIjo2LCJTcGFjaW5nIjoxMCwiSXNCZWxvd1RpbWViYW5kIjp0cnVlLCJQZXJjZW50YWdlQ29tcGxldGVTaGFwZU9wYWNpdHkiOjM1LCJTaGFwZVN0eWxlIjp7IiRpZCI6IjI5MSIsIk1hcmdpbiI6eyIkcmVmIjoiMTA5In0sIlBhZGRpbmciOnsiJHJlZiI6IjExMCJ9LCJCYWNrZ3JvdW5kIjp7IiRpZCI6IjI5MiIsIkNvbG9yIjp7IiRpZCI6IjI5MyIsIkEiOjI1NSwiUiI6OTEsIkciOjE1NSwiQiI6MjEzfX0sIklzVmlzaWJsZSI6dHJ1ZSwiV2lkdGgiOjAuMCwiSGVpZ2h0IjoxNi4wLCJCb3JkZXJTdHlsZSI6eyIkaWQiOiIyOTQiLCJMaW5lQ29sb3IiOnsiJGlkIjoiMjk1IiwiJHR5cGUiOiJOTFJFLkNvbW1vbi5Eb20uU29saWRDb2xvckJydXNoLCBOTFJFLkNvbW1vbiIsIkNvbG9yIjp7IiRpZCI6IjI5NiIsIkEiOjI1NSwiUiI6MjU1LCJHIjowLCJCIjowfX0sIkxpbmVXZWlnaHQiOjAuMCwiTGluZVR5cGUiOjAsIlBhcmVudFN0eWxlIjpudWxsfSwiUGFyZW50U3R5bGUiOnsiJHJlZiI6IjEwOCJ9fSwiVGl0bGVTdHlsZSI6eyIkaWQiOiIyOTciLCJGb250U2V0dGluZ3MiOnsiJGlkIjoiMjk4IiwiRm9udFNpemUiOjExLCJGb250TmFtZSI6IkNhbGlicmkiLCJJc0JvbGQiOnRydWUsIklzSXRhbGljIjpmYWxzZSwiSXNVbmRlcmxpbmVkIjpmYWxzZSwiUGFyZW50U3R5bGUiOnsiJHJlZiI6IjExNyJ9fSwiQXV0b1NpemUiOjAsIkZvcmVncm91bmQiOnsiJGlkIjoiMjk5IiwiQ29sb3IiOnsiJGlkIjoiMzAwIiwiQSI6MjU1LCJSIjowLCJHIjowLCJCIjowfX0sIk1heFdpZHRoIjo3MjAuMCwiTWF4SGVpZ2h0IjoiSW5maW5pdHkiLCJTbWFydEZvcmVncm91bmRJc0FjdGl2ZSI6ZmFsc2UsIkhvcml6b250YWxBbGlnbm1lbnQiOjAsIlZlcnRpY2FsQWxpZ25tZW50IjowLCJTbWFydEZvcmVncm91bmQiOm51bGwsIkJhY2tncm91bmRGaWxsVHlwZSI6MCwiTWFyZ2luIjp7IiRyZWYiOiIxMjAifSwiUGFkZGluZyI6eyIkcmVmIjoiMTIxIn0sIkJhY2tncm91bmQiOnsiJHJlZiI6IjEyMiJ9LCJJc1Zpc2libGUiOnRydWUsIldpZHRoIjowLjAsIkhlaWdodCI6MC4wLCJCb3JkZXJTdHlsZSI6eyIkaWQiOiIzMDEiLCJMaW5lQ29sb3IiOm51bGwsIkxpbmVXZWlnaHQiOjAuMCwiTGluZVR5cGUiOjAsIlBhcmVudFN0eWxlIjpudWxsfSwiUGFyZW50U3R5bGUiOnsiJHJlZiI6IjExNiJ9fSwiRGF0ZVN0eWxlIjp7IiRpZCI6IjMwMiIsIkZvbnRTZXR0aW5ncyI6eyIkaWQiOiIzMDMiLCJGb250U2l6ZSI6MTAsIkZvbnROYW1lIjoiQ2FsaWJyaSIsIklzQm9sZCI6ZmFsc2UsIklzSXRhbGljIjpmYWxzZSwiSXNVbmRlcmxpbmVkIjpmYWxzZSwiUGFyZW50U3R5bGUiOnsiJHJlZiI6IjEyNCJ9fSwiQXV0b1NpemUiOjAsIkZvcmVncm91bmQiOnsiJGlkIjoiMzA0IiwiQ29sb3IiOnsiJGlkIjoiMzA1IiwiQSI6MjU1LCJSIjowLCJHIjowLCJCIjowfX0sIk1heFdpZHRoIjoyMDAuMCwiTWF4SGVpZ2h0IjoiSW5maW5pdHkiLCJTbWFydEZvcmVncm91bmRJc0FjdGl2ZSI6ZmFsc2UsIkhvcml6b250YWxBbGlnbm1lbnQiOjAsIlZlcnRpY2FsQWxpZ25tZW50IjowLCJTbWFydEZvcmVncm91bmQiOm51bGwsIkJhY2tncm91bmRGaWxsVHlwZSI6MCwiTWFyZ2luIjp7IiRyZWYiOiIxMjcifSwiUGFkZGluZyI6eyIkcmVmIjoiMTI4In0sIkJhY2tncm91bmQiOnsiJHJlZiI6IjEyOSJ9LCJJc1Zpc2libGUiOnRydWUsIldpZHRoIjowLjAsIkhlaWdodCI6MC4wLCJCb3JkZXJTdHlsZSI6eyIkaWQiOiIzMDYiLCJMaW5lQ29sb3IiOm51bGwsIkxpbmVXZWlnaHQiOjAuMCwiTGluZVR5cGUiOjAsIlBhcmVudFN0eWxlIjpudWxsfSwiUGFyZW50U3R5bGUiOnsiJHJlZiI6IjEyMyJ9fSwiRGF0ZUZvcm1hdCI6eyIkcmVmIjoiMTMwIn0sIklzVmlzaWJsZSI6dHJ1ZSwiUGFyZW50U3R5bGUiOnsiJHJlZiI6Ijg2In19LCJJbmRleCI6MSwiU21hcnREdXJhdGlvbkFjdGl2YXRlZCI6ZmFsc2UsIkRhdGVGb3JtYXQiOnsiJHJlZiI6IjEzMCJ9LCJJZCI6IjIzYzE1MjMyLTdkMzEtNGU5NS04ZTExLWNhMjUxZjMzZmI0OSIsIkltcG9ydElkIjpudWxsLCJUaXRsZSI6IlBsYW5uaW5nIiwiTm90ZSI6bnVsbCwiSHlwZXJsaW5rIjp7IiRpZCI6IjMwNyIsIkFkZHJlc3MiOiIiLCJTdWJBZGRyZXNzIjoiIn0sIklzQ2hhbmdlZCI6ZmFsc2UsIklzTmV3Ijp0cnVlfSx7IiRpZCI6IjMwOCIsIkdyb3VwTmFtZSI6bnVsbCwiU3RhcnREYXRlIjoiMjAxOS0xMS0xMVQwMDowMDowMFoiLCJFbmREYXRlIjoiMjAxOS0xMi0yMVQyMzo1OTowMFoiLCJQZXJjZW50YWdlQ29tcGxldGUiOm51bGwsIlN0eWxlIjp7IiRpZCI6IjMwOSIsIlNoYXBlIjowLCJTaGFwZVRoaWNrbmVzcyI6MSwiRHVyYXRpb25Gb3JtYXQiOjAsIkluY2x1ZGVOb25Xb3JraW5nRGF5c0luRHVyYXRpb24iOnRydWUsIlBlcmNlbnRhZ2VDb21wbGV0ZVN0eWxlIjp7IiRpZCI6IjMxMCIsIkZvbnRTZXR0aW5ncyI6eyIkaWQiOiIzMTEiLCJGb250U2l6ZSI6MTAsIkZvbnROYW1lIjoiQ2FsaWJyaSIsIklzQm9sZCI6ZmFsc2UsIklzSXRhbGljIjpmYWxzZSwiSXNVbmRlcmxpbmVkIjpmYWxzZSwiUGFyZW50U3R5bGUiOnsiJHJlZiI6Ijg4In19LCJBdXRvU2l6ZSI6MCwiRm9yZWdyb3VuZCI6eyIkcmVmIjoiODkifSwiTWF4V2lkdGgiOjIwMC4wLCJNYXhIZWlnaHQiOiJJbmZpbml0eSIsIlNtYXJ0Rm9yZWdyb3VuZElzQWN0aXZlIjpmYWxzZSwiSG9yaXpvbnRhbEFsaWdubWVudCI6MCwiVmVydGljYWxBbGlnbm1lbnQiOjAsIlNtYXJ0Rm9yZWdyb3VuZCI6bnVsbCwiQmFja2dyb3VuZEZpbGxUeXBlIjowLCJNYXJnaW4iOnsiJHJlZiI6IjkxIn0sIlBhZGRpbmciOnsiJHJlZiI6IjkyIn0sIkJhY2tncm91bmQiOnsiJHJlZiI6IjkzIn0sIklzVmlzaWJsZSI6dHJ1ZSwiV2lkdGgiOjAuMCwiSGVpZ2h0IjowLjAsIkJvcmRlclN0eWxlIjp7IiRpZCI6IjMxMiIsIkxpbmVDb2xvciI6bnVsbCwiTGluZVdlaWdodCI6MC4wLCJMaW5lVHlwZSI6MCwiUGFyZW50U3R5bGUiOm51bGx9LCJQYXJlbnRTdHlsZSI6eyIkcmVmIjoiODcifX0sIkR1cmF0aW9uU3R5bGUiOnsiJGlkIjoiMzEzIiwiRm9udFNldHRpbmdzIjp7IiRpZCI6IjMxNCIsIkZvbnRTaXplIjoxMCwiRm9udE5hbWUiOiJDYWxpYnJpIiwiSXNCb2xkIjpmYWxzZSwiSXNJdGFsaWMiOmZhbHNlLCJJc1VuZGVybGluZWQiOmZhbHNlLCJQYXJlbnRTdHlsZSI6eyIkcmVmIjoiOTYifX0sIkF1dG9TaXplIjowLCJGb3JlZ3JvdW5kIjp7IiRyZWYiOiI5NyJ9LCJNYXhXaWR0aCI6MjAwLjAsIk1heEhlaWdodCI6IkluZmluaXR5IiwiU21hcnRGb3JlZ3JvdW5kSXNBY3RpdmUiOmZhbHNlLCJIb3Jpem9udGFsQWxpZ25tZW50IjowLCJWZXJ0aWNhbEFsaWdubWVudCI6MCwiU21hcnRGb3JlZ3JvdW5kIjpudWxsLCJCYWNrZ3JvdW5kRmlsbFR5cGUiOjAsIk1hcmdpbiI6eyIkcmVmIjoiOTkifSwiUGFkZGluZyI6eyIkcmVmIjoiMTAwIn0sIkJhY2tncm91bmQiOnsiJHJlZiI6IjEwMSJ9LCJJc1Zpc2libGUiOnRydWUsIldpZHRoIjowLjAsIkhlaWdodCI6MC4wLCJCb3JkZXJTdHlsZSI6eyIkaWQiOiIzMTUiLCJMaW5lQ29sb3IiOm51bGwsIkxpbmVXZWlnaHQiOjAuMCwiTGluZVR5cGUiOjAsIlBhcmVudFN0eWxlIjpudWxsfSwiUGFyZW50U3R5bGUiOnsiJHJlZiI6Ijk1In19LCJIb3Jpem9udGFsQ29ubmVjdG9yU3R5bGUiOnsiJGlkIjoiMzE2IiwiTGluZUNvbG9yIjp7IiRyZWYiOiIxMDMifSwiTGluZVdlaWdodCI6MS4yNSwiTGluZVR5cGUiOjAsIlBhcmVudFN0eWxlIjp7IiRyZWYiOiIxMDIifX0sIlZlcnRpY2FsQ29ubmVjdG9yU3R5bGUiOnsiJGlkIjoiMzE3IiwiTGluZUNvbG9yIjp7IiRyZWYiOiIxMDYifSwiTGluZVdlaWdodCI6MC4wLCJMaW5lVHlwZSI6MCwiUGFyZW50U3R5bGUiOnsiJHJlZiI6IjEwNSJ9fSwiTWFyZ2luIjpudWxsLCJTdGFydERhdGVQb3NpdGlvbiI6NCwiRW5kRGF0ZVBvc2l0aW9uIjo0LCJEYXRlSXNWaXNpYmxlIjp0cnVlLCJUaXRsZVBvc2l0aW9uIjo1LCJEdXJhdGlvblBvc2l0aW9uIjowLCJQZXJjZW50YWdlQ29tcGxldGVkUG9zaXRpb24iOjYsIlNwYWNpbmciOjEwLCJJc0JlbG93VGltZWJhbmQiOnRydWUsIlBlcmNlbnRhZ2VDb21wbGV0ZVNoYXBlT3BhY2l0eSI6MzUsIlNoYXBlU3R5bGUiOnsiJGlkIjoiMzE4IiwiTWFyZ2luIjp7IiRyZWYiOiIxMDkifSwiUGFkZGluZyI6eyIkcmVmIjoiMTEwIn0sIkJhY2tncm91bmQiOnsiJGlkIjoiMzE5IiwiQ29sb3IiOnsiJGlkIjoiMzIwIiwiQSI6MjU1LCJSIjo5MSwiRyI6MTU1LCJCIjoyMTN9fSwiSXNWaXNpYmxlIjp0cnVlLCJXaWR0aCI6MC4wLCJIZWlnaHQiOjE2LjAsIkJvcmRlclN0eWxlIjp7IiRpZCI6IjMyMSIsIkxpbmVDb2xvciI6eyIkaWQiOiIzMjIiLCIkdHlwZSI6Ik5MUkUuQ29tbW9uLkRvbS5Tb2xpZENvbG9yQnJ1c2gsIE5MUkUuQ29tbW9uIiwiQ29sb3IiOnsiJGlkIjoiMzIzIiwiQSI6MjU1LCJSIjoyNTUsIkciOjAsIkIiOjB9fSwiTGluZVdlaWdodCI6MC4wLCJMaW5lVHlwZSI6MCwiUGFyZW50U3R5bGUiOm51bGx9LCJQYXJlbnRTdHlsZSI6eyIkcmVmIjoiMTA4In19LCJUaXRsZVN0eWxlIjp7IiRpZCI6IjMyNCIsIkZvbnRTZXR0aW5ncyI6eyIkaWQiOiIzMjUiLCJGb250U2l6ZSI6MTEsIkZvbnROYW1lIjoiQ2FsaWJyaSIsIklzQm9sZCI6dHJ1ZSwiSXNJdGFsaWMiOmZhbHNlLCJJc1VuZGVybGluZWQiOmZhbHNlLCJQYXJlbnRTdHlsZSI6eyIkcmVmIjoiMTE3In19LCJBdXRvU2l6ZSI6MCwiRm9yZWdyb3VuZCI6eyIkaWQiOiIzMjYiLCJDb2xvciI6eyIkaWQiOiIzMjciLCJBIjoyNTUsIlIiOjAsIkciOjAsIkIiOjB9fSwiTWF4V2lkdGgiOjcyMC4wLCJNYXhIZWlnaHQiOiJJbmZpbml0eSIsIlNtYXJ0Rm9yZWdyb3VuZElzQWN0aXZlIjpmYWxzZSwiSG9yaXpvbnRhbEFsaWdubWVudCI6MCwiVmVydGljYWxBbGlnbm1lbnQiOjAsIlNtYXJ0Rm9yZWdyb3VuZCI6bnVsbCwiQmFja2dyb3VuZEZpbGxUeXBlIjowLCJNYXJnaW4iOnsiJHJlZiI6IjEyMCJ9LCJQYWRkaW5nIjp7IiRyZWYiOiIxMjEifSwiQmFja2dyb3VuZCI6eyIkcmVmIjoiMTIyIn0sIklzVmlzaWJsZSI6dHJ1ZSwiV2lkdGgiOjAuMCwiSGVpZ2h0IjowLjAsIkJvcmRlclN0eWxlIjp7IiRpZCI6IjMyOCIsIkxpbmVDb2xvciI6bnVsbCwiTGluZVdlaWdodCI6MC4wLCJMaW5lVHlwZSI6MCwiUGFyZW50U3R5bGUiOm51bGx9LCJQYXJlbnRTdHlsZSI6eyIkcmVmIjoiMTE2In19LCJEYXRlU3R5bGUiOnsiJGlkIjoiMzI5IiwiRm9udFNldHRpbmdzIjp7IiRpZCI6IjMzMCIsIkZvbnRTaXplIjoxMCwiRm9udE5hbWUiOiJDYWxpYnJpIiwiSXNCb2xkIjpmYWxzZSwiSXNJdGFsaWMiOmZhbHNlLCJJc1VuZGVybGluZWQiOmZhbHNlLCJQYXJlbnRTdHlsZSI6eyIkcmVmIjoiMTI0In19LCJBdXRvU2l6ZSI6MCwiRm9yZWdyb3VuZCI6eyIkaWQiOiIzMzEiLCJDb2xvciI6eyIkaWQiOiIzMzIiLCJBIjoyNTUsIlIiOjAsIkciOjAsIkIiOjB9fSwiTWF4V2lkdGgiOjIwMC4wLCJNYXhIZWlnaHQiOiJJbmZpbml0eSIsIlNtYXJ0Rm9yZWdyb3VuZElzQWN0aXZlIjpmYWxzZSwiSG9yaXpvbnRhbEFsaWdubWVudCI6MCwiVmVydGljYWxBbGlnbm1lbnQiOjAsIlNtYXJ0Rm9yZWdyb3VuZCI6bnVsbCwiQmFja2dyb3VuZEZpbGxUeXBlIjowLCJNYXJnaW4iOnsiJHJlZiI6IjEyNyJ9LCJQYWRkaW5nIjp7IiRyZWYiOiIxMjgifSwiQmFja2dyb3VuZCI6eyIkcmVmIjoiMTI5In0sIklzVmlzaWJsZSI6dHJ1ZSwiV2lkdGgiOjAuMCwiSGVpZ2h0IjowLjAsIkJvcmRlclN0eWxlIjp7IiRpZCI6IjMzMyIsIkxpbmVDb2xvciI6bnVsbCwiTGluZVdlaWdodCI6MC4wLCJMaW5lVHlwZSI6MCwiUGFyZW50U3R5bGUiOm51bGx9LCJQYXJlbnRTdHlsZSI6eyIkcmVmIjoiMTIzIn19LCJEYXRlRm9ybWF0Ijp7IiRyZWYiOiIxMzAifSwiSXNWaXNpYmxlIjp0cnVlLCJQYXJlbnRTdHlsZSI6eyIkcmVmIjoiODYifX0sIkluZGV4IjoyLCJTbWFydER1cmF0aW9uQWN0aXZhdGVkIjpmYWxzZSwiRGF0ZUZvcm1hdCI6eyIkcmVmIjoiMTMwIn0sIklkIjoiZjIzZTQ2MDUtMDVjMi00ZWU4LTgxNTktYjQyMWI4MTBiN2U0IiwiSW1wb3J0SWQiOm51bGwsIlRpdGxlIjoiQW5hbHlzaW5nIiwiTm90ZSI6bnVsbCwiSHlwZXJsaW5rIjp7IiRpZCI6IjMzNCIsIkFkZHJlc3MiOiIiLCJTdWJBZGRyZXNzIjoiIn0sIklzQ2hhbmdlZCI6ZmFsc2UsIklzTmV3Ijp0cnVlfSx7IiRpZCI6IjMzNSIsIkdyb3VwTmFtZSI6bnVsbCwiU3RhcnREYXRlIjoiMjAxOS0xMS0yNVQwMDowMDowMFoiLCJFbmREYXRlIjoiMjAxOS0xMi0yMVQyMzo1OTowMFoiLCJQZXJjZW50YWdlQ29tcGxldGUiOm51bGwsIlN0eWxlIjp7IiRpZCI6IjMzNiIsIlNoYXBlIjowLCJTaGFwZVRoaWNrbmVzcyI6MSwiRHVyYXRpb25Gb3JtYXQiOjAsIkluY2x1ZGVOb25Xb3JraW5nRGF5c0luRHVyYXRpb24iOmZhbHNlLCJQZXJjZW50YWdlQ29tcGxldGVTdHlsZSI6eyIkaWQiOiIzMzciLCJGb250U2V0dGluZ3MiOnsiJGlkIjoiMzM4IiwiRm9udFNpemUiOjEwLCJGb250TmFtZSI6IkNhbGlicmkiLCJJc0JvbGQiOmZhbHNlLCJJc0l0YWxpYyI6ZmFsc2UsIklzVW5kZXJsaW5lZCI6ZmFsc2UsIlBhcmVudFN0eWxlIjpudWxsfSwiQXV0b1NpemUiOjAsIkZvcmVncm91bmQiOnsiJHJlZiI6Ijg5In0sIk1heFdpZHRoIjoyMDAuMCwiTWF4SGVpZ2h0IjoiSW5maW5pdHkiLCJTbWFydEZvcmVncm91bmRJc0FjdGl2ZSI6ZmFsc2UsIkhvcml6b250YWxBbGlnbm1lbnQiOjAsIlZlcnRpY2FsQWxpZ25tZW50IjowLCJTbWFydEZvcmVncm91bmQiOm51bGwsIkJhY2tncm91bmRGaWxsVHlwZSI6MCwiTWFyZ2luIjp7IiRyZWYiOiI5MSJ9LCJQYWRkaW5nIjp7IiRyZWYiOiI5MiJ9LCJCYWNrZ3JvdW5kIjp7IiRyZWYiOiI5MyJ9LCJJc1Zpc2libGUiOnRydWUsIldpZHRoIjowLjAsIkhlaWdodCI6MC4wLCJCb3JkZXJTdHlsZSI6eyIkaWQiOiIzMzkiLCJMaW5lQ29sb3IiOm51bGwsIkxpbmVXZWlnaHQiOjAuMCwiTGluZVR5cGUiOjAsIlBhcmVudFN0eWxlIjpudWxsfSwiUGFyZW50U3R5bGUiOm51bGx9LCJEdXJhdGlvblN0eWxlIjp7IiRpZCI6IjM0MCIsIkZvbnRTZXR0aW5ncyI6eyIkaWQiOiIzNDEiLCJGb250U2l6ZSI6MTAsIkZvbnROYW1lIjoiQ2FsaWJyaSIsIklzQm9sZCI6ZmFsc2UsIklzSXRhbGljIjpmYWxzZSwiSXNVbmRlcmxpbmVkIjpmYWxzZSwiUGFyZW50U3R5bGUiOm51bGx9LCJBdXRvU2l6ZSI6MCwiRm9yZWdyb3VuZCI6eyIkaWQiOiIzNDIiLCJDb2xvciI6eyIkaWQiOiIzNDMiLCJBIjoyNTUsIlIiOjAsIkciOjAsIkIiOjB9fSwiTWF4V2lkdGgiOjIwMC4wLCJNYXhIZWlnaHQiOiJJbmZpbml0eSIsIlNtYXJ0Rm9yZWdyb3VuZElzQWN0aXZlIjpmYWxzZSwiSG9yaXpvbnRhbEFsaWdubWVudCI6MCwiVmVydGljYWxBbGlnbm1lbnQiOjAsIlNtYXJ0Rm9yZWdyb3VuZCI6bnVsbCwiQmFja2dyb3VuZEZpbGxUeXBlIjowLCJNYXJnaW4iOnsiJHJlZiI6Ijk5In0sIlBhZGRpbmciOnsiJHJlZiI6IjEwMCJ9LCJCYWNrZ3JvdW5kIjp7IiRyZWYiOiIxMDEifSwiSXNWaXNpYmxlIjp0cnVlLCJXaWR0aCI6MC4wLCJIZWlnaHQiOjAuMCwiQm9yZGVyU3R5bGUiOnsiJGlkIjoiMzQ0IiwiTGluZUNvbG9yIjpudWxsLCJMaW5lV2VpZ2h0IjowLjAsIkxpbmVUeXBlIjowLCJQYXJlbnRTdHlsZSI6bnVsbH0sIlBhcmVudFN0eWxlIjpudWxsfSwiSG9yaXpvbnRhbENvbm5lY3RvclN0eWxlIjp7IiRpZCI6IjM0NSIsIkxpbmVDb2xvciI6eyIkcmVmIjoiMTAzIn0sIkxpbmVXZWlnaHQiOjEuMCwiTGluZVR5cGUiOjAsIlBhcmVudFN0eWxlIjpudWxsfSwiVmVydGljYWxDb25uZWN0b3JTdHlsZSI6eyIkaWQiOiIzNDYiLCJMaW5lQ29sb3IiOnsiJHJlZiI6IjEwNiJ9LCJMaW5lV2VpZ2h0IjowLjAsIkxpbmVUeXBlIjowLCJQYXJlbnRTdHlsZSI6bnVsbH0sIk1hcmdpbiI6bnVsbCwiU3RhcnREYXRlUG9zaXRpb24iOjQsIkVuZERhdGVQb3NpdGlvbiI6NCwiRGF0ZUlzVmlzaWJsZSI6dHJ1ZSwiVGl0bGVQb3NpdGlvbiI6NSwiRHVyYXRpb25Qb3NpdGlvbiI6MCwiUGVyY2VudGFnZUNvbXBsZXRlZFBvc2l0aW9uIjo2LCJTcGFjaW5nIjoxMCwiSXNCZWxvd1RpbWViYW5kIjp0cnVlLCJQZXJjZW50YWdlQ29tcGxldGVTaGFwZU9wYWNpdHkiOjM1LCJTaGFwZVN0eWxlIjp7IiRpZCI6IjM0NyIsIk1hcmdpbiI6eyIkcmVmIjoiMTA5In0sIlBhZGRpbmciOnsiJHJlZiI6IjExMCJ9LCJCYWNrZ3JvdW5kIjp7IiRpZCI6IjM0OCIsIkNvbG9yIjp7IiRpZCI6IjM0OSIsIkEiOjI1NSwiUiI6OTEsIkciOjE1NSwiQiI6MjEzfX0sIklzVmlzaWJsZSI6dHJ1ZSwiV2lkdGgiOjAuMCwiSGVpZ2h0IjoxNi4wLCJCb3JkZXJTdHlsZSI6eyIkaWQiOiIzNTAiLCJMaW5lQ29sb3IiOnsiJHJlZiI6IjExNCJ9LCJMaW5lV2VpZ2h0IjowLjAsIkxpbmVUeXBlIjowLCJQYXJlbnRTdHlsZSI6bnVsbH0sIlBhcmVudFN0eWxlIjpudWxsfSwiVGl0bGVTdHlsZSI6eyIkaWQiOiIzNTEiLCJGb250U2V0dGluZ3MiOnsiJGlkIjoiMzUyIiwiRm9udFNpemUiOjExLCJGb250TmFtZSI6IkNhbGlicmkiLCJJc0JvbGQiOnRydWUsIklzSXRhbGljIjpmYWxzZSwiSXNVbmRlcmxpbmVkIjpmYWxzZSwiUGFyZW50U3R5bGUiOm51bGx9LCJBdXRvU2l6ZSI6MCwiRm9yZWdyb3VuZCI6eyIkaWQiOiIzNTMiLCJDb2xvciI6eyIkaWQiOiIzNTQiLCJBIjoyNTUsIlIiOjAsIkciOjAsIkIiOjB9fSwiTWF4V2lkdGgiOjcyMC4wLCJNYXhIZWlnaHQiOiJJbmZpbml0eSIsIlNtYXJ0Rm9yZWdyb3VuZElzQWN0aXZlIjpmYWxzZSwiSG9yaXpvbnRhbEFsaWdubWVudCI6MCwiVmVydGljYWxBbGlnbm1lbnQiOjAsIlNtYXJ0Rm9yZWdyb3VuZCI6bnVsbCwiQmFja2dyb3VuZEZpbGxUeXBlIjowLCJNYXJnaW4iOnsiJHJlZiI6IjEyMCJ9LCJQYWRkaW5nIjp7IiRyZWYiOiIxMjEifSwiQmFja2dyb3VuZCI6eyIkcmVmIjoiMTIyIn0sIklzVmlzaWJsZSI6dHJ1ZSwiV2lkdGgiOjAuMCwiSGVpZ2h0IjowLjAsIkJvcmRlclN0eWxlIjp7IiRpZCI6IjM1NSIsIkxpbmVDb2xvciI6bnVsbCwiTGluZVdlaWdodCI6MC4wLCJMaW5lVHlwZSI6MCwiUGFyZW50U3R5bGUiOm51bGx9LCJQYXJlbnRTdHlsZSI6bnVsbH0sIkRhdGVTdHlsZSI6eyIkaWQiOiIzNTYiLCJGb250U2V0dGluZ3MiOnsiJGlkIjoiMzU3IiwiRm9udFNpemUiOjEwLCJGb250TmFtZSI6IkNhbGlicmkiLCJJc0JvbGQiOmZhbHNlLCJJc0l0YWxpYyI6ZmFsc2UsIklzVW5kZXJsaW5lZCI6ZmFsc2UsIlBhcmVudFN0eWxlIjpudWxsfSwiQXV0b1NpemUiOjAsIkZvcmVncm91bmQiOnsiJGlkIjoiMzU4IiwiQ29sb3IiOnsiJGlkIjoiMzU5IiwiQSI6MjU1LCJSIjowLCJHIjowLCJCIjowfX0sIk1heFdpZHRoIjoyMDAuMCwiTWF4SGVpZ2h0IjoiSW5maW5pdHkiLCJTbWFydEZvcmVncm91bmRJc0FjdGl2ZSI6ZmFsc2UsIkhvcml6b250YWxBbGlnbm1lbnQiOjAsIlZlcnRpY2FsQWxpZ25tZW50IjowLCJTbWFydEZvcmVncm91bmQiOm51bGwsIkJhY2tncm91bmRGaWxsVHlwZSI6MCwiTWFyZ2luIjp7IiRyZWYiOiIxMjcifSwiUGFkZGluZyI6eyIkcmVmIjoiMTI4In0sIkJhY2tncm91bmQiOnsiJHJlZiI6IjEyOSJ9LCJJc1Zpc2libGUiOnRydWUsIldpZHRoIjowLjAsIkhlaWdodCI6MC4wLCJCb3JkZXJTdHlsZSI6eyIkaWQiOiIzNjAiLCJMaW5lQ29sb3IiOm51bGwsIkxpbmVXZWlnaHQiOjAuMCwiTGluZVR5cGUiOjAsIlBhcmVudFN0eWxlIjpudWxsfSwiUGFyZW50U3R5bGUiOm51bGx9LCJEYXRlRm9ybWF0Ijp7IiRpZCI6IjM2MSIsIkZvcm1hdFN0cmluZyI6Ik1NTSBkIiwiU2VwYXJhdG9yIjoiLyIsIlVzZUludGVybmF0aW9uYWxEYXRlRm9ybWF0IjpmYWxzZSwiRGF0ZUlzVmlzaWJsZSI6dHJ1ZSwiVGltZUlzVmlzaWJsZSI6ZmFsc2UsIkhvdXJEaWdpdHMiOjEsIkFtUG1EZXNpZ25hdG9yIjoyLCJUcmltMDBNaW51dGVzIjpmYWxzZSwiTGFzdEtub3duVmlzaWJpbGl0eVN0YXRlIjp7IiRpZCI6IjM2MiIsIkRhdGVQYXJ0SXNWaXNpYmxlIjpmYWxzZSwiVGltZVBhcnRJc1Zpc2libGUiOmZhbHNlfX0sIklzVmlzaWJsZSI6dHJ1ZSwiUGFyZW50U3R5bGUiOm51bGx9LCJJbmRleCI6MywiU21hcnREdXJhdGlvbkFjdGl2YXRlZCI6ZmFsc2UsIkRhdGVGb3JtYXQiOnsiJHJlZiI6IjM2MSJ9LCJJZCI6IjUwNWU1ZmExLWFiNjItNDkxNy1hM2I5LTk3NmNlMDEyOGJlYSIsIkltcG9ydElkIjpudWxsLCJUaXRsZSI6IlRyYWluaW5nIiwiTm90ZSI6bnVsbCwiSHlwZXJsaW5rIjp7IiRpZCI6IjM2MyIsIkFkZHJlc3MiOiIiLCJTdWJBZGRyZXNzIjoiIn0sIklzQ2hhbmdlZCI6ZmFsc2UsIklzTmV3IjpmYWxzZX0seyIkaWQiOiIzNjQiLCJHcm91cE5hbWUiOm51bGwsIlN0YXJ0RGF0ZSI6IjIwMTktMTItMjNUMDA6MDA6MDBaIiwiRW5kRGF0ZSI6IjIwMjAtMDQtMzBUMjM6NTk6MDBaIiwiUGVyY2VudGFnZUNvbXBsZXRlIjpudWxsLCJTdHlsZSI6eyIkaWQiOiIzNjUiLCJTaGFwZSI6MCwiU2hhcGVUaGlja25lc3MiOjEsIkR1cmF0aW9uRm9ybWF0IjowLCJJbmNsdWRlTm9uV29ya2luZ0RheXNJbkR1cmF0aW9uIjp0cnVlLCJQZXJjZW50YWdlQ29tcGxldGVTdHlsZSI6eyIkaWQiOiIzNjYiLCJGb250U2V0dGluZ3MiOnsiJGlkIjoiMzY3IiwiRm9udFNpemUiOjEwLCJGb250TmFtZSI6IkNhbGlicmkiLCJJc0JvbGQiOmZhbHNlLCJJc0l0YWxpYyI6ZmFsc2UsIklzVW5kZXJsaW5lZCI6ZmFsc2UsIlBhcmVudFN0eWxlIjp7IiRyZWYiOiI4OCJ9fSwiQXV0b1NpemUiOjAsIkZvcmVncm91bmQiOnsiJHJlZiI6Ijg5In0sIk1heFdpZHRoIjoyMDAuMCwiTWF4SGVpZ2h0IjoiSW5maW5pdHkiLCJTbWFydEZvcmVncm91bmRJc0FjdGl2ZSI6ZmFsc2UsIkhvcml6b250YWxBbGlnbm1lbnQiOjAsIlZlcnRpY2FsQWxpZ25tZW50IjowLCJTbWFydEZvcmVncm91bmQiOm51bGwsIkJhY2tncm91bmRGaWxsVHlwZSI6MCwiTWFyZ2luIjp7IiRyZWYiOiI5MSJ9LCJQYWRkaW5nIjp7IiRyZWYiOiI5MiJ9LCJCYWNrZ3JvdW5kIjp7IiRyZWYiOiI5MyJ9LCJJc1Zpc2libGUiOnRydWUsIldpZHRoIjowLjAsIkhlaWdodCI6MC4wLCJCb3JkZXJTdHlsZSI6eyIkaWQiOiIzNjgiLCJMaW5lQ29sb3IiOm51bGwsIkxpbmVXZWlnaHQiOjAuMCwiTGluZVR5cGUiOjAsIlBhcmVudFN0eWxlIjpudWxsfSwiUGFyZW50U3R5bGUiOnsiJHJlZiI6Ijg3In19LCJEdXJhdGlvblN0eWxlIjp7IiRpZCI6IjM2OSIsIkZvbnRTZXR0aW5ncyI6eyIkaWQiOiIzNzAiLCJGb250U2l6ZSI6MTAsIkZvbnROYW1lIjoiQ2FsaWJyaSIsIklzQm9sZCI6ZmFsc2UsIklzSXRhbGljIjpmYWxzZSwiSXNVbmRlcmxpbmVkIjpmYWxzZSwiUGFyZW50U3R5bGUiOnsiJHJlZiI6Ijk2In19LCJBdXRvU2l6ZSI6MCwiRm9yZWdyb3VuZCI6eyIkcmVmIjoiOTcifSwiTWF4V2lkdGgiOjIwMC4wLCJNYXhIZWlnaHQiOiJJbmZpbml0eSIsIlNtYXJ0Rm9yZWdyb3VuZElzQWN0aXZlIjpmYWxzZSwiSG9yaXpvbnRhbEFsaWdubWVudCI6MCwiVmVydGljYWxBbGlnbm1lbnQiOjAsIlNtYXJ0Rm9yZWdyb3VuZCI6bnVsbCwiQmFja2dyb3VuZEZpbGxUeXBlIjowLCJNYXJnaW4iOnsiJHJlZiI6Ijk5In0sIlBhZGRpbmciOnsiJHJlZiI6IjEwMCJ9LCJCYWNrZ3JvdW5kIjp7IiRyZWYiOiIxMDEifSwiSXNWaXNpYmxlIjp0cnVlLCJXaWR0aCI6MC4wLCJIZWlnaHQiOjAuMCwiQm9yZGVyU3R5bGUiOnsiJGlkIjoiMzcxIiwiTGluZUNvbG9yIjpudWxsLCJMaW5lV2VpZ2h0IjowLjAsIkxpbmVUeXBlIjowLCJQYXJlbnRTdHlsZSI6bnVsbH0sIlBhcmVudFN0eWxlIjp7IiRyZWYiOiI5NSJ9fSwiSG9yaXpvbnRhbENvbm5lY3RvclN0eWxlIjp7IiRpZCI6IjM3MiIsIkxpbmVDb2xvciI6eyIkcmVmIjoiMTAzIn0sIkxpbmVXZWlnaHQiOjEuMjUsIkxpbmVUeXBlIjowLCJQYXJlbnRTdHlsZSI6eyIkcmVmIjoiMTAyIn19LCJWZXJ0aWNhbENvbm5lY3RvclN0eWxlIjp7IiRpZCI6IjM3MyIsIkxpbmVDb2xvciI6eyIkcmVmIjoiMTA2In0sIkxpbmVXZWlnaHQiOjAuMCwiTGluZVR5cGUiOjAsIlBhcmVudFN0eWxlIjp7IiRyZWYiOiIxMDUifX0sIk1hcmdpbiI6bnVsbCwiU3RhcnREYXRlUG9zaXRpb24iOjQsIkVuZERhdGVQb3NpdGlvbiI6NCwiRGF0ZUlzVmlzaWJsZSI6dHJ1ZSwiVGl0bGVQb3NpdGlvbiI6NSwiRHVyYXRpb25Qb3NpdGlvbiI6MCwiUGVyY2VudGFnZUNvbXBsZXRlZFBvc2l0aW9uIjo2LCJTcGFjaW5nIjoxMCwiSXNCZWxvd1RpbWViYW5kIjp0cnVlLCJQZXJjZW50YWdlQ29tcGxldGVTaGFwZU9wYWNpdHkiOjM1LCJTaGFwZVN0eWxlIjp7IiRpZCI6IjM3NCIsIk1hcmdpbiI6eyIkcmVmIjoiMTA5In0sIlBhZGRpbmciOnsiJHJlZiI6IjExMCJ9LCJCYWNrZ3JvdW5kIjp7IiRpZCI6IjM3NSIsIkNvbG9yIjp7IiRpZCI6IjM3NiIsIkEiOjI1NSwiUiI6OTEsIkciOjE1NSwiQiI6MjEzfX0sIklzVmlzaWJsZSI6dHJ1ZSwiV2lkdGgiOjAuMCwiSGVpZ2h0IjoxNi4wLCJCb3JkZXJTdHlsZSI6eyIkaWQiOiIzNzciLCJMaW5lQ29sb3IiOnsiJGlkIjoiMzc4IiwiJHR5cGUiOiJOTFJFLkNvbW1vbi5Eb20uU29saWRDb2xvckJydXNoLCBOTFJFLkNvbW1vbiIsIkNvbG9yIjp7IiRpZCI6IjM3OSIsIkEiOjI1NSwiUiI6MjU1LCJHIjowLCJCIjowfX0sIkxpbmVXZWlnaHQiOjAuMCwiTGluZVR5cGUiOjAsIlBhcmVudFN0eWxlIjpudWxsfSwiUGFyZW50U3R5bGUiOnsiJHJlZiI6IjEwOCJ9fSwiVGl0bGVTdHlsZSI6eyIkaWQiOiIzODAiLCJGb250U2V0dGluZ3MiOnsiJGlkIjoiMzgxIiwiRm9udFNpemUiOjExLCJGb250TmFtZSI6IkNhbGlicmkiLCJJc0JvbGQiOnRydWUsIklzSXRhbGljIjpmYWxzZSwiSXNVbmRlcmxpbmVkIjpmYWxzZSwiUGFyZW50U3R5bGUiOnsiJHJlZiI6IjExNyJ9fSwiQXV0b1NpemUiOjAsIkZvcmVncm91bmQiOnsiJGlkIjoiMzgyIiwiQ29sb3IiOnsiJGlkIjoiMzgzIiwiQSI6MjU1LCJSIjowLCJHIjowLCJCIjowfX0sIk1heFdpZHRoIjo3MjAuMCwiTWF4SGVpZ2h0IjoiSW5maW5pdHkiLCJTbWFydEZvcmVncm91bmRJc0FjdGl2ZSI6ZmFsc2UsIkhvcml6b250YWxBbGlnbm1lbnQiOjAsIlZlcnRpY2FsQWxpZ25tZW50IjowLCJTbWFydEZvcmVncm91bmQiOm51bGwsIkJhY2tncm91bmRGaWxsVHlwZSI6MCwiTWFyZ2luIjp7IiRyZWYiOiIxMjAifSwiUGFkZGluZyI6eyIkcmVmIjoiMTIxIn0sIkJhY2tncm91bmQiOnsiJHJlZiI6IjEyMiJ9LCJJc1Zpc2libGUiOnRydWUsIldpZHRoIjowLjAsIkhlaWdodCI6MC4wLCJCb3JkZXJTdHlsZSI6eyIkaWQiOiIzODQiLCJMaW5lQ29sb3IiOm51bGwsIkxpbmVXZWlnaHQiOjAuMCwiTGluZVR5cGUiOjAsIlBhcmVudFN0eWxlIjpudWxsfSwiUGFyZW50U3R5bGUiOnsiJHJlZiI6IjExNiJ9fSwiRGF0ZVN0eWxlIjp7IiRpZCI6IjM4NSIsIkZvbnRTZXR0aW5ncyI6eyIkaWQiOiIzODYiLCJGb250U2l6ZSI6MTAsIkZvbnROYW1lIjoiQ2FsaWJyaSIsIklzQm9sZCI6ZmFsc2UsIklzSXRhbGljIjpmYWxzZSwiSXNVbmRlcmxpbmVkIjpmYWxzZSwiUGFyZW50U3R5bGUiOnsiJHJlZiI6IjEyNCJ9fSwiQXV0b1NpemUiOjAsIkZvcmVncm91bmQiOnsiJGlkIjoiMzg3IiwiQ29sb3IiOnsiJGlkIjoiMzg4IiwiQSI6MjU1LCJSIjowLCJHIjowLCJCIjowfX0sIk1heFdpZHRoIjoyMDAuMCwiTWF4SGVpZ2h0IjoiSW5maW5pdHkiLCJTbWFydEZvcmVncm91bmRJc0FjdGl2ZSI6ZmFsc2UsIkhvcml6b250YWxBbGlnbm1lbnQiOjAsIlZlcnRpY2FsQWxpZ25tZW50IjowLCJTbWFydEZvcmVncm91bmQiOm51bGwsIkJhY2tncm91bmRGaWxsVHlwZSI6MCwiTWFyZ2luIjp7IiRyZWYiOiIxMjcifSwiUGFkZGluZyI6eyIkcmVmIjoiMTI4In0sIkJhY2tncm91bmQiOnsiJHJlZiI6IjEyOSJ9LCJJc1Zpc2libGUiOnRydWUsIldpZHRoIjowLjAsIkhlaWdodCI6MC4wLCJCb3JkZXJTdHlsZSI6eyIkaWQiOiIzODkiLCJMaW5lQ29sb3IiOm51bGwsIkxpbmVXZWlnaHQiOjAuMCwiTGluZVR5cGUiOjAsIlBhcmVudFN0eWxlIjpudWxsfSwiUGFyZW50U3R5bGUiOnsiJHJlZiI6IjEyMyJ9fSwiRGF0ZUZvcm1hdCI6eyIkcmVmIjoiMTMwIn0sIklzVmlzaWJsZSI6dHJ1ZSwiUGFyZW50U3R5bGUiOnsiJHJlZiI6Ijg2In19LCJJbmRleCI6NCwiU21hcnREdXJhdGlvbkFjdGl2YXRlZCI6ZmFsc2UsIkRhdGVGb3JtYXQiOnsiJHJlZiI6IjEzMCJ9LCJJZCI6IjgyZDFiN2FhLWU3N2QtNDFhMi1iZTE0LWQ2OWY1ZTUwMWIxYiIsIkltcG9ydElkIjpudWxsLCJUaXRsZSI6IkltcGxlbWVudGF0aW9uICYgVGVzdGluZyIsIk5vdGUiOm51bGwsIkh5cGVybGluayI6eyIkaWQiOiIzOTAiLCJBZGRyZXNzIjoiIiwiU3ViQWRkcmVzcyI6IiJ9LCJJc0NoYW5nZWQiOmZhbHNlLCJJc05ldyI6dHJ1ZX0seyIkaWQiOiIzOTEiLCJHcm91cE5hbWUiOm51bGwsIlN0YXJ0RGF0ZSI6IjIwMjAtMDEtMTNUMDA6MDA6MDBaIiwiRW5kRGF0ZSI6IjIwMjAtMDItMDlUMjM6NTk6MDBaIiwiUGVyY2VudGFnZUNvbXBsZXRlIjpudWxsLCJTdHlsZSI6eyIkaWQiOiIzOTIiLCJTaGFwZSI6MCwiU2hhcGVUaGlja25lc3MiOjEsIkR1cmF0aW9uRm9ybWF0IjowLCJJbmNsdWRlTm9uV29ya2luZ0RheXNJbkR1cmF0aW9uIjp0cnVlLCJQZXJjZW50YWdlQ29tcGxldGVTdHlsZSI6eyIkaWQiOiIzOTMiLCJGb250U2V0dGluZ3MiOnsiJGlkIjoiMzk0IiwiRm9udFNpemUiOjEwLCJGb250TmFtZSI6IkNhbGlicmkiLCJJc0JvbGQiOmZhbHNlLCJJc0l0YWxpYyI6ZmFsc2UsIklzVW5kZXJsaW5lZCI6ZmFsc2UsIlBhcmVudFN0eWxlIjp7IiRyZWYiOiI4OCJ9fSwiQXV0b1NpemUiOjAsIkZvcmVncm91bmQiOnsiJHJlZiI6Ijg5In0sIk1heFdpZHRoIjoyMDAuMCwiTWF4SGVpZ2h0IjoiSW5maW5pdHkiLCJTbWFydEZvcmVncm91bmRJc0FjdGl2ZSI6ZmFsc2UsIkhvcml6b250YWxBbGlnbm1lbnQiOjAsIlZlcnRpY2FsQWxpZ25tZW50IjowLCJTbWFydEZvcmVncm91bmQiOm51bGwsIkJhY2tncm91bmRGaWxsVHlwZSI6MCwiTWFyZ2luIjp7IiRyZWYiOiI5MSJ9LCJQYWRkaW5nIjp7IiRyZWYiOiI5MiJ9LCJCYWNrZ3JvdW5kIjp7IiRyZWYiOiI5MyJ9LCJJc1Zpc2libGUiOnRydWUsIldpZHRoIjowLjAsIkhlaWdodCI6MC4wLCJCb3JkZXJTdHlsZSI6eyIkaWQiOiIzOTUiLCJMaW5lQ29sb3IiOm51bGwsIkxpbmVXZWlnaHQiOjAuMCwiTGluZVR5cGUiOjAsIlBhcmVudFN0eWxlIjpudWxsfSwiUGFyZW50U3R5bGUiOnsiJHJlZiI6Ijg3In19LCJEdXJhdGlvblN0eWxlIjp7IiRpZCI6IjM5NiIsIkZvbnRTZXR0aW5ncyI6eyIkaWQiOiIzOTciLCJGb250U2l6ZSI6MTAsIkZvbnROYW1lIjoiQ2FsaWJyaSIsIklzQm9sZCI6ZmFsc2UsIklzSXRhbGljIjpmYWxzZSwiSXNVbmRlcmxpbmVkIjpmYWxzZSwiUGFyZW50U3R5bGUiOnsiJHJlZiI6Ijk2In19LCJBdXRvU2l6ZSI6MCwiRm9yZWdyb3VuZCI6eyIkcmVmIjoiOTcifSwiTWF4V2lkdGgiOjIwMC4wLCJNYXhIZWlnaHQiOiJJbmZpbml0eSIsIlNtYXJ0Rm9yZWdyb3VuZElzQWN0aXZlIjpmYWxzZSwiSG9yaXpvbnRhbEFsaWdubWVudCI6MCwiVmVydGljYWxBbGlnbm1lbnQiOjAsIlNtYXJ0Rm9yZWdyb3VuZCI6bnVsbCwiQmFja2dyb3VuZEZpbGxUeXBlIjowLCJNYXJnaW4iOnsiJHJlZiI6Ijk5In0sIlBhZGRpbmciOnsiJHJlZiI6IjEwMCJ9LCJCYWNrZ3JvdW5kIjp7IiRyZWYiOiIxMDEifSwiSXNWaXNpYmxlIjp0cnVlLCJXaWR0aCI6MC4wLCJIZWlnaHQiOjAuMCwiQm9yZGVyU3R5bGUiOnsiJGlkIjoiMzk4IiwiTGluZUNvbG9yIjpudWxsLCJMaW5lV2VpZ2h0IjowLjAsIkxpbmVUeXBlIjowLCJQYXJlbnRTdHlsZSI6bnVsbH0sIlBhcmVudFN0eWxlIjp7IiRyZWYiOiI5NSJ9fSwiSG9yaXpvbnRhbENvbm5lY3RvclN0eWxlIjp7IiRpZCI6IjM5OSIsIkxpbmVDb2xvciI6eyIkcmVmIjoiMTAzIn0sIkxpbmVXZWlnaHQiOjEuMjUsIkxpbmVUeXBlIjowLCJQYXJlbnRTdHlsZSI6eyIkcmVmIjoiMTAyIn19LCJWZXJ0aWNhbENvbm5lY3RvclN0eWxlIjp7IiRpZCI6IjQwMCIsIkxpbmVDb2xvciI6eyIkcmVmIjoiMTA2In0sIkxpbmVXZWlnaHQiOjAuMCwiTGluZVR5cGUiOjAsIlBhcmVudFN0eWxlIjp7IiRyZWYiOiIxMDUifX0sIk1hcmdpbiI6bnVsbCwiU3RhcnREYXRlUG9zaXRpb24iOjQsIkVuZERhdGVQb3NpdGlvbiI6NCwiRGF0ZUlzVmlzaWJsZSI6dHJ1ZSwiVGl0bGVQb3NpdGlvbiI6NSwiRHVyYXRpb25Qb3NpdGlvbiI6MCwiUGVyY2VudGFnZUNvbXBsZXRlZFBvc2l0aW9uIjo2LCJTcGFjaW5nIjoxMCwiSXNCZWxvd1RpbWViYW5kIjp0cnVlLCJQZXJjZW50YWdlQ29tcGxldGVTaGFwZU9wYWNpdHkiOjM1LCJTaGFwZVN0eWxlIjp7IiRpZCI6IjQwMSIsIk1hcmdpbiI6eyIkcmVmIjoiMTA5In0sIlBhZGRpbmciOnsiJGlkIjoiNDAyIiwiVG9wIjowLCJMZWZ0IjowLCJSaWdodCI6MiwiQm90dG9tIjowfSwiQmFja2dyb3VuZCI6eyIkaWQiOiI0MDMiLCJDb2xvciI6eyIkaWQiOiI0MDQiLCJBIjoyNTUsIlIiOjIzNCwiRyI6MjIsIkIiOjMwfX0sIklzVmlzaWJsZSI6dHJ1ZSwiV2lkdGgiOjAuMCwiSGVpZ2h0IjoxNi4wLCJCb3JkZXJTdHlsZSI6eyIkaWQiOiI0MDUiLCJMaW5lQ29sb3IiOnsiJGlkIjoiNDA2IiwiJHR5cGUiOiJOTFJFLkNvbW1vbi5Eb20uU29saWRDb2xvckJydXNoLCBOTFJFLkNvbW1vbiIsIkNvbG9yIjp7IiRpZCI6IjQwNyIsIkEiOjI1NSwiUiI6MjU1LCJHIjowLCJCIjowfX0sIkxpbmVXZWlnaHQiOjAuMCwiTGluZVR5cGUiOjAsIlBhcmVudFN0eWxlIjpudWxsfSwiUGFyZW50U3R5bGUiOnsiJHJlZiI6IjEwOCJ9fSwiVGl0bGVTdHlsZSI6eyIkaWQiOiI0MDgiLCJGb250U2V0dGluZ3MiOnsiJGlkIjoiNDA5IiwiRm9udFNpemUiOjExLCJGb250TmFtZSI6IkNhbGlicmkiLCJJc0JvbGQiOnRydWUsIklzSXRhbGljIjpmYWxzZSwiSXNVbmRlcmxpbmVkIjpmYWxzZSwiUGFyZW50U3R5bGUiOnsiJHJlZiI6IjExNyJ9fSwiQXV0b1NpemUiOjAsIkZvcmVncm91bmQiOnsiJGlkIjoiNDEwIiwiQ29sb3IiOnsiJGlkIjoiNDExIiwiQSI6MjU1LCJSIjowLCJHIjowLCJCIjowfX0sIk1heFdpZHRoIjo3MjAuMCwiTWF4SGVpZ2h0IjoiSW5maW5pdHkiLCJTbWFydEZvcmVncm91bmRJc0FjdGl2ZSI6ZmFsc2UsIkhvcml6b250YWxBbGlnbm1lbnQiOjAsIlZlcnRpY2FsQWxpZ25tZW50IjowLCJTbWFydEZvcmVncm91bmQiOm51bGwsIkJhY2tncm91bmRGaWxsVHlwZSI6MCwiTWFyZ2luIjp7IiRyZWYiOiIxMjAifSwiUGFkZGluZyI6eyIkcmVmIjoiMTIxIn0sIkJhY2tncm91bmQiOnsiJHJlZiI6IjEyMiJ9LCJJc1Zpc2libGUiOnRydWUsIldpZHRoIjowLjAsIkhlaWdodCI6MC4wLCJCb3JkZXJTdHlsZSI6eyIkaWQiOiI0MTIiLCJMaW5lQ29sb3IiOm51bGwsIkxpbmVXZWlnaHQiOjAuMCwiTGluZVR5cGUiOjAsIlBhcmVudFN0eWxlIjpudWxsfSwiUGFyZW50U3R5bGUiOnsiJHJlZiI6IjExNiJ9fSwiRGF0ZVN0eWxlIjp7IiRpZCI6IjQxMyIsIkZvbnRTZXR0aW5ncyI6eyIkaWQiOiI0MTQiLCJGb250U2l6ZSI6MTAsIkZvbnROYW1lIjoiQ2FsaWJyaSIsIklzQm9sZCI6ZmFsc2UsIklzSXRhbGljIjpmYWxzZSwiSXNVbmRlcmxpbmVkIjpmYWxzZSwiUGFyZW50U3R5bGUiOnsiJHJlZiI6IjEyNCJ9fSwiQXV0b1NpemUiOjAsIkZvcmVncm91bmQiOnsiJGlkIjoiNDE1IiwiQ29sb3IiOnsiJGlkIjoiNDE2IiwiQSI6MjU1LCJSIjowLCJHIjowLCJCIjowfX0sIk1heFdpZHRoIjoyMDAuMCwiTWF4SGVpZ2h0IjoiSW5maW5pdHkiLCJTbWFydEZvcmVncm91bmRJc0FjdGl2ZSI6ZmFsc2UsIkhvcml6b250YWxBbGlnbm1lbnQiOjAsIlZlcnRpY2FsQWxpZ25tZW50IjowLCJTbWFydEZvcmVncm91bmQiOm51bGwsIkJhY2tncm91bmRGaWxsVHlwZSI6MCwiTWFyZ2luIjp7IiRyZWYiOiIxMjcifSwiUGFkZGluZyI6eyIkcmVmIjoiMTI4In0sIkJhY2tncm91bmQiOnsiJHJlZiI6IjEyOSJ9LCJJc1Zpc2libGUiOnRydWUsIldpZHRoIjowLjAsIkhlaWdodCI6MC4wLCJCb3JkZXJTdHlsZSI6eyIkaWQiOiI0MTciLCJMaW5lQ29sb3IiOm51bGwsIkxpbmVXZWlnaHQiOjAuMCwiTGluZVR5cGUiOjAsIlBhcmVudFN0eWxlIjpudWxsfSwiUGFyZW50U3R5bGUiOnsiJHJlZiI6IjEyMyJ9fSwiRGF0ZUZvcm1hdCI6eyIkcmVmIjoiMTMwIn0sIklzVmlzaWJsZSI6dHJ1ZSwiUGFyZW50U3R5bGUiOnsiJHJlZiI6Ijg2In19LCJJbmRleCI6NSwiU21hcnREdXJhdGlvbkFjdGl2YXRlZCI6ZmFsc2UsIkRhdGVGb3JtYXQiOnsiJHJlZiI6IjEzMCJ9LCJJZCI6ImZlODJhMDU0LWViNzItNDg1MS1hOTNmLTZhNjA2NDMyYmZhYyIsIkltcG9ydElkIjpudWxsLCJUaXRsZSI6IlRldCBIb2xpZGF5IiwiTm90ZSI6bnVsbCwiSHlwZXJsaW5rIjp7IiRpZCI6IjQxOCIsIkFkZHJlc3MiOiIiLCJTdWJBZGRyZXNzIjoiIn0sIklzQ2hhbmdlZCI6ZmFsc2UsIklzTmV3Ijp0cnVlfSx7IiRpZCI6IjQxOSIsIkdyb3VwTmFtZSI6bnVsbCwiU3RhcnREYXRlIjoiMjAyMC0wNC0zMFQwMDowMDowMFoiLCJFbmREYXRlIjoiMjAyMC0wNC0zMFQyMzo1OTowMFoiLCJQZXJjZW50YWdlQ29tcGxldGUiOm51bGwsIlN0eWxlIjp7IiRpZCI6IjQyMCIsIlNoYXBlIjowLCJTaGFwZVRoaWNrbmVzcyI6MSwiRHVyYXRpb25Gb3JtYXQiOjAsIkluY2x1ZGVOb25Xb3JraW5nRGF5c0luRHVyYXRpb24iOmZhbHNlLCJQZXJjZW50YWdlQ29tcGxldGVTdHlsZSI6eyIkaWQiOiI0MjEiLCJGb250U2V0dGluZ3MiOnsiJGlkIjoiNDIyIiwiRm9udFNpemUiOjEwLCJGb250TmFtZSI6IkNhbGlicmkiLCJJc0JvbGQiOmZhbHNlLCJJc0l0YWxpYyI6ZmFsc2UsIklzVW5kZXJsaW5lZCI6ZmFsc2UsIlBhcmVudFN0eWxlIjpudWxsfSwiQXV0b1NpemUiOjAsIkZvcmVncm91bmQiOnsiJHJlZiI6Ijg5In0sIk1heFdpZHRoIjoyMDAuMCwiTWF4SGVpZ2h0IjoiSW5maW5pdHkiLCJTbWFydEZvcmVncm91bmRJc0FjdGl2ZSI6ZmFsc2UsIkhvcml6b250YWxBbGlnbm1lbnQiOjAsIlZlcnRpY2FsQWxpZ25tZW50IjowLCJTbWFydEZvcmVncm91bmQiOm51bGwsIkJhY2tncm91bmRGaWxsVHlwZSI6MCwiTWFyZ2luIjp7IiRyZWYiOiI5MSJ9LCJQYWRkaW5nIjp7IiRyZWYiOiI5MiJ9LCJCYWNrZ3JvdW5kIjp7IiRyZWYiOiI5MyJ9LCJJc1Zpc2libGUiOnRydWUsIldpZHRoIjowLjAsIkhlaWdodCI6MC4wLCJCb3JkZXJTdHlsZSI6eyIkaWQiOiI0MjMiLCJMaW5lQ29sb3IiOm51bGwsIkxpbmVXZWlnaHQiOjAuMCwiTGluZVR5cGUiOjAsIlBhcmVudFN0eWxlIjpudWxsfSwiUGFyZW50U3R5bGUiOm51bGx9LCJEdXJhdGlvblN0eWxlIjp7IiRpZCI6IjQyNCIsIkZvbnRTZXR0aW5ncyI6eyIkaWQiOiI0MjUiLCJGb250U2l6ZSI6MTAsIkZvbnROYW1lIjoiQ2FsaWJyaSIsIklzQm9sZCI6ZmFsc2UsIklzSXRhbGljIjpmYWxzZSwiSXNVbmRlcmxpbmVkIjpmYWxzZSwiUGFyZW50U3R5bGUiOm51bGx9LCJBdXRvU2l6ZSI6MCwiRm9yZWdyb3VuZCI6eyIkaWQiOiI0MjYiLCJDb2xvciI6eyIkaWQiOiI0MjciLCJBIjoyNTUsIlIiOjAsIkciOjAsIkIiOjB9fSwiTWF4V2lkdGgiOjIwMC4wLCJNYXhIZWlnaHQiOiJJbmZpbml0eSIsIlNtYXJ0Rm9yZWdyb3VuZElzQWN0aXZlIjpmYWxzZSwiSG9yaXpvbnRhbEFsaWdubWVudCI6MCwiVmVydGljYWxBbGlnbm1lbnQiOjAsIlNtYXJ0Rm9yZWdyb3VuZCI6bnVsbCwiQmFja2dyb3VuZEZpbGxUeXBlIjowLCJNYXJnaW4iOnsiJHJlZiI6Ijk5In0sIlBhZGRpbmciOnsiJHJlZiI6IjEwMCJ9LCJCYWNrZ3JvdW5kIjp7IiRyZWYiOiIxMDEifSwiSXNWaXNpYmxlIjp0cnVlLCJXaWR0aCI6MC4wLCJIZWlnaHQiOjAuMCwiQm9yZGVyU3R5bGUiOnsiJGlkIjoiNDI4IiwiTGluZUNvbG9yIjpudWxsLCJMaW5lV2VpZ2h0IjowLjAsIkxpbmVUeXBlIjowLCJQYXJlbnRTdHlsZSI6bnVsbH0sIlBhcmVudFN0eWxlIjpudWxsfSwiSG9yaXpvbnRhbENvbm5lY3RvclN0eWxlIjp7IiRpZCI6IjQyOSIsIkxpbmVDb2xvciI6eyIkcmVmIjoiMTAzIn0sIkxpbmVXZWlnaHQiOjEuMCwiTGluZVR5cGUiOjAsIlBhcmVudFN0eWxlIjpudWxsfSwiVmVydGljYWxDb25uZWN0b3JTdHlsZSI6eyIkaWQiOiI0MzAiLCJMaW5lQ29sb3IiOnsiJHJlZiI6IjEwNiJ9LCJMaW5lV2VpZ2h0IjowLjAsIkxpbmVUeXBlIjowLCJQYXJlbnRTdHlsZSI6bnVsbH0sIk1hcmdpbiI6bnVsbCwiU3RhcnREYXRlUG9zaXRpb24iOjQsIkVuZERhdGVQb3NpdGlvbiI6NCwiRGF0ZUlzVmlzaWJsZSI6dHJ1ZSwiVGl0bGVQb3NpdGlvbiI6NSwiRHVyYXRpb25Qb3NpdGlvbiI6MCwiUGVyY2VudGFnZUNvbXBsZXRlZFBvc2l0aW9uIjo2LCJTcGFjaW5nIjoxMCwiSXNCZWxvd1RpbWViYW5kIjp0cnVlLCJQZXJjZW50YWdlQ29tcGxldGVTaGFwZU9wYWNpdHkiOjM1LCJTaGFwZVN0eWxlIjp7IiRpZCI6IjQzMSIsIk1hcmdpbiI6eyIkcmVmIjoiMTA5In0sIlBhZGRpbmciOnsiJHJlZiI6IjExMCJ9LCJCYWNrZ3JvdW5kIjp7IiRpZCI6IjQzMiIsIkNvbG9yIjp7IiRpZCI6IjQzMyIsIkEiOjI1NSwiUiI6OTEsIkciOjE1NSwiQiI6MjEzfX0sIklzVmlzaWJsZSI6dHJ1ZSwiV2lkdGgiOjAuMCwiSGVpZ2h0IjoxNi4wLCJCb3JkZXJTdHlsZSI6eyIkaWQiOiI0MzQiLCJMaW5lQ29sb3IiOnsiJHJlZiI6IjExNCJ9LCJMaW5lV2VpZ2h0IjowLjAsIkxpbmVUeXBlIjowLCJQYXJlbnRTdHlsZSI6bnVsbH0sIlBhcmVudFN0eWxlIjpudWxsfSwiVGl0bGVTdHlsZSI6eyIkaWQiOiI0MzUiLCJGb250U2V0dGluZ3MiOnsiJGlkIjoiNDM2IiwiRm9udFNpemUiOjExLCJGb250TmFtZSI6IkNhbGlicmkiLCJJc0JvbGQiOnRydWUsIklzSXRhbGljIjpmYWxzZSwiSXNVbmRlcmxpbmVkIjpmYWxzZSwiUGFyZW50U3R5bGUiOm51bGx9LCJBdXRvU2l6ZSI6MCwiRm9yZWdyb3VuZCI6eyIkaWQiOiI0MzciLCJDb2xvciI6eyIkaWQiOiI0MzgiLCJBIjoyNTUsIlIiOjAsIkciOjAsIkIiOjB9fSwiTWF4V2lkdGgiOjcyMC4wLCJNYXhIZWlnaHQiOiJJbmZpbml0eSIsIlNtYXJ0Rm9yZWdyb3VuZElzQWN0aXZlIjpmYWxzZSwiSG9yaXpvbnRhbEFsaWdubWVudCI6MCwiVmVydGljYWxBbGlnbm1lbnQiOjAsIlNtYXJ0Rm9yZWdyb3VuZCI6bnVsbCwiQmFja2dyb3VuZEZpbGxUeXBlIjowLCJNYXJnaW4iOnsiJHJlZiI6IjEyMCJ9LCJQYWRkaW5nIjp7IiRyZWYiOiIxMjEifSwiQmFja2dyb3VuZCI6eyIkcmVmIjoiMTIyIn0sIklzVmlzaWJsZSI6dHJ1ZSwiV2lkdGgiOjAuMCwiSGVpZ2h0IjowLjAsIkJvcmRlclN0eWxlIjp7IiRpZCI6IjQzOSIsIkxpbmVDb2xvciI6bnVsbCwiTGluZVdlaWdodCI6MC4wLCJMaW5lVHlwZSI6MCwiUGFyZW50U3R5bGUiOm51bGx9LCJQYXJlbnRTdHlsZSI6bnVsbH0sIkRhdGVTdHlsZSI6eyIkaWQiOiI0NDAiLCJGb250U2V0dGluZ3MiOnsiJGlkIjoiNDQxIiwiRm9udFNpemUiOjEwLCJGb250TmFtZSI6IkNhbGlicmkiLCJJc0JvbGQiOmZhbHNlLCJJc0l0YWxpYyI6ZmFsc2UsIklzVW5kZXJsaW5lZCI6ZmFsc2UsIlBhcmVudFN0eWxlIjpudWxsfSwiQXV0b1NpemUiOjAsIkZvcmVncm91bmQiOnsiJGlkIjoiNDQyIiwiQ29sb3IiOnsiJGlkIjoiNDQzIiwiQSI6MjU1LCJSIjowLCJHIjowLCJCIjowfX0sIk1heFdpZHRoIjoyMDAuMCwiTWF4SGVpZ2h0IjoiSW5maW5pdHkiLCJTbWFydEZvcmVncm91bmRJc0FjdGl2ZSI6ZmFsc2UsIkhvcml6b250YWxBbGlnbm1lbnQiOjAsIlZlcnRpY2FsQWxpZ25tZW50IjowLCJTbWFydEZvcmVncm91bmQiOm51bGwsIkJhY2tncm91bmRGaWxsVHlwZSI6MCwiTWFyZ2luIjp7IiRyZWYiOiIxMjcifSwiUGFkZGluZyI6eyIkcmVmIjoiMTI4In0sIkJhY2tncm91bmQiOnsiJHJlZiI6IjEyOSJ9LCJJc1Zpc2libGUiOnRydWUsIldpZHRoIjowLjAsIkhlaWdodCI6MC4wLCJCb3JkZXJTdHlsZSI6eyIkaWQiOiI0NDQiLCJMaW5lQ29sb3IiOm51bGwsIkxpbmVXZWlnaHQiOjAuMCwiTGluZVR5cGUiOjAsIlBhcmVudFN0eWxlIjpudWxsfSwiUGFyZW50U3R5bGUiOm51bGx9LCJEYXRlRm9ybWF0Ijp7IiRpZCI6IjQ0NSIsIkZvcm1hdFN0cmluZyI6Ik1NTSBkIiwiU2VwYXJhdG9yIjoiLyIsIlVzZUludGVybmF0aW9uYWxEYXRlRm9ybWF0IjpmYWxzZSwiRGF0ZUlzVmlzaWJsZSI6dHJ1ZSwiVGltZUlzVmlzaWJsZSI6ZmFsc2UsIkhvdXJEaWdpdHMiOjEsIkFtUG1EZXNpZ25hdG9yIjoyLCJUcmltMDBNaW51dGVzIjpmYWxzZSwiTGFzdEtub3duVmlzaWJpbGl0eVN0YXRlIjp7IiRpZCI6IjQ0NiIsIkRhdGVQYXJ0SXNWaXNpYmxlIjpmYWxzZSwiVGltZVBhcnRJc1Zpc2libGUiOmZhbHNlfX0sIklzVmlzaWJsZSI6dHJ1ZSwiUGFyZW50U3R5bGUiOm51bGx9LCJJbmRleCI6NiwiU21hcnREdXJhdGlvbkFjdGl2YXRlZCI6ZmFsc2UsIkRhdGVGb3JtYXQiOnsiJHJlZiI6IjQ0NSJ9LCJJZCI6IjMxM2ExNjFkLTJhN2YtNGVhZC1hNDQzLWU4YzM0MmQ3Njg2MCIsIkltcG9ydElkIjpudWxsLCJUaXRsZSI6IkNsb3NlIFByb2plY3QiLCJOb3RlIjpudWxsLCJIeXBlcmxpbmsiOnsiJGlkIjoiNDQ3IiwiQWRkcmVzcyI6IiIsIlN1YkFkZHJlc3MiOiIifSwiSXNDaGFuZ2VkIjpmYWxzZSwiSXNOZXciOmZhbHNlfV0sIlN3aW1sYW5lcyI6W10sIk1zUHJvamVjdEl0ZW1zVHJlZSI6eyIkaWQiOiI0NDgiLCJSb290Ijp7IkltcG9ydElkIjpudWxsLCJJc0ltcG9ydGVkIjpmYWxzZSwiQ2hpbGRyZW4iOltdfX0sIk1ldGFkYXRhIjp7IiRpZCI6IjQ0OSIsIlJlY2VudENvbG9yc0NvbGxlY3Rpb24iOiJbXCIjRkZFQTE2MUVcIixcIiNGRkZFQkEwQVwiXSJ9LCJTZXR0aW5ncyI6eyIkaWQiOiI0NTAiLCJJbXBhT3B0aW9ucyI6bnVsbCwiVXNlQ29tcHJlc3Npb24iOmZhbHNlLCJDb21wcmVzaW9uUGVyY2VudGFnZSI6NTAuMCwiSW5hY3RpdmVJbnRlcnZhbFdpZHRoVGhyZXNob2xkIjozMC4wLCJJbmFjdGl2ZUludGVydmFsV2lkdGgiOjEuMCwiU3BsaXRUYXNrcyI6ZmFsc2UsIlVzZUNsdXN0ZXIiOmZhbHNlLCJFcHNpbG9uIjowLjAsIk1pblBvaW50c1RvRm9ybUFDbHVzdGVyIjoyLCJHZW5lcmF0ZUludmlzaWJsZVNoYXBlcyI6dHJ1ZSwiU21hcnRUaW1lbGluZVRhc2tQZXJjZW50YWdlRml0IjpmYWxzZX0sIklzTmV3IjpmYWxzZSwiSW1wb3J0VHlwZSI6MCwiRmlsZVBhdGgiOm51bGwsIlRpbWVDb25maWd1cmF0aW9uIjp7IiRpZCI6IjQ1MSIsIlVzZVRpbWUiOmZhbHNlLCJXb3JrRGF5U3RhcnQiOiIwMDowMDowMCIsIldvcmtEYXlFbmQiOiIyMzo1OTowMCJ9LCJMYXN0VXNlZFRlbXBsYXRlSWQiOiI3MzU1YjYzMy1hYzY2LTQ1MjgtOGI0ZC0yOTlmYWVkYzllZTkifQ=="/>
+  <p:tag name="__PART_0" val="eyIkaWQiOiIxIiwiQ3VsdHVyZUluZm9OYW1lIjoiZW4tVVMiLCJTdHlsZU5hbWUiOiJTdGFuZGFyZCIsIlZlcnNpb24iOnsiJGlkIjoiMiIsIlZlcnNpb24iOiIzLjIuMCIsIk9yaWdpbmFsQXNzZW1ibHlWZXJzaW9uIjoiMS4wMC4wMC4wMCIsIkVkaXRpb24iOiJQbHVzIiwiSXNQbHVzRWRpdGlvbiI6dHJ1ZSwiSXNQcm9FZGl0aW9uIjpmYWxzZX0sIkVmZmVjdCI6MSwiU3R5bGUiOnsiJGlkIjoiMyIsIlRpbWViYW5kU3R5bGUiOnsiJGlkIjoiNCIsIlNjYWxlTWFya2luZyI6MCwiU2hhcGUiOjAsIlNoYXBlU3R5bGUiOnsiJGlkIjoiNSIsIk1hcmdpbiI6eyIkaWQiOiI2IiwiVG9wIjowLCJMZWZ0IjoxMiwiUmlnaHQiOjEyLCJCb3R0b20iOjB9LCJQYWRkaW5nIjp7IiRpZCI6IjciLCJUb3AiOjUsIkxlZnQiOjAsIlJpZ2h0IjowLCJCb3R0b20iOjV9LCJCYWNrZ3JvdW5kIjp7IiRpZCI6IjgiLCJDb2xvciI6eyIkaWQiOiI5IiwiQSI6MjU1LCJSIjozMSwiRyI6NzMsIkIiOjEyNX19LCJJc1Zpc2libGUiOnRydWUsIldpZHRoIjo4NTguMCwiSGVpZ2h0IjozMC4wLCJCb3JkZXJTdHlsZSI6eyIkaWQiOiIxMCIsIkxpbmVDb2xvciI6eyIkaWQiOiIxMSIsIiR0eXBlIjoiTkxSRS5Db21tb24uRG9tLlNvbGlkQ29sb3JCcnVzaCwgTkxSRS5Db21tb24iLCJDb2xvciI6eyIkaWQiOiIxMiIsIkEiOjI1NSwiUiI6MjU1LCJHIjowLCJCIjowfX0sIkxpbmVXZWlnaHQiOjAuMCwiTGluZVR5cGUiOjAsIlBhcmVudFN0eWxlIjpudWxsfSwiUGFyZW50U3R5bGUiOm51bGx9LCJSaWdodEVuZENhcHNTdHlsZSI6eyIkaWQiOiIxMyIsIkZvbnRTZXR0aW5ncyI6eyIkaWQiOiIxNCIsIkZvbnRTaXplIjoxOCwiRm9udE5hbWUiOiJDYWxpYnJpIiwiSXNCb2xkIjp0cnVlLCJJc0l0YWxpYyI6ZmFsc2UsIklzVW5kZXJsaW5lZCI6ZmFsc2UsIlBhcmVudFN0eWxlIjpudWxsfSwiQXV0b1NpemUiOjAsIkZvcmVncm91bmQiOnsiJGlkIjoiMTUiLCJDb2xvciI6eyIkaWQiOiIxNiIsIkEiOjI1NSwiUiI6MjM3LCJHIjoxMjUsIkIiOjQ5fX0sIk1heFdpZHRoIjoiSW5maW5pdHkiLCJNYXhIZWlnaHQiOiJJbmZpbml0eSIsIlNtYXJ0Rm9yZWdyb3VuZElzQWN0aXZlIjpmYWxzZSwiSG9yaXpvbnRhbEFsaWdubWVudCI6MCwiVmVydGljYWxBbGlnbm1lbnQiOjAsIlNtYXJ0Rm9yZWdyb3VuZCI6bnVsbCwiQmFja2dyb3VuZEZpbGxUeXBlIjowLCJNYXJnaW4iOnsiJGlkIjoiMTciLCJUb3AiOjAsIkxlZnQiOjAsIlJpZ2h0IjoyNSwiQm90dG9tIjowfSwiUGFkZGluZyI6eyIkaWQiOiIxOCIsIlRvcCI6MCwiTGVmdCI6MCwiUmlnaHQiOjAsIkJvdHRvbSI6MH0sIkJhY2tncm91bmQiOnsiJGlkIjoiMTkiLCJDb2xvciI6eyIkaWQiOiIyMCIsIkEiOjI1NSwiUiI6MjU1LCJHIjoyNTUsIkIiOjI1NX19LCJJc1Zpc2libGUiOnRydWUsIldpZHRoIjowLjAsIkhlaWdodCI6MC4wLCJCb3JkZXJTdHlsZSI6bnVsbCwiUGFyZW50U3R5bGUiOm51bGx9LCJMZWZ0RW5kQ2Fwc1N0eWxlIjp7IiRpZCI6IjIxIiwiRm9udFNldHRpbmdzIjp7IiRpZCI6IjIyIiwiRm9udFNpemUiOjE4LCJGb250TmFtZSI6IkNhbGlicmkiLCJJc0JvbGQiOnRydWUsIklzSXRhbGljIjpmYWxzZSwiSXNVbmRlcmxpbmVkIjpmYWxzZSwiUGFyZW50U3R5bGUiOm51bGx9LCJBdXRvU2l6ZSI6MCwiRm9yZWdyb3VuZCI6eyIkaWQiOiIyMyIsIkNvbG9yIjp7IiRpZCI6IjI0IiwiQSI6MjU1LCJSIjoyMzcsIkciOjEyNSwiQiI6NDl9fSwiTWF4V2lkdGgiOiJJbmZpbml0eSIsIk1heEhlaWdodCI6IkluZmluaXR5IiwiU21hcnRGb3JlZ3JvdW5kSXNBY3RpdmUiOmZhbHNlLCJIb3Jpem9udGFsQWxpZ25tZW50IjowLCJWZXJ0aWNhbEFsaWdubWVudCI6MCwiU21hcnRGb3JlZ3JvdW5kIjpudWxsLCJCYWNrZ3JvdW5kRmlsbFR5cGUiOjAsIk1hcmdpbiI6eyIkaWQiOiIyNSIsIlRvcCI6MCwiTGVmdCI6MjUsIlJpZ2h0IjowLCJCb3R0b20iOjB9LCJQYWRkaW5nIjp7IiRpZCI6IjI2IiwiVG9wIjowLCJMZWZ0IjowLCJSaWdodCI6MCwiQm90dG9tIjowfSwiQmFja2dyb3VuZCI6eyIkaWQiOiIyNyIsIkNvbG9yIjp7IiRpZCI6IjI4IiwiQSI6MjU1LCJSIjoyNTUsIkciOjI1NSwiQiI6MjU1fX0sIklzVmlzaWJsZSI6dHJ1ZSwiV2lkdGgiOjAuMCwiSGVpZ2h0IjowLjAsIkJvcmRlclN0eWxlIjpudWxsLCJQYXJlbnRTdHlsZSI6bnVsbH0sIlRvZGF5VGV4dFN0eWxlIjp7IiRpZCI6IjI5IiwiRm9udFNldHRpbmdzIjp7IiRpZCI6IjMwIiwiRm9udFNpemUiOjEyLCJGb250TmFtZSI6IkNhbGlicmkiLCJJc0JvbGQiOmZhbHNlLCJJc0l0YWxpYyI6ZmFsc2UsIklzVW5kZXJsaW5lZCI6ZmFsc2UsIlBhcmVudFN0eWxlIjpudWxsfSwiQXV0b1NpemUiOjAsIkZvcmVncm91bmQiOnsiJGlkIjoiMzEiLCJDb2xvciI6eyIkaWQiOiIzMiIsIkEiOjI1NSwiUiI6MCwiRyI6MCwiQiI6MH19LCJNYXhXaWR0aCI6MjAwLjAsIk1heEhlaWdodCI6IkluZmluaXR5IiwiU21hcnRGb3JlZ3JvdW5kSXNBY3RpdmUiOmZhbHNlLCJIb3Jpem9udGFsQWxpZ25tZW50IjowLCJWZXJ0aWNhbEFsaWdubWVudCI6MCwiU21hcnRGb3JlZ3JvdW5kIjpudWxsLCJCYWNrZ3JvdW5kRmlsbFR5cGUiOjAsIk1hcmdpbiI6eyIkaWQiOiIzMyIsIlRvcCI6MCwiTGVmdCI6MCwiUmlnaHQiOjAsIkJvdHRvbSI6MH0sIlBhZGRpbmciOnsiJGlkIjoiMzQiLCJUb3AiOjAsIkxlZnQiOjAsIlJpZ2h0IjowLCJCb3R0b20iOjB9LCJCYWNrZ3JvdW5kIjp7IiRpZCI6IjM1IiwiQ29sb3IiOnsiJGlkIjoiMzYiLCJBIjoyNTUsIlIiOjI1NSwiRyI6MjU1LCJCIjoyNTV9fSwiSXNWaXNpYmxlIjp0cnVlLCJXaWR0aCI6MC4wLCJIZWlnaHQiOjAuMCwiQm9yZGVyU3R5bGUiOm51bGwsIlBhcmVudFN0eWxlIjpudWxsfSwiVG9kYXlNYXJrZXJTdHlsZSI6eyIkaWQiOiIzNyIsIk1hcmdpbiI6eyIkaWQiOiIzOCIsIlRvcCI6MCwiTGVmdCI6MCwiUmlnaHQiOjAsIkJvdHRvbSI6MH0sIlBhZGRpbmciOnsiJGlkIjoiMzkiLCJUb3AiOjAsIkxlZnQiOjAsIlJpZ2h0IjowLCJCb3R0b20iOjB9LCJCYWNrZ3JvdW5kIjp7IiRpZCI6IjQwIiwiQ29sb3IiOnsiJGlkIjoiNDEiLCJBIjoyNTUsIlIiOjI1NSwiRyI6MCwiQiI6MH19LCJJc1Zpc2libGUiOnRydWUsIldpZHRoIjowLjAsIkhlaWdodCI6MC4wLCJCb3JkZXJTdHlsZSI6bnVsbCwiUGFyZW50U3R5bGUiOm51bGx9LCJTY2FsZVN0eWxlIjp7IiRpZCI6IjQyIiwiU2hvd1NlZ21lbnRTZXBhcmF0b3JzIjp0cnVlLCJTZWdtZW50U2VwYXJhdG9yT3BhY2l0eSI6MzAsIkZvbnRTZXR0aW5ncyI6eyIkaWQiOiI0MyIsIkZvbnRTaXplIjoxMiwiRm9udE5hbWUiOiJDYWxpYnJpIiwiSXNCb2xkIjpmYWxzZSwiSXNJdGFsaWMiOmZhbHNlLCJJc1VuZGVybGluZWQiOmZhbHNlLCJQYXJlbnRTdHlsZSI6bnVsbH0sIkF1dG9TaXplIjowLCJGb3JlZ3JvdW5kIjp7IiRpZCI6IjQ0IiwiQ29sb3IiOnsiJGlkIjoiNDUiLCJBIjoyNTUsIlIiOjI1NSwiRyI6MjU1LCJCIjoyNTV9fSwiTWF4V2lkdGgiOjIwMC4wLCJNYXhIZWlnaHQiOiJJbmZpbml0eSIsIlNtYXJ0Rm9yZWdyb3VuZElzQWN0aXZlIjpmYWxzZSwiSG9yaXpvbnRhbEFsaWdubWVudCI6MCwiVmVydGljYWxBbGlnbm1lbnQiOjEsIlNtYXJ0Rm9yZWdyb3VuZCI6bnVsbCwiQmFja2dyb3VuZEZpbGxUeXBlIjowLCJNYXJnaW4iOnsiJGlkIjoiNDYiLCJUb3AiOjAsIkxlZnQiOjUsIlJpZ2h0IjowLCJCb3R0b20iOjB9LCJQYWRkaW5nIjp7IiRpZCI6IjQ3IiwiVG9wIjowLCJMZWZ0IjowLCJSaWdodCI6MCwiQm90dG9tIjowfSwiQmFja2dyb3VuZCI6eyIkaWQiOiI0OCIsIkNvbG9yIjp7IiRpZCI6IjQ5IiwiQSI6ODksIlIiOjAsIkciOjAsIkIiOjB9fSwiSXNWaXNpYmxlIjp0cnVlLCJXaWR0aCI6MC4wLCJIZWlnaHQiOjAuMCwiQm9yZGVyU3R5bGUiOm51bGwsIlBhcmVudFN0eWxlIjpudWxsfSwiRWxhcHNlZFRpbWVCYWNrZ3JvdW5kIjp7IiRpZCI6IjUwIiwiQ29sb3IiOnsiJGlkIjoiNTEiLCJBIjoxOTEsIlIiOjI1NSwiRyI6MCwiQiI6MH19LCJBcHBlbmRZZWFyT25ZZWFyQ2hhbmdlIjp0cnVlLCJFbGFwc2VkVGltZUZvcm1hdCI6MiwiVG9kYXlNYXJrZXJQb3NpdGlvbiI6MiwiUXVpY2tQb3NpdGlvbiI6MywiQWJzb2x1dGVQb3NpdGlvbiI6MTk2LjgsIk1hcmdpbiI6eyIkaWQiOiI1MiIsIlRvcCI6MCwiTGVmdCI6MTAsIlJpZ2h0IjoxMCwiQm90dG9tIjowfSwiUGFkZGluZyI6eyIkaWQiOiI1MyIsIlRvcCI6MCwiTGVmdCI6MCwiUmlnaHQiOjAsIkJvdHRvbSI6MH0sIkJhY2tncm91bmQiOnsiJGlkIjoiNTQiLCJDb2xvciI6eyIkaWQiOiI1NSIsIkEiOjI1NSwiUiI6MzEsIkciOjczLCJCIjoxMjV9fSwiSXNWaXNpYmxlIjp0cnVlLCJXaWR0aCI6MC4wLCJIZWlnaHQiOjAuMCwiQm9yZGVyU3R5bGUiOm51bGwsIlBhcmVudFN0eWxlIjpudWxsfSwiRGVmYXVsdE1pbGVzdG9uZVN0eWxlIjp7IiRpZCI6IjU2IiwiU2hhcGUiOjAsIkNvbm5lY3Rvck1hcmdpbiI6eyIkaWQiOiI1NyIsIlRvcCI6MCwiTGVmdCI6MiwiUmlnaHQiOjIsIkJvdHRvbSI6MH0sIkNvbm5lY3RvclN0eWxlIjp7IiRpZCI6IjU4IiwiTGluZUNvbG9yIjp7IiRpZCI6IjU5IiwiJHR5cGUiOiJOTFJFLkNvbW1vbi5Eb20uU29saWRDb2xvckJydXNoLCBOTFJFLkNvbW1vbiIsIkNvbG9yIjp7IiRpZCI6IjYwIiwiQSI6MjU1LCJSIjo3OSwiRyI6MTI5LCJCIjoxODl9fSwiTGluZVdlaWdodCI6MS4wLCJMaW5lVHlwZSI6MCwiUGFyZW50U3R5bGUiOm51bGx9LCJJc0JlbG93VGltZWJhbmQiOmZhbHNlLCJQb3NpdGlvbk9uVGFzayI6MCwiSGlkZURhdGUiOmZhbHNlLCJTaGFwZVNpemUiOjEsIlNwYWNpbmciOjEuMCwiUGFkZGluZyI6eyIkaWQiOiI2MSIsIlRvcCI6NywiTGVmdCI6MywiUmlnaHQiOjAsIkJvdHRvbSI6Mn0sIlNoYXBlU3R5bGUiOnsiJGlkIjoiNjIiLCJNYXJnaW4iOnsiJGlkIjoiNjMiLCJUb3AiOjAsIkxlZnQiOjAsIlJpZ2h0IjowLCJCb3R0b20iOjB9LCJQYWRkaW5nIjp7IiRpZCI6IjY0IiwiVG9wIjowLCJMZWZ0IjowLCJSaWdodCI6MCwiQm90dG9tIjowfSwiQmFja2dyb3VuZCI6eyIkaWQiOiI2NSIsIkNvbG9yIjp7IiRpZCI6IjY2IiwiQSI6MjU1LCJSIjowLCJHIjoxMTQsIkIiOjE4OH19LCJJc1Zpc2libGUiOnRydWUsIldpZHRoIjoxOC4wLCJIZWlnaHQiOjIwLjAsIkJvcmRlclN0eWxlIjp7IiRpZCI6IjY3IiwiTGluZUNvbG9yIjp7IiRpZCI6IjY4IiwiJHR5cGUiOiJOTFJFLkNvbW1vbi5Eb20uU29saWRDb2xvckJydXNoLCBOTFJFLkNvbW1vbiIsIkNvbG9yIjp7IiRpZCI6IjY5IiwiQSI6MjU1LCJSIjoyNTUsIkciOjAsIkIiOjB9fSwiTGluZVdlaWdodCI6MC4wLCJMaW5lVHlwZSI6MCwiUGFyZW50U3R5bGUiOm51bGx9LCJQYXJlbnRTdHlsZSI6bnVsbH0sIlRpdGxlU3R5bGUiOnsiJGlkIjoiNzAiLCJGb250U2V0dGluZ3MiOnsiJGlkIjoiNzEiLCJGb250U2l6ZSI6MTEsIkZvbnROYW1lIjoiQ2FsaWJyaSIsIklzQm9sZCI6ZmFsc2UsIklzSXRhbGljIjpmYWxzZSwiSXNVbmRlcmxpbmVkIjpmYWxzZSwiUGFyZW50U3R5bGUiOm51bGx9LCJBdXRvU2l6ZSI6MCwiRm9yZWdyb3VuZCI6eyIkaWQiOiI3MiIsIkNvbG9yIjp7IiRpZCI6IjczIiwiQSI6MjU1LCJSIjowLCJHIjowLCJCIjowfX0sIk1heFdpZHRoIjoyMDAuMCwiTWF4SGVpZ2h0IjoiSW5maW5pdHkiLCJTbWFydEZvcmVncm91bmRJc0FjdGl2ZSI6ZmFsc2UsIkhvcml6b250YWxBbGlnbm1lbnQiOjEsIlZlcnRpY2FsQWxpZ25tZW50IjowLCJTbWFydEZvcmVncm91bmQiOm51bGwsIkJhY2tncm91bmRGaWxsVHlwZSI6MCwiTWFyZ2luIjp7IiRpZCI6Ijc0IiwiVG9wIjowLCJMZWZ0IjowLCJSaWdodCI6MCwiQm90dG9tIjowfSwiUGFkZGluZyI6eyIkaWQiOiI3NSIsIlRvcCI6MCwiTGVmdCI6MCwiUmlnaHQiOjAsIkJvdHRvbSI6MH0sIkJhY2tncm91bmQiOnsiJGlkIjoiNzYiLCJDb2xvciI6eyIkcmVmIjoiNDkifX0sIklzVmlzaWJsZSI6dHJ1ZSwiV2lkdGgiOjAuMCwiSGVpZ2h0IjowLjAsIkJvcmRlclN0eWxlIjpudWxsLCJQYXJlbnRTdHlsZSI6bnVsbH0sIkRhdGVTdHlsZSI6eyIkaWQiOiI3NyIsIkZvbnRTZXR0aW5ncyI6eyIkaWQiOiI3OCIsIkZvbnRTaXplIjoxMCwiRm9udE5hbWUiOiJDYWxpYnJpIiwiSXNCb2xkIjpmYWxzZSwiSXNJdGFsaWMiOmZhbHNlLCJJc1VuZGVybGluZWQiOmZhbHNlLCJQYXJlbnRTdHlsZSI6bnVsbH0sIkF1dG9TaXplIjowLCJGb3JlZ3JvdW5kIjp7IiRpZCI6Ijc5IiwiQ29sb3IiOnsiJGlkIjoiODAiLCJBIjoyNTUsIlIiOjY4LCJHIjo4NCwiQiI6MTA2fX0sIk1heFdpZHRoIjoyMDAuMCwiTWF4SGVpZ2h0IjoiSW5maW5pdHkiLCJTbWFydEZvcmVncm91bmRJc0FjdGl2ZSI6ZmFsc2UsIkhvcml6b250YWxBbGlnbm1lbnQiOjAsIlZlcnRpY2FsQWxpZ25tZW50IjowLCJTbWFydEZvcmVncm91bmQiOm51bGwsIkJhY2tncm91bmRGaWxsVHlwZSI6MCwiTWFyZ2luIjp7IiRpZCI6IjgxIiwiVG9wIjowLCJMZWZ0IjowLCJSaWdodCI6MCwiQm90dG9tIjowfSwiUGFkZGluZyI6eyIkaWQiOiI4MiIsIlRvcCI6MCwiTGVmdCI6MCwiUmlnaHQiOjAsIkJvdHRvbSI6MH0sIkJhY2tncm91bmQiOnsiJGlkIjoiODMiLCJDb2xvciI6eyIkcmVmIjoiNDkifX0sIklzVmlzaWJsZSI6dHJ1ZSwiV2lkdGgiOjAuMCwiSGVpZ2h0IjowLjAsIkJvcmRlclN0eWxlIjpudWxsLCJQYXJlbnRTdHlsZSI6bnVsbH0sIkRhdGVGb3JtYXQiOnsiJGlkIjoiODQiLCJGb3JtYXRTdHJpbmciOiJNTU0gZCIsIlNlcGFyYXRvciI6Ii8iLCJVc2VJbnRlcm5hdGlvbmFsRGF0ZUZvcm1hdCI6ZmFsc2UsIkRhdGVJc1Zpc2libGUiOnRydWUsIlRpbWVJc1Zpc2libGUiOmZhbHNlLCJIb3VyRGlnaXRzIjoxLCJBbVBtRGVzaWduYXRvciI6MiwiVHJpbTAwTWludXRlcyI6ZmFsc2UsIkxhc3RLbm93blZpc2liaWxpdHlTdGF0ZSI6eyIkaWQiOiI4NSIsIkRhdGVQYXJ0SXNWaXNpYmxlIjp0cnVlLCJUaW1lUGFydElzVmlzaWJsZSI6ZmFsc2V9fSwiSXNWaXNpYmxlIjp0cnVlLCJQYXJlbnRTdHlsZSI6bnVsbH0sIkRlZmF1bHRUYXNrU3R5bGUiOnsiJGlkIjoiODYiLCJTaGFwZSI6MCwiU2hhcGVUaGlja25lc3MiOjEsIkR1cmF0aW9uRm9ybWF0IjowLCJJbmNsdWRlTm9uV29ya2luZ0RheXNJbkR1cmF0aW9uIjp0cnVlLCJQZXJjZW50YWdlQ29tcGxldGVTdHlsZSI6eyIkaWQiOiI4NyIsIkZvbnRTZXR0aW5ncyI6eyIkaWQiOiI4OCIsIkZvbnRTaXplIjoxMCwiRm9udE5hbWUiOiJDYWxpYnJpIiwiSXNCb2xkIjpmYWxzZSwiSXNJdGFsaWMiOmZhbHNlLCJJc1VuZGVybGluZWQiOmZhbHNlLCJQYXJlbnRTdHlsZSI6bnVsbH0sIkF1dG9TaXplIjowLCJGb3JlZ3JvdW5kIjp7IiRpZCI6Ijg5IiwiQ29sb3IiOnsiJGlkIjoiOTAiLCJBIjoyNTUsIlIiOjE5MiwiRyI6ODAsIkIiOjc3fX0sIk1heFdpZHRoIjoyMDAuMCwiTWF4SGVpZ2h0IjoiSW5maW5pdHkiLCJTbWFydEZvcmVncm91bmRJc0FjdGl2ZSI6ZmFsc2UsIkhvcml6b250YWxBbGlnbm1lbnQiOjAsIlZlcnRpY2FsQWxpZ25tZW50IjowLCJTbWFydEZvcmVncm91bmQiOm51bGwsIkJhY2tncm91bmRGaWxsVHlwZSI6MCwiTWFyZ2luIjp7IiRpZCI6IjkxIiwiVG9wIjowLCJMZWZ0IjowLCJSaWdodCI6MCwiQm90dG9tIjowfSwiUGFkZGluZyI6eyIkaWQiOiI5MiIsIlRvcCI6MCwiTGVmdCI6MCwiUmlnaHQiOjAsIkJvdHRvbSI6MH0sIkJhY2tncm91bmQiOnsiJGlkIjoiOTMiLCJDb2xvciI6eyIkaWQiOiI5NCIsIkEiOjg5LCJSIjoyNTIsIkciOjIyNywiQiI6NTl9fSwiSXNWaXNpYmxlIjp0cnVlLCJXaWR0aCI6MC4wLCJIZWlnaHQiOjAuMCwiQm9yZGVyU3R5bGUiOm51bGwsIlBhcmVudFN0eWxlIjpudWxsfSwiRHVyYXRpb25TdHlsZSI6eyIkaWQiOiI5NSIsIkZvbnRTZXR0aW5ncyI6eyIkaWQiOiI5NiIsIkZvbnRTaXplIjoxMCwiRm9udE5hbWUiOiJDYWxpYnJpIiwiSXNCb2xkIjpmYWxzZSwiSXNJdGFsaWMiOmZhbHNlLCJJc1VuZGVybGluZWQiOmZhbHNlLCJQYXJlbnRTdHlsZSI6bnVsbH0sIkF1dG9TaXplIjowLCJGb3JlZ3JvdW5kIjp7IiRpZCI6Ijk3IiwiQ29sb3IiOnsiJGlkIjoiOTgiLCJBIjoyNTUsIlIiOjAsIkciOjAsIkIiOjB9fSwiTWF4V2lkdGgiOjIwMC4wLCJNYXhIZWlnaHQiOiJJbmZpbml0eSIsIlNtYXJ0Rm9yZWdyb3VuZElzQWN0aXZlIjpmYWxzZSwiSG9yaXpvbnRhbEFsaWdubWVudCI6MCwiVmVydGljYWxBbGlnbm1lbnQiOjAsIlNtYXJ0Rm9yZWdyb3VuZCI6bnVsbCwiQmFja2dyb3VuZEZpbGxUeXBlIjowLCJNYXJnaW4iOnsiJGlkIjoiOTkiLCJUb3AiOjAsIkxlZnQiOjAsIlJpZ2h0IjowLCJCb3R0b20iOjB9LCJQYWRkaW5nIjp7IiRpZCI6IjEwMCIsIlRvcCI6MCwiTGVmdCI6MCwiUmlnaHQiOjAsIkJvdHRvbSI6MH0sIkJhY2tncm91bmQiOnsiJGlkIjoiMTAxIiwiQ29sb3IiOnsiJHJlZiI6IjQ5In19LCJJc1Zpc2libGUiOnRydWUsIldpZHRoIjowLjAsIkhlaWdodCI6MC4wLCJCb3JkZXJTdHlsZSI6bnVsbCwiUGFyZW50U3R5bGUiOm51bGx9LCJIb3Jpem9udGFsQ29ubmVjdG9yU3R5bGUiOnsiJGlkIjoiMTAyIiwiTGluZUNvbG9yIjp7IiRpZCI6IjEwMyIsIiR0eXBlIjoiTkxSRS5Db21tb24uRG9tLlNvbGlkQ29sb3JCcnVzaCwgTkxSRS5Db21tb24iLCJDb2xvciI6eyIkaWQiOiIxMDQiLCJBIjoyNTUsIlIiOjIwNCwiRyI6MjA0LCJCIjoyMDR9fSwiTGluZVdlaWdodCI6MS4wLCJMaW5lVHlwZSI6MCwiUGFyZW50U3R5bGUiOm51bGx9LCJWZXJ0aWNhbENvbm5lY3RvclN0eWxlIjp7IiRpZCI6IjEwNSIsIkxpbmVDb2xvciI6eyIkaWQiOiIxMDYiLCIkdHlwZSI6Ik5MUkUuQ29tbW9uLkRvbS5Tb2xpZENvbG9yQnJ1c2gsIE5MUkUuQ29tbW9uIiwiQ29sb3IiOnsiJGlkIjoiMTA3IiwiQSI6MjU1LCJSIjoyMDQsIkciOjIwNCwiQiI6MjA0fX0sIkxpbmVXZWlnaHQiOjAuMCwiTGluZVR5cGUiOjAsIlBhcmVudFN0eWxlIjpudWxsfSwiTWFyZ2luIjpudWxsLCJTdGFydERhdGVQb3NpdGlvbiI6NCwiRW5kRGF0ZVBvc2l0aW9uIjo0LCJEYXRlSXNWaXNpYmxlIjp0cnVlLCJUaXRsZVBvc2l0aW9uIjo1LCJEdXJhdGlvblBvc2l0aW9uIjowLCJQZXJjZW50YWdlQ29tcGxldGVkUG9zaXRpb24iOjYsIlNwYWNpbmciOjMsIklzQmVsb3dUaW1lYmFuZCI6dHJ1ZSwiUGVyY2VudGFnZUNvbXBsZXRlU2hhcGVPcGFjaXR5IjozNSwiU2hhcGVTdHlsZSI6eyIkaWQiOiIxMDgiLCJNYXJnaW4iOnsiJGlkIjoiMTA5IiwiVG9wIjowLCJMZWZ0Ijo0LCJSaWdodCI6NCwiQm90dG9tIjowfSwiUGFkZGluZyI6eyIkaWQiOiIxMTAiLCJUb3AiOjAsIkxlZnQiOjAsIlJpZ2h0IjowLCJCb3R0b20iOjB9LCJCYWNrZ3JvdW5kIjp7IiRpZCI6IjExMSIsIkNvbG9yIjp7IiRpZCI6IjExMiIsIkEiOjI1NSwiUiI6MCwiRyI6MTE0LCJCIjoxODh9fSwiSXNWaXNpYmxlIjp0cnVlLCJXaWR0aCI6MC4wLCJIZWlnaHQiOjE2LjAsIkJvcmRlclN0eWxlIjp7IiRpZCI6IjExMyIsIkxpbmVDb2xvciI6eyIkaWQiOiIxMTQiLCIkdHlwZSI6Ik5MUkUuQ29tbW9uLkRvbS5Tb2xpZENvbG9yQnJ1c2gsIE5MUkUuQ29tbW9uIiwiQ29sb3IiOnsiJGlkIjoiMTE1IiwiQSI6MjU1LCJSIjoyNTUsIkciOjAsIkIiOjB9fSwiTGluZVdlaWdodCI6MC4wLCJMaW5lVHlwZSI6MCwiUGFyZW50U3R5bGUiOm51bGx9LCJQYXJlbnRTdHlsZSI6bnVsbH0sIlRpdGxlU3R5bGUiOnsiJGlkIjoiMTE2IiwiRm9udFNldHRpbmdzIjp7IiRpZCI6IjExNyIsIkZvbnRTaXplIjoxMSwiRm9udE5hbWUiOiJDYWxpYnJpIiwiSXNCb2xkIjpmYWxzZSwiSXNJdGFsaWMiOmZhbHNlLCJJc1VuZGVybGluZWQiOmZhbHNlLCJQYXJlbnRTdHlsZSI6bnVsbH0sIkF1dG9TaXplIjowLCJGb3JlZ3JvdW5kIjp7IiRpZCI6IjExOCIsIkNvbG9yIjp7IiRpZCI6IjExOSIsIkEiOjI1NSwiUiI6MCwiRyI6MCwiQiI6MH19LCJNYXhXaWR0aCI6MjAwLjAsIk1heEhlaWdodCI6IkluZmluaXR5IiwiU21hcnRGb3JlZ3JvdW5kSXNBY3RpdmUiOmZhbHNlLCJIb3Jpem9udGFsQWxpZ25tZW50IjowLCJWZXJ0aWNhbEFsaWdubWVudCI6MCwiU21hcnRGb3JlZ3JvdW5kIjpudWxsLCJCYWNrZ3JvdW5kRmlsbFR5cGUiOjAsIk1hcmdpbiI6eyIkaWQiOiIxMjAiLCJUb3AiOjAsIkxlZnQiOjAsIlJpZ2h0IjowLCJCb3R0b20iOjB9LCJQYWRkaW5nIjp7IiRpZCI6IjEyMSIsIlRvcCI6MCwiTGVmdCI6MCwiUmlnaHQiOjAsIkJvdHRvbSI6MH0sIkJhY2tncm91bmQiOnsiJGlkIjoiMTIyIiwiQ29sb3IiOnsiJHJlZiI6IjQ5In19LCJJc1Zpc2libGUiOnRydWUsIldpZHRoIjowLjAsIkhlaWdodCI6MC4wLCJCb3JkZXJTdHlsZSI6bnVsbCwiUGFyZW50U3R5bGUiOm51bGx9LCJEYXRlU3R5bGUiOnsiJGlkIjoiMTIzIiwiRm9udFNldHRpbmdzIjp7IiRpZCI6IjEyNCIsIkZvbnRTaXplIjoxMCwiRm9udE5hbWUiOiJDYWxpYnJpIiwiSXNCb2xkIjpmYWxzZSwiSXNJdGFsaWMiOmZhbHNlLCJJc1VuZGVybGluZWQiOmZhbHNlLCJQYXJlbnRTdHlsZSI6bnVsbH0sIkF1dG9TaXplIjowLCJGb3JlZ3JvdW5kIjp7IiRpZCI6IjEyNSIsIkNvbG9yIjp7IiRpZCI6IjEyNiIsIkEiOjI1NSwiUiI6MCwiRyI6MCwiQiI6MH19LCJNYXhXaWR0aCI6MjAwLjAsIk1heEhlaWdodCI6IkluZmluaXR5IiwiU21hcnRGb3JlZ3JvdW5kSXNBY3RpdmUiOmZhbHNlLCJIb3Jpem9udGFsQWxpZ25tZW50IjowLCJWZXJ0aWNhbEFsaWdubWVudCI6MCwiU21hcnRGb3JlZ3JvdW5kIjpudWxsLCJCYWNrZ3JvdW5kRmlsbFR5cGUiOjAsIk1hcmdpbiI6eyIkaWQiOiIxMjciLCJUb3AiOjAsIkxlZnQiOjAsIlJpZ2h0IjowLCJCb3R0b20iOjB9LCJQYWRkaW5nIjp7IiRpZCI6IjEyOCIsIlRvcCI6MCwiTGVmdCI6MCwiUmlnaHQiOjAsIkJvdHRvbSI6MH0sIkJhY2tncm91bmQiOnsiJGlkIjoiMTI5IiwiQ29sb3IiOnsiJHJlZiI6IjQ5In19LCJJc1Zpc2libGUiOnRydWUsIldpZHRoIjowLjAsIkhlaWdodCI6MC4wLCJCb3JkZXJTdHlsZSI6bnVsbCwiUGFyZW50U3R5bGUiOm51bGx9LCJEYXRlRm9ybWF0Ijp7IiRpZCI6IjEzMCIsIkZvcm1hdFN0cmluZyI6Ik1NTSBkIiwiU2VwYXJhdG9yIjoiLyIsIlVzZUludGVybmF0aW9uYWxEYXRlRm9ybWF0IjpmYWxzZSwiRGF0ZUlzVmlzaWJsZSI6dHJ1ZSwiVGltZUlzVmlzaWJsZSI6ZmFsc2UsIkhvdXJEaWdpdHMiOjEsIkFtUG1EZXNpZ25hdG9yIjoyLCJUcmltMDBNaW51dGVzIjpmYWxzZSwiTGFzdEtub3duVmlzaWJpbGl0eVN0YXRlIjp7IiRpZCI6IjEzMSIsIkRhdGVQYXJ0SXNWaXNpYmxlIjpmYWxzZSwiVGltZVBhcnRJc1Zpc2libGUiOmZhbHNlfX0sIklzVmlzaWJsZSI6dHJ1ZSwiUGFyZW50U3R5bGUiOm51bGwsIl9leHBsaWNpdGx5U2V0Ijp7IiRpZCI6IjEzMiIsIlNoYXBlU3R5bGUiOmZhbHNlLCJUaXRsZVN0eWxlIjpmYWxzZSwiRGF0ZVN0eWxlIjpmYWxzZSwiSG9yaXpvbnRhbENvbm5lY3RvclN0eWxlIjpmYWxzZSwiVmVydGljYWxDb25uZWN0b3JTdHlsZSI6ZmFsc2UsIlBlcmNlbnRhZ2VDb21wbGV0ZVNoYXBlT3BhY2l0eSI6ZmFsc2UsIlNoYXBlIjpmYWxzZSwiU2hhcGVUaGlja25lc3MiOmZhbHNlLCJEdXJhdGlvbkZvcm1hdCI6ZmFsc2UsIkluY2x1ZGVOb25Xb3JraW5nRGF5c0luRHVyYXRpb24iOmZhbHNlLCJNYXJnaW4iOmZhbHNlLCJTdGFydERhdGVQb3NpdGlvbiI6ZmFsc2UsIkVuZERhdGVQb3NpdGlvbiI6ZmFsc2UsIlRpdGxlUG9zaXRpb24iOmZhbHNlLCJEdXJhdGlvblBvc2l0aW9uIjpmYWxzZSwiUGVyY2VudGFnZUNvbXBsZXRlZFBvc2l0aW9uIjpmYWxzZSwiU3BhY2luZyI6ZmFsc2UsIklzQmVsb3dUaW1lYmFuZCI6ZmFsc2UsIkRhdGVGb3JtYXQiOmZhbHNlLCJJc1Zpc2libGUiOmZhbHNlfX0sIkdyaWRsaW5lUGFuZWxTdHlsZSI6eyIkaWQiOiIxMzMiLCJHcmlkbGluZVN0eWxlIjp7IiRpZCI6IjEzNCIsIkxpbmVDb2xvciI6eyIkaWQiOiIxMzUiLCIkdHlwZSI6Ik5MUkUuQ29tbW9uLkRvbS5Tb2xpZENvbG9yQnJ1c2gsIE5MUkUuQ29tbW9uIiwiQ29sb3IiOnsiJGlkIjoiMTM2IiwiQSI6MzgsIlIiOjkxLCJHIjoxNTUsIkIiOjIxM319LCJMaW5lV2VpZ2h0IjoxLjAsIkxpbmVUeXBlIjowLCJQYXJlbnRTdHlsZSI6bnVsbH0sIk1hcmdpbiI6eyIkaWQiOiIxMzciLCJUb3AiOjAsIkxlZnQiOjAsIlJpZ2h0IjowLCJCb3R0b20iOjB9LCJQYWRkaW5nIjp7IiRpZCI6IjEzOCIsIlRvcCI6MCwiTGVmdCI6MCwiUmlnaHQiOjAsIkJvdHRvbSI6MH0sIkJhY2tncm91bmQiOm51bGwsIklzVmlzaWJsZSI6dHJ1ZSwiV2lkdGgiOjAuMCwiSGVpZ2h0IjowLjAsIkJvcmRlclN0eWxlIjpudWxsLCJQYXJlbnRTdHlsZSI6bnVsbH0sIlNob3dFbGFwc2VkVGltZUdyYWRpZW50U3R5bGUiOmZhbHNlLCJEZWZhdWx0U3dpbWxhbmVTdHlsZSI6eyIkaWQiOiIxMzkiLCJIZWFkZXJTdHlsZSI6eyIkaWQiOiIxNDAiLCJUZXh0U3R5bGUiOnsiJGlkIjoiMTQxIiwiRm9udFNldHRpbmdzIjp7IiRpZCI6IjE0MiIsIkZvbnRTaXplIjoxMiwiRm9udE5hbWUiOiJDYWxpYnJpIiwiSXNCb2xkIjpmYWxzZSwiSXNJdGFsaWMiOmZhbHNlLCJJc1VuZGVybGluZWQiOmZhbHNlLCJQYXJlbnRTdHlsZSI6bnVsbH0sIkF1dG9TaXplIjowLCJGb3JlZ3JvdW5kIjp7IiRpZCI6IjE0MyIsIkNvbG9yIjp7IiRpZCI6IjE0NCIsIkEiOjI1NSwiUiI6MzIsIkciOjU2LCJCIjoxMDB9fSwiTWF4V2lkdGgiOiJJbmZpbml0eSIsIk1heEhlaWdodCI6IkluZmluaXR5IiwiU21hcnRGb3JlZ3JvdW5kSXNBY3RpdmUiOmZhbHNlLCJIb3Jpem9udGFsQWxpZ25tZW50IjowLCJWZXJ0aWNhbEFsaWdubWVudCI6MCwiU21hcnRGb3JlZ3JvdW5kIjpudWxsLCJCYWNrZ3JvdW5kRmlsbFR5cGUiOjAsIk1hcmdpbiI6eyIkaWQiOiIxNDUiLCJUb3AiOjAsIkxlZnQiOjAsIlJpZ2h0IjowLCJCb3R0b20iOjB9LCJQYWRkaW5nIjp7IiRpZCI6IjE0NiIsIlRvcCI6MCwiTGVmdCI6MCwiUmlnaHQiOjAsIkJvdHRvbSI6MH0sIkJhY2tncm91bmQiOm51bGwsIklzVmlzaWJsZSI6dHJ1ZSwiV2lkdGgiOjAuMCwiSGVpZ2h0IjowLjAsIkJvcmRlclN0eWxlIjpudWxsLCJQYXJlbnRTdHlsZSI6bnVsbH0sIlJlY3RhbmdsZVN0eWxlIjp7IiRpZCI6IjE0NyIsIk1hcmdpbiI6eyIkaWQiOiIxNDgiLCJUb3AiOjAsIkxlZnQiOjAsIlJpZ2h0IjowLCJCb3R0b20iOjB9LCJQYWRkaW5nIjp7IiRpZCI6IjE0OSIsIlRvcCI6MCwiTGVmdCI6MCwiUmlnaHQiOjAsIkJvdHRvbSI6MH0sIkJhY2tncm91bmQiOnsiJGlkIjoiMTUwIiwiQ29sb3IiOnsiJGlkIjoiMTUxIiwiQSI6MTI3LCJSIjo5MSwiRyI6MTU1LCJCIjoyMTN9fSwiSXNWaXNpYmxlIjp0cnVlLCJXaWR0aCI6MC4wLCJIZWlnaHQiOjAuMCwiQm9yZGVyU3R5bGUiOnsiJGlkIjoiMTUyIiwiTGluZUNvbG9yIjp7IiRpZCI6IjE1MyIsIiR0eXBlIjoiTkxSRS5Db21tb24uRG9tLlNvbGlkQ29sb3JCcnVzaCwgTkxSRS5Db21tb24iLCJDb2xvciI6eyIkaWQiOiIxNTQiLCJBIjoyNTUsIlIiOjI1NSwiRyI6MCwiQiI6MH19LCJMaW5lV2VpZ2h0IjowLjAsIkxpbmVUeXBlIjowLCJQYXJlbnRTdHlsZSI6bnVsbH0sIlBhcmVudFN0eWxlIjpudWxsfSwiTWFyZ2luIjp7IiRpZCI6IjE1NSIsIlRvcCI6MCwiTGVmdCI6MCwiUmlnaHQiOjAsIkJvdHRvbSI6MH0sIlBhZGRpbmciOnsiJGlkIjoiMTU2IiwiVG9wIjowLCJMZWZ0IjowLCJSaWdodCI6MCwiQm90dG9tIjowfSwiQmFja2dyb3VuZCI6bnVsbCwiSXNWaXNpYmxlIjp0cnVlLCJXaWR0aCI6MC4wLCJIZWlnaHQiOjAuMCwiQm9yZGVyU3R5bGUiOm51bGwsIlBhcmVudFN0eWxlIjpudWxsfSwiQmFja2dyb3VuZFN0eWxlIjp7IiRpZCI6IjE1NyIsIk1hcmdpbiI6eyIkaWQiOiIxNTgiLCJUb3AiOjAsIkxlZnQiOjAsIlJpZ2h0IjowLCJCb3R0b20iOjB9LCJQYWRkaW5nIjp7IiRpZCI6IjE1OSIsIlRvcCI6MCwiTGVmdCI6MCwiUmlnaHQiOjAsIkJvdHRvbSI6MH0sIkJhY2tncm91bmQiOnsiJGlkIjoiMTYwIiwiQ29sb3IiOnsiJGlkIjoiMTYxIiwiQSI6MzgsIlIiOjkxLCJHIjoxNTUsIkIiOjIxM319LCJJc1Zpc2libGUiOnRydWUsIldpZHRoIjowLjAsIkhlaWdodCI6MC4wLCJCb3JkZXJTdHlsZSI6eyIkaWQiOiIxNjIiLCJMaW5lQ29sb3IiOnsiJGlkIjoiMTYzIiwiJHR5cGUiOiJOTFJFLkNvbW1vbi5Eb20uU29saWRDb2xvckJydXNoLCBOTFJFLkNvbW1vbiIsIkNvbG9yIjp7IiRpZCI6IjE2NCIsIkEiOjI1NSwiUiI6MjU1LCJHIjowLCJCIjowfX0sIkxpbmVXZWlnaHQiOjAuMCwiTGluZVR5cGUiOjAsIlBhcmVudFN0eWxlIjpudWxsfSwiUGFyZW50U3R5bGUiOm51bGx9LCJJc0Fib3ZlVGltZWJhbmQiOmZhbHNlLCJNYXJnaW4iOnsiJGlkIjoiMTY1IiwiVG9wIjowLCJMZWZ0IjowLCJSaWdodCI6MCwiQm90dG9tIjowfSwiUGFkZGluZyI6eyIkaWQiOiIxNjYiLCJUb3AiOjAsIkxlZnQiOjAsIlJpZ2h0IjowLCJCb3R0b20iOjB9LCJJc1Zpc2libGUiOnRydWUsIldpZHRoIjowLjAsIkhlaWdodCI6MC4wLCJCb3JkZXJTdHlsZSI6bnVsbCwiUGFyZW50U3R5bGUiOm51bGx9fSwiU2NhbGUiOnsiJGlkIjoiMTY3IiwiU3RhcnREYXRlIjoiMjAxNy0wMS0wNVQwMDowMDowMFoiLCJFbmREYXRlIjoiMjAyMC0wNC0zMFQyMzo1OTowMFoiLCJGb3JtYXQiOiJ3IiwiVHlwZSI6MSwiQXV0b0RhdGVSYW5nZSI6dHJ1ZSwiV29ya2luZ0RheXMiOjYzLCJUb2RheU1hcmtlclRleHQiOiJUb2RheSIsIkF1dG9TY2FsZVR5cGUiOmZhbHNlfSwiTWlsZXN0b25lcyI6W3siJGlkIjoiMTY4IiwiRGF0ZSI6IjIwMTktMTEtMDlUMjM6NTk6MDBaIiwiU3R5bGUiOnsiJGlkIjoiMTY5IiwiU2hhcGUiOjE5LCJDb25uZWN0b3JNYXJnaW4iOnsiJHJlZiI6IjU3In0sIkNvbm5lY3RvclN0eWxlIjp7IiRpZCI6IjE3MCIsIkxpbmVDb2xvciI6eyIkaWQiOiIxNzEiLCIkdHlwZSI6Ik5MUkUuQ29tbW9uLkRvbS5Tb2xpZENvbG9yQnJ1c2gsIE5MUkUuQ29tbW9uIiwiQ29sb3IiOnsiJGlkIjoiMTcyIiwiQSI6MjU1LCJSIjo3OSwiRyI6MTI5LCJCIjoxODl9fSwiTGluZVdlaWdodCI6MC44LCJMaW5lVHlwZSI6MCwiUGFyZW50U3R5bGUiOm51bGx9LCJJc0JlbG93VGltZWJhbmQiOmZhbHNlLCJQb3NpdGlvbk9uVGFzayI6MCwiSGlkZURhdGUiOmZhbHNlLCJTaGFwZVNpemUiOjEsIlNwYWNpbmciOjEuMCwiUGFkZGluZyI6eyIkcmVmIjoiNjEifSwiU2hhcGVTdHlsZSI6eyIkaWQiOiIxNzMiLCJNYXJnaW4iOnsiJHJlZiI6IjYzIn0sIlBhZGRpbmciOnsiJHJlZiI6IjY0In0sIkJhY2tncm91bmQiOnsiJGlkIjoiMTc0IiwiQ29sb3IiOnsiJGlkIjoiMTc1IiwiQSI6MjU1LCJSIjoyMzQsIkciOjIyLCJCIjozMH19LCJJc1Zpc2libGUiOnRydWUsIldpZHRoIjoxOC4wLCJIZWlnaHQiOjIwLjAsIkJvcmRlclN0eWxlIjp7IiRpZCI6IjE3NiIsIkxpbmVDb2xvciI6eyIkcmVmIjoiNjgifSwiTGluZVdlaWdodCI6MC4wLCJMaW5lVHlwZSI6MCwiUGFyZW50U3R5bGUiOm51bGx9LCJQYXJlbnRTdHlsZSI6bnVsbH0sIlRpdGxlU3R5bGUiOnsiJGlkIjoiMTc3IiwiRm9udFNldHRpbmdzIjp7IiRpZCI6IjE3OCIsIkZvbnRTaXplIjoxMSwiRm9udE5hbWUiOiJDYWxpYnJpIiwiSXNCb2xkIjpmYWxzZSwiSXNJdGFsaWMiOmZhbHNlLCJJc1VuZGVybGluZWQiOmZhbHNlLCJQYXJlbnRTdHlsZSI6bnVsbH0sIkF1dG9TaXplIjowLCJGb3JlZ3JvdW5kIjp7IiRpZCI6IjE3OSIsIkNvbG9yIjp7IiRpZCI6IjE4MCIsIkEiOjI1NSwiUiI6MCwiRyI6MCwiQiI6MH19LCJNYXhXaWR0aCI6MjAwLjAsIk1heEhlaWdodCI6IkluZmluaXR5IiwiU21hcnRGb3JlZ3JvdW5kSXNBY3RpdmUiOmZhbHNlLCJIb3Jpem9udGFsQWxpZ25tZW50IjowLCJWZXJ0aWNhbEFsaWdubWVudCI6MCwiU21hcnRGb3JlZ3JvdW5kIjpudWxsLCJCYWNrZ3JvdW5kRmlsbFR5cGUiOjAsIk1hcmdpbiI6eyIkcmVmIjoiNzQifSwiUGFkZGluZyI6eyIkcmVmIjoiNzUifSwiQmFja2dyb3VuZCI6eyIkcmVmIjoiNzYifSwiSXNWaXNpYmxlIjp0cnVlLCJXaWR0aCI6MC4wLCJIZWlnaHQiOjAuMCwiQm9yZGVyU3R5bGUiOnsiJGlkIjoiMTgxIiwiTGluZUNvbG9yIjpudWxsLCJMaW5lV2VpZ2h0IjowLjAsIkxpbmVUeXBlIjowLCJQYXJlbnRTdHlsZSI6bnVsbH0sIlBhcmVudFN0eWxlIjpudWxsfSwiRGF0ZVN0eWxlIjp7IiRpZCI6IjE4MiIsIkZvbnRTZXR0aW5ncyI6eyIkaWQiOiIxODMiLCJGb250U2l6ZSI6MTAsIkZvbnROYW1lIjoiQ2FsaWJyaSIsIklzQm9sZCI6ZmFsc2UsIklzSXRhbGljIjpmYWxzZSwiSXNVbmRlcmxpbmVkIjpmYWxzZSwiUGFyZW50U3R5bGUiOm51bGx9LCJBdXRvU2l6ZSI6MCwiRm9yZWdyb3VuZCI6eyIkaWQiOiIxODQiLCJDb2xvciI6eyIkaWQiOiIxODUiLCJBIjoyNTUsIlIiOjY4LCJHIjo4NCwiQiI6MTA2fX0sIk1heFdpZHRoIjoyMDAuMCwiTWF4SGVpZ2h0IjoiSW5maW5pdHkiLCJTbWFydEZvcmVncm91bmRJc0FjdGl2ZSI6ZmFsc2UsIkhvcml6b250YWxBbGlnbm1lbnQiOjAsIlZlcnRpY2FsQWxpZ25tZW50IjowLCJTbWFydEZvcmVncm91bmQiOm51bGwsIkJhY2tncm91bmRGaWxsVHlwZSI6MCwiTWFyZ2luIjp7IiRyZWYiOiI4MSJ9LCJQYWRkaW5nIjp7IiRyZWYiOiI4MiJ9LCJCYWNrZ3JvdW5kIjp7IiRyZWYiOiI4MyJ9LCJJc1Zpc2libGUiOnRydWUsIldpZHRoIjowLjAsIkhlaWdodCI6MC4wLCJCb3JkZXJTdHlsZSI6eyIkaWQiOiIxODYiLCJMaW5lQ29sb3IiOm51bGwsIkxpbmVXZWlnaHQiOjAuMCwiTGluZVR5cGUiOjAsIlBhcmVudFN0eWxlIjpudWxsfSwiUGFyZW50U3R5bGUiOm51bGx9LCJEYXRlRm9ybWF0Ijp7IiRpZCI6IjE4NyIsIkZvcm1hdFN0cmluZyI6Ik1NTSBkIiwiU2VwYXJhdG9yIjoiLyIsIlVzZUludGVybmF0aW9uYWxEYXRlRm9ybWF0IjpmYWxzZSwiRGF0ZUlzVmlzaWJsZSI6dHJ1ZSwiVGltZUlzVmlzaWJsZSI6ZmFsc2UsIkhvdXJEaWdpdHMiOjEsIkFtUG1EZXNpZ25hdG9yIjoyLCJUcmltMDBNaW51dGVzIjpmYWxzZSwiTGFzdEtub3duVmlzaWJpbGl0eVN0YXRlIjp7IiRpZCI6IjE4OCIsIkRhdGVQYXJ0SXNWaXNpYmxlIjp0cnVlLCJUaW1lUGFydElzVmlzaWJsZSI6ZmFsc2V9fSwiSXNWaXNpYmxlIjp0cnVlLCJQYXJlbnRTdHlsZSI6bnVsbH0sIkluZGV4Ijo3LCJQZXJjZW50YWdlQ29tcGxldGUiOm51bGwsIlBvc2l0aW9uIjp7IlJhdGlvIjowLjI2NDQwNTA0MTM0NzQ4MjcyLCJJc0N1c3RvbSI6dHJ1ZX0sIkRhdGVGb3JtYXQiOnsiJHJlZiI6IjE4NyJ9LCJSZWxhdGVkVGFza0lkIjoiMDAwMDAwMDAtMDAwMC0wMDAwLTAwMDAtMDAwMDAwMDAwMDAwIiwiSWQiOiI4NDFhNzBmYy1mMDg0LTRiNzYtOGJkMy1jOTNkOGU4MmNkYzQiLCJJbXBvcnRJZCI6bnVsbCwiVGl0bGUiOiJFbmQgUGhhc2UgUGxhbm5pbmcgKFJldmlldyBEb2N1bW1lbnRzKSIsIk5vdGUiOm51bGwsIkh5cGVybGluayI6eyIkaWQiOiIxODkiLCJBZGRyZXNzIjoiIiwiU3ViQWRkcmVzcyI6IiJ9LCJJc0NoYW5nZWQiOmZhbHNlLCJJc05ldyI6ZmFsc2V9LHsiJGlkIjoiMTkwIiwiRGF0ZSI6IjIwMTktMTEtMTZUMjM6NTk6MDBaIiwiU3R5bGUiOnsiJGlkIjoiMTkxIiwiU2hhcGUiOjE5LCJDb25uZWN0b3JNYXJnaW4iOnsiJHJlZiI6IjU3In0sIkNvbm5lY3RvclN0eWxlIjp7IiRpZCI6IjE5MiIsIkxpbmVDb2xvciI6eyIkaWQiOiIxOTMiLCIkdHlwZSI6Ik5MUkUuQ29tbW9uLkRvbS5Tb2xpZENvbG9yQnJ1c2gsIE5MUkUuQ29tbW9uIiwiQ29sb3IiOnsiJGlkIjoiMTk0IiwiQSI6MjU1LCJSIjo3OSwiRyI6MTI5LCJCIjoxODl9fSwiTGluZVdlaWdodCI6MC44LCJMaW5lVHlwZSI6MCwiUGFyZW50U3R5bGUiOm51bGx9LCJJc0JlbG93VGltZWJhbmQiOmZhbHNlLCJQb3NpdGlvbk9uVGFzayI6MCwiSGlkZURhdGUiOmZhbHNlLCJTaGFwZVNpemUiOjEsIlNwYWNpbmciOjEuMCwiUGFkZGluZyI6eyIkcmVmIjoiNjEifSwiU2hhcGVTdHlsZSI6eyIkaWQiOiIxOTUiLCJNYXJnaW4iOnsiJHJlZiI6IjYzIn0sIlBhZGRpbmciOnsiJHJlZiI6IjY0In0sIkJhY2tncm91bmQiOnsiJGlkIjoiMTk2IiwiQ29sb3IiOnsiJGlkIjoiMTk3IiwiQSI6MjU1LCJSIjoyMzQsIkciOjIyLCJCIjozMH19LCJJc1Zpc2libGUiOnRydWUsIldpZHRoIjoxOC4wLCJIZWlnaHQiOjIwLjAsIkJvcmRlclN0eWxlIjp7IiRpZCI6IjE5OCIsIkxpbmVDb2xvciI6eyIkcmVmIjoiNjgifSwiTGluZVdlaWdodCI6MC4wLCJMaW5lVHlwZSI6MCwiUGFyZW50U3R5bGUiOm51bGx9LCJQYXJlbnRTdHlsZSI6bnVsbH0sIlRpdGxlU3R5bGUiOnsiJGlkIjoiMTk5IiwiRm9udFNldHRpbmdzIjp7IiRpZCI6IjIwMCIsIkZvbnRTaXplIjoxMSwiRm9udE5hbWUiOiJDYWxpYnJpIiwiSXNCb2xkIjpmYWxzZSwiSXNJdGFsaWMiOmZhbHNlLCJJc1VuZGVybGluZWQiOmZhbHNlLCJQYXJlbnRTdHlsZSI6bnVsbH0sIkF1dG9TaXplIjowLCJGb3JlZ3JvdW5kIjp7IiRpZCI6IjIwMSIsIkNvbG9yIjp7IiRpZCI6IjIwMiIsIkEiOjI1NSwiUiI6MCwiRyI6MCwiQiI6MH19LCJNYXhXaWR0aCI6MjAwLjAsIk1heEhlaWdodCI6IkluZmluaXR5IiwiU21hcnRGb3JlZ3JvdW5kSXNBY3RpdmUiOmZhbHNlLCJIb3Jpem9udGFsQWxpZ25tZW50IjowLCJWZXJ0aWNhbEFsaWdubWVudCI6MCwiU21hcnRGb3JlZ3JvdW5kIjpudWxsLCJCYWNrZ3JvdW5kRmlsbFR5cGUiOjAsIk1hcmdpbiI6eyIkcmVmIjoiNzQifSwiUGFkZGluZyI6eyIkcmVmIjoiNzUifSwiQmFja2dyb3VuZCI6eyIkcmVmIjoiNzYifSwiSXNWaXNpYmxlIjp0cnVlLCJXaWR0aCI6MC4wLCJIZWlnaHQiOjAuMCwiQm9yZGVyU3R5bGUiOnsiJGlkIjoiMjAzIiwiTGluZUNvbG9yIjpudWxsLCJMaW5lV2VpZ2h0IjowLjAsIkxpbmVUeXBlIjowLCJQYXJlbnRTdHlsZSI6bnVsbH0sIlBhcmVudFN0eWxlIjpudWxsfSwiRGF0ZVN0eWxlIjp7IiRpZCI6IjIwNCIsIkZvbnRTZXR0aW5ncyI6eyIkaWQiOiIyMDUiLCJGb250U2l6ZSI6MTAsIkZvbnROYW1lIjoiQ2FsaWJyaSIsIklzQm9sZCI6ZmFsc2UsIklzSXRhbGljIjpmYWxzZSwiSXNVbmRlcmxpbmVkIjpmYWxzZSwiUGFyZW50U3R5bGUiOm51bGx9LCJBdXRvU2l6ZSI6MCwiRm9yZWdyb3VuZCI6eyIkaWQiOiIyMDYiLCJDb2xvciI6eyIkaWQiOiIyMDciLCJBIjoyNTUsIlIiOjY4LCJHIjo4NCwiQiI6MTA2fX0sIk1heFdpZHRoIjoyMDAuMCwiTWF4SGVpZ2h0IjoiSW5maW5pdHkiLCJTbWFydEZvcmVncm91bmRJc0FjdGl2ZSI6ZmFsc2UsIkhvcml6b250YWxBbGlnbm1lbnQiOjAsIlZlcnRpY2FsQWxpZ25tZW50IjowLCJTbWFydEZvcmVncm91bmQiOm51bGwsIkJhY2tncm91bmRGaWxsVHlwZSI6MCwiTWFyZ2luIjp7IiRyZWYiOiI4MSJ9LCJQYWRkaW5nIjp7IiRyZWYiOiI4MiJ9LCJCYWNrZ3JvdW5kIjp7IiRyZWYiOiI4MyJ9LCJJc1Zpc2libGUiOnRydWUsIldpZHRoIjowLjAsIkhlaWdodCI6MC4wLCJCb3JkZXJTdHlsZSI6eyIkaWQiOiIyMDgiLCJMaW5lQ29sb3IiOm51bGwsIkxpbmVXZWlnaHQiOjAuMCwiTGluZVR5cGUiOjAsIlBhcmVudFN0eWxlIjpudWxsfSwiUGFyZW50U3R5bGUiOm51bGx9LCJEYXRlRm9ybWF0Ijp7IiRpZCI6IjIwOSIsIkZvcm1hdFN0cmluZyI6Ik1NTSBkIiwiU2VwYXJhdG9yIjoiLyIsIlVzZUludGVybmF0aW9uYWxEYXRlRm9ybWF0IjpmYWxzZSwiRGF0ZUlzVmlzaWJsZSI6dHJ1ZSwiVGltZUlzVmlzaWJsZSI6ZmFsc2UsIkhvdXJEaWdpdHMiOjEsIkFtUG1EZXNpZ25hdG9yIjoyLCJUcmltMDBNaW51dGVzIjpmYWxzZSwiTGFzdEtub3duVmlzaWJpbGl0eVN0YXRlIjp7IiRpZCI6IjIxMCIsIkRhdGVQYXJ0SXNWaXNpYmxlIjp0cnVlLCJUaW1lUGFydElzVmlzaWJsZSI6ZmFsc2V9fSwiSXNWaXNpYmxlIjp0cnVlLCJQYXJlbnRTdHlsZSI6bnVsbH0sIkluZGV4Ijo4LCJQZXJjZW50YWdlQ29tcGxldGUiOm51bGwsIlBvc2l0aW9uIjp7IlJhdGlvIjowLjAsIklzQ3VzdG9tIjpmYWxzZX0sIkRhdGVGb3JtYXQiOnsiJHJlZiI6IjIwOSJ9LCJSZWxhdGVkVGFza0lkIjoiMDAwMDAwMDAtMDAwMC0wMDAwLTAwMDAtMDAwMDAwMDAwMDAwIiwiSWQiOiJmMzY4ODYzNy0wZTgyLTQ1MzUtYjM1Ny0xOWQwNWU2MDgyNjYiLCJJbXBvcnRJZCI6bnVsbCwiVGl0bGUiOiJFT01QIzEiLCJOb3RlIjpudWxsLCJIeXBlcmxpbmsiOnsiJGlkIjoiMjExIiwiQWRkcmVzcyI6IiIsIlN1YkFkZHJlc3MiOiIifSwiSXNDaGFuZ2VkIjpmYWxzZSwiSXNOZXciOmZhbHNlfSx7IiRpZCI6IjIxMiIsIkRhdGUiOiIyMDIwLTAxLTA3VDIzOjU5OjAwWiIsIlN0eWxlIjp7IiRpZCI6IjIxMyIsIlNoYXBlIjoxOSwiQ29ubmVjdG9yTWFyZ2luIjp7IiRyZWYiOiI1NyJ9LCJDb25uZWN0b3JTdHlsZSI6eyIkaWQiOiIyMTQiLCJMaW5lQ29sb3IiOnsiJGlkIjoiMjE1IiwiJHR5cGUiOiJOTFJFLkNvbW1vbi5Eb20uU29saWRDb2xvckJydXNoLCBOTFJFLkNvbW1vbiIsIkNvbG9yIjp7IiRpZCI6IjIxNiIsIkEiOjI1NSwiUiI6NzksIkciOjEyOSwiQiI6MTg5fX0sIkxpbmVXZWlnaHQiOjEuMCwiTGluZVR5cGUiOjAsIlBhcmVudFN0eWxlIjpudWxsfSwiSXNCZWxvd1RpbWViYW5kIjpmYWxzZSwiUG9zaXRpb25PblRhc2siOjAsIkhpZGVEYXRlIjpmYWxzZSwiU2hhcGVTaXplIjoxLCJTcGFjaW5nIjoxLjAsIlBhZGRpbmciOnsiJHJlZiI6IjYxIn0sIlNoYXBlU3R5bGUiOnsiJGlkIjoiMjE3IiwiTWFyZ2luIjp7IiRyZWYiOiI2MyJ9LCJQYWRkaW5nIjp7IiRyZWYiOiI2NCJ9LCJCYWNrZ3JvdW5kIjp7IiRpZCI6IjIxOCIsIkNvbG9yIjp7IiRpZCI6IjIxOSIsIkEiOjI1NSwiUiI6MjM0LCJHIjoyMiwiQiI6MzB9fSwiSXNWaXNpYmxlIjp0cnVlLCJXaWR0aCI6MTguMCwiSGVpZ2h0IjoyMC4wLCJCb3JkZXJTdHlsZSI6eyIkaWQiOiIyMjAiLCJMaW5lQ29sb3IiOnsiJHJlZiI6IjY4In0sIkxpbmVXZWlnaHQiOjAuMCwiTGluZVR5cGUiOjAsIlBhcmVudFN0eWxlIjpudWxsfSwiUGFyZW50U3R5bGUiOm51bGx9LCJUaXRsZVN0eWxlIjp7IiRpZCI6IjIyMSIsIkZvbnRTZXR0aW5ncyI6eyIkaWQiOiIyMjIiLCJGb250U2l6ZSI6MTEsIkZvbnROYW1lIjoiQ2FsaWJyaSIsIklzQm9sZCI6ZmFsc2UsIklzSXRhbGljIjpmYWxzZSwiSXNVbmRlcmxpbmVkIjpmYWxzZSwiUGFyZW50U3R5bGUiOm51bGx9LCJBdXRvU2l6ZSI6MCwiRm9yZWdyb3VuZCI6eyIkaWQiOiIyMjMiLCJDb2xvciI6eyIkaWQiOiIyMjQiLCJBIjoyNTUsIlIiOjAsIkciOjAsIkIiOjB9fSwiTWF4V2lkdGgiOjIwMC4wLCJNYXhIZWlnaHQiOiJJbmZpbml0eSIsIlNtYXJ0Rm9yZWdyb3VuZElzQWN0aXZlIjpmYWxzZSwiSG9yaXpvbnRhbEFsaWdubWVudCI6MCwiVmVydGljYWxBbGlnbm1lbnQiOjAsIlNtYXJ0Rm9yZWdyb3VuZCI6bnVsbCwiQmFja2dyb3VuZEZpbGxUeXBlIjowLCJNYXJnaW4iOnsiJHJlZiI6Ijc0In0sIlBhZGRpbmciOnsiJHJlZiI6Ijc1In0sIkJhY2tncm91bmQiOnsiJHJlZiI6Ijc2In0sIklzVmlzaWJsZSI6dHJ1ZSwiV2lkdGgiOjAuMCwiSGVpZ2h0IjowLjAsIkJvcmRlclN0eWxlIjp7IiRpZCI6IjIyNSIsIkxpbmVDb2xvciI6bnVsbCwiTGluZVdlaWdodCI6MC4wLCJMaW5lVHlwZSI6MCwiUGFyZW50U3R5bGUiOm51bGx9LCJQYXJlbnRTdHlsZSI6bnVsbH0sIkRhdGVTdHlsZSI6eyIkaWQiOiIyMjYiLCJGb250U2V0dGluZ3MiOnsiJGlkIjoiMjI3IiwiRm9udFNpemUiOjEwLCJGb250TmFtZSI6IkNhbGlicmkiLCJJc0JvbGQiOmZhbHNlLCJJc0l0YWxpYyI6ZmFsc2UsIklzVW5kZXJsaW5lZCI6ZmFsc2UsIlBhcmVudFN0eWxlIjpudWxsfSwiQXV0b1NpemUiOjAsIkZvcmVncm91bmQiOnsiJGlkIjoiMjI4IiwiQ29sb3IiOnsiJGlkIjoiMjI5IiwiQSI6MjU1LCJSIjo2OCwiRyI6ODQsIkIiOjEwNn19LCJNYXhXaWR0aCI6MjAwLjAsIk1heEhlaWdodCI6IkluZmluaXR5IiwiU21hcnRGb3JlZ3JvdW5kSXNBY3RpdmUiOmZhbHNlLCJIb3Jpem9udGFsQWxpZ25tZW50IjowLCJWZXJ0aWNhbEFsaWdubWVudCI6MCwiU21hcnRGb3JlZ3JvdW5kIjpudWxsLCJCYWNrZ3JvdW5kRmlsbFR5cGUiOjAsIk1hcmdpbiI6eyIkcmVmIjoiODEifSwiUGFkZGluZyI6eyIkcmVmIjoiODIifSwiQmFja2dyb3VuZCI6eyIkcmVmIjoiODMifSwiSXNWaXNpYmxlIjp0cnVlLCJXaWR0aCI6MC4wLCJIZWlnaHQiOjAuMCwiQm9yZGVyU3R5bGUiOnsiJGlkIjoiMjMwIiwiTGluZUNvbG9yIjpudWxsLCJMaW5lV2VpZ2h0IjowLjAsIkxpbmVUeXBlIjowLCJQYXJlbnRTdHlsZSI6bnVsbH0sIlBhcmVudFN0eWxlIjpudWxsfSwiRGF0ZUZvcm1hdCI6eyIkcmVmIjoiODQifSwiSXNWaXNpYmxlIjp0cnVlLCJQYXJlbnRTdHlsZSI6bnVsbH0sIkluZGV4Ijo5LCJQZXJjZW50YWdlQ29tcGxldGUiOm51bGwsIlBvc2l0aW9uIjp7IlJhdGlvIjowLjAsIklzQ3VzdG9tIjpmYWxzZX0sIkRhdGVGb3JtYXQiOnsiJHJlZiI6Ijg0In0sIlJlbGF0ZWRUYXNrSWQiOiIwMDAwMDAwMC0wMDAwLTAwMDAtMDAwMC0wMDAwMDAwMDAwMDAiLCJJZCI6ImI4ZDhlM2E3LTI3ZDMtNDM2Ni04MzNiLWQ1MTc0NWY0YzFjMCIsIkltcG9ydElkIjpudWxsLCJUaXRsZSI6IkVPUE0jMiIsIk5vdGUiOm51bGwsIkh5cGVybGluayI6eyIkaWQiOiIyMzEiLCJBZGRyZXNzIjoiIiwiU3ViQWRkcmVzcyI6IiJ9LCJJc0NoYW5nZWQiOmZhbHNlLCJJc05ldyI6ZmFsc2V9LHsiJGlkIjoiMjMyIiwiRGF0ZSI6IjIwMTktMTEtMzBUMjM6NTk6MDBaIiwiU3R5bGUiOnsiJGlkIjoiMjMzIiwiU2hhcGUiOjE5LCJDb25uZWN0b3JNYXJnaW4iOnsiJHJlZiI6IjU3In0sIkNvbm5lY3RvclN0eWxlIjp7IiRpZCI6IjIzNCIsIkxpbmVDb2xvciI6eyIkaWQiOiIyMzUiLCIkdHlwZSI6Ik5MUkUuQ29tbW9uLkRvbS5Tb2xpZENvbG9yQnJ1c2gsIE5MUkUuQ29tbW9uIiwiQ29sb3IiOnsiJGlkIjoiMjM2IiwiQSI6MjU1LCJSIjo3OSwiRyI6MTI5LCJCIjoxODl9fSwiTGluZVdlaWdodCI6MC44LCJMaW5lVHlwZSI6MCwiUGFyZW50U3R5bGUiOm51bGx9LCJJc0JlbG93VGltZWJhbmQiOmZhbHNlLCJQb3NpdGlvbk9uVGFzayI6MCwiSGlkZURhdGUiOmZhbHNlLCJTaGFwZVNpemUiOjEsIlNwYWNpbmciOjEuMCwiUGFkZGluZyI6eyIkcmVmIjoiNjEifSwiU2hhcGVTdHlsZSI6eyIkaWQiOiIyMzciLCJNYXJnaW4iOnsiJHJlZiI6IjYzIn0sIlBhZGRpbmciOnsiJHJlZiI6IjY0In0sIkJhY2tncm91bmQiOnsiJGlkIjoiMjM4IiwiQ29sb3IiOnsiJGlkIjoiMjM5IiwiQSI6MjU1LCJSIjoyMzQsIkciOjIyLCJCIjozMH19LCJJc1Zpc2libGUiOnRydWUsIldpZHRoIjoxOC4wLCJIZWlnaHQiOjIwLjAsIkJvcmRlclN0eWxlIjp7IiRpZCI6IjI0MCIsIkxpbmVDb2xvciI6eyIkcmVmIjoiNjgifSwiTGluZVdlaWdodCI6MC4wLCJMaW5lVHlwZSI6MCwiUGFyZW50U3R5bGUiOm51bGx9LCJQYXJlbnRTdHlsZSI6bnVsbH0sIlRpdGxlU3R5bGUiOnsiJGlkIjoiMjQxIiwiRm9udFNldHRpbmdzIjp7IiRpZCI6IjI0MiIsIkZvbnRTaXplIjoxMSwiRm9udE5hbWUiOiJDYWxpYnJpIiwiSXNCb2xkIjpmYWxzZSwiSXNJdGFsaWMiOmZhbHNlLCJJc1VuZGVybGluZWQiOmZhbHNlLCJQYXJlbnRTdHlsZSI6bnVsbH0sIkF1dG9TaXplIjowLCJGb3JlZ3JvdW5kIjp7IiRpZCI6IjI0MyIsIkNvbG9yIjp7IiRpZCI6IjI0NCIsIkEiOjI1NSwiUiI6MCwiRyI6MCwiQiI6MH19LCJNYXhXaWR0aCI6MjAwLjAsIk1heEhlaWdodCI6IkluZmluaXR5IiwiU21hcnRGb3JlZ3JvdW5kSXNBY3RpdmUiOmZhbHNlLCJIb3Jpem9udGFsQWxpZ25tZW50IjowLCJWZXJ0aWNhbEFsaWdubWVudCI6MCwiU21hcnRGb3JlZ3JvdW5kIjpudWxsLCJCYWNrZ3JvdW5kRmlsbFR5cGUiOjAsIk1hcmdpbiI6eyIkcmVmIjoiNzQifSwiUGFkZGluZyI6eyIkcmVmIjoiNzUifSwiQmFja2dyb3VuZCI6eyIkcmVmIjoiNzYifSwiSXNWaXNpYmxlIjp0cnVlLCJXaWR0aCI6MC4wLCJIZWlnaHQiOjAuMCwiQm9yZGVyU3R5bGUiOnsiJGlkIjoiMjQ1IiwiTGluZUNvbG9yIjpudWxsLCJMaW5lV2VpZ2h0IjowLjAsIkxpbmVUeXBlIjowLCJQYXJlbnRTdHlsZSI6bnVsbH0sIlBhcmVudFN0eWxlIjpudWxsfSwiRGF0ZVN0eWxlIjp7IiRpZCI6IjI0NiIsIkZvbnRTZXR0aW5ncyI6eyIkaWQiOiIyNDciLCJGb250U2l6ZSI6MTAsIkZvbnROYW1lIjoiQ2FsaWJyaSIsIklzQm9sZCI6ZmFsc2UsIklzSXRhbGljIjpmYWxzZSwiSXNVbmRlcmxpbmVkIjpmYWxzZSwiUGFyZW50U3R5bGUiOm51bGx9LCJBdXRvU2l6ZSI6MCwiRm9yZWdyb3VuZCI6eyIkaWQiOiIyNDgiLCJDb2xvciI6eyIkaWQiOiIyNDkiLCJBIjoyNTUsIlIiOjY4LCJHIjo4NCwiQiI6MTA2fX0sIk1heFdpZHRoIjoyMDAuMCwiTWF4SGVpZ2h0IjoiSW5maW5pdHkiLCJTbWFydEZvcmVncm91bmRJc0FjdGl2ZSI6ZmFsc2UsIkhvcml6b250YWxBbGlnbm1lbnQiOjAsIlZlcnRpY2FsQWxpZ25tZW50IjowLCJTbWFydEZvcmVncm91bmQiOm51bGwsIkJhY2tncm91bmRGaWxsVHlwZSI6MCwiTWFyZ2luIjp7IiRyZWYiOiI4MSJ9LCJQYWRkaW5nIjp7IiRyZWYiOiI4MiJ9LCJCYWNrZ3JvdW5kIjp7IiRyZWYiOiI4MyJ9LCJJc1Zpc2libGUiOnRydWUsIldpZHRoIjowLjAsIkhlaWdodCI6MC4wLCJCb3JkZXJTdHlsZSI6eyIkaWQiOiIyNTAiLCJMaW5lQ29sb3IiOm51bGwsIkxpbmVXZWlnaHQiOjAuMCwiTGluZVR5cGUiOjAsIlBhcmVudFN0eWxlIjpudWxsfSwiUGFyZW50U3R5bGUiOm51bGx9LCJEYXRlRm9ybWF0Ijp7IiRyZWYiOiI4NCJ9LCJJc1Zpc2libGUiOnRydWUsIlBhcmVudFN0eWxlIjpudWxsfSwiSW5kZXgiOjEwLCJQZXJjZW50YWdlQ29tcGxldGUiOm51bGwsIlBvc2l0aW9uIjp7IlJhdGlvIjowLjAsIklzQ3VzdG9tIjpmYWxzZX0sIkRhdGVGb3JtYXQiOnsiJHJlZiI6Ijg0In0sIlJlbGF0ZWRUYXNrSWQiOiIwMDAwMDAwMC0wMDAwLTAwMDAtMDAwMC0wMDAwMDAwMDAwMDAiLCJJZCI6IjQ0MGE3ZTExLTEwOTUtNGNlYS05YWFkLWZjNTk5ZmNiMjQ4NiIsIkltcG9ydElkIjpudWxsLCJUaXRsZSI6IkJhc2VsaW5lIFJFLCBBUiIsIk5vdGUiOm51bGwsIkh5cGVybGluayI6eyIkaWQiOiIyNTEiLCJBZGRyZXNzIjoiIiwiU3ViQWRkcmVzcyI6IiJ9LCJJc0NoYW5nZWQiOmZhbHNlLCJJc05ldyI6ZmFsc2V9LHsiJGlkIjoiMjUyIiwiRGF0ZSI6IjIwMTktMTItMjNUMjM6NTk6MDBaIiwiU3R5bGUiOnsiJGlkIjoiMjUzIiwiU2hhcGUiOjE5LCJDb25uZWN0b3JNYXJnaW4iOnsiJHJlZiI6IjU3In0sIkNvbm5lY3RvclN0eWxlIjp7IiRpZCI6IjI1NCIsIkxpbmVDb2xvciI6eyIkaWQiOiIyNTUiLCIkdHlwZSI6Ik5MUkUuQ29tbW9uLkRvbS5Tb2xpZENvbG9yQnJ1c2gsIE5MUkUuQ29tbW9uIiwiQ29sb3IiOnsiJGlkIjoiMjU2IiwiQSI6MjU1LCJSIjo3OSwiRyI6MTI5LCJCIjoxODl9fSwiTGluZVdlaWdodCI6MS4wLCJMaW5lVHlwZSI6MCwiUGFyZW50U3R5bGUiOm51bGx9LCJJc0JlbG93VGltZWJhbmQiOmZhbHNlLCJQb3NpdGlvbk9uVGFzayI6MCwiSGlkZURhdGUiOmZhbHNlLCJTaGFwZVNpemUiOjEsIlNwYWNpbmciOjEuMCwiUGFkZGluZyI6eyIkcmVmIjoiNjEifSwiU2hhcGVTdHlsZSI6eyIkaWQiOiIyNTciLCJNYXJnaW4iOnsiJHJlZiI6IjYzIn0sIlBhZGRpbmciOnsiJHJlZiI6IjY0In0sIkJhY2tncm91bmQiOnsiJGlkIjoiMjU4IiwiQ29sb3IiOnsiJGlkIjoiMjU5IiwiQSI6MjU1LCJSIjoyMzQsIkciOjIyLCJCIjozMH19LCJJc1Zpc2libGUiOnRydWUsIldpZHRoIjoxOC4wLCJIZWlnaHQiOjIwLjAsIkJvcmRlclN0eWxlIjp7IiRpZCI6IjI2MCIsIkxpbmVDb2xvciI6eyIkcmVmIjoiNjgifSwiTGluZVdlaWdodCI6MC4wLCJMaW5lVHlwZSI6MCwiUGFyZW50U3R5bGUiOm51bGx9LCJQYXJlbnRTdHlsZSI6bnVsbH0sIlRpdGxlU3R5bGUiOnsiJGlkIjoiMjYxIiwiRm9udFNldHRpbmdzIjp7IiRpZCI6IjI2MiIsIkZvbnRTaXplIjoxMSwiRm9udE5hbWUiOiJDYWxpYnJpIiwiSXNCb2xkIjpmYWxzZSwiSXNJdGFsaWMiOmZhbHNlLCJJc1VuZGVybGluZWQiOmZhbHNlLCJQYXJlbnRTdHlsZSI6bnVsbH0sIkF1dG9TaXplIjowLCJGb3JlZ3JvdW5kIjp7IiRpZCI6IjI2MyIsIkNvbG9yIjp7IiRpZCI6IjI2NCIsIkEiOjI1NSwiUiI6MCwiRyI6MCwiQiI6MH19LCJNYXhXaWR0aCI6MjAwLjAsIk1heEhlaWdodCI6IkluZmluaXR5IiwiU21hcnRGb3JlZ3JvdW5kSXNBY3RpdmUiOmZhbHNlLCJIb3Jpem9udGFsQWxpZ25tZW50IjowLCJWZXJ0aWNhbEFsaWdubWVudCI6MCwiU21hcnRGb3JlZ3JvdW5kIjpudWxsLCJCYWNrZ3JvdW5kRmlsbFR5cGUiOjAsIk1hcmdpbiI6eyIkcmVmIjoiNzQifSwiUGFkZGluZyI6eyIkcmVmIjoiNzUifSwiQmFja2dyb3VuZCI6eyIkcmVmIjoiNzYifSwiSXNWaXNpYmxlIjp0cnVlLCJXaWR0aCI6MC4wLCJIZWlnaHQiOjAuMCwiQm9yZGVyU3R5bGUiOnsiJGlkIjoiMjY1IiwiTGluZUNvbG9yIjpudWxsLCJMaW5lV2VpZ2h0IjowLjAsIkxpbmVUeXBlIjowLCJQYXJlbnRTdHlsZSI6bnVsbH0sIlBhcmVudFN0eWxlIjpudWxsfSwiRGF0ZVN0eWxlIjp7IiRpZCI6IjI2NiIsIkZvbnRTZXR0aW5ncyI6eyIkaWQiOiIyNjciLCJGb250U2l6ZSI6MTAsIkZvbnROYW1lIjoiQ2FsaWJyaSIsIklzQm9sZCI6ZmFsc2UsIklzSXRhbGljIjpmYWxzZSwiSXNVbmRlcmxpbmVkIjpmYWxzZSwiUGFyZW50U3R5bGUiOm51bGx9LCJBdXRvU2l6ZSI6MCwiRm9yZWdyb3VuZCI6eyIkaWQiOiIyNjgiLCJDb2xvciI6eyIkaWQiOiIyNjkiLCJBIjoyNTUsIlIiOjY4LCJHIjo4NCwiQiI6MTA2fX0sIk1heFdpZHRoIjoyMDAuMCwiTWF4SGVpZ2h0IjoiSW5maW5pdHkiLCJTbWFydEZvcmVncm91bmRJc0FjdGl2ZSI6ZmFsc2UsIkhvcml6b250YWxBbGlnbm1lbnQiOjAsIlZlcnRpY2FsQWxpZ25tZW50IjowLCJTbWFydEZvcmVncm91bmQiOm51bGwsIkJhY2tncm91bmRGaWxsVHlwZSI6MCwiTWFyZ2luIjp7IiRyZWYiOiI4MSJ9LCJQYWRkaW5nIjp7IiRyZWYiOiI4MiJ9LCJCYWNrZ3JvdW5kIjp7IiRyZWYiOiI4MyJ9LCJJc1Zpc2libGUiOnRydWUsIldpZHRoIjowLjAsIkhlaWdodCI6MC4wLCJCb3JkZXJTdHlsZSI6eyIkaWQiOiIyNzAiLCJMaW5lQ29sb3IiOm51bGwsIkxpbmVXZWlnaHQiOjAuMCwiTGluZVR5cGUiOjAsIlBhcmVudFN0eWxlIjpudWxsfSwiUGFyZW50U3R5bGUiOm51bGx9LCJEYXRlRm9ybWF0Ijp7IiRyZWYiOiI4NCJ9LCJJc1Zpc2libGUiOnRydWUsIlBhcmVudFN0eWxlIjpudWxsfSwiSW5kZXgiOjExLCJQZXJjZW50YWdlQ29tcGxldGUiOm51bGwsIlBvc2l0aW9uIjp7IlJhdGlvIjowLjAsIklzQ3VzdG9tIjpmYWxzZX0sIkRhdGVGb3JtYXQiOnsiJHJlZiI6Ijg0In0sIlJlbGF0ZWRUYXNrSWQiOiIwMDAwMDAwMC0wMDAwLTAwMDAtMDAwMC0wMDAwMDAwMDAwMDAiLCJJZCI6ImQ3NzE4YjJkLWUwYWYtNGQ0ZS04OWMzLWZmZTZhZTBiZDg2NiIsIkltcG9ydElkIjpudWxsLCJUaXRsZSI6IlN0YXJ0IE1vZHVsZSAxIiwiTm90ZSI6bnVsbCwiSHlwZXJsaW5rIjp7IiRpZCI6IjI3MSIsIkFkZHJlc3MiOiIiLCJTdWJBZGRyZXNzIjoiIn0sIklzQ2hhbmdlZCI6ZmFsc2UsIklzTmV3IjpmYWxzZX0seyIkaWQiOiIyNzIiLCJEYXRlIjoiMjAyMC0wMS0wNlQyMzo1OTowMFoiLCJTdHlsZSI6eyIkaWQiOiIyNzMiLCJTaGFwZSI6MTksIkNvbm5lY3Rvck1hcmdpbiI6eyIkcmVmIjoiNTcifSwiQ29ubmVjdG9yU3R5bGUiOnsiJGlkIjoiMjc0IiwiTGluZUNvbG9yIjp7IiRpZCI6IjI3NSIsIiR0eXBlIjoiTkxSRS5Db21tb24uRG9tLlNvbGlkQ29sb3JCcnVzaCwgTkxSRS5Db21tb24iLCJDb2xvciI6eyIkaWQiOiIyNzYiLCJBIjoyNTUsIlIiOjc5LCJHIjoxMjksIkIiOjE4OX19LCJMaW5lV2VpZ2h0IjoxLjAsIkxpbmVUeXBlIjowLCJQYXJlbnRTdHlsZSI6bnVsbH0sIklzQmVsb3dUaW1lYmFuZCI6ZmFsc2UsIlBvc2l0aW9uT25UYXNrIjowLCJIaWRlRGF0ZSI6ZmFsc2UsIlNoYXBlU2l6ZSI6MSwiU3BhY2luZyI6MS4wLCJQYWRkaW5nIjp7IiRyZWYiOiI2MSJ9LCJTaGFwZVN0eWxlIjp7IiRpZCI6IjI3NyIsIk1hcmdpbiI6eyIkcmVmIjoiNjMifSwiUGFkZGluZyI6eyIkcmVmIjoiNjQifSwiQmFja2dyb3VuZCI6eyIkaWQiOiIyNzgiLCJDb2xvciI6eyIkaWQiOiIyNzkiLCJBIjoyNTUsIlIiOjIzNCwiRyI6MjIsIkIiOjMwfX0sIklzVmlzaWJsZSI6dHJ1ZSwiV2lkdGgiOjE4LjAsIkhlaWdodCI6MjAuMCwiQm9yZGVyU3R5bGUiOnsiJGlkIjoiMjgwIiwiTGluZUNvbG9yIjp7IiRyZWYiOiI2OCJ9LCJMaW5lV2VpZ2h0IjowLjAsIkxpbmVUeXBlIjowLCJQYXJlbnRTdHlsZSI6bnVsbH0sIlBhcmVudFN0eWxlIjpudWxsfSwiVGl0bGVTdHlsZSI6eyIkaWQiOiIyODEiLCJGb250U2V0dGluZ3MiOnsiJGlkIjoiMjgyIiwiRm9udFNpemUiOjExLCJGb250TmFtZSI6IkNhbGlicmkiLCJJc0JvbGQiOmZhbHNlLCJJc0l0YWxpYyI6ZmFsc2UsIklzVW5kZXJsaW5lZCI6ZmFsc2UsIlBhcmVudFN0eWxlIjpudWxsfSwiQXV0b1NpemUiOjAsIkZvcmVncm91bmQiOnsiJGlkIjoiMjgzIiwiQ29sb3IiOnsiJGlkIjoiMjg0IiwiQSI6MjU1LCJSIjowLCJHIjowLCJCIjowfX0sIk1heFdpZHRoIjoyMDAuMCwiTWF4SGVpZ2h0IjoiSW5maW5pdHkiLCJTbWFydEZvcmVncm91bmRJc0FjdGl2ZSI6ZmFsc2UsIkhvcml6b250YWxBbGlnbm1lbnQiOjAsIlZlcnRpY2FsQWxpZ25tZW50IjowLCJTbWFydEZvcmVncm91bmQiOm51bGwsIkJhY2tncm91bmRGaWxsVHlwZSI6MCwiTWFyZ2luIjp7IiRyZWYiOiI3NCJ9LCJQYWRkaW5nIjp7IiRyZWYiOiI3NSJ9LCJCYWNrZ3JvdW5kIjp7IiRyZWYiOiI3NiJ9LCJJc1Zpc2libGUiOnRydWUsIldpZHRoIjowLjAsIkhlaWdodCI6MC4wLCJCb3JkZXJTdHlsZSI6eyIkaWQiOiIyODUiLCJMaW5lQ29sb3IiOm51bGwsIkxpbmVXZWlnaHQiOjAuMCwiTGluZVR5cGUiOjAsIlBhcmVudFN0eWxlIjpudWxsfSwiUGFyZW50U3R5bGUiOm51bGx9LCJEYXRlU3R5bGUiOnsiJGlkIjoiMjg2IiwiRm9udFNldHRpbmdzIjp7IiRpZCI6IjI4NyIsIkZvbnRTaXplIjoxMCwiRm9udE5hbWUiOiJDYWxpYnJpIiwiSXNCb2xkIjpmYWxzZSwiSXNJdGFsaWMiOmZhbHNlLCJJc1VuZGVybGluZWQiOmZhbHNlLCJQYXJlbnRTdHlsZSI6bnVsbH0sIkF1dG9TaXplIjowLCJGb3JlZ3JvdW5kIjp7IiRpZCI6IjI4OCIsIkNvbG9yIjp7IiRpZCI6IjI4OSIsIkEiOjI1NSwiUiI6NjgsIkciOjg0LCJCIjoxMDZ9fSwiTWF4V2lkdGgiOjIwMC4wLCJNYXhIZWlnaHQiOiJJbmZpbml0eSIsIlNtYXJ0Rm9yZWdyb3VuZElzQWN0aXZlIjpmYWxzZSwiSG9yaXpvbnRhbEFsaWdubWVudCI6MCwiVmVydGljYWxBbGlnbm1lbnQiOjAsIlNtYXJ0Rm9yZWdyb3VuZCI6bnVsbCwiQmFja2dyb3VuZEZpbGxUeXBlIjowLCJNYXJnaW4iOnsiJHJlZiI6IjgxIn0sIlBhZGRpbmciOnsiJHJlZiI6IjgyIn0sIkJhY2tncm91bmQiOnsiJHJlZiI6IjgzIn0sIklzVmlzaWJsZSI6dHJ1ZSwiV2lkdGgiOjAuMCwiSGVpZ2h0IjowLjAsIkJvcmRlclN0eWxlIjp7IiRpZCI6IjI5MCIsIkxpbmVDb2xvciI6bnVsbCwiTGluZVdlaWdodCI6MC4wLCJMaW5lVHlwZSI6MCwiUGFyZW50U3R5bGUiOm51bGx9LCJQYXJlbnRTdHlsZSI6bnVsbH0sIkRhdGVGb3JtYXQiOnsiJHJlZiI6Ijg0In0sIklzVmlzaWJsZSI6dHJ1ZSwiUGFyZW50U3R5bGUiOm51bGx9LCJJbmRleCI6MTIsIlBlcmNlbnRhZ2VDb21wbGV0ZSI6bnVsbCwiUG9zaXRpb24iOnsiUmF0aW8iOjAuMCwiSXNDdXN0b20iOmZhbHNlfSwiRGF0ZUZvcm1hdCI6eyIkcmVmIjoiODQifSwiUmVsYXRlZFRhc2tJZCI6IjAwMDAwMDAwLTAwMDAtMDAwMC0wMDAwLTAwMDAwMDAwMDAwMCIsIklkIjoiNDZhYmUzZjktNTVkNi00YjY2LWEwNGEtN2ViOWNiM2IwMGE4IiwiSW1wb3J0SWQiOm51bGwsIlRpdGxlIjoiU3RhcnQgTW9kdWxlIDIiLCJOb3RlIjpudWxsLCJIeXBlcmxpbmsiOnsiJGlkIjoiMjkxIiwiQWRkcmVzcyI6IiIsIlN1YkFkZHJlc3MiOiIifSwiSXNDaGFuZ2VkIjpmYWxzZSwiSXNOZXciOmZhbHNlfSx7IiRpZCI6IjI5MiIsIkRhdGUiOiIyMDIwLTA0LTMwVDIzOjU5OjAwWiIsIlN0eWxlIjp7IiRpZCI6IjI5MyIsIlNoYXBlIjoxOSwiQ29ubmVjdG9yTWFyZ2luIjp7IiRyZWYiOiI1NyJ9LCJDb25uZWN0b3JTdHlsZSI6eyIkaWQiOiIyOTQiLCJMaW5lQ29sb3IiOnsiJGlkIjoiMjk1IiwiJHR5cGUiOiJOTFJFLkNvbW1vbi5Eb20uU29saWRDb2xvckJydXNoLCBOTFJFLkNvbW1vbiIsIkNvbG9yIjp7IiRpZCI6IjI5NiIsIkEiOjI1NSwiUiI6NzksIkciOjEyOSwiQiI6MTg5fX0sIkxpbmVXZWlnaHQiOjAuOCwiTGluZVR5cGUiOjAsIlBhcmVudFN0eWxlIjpudWxsfSwiSXNCZWxvd1RpbWViYW5kIjpmYWxzZSwiUG9zaXRpb25PblRhc2siOjAsIkhpZGVEYXRlIjpmYWxzZSwiU2hhcGVTaXplIjoxLCJTcGFjaW5nIjoxLjAsIlBhZGRpbmciOnsiJHJlZiI6IjYxIn0sIlNoYXBlU3R5bGUiOnsiJGlkIjoiMjk3IiwiTWFyZ2luIjp7IiRyZWYiOiI2MyJ9LCJQYWRkaW5nIjp7IiRyZWYiOiI2NCJ9LCJCYWNrZ3JvdW5kIjp7IiRpZCI6IjI5OCIsIkNvbG9yIjp7IiRpZCI6IjI5OSIsIkEiOjI1NSwiUiI6MjM0LCJHIjoyMiwiQiI6MzB9fSwiSXNWaXNpYmxlIjp0cnVlLCJXaWR0aCI6MTguMCwiSGVpZ2h0IjoyMC4wLCJCb3JkZXJTdHlsZSI6eyIkaWQiOiIzMDAiLCJMaW5lQ29sb3IiOnsiJHJlZiI6IjY4In0sIkxpbmVXZWlnaHQiOjAuMCwiTGluZVR5cGUiOjAsIlBhcmVudFN0eWxlIjpudWxsfSwiUGFyZW50U3R5bGUiOm51bGx9LCJUaXRsZVN0eWxlIjp7IiRpZCI6IjMwMSIsIkZvbnRTZXR0aW5ncyI6eyIkaWQiOiIzMDIiLCJGb250U2l6ZSI6MTEsIkZvbnROYW1lIjoiQ2FsaWJyaSIsIklzQm9sZCI6ZmFsc2UsIklzSXRhbGljIjpmYWxzZSwiSXNVbmRlcmxpbmVkIjpmYWxzZSwiUGFyZW50U3R5bGUiOm51bGx9LCJBdXRvU2l6ZSI6MCwiRm9yZWdyb3VuZCI6eyIkaWQiOiIzMDMiLCJDb2xvciI6eyIkaWQiOiIzMDQiLCJBIjoyNTUsIlIiOjAsIkciOjAsIkIiOjB9fSwiTWF4V2lkdGgiOjIwMC4wLCJNYXhIZWlnaHQiOiJJbmZpbml0eSIsIlNtYXJ0Rm9yZWdyb3VuZElzQWN0aXZlIjpmYWxzZSwiSG9yaXpvbnRhbEFsaWdubWVudCI6MCwiVmVydGljYWxBbGlnbm1lbnQiOjAsIlNtYXJ0Rm9yZWdyb3VuZCI6bnVsbCwiQmFja2dyb3VuZEZpbGxUeXBlIjowLCJNYXJnaW4iOnsiJHJlZiI6Ijc0In0sIlBhZGRpbmciOnsiJHJlZiI6Ijc1In0sIkJhY2tncm91bmQiOnsiJHJlZiI6Ijc2In0sIklzVmlzaWJsZSI6dHJ1ZSwiV2lkdGgiOjAuMCwiSGVpZ2h0IjowLjAsIkJvcmRlclN0eWxlIjp7IiRpZCI6IjMwNSIsIkxpbmVDb2xvciI6bnVsbCwiTGluZVdlaWdodCI6MC4wLCJMaW5lVHlwZSI6MCwiUGFyZW50U3R5bGUiOm51bGx9LCJQYXJlbnRTdHlsZSI6bnVsbH0sIkRhdGVTdHlsZSI6eyIkaWQiOiIzMDYiLCJGb250U2V0dGluZ3MiOnsiJGlkIjoiMzA3IiwiRm9udFNpemUiOjEwLCJGb250TmFtZSI6IkNhbGlicmkiLCJJc0JvbGQiOmZhbHNlLCJJc0l0YWxpYyI6ZmFsc2UsIklzVW5kZXJsaW5lZCI6ZmFsc2UsIlBhcmVudFN0eWxlIjpudWxsfSwiQXV0b1NpemUiOjAsIkZvcmVncm91bmQiOnsiJGlkIjoiMzA4IiwiQ29sb3IiOnsiJGlkIjoiMzA5IiwiQSI6MjU1LCJSIjo2OCwiRyI6ODQsIkIiOjEwNn19LCJNYXhXaWR0aCI6MjAwLjAsIk1heEhlaWdodCI6IkluZmluaXR5IiwiU21hcnRGb3JlZ3JvdW5kSXNBY3RpdmUiOmZhbHNlLCJIb3Jpem9udGFsQWxpZ25tZW50IjowLCJWZXJ0aWNhbEFsaWdubWVudCI6MCwiU21hcnRGb3JlZ3JvdW5kIjpudWxsLCJCYWNrZ3JvdW5kRmlsbFR5cGUiOjAsIk1hcmdpbiI6eyIkcmVmIjoiODEifSwiUGFkZGluZyI6eyIkcmVmIjoiODIifSwiQmFja2dyb3VuZCI6eyIkcmVmIjoiODMifSwiSXNWaXNpYmxlIjp0cnVlLCJXaWR0aCI6MC4wLCJIZWlnaHQiOjAuMCwiQm9yZGVyU3R5bGUiOnsiJGlkIjoiMzEwIiwiTGluZUNvbG9yIjpudWxsLCJMaW5lV2VpZ2h0IjowLjAsIkxpbmVUeXBlIjowLCJQYXJlbnRTdHlsZSI6bnVsbH0sIlBhcmVudFN0eWxlIjpudWxsfSwiRGF0ZUZvcm1hdCI6eyIkaWQiOiIzMTEiLCJGb3JtYXRTdHJpbmciOiJNTU0gZCIsIlNlcGFyYXRvciI6Ii8iLCJVc2VJbnRlcm5hdGlvbmFsRGF0ZUZvcm1hdCI6ZmFsc2UsIkRhdGVJc1Zpc2libGUiOnRydWUsIlRpbWVJc1Zpc2libGUiOmZhbHNlLCJIb3VyRGlnaXRzIjoxLCJBbVBtRGVzaWduYXRvciI6MiwiVHJpbTAwTWludXRlcyI6ZmFsc2UsIkxhc3RLbm93blZpc2liaWxpdHlTdGF0ZSI6eyIkaWQiOiIzMTIiLCJEYXRlUGFydElzVmlzaWJsZSI6dHJ1ZSwiVGltZVBhcnRJc1Zpc2libGUiOmZhbHNlfX0sIklzVmlzaWJsZSI6dHJ1ZSwiUGFyZW50U3R5bGUiOm51bGx9LCJJbmRleCI6MTMsIlBlcmNlbnRhZ2VDb21wbGV0ZSI6bnVsbCwiUG9zaXRpb24iOnsiUmF0aW8iOjAuMCwiSXNDdXN0b20iOmZhbHNlfSwiRGF0ZUZvcm1hdCI6eyIkcmVmIjoiMzExIn0sIlJlbGF0ZWRUYXNrSWQiOiIwMDAwMDAwMC0wMDAwLTAwMDAtMDAwMC0wMDAwMDAwMDAwMDAiLCJJZCI6IjMxNWUzZGYwLTNhMjMtNDE2MS1iOTUxLTlhYWUzOGIzMGZhMiIsIkltcG9ydElkIjpudWxsLCJUaXRsZSI6IkNsb3NlIFByb2plY3QiLCJOb3RlIjpudWxsLCJIeXBlcmxpbmsiOnsiJGlkIjoiMzEzIiwiQWRkcmVzcyI6IiIsIlN1YkFkZHJlc3MiOiIifSwiSXNDaGFuZ2VkIjpmYWxzZSwiSXNOZXciOmZhbHNlfV0sIlRhc2tzIjpbeyIkaWQiOiIzMTQiLCJHcm91cE5hbWUiOm51bGwsIlN0YXJ0RGF0ZSI6IjIwMTktMTAtMTRUMDA6MDA6MDBaIiwiRW5kRGF0ZSI6IjIwMTktMTAtMTlUMjM6NTk6MDBaIiwiUGVyY2VudGFnZUNvbXBsZXRlIjoxMDAuMCwiU3R5bGUiOnsiJGlkIjoiMzE1IiwiU2hhcGUiOjAsIlNoYXBlVGhpY2tuZXNzIjoxLCJEdXJhdGlvbkZvcm1hdCI6MCwiSW5jbHVkZU5vbldvcmtpbmdEYXlzSW5EdXJhdGlvbiI6dHJ1ZSwiUGVyY2VudGFnZUNvbXBsZXRlU3R5bGUiOnsiJGlkIjoiMzE2IiwiRm9udFNldHRpbmdzIjp7IiRpZCI6IjMxNyIsIkZvbnRTaXplIjoxMCwiRm9udE5hbWUiOiJDYWxpYnJpIiwiSXNCb2xkIjpmYWxzZSwiSXNJdGFsaWMiOmZhbHNlLCJJc1VuZGVybGluZWQiOmZhbHNlLCJQYXJlbnRTdHlsZSI6eyIkcmVmIjoiODgifX0sIkF1dG9TaXplIjowLCJGb3JlZ3JvdW5kIjp7IiRyZWYiOiI4OSJ9LCJNYXhXaWR0aCI6MjAwLjAsIk1heEhlaWdodCI6IkluZmluaXR5IiwiU21hcnRGb3JlZ3JvdW5kSXNBY3RpdmUiOmZhbHNlLCJIb3Jpem9udGFsQWxpZ25tZW50IjowLCJWZXJ0aWNhbEFsaWdubWVudCI6MCwiU21hcnRGb3JlZ3JvdW5kIjpudWxsLCJCYWNrZ3JvdW5kRmlsbFR5cGUiOjAsIk1hcmdpbiI6eyIkcmVmIjoiOTEifSwiUGFkZGluZyI6eyIkcmVmIjoiOTIifSwiQmFja2dyb3VuZCI6eyIkcmVmIjoiOTMifSwiSXNWaXNpYmxlIjp0cnVlLCJXaWR0aCI6MC4wLCJIZWlnaHQiOjAuMCwiQm9yZGVyU3R5bGUiOnsiJGlkIjoiMzE4IiwiTGluZUNvbG9yIjpudWxsLCJMaW5lV2VpZ2h0IjowLjAsIkxpbmVUeXBlIjowLCJQYXJlbnRTdHlsZSI6bnVsbH0sIlBhcmVudFN0eWxlIjp7IiRyZWYiOiI4NyJ9fSwiRHVyYXRpb25TdHlsZSI6eyIkaWQiOiIzMTkiLCJGb250U2V0dGluZ3MiOnsiJGlkIjoiMzIwIiwiRm9udFNpemUiOjEwLCJGb250TmFtZSI6IkNhbGlicmkiLCJJc0JvbGQiOmZhbHNlLCJJc0l0YWxpYyI6ZmFsc2UsIklzVW5kZXJsaW5lZCI6ZmFsc2UsIlBhcmVudFN0eWxlIjp7IiRyZWYiOiI5NiJ9fSwiQXV0b1NpemUiOjAsIkZvcmVncm91bmQiOnsiJHJlZiI6Ijk3In0sIk1heFdpZHRoIjoyMDAuMCwiTWF4SGVpZ2h0IjoiSW5maW5pdHkiLCJTbWFydEZvcmVncm91bmRJc0FjdGl2ZSI6ZmFsc2UsIkhvcml6b250YWxBbGlnbm1lbnQiOjAsIlZlcnRpY2FsQWxpZ25tZW50IjowLCJTbWFydEZvcmVncm91bmQiOm51bGwsIkJhY2tncm91bmRGaWxsVHlwZSI6MCwiTWFyZ2luIjp7IiRyZWYiOiI5OSJ9LCJQYWRkaW5nIjp7IiRyZWYiOiIxMDAifSwiQmFja2dyb3VuZCI6eyIkcmVmIjoiMTAxIn0sIklzVmlzaWJsZSI6dHJ1ZSwiV2lkdGgiOjAuMCwiSGVpZ2h0IjowLjAsIkJvcmRlclN0eWxlIjp7IiRpZCI6IjMyMSIsIkxpbmVDb2xvciI6bnVsbCwiTGluZVdlaWdodCI6MC4wLCJMaW5lVHlwZSI6MCwiUGFyZW50U3R5bGUiOm51bGx9LCJQYXJlbnRTdHlsZSI6eyIkcmVmIjoiOTUifX0sIkhvcml6b250YWxDb25uZWN0b3JTdHlsZSI6eyIkaWQiOiIzMjIiLCJMaW5lQ29sb3IiOnsiJHJlZiI6IjEwMyJ9LCJMaW5lV2VpZ2h0IjoxLjAsIkxpbmVUeXBlIjowLCJQYXJlbnRTdHlsZSI6eyIkcmVmIjoiMTAyIn19LCJWZXJ0aWNhbENvbm5lY3RvclN0eWxlIjp7IiRpZCI6IjMyMyIsIkxpbmVDb2xvciI6eyIkcmVmIjoiMTA2In0sIkxpbmVXZWlnaHQiOjAuMCwiTGluZVR5cGUiOjAsIlBhcmVudFN0eWxlIjp7IiRyZWYiOiIxMDUifX0sIk1hcmdpbiI6bnVsbCwiU3RhcnREYXRlUG9zaXRpb24iOjQsIkVuZERhdGVQb3NpdGlvbiI6NCwiRGF0ZUlzVmlzaWJsZSI6dHJ1ZSwiVGl0bGVQb3NpdGlvbiI6NSwiRHVyYXRpb25Qb3NpdGlvbiI6MCwiUGVyY2VudGFnZUNvbXBsZXRlZFBvc2l0aW9uIjo2LCJTcGFjaW5nIjozLCJJc0JlbG93VGltZWJhbmQiOnRydWUsIlBlcmNlbnRhZ2VDb21wbGV0ZVNoYXBlT3BhY2l0eSI6MzUsIlNoYXBlU3R5bGUiOnsiJGlkIjoiMzI0IiwiTWFyZ2luIjp7IiRyZWYiOiIxMDkifSwiUGFkZGluZyI6eyIkcmVmIjoiMTEwIn0sIkJhY2tncm91bmQiOnsiJGlkIjoiMzI1IiwiQ29sb3IiOnsiJGlkIjoiMzI2IiwiQSI6MjU1LCJSIjo5MSwiRyI6MTU1LCJCIjoyMTN9fSwiSXNWaXNpYmxlIjp0cnVlLCJXaWR0aCI6MC4wLCJIZWlnaHQiOjE2LjAsIkJvcmRlclN0eWxlIjp7IiRpZCI6IjMyNyIsIkxpbmVDb2xvciI6eyIkaWQiOiIzMjgiLCIkdHlwZSI6Ik5MUkUuQ29tbW9uLkRvbS5Tb2xpZENvbG9yQnJ1c2gsIE5MUkUuQ29tbW9uIiwiQ29sb3IiOnsiJGlkIjoiMzI5IiwiQSI6MjU1LCJSIjoyNTUsIkciOjAsIkIiOjB9fSwiTGluZVdlaWdodCI6MC4wLCJMaW5lVHlwZSI6MCwiUGFyZW50U3R5bGUiOm51bGx9LCJQYXJlbnRTdHlsZSI6eyIkcmVmIjoiMTA4In19LCJUaXRsZVN0eWxlIjp7IiRpZCI6IjMzMCIsIkZvbnRTZXR0aW5ncyI6eyIkaWQiOiIzMzEiLCJGb250U2l6ZSI6MTEsIkZvbnROYW1lIjoiQ2FsaWJyaSIsIklzQm9sZCI6dHJ1ZSwiSXNJdGFsaWMiOmZhbHNlLCJJc1VuZGVybGluZWQiOmZhbHNlLCJQYXJlbnRTdHlsZSI6eyIkcmVmIjoiMTE3In19LCJBdXRvU2l6ZSI6MCwiRm9yZWdyb3VuZCI6eyIkaWQiOiIzMzIiLCJDb2xvciI6eyIkaWQiOiIzMzMiLCJBIjoyNTUsIlIiOjAsIkciOjAsIkIiOjB9fSwiTWF4V2lkdGgiOjcyMC4wLCJNYXhIZWlnaHQiOiJJbmZpbml0eSIsIlNtYXJ0Rm9yZWdyb3VuZElzQWN0aXZlIjpmYWxzZSwiSG9yaXpvbnRhbEFsaWdubWVudCI6MCwiVmVydGljYWxBbGlnbm1lbnQiOjAsIlNtYXJ0Rm9yZWdyb3VuZCI6bnVsbCwiQmFja2dyb3VuZEZpbGxUeXBlIjowLCJNYXJnaW4iOnsiJHJlZiI6IjEyMCJ9LCJQYWRkaW5nIjp7IiRyZWYiOiIxMjEifSwiQmFja2dyb3VuZCI6eyIkcmVmIjoiMTIyIn0sIklzVmlzaWJsZSI6dHJ1ZSwiV2lkdGgiOjAuMCwiSGVpZ2h0IjowLjAsIkJvcmRlclN0eWxlIjp7IiRpZCI6IjMzNCIsIkxpbmVDb2xvciI6bnVsbCwiTGluZVdlaWdodCI6MC4wLCJMaW5lVHlwZSI6MCwiUGFyZW50U3R5bGUiOm51bGx9LCJQYXJlbnRTdHlsZSI6eyIkcmVmIjoiMTE2In19LCJEYXRlU3R5bGUiOnsiJGlkIjoiMzM1IiwiRm9udFNldHRpbmdzIjp7IiRpZCI6IjMzNiIsIkZvbnRTaXplIjoxMCwiRm9udE5hbWUiOiJDYWxpYnJpIiwiSXNCb2xkIjpmYWxzZSwiSXNJdGFsaWMiOmZhbHNlLCJJc1VuZGVybGluZWQiOmZhbHNlLCJQYXJlbnRTdHlsZSI6eyIkcmVmIjoiMTI0In19LCJBdXRvU2l6ZSI6MCwiRm9yZWdyb3VuZCI6eyIkaWQiOiIzMzciLCJDb2xvciI6eyIkaWQiOiIzMzgiLCJBIjoyNTUsIlIiOjAsIkciOjAsIkIiOjB9fSwiTWF4V2lkdGgiOjIwMC4wLCJNYXhIZWlnaHQiOiJJbmZpbml0eSIsIlNtYXJ0Rm9yZWdyb3VuZElzQWN0aXZlIjpmYWxzZSwiSG9yaXpvbnRhbEFsaWdubWVudCI6MCwiVmVydGljYWxBbGlnbm1lbnQiOjAsIlNtYXJ0Rm9yZWdyb3VuZCI6bnVsbCwiQmFja2dyb3VuZEZpbGxUeXBlIjowLCJNYXJnaW4iOnsiJHJlZiI6IjEyNyJ9LCJQYWRkaW5nIjp7IiRyZWYiOiIxMjgifSwiQmFja2dyb3VuZCI6eyIkcmVmIjoiMTI5In0sIklzVmlzaWJsZSI6dHJ1ZSwiV2lkdGgiOjAuMCwiSGVpZ2h0IjowLjAsIkJvcmRlclN0eWxlIjp7IiRpZCI6IjMzOSIsIkxpbmVDb2xvciI6bnVsbCwiTGluZVdlaWdodCI6MC4wLCJMaW5lVHlwZSI6MCwiUGFyZW50U3R5bGUiOm51bGx9LCJQYXJlbnRTdHlsZSI6eyIkcmVmIjoiMTIzIn19LCJEYXRlRm9ybWF0Ijp7IiRyZWYiOiIxMzAifSwiSXNWaXNpYmxlIjp0cnVlLCJQYXJlbnRTdHlsZSI6eyIkcmVmIjoiODYifX0sIkluZGV4IjowLCJTbWFydER1cmF0aW9uQWN0aXZhdGVkIjpmYWxzZSwiRGF0ZUZvcm1hdCI6eyIkcmVmIjoiMTMwIn0sIklkIjoiMTFhNWZkMjAtMTY5YS00ZTVhLWEwYmUtZDA0OGRiYTA4ZmYyIiwiSW1wb3J0SWQiOm51bGwsIlRpdGxlIjoiS2ljay1PZmYiLCJOb3RlIjpudWxsLCJIeXBlcmxpbmsiOnsiJGlkIjoiMzQwIiwiQWRkcmVzcyI6IiIsIlN1YkFkZHJlc3MiOiIifSwiSXNDaGFuZ2VkIjpmYWxzZSwiSXNOZXciOnRydWV9LHsiJGlkIjoiMzQxIiwiR3JvdXBOYW1lIjpudWxsLCJTdGFydERhdGUiOiIyMDE5LTEwLTIxVDAwOjAwOjAwWiIsIkVuZERhdGUiOiIyMDE5LTExLTA5VDIzOjU5OjAwWiIsIlBlcmNlbnRhZ2VDb21wbGV0ZSI6MTAwLjAsIlN0eWxlIjp7IiRpZCI6IjM0MiIsIlNoYXBlIjowLCJTaGFwZVRoaWNrbmVzcyI6MSwiRHVyYXRpb25Gb3JtYXQiOjAsIkluY2x1ZGVOb25Xb3JraW5nRGF5c0luRHVyYXRpb24iOnRydWUsIlBlcmNlbnRhZ2VDb21wbGV0ZVN0eWxlIjp7IiRpZCI6IjM0MyIsIkZvbnRTZXR0aW5ncyI6eyIkaWQiOiIzNDQiLCJGb250U2l6ZSI6MTAsIkZvbnROYW1lIjoiQ2FsaWJyaSIsIklzQm9sZCI6ZmFsc2UsIklzSXRhbGljIjpmYWxzZSwiSXNVbmRlcmxpbmVkIjpmYWxzZSwiUGFyZW50U3R5bGUiOnsiJHJlZiI6Ijg4In19LCJBdXRvU2l6ZSI6MCwiRm9yZWdyb3VuZCI6eyIkcmVmIjoiODkifSwiTWF4V2lkdGgiOjIwMC4wLCJNYXhIZWlnaHQiOiJJbmZpbml0eSIsIlNtYXJ0Rm9yZWdyb3VuZElzQWN0aXZlIjpmYWxzZSwiSG9yaXpvbnRhbEFsaWdubWVudCI6MCwiVmVydGljYWxBbGlnbm1lbnQiOjAsIlNtYXJ0Rm9yZWdyb3VuZCI6bnVsbCwiQmFja2dyb3VuZEZpbGxUeXBlIjowLCJNYXJnaW4iOnsiJHJlZiI6IjkxIn0sIlBhZGRpbmciOnsiJHJlZiI6IjkyIn0sIkJhY2tncm91bmQiOnsiJHJlZiI6IjkzIn0sIklzVmlzaWJsZSI6dHJ1ZSwiV2lkdGgiOjAuMCwiSGVpZ2h0IjowLjAsIkJvcmRlclN0eWxlIjp7IiRpZCI6IjM0NSIsIkxpbmVDb2xvciI6bnVsbCwiTGluZVdlaWdodCI6MC4wLCJMaW5lVHlwZSI6MCwiUGFyZW50U3R5bGUiOm51bGx9LCJQYXJlbnRTdHlsZSI6eyIkcmVmIjoiODcifX0sIkR1cmF0aW9uU3R5bGUiOnsiJGlkIjoiMzQ2IiwiRm9udFNldHRpbmdzIjp7IiRpZCI6IjM0NyIsIkZvbnRTaXplIjoxMCwiRm9udE5hbWUiOiJDYWxpYnJpIiwiSXNCb2xkIjpmYWxzZSwiSXNJdGFsaWMiOmZhbHNlLCJJc1VuZGVybGluZWQiOmZhbHNlLCJQYXJlbnRTdHlsZSI6eyIkcmVmIjoiOTYifX0sIkF1dG9TaXplIjowLCJGb3JlZ3JvdW5kIjp7IiRyZWYiOiI5NyJ9LCJNYXhXaWR0aCI6MjAwLjAsIk1heEhlaWdodCI6IkluZmluaXR5IiwiU21hcnRGb3JlZ3JvdW5kSXNBY3RpdmUiOmZhbHNlLCJIb3Jpem9udGFsQWxpZ25tZW50IjowLCJWZXJ0aWNhbEFsaWdubWVudCI6MCwiU21hcnRGb3JlZ3JvdW5kIjpudWxsLCJCYWNrZ3JvdW5kRmlsbFR5cGUiOjAsIk1hcmdpbiI6eyIkcmVmIjoiOTkifSwiUGFkZGluZyI6eyIkcmVmIjoiMTAwIn0sIkJhY2tncm91bmQiOnsiJHJlZiI6IjEwMSJ9LCJJc1Zpc2libGUiOnRydWUsIldpZHRoIjowLjAsIkhlaWdodCI6MC4wLCJCb3JkZXJTdHlsZSI6eyIkaWQiOiIzNDgiLCJMaW5lQ29sb3IiOm51bGwsIkxpbmVXZWlnaHQiOjAuMCwiTGluZVR5cGUiOjAsIlBhcmVudFN0eWxlIjpudWxsfSwiUGFyZW50U3R5bGUiOnsiJHJlZiI6Ijk1In19LCJIb3Jpem9udGFsQ29ubmVjdG9yU3R5bGUiOnsiJGlkIjoiMzQ5IiwiTGluZUNvbG9yIjp7IiRyZWYiOiIxMDMifSwiTGluZVdlaWdodCI6MC44LCJMaW5lVHlwZSI6MCwiUGFyZW50U3R5bGUiOnsiJHJlZiI6IjEwMiJ9fSwiVmVydGljYWxDb25uZWN0b3JTdHlsZSI6eyIkaWQiOiIzNTAiLCJMaW5lQ29sb3IiOnsiJHJlZiI6IjEwNiJ9LCJMaW5lV2VpZ2h0IjowLjAsIkxpbmVUeXBlIjowLCJQYXJlbnRTdHlsZSI6eyIkcmVmIjoiMTA1In19LCJNYXJnaW4iOm51bGwsIlN0YXJ0RGF0ZVBvc2l0aW9uIjo0LCJFbmREYXRlUG9zaXRpb24iOjQsIkRhdGVJc1Zpc2libGUiOnRydWUsIlRpdGxlUG9zaXRpb24iOjUsIkR1cmF0aW9uUG9zaXRpb24iOjAsIlBlcmNlbnRhZ2VDb21wbGV0ZWRQb3NpdGlvbiI6NiwiU3BhY2luZyI6MywiSXNCZWxvd1RpbWViYW5kIjp0cnVlLCJQZXJjZW50YWdlQ29tcGxldGVTaGFwZU9wYWNpdHkiOjM1LCJTaGFwZVN0eWxlIjp7IiRpZCI6IjM1MSIsIk1hcmdpbiI6eyIkcmVmIjoiMTA5In0sIlBhZGRpbmciOnsiJHJlZiI6IjExMCJ9LCJCYWNrZ3JvdW5kIjp7IiRpZCI6IjM1MiIsIkNvbG9yIjp7IiRpZCI6IjM1MyIsIkEiOjI1NSwiUiI6OTEsIkciOjE1NSwiQiI6MjEzfX0sIklzVmlzaWJsZSI6dHJ1ZSwiV2lkdGgiOjAuMCwiSGVpZ2h0IjoxNi4wLCJCb3JkZXJTdHlsZSI6eyIkaWQiOiIzNTQiLCJMaW5lQ29sb3IiOnsiJGlkIjoiMzU1IiwiJHR5cGUiOiJOTFJFLkNvbW1vbi5Eb20uU29saWRDb2xvckJydXNoLCBOTFJFLkNvbW1vbiIsIkNvbG9yIjp7IiRpZCI6IjM1NiIsIkEiOjI1NSwiUiI6MjU1LCJHIjowLCJCIjowfX0sIkxpbmVXZWlnaHQiOjAuMCwiTGluZVR5cGUiOjAsIlBhcmVudFN0eWxlIjpudWxsfSwiUGFyZW50U3R5bGUiOnsiJHJlZiI6IjEwOCJ9fSwiVGl0bGVTdHlsZSI6eyIkaWQiOiIzNTciLCJGb250U2V0dGluZ3MiOnsiJGlkIjoiMzU4IiwiRm9udFNpemUiOjExLCJGb250TmFtZSI6IkNhbGlicmkiLCJJc0JvbGQiOnRydWUsIklzSXRhbGljIjpmYWxzZSwiSXNVbmRlcmxpbmVkIjpmYWxzZSwiUGFyZW50U3R5bGUiOnsiJHJlZiI6IjExNyJ9fSwiQXV0b1NpemUiOjAsIkZvcmVncm91bmQiOnsiJGlkIjoiMzU5IiwiQ29sb3IiOnsiJGlkIjoiMzYwIiwiQSI6MjU1LCJSIjowLCJHIjowLCJCIjowfX0sIk1heFdpZHRoIjo3MjAuMCwiTWF4SGVpZ2h0IjoiSW5maW5pdHkiLCJTbWFydEZvcmVncm91bmRJc0FjdGl2ZSI6ZmFsc2UsIkhvcml6b250YWxBbGlnbm1lbnQiOjAsIlZlcnRpY2FsQWxpZ25tZW50IjowLCJTbWFydEZvcmVncm91bmQiOm51bGwsIkJhY2tncm91bmRGaWxsVHlwZSI6MCwiTWFyZ2luIjp7IiRyZWYiOiIxMjAifSwiUGFkZGluZyI6eyIkcmVmIjoiMTIxIn0sIkJhY2tncm91bmQiOnsiJHJlZiI6IjEyMiJ9LCJJc1Zpc2libGUiOnRydWUsIldpZHRoIjowLjAsIkhlaWdodCI6MC4wLCJCb3JkZXJTdHlsZSI6eyIkaWQiOiIzNjEiLCJMaW5lQ29sb3IiOm51bGwsIkxpbmVXZWlnaHQiOjAuMCwiTGluZVR5cGUiOjAsIlBhcmVudFN0eWxlIjpudWxsfSwiUGFyZW50U3R5bGUiOnsiJHJlZiI6IjExNiJ9fSwiRGF0ZVN0eWxlIjp7IiRpZCI6IjM2MiIsIkZvbnRTZXR0aW5ncyI6eyIkaWQiOiIzNjMiLCJGb250U2l6ZSI6MTAsIkZvbnROYW1lIjoiQ2FsaWJyaSIsIklzQm9sZCI6ZmFsc2UsIklzSXRhbGljIjpmYWxzZSwiSXNVbmRlcmxpbmVkIjpmYWxzZSwiUGFyZW50U3R5bGUiOnsiJHJlZiI6IjEyNCJ9fSwiQXV0b1NpemUiOjAsIkZvcmVncm91bmQiOnsiJGlkIjoiMzY0IiwiQ29sb3IiOnsiJGlkIjoiMzY1IiwiQSI6MjU1LCJSIjowLCJHIjowLCJCIjowfX0sIk1heFdpZHRoIjoyMDAuMCwiTWF4SGVpZ2h0IjoiSW5maW5pdHkiLCJTbWFydEZvcmVncm91bmRJc0FjdGl2ZSI6ZmFsc2UsIkhvcml6b250YWxBbGlnbm1lbnQiOjAsIlZlcnRpY2FsQWxpZ25tZW50IjowLCJTbWFydEZvcmVncm91bmQiOm51bGwsIkJhY2tncm91bmRGaWxsVHlwZSI6MCwiTWFyZ2luIjp7IiRyZWYiOiIxMjcifSwiUGFkZGluZyI6eyIkcmVmIjoiMTI4In0sIkJhY2tncm91bmQiOnsiJHJlZiI6IjEyOSJ9LCJJc1Zpc2libGUiOnRydWUsIldpZHRoIjowLjAsIkhlaWdodCI6MC4wLCJCb3JkZXJTdHlsZSI6eyIkaWQiOiIzNjYiLCJMaW5lQ29sb3IiOm51bGwsIkxpbmVXZWlnaHQiOjAuMCwiTGluZVR5cGUiOjAsIlBhcmVudFN0eWxlIjpudWxsfSwiUGFyZW50U3R5bGUiOnsiJHJlZiI6IjEyMyJ9fSwiRGF0ZUZvcm1hdCI6eyIkcmVmIjoiMTMwIn0sIklzVmlzaWJsZSI6dHJ1ZSwiUGFyZW50U3R5bGUiOnsiJHJlZiI6Ijg2In19LCJJbmRleCI6MSwiU21hcnREdXJhdGlvbkFjdGl2YXRlZCI6ZmFsc2UsIkRhdGVGb3JtYXQiOnsiJHJlZiI6IjEzMCJ9LCJJZCI6IjIzYzE1MjMyLTdkMzEtNGU5NS04ZTExLWNhMjUxZjMzZmI0OSIsIkltcG9ydElkIjpudWxsLCJUaXRsZSI6IlBsYW5uaW5nIiwiTm90ZSI6bnVsbCwiSHlwZXJsaW5rIjp7IiRpZCI6IjM2NyIsIkFkZHJlc3MiOiIiLCJTdWJBZGRyZXNzIjoiIn0sIklzQ2hhbmdlZCI6ZmFsc2UsIklzTmV3Ijp0cnVlfSx7IiRpZCI6IjM2OCIsIkdyb3VwTmFtZSI6bnVsbCwiU3RhcnREYXRlIjoiMjAxOS0xMS0xMVQwMDowMDowMFoiLCJFbmREYXRlIjoiMjAxOS0xMi0yMVQyMzo1OTowMFoiLCJQZXJjZW50YWdlQ29tcGxldGUiOm51bGwsIlN0eWxlIjp7IiRpZCI6IjM2OSIsIlNoYXBlIjowLCJTaGFwZVRoaWNrbmVzcyI6MSwiRHVyYXRpb25Gb3JtYXQiOjAsIkluY2x1ZGVOb25Xb3JraW5nRGF5c0luRHVyYXRpb24iOnRydWUsIlBlcmNlbnRhZ2VDb21wbGV0ZVN0eWxlIjp7IiRpZCI6IjM3MCIsIkZvbnRTZXR0aW5ncyI6eyIkaWQiOiIzNzEiLCJGb250U2l6ZSI6MTAsIkZvbnROYW1lIjoiQ2FsaWJyaSIsIklzQm9sZCI6ZmFsc2UsIklzSXRhbGljIjpmYWxzZSwiSXNVbmRlcmxpbmVkIjpmYWxzZSwiUGFyZW50U3R5bGUiOnsiJHJlZiI6Ijg4In19LCJBdXRvU2l6ZSI6MCwiRm9yZWdyb3VuZCI6eyIkcmVmIjoiODkifSwiTWF4V2lkdGgiOjIwMC4wLCJNYXhIZWlnaHQiOiJJbmZpbml0eSIsIlNtYXJ0Rm9yZWdyb3VuZElzQWN0aXZlIjpmYWxzZSwiSG9yaXpvbnRhbEFsaWdubWVudCI6MCwiVmVydGljYWxBbGlnbm1lbnQiOjAsIlNtYXJ0Rm9yZWdyb3VuZCI6bnVsbCwiQmFja2dyb3VuZEZpbGxUeXBlIjowLCJNYXJnaW4iOnsiJHJlZiI6IjkxIn0sIlBhZGRpbmciOnsiJHJlZiI6IjkyIn0sIkJhY2tncm91bmQiOnsiJHJlZiI6IjkzIn0sIklzVmlzaWJsZSI6dHJ1ZSwiV2lkdGgiOjAuMCwiSGVpZ2h0IjowLjAsIkJvcmRlclN0eWxlIjp7IiRpZCI6IjM3MiIsIkxpbmVDb2xvciI6bnVsbCwiTGluZVdlaWdodCI6MC4wLCJMaW5lVHlwZSI6MCwiUGFyZW50U3R5bGUiOm51bGx9LCJQYXJlbnRTdHlsZSI6eyIkcmVmIjoiODcifX0sIkR1cmF0aW9uU3R5bGUiOnsiJGlkIjoiMzczIiwiRm9udFNldHRpbmdzIjp7IiRpZCI6IjM3NCIsIkZvbnRTaXplIjoxMCwiRm9udE5hbWUiOiJDYWxpYnJpIiwiSXNCb2xkIjpmYWxzZSwiSXNJdGFsaWMiOmZhbHNlLCJJc1VuZGVybGluZWQiOmZhbHNlLCJQYXJlbnRTdHlsZSI6eyIkcmVmIjoiOTYifX0sIkF1dG9TaXplIjowLCJGb3JlZ3JvdW5kIjp7IiRyZWYiOiI5NyJ9LCJNYXhXaWR0aCI6MjAwLjAsIk1heEhlaWdodCI6IkluZmluaXR5IiwiU21hcnRGb3JlZ3JvdW5kSXNBY3RpdmUiOmZhbHNlLCJIb3Jpem9udGFsQWxpZ25tZW50IjowLCJWZXJ0aWNhbEFsaWdubWVudCI6MCwiU21hcnRGb3JlZ3JvdW5kIjpudWxsLCJCYWNrZ3JvdW5kRmlsbFR5cGUiOjAsIk1hcmdpbiI6eyIkcmVmIjoiOTkifSwiUGFkZGluZyI6eyIkcmVmIjoiMTAwIn0sIkJhY2tncm91bmQiOnsiJHJlZiI6IjEwMSJ9LCJJc1Zpc2libGUiOnRydWUsIldpZHRoIjowLjAsIkhlaWdodCI6MC4wLCJCb3JkZXJTdHlsZSI6eyIkaWQiOiIzNzUiLCJMaW5lQ29sb3IiOm51bGwsIkxpbmVXZWlnaHQiOjAuMCwiTGluZVR5cGUiOjAsIlBhcmVudFN0eWxlIjpudWxsfSwiUGFyZW50U3R5bGUiOnsiJHJlZiI6Ijk1In19LCJIb3Jpem9udGFsQ29ubmVjdG9yU3R5bGUiOnsiJGlkIjoiMzc2IiwiTGluZUNvbG9yIjp7IiRyZWYiOiIxMDMifSwiTGluZVdlaWdodCI6MS4wLCJMaW5lVHlwZSI6MCwiUGFyZW50U3R5bGUiOnsiJHJlZiI6IjEwMiJ9fSwiVmVydGljYWxDb25uZWN0b3JTdHlsZSI6eyIkaWQiOiIzNzciLCJMaW5lQ29sb3IiOnsiJHJlZiI6IjEwNiJ9LCJMaW5lV2VpZ2h0IjowLjAsIkxpbmVUeXBlIjowLCJQYXJlbnRTdHlsZSI6eyIkcmVmIjoiMTA1In19LCJNYXJnaW4iOm51bGwsIlN0YXJ0RGF0ZVBvc2l0aW9uIjo0LCJFbmREYXRlUG9zaXRpb24iOjQsIkRhdGVJc1Zpc2libGUiOnRydWUsIlRpdGxlUG9zaXRpb24iOjUsIkR1cmF0aW9uUG9zaXRpb24iOjAsIlBlcmNlbnRhZ2VDb21wbGV0ZWRQb3NpdGlvbiI6NiwiU3BhY2luZyI6MywiSXNCZWxvd1RpbWViYW5kIjp0cnVlLCJQZXJjZW50YWdlQ29tcGxldGVTaGFwZU9wYWNpdHkiOjM1LCJTaGFwZVN0eWxlIjp7IiRpZCI6IjM3OCIsIk1hcmdpbiI6eyIkcmVmIjoiMTA5In0sIlBhZGRpbmciOnsiJHJlZiI6IjExMCJ9LCJCYWNrZ3JvdW5kIjp7IiRpZCI6IjM3OSIsIkNvbG9yIjp7IiRpZCI6IjM4MCIsIkEiOjI1NSwiUiI6OTEsIkciOjE1NSwiQiI6MjEzfX0sIklzVmlzaWJsZSI6dHJ1ZSwiV2lkdGgiOjAuMCwiSGVpZ2h0IjoxNi4wLCJCb3JkZXJTdHlsZSI6eyIkaWQiOiIzODEiLCJMaW5lQ29sb3IiOnsiJGlkIjoiMzgyIiwiJHR5cGUiOiJOTFJFLkNvbW1vbi5Eb20uU29saWRDb2xvckJydXNoLCBOTFJFLkNvbW1vbiIsIkNvbG9yIjp7IiRpZCI6IjM4MyIsIkEiOjI1NSwiUiI6MjU1LCJHIjowLCJCIjowfX0sIkxpbmVXZWlnaHQiOjAuMCwiTGluZVR5cGUiOjAsIlBhcmVudFN0eWxlIjpudWxsfSwiUGFyZW50U3R5bGUiOnsiJHJlZiI6IjEwOCJ9fSwiVGl0bGVTdHlsZSI6eyIkaWQiOiIzODQiLCJGb250U2V0dGluZ3MiOnsiJGlkIjoiMzg1IiwiRm9udFNpemUiOjExLCJGb250TmFtZSI6IkNhbGlicmkiLCJJc0JvbGQiOnRydWUsIklzSXRhbGljIjpmYWxzZSwiSXNVbmRlcmxpbmVkIjpmYWxzZSwiUGFyZW50U3R5bGUiOnsiJHJlZiI6IjExNyJ9fSwiQXV0b1NpemUiOjAsIkZvcmVncm91bmQiOnsiJGlkIjoiMzg2IiwiQ29sb3IiOnsiJGlkIjoiMzg3IiwiQSI6MjU1LCJSIjowLCJHIjowLCJCIjowfX0sIk1heFdpZHRoIjo3MjAuMCwiTWF4SGVpZ2h0IjoiSW5maW5pdHkiLCJTbWFydEZvcmVncm91bmRJc0FjdGl2ZSI6ZmFsc2UsIkhvcml6b250YWxBbGlnbm1lbnQiOjAsIlZlcnRpY2FsQWxpZ25tZW50IjowLCJTbWFydEZvcmVncm91bmQiOm51bGwsIkJhY2tncm91bmRGaWxsVHlwZSI6MCwiTWFyZ2luIjp7IiRyZWYiOiIxMjAifSwiUGFkZGluZyI6eyIkcmVmIjoiMTIxIn0sIkJhY2tncm91bmQiOnsiJHJlZiI6IjEyMiJ9LCJJc1Zpc2libGUiOnRydWUsIldpZHRoIjowLjAsIkhlaWdodCI6MC4wLCJCb3JkZXJTdHlsZSI6eyIkaWQiOiIzODgiLCJMaW5lQ29sb3IiOm51bGwsIkxpbmVXZWlnaHQiOjAuMCwiTGluZVR5cGUiOjAsIlBhcmVudFN0eWxlIjpudWxsfSwiUGFyZW50U3R5bGUiOnsiJHJlZiI6IjExNiJ9fSwiRGF0ZVN0eWxlIjp7IiRpZCI6IjM4OSIsIkZvbnRTZXR0aW5ncyI6eyIkaWQiOiIzOTAiLCJGb250U2l6ZSI6MTAsIkZvbnROYW1lIjoiQ2FsaWJyaSIsIklzQm9sZCI6ZmFsc2UsIklzSXRhbGljIjpmYWxzZSwiSXNVbmRlcmxpbmVkIjpmYWxzZSwiUGFyZW50U3R5bGUiOnsiJHJlZiI6IjEyNCJ9fSwiQXV0b1NpemUiOjAsIkZvcmVncm91bmQiOnsiJGlkIjoiMzkxIiwiQ29sb3IiOnsiJGlkIjoiMzkyIiwiQSI6MjU1LCJSIjowLCJHIjowLCJCIjowfX0sIk1heFdpZHRoIjoyMDAuMCwiTWF4SGVpZ2h0IjoiSW5maW5pdHkiLCJTbWFydEZvcmVncm91bmRJc0FjdGl2ZSI6ZmFsc2UsIkhvcml6b250YWxBbGlnbm1lbnQiOjAsIlZlcnRpY2FsQWxpZ25tZW50IjowLCJTbWFydEZvcmVncm91bmQiOm51bGwsIkJhY2tncm91bmRGaWxsVHlwZSI6MCwiTWFyZ2luIjp7IiRyZWYiOiIxMjcifSwiUGFkZGluZyI6eyIkcmVmIjoiMTI4In0sIkJhY2tncm91bmQiOnsiJHJlZiI6IjEyOSJ9LCJJc1Zpc2libGUiOnRydWUsIldpZHRoIjowLjAsIkhlaWdodCI6MC4wLCJCb3JkZXJTdHlsZSI6eyIkaWQiOiIzOTMiLCJMaW5lQ29sb3IiOm51bGwsIkxpbmVXZWlnaHQiOjAuMCwiTGluZVR5cGUiOjAsIlBhcmVudFN0eWxlIjpudWxsfSwiUGFyZW50U3R5bGUiOnsiJHJlZiI6IjEyMyJ9fSwiRGF0ZUZvcm1hdCI6eyIkcmVmIjoiMTMwIn0sIklzVmlzaWJsZSI6dHJ1ZSwiUGFyZW50U3R5bGUiOnsiJHJlZiI6Ijg2In19LCJJbmRleCI6MiwiU21hcnREdXJhdGlvbkFjdGl2YXRlZCI6ZmFsc2UsIkRhdGVGb3JtYXQiOnsiJHJlZiI6IjEzMCJ9LCJJZCI6ImYyM2U0NjA1LTA1YzItNGVlOC04MTU5LWI0MjFiODEwYjdlNCIsIkltcG9ydElkIjpudWxsLCJUaXRsZSI6IkFuYWx5c2luZyIsIk5vdGUiOm51bGwsIkh5cGVybGluayI6eyIkaWQiOiIzOTQiLCJBZGRyZXNzIjoiIiwiU3ViQWRkcmVzcyI6IiJ9LCJJc0NoYW5nZWQiOmZhbHNlLCJJc05ldyI6dHJ1ZX0seyIkaWQiOiIzOTUiLCJHcm91cE5hbWUiOm51bGwsIlN0YXJ0RGF0ZSI6IjIwMTktMTEtMjVUMDA6MDA6MDBaIiwiRW5kRGF0ZSI6IjIwMTktMTItMjFUMjM6NTk6MDBaIiwiUGVyY2VudGFnZUNvbXBsZXRlIjpudWxsLCJTdHlsZSI6eyIkaWQiOiIzOTYiLCJTaGFwZSI6MCwiU2hhcGVUaGlja25lc3MiOjEsIkR1cmF0aW9uRm9ybWF0IjowLCJJbmNsdWRlTm9uV29ya2luZ0RheXNJbkR1cmF0aW9uIjpmYWxzZSwiUGVyY2VudGFnZUNvbXBsZXRlU3R5bGUiOnsiJGlkIjoiMzk3IiwiRm9udFNldHRpbmdzIjp7IiRpZCI6IjM5OCIsIkZvbnRTaXplIjoxMCwiRm9udE5hbWUiOiJDYWxpYnJpIiwiSXNCb2xkIjpmYWxzZSwiSXNJdGFsaWMiOmZhbHNlLCJJc1VuZGVybGluZWQiOmZhbHNlLCJQYXJlbnRTdHlsZSI6bnVsbH0sIkF1dG9TaXplIjowLCJGb3JlZ3JvdW5kIjp7IiRyZWYiOiI4OSJ9LCJNYXhXaWR0aCI6MjAwLjAsIk1heEhlaWdodCI6IkluZmluaXR5IiwiU21hcnRGb3JlZ3JvdW5kSXNBY3RpdmUiOmZhbHNlLCJIb3Jpem9udGFsQWxpZ25tZW50IjowLCJWZXJ0aWNhbEFsaWdubWVudCI6MCwiU21hcnRGb3JlZ3JvdW5kIjpudWxsLCJCYWNrZ3JvdW5kRmlsbFR5cGUiOjAsIk1hcmdpbiI6eyIkcmVmIjoiOTEifSwiUGFkZGluZyI6eyIkcmVmIjoiOTIifSwiQmFja2dyb3VuZCI6eyIkcmVmIjoiOTMifSwiSXNWaXNpYmxlIjp0cnVlLCJXaWR0aCI6MC4wLCJIZWlnaHQiOjAuMCwiQm9yZGVyU3R5bGUiOnsiJGlkIjoiMzk5IiwiTGluZUNvbG9yIjpudWxsLCJMaW5lV2VpZ2h0IjowLjAsIkxpbmVUeXBlIjowLCJQYXJlbnRTdHlsZSI6bnVsbH0sIlBhcmVudFN0eWxlIjpudWxsfSwiRHVyYXRpb25TdHlsZSI6eyIkaWQiOiI0MDAiLCJGb250U2V0dGluZ3MiOnsiJGlkIjoiNDAxIiwiRm9udFNpemUiOjEwLCJGb250TmFtZSI6IkNhbGlicmkiLCJJc0JvbGQiOmZhbHNlLCJJc0l0YWxpYyI6ZmFsc2UsIklzVW5kZXJsaW5lZCI6ZmFsc2UsIlBhcmVudFN0eWxlIjpudWxsfSwiQXV0b1NpemUiOjAsIkZvcmVncm91bmQiOnsiJGlkIjoiNDAyIiwiQ29sb3IiOnsiJGlkIjoiNDAzIiwiQSI6MjU1LCJSIjowLCJHIjowLCJCIjowfX0sIk1heFdpZHRoIjoyMDAuMCwiTWF4SGVpZ2h0IjoiSW5maW5pdHkiLCJTbWFydEZvcmVncm91bmRJc0FjdGl2ZSI6ZmFsc2UsIkhvcml6b250YWxBbGlnbm1lbnQiOjAsIlZlcnRpY2FsQWxpZ25tZW50IjowLCJTbWFydEZvcmVncm91bmQiOm51bGwsIkJhY2tncm91bmRGaWxsVHlwZSI6MCwiTWFyZ2luIjp7IiRyZWYiOiI5OSJ9LCJQYWRkaW5nIjp7IiRyZWYiOiIxMDAifSwiQmFja2dyb3VuZCI6eyIkcmVmIjoiMTAxIn0sIklzVmlzaWJsZSI6dHJ1ZSwiV2lkdGgiOjAuMCwiSGVpZ2h0IjowLjAsIkJvcmRlclN0eWxlIjp7IiRpZCI6IjQwNCIsIkxpbmVDb2xvciI6bnVsbCwiTGluZVdlaWdodCI6MC4wLCJMaW5lVHlwZSI6MCwiUGFyZW50U3R5bGUiOm51bGx9LCJQYXJlbnRTdHlsZSI6bnVsbH0sIkhvcml6b250YWxDb25uZWN0b3JTdHlsZSI6eyIkaWQiOiI0MDUiLCJMaW5lQ29sb3IiOnsiJGlkIjoiNDA2IiwiJHR5cGUiOiJOTFJFLkNvbW1vbi5Eb20uU29saWRDb2xvckJydXNoLCBOTFJFLkNvbW1vbiIsIkNvbG9yIjp7IiRpZCI6IjQwNyIsIkEiOjI1NSwiUiI6MjA0LCJHIjoyMDQsIkIiOjIwNH19LCJMaW5lV2VpZ2h0IjowLjgsIkxpbmVUeXBlIjowLCJQYXJlbnRTdHlsZSI6bnVsbH0sIlZlcnRpY2FsQ29ubmVjdG9yU3R5bGUiOnsiJGlkIjoiNDA4IiwiTGluZUNvbG9yIjp7IiRyZWYiOiIxMDYifSwiTGluZVdlaWdodCI6MC4wLCJMaW5lVHlwZSI6MCwiUGFyZW50U3R5bGUiOm51bGx9LCJNYXJnaW4iOm51bGwsIlN0YXJ0RGF0ZVBvc2l0aW9uIjo0LCJFbmREYXRlUG9zaXRpb24iOjQsIkRhdGVJc1Zpc2libGUiOnRydWUsIlRpdGxlUG9zaXRpb24iOjUsIkR1cmF0aW9uUG9zaXRpb24iOjAsIlBlcmNlbnRhZ2VDb21wbGV0ZWRQb3NpdGlvbiI6NiwiU3BhY2luZyI6MywiSXNCZWxvd1RpbWViYW5kIjp0cnVlLCJQZXJjZW50YWdlQ29tcGxldGVTaGFwZU9wYWNpdHkiOjM1LCJTaGFwZVN0eWxlIjp7IiRpZCI6IjQwOSIsIk1hcmdpbiI6eyIkcmVmIjoiMTA5In0sIlBhZGRpbmciOnsiJHJlZiI6IjExMCJ9LCJCYWNrZ3JvdW5kIjp7IiRpZCI6IjQxMCIsIkNvbG9yIjp7IiRpZCI6IjQxMSIsIkEiOjI1NSwiUiI6OTEsIkciOjE1NSwiQiI6MjEzfX0sIklzVmlzaWJsZSI6dHJ1ZSwiV2lkdGgiOjAuMCwiSGVpZ2h0IjoxNi4wLCJCb3JkZXJTdHlsZSI6eyIkaWQiOiI0MTIiLCJMaW5lQ29sb3IiOnsiJHJlZiI6IjExNCJ9LCJMaW5lV2VpZ2h0IjowLjAsIkxpbmVUeXBlIjowLCJQYXJlbnRTdHlsZSI6bnVsbH0sIlBhcmVudFN0eWxlIjpudWxsfSwiVGl0bGVTdHlsZSI6eyIkaWQiOiI0MTMiLCJGb250U2V0dGluZ3MiOnsiJGlkIjoiNDE0IiwiRm9udFNpemUiOjExLCJGb250TmFtZSI6IkNhbGlicmkiLCJJc0JvbGQiOnRydWUsIklzSXRhbGljIjpmYWxzZSwiSXNVbmRlcmxpbmVkIjpmYWxzZSwiUGFyZW50U3R5bGUiOm51bGx9LCJBdXRvU2l6ZSI6MCwiRm9yZWdyb3VuZCI6eyIkaWQiOiI0MTUiLCJDb2xvciI6eyIkaWQiOiI0MTYiLCJBIjoyNTUsIlIiOjAsIkciOjAsIkIiOjB9fSwiTWF4V2lkdGgiOjcyMC4wLCJNYXhIZWlnaHQiOiJJbmZpbml0eSIsIlNtYXJ0Rm9yZWdyb3VuZElzQWN0aXZlIjpmYWxzZSwiSG9yaXpvbnRhbEFsaWdubWVudCI6MCwiVmVydGljYWxBbGlnbm1lbnQiOjAsIlNtYXJ0Rm9yZWdyb3VuZCI6bnVsbCwiQmFja2dyb3VuZEZpbGxUeXBlIjowLCJNYXJnaW4iOnsiJHJlZiI6IjEyMCJ9LCJQYWRkaW5nIjp7IiRyZWYiOiIxMjEifSwiQmFja2dyb3VuZCI6eyIkcmVmIjoiMTIyIn0sIklzVmlzaWJsZSI6dHJ1ZSwiV2lkdGgiOjAuMCwiSGVpZ2h0IjowLjAsIkJvcmRlclN0eWxlIjp7IiRpZCI6IjQxNyIsIkxpbmVDb2xvciI6bnVsbCwiTGluZVdlaWdodCI6MC4wLCJMaW5lVHlwZSI6MCwiUGFyZW50U3R5bGUiOm51bGx9LCJQYXJlbnRTdHlsZSI6bnVsbH0sIkRhdGVTdHlsZSI6eyIkaWQiOiI0MTgiLCJGb250U2V0dGluZ3MiOnsiJGlkIjoiNDE5IiwiRm9udFNpemUiOjEwLCJGb250TmFtZSI6IkNhbGlicmkiLCJJc0JvbGQiOmZhbHNlLCJJc0l0YWxpYyI6ZmFsc2UsIklzVW5kZXJsaW5lZCI6ZmFsc2UsIlBhcmVudFN0eWxlIjpudWxsfSwiQXV0b1NpemUiOjAsIkZvcmVncm91bmQiOnsiJGlkIjoiNDIwIiwiQ29sb3IiOnsiJGlkIjoiNDIxIiwiQSI6MjU1LCJSIjowLCJHIjowLCJCIjowfX0sIk1heFdpZHRoIjoyMDAuMCwiTWF4SGVpZ2h0IjoiSW5maW5pdHkiLCJTbWFydEZvcmVncm91bmRJc0FjdGl2ZSI6ZmFsc2UsIkhvcml6b250YWxBbGlnbm1lbnQiOjAsIlZlcnRpY2FsQWxpZ25tZW50IjowLCJTbWFydEZvcmVncm91bmQiOm51bGwsIkJhY2tncm91bmRGaWxsVHlwZSI6MCwiTWFyZ2luIjp7IiRyZWYiOiIxMjcifSwiUGFkZGluZyI6eyIkcmVmIjoiMTI4In0sIkJhY2tncm91bmQiOnsiJHJlZiI6IjEyOSJ9LCJJc1Zpc2libGUiOnRydWUsIldpZHRoIjowLjAsIkhlaWdodCI6MC4wLCJCb3JkZXJTdHlsZSI6eyIkaWQiOiI0MjIiLCJMaW5lQ29sb3IiOm51bGwsIkxpbmVXZWlnaHQiOjAuMCwiTGluZVR5cGUiOjAsIlBhcmVudFN0eWxlIjpudWxsfSwiUGFyZW50U3R5bGUiOm51bGx9LCJEYXRlRm9ybWF0Ijp7IiRpZCI6IjQyMyIsIkZvcm1hdFN0cmluZyI6Ik1NTSBkIiwiU2VwYXJhdG9yIjoiLyIsIlVzZUludGVybmF0aW9uYWxEYXRlRm9ybWF0IjpmYWxzZSwiRGF0ZUlzVmlzaWJsZSI6dHJ1ZSwiVGltZUlzVmlzaWJsZSI6ZmFsc2UsIkhvdXJEaWdpdHMiOjEsIkFtUG1EZXNpZ25hdG9yIjoyLCJUcmltMDBNaW51dGVzIjpmYWxzZSwiTGFzdEtub3duVmlzaWJpbGl0eVN0YXRlIjp7IiRpZCI6IjQyNCIsIkRhdGVQYXJ0SXNWaXNpYmxlIjpmYWxzZSwiVGltZVBhcnRJc1Zpc2libGUiOmZhbHNlfX0sIklzVmlzaWJsZSI6dHJ1ZSwiUGFyZW50U3R5bGUiOm51bGx9LCJJbmRleCI6MywiU21hcnREdXJhdGlvbkFjdGl2YXRlZCI6ZmFsc2UsIkRhdGVGb3JtYXQiOnsiJHJlZiI6IjQyMyJ9LCJJZCI6IjUwNWU1ZmExLWFiNjItNDkxNy1hM2I5LTk3NmNlMDEyOGJlYSIsIkltcG9ydElkIjpudWxsLCJUaXRsZSI6IlRyYWluaW5nIiwiTm90ZSI6bnVsbCwiSHlwZXJsaW5rIjp7IiRpZCI6IjQyNSIsIkFkZHJlc3MiOiIiLCJTdWJBZGRyZXNzIjoiIn0sIklzQ2hhbmdlZCI6ZmFsc2UsIklzTmV3IjpmYWxzZX0seyIkaWQiOiI0MjYiLCJHcm91cE5hbWUiOm51bGwsIlN0YXJ0RGF0ZSI6IjIwMTktMTItMjNUMDA6MDA6MDBaIiwiRW5kRGF0ZSI6IjIwMjAtMDQtMzBUMjM6NTk6MDBaIiwiUGVyY2VudGFnZUNvbXBsZXRlIjpudWxsLCJTdHlsZSI6eyIkaWQiOiI0MjciLCJTaGFwZSI6MCwiU2hhcGVUaGlja25lc3MiOjEsIkR1cmF0aW9uRm9ybWF0IjowLCJJbmNsdWRlTm9uV29ya2luZ0RheXNJbkR1cmF0aW9uIjp0cnVlLCJQZXJjZW50YWdlQ29tcGxldGVTdHlsZSI6eyIkaWQiOiI0MjgiLCJGb250U2V0dGluZ3MiOnsiJGlkIjoiNDI5IiwiRm9udFNpemUiOjEwLCJGb250TmFtZSI6IkNhbGlicmkiLCJJc0JvbGQiOmZhbHNlLCJJc0l0YWxpYyI6ZmFsc2UsIklzVW5kZXJsaW5lZCI6ZmFsc2UsIlBhcmVudFN0eWxlIjp7IiRyZWYiOiI4OCJ9fSwiQXV0b1NpemUiOjAsIkZvcmVncm91bmQiOnsiJHJlZiI6Ijg5In0sIk1heFdpZHRoIjoyMDAuMCwiTWF4SGVpZ2h0IjoiSW5maW5pdHkiLCJTbWFydEZvcmVncm91bmRJc0FjdGl2ZSI6ZmFsc2UsIkhvcml6b250YWxBbGlnbm1lbnQiOjAsIlZlcnRpY2FsQWxpZ25tZW50IjowLCJTbWFydEZvcmVncm91bmQiOm51bGwsIkJhY2tncm91bmRGaWxsVHlwZSI6MCwiTWFyZ2luIjp7IiRyZWYiOiI5MSJ9LCJQYWRkaW5nIjp7IiRyZWYiOiI5MiJ9LCJCYWNrZ3JvdW5kIjp7IiRyZWYiOiI5MyJ9LCJJc1Zpc2libGUiOnRydWUsIldpZHRoIjowLjAsIkhlaWdodCI6MC4wLCJCb3JkZXJTdHlsZSI6eyIkaWQiOiI0MzAiLCJMaW5lQ29sb3IiOm51bGwsIkxpbmVXZWlnaHQiOjAuMCwiTGluZVR5cGUiOjAsIlBhcmVudFN0eWxlIjpudWxsfSwiUGFyZW50U3R5bGUiOnsiJHJlZiI6Ijg3In19LCJEdXJhdGlvblN0eWxlIjp7IiRpZCI6IjQzMSIsIkZvbnRTZXR0aW5ncyI6eyIkaWQiOiI0MzIiLCJGb250U2l6ZSI6MTAsIkZvbnROYW1lIjoiQ2FsaWJyaSIsIklzQm9sZCI6ZmFsc2UsIklzSXRhbGljIjpmYWxzZSwiSXNVbmRlcmxpbmVkIjpmYWxzZSwiUGFyZW50U3R5bGUiOnsiJHJlZiI6Ijk2In19LCJBdXRvU2l6ZSI6MCwiRm9yZWdyb3VuZCI6eyIkcmVmIjoiOTcifSwiTWF4V2lkdGgiOjIwMC4wLCJNYXhIZWlnaHQiOiJJbmZpbml0eSIsIlNtYXJ0Rm9yZWdyb3VuZElzQWN0aXZlIjpmYWxzZSwiSG9yaXpvbnRhbEFsaWdubWVudCI6MCwiVmVydGljYWxBbGlnbm1lbnQiOjAsIlNtYXJ0Rm9yZWdyb3VuZCI6bnVsbCwiQmFja2dyb3VuZEZpbGxUeXBlIjowLCJNYXJnaW4iOnsiJHJlZiI6Ijk5In0sIlBhZGRpbmciOnsiJHJlZiI6IjEwMCJ9LCJCYWNrZ3JvdW5kIjp7IiRyZWYiOiIxMDEifSwiSXNWaXNpYmxlIjp0cnVlLCJXaWR0aCI6MC4wLCJIZWlnaHQiOjAuMCwiQm9yZGVyU3R5bGUiOnsiJGlkIjoiNDMzIiwiTGluZUNvbG9yIjpudWxsLCJMaW5lV2VpZ2h0IjowLjAsIkxpbmVUeXBlIjowLCJQYXJlbnRTdHlsZSI6bnVsbH0sIlBhcmVudFN0eWxlIjp7IiRyZWYiOiI5NSJ9fSwiSG9yaXpvbnRhbENvbm5lY3RvclN0eWxlIjp7IiRpZCI6IjQzNCIsIkxpbmVDb2xvciI6eyIkcmVmIjoiMTAzIn0sIkxpbmVXZWlnaHQiOjEuMCwiTGluZVR5cGUiOjAsIlBhcmVudFN0eWxlIjp7IiRyZWYiOiIxMDIifX0sIlZlcnRpY2FsQ29ubmVjdG9yU3R5bGUiOnsiJGlkIjoiNDM1IiwiTGluZUNvbG9yIjp7IiRyZWYiOiIxMDYifSwiTGluZVdlaWdodCI6MC4wLCJMaW5lVHlwZSI6MCwiUGFyZW50U3R5bGUiOnsiJHJlZiI6IjEwNSJ9fSwiTWFyZ2luIjpudWxsLCJTdGFydERhdGVQb3NpdGlvbiI6NCwiRW5kRGF0ZVBvc2l0aW9uIjo0LCJEYXRlSXNWaXNpYmxlIjp0cnVlLCJUaXRsZVBvc2l0aW9uIjo1LCJEdXJhdGlvblBvc2l0aW9uIjowLCJQZXJjZW50YWdlQ29tcGxldGVkUG9zaXRpb24iOjYsIlNwYWNpbmciOjMsIklzQmVsb3dUaW1lYmFuZCI6dHJ1ZSwiUGVyY2VudGFnZUNvbXBsZXRlU2hhcGVPcGFjaXR5IjozNSwiU2hhcGVTdHlsZSI6eyIkaWQiOiI0MzYiLCJNYXJnaW4iOnsiJHJlZiI6IjEwOSJ9LCJQYWRkaW5nIjp7IiRyZWYiOiIxMTAifSwiQmFja2dyb3VuZCI6eyIkaWQiOiI0MzciLCJDb2xvciI6eyIkaWQiOiI0MzgiLCJBIjoyNTUsIlIiOjkxLCJHIjoxNTUsIkIiOjIxM319LCJJc1Zpc2libGUiOnRydWUsIldpZHRoIjowLjAsIkhlaWdodCI6MTYuMCwiQm9yZGVyU3R5bGUiOnsiJGlkIjoiNDM5IiwiTGluZUNvbG9yIjp7IiRpZCI6IjQ0MCIsIiR0eXBlIjoiTkxSRS5Db21tb24uRG9tLlNvbGlkQ29sb3JCcnVzaCwgTkxSRS5Db21tb24iLCJDb2xvciI6eyIkaWQiOiI0NDEiLCJBIjoyNTUsIlIiOjI1NSwiRyI6MCwiQiI6MH19LCJMaW5lV2VpZ2h0IjowLjAsIkxpbmVUeXBlIjowLCJQYXJlbnRTdHlsZSI6bnVsbH0sIlBhcmVudFN0eWxlIjp7IiRyZWYiOiIxMDgifX0sIlRpdGxlU3R5bGUiOnsiJGlkIjoiNDQyIiwiRm9udFNldHRpbmdzIjp7IiRpZCI6IjQ0MyIsIkZvbnRTaXplIjoxMSwiRm9udE5hbWUiOiJDYWxpYnJpIiwiSXNCb2xkIjp0cnVlLCJJc0l0YWxpYyI6ZmFsc2UsIklzVW5kZXJsaW5lZCI6ZmFsc2UsIlBhcmVudFN0eWxlIjp7IiRyZWYiOiIxMTcifX0sIkF1dG9TaXplIjowLCJGb3JlZ3JvdW5kIjp7IiRpZCI6IjQ0NCIsIkNvbG9yIjp7IiRpZCI6IjQ0NSIsIkEiOjI1NSwiUiI6MCwiRyI6MCwiQiI6MH19LCJNYXhXaWR0aCI6NzIwLjAsIk1heEhlaWdodCI6IkluZmluaXR5IiwiU21hcnRGb3JlZ3JvdW5kSXNBY3RpdmUiOmZhbHNlLCJIb3Jpem9udGFsQWxpZ25tZW50IjowLCJWZXJ0aWNhbEFsaWdubWVudCI6MCwiU21hcnRGb3JlZ3JvdW5kIjpudWxsLCJCYWNrZ3JvdW5kRmlsbFR5cGUiOjAsIk1hcmdpbiI6eyIkcmVmIjoiMTIwIn0sIlBhZGRpbmciOnsiJHJlZiI6IjEyMSJ9LCJCYWNrZ3JvdW5kIjp7IiRyZWYiOiIxMjIifSwiSXNWaXNpYmxlIjp0cnVlLCJXaWR0aCI6MC4wLCJIZWlnaHQiOjAuMCwiQm9yZGVyU3R5bGUiOnsiJGlkIjoiNDQ2IiwiTGluZUNvbG9yIjpudWxsLCJMaW5lV2VpZ2h0IjowLjAsIkxpbmVUeXBlIjowLCJQYXJlbnRTdHlsZSI6bnVsbH0sIlBhcmVudFN0eWxlIjp7IiRyZWYiOiIxMTYifX0sIkRhdGVTdHlsZSI6eyIkaWQiOiI0NDciLCJGb250U2V0dGluZ3MiOnsiJGlkIjoiNDQ4IiwiRm9udFNpemUiOjEwLCJGb250TmFtZSI6IkNhbGlicmkiLCJJc0JvbGQiOmZhbHNlLCJJc0l0YWxpYyI6ZmFsc2UsIklzVW5kZXJsaW5lZCI6ZmFsc2UsIlBhcmVudFN0eWxlIjp7IiRyZWYiOiIxMjQifX0sIkF1dG9TaXplIjowLCJGb3JlZ3JvdW5kIjp7IiRpZCI6IjQ0OSIsIkNvbG9yIjp7IiRpZCI6IjQ1MCIsIkEiOjI1NSwiUiI6MCwiRyI6MCwiQiI6MH19LCJNYXhXaWR0aCI6MjAwLjAsIk1heEhlaWdodCI6IkluZmluaXR5IiwiU21hcnRGb3JlZ3JvdW5kSXNBY3RpdmUiOmZhbHNlLCJIb3Jpem9udGFsQWxpZ25tZW50IjowLCJWZXJ0aWNhbEFsaWdubWVudCI6MCwiU21hcnRGb3JlZ3JvdW5kIjpudWxsLCJCYWNrZ3JvdW5kRmlsbFR5cGUiOjAsIk1hcmdpbiI6eyIkcmVmIjoiMTI3In0sIlBhZGRpbmciOnsiJHJlZiI6IjEyOCJ9LCJCYWNrZ3JvdW5kIjp7IiRyZWYiOiIxMjkifSwiSXNWaXNpYmxlIjp0cnVlLCJXaWR0aCI6MC4wLCJIZWlnaHQiOjAuMCwiQm9yZGVyU3R5bGUiOnsiJGlkIjoiNDUxIiwiTGluZUNvbG9yIjpudWxsLCJMaW5lV2VpZ2h0IjowLjAsIkxpbmVUeXBlIjowLCJQYXJlbnRTdHlsZSI6bnVsbH0sIlBhcmVudFN0eWxlIjp7IiRyZWYiOiIxMjMifX0sIkRhdGVGb3JtYXQiOnsiJHJlZiI6IjEzMCJ9LCJJc1Zpc2libGUiOnRydWUsIlBhcmVudFN0eWxlIjp7IiRyZWYiOiI4NiJ9fSwiSW5kZXgiOjQsIlNtYXJ0RHVyYXRpb25BY3RpdmF0ZWQiOmZhbHNlLCJEYXRlRm9ybWF0Ijp7IiRyZWYiOiIxMzAifSwiSWQiOiI4MmQxYjdhYS1lNzdkLTQxYTItYmUxNC1kNjlmNWU1MDFiMWIiLCJJbXBvcnRJZCI6bnVsbCwiVGl0bGUiOiJJbXBsZW1lbnRhdGlvbiAmIFRlc3RpbmciLCJOb3RlIjpudWxsLCJIeXBlcmxpbmsiOnsiJGlkIjoiNDUyIiwiQWRkcmVzcyI6IiIsIlN1YkFkZHJlc3MiOiIifSwiSXNDaGFuZ2VkIjpmYWxzZSwiSXNOZXciOnRydWV9LHsiJGlkIjoiNDUzIiwiR3JvdXBOYW1lIjpudWxsLCJTdGFydERhdGUiOiIyMDIwLTAxLTEzVDAwOjAwOjAwWiIsIkVuZERhdGUiOiIyMDIwLTAyLTA5VDIzOjU5OjAwWiIsIlBlcmNlbnRhZ2VDb21wbGV0ZSI6bnVsbCwiU3R5bGUiOnsiJGlkIjoiNDU0IiwiU2hhcGUiOjAsIlNoYXBlVGhpY2tuZXNzIjoxLCJEdXJhdGlvbkZvcm1hdCI6MCwiSW5jbHVkZU5vbldvcmtpbmdEYXlzSW5EdXJhdGlvbiI6dHJ1ZSwiUGVyY2VudGFnZUNvbXBsZXRlU3R5bGUiOnsiJGlkIjoiNDU1IiwiRm9udFNldHRpbmdzIjp7IiRpZCI6IjQ1NiIsIkZvbnRTaXplIjoxMCwiRm9udE5hbWUiOiJDYWxpYnJpIiwiSXNCb2xkIjpmYWxzZSwiSXNJdGFsaWMiOmZhbHNlLCJJc1VuZGVybGluZWQiOmZhbHNlLCJQYXJlbnRTdHlsZSI6eyIkcmVmIjoiODgifX0sIkF1dG9TaXplIjowLCJGb3JlZ3JvdW5kIjp7IiRyZWYiOiI4OSJ9LCJNYXhXaWR0aCI6MjAwLjAsIk1heEhlaWdodCI6IkluZmluaXR5IiwiU21hcnRGb3JlZ3JvdW5kSXNBY3RpdmUiOmZhbHNlLCJIb3Jpem9udGFsQWxpZ25tZW50IjowLCJWZXJ0aWNhbEFsaWdubWVudCI6MCwiU21hcnRGb3JlZ3JvdW5kIjpudWxsLCJCYWNrZ3JvdW5kRmlsbFR5cGUiOjAsIk1hcmdpbiI6eyIkcmVmIjoiOTEifSwiUGFkZGluZyI6eyIkcmVmIjoiOTIifSwiQmFja2dyb3VuZCI6eyIkcmVmIjoiOTMifSwiSXNWaXNpYmxlIjp0cnVlLCJXaWR0aCI6MC4wLCJIZWlnaHQiOjAuMCwiQm9yZGVyU3R5bGUiOnsiJGlkIjoiNDU3IiwiTGluZUNvbG9yIjpudWxsLCJMaW5lV2VpZ2h0IjowLjAsIkxpbmVUeXBlIjowLCJQYXJlbnRTdHlsZSI6bnVsbH0sIlBhcmVudFN0eWxlIjp7IiRyZWYiOiI4NyJ9fSwiRHVyYXRpb25TdHlsZSI6eyIkaWQiOiI0NTgiLCJGb250U2V0dGluZ3MiOnsiJGlkIjoiNDU5IiwiRm9udFNpemUiOjEwLCJGb250TmFtZSI6IkNhbGlicmkiLCJJc0JvbGQiOmZhbHNlLCJJc0l0YWxpYyI6ZmFsc2UsIklzVW5kZXJsaW5lZCI6ZmFsc2UsIlBhcmVudFN0eWxlIjp7IiRyZWYiOiI5NiJ9fSwiQXV0b1NpemUiOjAsIkZvcmVncm91bmQiOnsiJHJlZiI6Ijk3In0sIk1heFdpZHRoIjoyMDAuMCwiTWF4SGVpZ2h0IjoiSW5maW5pdHkiLCJTbWFydEZvcmVncm91bmRJc0FjdGl2ZSI6ZmFsc2UsIkhvcml6b250YWxBbGlnbm1lbnQiOjAsIlZlcnRpY2FsQWxpZ25tZW50IjowLCJTbWFydEZvcmVncm91bmQiOm51bGwsIkJhY2tncm91bmRGaWxsVHlwZSI6MCwiTWFyZ2luIjp7IiRyZWYiOiI5OSJ9LCJQYWRkaW5nIjp7IiRyZWYiOiIxMDAifSwiQmFja2dyb3VuZCI6eyIkcmVmIjoiMTAxIn0sIklzVmlzaWJsZSI6dHJ1ZSwiV2lkdGgiOjAuMCwiSGVpZ2h0IjowLjAsIkJvcmRlclN0eWxlIjp7IiRpZCI6IjQ2MCIsIkxpbmVDb2xvciI6bnVsbCwiTGluZVdlaWdodCI6MC4wLCJMaW5lVHlwZSI6MCwiUGFyZW50U3R5bGUiOm51bGx9LCJQYXJlbnRTdHlsZSI6eyIkcmVmIjoiOTUifX0sIkhvcml6b250YWxDb25uZWN0b3JTdHlsZSI6eyIkaWQiOiI0NjEiLCJMaW5lQ29sb3IiOnsiJHJlZiI6IjEwMyJ9LCJMaW5lV2VpZ2h0IjoxLjAsIkxpbmVUeXBlIjowLCJQYXJlbnRTdHlsZSI6eyIkcmVmIjoiMTAyIn19LCJWZXJ0aWNhbENvbm5lY3RvclN0eWxlIjp7IiRpZCI6IjQ2MiIsIkxpbmVDb2xvciI6eyIkcmVmIjoiMTA2In0sIkxpbmVXZWlnaHQiOjAuMCwiTGluZVR5cGUiOjAsIlBhcmVudFN0eWxlIjp7IiRyZWYiOiIxMDUifX0sIk1hcmdpbiI6bnVsbCwiU3RhcnREYXRlUG9zaXRpb24iOjQsIkVuZERhdGVQb3NpdGlvbiI6NCwiRGF0ZUlzVmlzaWJsZSI6dHJ1ZSwiVGl0bGVQb3NpdGlvbiI6NSwiRHVyYXRpb25Qb3NpdGlvbiI6MCwiUGVyY2VudGFnZUNvbXBsZXRlZFBvc2l0aW9uIjo2LCJTcGFjaW5nIjozLCJJc0JlbG93VGltZWJhbmQiOnRydWUsIlBlcmNlbnRhZ2VDb21wbGV0ZVNoYXBlT3BhY2l0eSI6MzUsIlNoYXBlU3R5bGUiOnsiJGlkIjoiNDYzIiwiTWFyZ2luIjp7IiRyZWYiOiIxMDkifSwiUGFkZGluZyI6eyIkaWQiOiI0NjQiLCJUb3AiOjAsIkxlZnQiOjAsIlJpZ2h0IjoyLCJCb3R0b20iOjB9LCJCYWNrZ3JvdW5kIjp7IiRpZCI6IjQ2NSIsIkNvbG9yIjp7IiRpZCI6IjQ2NiIsIkEiOjI1NSwiUiI6MjM0LCJHIjoyMiwiQiI6MzB9fSwiSXNWaXNpYmxlIjp0cnVlLCJXaWR0aCI6MC4wLCJIZWlnaHQiOjE2LjAsIkJvcmRlclN0eWxlIjp7IiRpZCI6IjQ2NyIsIkxpbmVDb2xvciI6eyIkaWQiOiI0NjgiLCIkdHlwZSI6Ik5MUkUuQ29tbW9uLkRvbS5Tb2xpZENvbG9yQnJ1c2gsIE5MUkUuQ29tbW9uIiwiQ29sb3IiOnsiJGlkIjoiNDY5IiwiQSI6MjU1LCJSIjoyNTUsIkciOjAsIkIiOjB9fSwiTGluZVdlaWdodCI6MC4wLCJMaW5lVHlwZSI6MCwiUGFyZW50U3R5bGUiOm51bGx9LCJQYXJlbnRTdHlsZSI6eyIkcmVmIjoiMTA4In19LCJUaXRsZVN0eWxlIjp7IiRpZCI6IjQ3MCIsIkZvbnRTZXR0aW5ncyI6eyIkaWQiOiI0NzEiLCJGb250U2l6ZSI6MTEsIkZvbnROYW1lIjoiQ2FsaWJyaSIsIklzQm9sZCI6dHJ1ZSwiSXNJdGFsaWMiOmZhbHNlLCJJc1VuZGVybGluZWQiOmZhbHNlLCJQYXJlbnRTdHlsZSI6eyIkcmVmIjoiMTE3In19LCJBdXRvU2l6ZSI6MCwiRm9yZWdyb3VuZCI6eyIkaWQiOiI0NzIiLCJDb2xvciI6eyIkaWQiOiI0NzMiLCJBIjoyNTUsIlIiOjAsIkciOjAsIkIiOjB9fSwiTWF4V2lkdGgiOjcyMC4wLCJNYXhIZWlnaHQiOiJJbmZpbml0eSIsIlNtYXJ0Rm9yZWdyb3VuZElzQWN0aXZlIjpmYWxzZSwiSG9yaXpvbnRhbEFsaWdubWVudCI6MCwiVmVydGljYWxBbGlnbm1lbnQiOjAsIlNtYXJ0Rm9yZWdyb3VuZCI6bnVsbCwiQmFja2dyb3VuZEZpbGxUeXBlIjowLCJNYXJnaW4iOnsiJHJlZiI6IjEyMCJ9LCJQYWRkaW5nIjp7IiRyZWYiOiIxMjEifSwiQmFja2dyb3VuZCI6eyIkcmVmIjoiMTIyIn0sIklzVmlzaWJsZSI6dHJ1ZSwiV2lkdGgiOjAuMCwiSGVpZ2h0IjowLjAsIkJvcmRlclN0eWxlIjp7IiRpZCI6IjQ3NCIsIkxpbmVDb2xvciI6bnVsbCwiTGluZVdlaWdodCI6MC4wLCJMaW5lVHlwZSI6MCwiUGFyZW50U3R5bGUiOm51bGx9LCJQYXJlbnRTdHlsZSI6eyIkcmVmIjoiMTE2In19LCJEYXRlU3R5bGUiOnsiJGlkIjoiNDc1IiwiRm9udFNldHRpbmdzIjp7IiRpZCI6IjQ3NiIsIkZvbnRTaXplIjoxMCwiRm9udE5hbWUiOiJDYWxpYnJpIiwiSXNCb2xkIjpmYWxzZSwiSXNJdGFsaWMiOmZhbHNlLCJJc1VuZGVybGluZWQiOmZhbHNlLCJQYXJlbnRTdHlsZSI6eyIkcmVmIjoiMTI0In19LCJBdXRvU2l6ZSI6MCwiRm9yZWdyb3VuZCI6eyIkaWQiOiI0NzciLCJDb2xvciI6eyIkaWQiOiI0NzgiLCJBIjoyNTUsIlIiOjAsIkciOjAsIkIiOjB9fSwiTWF4V2lkdGgiOjIwMC4wLCJNYXhIZWlnaHQiOiJJbmZpbml0eSIsIlNtYXJ0Rm9yZWdyb3VuZElzQWN0aXZlIjpmYWxzZSwiSG9yaXpvbnRhbEFsaWdubWVudCI6MCwiVmVydGljYWxBbGlnbm1lbnQiOjAsIlNtYXJ0Rm9yZWdyb3VuZCI6bnVsbCwiQmFja2dyb3VuZEZpbGxUeXBlIjowLCJNYXJnaW4iOnsiJHJlZiI6IjEyNyJ9LCJQYWRkaW5nIjp7IiRyZWYiOiIxMjgifSwiQmFja2dyb3VuZCI6eyIkcmVmIjoiMTI5In0sIklzVmlzaWJsZSI6dHJ1ZSwiV2lkdGgiOjAuMCwiSGVpZ2h0IjowLjAsIkJvcmRlclN0eWxlIjp7IiRpZCI6IjQ3OSIsIkxpbmVDb2xvciI6bnVsbCwiTGluZVdlaWdodCI6MC4wLCJMaW5lVHlwZSI6MCwiUGFyZW50U3R5bGUiOm51bGx9LCJQYXJlbnRTdHlsZSI6eyIkcmVmIjoiMTIzIn19LCJEYXRlRm9ybWF0Ijp7IiRyZWYiOiIxMzAifSwiSXNWaXNpYmxlIjp0cnVlLCJQYXJlbnRTdHlsZSI6eyIkcmVmIjoiODYifX0sIkluZGV4Ijo1LCJTbWFydER1cmF0aW9uQWN0aXZhdGVkIjpmYWxzZSwiRGF0ZUZvcm1hdCI6eyIkcmVmIjoiMTMwIn0sIklkIjoiZmU4MmEwNTQtZWI3Mi00ODUxLWE5M2YtNmE2MDY0MzJiZmFjIiwiSW1wb3J0SWQiOm51bGwsIlRpdGxlIjoiVGV0IEhvbGlkYXkiLCJOb3RlIjpudWxsLCJIeXBlcmxpbmsiOnsiJGlkIjoiNDgwIiwiQWRkcmVzcyI6IiIsIlN1YkFkZHJlc3MiOiIifSwiSXNDaGFuZ2VkIjpmYWxzZSwiSXNOZXciOnRydWV9LHsiJGlkIjoiNDgxIiwiR3JvdXBOYW1lIjpudWxsLCJTdGFydERhdGUiOiIyMDIwLTA0LTMwVDAwOjAwOjAwWiIsIkVuZERhdGUiOiIyMDIwLTA0LTMwVDIzOjU5OjAwWiIsIlBlcmNlbnRhZ2VDb21wbGV0ZSI6bnVsbCwiU3R5bGUiOnsiJGlkIjoiNDgyIiwiU2hhcGUiOjAsIlNoYXBlVGhpY2tuZXNzIjoxLCJEdXJhdGlvbkZvcm1hdCI6MCwiSW5jbHVkZU5vbldvcmtpbmdEYXlzSW5EdXJhdGlvbiI6ZmFsc2UsIlBlcmNlbnRhZ2VDb21wbGV0ZVN0eWxlIjp7IiRpZCI6IjQ4MyIsIkZvbnRTZXR0aW5ncyI6eyIkaWQiOiI0ODQiLCJGb250U2l6ZSI6MTAsIkZvbnROYW1lIjoiQ2FsaWJyaSIsIklzQm9sZCI6ZmFsc2UsIklzSXRhbGljIjpmYWxzZSwiSXNVbmRlcmxpbmVkIjpmYWxzZSwiUGFyZW50U3R5bGUiOm51bGx9LCJBdXRvU2l6ZSI6MCwiRm9yZWdyb3VuZCI6eyIkcmVmIjoiODkifSwiTWF4V2lkdGgiOjIwMC4wLCJNYXhIZWlnaHQiOiJJbmZpbml0eSIsIlNtYXJ0Rm9yZWdyb3VuZElzQWN0aXZlIjpmYWxzZSwiSG9yaXpvbnRhbEFsaWdubWVudCI6MCwiVmVydGljYWxBbGlnbm1lbnQiOjAsIlNtYXJ0Rm9yZWdyb3VuZCI6bnVsbCwiQmFja2dyb3VuZEZpbGxUeXBlIjowLCJNYXJnaW4iOnsiJHJlZiI6IjkxIn0sIlBhZGRpbmciOnsiJHJlZiI6IjkyIn0sIkJhY2tncm91bmQiOnsiJHJlZiI6IjkzIn0sIklzVmlzaWJsZSI6dHJ1ZSwiV2lkdGgiOjAuMCwiSGVpZ2h0IjowLjAsIkJvcmRlclN0eWxlIjp7IiRpZCI6IjQ4NSIsIkxpbmVDb2xvciI6bnVsbCwiTGluZVdlaWdodCI6MC4wLCJMaW5lVHlwZSI6MCwiUGFyZW50U3R5bGUiOm51bGx9LCJQYXJlbnRTdHlsZSI6bnVsbH0sIkR1cmF0aW9uU3R5bGUiOnsiJGlkIjoiNDg2IiwiRm9udFNldHRpbmdzIjp7IiRpZCI6IjQ4NyIsIkZvbnRTaXplIjoxMCwiRm9udE5hbWUiOiJDYWxpYnJpIiwiSXNCb2xkIjpmYWxzZSwiSXNJdGFsaWMiOmZhbHNlLCJJc1VuZGVybGluZWQiOmZhbHNlLCJQYXJlbnRTdHlsZSI6bnVsbH0sIkF1dG9TaXplIjowLCJGb3JlZ3JvdW5kIjp7IiRpZCI6IjQ4OCIsIkNvbG9yIjp7IiRpZCI6IjQ4OSIsIkEiOjI1NSwiUiI6MCwiRyI6MCwiQiI6MH19LCJNYXhXaWR0aCI6MjAwLjAsIk1heEhlaWdodCI6IkluZmluaXR5IiwiU21hcnRGb3JlZ3JvdW5kSXNBY3RpdmUiOmZhbHNlLCJIb3Jpem9udGFsQWxpZ25tZW50IjowLCJWZXJ0aWNhbEFsaWdubWVudCI6MCwiU21hcnRGb3JlZ3JvdW5kIjpudWxsLCJCYWNrZ3JvdW5kRmlsbFR5cGUiOjAsIk1hcmdpbiI6eyIkcmVmIjoiOTkifSwiUGFkZGluZyI6eyIkcmVmIjoiMTAwIn0sIkJhY2tncm91bmQiOnsiJHJlZiI6IjEwMSJ9LCJJc1Zpc2libGUiOnRydWUsIldpZHRoIjowLjAsIkhlaWdodCI6MC4wLCJCb3JkZXJTdHlsZSI6eyIkaWQiOiI0OTAiLCJMaW5lQ29sb3IiOm51bGwsIkxpbmVXZWlnaHQiOjAuMCwiTGluZVR5cGUiOjAsIlBhcmVudFN0eWxlIjpudWxsfSwiUGFyZW50U3R5bGUiOm51bGx9LCJIb3Jpem9udGFsQ29ubmVjdG9yU3R5bGUiOnsiJGlkIjoiNDkxIiwiTGluZUNvbG9yIjp7IiRpZCI6IjQ5MiIsIiR0eXBlIjoiTkxSRS5Db21tb24uRG9tLlNvbGlkQ29sb3JCcnVzaCwgTkxSRS5Db21tb24iLCJDb2xvciI6eyIkaWQiOiI0OTMiLCJBIjoyNTUsIlIiOjIwNCwiRyI6MjA0LCJCIjoyMDR9fSwiTGluZVdlaWdodCI6MC44LCJMaW5lVHlwZSI6MCwiUGFyZW50U3R5bGUiOm51bGx9LCJWZXJ0aWNhbENvbm5lY3RvclN0eWxlIjp7IiRpZCI6IjQ5NCIsIkxpbmVDb2xvciI6eyIkcmVmIjoiMTA2In0sIkxpbmVXZWlnaHQiOjAuMCwiTGluZVR5cGUiOjAsIlBhcmVudFN0eWxlIjpudWxsfSwiTWFyZ2luIjpudWxsLCJTdGFydERhdGVQb3NpdGlvbiI6NCwiRW5kRGF0ZVBvc2l0aW9uIjo0LCJEYXRlSXNWaXNpYmxlIjp0cnVlLCJUaXRsZVBvc2l0aW9uIjo1LCJEdXJhdGlvblBvc2l0aW9uIjowLCJQZXJjZW50YWdlQ29tcGxldGVkUG9zaXRpb24iOjYsIlNwYWNpbmciOjMsIklzQmVsb3dUaW1lYmFuZCI6dHJ1ZSwiUGVyY2VudGFnZUNvbXBsZXRlU2hhcGVPcGFjaXR5IjozNSwiU2hhcGVTdHlsZSI6eyIkaWQiOiI0OTUiLCJNYXJnaW4iOnsiJHJlZiI6IjEwOSJ9LCJQYWRkaW5nIjp7IiRyZWYiOiIxMTAifSwiQmFja2dyb3VuZCI6eyIkaWQiOiI0OTYiLCJDb2xvciI6eyIkaWQiOiI0OTciLCJBIjoyNTUsIlIiOjkxLCJHIjoxNTUsIkIiOjIxM319LCJJc1Zpc2libGUiOnRydWUsIldpZHRoIjowLjAsIkhlaWdodCI6MTYuMCwiQm9yZGVyU3R5bGUiOnsiJGlkIjoiNDk4IiwiTGluZUNvbG9yIjp7IiRyZWYiOiIxMTQifSwiTGluZVdlaWdodCI6MC4wLCJMaW5lVHlwZSI6MCwiUGFyZW50U3R5bGUiOm51bGx9LCJQYXJlbnRTdHlsZSI6bnVsbH0sIlRpdGxlU3R5bGUiOnsiJGlkIjoiNDk5IiwiRm9udFNldHRpbmdzIjp7IiRpZCI6IjUwMCIsIkZvbnRTaXplIjoxMSwiRm9udE5hbWUiOiJDYWxpYnJpIiwiSXNCb2xkIjp0cnVlLCJJc0l0YWxpYyI6ZmFsc2UsIklzVW5kZXJsaW5lZCI6ZmFsc2UsIlBhcmVudFN0eWxlIjpudWxsfSwiQXV0b1NpemUiOjAsIkZvcmVncm91bmQiOnsiJGlkIjoiNTAxIiwiQ29sb3IiOnsiJGlkIjoiNTAyIiwiQSI6MjU1LCJSIjowLCJHIjowLCJCIjowfX0sIk1heFdpZHRoIjo3MjAuMCwiTWF4SGVpZ2h0IjoiSW5maW5pdHkiLCJTbWFydEZvcmVncm91bmRJc0FjdGl2ZSI6ZmFsc2UsIkhvcml6b250YWxBbGlnbm1lbnQiOjAsIlZlcnRpY2FsQWxpZ25tZW50IjowLCJTbWFydEZvcmVncm91bmQiOm51bGwsIkJhY2tncm91bmRGaWxsVHlwZSI6MCwiTWFyZ2luIjp7IiRyZWYiOiIxMjAifSwiUGFkZGluZyI6eyIkcmVmIjoiMTIxIn0sIkJhY2tncm91bmQiOnsiJHJlZiI6IjEyMiJ9LCJJc1Zpc2libGUiOnRydWUsIldpZHRoIjowLjAsIkhlaWdodCI6MC4wLCJCb3JkZXJTdHlsZSI6eyIkaWQiOiI1MDMiLCJMaW5lQ29sb3IiOm51bGwsIkxpbmVXZWlnaHQiOjAuMCwiTGluZVR5cGUiOjAsIlBhcmVudFN0eWxlIjpudWxsfSwiUGFyZW50U3R5bGUiOm51bGx9LCJEYXRlU3R5bGUiOnsiJGlkIjoiNTA0IiwiRm9udFNldHRpbmdzIjp7IiRpZCI6IjUwNSIsIkZvbnRTaXplIjoxMCwiRm9udE5hbWUiOiJDYWxpYnJpIiwiSXNCb2xkIjpmYWxzZSwiSXNJdGFsaWMiOmZhbHNlLCJJc1VuZGVybGluZWQiOmZhbHNlLCJQYXJlbnRTdHlsZSI6bnVsbH0sIkF1dG9TaXplIjowLCJGb3JlZ3JvdW5kIjp7IiRpZCI6IjUwNiIsIkNvbG9yIjp7IiRpZCI6IjUwNyIsIkEiOjI1NSwiUiI6MCwiRyI6MCwiQiI6MH19LCJNYXhXaWR0aCI6MjAwLjAsIk1heEhlaWdodCI6IkluZmluaXR5IiwiU21hcnRGb3JlZ3JvdW5kSXNBY3RpdmUiOmZhbHNlLCJIb3Jpem9udGFsQWxpZ25tZW50IjowLCJWZXJ0aWNhbEFsaWdubWVudCI6MCwiU21hcnRGb3JlZ3JvdW5kIjpudWxsLCJCYWNrZ3JvdW5kRmlsbFR5cGUiOjAsIk1hcmdpbiI6eyIkcmVmIjoiMTI3In0sIlBhZGRpbmciOnsiJHJlZiI6IjEyOCJ9LCJCYWNrZ3JvdW5kIjp7IiRyZWYiOiIxMjkifSwiSXNWaXNpYmxlIjp0cnVlLCJXaWR0aCI6MC4wLCJIZWlnaHQiOjAuMCwiQm9yZGVyU3R5bGUiOnsiJGlkIjoiNTA4IiwiTGluZUNvbG9yIjpudWxsLCJMaW5lV2VpZ2h0IjowLjAsIkxpbmVUeXBlIjowLCJQYXJlbnRTdHlsZSI6bnVsbH0sIlBhcmVudFN0eWxlIjpudWxsfSwiRGF0ZUZvcm1hdCI6eyIkaWQiOiI1MDkiLCJGb3JtYXRTdHJpbmciOiJNTU0gZCIsIlNlcGFyYXRvciI6Ii8iLCJVc2VJbnRlcm5hdGlvbmFsRGF0ZUZvcm1hdCI6ZmFsc2UsIkRhdGVJc1Zpc2libGUiOnRydWUsIlRpbWVJc1Zpc2libGUiOmZhbHNlLCJIb3VyRGlnaXRzIjoxLCJBbVBtRGVzaWduYXRvciI6MiwiVHJpbTAwTWludXRlcyI6ZmFsc2UsIkxhc3RLbm93blZpc2liaWxpdHlTdGF0ZSI6eyIkaWQiOiI1MTAiLCJEYXRlUGFydElzVmlzaWJsZSI6ZmFsc2UsIlRpbWVQYXJ0SXNWaXNpYmxlIjpmYWxzZX19LCJJc1Zpc2libGUiOnRydWUsIlBhcmVudFN0eWxlIjpudWxsfSwiSW5kZXgiOjYsIlNtYXJ0RHVyYXRpb25BY3RpdmF0ZWQiOmZhbHNlLCJEYXRlRm9ybWF0Ijp7IiRyZWYiOiI1MDkifSwiSWQiOiIzMTNhMTYxZC0yYTdmLTRlYWQtYTQ0My1lOGMzNDJkNzY4NjAiLCJJbXBvcnRJZCI6bnVsbCwiVGl0bGUiOiJDbG9zZSBQcm9qZWN0IiwiTm90ZSI6bnVsbCwiSHlwZXJsaW5rIjp7IiRpZCI6IjUxMSIsIkFkZHJlc3MiOiIiLCJTdWJBZGRyZXNzIjoiIn0sIklzQ2hhbmdlZCI6ZmFsc2UsIklzTmV3IjpmYWxzZX1dLCJTd2ltbGFuZXMiOltdLCJNc1Byb2plY3RJdGVtc1RyZWUiOnsiJGlkIjoiNTEyIiwiUm9vdCI6eyJJbXBvcnRJZCI6bnVsbCwiSXNJbXBvcnRlZCI6ZmFsc2UsIkNoaWxkcmVuIjpbXX19LCJNZXRhZGF0YSI6eyIkaWQiOiI1MTMiLCJSZWNlbnRDb2xvcnNDb2xsZWN0aW9uIjoiW1wiI0ZGRUExNjFFXCIsXCIjRkZGRUJBMEFcIl0ifSwiU2V0dGluZ3MiOnsiJGlkIjoiNTE0IiwiSW1wYU9wdGlvbnMiOm51bGwsIlVzZUNvbXByZXNzaW9uIjpmYWxzZSwiQ29tcHJlc2lvblBlcmNlbnRhZ2UiOjUwLjAsIkluYWN0aXZlSW50ZXJ2YWxXaWR0aFRocmVzaG9sZCI6MzAuMCwiSW5hY3RpdmVJbnRlcnZhbFdpZHRoIjoxLjAsIlNwbGl0VGFza3MiOmZhbHNlLCJVc2VDbHVzdGVyIjpmYWxzZSwiRXBzaWxvbiI6MC4wLCJNaW5Qb2ludHNUb0Zvcm1BQ2x1c3RlciI6MiwiR2VuZXJhdGVJbnZpc2libGVTaGFwZXMiOnRydWUsIlNtYXJ0VGltZWxpbmVUYXNrUGVyY2VudGFnZUZpdCI6ZmFsc2V9LCJJc05ldyI6ZmFsc2UsIkltcG9ydFR5cGUiOjAsIkZpbGVQYXRoIjpudWxsLCJUaW1lQ29uZmlndXJhdGlvbiI6eyIkaWQiOiI1MTUiLCJVc2VUaW1lIjpmYWxzZSwiV29ya0RheVN0YXJ0IjoiMDA6MDA6MDAiLCJXb3JrRGF5RW5kIjoiMjM6NTk6MDAifSwiTGFzdFVzZWRUZW1wbGF0ZUlkIjoiNzM1NWI2MzMtYWM2Ni00NTI4LThiNGQtMjk5ZmFlZGM5ZWU5In0="/>
   <p:tag name="__MASTER" val="__part_0"/>
 </p:tagLst>
 </file>
@@ -7965,7 +8711,91 @@
 </p:tagLst>
 </file>
 
+<file path=ppt/tags/tag106.xml><?xml version="1.0" encoding="utf-8"?>
+<p:tagLst xmlns:a="http://schemas.openxmlformats.org/drawingml/2006/main" xmlns:r="http://schemas.openxmlformats.org/officeDocument/2006/relationships" xmlns:p="http://schemas.openxmlformats.org/presentationml/2006/main">
+  <p:tag name="OTLMARKERSHAPE" val="OTL"/>
+</p:tagLst>
+</file>
+
+<file path=ppt/tags/tag107.xml><?xml version="1.0" encoding="utf-8"?>
+<p:tagLst xmlns:a="http://schemas.openxmlformats.org/drawingml/2006/main" xmlns:r="http://schemas.openxmlformats.org/officeDocument/2006/relationships" xmlns:p="http://schemas.openxmlformats.org/presentationml/2006/main">
+  <p:tag name="OTLMARKERSHAPE" val="OTL"/>
+</p:tagLst>
+</file>
+
+<file path=ppt/tags/tag108.xml><?xml version="1.0" encoding="utf-8"?>
+<p:tagLst xmlns:a="http://schemas.openxmlformats.org/drawingml/2006/main" xmlns:r="http://schemas.openxmlformats.org/officeDocument/2006/relationships" xmlns:p="http://schemas.openxmlformats.org/presentationml/2006/main">
+  <p:tag name="OTLMARKERSHAPE" val="OTL"/>
+</p:tagLst>
+</file>
+
+<file path=ppt/tags/tag109.xml><?xml version="1.0" encoding="utf-8"?>
+<p:tagLst xmlns:a="http://schemas.openxmlformats.org/drawingml/2006/main" xmlns:r="http://schemas.openxmlformats.org/officeDocument/2006/relationships" xmlns:p="http://schemas.openxmlformats.org/presentationml/2006/main">
+  <p:tag name="OTLMARKERSHAPE" val="OTL"/>
+</p:tagLst>
+</file>
+
 <file path=ppt/tags/tag11.xml><?xml version="1.0" encoding="utf-8"?>
+<p:tagLst xmlns:a="http://schemas.openxmlformats.org/drawingml/2006/main" xmlns:r="http://schemas.openxmlformats.org/officeDocument/2006/relationships" xmlns:p="http://schemas.openxmlformats.org/presentationml/2006/main">
+  <p:tag name="OTLMARKERSHAPE" val="OTL"/>
+</p:tagLst>
+</file>
+
+<file path=ppt/tags/tag110.xml><?xml version="1.0" encoding="utf-8"?>
+<p:tagLst xmlns:a="http://schemas.openxmlformats.org/drawingml/2006/main" xmlns:r="http://schemas.openxmlformats.org/officeDocument/2006/relationships" xmlns:p="http://schemas.openxmlformats.org/presentationml/2006/main">
+  <p:tag name="OTLMARKERSHAPE" val="OTL"/>
+</p:tagLst>
+</file>
+
+<file path=ppt/tags/tag111.xml><?xml version="1.0" encoding="utf-8"?>
+<p:tagLst xmlns:a="http://schemas.openxmlformats.org/drawingml/2006/main" xmlns:r="http://schemas.openxmlformats.org/officeDocument/2006/relationships" xmlns:p="http://schemas.openxmlformats.org/presentationml/2006/main">
+  <p:tag name="OTLMARKERSHAPE" val="OTL"/>
+</p:tagLst>
+</file>
+
+<file path=ppt/tags/tag112.xml><?xml version="1.0" encoding="utf-8"?>
+<p:tagLst xmlns:a="http://schemas.openxmlformats.org/drawingml/2006/main" xmlns:r="http://schemas.openxmlformats.org/officeDocument/2006/relationships" xmlns:p="http://schemas.openxmlformats.org/presentationml/2006/main">
+  <p:tag name="OTLMARKERSHAPE" val="OTL"/>
+</p:tagLst>
+</file>
+
+<file path=ppt/tags/tag113.xml><?xml version="1.0" encoding="utf-8"?>
+<p:tagLst xmlns:a="http://schemas.openxmlformats.org/drawingml/2006/main" xmlns:r="http://schemas.openxmlformats.org/officeDocument/2006/relationships" xmlns:p="http://schemas.openxmlformats.org/presentationml/2006/main">
+  <p:tag name="OTLMARKERSHAPE" val="OTL"/>
+</p:tagLst>
+</file>
+
+<file path=ppt/tags/tag114.xml><?xml version="1.0" encoding="utf-8"?>
+<p:tagLst xmlns:a="http://schemas.openxmlformats.org/drawingml/2006/main" xmlns:r="http://schemas.openxmlformats.org/officeDocument/2006/relationships" xmlns:p="http://schemas.openxmlformats.org/presentationml/2006/main">
+  <p:tag name="OTLMARKERSHAPE" val="OTL"/>
+</p:tagLst>
+</file>
+
+<file path=ppt/tags/tag115.xml><?xml version="1.0" encoding="utf-8"?>
+<p:tagLst xmlns:a="http://schemas.openxmlformats.org/drawingml/2006/main" xmlns:r="http://schemas.openxmlformats.org/officeDocument/2006/relationships" xmlns:p="http://schemas.openxmlformats.org/presentationml/2006/main">
+  <p:tag name="OTLMARKERSHAPE" val="OTL"/>
+</p:tagLst>
+</file>
+
+<file path=ppt/tags/tag116.xml><?xml version="1.0" encoding="utf-8"?>
+<p:tagLst xmlns:a="http://schemas.openxmlformats.org/drawingml/2006/main" xmlns:r="http://schemas.openxmlformats.org/officeDocument/2006/relationships" xmlns:p="http://schemas.openxmlformats.org/presentationml/2006/main">
+  <p:tag name="OTLMARKERSHAPE" val="OTL"/>
+</p:tagLst>
+</file>
+
+<file path=ppt/tags/tag117.xml><?xml version="1.0" encoding="utf-8"?>
+<p:tagLst xmlns:a="http://schemas.openxmlformats.org/drawingml/2006/main" xmlns:r="http://schemas.openxmlformats.org/officeDocument/2006/relationships" xmlns:p="http://schemas.openxmlformats.org/presentationml/2006/main">
+  <p:tag name="OTLMARKERSHAPE" val="OTL"/>
+</p:tagLst>
+</file>
+
+<file path=ppt/tags/tag118.xml><?xml version="1.0" encoding="utf-8"?>
+<p:tagLst xmlns:a="http://schemas.openxmlformats.org/drawingml/2006/main" xmlns:r="http://schemas.openxmlformats.org/officeDocument/2006/relationships" xmlns:p="http://schemas.openxmlformats.org/presentationml/2006/main">
+  <p:tag name="OTLMARKERSHAPE" val="OTL"/>
+</p:tagLst>
+</file>
+
+<file path=ppt/tags/tag119.xml><?xml version="1.0" encoding="utf-8"?>
 <p:tagLst xmlns:a="http://schemas.openxmlformats.org/drawingml/2006/main" xmlns:r="http://schemas.openxmlformats.org/officeDocument/2006/relationships" xmlns:p="http://schemas.openxmlformats.org/presentationml/2006/main">
   <p:tag name="OTLMARKERSHAPE" val="OTL"/>
 </p:tagLst>

--- a/Improgress/2. Artifact and Deliverable/Project Monitoring and Control/PM_ProjectTimeline&Milestones.pptx
+++ b/Improgress/2. Artifact and Deliverable/Project Monitoring and Control/PM_ProjectTimeline&Milestones.pptx
@@ -4,6 +4,9 @@
   <p:sldMasterIdLst>
     <p:sldMasterId id="2147483684" r:id="rId1"/>
   </p:sldMasterIdLst>
+  <p:notesMasterIdLst>
+    <p:notesMasterId r:id="rId3"/>
+  </p:notesMasterIdLst>
   <p:sldIdLst>
     <p:sldId id="269" r:id="rId2"/>
   </p:sldIdLst>
@@ -112,6 +115,440 @@
 </p:presentation>
 </file>
 
+<file path=ppt/notesMasters/notesMaster1.xml><?xml version="1.0" encoding="utf-8"?>
+<p:notesMaster xmlns:a="http://schemas.openxmlformats.org/drawingml/2006/main" xmlns:r="http://schemas.openxmlformats.org/officeDocument/2006/relationships" xmlns:p="http://schemas.openxmlformats.org/presentationml/2006/main">
+  <p:cSld>
+    <p:bg>
+      <p:bgRef idx="1001">
+        <a:schemeClr val="bg1"/>
+      </p:bgRef>
+    </p:bg>
+    <p:spTree>
+      <p:nvGrpSpPr>
+        <p:cNvPr id="1" name=""/>
+        <p:cNvGrpSpPr/>
+        <p:nvPr/>
+      </p:nvGrpSpPr>
+      <p:grpSpPr>
+        <a:xfrm>
+          <a:off x="0" y="0"/>
+          <a:ext cx="0" cy="0"/>
+          <a:chOff x="0" y="0"/>
+          <a:chExt cx="0" cy="0"/>
+        </a:xfrm>
+      </p:grpSpPr>
+      <p:sp>
+        <p:nvSpPr>
+          <p:cNvPr id="2" name="Chỗ dành sẵn cho Đầu trang 1"/>
+          <p:cNvSpPr>
+            <a:spLocks noGrp="1"/>
+          </p:cNvSpPr>
+          <p:nvPr>
+            <p:ph type="hdr" sz="quarter"/>
+          </p:nvPr>
+        </p:nvSpPr>
+        <p:spPr>
+          <a:xfrm>
+            <a:off x="0" y="0"/>
+            <a:ext cx="2971800" cy="458788"/>
+          </a:xfrm>
+          <a:prstGeom prst="rect">
+            <a:avLst/>
+          </a:prstGeom>
+        </p:spPr>
+        <p:txBody>
+          <a:bodyPr vert="horz" lIns="91440" tIns="45720" rIns="91440" bIns="45720" rtlCol="0"/>
+          <a:lstStyle>
+            <a:lvl1pPr algn="l">
+              <a:defRPr sz="1200"/>
+            </a:lvl1pPr>
+          </a:lstStyle>
+          <a:p>
+            <a:endParaRPr lang="en-US"/>
+          </a:p>
+        </p:txBody>
+      </p:sp>
+      <p:sp>
+        <p:nvSpPr>
+          <p:cNvPr id="3" name="Chỗ dành sẵn cho Ngày tháng 2"/>
+          <p:cNvSpPr>
+            <a:spLocks noGrp="1"/>
+          </p:cNvSpPr>
+          <p:nvPr>
+            <p:ph type="dt" idx="1"/>
+          </p:nvPr>
+        </p:nvSpPr>
+        <p:spPr>
+          <a:xfrm>
+            <a:off x="3884613" y="0"/>
+            <a:ext cx="2971800" cy="458788"/>
+          </a:xfrm>
+          <a:prstGeom prst="rect">
+            <a:avLst/>
+          </a:prstGeom>
+        </p:spPr>
+        <p:txBody>
+          <a:bodyPr vert="horz" lIns="91440" tIns="45720" rIns="91440" bIns="45720" rtlCol="0"/>
+          <a:lstStyle>
+            <a:lvl1pPr algn="r">
+              <a:defRPr sz="1200"/>
+            </a:lvl1pPr>
+          </a:lstStyle>
+          <a:p>
+            <a:fld id="{E3B8199C-2D8F-418A-A5E4-7120536D077C}" type="datetimeFigureOut">
+              <a:rPr lang="en-US" smtClean="0"/>
+              <a:t>13-Jun-20</a:t>
+            </a:fld>
+            <a:endParaRPr lang="en-US"/>
+          </a:p>
+        </p:txBody>
+      </p:sp>
+      <p:sp>
+        <p:nvSpPr>
+          <p:cNvPr id="4" name="Chỗ dành sẵn cho Hình ảnh của Bản chiếu 3"/>
+          <p:cNvSpPr>
+            <a:spLocks noGrp="1" noRot="1" noChangeAspect="1"/>
+          </p:cNvSpPr>
+          <p:nvPr>
+            <p:ph type="sldImg" idx="2"/>
+          </p:nvPr>
+        </p:nvSpPr>
+        <p:spPr>
+          <a:xfrm>
+            <a:off x="685800" y="1143000"/>
+            <a:ext cx="5486400" cy="3086100"/>
+          </a:xfrm>
+          <a:prstGeom prst="rect">
+            <a:avLst/>
+          </a:prstGeom>
+          <a:noFill/>
+          <a:ln w="12700">
+            <a:solidFill>
+              <a:prstClr val="black"/>
+            </a:solidFill>
+          </a:ln>
+        </p:spPr>
+        <p:txBody>
+          <a:bodyPr vert="horz" lIns="91440" tIns="45720" rIns="91440" bIns="45720" rtlCol="0" anchor="ctr"/>
+          <a:lstStyle/>
+          <a:p>
+            <a:endParaRPr lang="en-US"/>
+          </a:p>
+        </p:txBody>
+      </p:sp>
+      <p:sp>
+        <p:nvSpPr>
+          <p:cNvPr id="5" name="Chỗ dành sẵn cho Ghi chú 4"/>
+          <p:cNvSpPr>
+            <a:spLocks noGrp="1"/>
+          </p:cNvSpPr>
+          <p:nvPr>
+            <p:ph type="body" sz="quarter" idx="3"/>
+          </p:nvPr>
+        </p:nvSpPr>
+        <p:spPr>
+          <a:xfrm>
+            <a:off x="685800" y="4400550"/>
+            <a:ext cx="5486400" cy="3600450"/>
+          </a:xfrm>
+          <a:prstGeom prst="rect">
+            <a:avLst/>
+          </a:prstGeom>
+        </p:spPr>
+        <p:txBody>
+          <a:bodyPr vert="horz" lIns="91440" tIns="45720" rIns="91440" bIns="45720" rtlCol="0"/>
+          <a:lstStyle/>
+          <a:p>
+            <a:pPr lvl="0"/>
+            <a:r>
+              <a:rPr lang="vi-VN"/>
+              <a:t>Bấm để chỉnh sửa kiểu văn bản của Bản cái</a:t>
+            </a:r>
+          </a:p>
+          <a:p>
+            <a:pPr lvl="1"/>
+            <a:r>
+              <a:rPr lang="vi-VN"/>
+              <a:t>Mức hai</a:t>
+            </a:r>
+          </a:p>
+          <a:p>
+            <a:pPr lvl="2"/>
+            <a:r>
+              <a:rPr lang="vi-VN"/>
+              <a:t>Mức ba</a:t>
+            </a:r>
+          </a:p>
+          <a:p>
+            <a:pPr lvl="3"/>
+            <a:r>
+              <a:rPr lang="vi-VN"/>
+              <a:t>Mức bốn</a:t>
+            </a:r>
+          </a:p>
+          <a:p>
+            <a:pPr lvl="4"/>
+            <a:r>
+              <a:rPr lang="vi-VN"/>
+              <a:t>Mức năm</a:t>
+            </a:r>
+            <a:endParaRPr lang="en-US"/>
+          </a:p>
+        </p:txBody>
+      </p:sp>
+      <p:sp>
+        <p:nvSpPr>
+          <p:cNvPr id="6" name="Chỗ dành sẵn cho Chân trang 5"/>
+          <p:cNvSpPr>
+            <a:spLocks noGrp="1"/>
+          </p:cNvSpPr>
+          <p:nvPr>
+            <p:ph type="ftr" sz="quarter" idx="4"/>
+          </p:nvPr>
+        </p:nvSpPr>
+        <p:spPr>
+          <a:xfrm>
+            <a:off x="0" y="8685213"/>
+            <a:ext cx="2971800" cy="458787"/>
+          </a:xfrm>
+          <a:prstGeom prst="rect">
+            <a:avLst/>
+          </a:prstGeom>
+        </p:spPr>
+        <p:txBody>
+          <a:bodyPr vert="horz" lIns="91440" tIns="45720" rIns="91440" bIns="45720" rtlCol="0" anchor="b"/>
+          <a:lstStyle>
+            <a:lvl1pPr algn="l">
+              <a:defRPr sz="1200"/>
+            </a:lvl1pPr>
+          </a:lstStyle>
+          <a:p>
+            <a:endParaRPr lang="en-US"/>
+          </a:p>
+        </p:txBody>
+      </p:sp>
+      <p:sp>
+        <p:nvSpPr>
+          <p:cNvPr id="7" name="Chỗ dành sẵn cho Số hiệu Bản chiếu 6"/>
+          <p:cNvSpPr>
+            <a:spLocks noGrp="1"/>
+          </p:cNvSpPr>
+          <p:nvPr>
+            <p:ph type="sldNum" sz="quarter" idx="5"/>
+          </p:nvPr>
+        </p:nvSpPr>
+        <p:spPr>
+          <a:xfrm>
+            <a:off x="3884613" y="8685213"/>
+            <a:ext cx="2971800" cy="458787"/>
+          </a:xfrm>
+          <a:prstGeom prst="rect">
+            <a:avLst/>
+          </a:prstGeom>
+        </p:spPr>
+        <p:txBody>
+          <a:bodyPr vert="horz" lIns="91440" tIns="45720" rIns="91440" bIns="45720" rtlCol="0" anchor="b"/>
+          <a:lstStyle>
+            <a:lvl1pPr algn="r">
+              <a:defRPr sz="1200"/>
+            </a:lvl1pPr>
+          </a:lstStyle>
+          <a:p>
+            <a:fld id="{3D2B93DA-0593-4A51-8CBB-DF3905BEDEBA}" type="slidenum">
+              <a:rPr lang="en-US" smtClean="0"/>
+              <a:t>‹#›</a:t>
+            </a:fld>
+            <a:endParaRPr lang="en-US"/>
+          </a:p>
+        </p:txBody>
+      </p:sp>
+    </p:spTree>
+    <p:extLst>
+      <p:ext uri="{BB962C8B-B14F-4D97-AF65-F5344CB8AC3E}">
+        <p14:creationId xmlns:p14="http://schemas.microsoft.com/office/powerpoint/2010/main" val="632320622"/>
+      </p:ext>
+    </p:extLst>
+  </p:cSld>
+  <p:clrMap bg1="lt1" tx1="dk1" bg2="lt2" tx2="dk2" accent1="accent1" accent2="accent2" accent3="accent3" accent4="accent4" accent5="accent5" accent6="accent6" hlink="hlink" folHlink="folHlink"/>
+  <p:notesStyle>
+    <a:lvl1pPr marL="0" algn="l" defTabSz="914400" rtl="0" eaLnBrk="1" latinLnBrk="0" hangingPunct="1">
+      <a:defRPr sz="1200" kern="1200">
+        <a:solidFill>
+          <a:schemeClr val="tx1"/>
+        </a:solidFill>
+        <a:latin typeface="+mn-lt"/>
+        <a:ea typeface="+mn-ea"/>
+        <a:cs typeface="+mn-cs"/>
+      </a:defRPr>
+    </a:lvl1pPr>
+    <a:lvl2pPr marL="457200" algn="l" defTabSz="914400" rtl="0" eaLnBrk="1" latinLnBrk="0" hangingPunct="1">
+      <a:defRPr sz="1200" kern="1200">
+        <a:solidFill>
+          <a:schemeClr val="tx1"/>
+        </a:solidFill>
+        <a:latin typeface="+mn-lt"/>
+        <a:ea typeface="+mn-ea"/>
+        <a:cs typeface="+mn-cs"/>
+      </a:defRPr>
+    </a:lvl2pPr>
+    <a:lvl3pPr marL="914400" algn="l" defTabSz="914400" rtl="0" eaLnBrk="1" latinLnBrk="0" hangingPunct="1">
+      <a:defRPr sz="1200" kern="1200">
+        <a:solidFill>
+          <a:schemeClr val="tx1"/>
+        </a:solidFill>
+        <a:latin typeface="+mn-lt"/>
+        <a:ea typeface="+mn-ea"/>
+        <a:cs typeface="+mn-cs"/>
+      </a:defRPr>
+    </a:lvl3pPr>
+    <a:lvl4pPr marL="1371600" algn="l" defTabSz="914400" rtl="0" eaLnBrk="1" latinLnBrk="0" hangingPunct="1">
+      <a:defRPr sz="1200" kern="1200">
+        <a:solidFill>
+          <a:schemeClr val="tx1"/>
+        </a:solidFill>
+        <a:latin typeface="+mn-lt"/>
+        <a:ea typeface="+mn-ea"/>
+        <a:cs typeface="+mn-cs"/>
+      </a:defRPr>
+    </a:lvl4pPr>
+    <a:lvl5pPr marL="1828800" algn="l" defTabSz="914400" rtl="0" eaLnBrk="1" latinLnBrk="0" hangingPunct="1">
+      <a:defRPr sz="1200" kern="1200">
+        <a:solidFill>
+          <a:schemeClr val="tx1"/>
+        </a:solidFill>
+        <a:latin typeface="+mn-lt"/>
+        <a:ea typeface="+mn-ea"/>
+        <a:cs typeface="+mn-cs"/>
+      </a:defRPr>
+    </a:lvl5pPr>
+    <a:lvl6pPr marL="2286000" algn="l" defTabSz="914400" rtl="0" eaLnBrk="1" latinLnBrk="0" hangingPunct="1">
+      <a:defRPr sz="1200" kern="1200">
+        <a:solidFill>
+          <a:schemeClr val="tx1"/>
+        </a:solidFill>
+        <a:latin typeface="+mn-lt"/>
+        <a:ea typeface="+mn-ea"/>
+        <a:cs typeface="+mn-cs"/>
+      </a:defRPr>
+    </a:lvl6pPr>
+    <a:lvl7pPr marL="2743200" algn="l" defTabSz="914400" rtl="0" eaLnBrk="1" latinLnBrk="0" hangingPunct="1">
+      <a:defRPr sz="1200" kern="1200">
+        <a:solidFill>
+          <a:schemeClr val="tx1"/>
+        </a:solidFill>
+        <a:latin typeface="+mn-lt"/>
+        <a:ea typeface="+mn-ea"/>
+        <a:cs typeface="+mn-cs"/>
+      </a:defRPr>
+    </a:lvl7pPr>
+    <a:lvl8pPr marL="3200400" algn="l" defTabSz="914400" rtl="0" eaLnBrk="1" latinLnBrk="0" hangingPunct="1">
+      <a:defRPr sz="1200" kern="1200">
+        <a:solidFill>
+          <a:schemeClr val="tx1"/>
+        </a:solidFill>
+        <a:latin typeface="+mn-lt"/>
+        <a:ea typeface="+mn-ea"/>
+        <a:cs typeface="+mn-cs"/>
+      </a:defRPr>
+    </a:lvl8pPr>
+    <a:lvl9pPr marL="3657600" algn="l" defTabSz="914400" rtl="0" eaLnBrk="1" latinLnBrk="0" hangingPunct="1">
+      <a:defRPr sz="1200" kern="1200">
+        <a:solidFill>
+          <a:schemeClr val="tx1"/>
+        </a:solidFill>
+        <a:latin typeface="+mn-lt"/>
+        <a:ea typeface="+mn-ea"/>
+        <a:cs typeface="+mn-cs"/>
+      </a:defRPr>
+    </a:lvl9pPr>
+  </p:notesStyle>
+</p:notesMaster>
+</file>
+
+<file path=ppt/notesSlides/notesSlide1.xml><?xml version="1.0" encoding="utf-8"?>
+<p:notes xmlns:a="http://schemas.openxmlformats.org/drawingml/2006/main" xmlns:r="http://schemas.openxmlformats.org/officeDocument/2006/relationships" xmlns:p="http://schemas.openxmlformats.org/presentationml/2006/main">
+  <p:cSld>
+    <p:spTree>
+      <p:nvGrpSpPr>
+        <p:cNvPr id="1" name=""/>
+        <p:cNvGrpSpPr/>
+        <p:nvPr/>
+      </p:nvGrpSpPr>
+      <p:grpSpPr>
+        <a:xfrm>
+          <a:off x="0" y="0"/>
+          <a:ext cx="0" cy="0"/>
+          <a:chOff x="0" y="0"/>
+          <a:chExt cx="0" cy="0"/>
+        </a:xfrm>
+      </p:grpSpPr>
+      <p:sp>
+        <p:nvSpPr>
+          <p:cNvPr id="2" name="Chỗ dành sẵn cho Hình ảnh của Bản chiếu 1"/>
+          <p:cNvSpPr>
+            <a:spLocks noGrp="1" noRot="1" noChangeAspect="1"/>
+          </p:cNvSpPr>
+          <p:nvPr>
+            <p:ph type="sldImg"/>
+          </p:nvPr>
+        </p:nvSpPr>
+        <p:spPr/>
+      </p:sp>
+      <p:sp>
+        <p:nvSpPr>
+          <p:cNvPr id="3" name="Chỗ dành sẵn cho Ghi chú 2"/>
+          <p:cNvSpPr>
+            <a:spLocks noGrp="1"/>
+          </p:cNvSpPr>
+          <p:nvPr>
+            <p:ph type="body" idx="1"/>
+          </p:nvPr>
+        </p:nvSpPr>
+        <p:spPr/>
+        <p:txBody>
+          <a:bodyPr/>
+          <a:lstStyle/>
+          <a:p>
+            <a:endParaRPr lang="en-US" dirty="0"/>
+          </a:p>
+        </p:txBody>
+      </p:sp>
+      <p:sp>
+        <p:nvSpPr>
+          <p:cNvPr id="4" name="Chỗ dành sẵn cho Số hiệu Bản chiếu 3"/>
+          <p:cNvSpPr>
+            <a:spLocks noGrp="1"/>
+          </p:cNvSpPr>
+          <p:nvPr>
+            <p:ph type="sldNum" sz="quarter" idx="5"/>
+          </p:nvPr>
+        </p:nvSpPr>
+        <p:spPr/>
+        <p:txBody>
+          <a:bodyPr/>
+          <a:lstStyle/>
+          <a:p>
+            <a:fld id="{3D2B93DA-0593-4A51-8CBB-DF3905BEDEBA}" type="slidenum">
+              <a:rPr lang="en-US" smtClean="0"/>
+              <a:t>1</a:t>
+            </a:fld>
+            <a:endParaRPr lang="en-US"/>
+          </a:p>
+        </p:txBody>
+      </p:sp>
+    </p:spTree>
+    <p:extLst>
+      <p:ext uri="{BB962C8B-B14F-4D97-AF65-F5344CB8AC3E}">
+        <p14:creationId xmlns:p14="http://schemas.microsoft.com/office/powerpoint/2010/main" val="3172396353"/>
+      </p:ext>
+    </p:extLst>
+  </p:cSld>
+  <p:clrMapOvr>
+    <a:masterClrMapping/>
+  </p:clrMapOvr>
+</p:notes>
+</file>
+
 <file path=ppt/slideLayouts/slideLayout1.xml><?xml version="1.0" encoding="utf-8"?>
 <p:sldLayout xmlns:a="http://schemas.openxmlformats.org/drawingml/2006/main" xmlns:r="http://schemas.openxmlformats.org/officeDocument/2006/relationships" xmlns:p="http://schemas.openxmlformats.org/presentationml/2006/main" type="title" preserve="1">
   <p:cSld name="Title Slide">
@@ -243,7 +680,7 @@
           <a:p>
             <a:fld id="{C5164158-0CE9-4349-B3F5-2F2E57F0D0CB}" type="datetimeFigureOut">
               <a:rPr lang="en-US" smtClean="0"/>
-              <a:t>1/7/2020</a:t>
+              <a:t>13-Jun-20</a:t>
             </a:fld>
             <a:endParaRPr lang="en-US"/>
           </a:p>
@@ -413,7 +850,7 @@
           <a:p>
             <a:fld id="{C5164158-0CE9-4349-B3F5-2F2E57F0D0CB}" type="datetimeFigureOut">
               <a:rPr lang="en-US" smtClean="0"/>
-              <a:t>1/7/2020</a:t>
+              <a:t>13-Jun-20</a:t>
             </a:fld>
             <a:endParaRPr lang="en-US"/>
           </a:p>
@@ -593,7 +1030,7 @@
           <a:p>
             <a:fld id="{C5164158-0CE9-4349-B3F5-2F2E57F0D0CB}" type="datetimeFigureOut">
               <a:rPr lang="en-US" smtClean="0"/>
-              <a:t>1/7/2020</a:t>
+              <a:t>13-Jun-20</a:t>
             </a:fld>
             <a:endParaRPr lang="en-US"/>
           </a:p>
@@ -763,7 +1200,7 @@
           <a:p>
             <a:fld id="{C5164158-0CE9-4349-B3F5-2F2E57F0D0CB}" type="datetimeFigureOut">
               <a:rPr lang="en-US" smtClean="0"/>
-              <a:t>1/7/2020</a:t>
+              <a:t>13-Jun-20</a:t>
             </a:fld>
             <a:endParaRPr lang="en-US"/>
           </a:p>
@@ -1009,7 +1446,7 @@
           <a:p>
             <a:fld id="{C5164158-0CE9-4349-B3F5-2F2E57F0D0CB}" type="datetimeFigureOut">
               <a:rPr lang="en-US" smtClean="0"/>
-              <a:t>1/7/2020</a:t>
+              <a:t>13-Jun-20</a:t>
             </a:fld>
             <a:endParaRPr lang="en-US"/>
           </a:p>
@@ -1241,7 +1678,7 @@
           <a:p>
             <a:fld id="{C5164158-0CE9-4349-B3F5-2F2E57F0D0CB}" type="datetimeFigureOut">
               <a:rPr lang="en-US" smtClean="0"/>
-              <a:t>1/7/2020</a:t>
+              <a:t>13-Jun-20</a:t>
             </a:fld>
             <a:endParaRPr lang="en-US"/>
           </a:p>
@@ -1608,7 +2045,7 @@
           <a:p>
             <a:fld id="{C5164158-0CE9-4349-B3F5-2F2E57F0D0CB}" type="datetimeFigureOut">
               <a:rPr lang="en-US" smtClean="0"/>
-              <a:t>1/7/2020</a:t>
+              <a:t>13-Jun-20</a:t>
             </a:fld>
             <a:endParaRPr lang="en-US"/>
           </a:p>
@@ -1726,7 +2163,7 @@
           <a:p>
             <a:fld id="{C5164158-0CE9-4349-B3F5-2F2E57F0D0CB}" type="datetimeFigureOut">
               <a:rPr lang="en-US" smtClean="0"/>
-              <a:t>1/7/2020</a:t>
+              <a:t>13-Jun-20</a:t>
             </a:fld>
             <a:endParaRPr lang="en-US"/>
           </a:p>
@@ -1821,7 +2258,7 @@
           <a:p>
             <a:fld id="{C5164158-0CE9-4349-B3F5-2F2E57F0D0CB}" type="datetimeFigureOut">
               <a:rPr lang="en-US" smtClean="0"/>
-              <a:t>1/7/2020</a:t>
+              <a:t>13-Jun-20</a:t>
             </a:fld>
             <a:endParaRPr lang="en-US"/>
           </a:p>
@@ -2098,7 +2535,7 @@
           <a:p>
             <a:fld id="{C5164158-0CE9-4349-B3F5-2F2E57F0D0CB}" type="datetimeFigureOut">
               <a:rPr lang="en-US" smtClean="0"/>
-              <a:t>1/7/2020</a:t>
+              <a:t>13-Jun-20</a:t>
             </a:fld>
             <a:endParaRPr lang="en-US"/>
           </a:p>
@@ -2355,7 +2792,7 @@
           <a:p>
             <a:fld id="{C5164158-0CE9-4349-B3F5-2F2E57F0D0CB}" type="datetimeFigureOut">
               <a:rPr lang="en-US" smtClean="0"/>
-              <a:t>1/7/2020</a:t>
+              <a:t>13-Jun-20</a:t>
             </a:fld>
             <a:endParaRPr lang="en-US"/>
           </a:p>
@@ -2568,7 +3005,7 @@
           <a:p>
             <a:fld id="{C5164158-0CE9-4349-B3F5-2F2E57F0D0CB}" type="datetimeFigureOut">
               <a:rPr lang="en-US" smtClean="0"/>
-              <a:t>1/7/2020</a:t>
+              <a:t>13-Jun-20</a:t>
             </a:fld>
             <a:endParaRPr lang="en-US"/>
           </a:p>
@@ -3373,7 +3810,10 @@
               </a:ext>
             </a:extLst>
           </p:cNvPr>
-          <p:cNvCxnSpPr/>
+          <p:cNvCxnSpPr>
+            <a:cxnSpLocks/>
+            <a:endCxn id="160" idx="3"/>
+          </p:cNvCxnSpPr>
           <p:nvPr>
             <p:custDataLst>
               <p:tags r:id="rId11"/>
@@ -3381,9 +3821,9 @@
           </p:nvPr>
         </p:nvCxnSpPr>
         <p:spPr>
-          <a:xfrm>
-            <a:off x="878247" y="6031188"/>
-            <a:ext cx="9888708" cy="0"/>
+          <a:xfrm flipV="1">
+            <a:off x="878247" y="6010974"/>
+            <a:ext cx="5468462" cy="20214"/>
           </a:xfrm>
           <a:prstGeom prst="line">
             <a:avLst/>
@@ -3709,10 +4149,10 @@
       </p:cxnSp>
       <p:cxnSp>
         <p:nvCxnSpPr>
-          <p:cNvPr id="43" name="OTLSHAPE_M_46abe3f955d64b66a04a7eb9cb3b00a8_Connector1">
+          <p:cNvPr id="44" name="OTLSHAPE_M_46abe3f955d64b66a04a7eb9cb3b00a8_Connector2">
             <a:extLst>
               <a:ext uri="{FF2B5EF4-FFF2-40B4-BE49-F238E27FC236}">
-                <a16:creationId xmlns:a16="http://schemas.microsoft.com/office/drawing/2014/main" id="{A9BB6FBC-9873-407A-9A75-949B496AADD5}"/>
+                <a16:creationId xmlns:a16="http://schemas.microsoft.com/office/drawing/2014/main" id="{32D6FC8F-3DB2-43E3-A127-3DB04152BCBD}"/>
               </a:ext>
             </a:extLst>
           </p:cNvPr>
@@ -3725,8 +4165,8 @@
         </p:nvCxnSpPr>
         <p:spPr>
           <a:xfrm>
-            <a:off x="5168125" y="1604645"/>
-            <a:ext cx="0" cy="340572"/>
+            <a:off x="7015764" y="2186267"/>
+            <a:ext cx="0" cy="383625"/>
           </a:xfrm>
           <a:prstGeom prst="line">
             <a:avLst/>
@@ -3756,62 +4196,13 @@
           </a:fontRef>
         </p:style>
       </p:cxnSp>
-      <p:cxnSp>
-        <p:nvCxnSpPr>
-          <p:cNvPr id="44" name="OTLSHAPE_M_46abe3f955d64b66a04a7eb9cb3b00a8_Connector2">
-            <a:extLst>
-              <a:ext uri="{FF2B5EF4-FFF2-40B4-BE49-F238E27FC236}">
-                <a16:creationId xmlns:a16="http://schemas.microsoft.com/office/drawing/2014/main" id="{32D6FC8F-3DB2-43E3-A127-3DB04152BCBD}"/>
-              </a:ext>
-            </a:extLst>
-          </p:cNvPr>
-          <p:cNvCxnSpPr/>
-          <p:nvPr>
-            <p:custDataLst>
-              <p:tags r:id="rId19"/>
-            </p:custDataLst>
-          </p:nvPr>
-        </p:nvCxnSpPr>
-        <p:spPr>
-          <a:xfrm>
-            <a:off x="5168125" y="2115735"/>
-            <a:ext cx="0" cy="383625"/>
-          </a:xfrm>
-          <a:prstGeom prst="line">
-            <a:avLst/>
-          </a:prstGeom>
-          <a:ln w="9525" cap="flat" cmpd="sng" algn="ctr">
-            <a:solidFill>
-              <a:srgbClr val="4F81BD"/>
-            </a:solidFill>
-            <a:prstDash val="solid"/>
-            <a:miter lim="800000"/>
-            <a:headEnd type="none" w="med" len="med"/>
-            <a:tailEnd type="none" w="med" len="med"/>
-          </a:ln>
-        </p:spPr>
-        <p:style>
-          <a:lnRef idx="1">
-            <a:schemeClr val="accent1"/>
-          </a:lnRef>
-          <a:fillRef idx="0">
-            <a:schemeClr val="accent1"/>
-          </a:fillRef>
-          <a:effectRef idx="0">
-            <a:schemeClr val="accent1"/>
-          </a:effectRef>
-          <a:fontRef idx="minor">
-            <a:schemeClr val="tx1"/>
-          </a:fontRef>
-        </p:style>
-      </p:cxnSp>
       <p:sp>
         <p:nvSpPr>
           <p:cNvPr id="5889" name="OTLSHAPE_TB_00000000000000000000000000000000_ScaleContainer"/>
           <p:cNvSpPr/>
           <p:nvPr>
             <p:custDataLst>
-              <p:tags r:id="rId20"/>
+              <p:tags r:id="rId19"/>
             </p:custDataLst>
           </p:nvPr>
         </p:nvSpPr>
@@ -3897,14 +4288,14 @@
           <p:cNvSpPr/>
           <p:nvPr>
             <p:custDataLst>
-              <p:tags r:id="rId21"/>
-            </p:custDataLst>
-          </p:nvPr>
-        </p:nvSpPr>
-        <p:spPr>
-          <a:xfrm>
-            <a:off x="933365" y="2804160"/>
-            <a:ext cx="4254500" cy="76200"/>
+              <p:tags r:id="rId20"/>
+            </p:custDataLst>
+          </p:nvPr>
+        </p:nvSpPr>
+        <p:spPr>
+          <a:xfrm>
+            <a:off x="933364" y="2804160"/>
+            <a:ext cx="9884383" cy="45719"/>
           </a:xfrm>
           <a:prstGeom prst="rect">
             <a:avLst/>
@@ -3974,13 +4365,13 @@
           <p:cNvSpPr/>
           <p:nvPr>
             <p:custDataLst>
-              <p:tags r:id="rId22"/>
-            </p:custDataLst>
-          </p:nvPr>
-        </p:nvSpPr>
-        <p:spPr>
-          <a:xfrm>
-            <a:off x="5128258" y="2880360"/>
+              <p:tags r:id="rId21"/>
+            </p:custDataLst>
+          </p:nvPr>
+        </p:nvSpPr>
+        <p:spPr>
+          <a:xfrm>
+            <a:off x="10760597" y="2867660"/>
             <a:ext cx="114300" cy="127000"/>
           </a:xfrm>
           <a:prstGeom prst="triangle">
@@ -4054,13 +4445,13 @@
           <p:cNvSpPr txBox="1"/>
           <p:nvPr>
             <p:custDataLst>
-              <p:tags r:id="rId23"/>
-            </p:custDataLst>
-          </p:nvPr>
-        </p:nvSpPr>
-        <p:spPr>
-          <a:xfrm>
-            <a:off x="5002559" y="3007360"/>
+              <p:tags r:id="rId22"/>
+            </p:custDataLst>
+          </p:nvPr>
+        </p:nvSpPr>
+        <p:spPr>
+          <a:xfrm>
+            <a:off x="10633597" y="3039470"/>
             <a:ext cx="368300" cy="186055"/>
           </a:xfrm>
           <a:prstGeom prst="rect">
@@ -4076,7 +4467,7 @@
           <a:p>
             <a:pPr algn="ctr"/>
             <a:r>
-              <a:rPr lang="en-GB" sz="1200" spc="-12">
+              <a:rPr lang="en-GB" sz="1200" spc="-12" dirty="0">
                 <a:solidFill>
                   <a:schemeClr val="dk1"/>
                 </a:solidFill>
@@ -4093,7 +4484,7 @@
           <p:cNvSpPr txBox="1"/>
           <p:nvPr>
             <p:custDataLst>
-              <p:tags r:id="rId24"/>
+              <p:tags r:id="rId23"/>
             </p:custDataLst>
           </p:nvPr>
         </p:nvSpPr>
@@ -4137,7 +4528,7 @@
           <p:cNvSpPr txBox="1"/>
           <p:nvPr>
             <p:custDataLst>
-              <p:tags r:id="rId25"/>
+              <p:tags r:id="rId24"/>
             </p:custDataLst>
           </p:nvPr>
         </p:nvSpPr>
@@ -4175,7 +4566,7 @@
           <p:cNvSpPr txBox="1"/>
           <p:nvPr>
             <p:custDataLst>
-              <p:tags r:id="rId26"/>
+              <p:tags r:id="rId25"/>
             </p:custDataLst>
           </p:nvPr>
         </p:nvSpPr>
@@ -4213,7 +4604,7 @@
           <p:cNvSpPr txBox="1"/>
           <p:nvPr>
             <p:custDataLst>
-              <p:tags r:id="rId27"/>
+              <p:tags r:id="rId26"/>
             </p:custDataLst>
           </p:nvPr>
         </p:nvSpPr>
@@ -4251,13 +4642,13 @@
           <p:cNvSpPr txBox="1"/>
           <p:nvPr>
             <p:custDataLst>
-              <p:tags r:id="rId28"/>
-            </p:custDataLst>
-          </p:nvPr>
-        </p:nvSpPr>
-        <p:spPr>
-          <a:xfrm>
-            <a:off x="5126973" y="2596833"/>
+              <p:tags r:id="rId27"/>
+            </p:custDataLst>
+          </p:nvPr>
+        </p:nvSpPr>
+        <p:spPr>
+          <a:xfrm>
+            <a:off x="4933776" y="2593999"/>
             <a:ext cx="150939" cy="186055"/>
           </a:xfrm>
           <a:prstGeom prst="rect">
@@ -4272,7 +4663,7 @@
           <a:lstStyle/>
           <a:p>
             <a:r>
-              <a:rPr lang="en-GB" sz="1200" spc="-26">
+              <a:rPr lang="en-GB" sz="1200" spc="-26" dirty="0">
                 <a:solidFill>
                   <a:schemeClr val="lt1"/>
                 </a:solidFill>
@@ -4289,13 +4680,13 @@
           <p:cNvSpPr txBox="1"/>
           <p:nvPr>
             <p:custDataLst>
-              <p:tags r:id="rId29"/>
-            </p:custDataLst>
-          </p:nvPr>
-        </p:nvSpPr>
-        <p:spPr>
-          <a:xfrm>
-            <a:off x="6159500" y="2596833"/>
+              <p:tags r:id="rId28"/>
+            </p:custDataLst>
+          </p:nvPr>
+        </p:nvSpPr>
+        <p:spPr>
+          <a:xfrm>
+            <a:off x="5682155" y="2600282"/>
             <a:ext cx="150939" cy="186055"/>
           </a:xfrm>
           <a:prstGeom prst="rect">
@@ -4310,7 +4701,7 @@
           <a:lstStyle/>
           <a:p>
             <a:r>
-              <a:rPr lang="en-GB" sz="1200" spc="-26">
+              <a:rPr lang="en-GB" sz="1200" spc="-26" dirty="0">
                 <a:solidFill>
                   <a:schemeClr val="lt1"/>
                 </a:solidFill>
@@ -4327,13 +4718,13 @@
           <p:cNvSpPr txBox="1"/>
           <p:nvPr>
             <p:custDataLst>
-              <p:tags r:id="rId30"/>
-            </p:custDataLst>
-          </p:nvPr>
-        </p:nvSpPr>
-        <p:spPr>
-          <a:xfrm>
-            <a:off x="7192027" y="2596833"/>
+              <p:tags r:id="rId29"/>
+            </p:custDataLst>
+          </p:nvPr>
+        </p:nvSpPr>
+        <p:spPr>
+          <a:xfrm>
+            <a:off x="6346709" y="2593999"/>
             <a:ext cx="150939" cy="186055"/>
           </a:xfrm>
           <a:prstGeom prst="rect">
@@ -4348,7 +4739,7 @@
           <a:lstStyle/>
           <a:p>
             <a:r>
-              <a:rPr lang="en-GB" sz="1200" spc="-26">
+              <a:rPr lang="en-GB" sz="1200" spc="-26" dirty="0">
                 <a:solidFill>
                   <a:schemeClr val="lt1"/>
                 </a:solidFill>
@@ -4365,13 +4756,13 @@
           <p:cNvSpPr txBox="1"/>
           <p:nvPr>
             <p:custDataLst>
-              <p:tags r:id="rId31"/>
-            </p:custDataLst>
-          </p:nvPr>
-        </p:nvSpPr>
-        <p:spPr>
-          <a:xfrm>
-            <a:off x="8224555" y="2596833"/>
+              <p:tags r:id="rId30"/>
+            </p:custDataLst>
+          </p:nvPr>
+        </p:nvSpPr>
+        <p:spPr>
+          <a:xfrm>
+            <a:off x="7059982" y="2594646"/>
             <a:ext cx="150939" cy="186055"/>
           </a:xfrm>
           <a:prstGeom prst="rect">
@@ -4386,7 +4777,7 @@
           <a:lstStyle/>
           <a:p>
             <a:r>
-              <a:rPr lang="en-GB" sz="1200" spc="-26">
+              <a:rPr lang="en-GB" sz="1200" spc="-26" dirty="0">
                 <a:solidFill>
                   <a:schemeClr val="lt1"/>
                 </a:solidFill>
@@ -4403,13 +4794,13 @@
           <p:cNvSpPr txBox="1"/>
           <p:nvPr>
             <p:custDataLst>
-              <p:tags r:id="rId32"/>
-            </p:custDataLst>
-          </p:nvPr>
-        </p:nvSpPr>
-        <p:spPr>
-          <a:xfrm>
-            <a:off x="9257081" y="2596833"/>
+              <p:tags r:id="rId31"/>
+            </p:custDataLst>
+          </p:nvPr>
+        </p:nvSpPr>
+        <p:spPr>
+          <a:xfrm>
+            <a:off x="8479258" y="2597748"/>
             <a:ext cx="150939" cy="186055"/>
           </a:xfrm>
           <a:prstGeom prst="rect">
@@ -4424,13 +4815,13 @@
           <a:lstStyle/>
           <a:p>
             <a:r>
-              <a:rPr lang="en-GB" sz="1200" spc="-26">
+              <a:rPr lang="en-GB" sz="1200" spc="-26" dirty="0">
                 <a:solidFill>
                   <a:schemeClr val="lt1"/>
                 </a:solidFill>
                 <a:latin typeface="Calibri" panose="020F0502020204030204" pitchFamily="34" charset="0"/>
               </a:rPr>
-              <a:t>25</a:t>
+              <a:t>32</a:t>
             </a:r>
           </a:p>
         </p:txBody>
@@ -4447,7 +4838,7 @@
           <p:cNvSpPr txBox="1"/>
           <p:nvPr>
             <p:custDataLst>
-              <p:tags r:id="rId33"/>
+              <p:tags r:id="rId32"/>
             </p:custDataLst>
           </p:nvPr>
         </p:nvSpPr>
@@ -4468,20 +4859,14 @@
           <a:lstStyle/>
           <a:p>
             <a:r>
-              <a:rPr lang="en-US" sz="1200" spc="-26">
+              <a:rPr lang="en-US" sz="1200" spc="-26" dirty="0">
                 <a:solidFill>
                   <a:schemeClr val="lt1"/>
                 </a:solidFill>
                 <a:latin typeface="Calibri" panose="020F0502020204030204" pitchFamily="34" charset="0"/>
               </a:rPr>
-              <a:t>28</a:t>
-            </a:r>
-            <a:endParaRPr lang="en-US" sz="1200" spc="-26" dirty="0">
-              <a:solidFill>
-                <a:schemeClr val="lt1"/>
-              </a:solidFill>
-              <a:latin typeface="Calibri" panose="020F0502020204030204" pitchFamily="34" charset="0"/>
-            </a:endParaRPr>
+              <a:t>37</a:t>
+            </a:r>
           </a:p>
         </p:txBody>
       </p:sp>
@@ -4491,7 +4876,7 @@
           <p:cNvCxnSpPr/>
           <p:nvPr>
             <p:custDataLst>
-              <p:tags r:id="rId34"/>
+              <p:tags r:id="rId33"/>
             </p:custDataLst>
           </p:nvPr>
         </p:nvCxnSpPr>
@@ -4536,7 +4921,7 @@
           <p:cNvCxnSpPr/>
           <p:nvPr>
             <p:custDataLst>
-              <p:tags r:id="rId35"/>
+              <p:tags r:id="rId34"/>
             </p:custDataLst>
           </p:nvPr>
         </p:nvCxnSpPr>
@@ -4581,7 +4966,7 @@
           <p:cNvCxnSpPr/>
           <p:nvPr>
             <p:custDataLst>
-              <p:tags r:id="rId36"/>
+              <p:tags r:id="rId35"/>
             </p:custDataLst>
           </p:nvPr>
         </p:nvCxnSpPr>
@@ -4626,13 +5011,13 @@
           <p:cNvCxnSpPr/>
           <p:nvPr>
             <p:custDataLst>
-              <p:tags r:id="rId37"/>
+              <p:tags r:id="rId36"/>
             </p:custDataLst>
           </p:nvPr>
         </p:nvCxnSpPr>
         <p:spPr>
           <a:xfrm>
-            <a:off x="5063473" y="2562860"/>
+            <a:off x="4879824" y="2569892"/>
             <a:ext cx="0" cy="254000"/>
           </a:xfrm>
           <a:prstGeom prst="line">
@@ -4671,13 +5056,13 @@
           <p:cNvCxnSpPr/>
           <p:nvPr>
             <p:custDataLst>
-              <p:tags r:id="rId38"/>
+              <p:tags r:id="rId37"/>
             </p:custDataLst>
           </p:nvPr>
         </p:nvCxnSpPr>
         <p:spPr>
           <a:xfrm>
-            <a:off x="6096000" y="2562860"/>
+            <a:off x="5610993" y="2575390"/>
             <a:ext cx="0" cy="254000"/>
           </a:xfrm>
           <a:prstGeom prst="line">
@@ -4716,13 +5101,13 @@
           <p:cNvCxnSpPr/>
           <p:nvPr>
             <p:custDataLst>
-              <p:tags r:id="rId39"/>
+              <p:tags r:id="rId38"/>
             </p:custDataLst>
           </p:nvPr>
         </p:nvCxnSpPr>
         <p:spPr>
           <a:xfrm>
-            <a:off x="7128527" y="2562860"/>
+            <a:off x="6303187" y="2575642"/>
             <a:ext cx="0" cy="254000"/>
           </a:xfrm>
           <a:prstGeom prst="line">
@@ -4761,13 +5146,13 @@
           <p:cNvCxnSpPr/>
           <p:nvPr>
             <p:custDataLst>
-              <p:tags r:id="rId40"/>
+              <p:tags r:id="rId39"/>
             </p:custDataLst>
           </p:nvPr>
         </p:nvCxnSpPr>
         <p:spPr>
           <a:xfrm>
-            <a:off x="8161054" y="2562860"/>
+            <a:off x="7015764" y="2562860"/>
             <a:ext cx="0" cy="254000"/>
           </a:xfrm>
           <a:prstGeom prst="line">
@@ -4806,13 +5191,13 @@
           <p:cNvCxnSpPr/>
           <p:nvPr>
             <p:custDataLst>
-              <p:tags r:id="rId41"/>
+              <p:tags r:id="rId40"/>
             </p:custDataLst>
           </p:nvPr>
         </p:nvCxnSpPr>
         <p:spPr>
           <a:xfrm>
-            <a:off x="9193581" y="2562860"/>
+            <a:off x="8426541" y="2569892"/>
             <a:ext cx="0" cy="254000"/>
           </a:xfrm>
           <a:prstGeom prst="line">
@@ -4857,7 +5242,7 @@
           <p:cNvCxnSpPr/>
           <p:nvPr>
             <p:custDataLst>
-              <p:tags r:id="rId42"/>
+              <p:tags r:id="rId41"/>
             </p:custDataLst>
           </p:nvPr>
         </p:nvCxnSpPr>
@@ -4908,7 +5293,7 @@
           <p:cNvSpPr/>
           <p:nvPr>
             <p:custDataLst>
-              <p:tags r:id="rId43"/>
+              <p:tags r:id="rId42"/>
             </p:custDataLst>
           </p:nvPr>
         </p:nvSpPr>
@@ -4989,7 +5374,7 @@
           <p:cNvSpPr/>
           <p:nvPr>
             <p:custDataLst>
-              <p:tags r:id="rId44"/>
+              <p:tags r:id="rId43"/>
             </p:custDataLst>
           </p:nvPr>
         </p:nvSpPr>
@@ -5070,7 +5455,7 @@
           <p:cNvSpPr/>
           <p:nvPr>
             <p:custDataLst>
-              <p:tags r:id="rId45"/>
+              <p:tags r:id="rId44"/>
             </p:custDataLst>
           </p:nvPr>
         </p:nvSpPr>
@@ -5151,7 +5536,7 @@
           <p:cNvSpPr/>
           <p:nvPr>
             <p:custDataLst>
-              <p:tags r:id="rId46"/>
+              <p:tags r:id="rId45"/>
             </p:custDataLst>
           </p:nvPr>
         </p:nvSpPr>
@@ -5232,7 +5617,7 @@
           <p:cNvSpPr/>
           <p:nvPr>
             <p:custDataLst>
-              <p:tags r:id="rId47"/>
+              <p:tags r:id="rId46"/>
             </p:custDataLst>
           </p:nvPr>
         </p:nvSpPr>
@@ -5303,24 +5688,24 @@
       </p:sp>
       <p:sp>
         <p:nvSpPr>
-          <p:cNvPr id="5847" name="OTLSHAPE_T_313a161d2a7f4eada443e8c342d76860_Shape">
+          <p:cNvPr id="6" name="OTLSHAPE_T_505e5fa1ab624917a3b9976ce0128bea_Shape">
             <a:extLst>
               <a:ext uri="{FF2B5EF4-FFF2-40B4-BE49-F238E27FC236}">
-                <a16:creationId xmlns:a16="http://schemas.microsoft.com/office/drawing/2014/main" id="{2B6FC027-ABBA-4C76-B81F-F656F5A7AAA1}"/>
+                <a16:creationId xmlns:a16="http://schemas.microsoft.com/office/drawing/2014/main" id="{C71F5629-0111-4EC4-988C-94E981A2EB7E}"/>
               </a:ext>
             </a:extLst>
           </p:cNvPr>
           <p:cNvSpPr/>
           <p:nvPr>
             <p:custDataLst>
-              <p:tags r:id="rId48"/>
-            </p:custDataLst>
-          </p:nvPr>
-        </p:nvSpPr>
-        <p:spPr>
-          <a:xfrm>
-            <a:off x="10766956" y="5929588"/>
-            <a:ext cx="50800" cy="203200"/>
+              <p:tags r:id="rId47"/>
+            </p:custDataLst>
+          </p:nvPr>
+        </p:nvSpPr>
+        <p:spPr>
+          <a:xfrm>
+            <a:off x="3047587" y="4740614"/>
+            <a:ext cx="1333500" cy="203200"/>
           </a:xfrm>
           <a:prstGeom prst="rect">
             <a:avLst/>
@@ -5384,24 +5769,4559 @@
       </p:sp>
       <p:sp>
         <p:nvSpPr>
-          <p:cNvPr id="6" name="OTLSHAPE_T_505e5fa1ab624917a3b9976ce0128bea_Shape">
+          <p:cNvPr id="5836" name="OTLSHAPE_T_11a5fd20169a4e5aa0bed048dba08ff2_ShapePercentage" hidden="1">
             <a:extLst>
               <a:ext uri="{FF2B5EF4-FFF2-40B4-BE49-F238E27FC236}">
-                <a16:creationId xmlns:a16="http://schemas.microsoft.com/office/drawing/2014/main" id="{C71F5629-0111-4EC4-988C-94E981A2EB7E}"/>
+                <a16:creationId xmlns:a16="http://schemas.microsoft.com/office/drawing/2014/main" id="{1A542091-0452-4752-A5B6-157570827F22}"/>
               </a:ext>
             </a:extLst>
           </p:cNvPr>
           <p:cNvSpPr/>
           <p:nvPr>
             <p:custDataLst>
+              <p:tags r:id="rId48"/>
+            </p:custDataLst>
+          </p:nvPr>
+        </p:nvSpPr>
+        <p:spPr>
+          <a:xfrm>
+            <a:off x="982533" y="3589740"/>
+            <a:ext cx="304800" cy="203200"/>
+          </a:xfrm>
+          <a:prstGeom prst="rect">
+            <a:avLst/>
+          </a:prstGeom>
+          <a:solidFill>
+            <a:srgbClr val="FCE33B">
+              <a:alpha val="34902"/>
+            </a:srgbClr>
+          </a:solidFill>
+          <a:ln w="12700" cap="flat" cmpd="sng" algn="ctr">
+            <a:noFill/>
+            <a:prstDash val="solid"/>
+            <a:miter lim="800000"/>
+          </a:ln>
+          <a:effectLst/>
+          <a:extLst>
+            <a:ext uri="{91240B29-F687-4F45-9708-019B960494DF}">
+              <a14:hiddenLine xmlns:a14="http://schemas.microsoft.com/office/drawing/2010/main" w="12700" cap="flat" cmpd="sng" algn="ctr">
+                <a:solidFill>
+                  <a:schemeClr val="accent1">
+                    <a:shade val="50000"/>
+                  </a:schemeClr>
+                </a:solidFill>
+                <a:prstDash val="solid"/>
+                <a:miter lim="800000"/>
+              </a14:hiddenLine>
+            </a:ext>
+          </a:extLst>
+        </p:spPr>
+        <p:style>
+          <a:lnRef idx="2">
+            <a:schemeClr val="accent1">
+              <a:shade val="50000"/>
+            </a:schemeClr>
+          </a:lnRef>
+          <a:fillRef idx="1">
+            <a:schemeClr val="accent1"/>
+          </a:fillRef>
+          <a:effectRef idx="0">
+            <a:schemeClr val="accent1"/>
+          </a:effectRef>
+          <a:fontRef idx="minor">
+            <a:schemeClr val="lt1"/>
+          </a:fontRef>
+        </p:style>
+        <p:txBody>
+          <a:bodyPr rtlCol="0" anchor="ctr"/>
+          <a:lstStyle/>
+          <a:p>
+            <a:pPr algn="ctr"/>
+            <a:endParaRPr lang="en-US"/>
+          </a:p>
+        </p:txBody>
+      </p:sp>
+      <p:sp>
+        <p:nvSpPr>
+          <p:cNvPr id="5838" name="OTLSHAPE_T_23c152327d314e958e11ca251f33fb49_ShapePercentage" hidden="1">
+            <a:extLst>
+              <a:ext uri="{FF2B5EF4-FFF2-40B4-BE49-F238E27FC236}">
+                <a16:creationId xmlns:a16="http://schemas.microsoft.com/office/drawing/2014/main" id="{AADE424F-31CE-4086-BE95-D4F7AAA5F9EB}"/>
+              </a:ext>
+            </a:extLst>
+          </p:cNvPr>
+          <p:cNvSpPr/>
+          <p:nvPr>
+            <p:custDataLst>
               <p:tags r:id="rId49"/>
             </p:custDataLst>
           </p:nvPr>
         </p:nvSpPr>
         <p:spPr>
           <a:xfrm>
-            <a:off x="3047587" y="4740614"/>
-            <a:ext cx="1333500" cy="203200"/>
+            <a:off x="1326709" y="4074964"/>
+            <a:ext cx="698500" cy="203200"/>
+          </a:xfrm>
+          <a:prstGeom prst="rect">
+            <a:avLst/>
+          </a:prstGeom>
+          <a:solidFill>
+            <a:srgbClr val="FCE33B">
+              <a:alpha val="34902"/>
+            </a:srgbClr>
+          </a:solidFill>
+          <a:ln w="12700" cap="flat" cmpd="sng" algn="ctr">
+            <a:noFill/>
+            <a:prstDash val="solid"/>
+            <a:miter lim="800000"/>
+          </a:ln>
+          <a:effectLst/>
+          <a:extLst>
+            <a:ext uri="{91240B29-F687-4F45-9708-019B960494DF}">
+              <a14:hiddenLine xmlns:a14="http://schemas.microsoft.com/office/drawing/2010/main" w="12700" cap="flat" cmpd="sng" algn="ctr">
+                <a:solidFill>
+                  <a:schemeClr val="accent1">
+                    <a:shade val="50000"/>
+                  </a:schemeClr>
+                </a:solidFill>
+                <a:prstDash val="solid"/>
+                <a:miter lim="800000"/>
+              </a14:hiddenLine>
+            </a:ext>
+          </a:extLst>
+        </p:spPr>
+        <p:style>
+          <a:lnRef idx="2">
+            <a:schemeClr val="accent1">
+              <a:shade val="50000"/>
+            </a:schemeClr>
+          </a:lnRef>
+          <a:fillRef idx="1">
+            <a:schemeClr val="accent1"/>
+          </a:fillRef>
+          <a:effectRef idx="0">
+            <a:schemeClr val="accent1"/>
+          </a:effectRef>
+          <a:fontRef idx="minor">
+            <a:schemeClr val="lt1"/>
+          </a:fontRef>
+        </p:style>
+        <p:txBody>
+          <a:bodyPr rtlCol="0" anchor="ctr"/>
+          <a:lstStyle/>
+          <a:p>
+            <a:pPr algn="ctr"/>
+            <a:endParaRPr lang="en-US"/>
+          </a:p>
+        </p:txBody>
+      </p:sp>
+      <p:sp>
+        <p:nvSpPr>
+          <p:cNvPr id="5840" name="OTLSHAPE_T_f23e460505c24ee88159b421b810b7e4_ShapePercentage" hidden="1">
+            <a:extLst>
+              <a:ext uri="{FF2B5EF4-FFF2-40B4-BE49-F238E27FC236}">
+                <a16:creationId xmlns:a16="http://schemas.microsoft.com/office/drawing/2014/main" id="{09B2F961-03B4-45EC-BE98-4D5A013EAD5E}"/>
+              </a:ext>
+            </a:extLst>
+          </p:cNvPr>
+          <p:cNvSpPr/>
+          <p:nvPr>
+            <p:custDataLst>
+              <p:tags r:id="rId50"/>
+            </p:custDataLst>
+          </p:nvPr>
+        </p:nvSpPr>
+        <p:spPr>
+          <a:xfrm>
+            <a:off x="12700" y="12700"/>
+            <a:ext cx="0" cy="0"/>
+          </a:xfrm>
+          <a:prstGeom prst="rect">
+            <a:avLst/>
+          </a:prstGeom>
+        </p:spPr>
+        <p:style>
+          <a:lnRef idx="2">
+            <a:schemeClr val="accent1">
+              <a:shade val="50000"/>
+            </a:schemeClr>
+          </a:lnRef>
+          <a:fillRef idx="1">
+            <a:schemeClr val="accent1"/>
+          </a:fillRef>
+          <a:effectRef idx="0">
+            <a:schemeClr val="accent1"/>
+          </a:effectRef>
+          <a:fontRef idx="minor">
+            <a:schemeClr val="lt1"/>
+          </a:fontRef>
+        </p:style>
+        <p:txBody>
+          <a:bodyPr rtlCol="0" anchor="ctr"/>
+          <a:lstStyle/>
+          <a:p>
+            <a:pPr algn="ctr"/>
+            <a:endParaRPr lang="en-US"/>
+          </a:p>
+        </p:txBody>
+      </p:sp>
+      <p:sp>
+        <p:nvSpPr>
+          <p:cNvPr id="5844" name="OTLSHAPE_T_82d1b7aae77d41a2be14d69f5e501b1b_ShapePercentage" hidden="1">
+            <a:extLst>
+              <a:ext uri="{FF2B5EF4-FFF2-40B4-BE49-F238E27FC236}">
+                <a16:creationId xmlns:a16="http://schemas.microsoft.com/office/drawing/2014/main" id="{783211BD-574F-403D-8772-FCC8D8236B9C}"/>
+              </a:ext>
+            </a:extLst>
+          </p:cNvPr>
+          <p:cNvSpPr/>
+          <p:nvPr>
+            <p:custDataLst>
+              <p:tags r:id="rId51"/>
+            </p:custDataLst>
+          </p:nvPr>
+        </p:nvSpPr>
+        <p:spPr>
+          <a:xfrm>
+            <a:off x="12700" y="12700"/>
+            <a:ext cx="0" cy="0"/>
+          </a:xfrm>
+          <a:prstGeom prst="rect">
+            <a:avLst/>
+          </a:prstGeom>
+        </p:spPr>
+        <p:style>
+          <a:lnRef idx="2">
+            <a:schemeClr val="accent1">
+              <a:shade val="50000"/>
+            </a:schemeClr>
+          </a:lnRef>
+          <a:fillRef idx="1">
+            <a:schemeClr val="accent1"/>
+          </a:fillRef>
+          <a:effectRef idx="0">
+            <a:schemeClr val="accent1"/>
+          </a:effectRef>
+          <a:fontRef idx="minor">
+            <a:schemeClr val="lt1"/>
+          </a:fontRef>
+        </p:style>
+        <p:txBody>
+          <a:bodyPr rtlCol="0" anchor="ctr"/>
+          <a:lstStyle/>
+          <a:p>
+            <a:pPr algn="ctr"/>
+            <a:endParaRPr lang="en-US"/>
+          </a:p>
+        </p:txBody>
+      </p:sp>
+      <p:sp>
+        <p:nvSpPr>
+          <p:cNvPr id="5846" name="OTLSHAPE_T_fe82a054eb724851a93f6a606432bfac_ShapePercentage" hidden="1">
+            <a:extLst>
+              <a:ext uri="{FF2B5EF4-FFF2-40B4-BE49-F238E27FC236}">
+                <a16:creationId xmlns:a16="http://schemas.microsoft.com/office/drawing/2014/main" id="{433E6F01-AA0B-4783-8393-9D09E2050AD6}"/>
+              </a:ext>
+            </a:extLst>
+          </p:cNvPr>
+          <p:cNvSpPr/>
+          <p:nvPr>
+            <p:custDataLst>
+              <p:tags r:id="rId52"/>
+            </p:custDataLst>
+          </p:nvPr>
+        </p:nvSpPr>
+        <p:spPr>
+          <a:xfrm>
+            <a:off x="12700" y="12700"/>
+            <a:ext cx="0" cy="0"/>
+          </a:xfrm>
+          <a:prstGeom prst="rect">
+            <a:avLst/>
+          </a:prstGeom>
+        </p:spPr>
+        <p:style>
+          <a:lnRef idx="2">
+            <a:schemeClr val="accent1">
+              <a:shade val="50000"/>
+            </a:schemeClr>
+          </a:lnRef>
+          <a:fillRef idx="1">
+            <a:schemeClr val="accent1"/>
+          </a:fillRef>
+          <a:effectRef idx="0">
+            <a:schemeClr val="accent1"/>
+          </a:effectRef>
+          <a:fontRef idx="minor">
+            <a:schemeClr val="lt1"/>
+          </a:fontRef>
+        </p:style>
+        <p:txBody>
+          <a:bodyPr rtlCol="0" anchor="ctr"/>
+          <a:lstStyle/>
+          <a:p>
+            <a:pPr algn="ctr"/>
+            <a:endParaRPr lang="en-US"/>
+          </a:p>
+        </p:txBody>
+      </p:sp>
+      <p:sp>
+        <p:nvSpPr>
+          <p:cNvPr id="5848" name="OTLSHAPE_T_313a161d2a7f4eada443e8c342d76860_ShapePercentage" hidden="1">
+            <a:extLst>
+              <a:ext uri="{FF2B5EF4-FFF2-40B4-BE49-F238E27FC236}">
+                <a16:creationId xmlns:a16="http://schemas.microsoft.com/office/drawing/2014/main" id="{FCCC07FF-56A1-400D-9386-498FCEE712ED}"/>
+              </a:ext>
+            </a:extLst>
+          </p:cNvPr>
+          <p:cNvSpPr/>
+          <p:nvPr>
+            <p:custDataLst>
+              <p:tags r:id="rId53"/>
+            </p:custDataLst>
+          </p:nvPr>
+        </p:nvSpPr>
+        <p:spPr>
+          <a:xfrm>
+            <a:off x="12700" y="12700"/>
+            <a:ext cx="0" cy="0"/>
+          </a:xfrm>
+          <a:prstGeom prst="rect">
+            <a:avLst/>
+          </a:prstGeom>
+        </p:spPr>
+        <p:style>
+          <a:lnRef idx="2">
+            <a:schemeClr val="accent1">
+              <a:shade val="50000"/>
+            </a:schemeClr>
+          </a:lnRef>
+          <a:fillRef idx="1">
+            <a:schemeClr val="accent1"/>
+          </a:fillRef>
+          <a:effectRef idx="0">
+            <a:schemeClr val="accent1"/>
+          </a:effectRef>
+          <a:fontRef idx="minor">
+            <a:schemeClr val="lt1"/>
+          </a:fontRef>
+        </p:style>
+        <p:txBody>
+          <a:bodyPr rtlCol="0" anchor="ctr"/>
+          <a:lstStyle/>
+          <a:p>
+            <a:pPr algn="ctr"/>
+            <a:endParaRPr lang="en-US"/>
+          </a:p>
+        </p:txBody>
+      </p:sp>
+      <p:sp>
+        <p:nvSpPr>
+          <p:cNvPr id="7" name="OTLSHAPE_T_505e5fa1ab624917a3b9976ce0128bea_ShapePercentage" hidden="1">
+            <a:extLst>
+              <a:ext uri="{FF2B5EF4-FFF2-40B4-BE49-F238E27FC236}">
+                <a16:creationId xmlns:a16="http://schemas.microsoft.com/office/drawing/2014/main" id="{51A0D4F6-F932-40F8-9DBC-C0646279F3A0}"/>
+              </a:ext>
+            </a:extLst>
+          </p:cNvPr>
+          <p:cNvSpPr/>
+          <p:nvPr>
+            <p:custDataLst>
+              <p:tags r:id="rId54"/>
+            </p:custDataLst>
+          </p:nvPr>
+        </p:nvSpPr>
+        <p:spPr>
+          <a:xfrm>
+            <a:off x="12700" y="12700"/>
+            <a:ext cx="0" cy="0"/>
+          </a:xfrm>
+          <a:prstGeom prst="rect">
+            <a:avLst/>
+          </a:prstGeom>
+        </p:spPr>
+        <p:style>
+          <a:lnRef idx="2">
+            <a:schemeClr val="accent1">
+              <a:shade val="50000"/>
+            </a:schemeClr>
+          </a:lnRef>
+          <a:fillRef idx="1">
+            <a:schemeClr val="accent1"/>
+          </a:fillRef>
+          <a:effectRef idx="0">
+            <a:schemeClr val="accent1"/>
+          </a:effectRef>
+          <a:fontRef idx="minor">
+            <a:schemeClr val="lt1"/>
+          </a:fontRef>
+        </p:style>
+        <p:txBody>
+          <a:bodyPr rtlCol="0" anchor="ctr"/>
+          <a:lstStyle/>
+          <a:p>
+            <a:pPr algn="ctr"/>
+            <a:endParaRPr lang="en-US"/>
+          </a:p>
+        </p:txBody>
+      </p:sp>
+      <p:sp>
+        <p:nvSpPr>
+          <p:cNvPr id="5946" name="OTLSHAPE_T_11a5fd20169a4e5aa0bed048dba08ff2_Duration"/>
+          <p:cNvSpPr txBox="1"/>
+          <p:nvPr>
+            <p:custDataLst>
+              <p:tags r:id="rId55"/>
+            </p:custDataLst>
+          </p:nvPr>
+        </p:nvSpPr>
+        <p:spPr>
+          <a:xfrm>
+            <a:off x="982533" y="3396615"/>
+            <a:ext cx="330200" cy="155025"/>
+          </a:xfrm>
+          <a:prstGeom prst="rect">
+            <a:avLst/>
+          </a:prstGeom>
+          <a:noFill/>
+        </p:spPr>
+        <p:txBody>
+          <a:bodyPr vert="horz" wrap="square" lIns="0" tIns="0" rIns="0" bIns="0" rtlCol="0" anchor="ctr" anchorCtr="0">
+            <a:spAutoFit/>
+          </a:bodyPr>
+          <a:lstStyle/>
+          <a:p>
+            <a:r>
+              <a:rPr lang="en-GB" sz="1000" spc="-8">
+                <a:solidFill>
+                  <a:schemeClr val="dk1"/>
+                </a:solidFill>
+                <a:latin typeface="Calibri" panose="020F0502020204030204" pitchFamily="34" charset="0"/>
+              </a:rPr>
+              <a:t>6 days</a:t>
+            </a:r>
+          </a:p>
+        </p:txBody>
+      </p:sp>
+      <p:sp>
+        <p:nvSpPr>
+          <p:cNvPr id="5947" name="OTLSHAPE_T_11a5fd20169a4e5aa0bed048dba08ff2_TextPercentage" hidden="1"/>
+          <p:cNvSpPr txBox="1"/>
+          <p:nvPr>
+            <p:custDataLst>
+              <p:tags r:id="rId56"/>
+            </p:custDataLst>
+          </p:nvPr>
+        </p:nvSpPr>
+        <p:spPr>
+          <a:xfrm>
+            <a:off x="993535" y="3613827"/>
+            <a:ext cx="292100" cy="155025"/>
+          </a:xfrm>
+          <a:prstGeom prst="rect">
+            <a:avLst/>
+          </a:prstGeom>
+          <a:noFill/>
+        </p:spPr>
+        <p:txBody>
+          <a:bodyPr vert="horz" wrap="square" lIns="0" tIns="0" rIns="0" bIns="0" rtlCol="0" anchor="ctr" anchorCtr="0">
+            <a:spAutoFit/>
+          </a:bodyPr>
+          <a:lstStyle/>
+          <a:p>
+            <a:pPr algn="ctr"/>
+            <a:r>
+              <a:rPr lang="en-GB" sz="1000" spc="-8" dirty="0">
+                <a:solidFill>
+                  <a:srgbClr val="C0504D"/>
+                </a:solidFill>
+                <a:latin typeface="Calibri" panose="020F0502020204030204" pitchFamily="34" charset="0"/>
+              </a:rPr>
+              <a:t>100%</a:t>
+            </a:r>
+          </a:p>
+        </p:txBody>
+      </p:sp>
+      <p:sp>
+        <p:nvSpPr>
+          <p:cNvPr id="5948" name="OTLSHAPE_T_11a5fd20169a4e5aa0bed048dba08ff2_StartDate" hidden="1"/>
+          <p:cNvSpPr txBox="1"/>
+          <p:nvPr>
+            <p:custDataLst>
+              <p:tags r:id="rId57"/>
+            </p:custDataLst>
+          </p:nvPr>
+        </p:nvSpPr>
+        <p:spPr>
+          <a:xfrm>
+            <a:off x="0" y="3744764"/>
+            <a:ext cx="0" cy="153888"/>
+          </a:xfrm>
+          <a:prstGeom prst="rect">
+            <a:avLst/>
+          </a:prstGeom>
+          <a:noFill/>
+        </p:spPr>
+        <p:txBody>
+          <a:bodyPr vert="horz" wrap="square" lIns="0" tIns="0" rIns="0" bIns="0" rtlCol="0" anchor="ctr" anchorCtr="0">
+            <a:spAutoFit/>
+          </a:bodyPr>
+          <a:lstStyle/>
+          <a:p>
+            <a:pPr algn="ctr"/>
+            <a:endParaRPr lang="en-GB" sz="1000">
+              <a:solidFill>
+                <a:schemeClr val="dk1"/>
+              </a:solidFill>
+              <a:latin typeface="Calibri" panose="020F0502020204030204" pitchFamily="34" charset="0"/>
+            </a:endParaRPr>
+          </a:p>
+        </p:txBody>
+      </p:sp>
+      <p:sp>
+        <p:nvSpPr>
+          <p:cNvPr id="5949" name="OTLSHAPE_T_11a5fd20169a4e5aa0bed048dba08ff2_EndDate" hidden="1"/>
+          <p:cNvSpPr txBox="1"/>
+          <p:nvPr>
+            <p:custDataLst>
+              <p:tags r:id="rId58"/>
+            </p:custDataLst>
+          </p:nvPr>
+        </p:nvSpPr>
+        <p:spPr>
+          <a:xfrm>
+            <a:off x="0" y="3744764"/>
+            <a:ext cx="0" cy="153888"/>
+          </a:xfrm>
+          <a:prstGeom prst="rect">
+            <a:avLst/>
+          </a:prstGeom>
+          <a:noFill/>
+        </p:spPr>
+        <p:txBody>
+          <a:bodyPr vert="horz" wrap="square" lIns="0" tIns="0" rIns="0" bIns="0" rtlCol="0" anchor="ctr" anchorCtr="0">
+            <a:spAutoFit/>
+          </a:bodyPr>
+          <a:lstStyle/>
+          <a:p>
+            <a:pPr algn="ctr"/>
+            <a:endParaRPr lang="en-GB" sz="1000">
+              <a:solidFill>
+                <a:schemeClr val="dk1"/>
+              </a:solidFill>
+              <a:latin typeface="Calibri" panose="020F0502020204030204" pitchFamily="34" charset="0"/>
+            </a:endParaRPr>
+          </a:p>
+        </p:txBody>
+      </p:sp>
+      <p:sp>
+        <p:nvSpPr>
+          <p:cNvPr id="5950" name="OTLSHAPE_T_11a5fd20169a4e5aa0bed048dba08ff2_JoinedDate"/>
+          <p:cNvSpPr txBox="1"/>
+          <p:nvPr>
+            <p:custDataLst>
+              <p:tags r:id="rId59"/>
+            </p:custDataLst>
+          </p:nvPr>
+        </p:nvSpPr>
+        <p:spPr>
+          <a:xfrm>
+            <a:off x="1328307" y="3575727"/>
+            <a:ext cx="774700" cy="155025"/>
+          </a:xfrm>
+          <a:prstGeom prst="rect">
+            <a:avLst/>
+          </a:prstGeom>
+          <a:noFill/>
+        </p:spPr>
+        <p:txBody>
+          <a:bodyPr vert="horz" wrap="square" lIns="0" tIns="0" rIns="0" bIns="0" rtlCol="0" anchor="ctr" anchorCtr="0">
+            <a:spAutoFit/>
+          </a:bodyPr>
+          <a:lstStyle/>
+          <a:p>
+            <a:r>
+              <a:rPr lang="en-GB" sz="1000" spc="-4" dirty="0">
+                <a:solidFill>
+                  <a:schemeClr val="dk1"/>
+                </a:solidFill>
+                <a:latin typeface="Calibri" panose="020F0502020204030204" pitchFamily="34" charset="0"/>
+              </a:rPr>
+              <a:t>Oct 14 - Oct 19</a:t>
+            </a:r>
+          </a:p>
+        </p:txBody>
+      </p:sp>
+      <p:sp>
+        <p:nvSpPr>
+          <p:cNvPr id="5951" name="OTLSHAPE_T_11a5fd20169a4e5aa0bed048dba08ff2_Title"/>
+          <p:cNvSpPr txBox="1"/>
+          <p:nvPr>
+            <p:custDataLst>
+              <p:tags r:id="rId60"/>
+            </p:custDataLst>
+          </p:nvPr>
+        </p:nvSpPr>
+        <p:spPr>
+          <a:xfrm>
+            <a:off x="127000" y="3567980"/>
+            <a:ext cx="469900" cy="170519"/>
+          </a:xfrm>
+          <a:prstGeom prst="rect">
+            <a:avLst/>
+          </a:prstGeom>
+          <a:noFill/>
+        </p:spPr>
+        <p:txBody>
+          <a:bodyPr vert="horz" wrap="square" lIns="0" tIns="0" rIns="0" bIns="0" rtlCol="0" anchor="ctr" anchorCtr="0">
+            <a:spAutoFit/>
+          </a:bodyPr>
+          <a:lstStyle/>
+          <a:p>
+            <a:r>
+              <a:rPr lang="en-GB" sz="1100" b="1" spc="-12">
+                <a:solidFill>
+                  <a:schemeClr val="dk1"/>
+                </a:solidFill>
+                <a:latin typeface="Calibri" panose="020F0502020204030204" pitchFamily="34" charset="0"/>
+              </a:rPr>
+              <a:t>Kick-Off</a:t>
+            </a:r>
+          </a:p>
+        </p:txBody>
+      </p:sp>
+      <p:sp>
+        <p:nvSpPr>
+          <p:cNvPr id="5954" name="OTLSHAPE_T_23c152327d314e958e11ca251f33fb49_Duration"/>
+          <p:cNvSpPr txBox="1"/>
+          <p:nvPr>
+            <p:custDataLst>
+              <p:tags r:id="rId61"/>
+            </p:custDataLst>
+          </p:nvPr>
+        </p:nvSpPr>
+        <p:spPr>
+          <a:xfrm>
+            <a:off x="1326709" y="3792940"/>
+            <a:ext cx="393700" cy="155025"/>
+          </a:xfrm>
+          <a:prstGeom prst="rect">
+            <a:avLst/>
+          </a:prstGeom>
+          <a:noFill/>
+        </p:spPr>
+        <p:txBody>
+          <a:bodyPr vert="horz" wrap="square" lIns="0" tIns="0" rIns="0" bIns="0" rtlCol="0" anchor="ctr" anchorCtr="0">
+            <a:spAutoFit/>
+          </a:bodyPr>
+          <a:lstStyle/>
+          <a:p>
+            <a:r>
+              <a:rPr lang="en-GB" sz="1000" spc="-8">
+                <a:solidFill>
+                  <a:schemeClr val="dk1"/>
+                </a:solidFill>
+                <a:latin typeface="Calibri" panose="020F0502020204030204" pitchFamily="34" charset="0"/>
+              </a:rPr>
+              <a:t>18 days</a:t>
+            </a:r>
+          </a:p>
+        </p:txBody>
+      </p:sp>
+      <p:sp>
+        <p:nvSpPr>
+          <p:cNvPr id="5955" name="OTLSHAPE_T_23c152327d314e958e11ca251f33fb49_TextPercentage" hidden="1"/>
+          <p:cNvSpPr txBox="1"/>
+          <p:nvPr>
+            <p:custDataLst>
+              <p:tags r:id="rId62"/>
+            </p:custDataLst>
+          </p:nvPr>
+        </p:nvSpPr>
+        <p:spPr>
+          <a:xfrm>
+            <a:off x="1795453" y="4099052"/>
+            <a:ext cx="228600" cy="155025"/>
+          </a:xfrm>
+          <a:prstGeom prst="rect">
+            <a:avLst/>
+          </a:prstGeom>
+          <a:noFill/>
+        </p:spPr>
+        <p:txBody>
+          <a:bodyPr vert="horz" wrap="square" lIns="0" tIns="0" rIns="0" bIns="0" rtlCol="0" anchor="ctr" anchorCtr="0">
+            <a:spAutoFit/>
+          </a:bodyPr>
+          <a:lstStyle/>
+          <a:p>
+            <a:pPr algn="ctr"/>
+            <a:r>
+              <a:rPr lang="en-GB" sz="1000" spc="-10">
+                <a:solidFill>
+                  <a:srgbClr val="C0504D"/>
+                </a:solidFill>
+                <a:latin typeface="Calibri" panose="020F0502020204030204" pitchFamily="34" charset="0"/>
+              </a:rPr>
+              <a:t>70%</a:t>
+            </a:r>
+          </a:p>
+        </p:txBody>
+      </p:sp>
+      <p:sp>
+        <p:nvSpPr>
+          <p:cNvPr id="5956" name="OTLSHAPE_T_23c152327d314e958e11ca251f33fb49_StartDate" hidden="1"/>
+          <p:cNvSpPr txBox="1"/>
+          <p:nvPr>
+            <p:custDataLst>
+              <p:tags r:id="rId63"/>
+            </p:custDataLst>
+          </p:nvPr>
+        </p:nvSpPr>
+        <p:spPr>
+          <a:xfrm>
+            <a:off x="0" y="4074964"/>
+            <a:ext cx="0" cy="153888"/>
+          </a:xfrm>
+          <a:prstGeom prst="rect">
+            <a:avLst/>
+          </a:prstGeom>
+          <a:noFill/>
+        </p:spPr>
+        <p:txBody>
+          <a:bodyPr vert="horz" wrap="square" lIns="0" tIns="0" rIns="0" bIns="0" rtlCol="0" anchor="ctr" anchorCtr="0">
+            <a:spAutoFit/>
+          </a:bodyPr>
+          <a:lstStyle/>
+          <a:p>
+            <a:pPr algn="ctr"/>
+            <a:endParaRPr lang="en-GB" sz="1000">
+              <a:solidFill>
+                <a:schemeClr val="dk1"/>
+              </a:solidFill>
+              <a:latin typeface="Calibri" panose="020F0502020204030204" pitchFamily="34" charset="0"/>
+            </a:endParaRPr>
+          </a:p>
+        </p:txBody>
+      </p:sp>
+      <p:sp>
+        <p:nvSpPr>
+          <p:cNvPr id="5957" name="OTLSHAPE_T_23c152327d314e958e11ca251f33fb49_EndDate" hidden="1"/>
+          <p:cNvSpPr txBox="1"/>
+          <p:nvPr>
+            <p:custDataLst>
+              <p:tags r:id="rId64"/>
+            </p:custDataLst>
+          </p:nvPr>
+        </p:nvSpPr>
+        <p:spPr>
+          <a:xfrm>
+            <a:off x="0" y="4074964"/>
+            <a:ext cx="0" cy="153888"/>
+          </a:xfrm>
+          <a:prstGeom prst="rect">
+            <a:avLst/>
+          </a:prstGeom>
+          <a:noFill/>
+        </p:spPr>
+        <p:txBody>
+          <a:bodyPr vert="horz" wrap="square" lIns="0" tIns="0" rIns="0" bIns="0" rtlCol="0" anchor="ctr" anchorCtr="0">
+            <a:spAutoFit/>
+          </a:bodyPr>
+          <a:lstStyle/>
+          <a:p>
+            <a:pPr algn="ctr"/>
+            <a:endParaRPr lang="en-GB" sz="1000">
+              <a:solidFill>
+                <a:schemeClr val="dk1"/>
+              </a:solidFill>
+              <a:latin typeface="Calibri" panose="020F0502020204030204" pitchFamily="34" charset="0"/>
+            </a:endParaRPr>
+          </a:p>
+        </p:txBody>
+      </p:sp>
+      <p:sp>
+        <p:nvSpPr>
+          <p:cNvPr id="5958" name="OTLSHAPE_T_23c152327d314e958e11ca251f33fb49_JoinedDate"/>
+          <p:cNvSpPr txBox="1"/>
+          <p:nvPr>
+            <p:custDataLst>
+              <p:tags r:id="rId65"/>
+            </p:custDataLst>
+          </p:nvPr>
+        </p:nvSpPr>
+        <p:spPr>
+          <a:xfrm>
+            <a:off x="2360834" y="3972052"/>
+            <a:ext cx="736600" cy="155025"/>
+          </a:xfrm>
+          <a:prstGeom prst="rect">
+            <a:avLst/>
+          </a:prstGeom>
+          <a:noFill/>
+        </p:spPr>
+        <p:txBody>
+          <a:bodyPr vert="horz" wrap="square" lIns="0" tIns="0" rIns="0" bIns="0" rtlCol="0" anchor="ctr" anchorCtr="0">
+            <a:spAutoFit/>
+          </a:bodyPr>
+          <a:lstStyle/>
+          <a:p>
+            <a:r>
+              <a:rPr lang="en-GB" sz="1000" spc="-4">
+                <a:solidFill>
+                  <a:schemeClr val="dk1"/>
+                </a:solidFill>
+                <a:latin typeface="Calibri" panose="020F0502020204030204" pitchFamily="34" charset="0"/>
+              </a:rPr>
+              <a:t>Oct 21 - Nov 9</a:t>
+            </a:r>
+          </a:p>
+        </p:txBody>
+      </p:sp>
+      <p:sp>
+        <p:nvSpPr>
+          <p:cNvPr id="5959" name="OTLSHAPE_T_23c152327d314e958e11ca251f33fb49_Title"/>
+          <p:cNvSpPr txBox="1"/>
+          <p:nvPr>
+            <p:custDataLst>
+              <p:tags r:id="rId66"/>
+            </p:custDataLst>
+          </p:nvPr>
+        </p:nvSpPr>
+        <p:spPr>
+          <a:xfrm>
+            <a:off x="127000" y="3964305"/>
+            <a:ext cx="508000" cy="170519"/>
+          </a:xfrm>
+          <a:prstGeom prst="rect">
+            <a:avLst/>
+          </a:prstGeom>
+          <a:noFill/>
+        </p:spPr>
+        <p:txBody>
+          <a:bodyPr vert="horz" wrap="square" lIns="0" tIns="0" rIns="0" bIns="0" rtlCol="0" anchor="ctr" anchorCtr="0">
+            <a:spAutoFit/>
+          </a:bodyPr>
+          <a:lstStyle/>
+          <a:p>
+            <a:r>
+              <a:rPr lang="en-GB" sz="1100" b="1" spc="-6">
+                <a:solidFill>
+                  <a:schemeClr val="dk1"/>
+                </a:solidFill>
+                <a:latin typeface="Calibri" panose="020F0502020204030204" pitchFamily="34" charset="0"/>
+              </a:rPr>
+              <a:t>Planning</a:t>
+            </a:r>
+          </a:p>
+        </p:txBody>
+      </p:sp>
+      <p:sp>
+        <p:nvSpPr>
+          <p:cNvPr id="5962" name="OTLSHAPE_T_f23e460505c24ee88159b421b810b7e4_Duration"/>
+          <p:cNvSpPr txBox="1"/>
+          <p:nvPr>
+            <p:custDataLst>
+              <p:tags r:id="rId67"/>
+            </p:custDataLst>
+          </p:nvPr>
+        </p:nvSpPr>
+        <p:spPr>
+          <a:xfrm>
+            <a:off x="2359236" y="4189264"/>
+            <a:ext cx="393700" cy="155025"/>
+          </a:xfrm>
+          <a:prstGeom prst="rect">
+            <a:avLst/>
+          </a:prstGeom>
+          <a:noFill/>
+        </p:spPr>
+        <p:txBody>
+          <a:bodyPr vert="horz" wrap="square" lIns="0" tIns="0" rIns="0" bIns="0" rtlCol="0" anchor="ctr" anchorCtr="0">
+            <a:spAutoFit/>
+          </a:bodyPr>
+          <a:lstStyle/>
+          <a:p>
+            <a:r>
+              <a:rPr lang="en-GB" sz="1000" spc="-8">
+                <a:solidFill>
+                  <a:schemeClr val="dk1"/>
+                </a:solidFill>
+                <a:latin typeface="Calibri" panose="020F0502020204030204" pitchFamily="34" charset="0"/>
+              </a:rPr>
+              <a:t>36 days</a:t>
+            </a:r>
+          </a:p>
+        </p:txBody>
+      </p:sp>
+      <p:sp>
+        <p:nvSpPr>
+          <p:cNvPr id="5963" name="OTLSHAPE_T_f23e460505c24ee88159b421b810b7e4_TextPercentage" hidden="1"/>
+          <p:cNvSpPr txBox="1"/>
+          <p:nvPr>
+            <p:custDataLst>
+              <p:tags r:id="rId68"/>
+            </p:custDataLst>
+          </p:nvPr>
+        </p:nvSpPr>
+        <p:spPr>
+          <a:xfrm>
+            <a:off x="0" y="4250140"/>
+            <a:ext cx="228600" cy="155025"/>
+          </a:xfrm>
+          <a:prstGeom prst="rect">
+            <a:avLst/>
+          </a:prstGeom>
+          <a:noFill/>
+        </p:spPr>
+        <p:txBody>
+          <a:bodyPr vert="horz" wrap="square" lIns="0" tIns="0" rIns="0" bIns="0" rtlCol="0" anchor="ctr" anchorCtr="0">
+            <a:spAutoFit/>
+          </a:bodyPr>
+          <a:lstStyle/>
+          <a:p>
+            <a:pPr algn="ctr"/>
+            <a:r>
+              <a:rPr lang="en-GB" sz="1000">
+                <a:solidFill>
+                  <a:srgbClr val="C0504D"/>
+                </a:solidFill>
+                <a:latin typeface="Calibri" panose="020F0502020204030204" pitchFamily="34" charset="0"/>
+              </a:rPr>
+              <a:t>38%</a:t>
+            </a:r>
+          </a:p>
+        </p:txBody>
+      </p:sp>
+      <p:sp>
+        <p:nvSpPr>
+          <p:cNvPr id="5964" name="OTLSHAPE_T_f23e460505c24ee88159b421b810b7e4_StartDate" hidden="1"/>
+          <p:cNvSpPr txBox="1"/>
+          <p:nvPr>
+            <p:custDataLst>
+              <p:tags r:id="rId69"/>
+            </p:custDataLst>
+          </p:nvPr>
+        </p:nvSpPr>
+        <p:spPr>
+          <a:xfrm>
+            <a:off x="0" y="4405164"/>
+            <a:ext cx="0" cy="153888"/>
+          </a:xfrm>
+          <a:prstGeom prst="rect">
+            <a:avLst/>
+          </a:prstGeom>
+          <a:noFill/>
+        </p:spPr>
+        <p:txBody>
+          <a:bodyPr vert="horz" wrap="square" lIns="0" tIns="0" rIns="0" bIns="0" rtlCol="0" anchor="ctr" anchorCtr="0">
+            <a:spAutoFit/>
+          </a:bodyPr>
+          <a:lstStyle/>
+          <a:p>
+            <a:pPr algn="ctr"/>
+            <a:endParaRPr lang="en-GB" sz="1000">
+              <a:solidFill>
+                <a:schemeClr val="dk1"/>
+              </a:solidFill>
+              <a:latin typeface="Calibri" panose="020F0502020204030204" pitchFamily="34" charset="0"/>
+            </a:endParaRPr>
+          </a:p>
+        </p:txBody>
+      </p:sp>
+      <p:sp>
+        <p:nvSpPr>
+          <p:cNvPr id="5965" name="OTLSHAPE_T_f23e460505c24ee88159b421b810b7e4_EndDate" hidden="1"/>
+          <p:cNvSpPr txBox="1"/>
+          <p:nvPr>
+            <p:custDataLst>
+              <p:tags r:id="rId70"/>
+            </p:custDataLst>
+          </p:nvPr>
+        </p:nvSpPr>
+        <p:spPr>
+          <a:xfrm>
+            <a:off x="0" y="4405164"/>
+            <a:ext cx="0" cy="153888"/>
+          </a:xfrm>
+          <a:prstGeom prst="rect">
+            <a:avLst/>
+          </a:prstGeom>
+          <a:noFill/>
+        </p:spPr>
+        <p:txBody>
+          <a:bodyPr vert="horz" wrap="square" lIns="0" tIns="0" rIns="0" bIns="0" rtlCol="0" anchor="ctr" anchorCtr="0">
+            <a:spAutoFit/>
+          </a:bodyPr>
+          <a:lstStyle/>
+          <a:p>
+            <a:pPr algn="ctr"/>
+            <a:endParaRPr lang="en-GB" sz="1000">
+              <a:solidFill>
+                <a:schemeClr val="dk1"/>
+              </a:solidFill>
+              <a:latin typeface="Calibri" panose="020F0502020204030204" pitchFamily="34" charset="0"/>
+            </a:endParaRPr>
+          </a:p>
+        </p:txBody>
+      </p:sp>
+      <p:sp>
+        <p:nvSpPr>
+          <p:cNvPr id="5966" name="OTLSHAPE_T_f23e460505c24ee88159b421b810b7e4_JoinedDate"/>
+          <p:cNvSpPr txBox="1"/>
+          <p:nvPr>
+            <p:custDataLst>
+              <p:tags r:id="rId71"/>
+            </p:custDataLst>
+          </p:nvPr>
+        </p:nvSpPr>
+        <p:spPr>
+          <a:xfrm>
+            <a:off x="4425888" y="4368377"/>
+            <a:ext cx="812800" cy="155025"/>
+          </a:xfrm>
+          <a:prstGeom prst="rect">
+            <a:avLst/>
+          </a:prstGeom>
+          <a:noFill/>
+        </p:spPr>
+        <p:txBody>
+          <a:bodyPr vert="horz" wrap="square" lIns="0" tIns="0" rIns="0" bIns="0" rtlCol="0" anchor="ctr" anchorCtr="0">
+            <a:spAutoFit/>
+          </a:bodyPr>
+          <a:lstStyle/>
+          <a:p>
+            <a:r>
+              <a:rPr lang="en-GB" sz="1000" spc="-4" dirty="0">
+                <a:solidFill>
+                  <a:schemeClr val="dk1"/>
+                </a:solidFill>
+                <a:latin typeface="Calibri" panose="020F0502020204030204" pitchFamily="34" charset="0"/>
+              </a:rPr>
+              <a:t>Nov 11 - Dec 21</a:t>
+            </a:r>
+          </a:p>
+        </p:txBody>
+      </p:sp>
+      <p:sp>
+        <p:nvSpPr>
+          <p:cNvPr id="5967" name="OTLSHAPE_T_f23e460505c24ee88159b421b810b7e4_Title"/>
+          <p:cNvSpPr txBox="1"/>
+          <p:nvPr>
+            <p:custDataLst>
+              <p:tags r:id="rId72"/>
+            </p:custDataLst>
+          </p:nvPr>
+        </p:nvSpPr>
+        <p:spPr>
+          <a:xfrm>
+            <a:off x="127000" y="4360630"/>
+            <a:ext cx="571500" cy="170519"/>
+          </a:xfrm>
+          <a:prstGeom prst="rect">
+            <a:avLst/>
+          </a:prstGeom>
+          <a:noFill/>
+        </p:spPr>
+        <p:txBody>
+          <a:bodyPr vert="horz" wrap="square" lIns="0" tIns="0" rIns="0" bIns="0" rtlCol="0" anchor="ctr" anchorCtr="0">
+            <a:spAutoFit/>
+          </a:bodyPr>
+          <a:lstStyle/>
+          <a:p>
+            <a:r>
+              <a:rPr lang="en-GB" sz="1100" b="1" spc="-6">
+                <a:solidFill>
+                  <a:schemeClr val="dk1"/>
+                </a:solidFill>
+                <a:latin typeface="Calibri" panose="020F0502020204030204" pitchFamily="34" charset="0"/>
+              </a:rPr>
+              <a:t>Analysing</a:t>
+            </a:r>
+          </a:p>
+        </p:txBody>
+      </p:sp>
+      <p:sp>
+        <p:nvSpPr>
+          <p:cNvPr id="5970" name="OTLSHAPE_T_82d1b7aae77d41a2be14d69f5e501b1b_Duration"/>
+          <p:cNvSpPr txBox="1"/>
+          <p:nvPr>
+            <p:custDataLst>
+              <p:tags r:id="rId73"/>
+            </p:custDataLst>
+          </p:nvPr>
+        </p:nvSpPr>
+        <p:spPr>
+          <a:xfrm>
+            <a:off x="4424290" y="4981914"/>
+            <a:ext cx="457200" cy="155025"/>
+          </a:xfrm>
+          <a:prstGeom prst="rect">
+            <a:avLst/>
+          </a:prstGeom>
+          <a:noFill/>
+        </p:spPr>
+        <p:txBody>
+          <a:bodyPr vert="horz" wrap="square" lIns="0" tIns="0" rIns="0" bIns="0" rtlCol="0" anchor="ctr" anchorCtr="0">
+            <a:spAutoFit/>
+          </a:bodyPr>
+          <a:lstStyle/>
+          <a:p>
+            <a:r>
+              <a:rPr lang="en-GB" sz="1000" spc="-8" dirty="0">
+                <a:solidFill>
+                  <a:schemeClr val="dk1"/>
+                </a:solidFill>
+                <a:latin typeface="Calibri" panose="020F0502020204030204" pitchFamily="34" charset="0"/>
+              </a:rPr>
+              <a:t>170 days</a:t>
+            </a:r>
+          </a:p>
+        </p:txBody>
+      </p:sp>
+      <p:sp>
+        <p:nvSpPr>
+          <p:cNvPr id="5971" name="OTLSHAPE_T_82d1b7aae77d41a2be14d69f5e501b1b_TextPercentage" hidden="1"/>
+          <p:cNvSpPr txBox="1"/>
+          <p:nvPr>
+            <p:custDataLst>
+              <p:tags r:id="rId74"/>
+            </p:custDataLst>
+          </p:nvPr>
+        </p:nvSpPr>
+        <p:spPr>
+          <a:xfrm>
+            <a:off x="0" y="4580340"/>
+            <a:ext cx="228600" cy="155025"/>
+          </a:xfrm>
+          <a:prstGeom prst="rect">
+            <a:avLst/>
+          </a:prstGeom>
+          <a:noFill/>
+        </p:spPr>
+        <p:txBody>
+          <a:bodyPr vert="horz" wrap="square" lIns="0" tIns="0" rIns="0" bIns="0" rtlCol="0" anchor="ctr" anchorCtr="0">
+            <a:spAutoFit/>
+          </a:bodyPr>
+          <a:lstStyle/>
+          <a:p>
+            <a:pPr algn="ctr"/>
+            <a:r>
+              <a:rPr lang="en-GB" sz="1000">
+                <a:solidFill>
+                  <a:srgbClr val="C0504D"/>
+                </a:solidFill>
+                <a:latin typeface="Calibri" panose="020F0502020204030204" pitchFamily="34" charset="0"/>
+              </a:rPr>
+              <a:t>40%</a:t>
+            </a:r>
+          </a:p>
+        </p:txBody>
+      </p:sp>
+      <p:sp>
+        <p:nvSpPr>
+          <p:cNvPr id="5972" name="OTLSHAPE_T_82d1b7aae77d41a2be14d69f5e501b1b_StartDate" hidden="1"/>
+          <p:cNvSpPr txBox="1"/>
+          <p:nvPr>
+            <p:custDataLst>
+              <p:tags r:id="rId75"/>
+            </p:custDataLst>
+          </p:nvPr>
+        </p:nvSpPr>
+        <p:spPr>
+          <a:xfrm>
+            <a:off x="0" y="4735364"/>
+            <a:ext cx="0" cy="153888"/>
+          </a:xfrm>
+          <a:prstGeom prst="rect">
+            <a:avLst/>
+          </a:prstGeom>
+          <a:noFill/>
+        </p:spPr>
+        <p:txBody>
+          <a:bodyPr vert="horz" wrap="square" lIns="0" tIns="0" rIns="0" bIns="0" rtlCol="0" anchor="ctr" anchorCtr="0">
+            <a:spAutoFit/>
+          </a:bodyPr>
+          <a:lstStyle/>
+          <a:p>
+            <a:pPr algn="ctr"/>
+            <a:endParaRPr lang="en-GB" sz="1000">
+              <a:solidFill>
+                <a:schemeClr val="dk1"/>
+              </a:solidFill>
+              <a:latin typeface="Calibri" panose="020F0502020204030204" pitchFamily="34" charset="0"/>
+            </a:endParaRPr>
+          </a:p>
+        </p:txBody>
+      </p:sp>
+      <p:sp>
+        <p:nvSpPr>
+          <p:cNvPr id="5973" name="OTLSHAPE_T_82d1b7aae77d41a2be14d69f5e501b1b_EndDate" hidden="1"/>
+          <p:cNvSpPr txBox="1"/>
+          <p:nvPr>
+            <p:custDataLst>
+              <p:tags r:id="rId76"/>
+            </p:custDataLst>
+          </p:nvPr>
+        </p:nvSpPr>
+        <p:spPr>
+          <a:xfrm>
+            <a:off x="0" y="4735364"/>
+            <a:ext cx="0" cy="153888"/>
+          </a:xfrm>
+          <a:prstGeom prst="rect">
+            <a:avLst/>
+          </a:prstGeom>
+          <a:noFill/>
+        </p:spPr>
+        <p:txBody>
+          <a:bodyPr vert="horz" wrap="square" lIns="0" tIns="0" rIns="0" bIns="0" rtlCol="0" anchor="ctr" anchorCtr="0">
+            <a:spAutoFit/>
+          </a:bodyPr>
+          <a:lstStyle/>
+          <a:p>
+            <a:pPr algn="ctr"/>
+            <a:endParaRPr lang="en-GB" sz="1000">
+              <a:solidFill>
+                <a:schemeClr val="dk1"/>
+              </a:solidFill>
+              <a:latin typeface="Calibri" panose="020F0502020204030204" pitchFamily="34" charset="0"/>
+            </a:endParaRPr>
+          </a:p>
+        </p:txBody>
+      </p:sp>
+      <p:sp>
+        <p:nvSpPr>
+          <p:cNvPr id="5974" name="OTLSHAPE_T_82d1b7aae77d41a2be14d69f5e501b1b_JoinedDate"/>
+          <p:cNvSpPr txBox="1"/>
+          <p:nvPr>
+            <p:custDataLst>
+              <p:tags r:id="rId77"/>
+            </p:custDataLst>
+          </p:nvPr>
+        </p:nvSpPr>
+        <p:spPr>
+          <a:xfrm>
+            <a:off x="10866889" y="5161594"/>
+            <a:ext cx="927100" cy="153888"/>
+          </a:xfrm>
+          <a:prstGeom prst="rect">
+            <a:avLst/>
+          </a:prstGeom>
+          <a:noFill/>
+        </p:spPr>
+        <p:txBody>
+          <a:bodyPr vert="horz" wrap="square" lIns="0" tIns="0" rIns="0" bIns="0" rtlCol="0" anchor="ctr" anchorCtr="0">
+            <a:spAutoFit/>
+          </a:bodyPr>
+          <a:lstStyle/>
+          <a:p>
+            <a:r>
+              <a:rPr lang="en-GB" sz="1000" spc="-4" dirty="0">
+                <a:solidFill>
+                  <a:schemeClr val="dk1"/>
+                </a:solidFill>
+                <a:latin typeface="Calibri" panose="020F0502020204030204" pitchFamily="34" charset="0"/>
+              </a:rPr>
+              <a:t>Dec 23 - June 15</a:t>
+            </a:r>
+          </a:p>
+        </p:txBody>
+      </p:sp>
+      <p:sp>
+        <p:nvSpPr>
+          <p:cNvPr id="5975" name="OTLSHAPE_T_82d1b7aae77d41a2be14d69f5e501b1b_Title"/>
+          <p:cNvSpPr txBox="1"/>
+          <p:nvPr>
+            <p:custDataLst>
+              <p:tags r:id="rId78"/>
+            </p:custDataLst>
+          </p:nvPr>
+        </p:nvSpPr>
+        <p:spPr>
+          <a:xfrm>
+            <a:off x="127000" y="5153279"/>
+            <a:ext cx="1511300" cy="170519"/>
+          </a:xfrm>
+          <a:prstGeom prst="rect">
+            <a:avLst/>
+          </a:prstGeom>
+          <a:noFill/>
+        </p:spPr>
+        <p:txBody>
+          <a:bodyPr vert="horz" wrap="square" lIns="0" tIns="0" rIns="0" bIns="0" rtlCol="0" anchor="ctr" anchorCtr="0">
+            <a:spAutoFit/>
+          </a:bodyPr>
+          <a:lstStyle/>
+          <a:p>
+            <a:r>
+              <a:rPr lang="en-GB" sz="1100" b="1" spc="-10">
+                <a:solidFill>
+                  <a:schemeClr val="dk1"/>
+                </a:solidFill>
+                <a:latin typeface="Calibri" panose="020F0502020204030204" pitchFamily="34" charset="0"/>
+              </a:rPr>
+              <a:t>Implementation &amp; Testing</a:t>
+            </a:r>
+          </a:p>
+        </p:txBody>
+      </p:sp>
+      <p:sp>
+        <p:nvSpPr>
+          <p:cNvPr id="5986" name="OTLSHAPE_T_fe82a054eb724851a93f6a606432bfac_Duration"/>
+          <p:cNvSpPr txBox="1"/>
+          <p:nvPr>
+            <p:custDataLst>
+              <p:tags r:id="rId79"/>
+            </p:custDataLst>
+          </p:nvPr>
+        </p:nvSpPr>
+        <p:spPr>
+          <a:xfrm>
+            <a:off x="5456817" y="5378238"/>
+            <a:ext cx="393700" cy="155025"/>
+          </a:xfrm>
+          <a:prstGeom prst="rect">
+            <a:avLst/>
+          </a:prstGeom>
+          <a:noFill/>
+        </p:spPr>
+        <p:txBody>
+          <a:bodyPr vert="horz" wrap="square" lIns="0" tIns="0" rIns="0" bIns="0" rtlCol="0" anchor="ctr" anchorCtr="0">
+            <a:spAutoFit/>
+          </a:bodyPr>
+          <a:lstStyle/>
+          <a:p>
+            <a:r>
+              <a:rPr lang="en-GB" sz="1000" spc="-8" dirty="0">
+                <a:solidFill>
+                  <a:schemeClr val="dk1"/>
+                </a:solidFill>
+                <a:latin typeface="Calibri" panose="020F0502020204030204" pitchFamily="34" charset="0"/>
+              </a:rPr>
+              <a:t>24 days</a:t>
+            </a:r>
+          </a:p>
+        </p:txBody>
+      </p:sp>
+      <p:sp>
+        <p:nvSpPr>
+          <p:cNvPr id="5987" name="OTLSHAPE_T_fe82a054eb724851a93f6a606432bfac_TextPercentage" hidden="1"/>
+          <p:cNvSpPr txBox="1"/>
+          <p:nvPr>
+            <p:custDataLst>
+              <p:tags r:id="rId80"/>
+            </p:custDataLst>
+          </p:nvPr>
+        </p:nvSpPr>
+        <p:spPr>
+          <a:xfrm>
+            <a:off x="0" y="5240740"/>
+            <a:ext cx="0" cy="153888"/>
+          </a:xfrm>
+          <a:prstGeom prst="rect">
+            <a:avLst/>
+          </a:prstGeom>
+          <a:noFill/>
+        </p:spPr>
+        <p:txBody>
+          <a:bodyPr vert="horz" wrap="square" lIns="0" tIns="0" rIns="0" bIns="0" rtlCol="0" anchor="ctr" anchorCtr="0">
+            <a:spAutoFit/>
+          </a:bodyPr>
+          <a:lstStyle/>
+          <a:p>
+            <a:pPr algn="ctr"/>
+            <a:endParaRPr lang="en-GB" sz="1000">
+              <a:solidFill>
+                <a:srgbClr val="C0504D"/>
+              </a:solidFill>
+              <a:latin typeface="Calibri" panose="020F0502020204030204" pitchFamily="34" charset="0"/>
+            </a:endParaRPr>
+          </a:p>
+        </p:txBody>
+      </p:sp>
+      <p:sp>
+        <p:nvSpPr>
+          <p:cNvPr id="5988" name="OTLSHAPE_T_fe82a054eb724851a93f6a606432bfac_StartDate" hidden="1"/>
+          <p:cNvSpPr txBox="1"/>
+          <p:nvPr>
+            <p:custDataLst>
+              <p:tags r:id="rId81"/>
+            </p:custDataLst>
+          </p:nvPr>
+        </p:nvSpPr>
+        <p:spPr>
+          <a:xfrm>
+            <a:off x="0" y="5240740"/>
+            <a:ext cx="0" cy="153888"/>
+          </a:xfrm>
+          <a:prstGeom prst="rect">
+            <a:avLst/>
+          </a:prstGeom>
+          <a:noFill/>
+        </p:spPr>
+        <p:txBody>
+          <a:bodyPr vert="horz" wrap="square" lIns="0" tIns="0" rIns="0" bIns="0" rtlCol="0" anchor="ctr" anchorCtr="0">
+            <a:spAutoFit/>
+          </a:bodyPr>
+          <a:lstStyle/>
+          <a:p>
+            <a:pPr algn="ctr"/>
+            <a:endParaRPr lang="en-GB" sz="1000">
+              <a:solidFill>
+                <a:schemeClr val="dk1"/>
+              </a:solidFill>
+              <a:latin typeface="Calibri" panose="020F0502020204030204" pitchFamily="34" charset="0"/>
+            </a:endParaRPr>
+          </a:p>
+        </p:txBody>
+      </p:sp>
+      <p:sp>
+        <p:nvSpPr>
+          <p:cNvPr id="5989" name="OTLSHAPE_T_fe82a054eb724851a93f6a606432bfac_EndDate" hidden="1"/>
+          <p:cNvSpPr txBox="1"/>
+          <p:nvPr>
+            <p:custDataLst>
+              <p:tags r:id="rId82"/>
+            </p:custDataLst>
+          </p:nvPr>
+        </p:nvSpPr>
+        <p:spPr>
+          <a:xfrm>
+            <a:off x="0" y="5240740"/>
+            <a:ext cx="0" cy="153888"/>
+          </a:xfrm>
+          <a:prstGeom prst="rect">
+            <a:avLst/>
+          </a:prstGeom>
+          <a:noFill/>
+        </p:spPr>
+        <p:txBody>
+          <a:bodyPr vert="horz" wrap="square" lIns="0" tIns="0" rIns="0" bIns="0" rtlCol="0" anchor="ctr" anchorCtr="0">
+            <a:spAutoFit/>
+          </a:bodyPr>
+          <a:lstStyle/>
+          <a:p>
+            <a:pPr algn="ctr"/>
+            <a:endParaRPr lang="en-GB" sz="1000">
+              <a:solidFill>
+                <a:schemeClr val="dk1"/>
+              </a:solidFill>
+              <a:latin typeface="Calibri" panose="020F0502020204030204" pitchFamily="34" charset="0"/>
+            </a:endParaRPr>
+          </a:p>
+        </p:txBody>
+      </p:sp>
+      <p:sp>
+        <p:nvSpPr>
+          <p:cNvPr id="5990" name="OTLSHAPE_T_fe82a054eb724851a93f6a606432bfac_JoinedDate"/>
+          <p:cNvSpPr txBox="1"/>
+          <p:nvPr>
+            <p:custDataLst>
+              <p:tags r:id="rId83"/>
+            </p:custDataLst>
+          </p:nvPr>
+        </p:nvSpPr>
+        <p:spPr>
+          <a:xfrm>
+            <a:off x="6884285" y="5557351"/>
+            <a:ext cx="711200" cy="155025"/>
+          </a:xfrm>
+          <a:prstGeom prst="rect">
+            <a:avLst/>
+          </a:prstGeom>
+          <a:noFill/>
+        </p:spPr>
+        <p:txBody>
+          <a:bodyPr vert="horz" wrap="square" lIns="0" tIns="0" rIns="0" bIns="0" rtlCol="0" anchor="ctr" anchorCtr="0">
+            <a:spAutoFit/>
+          </a:bodyPr>
+          <a:lstStyle/>
+          <a:p>
+            <a:r>
+              <a:rPr lang="en-GB" sz="1000" spc="-4">
+                <a:solidFill>
+                  <a:schemeClr val="dk1"/>
+                </a:solidFill>
+                <a:latin typeface="Calibri" panose="020F0502020204030204" pitchFamily="34" charset="0"/>
+              </a:rPr>
+              <a:t>Jan 13 - Feb 9</a:t>
+            </a:r>
+          </a:p>
+        </p:txBody>
+      </p:sp>
+      <p:sp>
+        <p:nvSpPr>
+          <p:cNvPr id="5991" name="OTLSHAPE_T_fe82a054eb724851a93f6a606432bfac_Title"/>
+          <p:cNvSpPr txBox="1"/>
+          <p:nvPr>
+            <p:custDataLst>
+              <p:tags r:id="rId84"/>
+            </p:custDataLst>
+          </p:nvPr>
+        </p:nvSpPr>
+        <p:spPr>
+          <a:xfrm>
+            <a:off x="127000" y="5549604"/>
+            <a:ext cx="647700" cy="170519"/>
+          </a:xfrm>
+          <a:prstGeom prst="rect">
+            <a:avLst/>
+          </a:prstGeom>
+          <a:noFill/>
+        </p:spPr>
+        <p:txBody>
+          <a:bodyPr vert="horz" wrap="square" lIns="0" tIns="0" rIns="0" bIns="0" rtlCol="0" anchor="ctr" anchorCtr="0">
+            <a:spAutoFit/>
+          </a:bodyPr>
+          <a:lstStyle/>
+          <a:p>
+            <a:r>
+              <a:rPr lang="en-GB" sz="1100" b="1" spc="-16" dirty="0">
+                <a:solidFill>
+                  <a:schemeClr val="dk1"/>
+                </a:solidFill>
+                <a:latin typeface="Calibri" panose="020F0502020204030204" pitchFamily="34" charset="0"/>
+              </a:rPr>
+              <a:t>Tet Holiday</a:t>
+            </a:r>
+          </a:p>
+        </p:txBody>
+      </p:sp>
+      <p:sp>
+        <p:nvSpPr>
+          <p:cNvPr id="34" name="OTLSHAPE_T_313a161d2a7f4eada443e8c342d76860_TextPercentage" hidden="1">
+            <a:extLst>
+              <a:ext uri="{FF2B5EF4-FFF2-40B4-BE49-F238E27FC236}">
+                <a16:creationId xmlns:a16="http://schemas.microsoft.com/office/drawing/2014/main" id="{CC57FBAF-EE94-4F34-B603-4F30F3FDF267}"/>
+              </a:ext>
+            </a:extLst>
+          </p:cNvPr>
+          <p:cNvSpPr txBox="1"/>
+          <p:nvPr>
+            <p:custDataLst>
+              <p:tags r:id="rId85"/>
+            </p:custDataLst>
+          </p:nvPr>
+        </p:nvSpPr>
+        <p:spPr>
+          <a:xfrm>
+            <a:off x="12700" y="12700"/>
+            <a:ext cx="0" cy="276999"/>
+          </a:xfrm>
+          <a:prstGeom prst="rect">
+            <a:avLst/>
+          </a:prstGeom>
+          <a:noFill/>
+        </p:spPr>
+        <p:txBody>
+          <a:bodyPr vert="horz" wrap="square" lIns="0" tIns="0" rIns="0" bIns="0" rtlCol="0" anchor="ctr" anchorCtr="0">
+            <a:spAutoFit/>
+          </a:bodyPr>
+          <a:lstStyle/>
+          <a:p>
+            <a:pPr algn="ctr"/>
+            <a:endParaRPr lang="en-US"/>
+          </a:p>
+        </p:txBody>
+      </p:sp>
+      <p:sp>
+        <p:nvSpPr>
+          <p:cNvPr id="35" name="OTLSHAPE_T_313a161d2a7f4eada443e8c342d76860_StartDate" hidden="1">
+            <a:extLst>
+              <a:ext uri="{FF2B5EF4-FFF2-40B4-BE49-F238E27FC236}">
+                <a16:creationId xmlns:a16="http://schemas.microsoft.com/office/drawing/2014/main" id="{2A2CE205-3409-4C03-BABC-B8FCA7D14CBA}"/>
+              </a:ext>
+            </a:extLst>
+          </p:cNvPr>
+          <p:cNvSpPr txBox="1"/>
+          <p:nvPr>
+            <p:custDataLst>
+              <p:tags r:id="rId86"/>
+            </p:custDataLst>
+          </p:nvPr>
+        </p:nvSpPr>
+        <p:spPr>
+          <a:xfrm>
+            <a:off x="12700" y="12700"/>
+            <a:ext cx="0" cy="276999"/>
+          </a:xfrm>
+          <a:prstGeom prst="rect">
+            <a:avLst/>
+          </a:prstGeom>
+          <a:noFill/>
+        </p:spPr>
+        <p:txBody>
+          <a:bodyPr vert="horz" wrap="square" lIns="0" tIns="0" rIns="0" bIns="0" rtlCol="0" anchor="ctr" anchorCtr="0">
+            <a:spAutoFit/>
+          </a:bodyPr>
+          <a:lstStyle/>
+          <a:p>
+            <a:pPr algn="ctr"/>
+            <a:endParaRPr lang="en-US">
+              <a:solidFill>
+                <a:schemeClr val="dk1"/>
+              </a:solidFill>
+            </a:endParaRPr>
+          </a:p>
+        </p:txBody>
+      </p:sp>
+      <p:sp>
+        <p:nvSpPr>
+          <p:cNvPr id="36" name="OTLSHAPE_T_313a161d2a7f4eada443e8c342d76860_EndDate" hidden="1">
+            <a:extLst>
+              <a:ext uri="{FF2B5EF4-FFF2-40B4-BE49-F238E27FC236}">
+                <a16:creationId xmlns:a16="http://schemas.microsoft.com/office/drawing/2014/main" id="{12A8F384-4A1E-4509-876A-330F497F049F}"/>
+              </a:ext>
+            </a:extLst>
+          </p:cNvPr>
+          <p:cNvSpPr txBox="1"/>
+          <p:nvPr>
+            <p:custDataLst>
+              <p:tags r:id="rId87"/>
+            </p:custDataLst>
+          </p:nvPr>
+        </p:nvSpPr>
+        <p:spPr>
+          <a:xfrm>
+            <a:off x="12700" y="12700"/>
+            <a:ext cx="0" cy="276999"/>
+          </a:xfrm>
+          <a:prstGeom prst="rect">
+            <a:avLst/>
+          </a:prstGeom>
+          <a:noFill/>
+        </p:spPr>
+        <p:txBody>
+          <a:bodyPr vert="horz" wrap="square" lIns="0" tIns="0" rIns="0" bIns="0" rtlCol="0" anchor="ctr" anchorCtr="0">
+            <a:spAutoFit/>
+          </a:bodyPr>
+          <a:lstStyle/>
+          <a:p>
+            <a:pPr algn="ctr"/>
+            <a:endParaRPr lang="en-US">
+              <a:solidFill>
+                <a:schemeClr val="dk1"/>
+              </a:solidFill>
+            </a:endParaRPr>
+          </a:p>
+        </p:txBody>
+      </p:sp>
+      <p:sp>
+        <p:nvSpPr>
+          <p:cNvPr id="37" name="OTLSHAPE_T_313a161d2a7f4eada443e8c342d76860_JoinedDate">
+            <a:extLst>
+              <a:ext uri="{FF2B5EF4-FFF2-40B4-BE49-F238E27FC236}">
+                <a16:creationId xmlns:a16="http://schemas.microsoft.com/office/drawing/2014/main" id="{3C48481D-44C5-409F-915E-2441EF53F534}"/>
+              </a:ext>
+            </a:extLst>
+          </p:cNvPr>
+          <p:cNvSpPr txBox="1"/>
+          <p:nvPr>
+            <p:custDataLst>
+              <p:tags r:id="rId88"/>
+            </p:custDataLst>
+          </p:nvPr>
+        </p:nvSpPr>
+        <p:spPr>
+          <a:xfrm>
+            <a:off x="6422178" y="5934029"/>
+            <a:ext cx="1060662" cy="153888"/>
+          </a:xfrm>
+          <a:prstGeom prst="rect">
+            <a:avLst/>
+          </a:prstGeom>
+          <a:noFill/>
+        </p:spPr>
+        <p:txBody>
+          <a:bodyPr vert="horz" wrap="square" lIns="0" tIns="0" rIns="0" bIns="0" rtlCol="0" anchor="ctr" anchorCtr="0">
+            <a:spAutoFit/>
+          </a:bodyPr>
+          <a:lstStyle/>
+          <a:p>
+            <a:r>
+              <a:rPr lang="en-US" sz="1000" spc="-6" dirty="0">
+                <a:solidFill>
+                  <a:schemeClr val="dk1"/>
+                </a:solidFill>
+                <a:latin typeface="Calibri" panose="020F0502020204030204" pitchFamily="34" charset="0"/>
+              </a:rPr>
+              <a:t>Mar 28 - April 10</a:t>
+            </a:r>
+          </a:p>
+        </p:txBody>
+      </p:sp>
+      <p:sp>
+        <p:nvSpPr>
+          <p:cNvPr id="38" name="OTLSHAPE_T_313a161d2a7f4eada443e8c342d76860_Title">
+            <a:extLst>
+              <a:ext uri="{FF2B5EF4-FFF2-40B4-BE49-F238E27FC236}">
+                <a16:creationId xmlns:a16="http://schemas.microsoft.com/office/drawing/2014/main" id="{7692CDBD-1DAC-4F92-BBE3-16C8CBB91643}"/>
+              </a:ext>
+            </a:extLst>
+          </p:cNvPr>
+          <p:cNvSpPr txBox="1"/>
+          <p:nvPr>
+            <p:custDataLst>
+              <p:tags r:id="rId89"/>
+            </p:custDataLst>
+          </p:nvPr>
+        </p:nvSpPr>
+        <p:spPr>
+          <a:xfrm>
+            <a:off x="126999" y="5946550"/>
+            <a:ext cx="1160333" cy="169277"/>
+          </a:xfrm>
+          <a:prstGeom prst="rect">
+            <a:avLst/>
+          </a:prstGeom>
+          <a:noFill/>
+        </p:spPr>
+        <p:txBody>
+          <a:bodyPr vert="horz" wrap="square" lIns="0" tIns="0" rIns="0" bIns="0" rtlCol="0" anchor="ctr" anchorCtr="0">
+            <a:spAutoFit/>
+          </a:bodyPr>
+          <a:lstStyle/>
+          <a:p>
+            <a:r>
+              <a:rPr lang="en-US" sz="1100" b="1" spc="-6" dirty="0">
+                <a:solidFill>
+                  <a:schemeClr val="dk1"/>
+                </a:solidFill>
+                <a:latin typeface="Calibri" panose="020F0502020204030204" pitchFamily="34" charset="0"/>
+              </a:rPr>
+              <a:t>Disease COVID-19</a:t>
+            </a:r>
+          </a:p>
+        </p:txBody>
+      </p:sp>
+      <p:sp>
+        <p:nvSpPr>
+          <p:cNvPr id="8" name="OTLSHAPE_T_505e5fa1ab624917a3b9976ce0128bea_TextPercentage" hidden="1">
+            <a:extLst>
+              <a:ext uri="{FF2B5EF4-FFF2-40B4-BE49-F238E27FC236}">
+                <a16:creationId xmlns:a16="http://schemas.microsoft.com/office/drawing/2014/main" id="{8AAB4D4D-816B-4EA9-9607-794B2A8763B1}"/>
+              </a:ext>
+            </a:extLst>
+          </p:cNvPr>
+          <p:cNvSpPr txBox="1"/>
+          <p:nvPr>
+            <p:custDataLst>
+              <p:tags r:id="rId90"/>
+            </p:custDataLst>
+          </p:nvPr>
+        </p:nvSpPr>
+        <p:spPr>
+          <a:xfrm>
+            <a:off x="12700" y="12700"/>
+            <a:ext cx="0" cy="276999"/>
+          </a:xfrm>
+          <a:prstGeom prst="rect">
+            <a:avLst/>
+          </a:prstGeom>
+          <a:noFill/>
+        </p:spPr>
+        <p:txBody>
+          <a:bodyPr vert="horz" wrap="square" lIns="0" tIns="0" rIns="0" bIns="0" rtlCol="0" anchor="ctr" anchorCtr="0">
+            <a:spAutoFit/>
+          </a:bodyPr>
+          <a:lstStyle/>
+          <a:p>
+            <a:pPr algn="ctr"/>
+            <a:endParaRPr lang="en-US"/>
+          </a:p>
+        </p:txBody>
+      </p:sp>
+      <p:sp>
+        <p:nvSpPr>
+          <p:cNvPr id="9" name="OTLSHAPE_T_505e5fa1ab624917a3b9976ce0128bea_StartDate" hidden="1">
+            <a:extLst>
+              <a:ext uri="{FF2B5EF4-FFF2-40B4-BE49-F238E27FC236}">
+                <a16:creationId xmlns:a16="http://schemas.microsoft.com/office/drawing/2014/main" id="{9BA395F0-140C-49E5-931A-DD067CEA25AA}"/>
+              </a:ext>
+            </a:extLst>
+          </p:cNvPr>
+          <p:cNvSpPr txBox="1"/>
+          <p:nvPr>
+            <p:custDataLst>
+              <p:tags r:id="rId91"/>
+            </p:custDataLst>
+          </p:nvPr>
+        </p:nvSpPr>
+        <p:spPr>
+          <a:xfrm>
+            <a:off x="12700" y="12700"/>
+            <a:ext cx="0" cy="276999"/>
+          </a:xfrm>
+          <a:prstGeom prst="rect">
+            <a:avLst/>
+          </a:prstGeom>
+          <a:noFill/>
+        </p:spPr>
+        <p:txBody>
+          <a:bodyPr vert="horz" wrap="square" lIns="0" tIns="0" rIns="0" bIns="0" rtlCol="0" anchor="ctr" anchorCtr="0">
+            <a:spAutoFit/>
+          </a:bodyPr>
+          <a:lstStyle/>
+          <a:p>
+            <a:pPr algn="ctr"/>
+            <a:endParaRPr lang="en-US"/>
+          </a:p>
+        </p:txBody>
+      </p:sp>
+      <p:sp>
+        <p:nvSpPr>
+          <p:cNvPr id="10" name="OTLSHAPE_T_505e5fa1ab624917a3b9976ce0128bea_EndDate" hidden="1">
+            <a:extLst>
+              <a:ext uri="{FF2B5EF4-FFF2-40B4-BE49-F238E27FC236}">
+                <a16:creationId xmlns:a16="http://schemas.microsoft.com/office/drawing/2014/main" id="{3266FE62-AB97-4AC3-A3E1-D1AB3742C7F6}"/>
+              </a:ext>
+            </a:extLst>
+          </p:cNvPr>
+          <p:cNvSpPr txBox="1"/>
+          <p:nvPr>
+            <p:custDataLst>
+              <p:tags r:id="rId92"/>
+            </p:custDataLst>
+          </p:nvPr>
+        </p:nvSpPr>
+        <p:spPr>
+          <a:xfrm>
+            <a:off x="12700" y="12700"/>
+            <a:ext cx="0" cy="276999"/>
+          </a:xfrm>
+          <a:prstGeom prst="rect">
+            <a:avLst/>
+          </a:prstGeom>
+          <a:noFill/>
+        </p:spPr>
+        <p:txBody>
+          <a:bodyPr vert="horz" wrap="square" lIns="0" tIns="0" rIns="0" bIns="0" rtlCol="0" anchor="ctr" anchorCtr="0">
+            <a:spAutoFit/>
+          </a:bodyPr>
+          <a:lstStyle/>
+          <a:p>
+            <a:pPr algn="ctr"/>
+            <a:endParaRPr lang="en-US"/>
+          </a:p>
+        </p:txBody>
+      </p:sp>
+      <p:sp>
+        <p:nvSpPr>
+          <p:cNvPr id="11" name="OTLSHAPE_T_505e5fa1ab624917a3b9976ce0128bea_Duration">
+            <a:extLst>
+              <a:ext uri="{FF2B5EF4-FFF2-40B4-BE49-F238E27FC236}">
+                <a16:creationId xmlns:a16="http://schemas.microsoft.com/office/drawing/2014/main" id="{6F436A76-3FDF-489A-B5DF-1F5B622CF874}"/>
+              </a:ext>
+            </a:extLst>
+          </p:cNvPr>
+          <p:cNvSpPr txBox="1"/>
+          <p:nvPr>
+            <p:custDataLst>
+              <p:tags r:id="rId93"/>
+            </p:custDataLst>
+          </p:nvPr>
+        </p:nvSpPr>
+        <p:spPr>
+          <a:xfrm>
+            <a:off x="3047587" y="4585589"/>
+            <a:ext cx="393700" cy="155025"/>
+          </a:xfrm>
+          <a:prstGeom prst="rect">
+            <a:avLst/>
+          </a:prstGeom>
+          <a:noFill/>
+        </p:spPr>
+        <p:txBody>
+          <a:bodyPr vert="horz" wrap="square" lIns="0" tIns="0" rIns="0" bIns="0" rtlCol="0" anchor="ctr" anchorCtr="0">
+            <a:spAutoFit/>
+          </a:bodyPr>
+          <a:lstStyle/>
+          <a:p>
+            <a:r>
+              <a:rPr lang="en-US" sz="1000" spc="-8">
+                <a:solidFill>
+                  <a:schemeClr val="dk1"/>
+                </a:solidFill>
+                <a:latin typeface="Calibri" panose="020F0502020204030204" pitchFamily="34" charset="0"/>
+              </a:rPr>
+              <a:t>24 days</a:t>
+            </a:r>
+          </a:p>
+        </p:txBody>
+      </p:sp>
+      <p:sp>
+        <p:nvSpPr>
+          <p:cNvPr id="12" name="OTLSHAPE_T_505e5fa1ab624917a3b9976ce0128bea_JoinedDate">
+            <a:extLst>
+              <a:ext uri="{FF2B5EF4-FFF2-40B4-BE49-F238E27FC236}">
+                <a16:creationId xmlns:a16="http://schemas.microsoft.com/office/drawing/2014/main" id="{58D38513-EDF0-47DF-8296-06FCBBF98B69}"/>
+              </a:ext>
+            </a:extLst>
+          </p:cNvPr>
+          <p:cNvSpPr txBox="1"/>
+          <p:nvPr>
+            <p:custDataLst>
+              <p:tags r:id="rId94"/>
+            </p:custDataLst>
+          </p:nvPr>
+        </p:nvSpPr>
+        <p:spPr>
+          <a:xfrm>
+            <a:off x="4425888" y="4764701"/>
+            <a:ext cx="812800" cy="155025"/>
+          </a:xfrm>
+          <a:prstGeom prst="rect">
+            <a:avLst/>
+          </a:prstGeom>
+          <a:noFill/>
+        </p:spPr>
+        <p:txBody>
+          <a:bodyPr vert="horz" wrap="square" lIns="0" tIns="0" rIns="0" bIns="0" rtlCol="0" anchor="ctr" anchorCtr="0">
+            <a:spAutoFit/>
+          </a:bodyPr>
+          <a:lstStyle/>
+          <a:p>
+            <a:r>
+              <a:rPr lang="en-US" sz="1000" spc="-4" dirty="0">
+                <a:solidFill>
+                  <a:schemeClr val="dk1"/>
+                </a:solidFill>
+                <a:latin typeface="Calibri" panose="020F0502020204030204" pitchFamily="34" charset="0"/>
+              </a:rPr>
+              <a:t>Nov 25 - Dec 21</a:t>
+            </a:r>
+          </a:p>
+        </p:txBody>
+      </p:sp>
+      <p:sp>
+        <p:nvSpPr>
+          <p:cNvPr id="13" name="OTLSHAPE_T_505e5fa1ab624917a3b9976ce0128bea_Title">
+            <a:extLst>
+              <a:ext uri="{FF2B5EF4-FFF2-40B4-BE49-F238E27FC236}">
+                <a16:creationId xmlns:a16="http://schemas.microsoft.com/office/drawing/2014/main" id="{D4447CE3-1929-4624-8299-B4FD9483B2DB}"/>
+              </a:ext>
+            </a:extLst>
+          </p:cNvPr>
+          <p:cNvSpPr txBox="1"/>
+          <p:nvPr>
+            <p:custDataLst>
+              <p:tags r:id="rId95"/>
+            </p:custDataLst>
+          </p:nvPr>
+        </p:nvSpPr>
+        <p:spPr>
+          <a:xfrm>
+            <a:off x="127000" y="4756954"/>
+            <a:ext cx="469900" cy="170519"/>
+          </a:xfrm>
+          <a:prstGeom prst="rect">
+            <a:avLst/>
+          </a:prstGeom>
+          <a:noFill/>
+        </p:spPr>
+        <p:txBody>
+          <a:bodyPr vert="horz" wrap="square" lIns="0" tIns="0" rIns="0" bIns="0" rtlCol="0" anchor="ctr" anchorCtr="0">
+            <a:spAutoFit/>
+          </a:bodyPr>
+          <a:lstStyle/>
+          <a:p>
+            <a:r>
+              <a:rPr lang="en-US" sz="1100" b="1" spc="-16" dirty="0">
+                <a:solidFill>
+                  <a:schemeClr val="dk1"/>
+                </a:solidFill>
+                <a:latin typeface="Calibri" panose="020F0502020204030204" pitchFamily="34" charset="0"/>
+              </a:rPr>
+              <a:t>Training</a:t>
+            </a:r>
+          </a:p>
+        </p:txBody>
+      </p:sp>
+      <p:sp>
+        <p:nvSpPr>
+          <p:cNvPr id="20" name="OTLSHAPE_M_841a70fcf0844b768bd3c93d8e82cdc4_Shape">
+            <a:extLst>
+              <a:ext uri="{FF2B5EF4-FFF2-40B4-BE49-F238E27FC236}">
+                <a16:creationId xmlns:a16="http://schemas.microsoft.com/office/drawing/2014/main" id="{5E9B6690-1902-4E84-8109-83602C8EE2F2}"/>
+              </a:ext>
+            </a:extLst>
+          </p:cNvPr>
+          <p:cNvSpPr/>
+          <p:nvPr>
+            <p:custDataLst>
+              <p:tags r:id="rId96"/>
+            </p:custDataLst>
+          </p:nvPr>
+        </p:nvSpPr>
+        <p:spPr>
+          <a:xfrm>
+            <a:off x="2340514" y="861542"/>
+            <a:ext cx="165100" cy="165100"/>
+          </a:xfrm>
+          <a:prstGeom prst="wave">
+            <a:avLst/>
+          </a:prstGeom>
+          <a:solidFill>
+            <a:srgbClr val="EA161E"/>
+          </a:solidFill>
+          <a:ln w="12700" cap="flat" cmpd="sng" algn="ctr">
+            <a:noFill/>
+            <a:prstDash val="solid"/>
+            <a:miter lim="800000"/>
+          </a:ln>
+          <a:effectLst/>
+          <a:scene3d>
+            <a:camera prst="orthographicFront"/>
+            <a:lightRig rig="threePt" dir="t"/>
+          </a:scene3d>
+          <a:sp3d>
+            <a:bevelT h="12700"/>
+          </a:sp3d>
+          <a:extLst>
+            <a:ext uri="{91240B29-F687-4F45-9708-019B960494DF}">
+              <a14:hiddenLine xmlns:a14="http://schemas.microsoft.com/office/drawing/2010/main" w="12700" cap="flat" cmpd="sng" algn="ctr">
+                <a:solidFill>
+                  <a:schemeClr val="accent1">
+                    <a:shade val="50000"/>
+                  </a:schemeClr>
+                </a:solidFill>
+                <a:prstDash val="solid"/>
+                <a:miter lim="800000"/>
+              </a14:hiddenLine>
+            </a:ext>
+          </a:extLst>
+        </p:spPr>
+        <p:style>
+          <a:lnRef idx="2">
+            <a:schemeClr val="accent1">
+              <a:shade val="50000"/>
+            </a:schemeClr>
+          </a:lnRef>
+          <a:fillRef idx="1">
+            <a:schemeClr val="accent1"/>
+          </a:fillRef>
+          <a:effectRef idx="0">
+            <a:schemeClr val="accent1"/>
+          </a:effectRef>
+          <a:fontRef idx="minor">
+            <a:schemeClr val="lt1"/>
+          </a:fontRef>
+        </p:style>
+        <p:txBody>
+          <a:bodyPr rtlCol="0" anchor="ctr"/>
+          <a:lstStyle/>
+          <a:p>
+            <a:pPr algn="ctr"/>
+            <a:endParaRPr lang="en-US"/>
+          </a:p>
+        </p:txBody>
+      </p:sp>
+      <p:sp>
+        <p:nvSpPr>
+          <p:cNvPr id="28" name="OTLSHAPE_M_315e3df03a234161b9519aae38b30fa2_Shape">
+            <a:extLst>
+              <a:ext uri="{FF2B5EF4-FFF2-40B4-BE49-F238E27FC236}">
+                <a16:creationId xmlns:a16="http://schemas.microsoft.com/office/drawing/2014/main" id="{19F0F717-287A-49E9-B00A-5814A1D5611F}"/>
+              </a:ext>
+            </a:extLst>
+          </p:cNvPr>
+          <p:cNvSpPr/>
+          <p:nvPr>
+            <p:custDataLst>
+              <p:tags r:id="rId97"/>
+            </p:custDataLst>
+          </p:nvPr>
+        </p:nvSpPr>
+        <p:spPr>
+          <a:xfrm>
+            <a:off x="10846570" y="2057188"/>
+            <a:ext cx="165100" cy="165100"/>
+          </a:xfrm>
+          <a:prstGeom prst="wave">
+            <a:avLst/>
+          </a:prstGeom>
+          <a:solidFill>
+            <a:srgbClr val="EA161E"/>
+          </a:solidFill>
+          <a:ln w="12700" cap="flat" cmpd="sng" algn="ctr">
+            <a:noFill/>
+            <a:prstDash val="solid"/>
+            <a:miter lim="800000"/>
+          </a:ln>
+          <a:effectLst/>
+          <a:scene3d>
+            <a:camera prst="orthographicFront"/>
+            <a:lightRig rig="threePt" dir="t"/>
+          </a:scene3d>
+          <a:sp3d>
+            <a:bevelT h="12700"/>
+          </a:sp3d>
+          <a:extLst>
+            <a:ext uri="{91240B29-F687-4F45-9708-019B960494DF}">
+              <a14:hiddenLine xmlns:a14="http://schemas.microsoft.com/office/drawing/2010/main" w="12700" cap="flat" cmpd="sng" algn="ctr">
+                <a:solidFill>
+                  <a:schemeClr val="accent1">
+                    <a:shade val="50000"/>
+                  </a:schemeClr>
+                </a:solidFill>
+                <a:prstDash val="solid"/>
+                <a:miter lim="800000"/>
+              </a14:hiddenLine>
+            </a:ext>
+          </a:extLst>
+        </p:spPr>
+        <p:style>
+          <a:lnRef idx="2">
+            <a:schemeClr val="accent1">
+              <a:shade val="50000"/>
+            </a:schemeClr>
+          </a:lnRef>
+          <a:fillRef idx="1">
+            <a:schemeClr val="accent1"/>
+          </a:fillRef>
+          <a:effectRef idx="0">
+            <a:schemeClr val="accent1"/>
+          </a:effectRef>
+          <a:fontRef idx="minor">
+            <a:schemeClr val="lt1"/>
+          </a:fontRef>
+        </p:style>
+        <p:txBody>
+          <a:bodyPr rtlCol="0" anchor="ctr"/>
+          <a:lstStyle/>
+          <a:p>
+            <a:pPr algn="ctr"/>
+            <a:endParaRPr lang="en-US"/>
+          </a:p>
+        </p:txBody>
+      </p:sp>
+      <p:sp>
+        <p:nvSpPr>
+          <p:cNvPr id="5854" name="OTLSHAPE_M_f36886370e824535b35719d05e608266_Shape">
+            <a:extLst>
+              <a:ext uri="{FF2B5EF4-FFF2-40B4-BE49-F238E27FC236}">
+                <a16:creationId xmlns:a16="http://schemas.microsoft.com/office/drawing/2014/main" id="{E86ECE9F-91F6-467D-9FE1-F9210E7C5058}"/>
+              </a:ext>
+            </a:extLst>
+          </p:cNvPr>
+          <p:cNvSpPr/>
+          <p:nvPr>
+            <p:custDataLst>
+              <p:tags r:id="rId98"/>
+            </p:custDataLst>
+          </p:nvPr>
+        </p:nvSpPr>
+        <p:spPr>
+          <a:xfrm>
+            <a:off x="2684689" y="1604645"/>
+            <a:ext cx="165100" cy="165100"/>
+          </a:xfrm>
+          <a:prstGeom prst="wave">
+            <a:avLst/>
+          </a:prstGeom>
+          <a:solidFill>
+            <a:srgbClr val="EA161E"/>
+          </a:solidFill>
+          <a:ln w="12700" cap="flat" cmpd="sng" algn="ctr">
+            <a:noFill/>
+            <a:prstDash val="solid"/>
+            <a:miter lim="800000"/>
+          </a:ln>
+          <a:effectLst/>
+          <a:scene3d>
+            <a:camera prst="orthographicFront"/>
+            <a:lightRig rig="threePt" dir="t"/>
+          </a:scene3d>
+          <a:sp3d>
+            <a:bevelT h="12700"/>
+          </a:sp3d>
+          <a:extLst>
+            <a:ext uri="{91240B29-F687-4F45-9708-019B960494DF}">
+              <a14:hiddenLine xmlns:a14="http://schemas.microsoft.com/office/drawing/2010/main" w="12700" cap="flat" cmpd="sng" algn="ctr">
+                <a:solidFill>
+                  <a:schemeClr val="accent1">
+                    <a:shade val="50000"/>
+                  </a:schemeClr>
+                </a:solidFill>
+                <a:prstDash val="solid"/>
+                <a:miter lim="800000"/>
+              </a14:hiddenLine>
+            </a:ext>
+          </a:extLst>
+        </p:spPr>
+        <p:style>
+          <a:lnRef idx="2">
+            <a:schemeClr val="accent1">
+              <a:shade val="50000"/>
+            </a:schemeClr>
+          </a:lnRef>
+          <a:fillRef idx="1">
+            <a:schemeClr val="accent1"/>
+          </a:fillRef>
+          <a:effectRef idx="0">
+            <a:schemeClr val="accent1"/>
+          </a:effectRef>
+          <a:fontRef idx="minor">
+            <a:schemeClr val="lt1"/>
+          </a:fontRef>
+        </p:style>
+        <p:txBody>
+          <a:bodyPr rtlCol="0" anchor="ctr"/>
+          <a:lstStyle/>
+          <a:p>
+            <a:pPr algn="ctr"/>
+            <a:endParaRPr lang="en-US"/>
+          </a:p>
+        </p:txBody>
+      </p:sp>
+      <p:sp>
+        <p:nvSpPr>
+          <p:cNvPr id="32" name="OTLSHAPE_M_440a7e1110954cea9aadfc599fcb2486_Shape">
+            <a:extLst>
+              <a:ext uri="{FF2B5EF4-FFF2-40B4-BE49-F238E27FC236}">
+                <a16:creationId xmlns:a16="http://schemas.microsoft.com/office/drawing/2014/main" id="{3EF7CD39-8442-4A63-8B47-436313D47FBE}"/>
+              </a:ext>
+            </a:extLst>
+          </p:cNvPr>
+          <p:cNvSpPr/>
+          <p:nvPr>
+            <p:custDataLst>
+              <p:tags r:id="rId99"/>
+            </p:custDataLst>
+          </p:nvPr>
+        </p:nvSpPr>
+        <p:spPr>
+          <a:xfrm>
+            <a:off x="3373041" y="2057188"/>
+            <a:ext cx="165100" cy="165100"/>
+          </a:xfrm>
+          <a:prstGeom prst="wave">
+            <a:avLst/>
+          </a:prstGeom>
+          <a:solidFill>
+            <a:srgbClr val="EA161E"/>
+          </a:solidFill>
+          <a:ln w="12700" cap="flat" cmpd="sng" algn="ctr">
+            <a:noFill/>
+            <a:prstDash val="solid"/>
+            <a:miter lim="800000"/>
+          </a:ln>
+          <a:effectLst/>
+          <a:scene3d>
+            <a:camera prst="orthographicFront"/>
+            <a:lightRig rig="threePt" dir="t"/>
+          </a:scene3d>
+          <a:sp3d>
+            <a:bevelT h="12700"/>
+          </a:sp3d>
+          <a:extLst>
+            <a:ext uri="{91240B29-F687-4F45-9708-019B960494DF}">
+              <a14:hiddenLine xmlns:a14="http://schemas.microsoft.com/office/drawing/2010/main" w="12700" cap="flat" cmpd="sng" algn="ctr">
+                <a:solidFill>
+                  <a:schemeClr val="accent1">
+                    <a:shade val="50000"/>
+                  </a:schemeClr>
+                </a:solidFill>
+                <a:prstDash val="solid"/>
+                <a:miter lim="800000"/>
+              </a14:hiddenLine>
+            </a:ext>
+          </a:extLst>
+        </p:spPr>
+        <p:style>
+          <a:lnRef idx="2">
+            <a:schemeClr val="accent1">
+              <a:shade val="50000"/>
+            </a:schemeClr>
+          </a:lnRef>
+          <a:fillRef idx="1">
+            <a:schemeClr val="accent1"/>
+          </a:fillRef>
+          <a:effectRef idx="0">
+            <a:schemeClr val="accent1"/>
+          </a:effectRef>
+          <a:fontRef idx="minor">
+            <a:schemeClr val="lt1"/>
+          </a:fontRef>
+        </p:style>
+        <p:txBody>
+          <a:bodyPr rtlCol="0" anchor="ctr"/>
+          <a:lstStyle/>
+          <a:p>
+            <a:pPr algn="ctr"/>
+            <a:endParaRPr lang="en-US"/>
+          </a:p>
+        </p:txBody>
+      </p:sp>
+      <p:sp>
+        <p:nvSpPr>
+          <p:cNvPr id="17" name="OTLSHAPE_M_b8d8e3a727d34366833bd51745f4c1c0_Shape">
+            <a:extLst>
+              <a:ext uri="{FF2B5EF4-FFF2-40B4-BE49-F238E27FC236}">
+                <a16:creationId xmlns:a16="http://schemas.microsoft.com/office/drawing/2014/main" id="{4CB68C10-A22C-456F-BD39-4D98D1E6CFA2}"/>
+              </a:ext>
+            </a:extLst>
+          </p:cNvPr>
+          <p:cNvSpPr/>
+          <p:nvPr>
+            <p:custDataLst>
+              <p:tags r:id="rId100"/>
+            </p:custDataLst>
+          </p:nvPr>
+        </p:nvSpPr>
+        <p:spPr>
+          <a:xfrm>
+            <a:off x="5242693" y="1152102"/>
+            <a:ext cx="165100" cy="165100"/>
+          </a:xfrm>
+          <a:prstGeom prst="wave">
+            <a:avLst/>
+          </a:prstGeom>
+          <a:solidFill>
+            <a:srgbClr val="EA161E"/>
+          </a:solidFill>
+          <a:ln w="12700" cap="flat" cmpd="sng" algn="ctr">
+            <a:noFill/>
+            <a:prstDash val="solid"/>
+            <a:miter lim="800000"/>
+          </a:ln>
+          <a:effectLst/>
+          <a:scene3d>
+            <a:camera prst="orthographicFront"/>
+            <a:lightRig rig="threePt" dir="t"/>
+          </a:scene3d>
+          <a:sp3d>
+            <a:bevelT h="12700"/>
+          </a:sp3d>
+          <a:extLst>
+            <a:ext uri="{91240B29-F687-4F45-9708-019B960494DF}">
+              <a14:hiddenLine xmlns:a14="http://schemas.microsoft.com/office/drawing/2010/main" w="12700" cap="flat" cmpd="sng" algn="ctr">
+                <a:solidFill>
+                  <a:schemeClr val="accent1">
+                    <a:shade val="50000"/>
+                  </a:schemeClr>
+                </a:solidFill>
+                <a:prstDash val="solid"/>
+                <a:miter lim="800000"/>
+              </a14:hiddenLine>
+            </a:ext>
+          </a:extLst>
+        </p:spPr>
+        <p:style>
+          <a:lnRef idx="2">
+            <a:schemeClr val="accent1">
+              <a:shade val="50000"/>
+            </a:schemeClr>
+          </a:lnRef>
+          <a:fillRef idx="1">
+            <a:schemeClr val="accent1"/>
+          </a:fillRef>
+          <a:effectRef idx="0">
+            <a:schemeClr val="accent1"/>
+          </a:effectRef>
+          <a:fontRef idx="minor">
+            <a:schemeClr val="lt1"/>
+          </a:fontRef>
+        </p:style>
+        <p:txBody>
+          <a:bodyPr rtlCol="0" anchor="ctr"/>
+          <a:lstStyle/>
+          <a:p>
+            <a:pPr algn="ctr"/>
+            <a:endParaRPr lang="en-US"/>
+          </a:p>
+        </p:txBody>
+      </p:sp>
+      <p:sp>
+        <p:nvSpPr>
+          <p:cNvPr id="41" name="OTLSHAPE_M_d7718b2de0af4d4e89c3ffe6ae0bd866_Shape">
+            <a:extLst>
+              <a:ext uri="{FF2B5EF4-FFF2-40B4-BE49-F238E27FC236}">
+                <a16:creationId xmlns:a16="http://schemas.microsoft.com/office/drawing/2014/main" id="{145C510A-3B77-4BD5-9111-DA6A3A58991E}"/>
+              </a:ext>
+            </a:extLst>
+          </p:cNvPr>
+          <p:cNvSpPr/>
+          <p:nvPr>
+            <p:custDataLst>
+              <p:tags r:id="rId101"/>
+            </p:custDataLst>
+          </p:nvPr>
+        </p:nvSpPr>
+        <p:spPr>
+          <a:xfrm>
+            <a:off x="4505174" y="2057188"/>
+            <a:ext cx="165100" cy="165100"/>
+          </a:xfrm>
+          <a:prstGeom prst="wave">
+            <a:avLst/>
+          </a:prstGeom>
+          <a:solidFill>
+            <a:srgbClr val="EA161E"/>
+          </a:solidFill>
+          <a:ln w="12700" cap="flat" cmpd="sng" algn="ctr">
+            <a:noFill/>
+            <a:prstDash val="solid"/>
+            <a:miter lim="800000"/>
+          </a:ln>
+          <a:effectLst/>
+          <a:scene3d>
+            <a:camera prst="orthographicFront"/>
+            <a:lightRig rig="threePt" dir="t"/>
+          </a:scene3d>
+          <a:sp3d>
+            <a:bevelT h="12700"/>
+          </a:sp3d>
+          <a:extLst>
+            <a:ext uri="{91240B29-F687-4F45-9708-019B960494DF}">
+              <a14:hiddenLine xmlns:a14="http://schemas.microsoft.com/office/drawing/2010/main" w="12700" cap="flat" cmpd="sng" algn="ctr">
+                <a:solidFill>
+                  <a:schemeClr val="accent1">
+                    <a:shade val="50000"/>
+                  </a:schemeClr>
+                </a:solidFill>
+                <a:prstDash val="solid"/>
+                <a:miter lim="800000"/>
+              </a14:hiddenLine>
+            </a:ext>
+          </a:extLst>
+        </p:spPr>
+        <p:style>
+          <a:lnRef idx="2">
+            <a:schemeClr val="accent1">
+              <a:shade val="50000"/>
+            </a:schemeClr>
+          </a:lnRef>
+          <a:fillRef idx="1">
+            <a:schemeClr val="accent1"/>
+          </a:fillRef>
+          <a:effectRef idx="0">
+            <a:schemeClr val="accent1"/>
+          </a:effectRef>
+          <a:fontRef idx="minor">
+            <a:schemeClr val="lt1"/>
+          </a:fontRef>
+        </p:style>
+        <p:txBody>
+          <a:bodyPr rtlCol="0" anchor="ctr"/>
+          <a:lstStyle/>
+          <a:p>
+            <a:pPr algn="ctr"/>
+            <a:endParaRPr lang="en-US"/>
+          </a:p>
+        </p:txBody>
+      </p:sp>
+      <p:sp>
+        <p:nvSpPr>
+          <p:cNvPr id="47" name="OTLSHAPE_M_46abe3f955d64b66a04a7eb9cb3b00a8_Shape">
+            <a:extLst>
+              <a:ext uri="{FF2B5EF4-FFF2-40B4-BE49-F238E27FC236}">
+                <a16:creationId xmlns:a16="http://schemas.microsoft.com/office/drawing/2014/main" id="{CFBB9CF4-1F03-4072-ABC4-CFD4FBB2CF21}"/>
+              </a:ext>
+            </a:extLst>
+          </p:cNvPr>
+          <p:cNvSpPr/>
+          <p:nvPr>
+            <p:custDataLst>
+              <p:tags r:id="rId102"/>
+            </p:custDataLst>
+          </p:nvPr>
+        </p:nvSpPr>
+        <p:spPr>
+          <a:xfrm>
+            <a:off x="7046191" y="2160221"/>
+            <a:ext cx="165100" cy="165100"/>
+          </a:xfrm>
+          <a:prstGeom prst="wave">
+            <a:avLst/>
+          </a:prstGeom>
+          <a:solidFill>
+            <a:srgbClr val="EA161E"/>
+          </a:solidFill>
+          <a:ln w="12700" cap="flat" cmpd="sng" algn="ctr">
+            <a:noFill/>
+            <a:prstDash val="solid"/>
+            <a:miter lim="800000"/>
+          </a:ln>
+          <a:effectLst/>
+          <a:scene3d>
+            <a:camera prst="orthographicFront"/>
+            <a:lightRig rig="threePt" dir="t"/>
+          </a:scene3d>
+          <a:sp3d>
+            <a:bevelT h="12700"/>
+          </a:sp3d>
+          <a:extLst>
+            <a:ext uri="{91240B29-F687-4F45-9708-019B960494DF}">
+              <a14:hiddenLine xmlns:a14="http://schemas.microsoft.com/office/drawing/2010/main" w="12700" cap="flat" cmpd="sng" algn="ctr">
+                <a:solidFill>
+                  <a:schemeClr val="accent1">
+                    <a:shade val="50000"/>
+                  </a:schemeClr>
+                </a:solidFill>
+                <a:prstDash val="solid"/>
+                <a:miter lim="800000"/>
+              </a14:hiddenLine>
+            </a:ext>
+          </a:extLst>
+        </p:spPr>
+        <p:style>
+          <a:lnRef idx="2">
+            <a:schemeClr val="accent1">
+              <a:shade val="50000"/>
+            </a:schemeClr>
+          </a:lnRef>
+          <a:fillRef idx="1">
+            <a:schemeClr val="accent1"/>
+          </a:fillRef>
+          <a:effectRef idx="0">
+            <a:schemeClr val="accent1"/>
+          </a:effectRef>
+          <a:fontRef idx="minor">
+            <a:schemeClr val="lt1"/>
+          </a:fontRef>
+        </p:style>
+        <p:txBody>
+          <a:bodyPr rtlCol="0" anchor="ctr"/>
+          <a:lstStyle/>
+          <a:p>
+            <a:pPr algn="ctr"/>
+            <a:endParaRPr lang="en-US"/>
+          </a:p>
+        </p:txBody>
+      </p:sp>
+      <p:sp>
+        <p:nvSpPr>
+          <p:cNvPr id="18" name="OTLSHAPE_M_841a70fcf0844b768bd3c93d8e82cdc4_Title">
+            <a:extLst>
+              <a:ext uri="{FF2B5EF4-FFF2-40B4-BE49-F238E27FC236}">
+                <a16:creationId xmlns:a16="http://schemas.microsoft.com/office/drawing/2014/main" id="{5BDA52D4-42AF-4A10-BBA3-50965583C5C3}"/>
+              </a:ext>
+            </a:extLst>
+          </p:cNvPr>
+          <p:cNvSpPr txBox="1"/>
+          <p:nvPr>
+            <p:custDataLst>
+              <p:tags r:id="rId103"/>
+            </p:custDataLst>
+          </p:nvPr>
+        </p:nvSpPr>
+        <p:spPr>
+          <a:xfrm>
+            <a:off x="2538634" y="749570"/>
+            <a:ext cx="2425700" cy="170519"/>
+          </a:xfrm>
+          <a:prstGeom prst="rect">
+            <a:avLst/>
+          </a:prstGeom>
+          <a:noFill/>
+        </p:spPr>
+        <p:txBody>
+          <a:bodyPr vert="horz" wrap="square" lIns="0" tIns="0" rIns="0" bIns="0" rtlCol="0" anchor="ctr" anchorCtr="0">
+            <a:spAutoFit/>
+          </a:bodyPr>
+          <a:lstStyle/>
+          <a:p>
+            <a:r>
+              <a:rPr lang="en-US" sz="1100" spc="-2">
+                <a:solidFill>
+                  <a:schemeClr val="dk1"/>
+                </a:solidFill>
+                <a:latin typeface="Calibri" panose="020F0502020204030204" pitchFamily="34" charset="0"/>
+              </a:rPr>
+              <a:t>End Phase Planning (Review Documments)</a:t>
+            </a:r>
+          </a:p>
+        </p:txBody>
+      </p:sp>
+      <p:sp>
+        <p:nvSpPr>
+          <p:cNvPr id="19" name="OTLSHAPE_M_841a70fcf0844b768bd3c93d8e82cdc4_Date">
+            <a:extLst>
+              <a:ext uri="{FF2B5EF4-FFF2-40B4-BE49-F238E27FC236}">
+                <a16:creationId xmlns:a16="http://schemas.microsoft.com/office/drawing/2014/main" id="{A1295621-EACF-4873-B202-87346F424C67}"/>
+              </a:ext>
+            </a:extLst>
+          </p:cNvPr>
+          <p:cNvSpPr txBox="1"/>
+          <p:nvPr>
+            <p:custDataLst>
+              <p:tags r:id="rId104"/>
+            </p:custDataLst>
+          </p:nvPr>
+        </p:nvSpPr>
+        <p:spPr>
+          <a:xfrm>
+            <a:off x="2538634" y="932789"/>
+            <a:ext cx="304800" cy="155025"/>
+          </a:xfrm>
+          <a:prstGeom prst="rect">
+            <a:avLst/>
+          </a:prstGeom>
+          <a:noFill/>
+        </p:spPr>
+        <p:txBody>
+          <a:bodyPr vert="horz" wrap="square" lIns="0" tIns="0" rIns="0" bIns="0" rtlCol="0" anchor="ctr" anchorCtr="0">
+            <a:spAutoFit/>
+          </a:bodyPr>
+          <a:lstStyle/>
+          <a:p>
+            <a:r>
+              <a:rPr lang="en-US" sz="1000" spc="-6">
+                <a:solidFill>
+                  <a:schemeClr val="dk2"/>
+                </a:solidFill>
+                <a:latin typeface="Calibri" panose="020F0502020204030204" pitchFamily="34" charset="0"/>
+              </a:rPr>
+              <a:t>Nov 9</a:t>
+            </a:r>
+          </a:p>
+        </p:txBody>
+      </p:sp>
+      <p:sp>
+        <p:nvSpPr>
+          <p:cNvPr id="26" name="OTLSHAPE_M_315e3df03a234161b9519aae38b30fa2_Title">
+            <a:extLst>
+              <a:ext uri="{FF2B5EF4-FFF2-40B4-BE49-F238E27FC236}">
+                <a16:creationId xmlns:a16="http://schemas.microsoft.com/office/drawing/2014/main" id="{8C93A3F8-D95B-477B-AC24-AB8867DC297E}"/>
+              </a:ext>
+            </a:extLst>
+          </p:cNvPr>
+          <p:cNvSpPr txBox="1"/>
+          <p:nvPr>
+            <p:custDataLst>
+              <p:tags r:id="rId105"/>
+            </p:custDataLst>
+          </p:nvPr>
+        </p:nvSpPr>
+        <p:spPr>
+          <a:xfrm>
+            <a:off x="11044689" y="1945217"/>
+            <a:ext cx="749300" cy="170519"/>
+          </a:xfrm>
+          <a:prstGeom prst="rect">
+            <a:avLst/>
+          </a:prstGeom>
+          <a:noFill/>
+        </p:spPr>
+        <p:txBody>
+          <a:bodyPr vert="horz" wrap="square" lIns="0" tIns="0" rIns="0" bIns="0" rtlCol="0" anchor="ctr" anchorCtr="0">
+            <a:spAutoFit/>
+          </a:bodyPr>
+          <a:lstStyle/>
+          <a:p>
+            <a:r>
+              <a:rPr lang="en-US" sz="1100" spc="-4" dirty="0">
+                <a:solidFill>
+                  <a:schemeClr val="dk1"/>
+                </a:solidFill>
+                <a:latin typeface="Calibri" panose="020F0502020204030204" pitchFamily="34" charset="0"/>
+              </a:rPr>
+              <a:t>Close Project</a:t>
+            </a:r>
+          </a:p>
+        </p:txBody>
+      </p:sp>
+      <p:sp>
+        <p:nvSpPr>
+          <p:cNvPr id="27" name="OTLSHAPE_M_315e3df03a234161b9519aae38b30fa2_Date">
+            <a:extLst>
+              <a:ext uri="{FF2B5EF4-FFF2-40B4-BE49-F238E27FC236}">
+                <a16:creationId xmlns:a16="http://schemas.microsoft.com/office/drawing/2014/main" id="{EFEE49F0-F19C-4244-9A0B-200CC813B3A4}"/>
+              </a:ext>
+            </a:extLst>
+          </p:cNvPr>
+          <p:cNvSpPr txBox="1"/>
+          <p:nvPr>
+            <p:custDataLst>
+              <p:tags r:id="rId106"/>
+            </p:custDataLst>
+          </p:nvPr>
+        </p:nvSpPr>
+        <p:spPr>
+          <a:xfrm>
+            <a:off x="11044688" y="2129003"/>
+            <a:ext cx="451661" cy="153888"/>
+          </a:xfrm>
+          <a:prstGeom prst="rect">
+            <a:avLst/>
+          </a:prstGeom>
+          <a:noFill/>
+        </p:spPr>
+        <p:txBody>
+          <a:bodyPr vert="horz" wrap="square" lIns="0" tIns="0" rIns="0" bIns="0" rtlCol="0" anchor="ctr" anchorCtr="0">
+            <a:spAutoFit/>
+          </a:bodyPr>
+          <a:lstStyle/>
+          <a:p>
+            <a:r>
+              <a:rPr lang="en-US" sz="1000" spc="-6" dirty="0">
+                <a:solidFill>
+                  <a:schemeClr val="dk2"/>
+                </a:solidFill>
+                <a:latin typeface="Calibri" panose="020F0502020204030204" pitchFamily="34" charset="0"/>
+              </a:rPr>
+              <a:t>June 30</a:t>
+            </a:r>
+          </a:p>
+        </p:txBody>
+      </p:sp>
+      <p:sp>
+        <p:nvSpPr>
+          <p:cNvPr id="5852" name="OTLSHAPE_M_f36886370e824535b35719d05e608266_Title">
+            <a:extLst>
+              <a:ext uri="{FF2B5EF4-FFF2-40B4-BE49-F238E27FC236}">
+                <a16:creationId xmlns:a16="http://schemas.microsoft.com/office/drawing/2014/main" id="{BA461FA7-39F7-4421-AE89-AB942E204E26}"/>
+              </a:ext>
+            </a:extLst>
+          </p:cNvPr>
+          <p:cNvSpPr txBox="1"/>
+          <p:nvPr>
+            <p:custDataLst>
+              <p:tags r:id="rId107"/>
+            </p:custDataLst>
+          </p:nvPr>
+        </p:nvSpPr>
+        <p:spPr>
+          <a:xfrm>
+            <a:off x="2882810" y="1492673"/>
+            <a:ext cx="495300" cy="170519"/>
+          </a:xfrm>
+          <a:prstGeom prst="rect">
+            <a:avLst/>
+          </a:prstGeom>
+          <a:noFill/>
+        </p:spPr>
+        <p:txBody>
+          <a:bodyPr vert="horz" wrap="square" lIns="0" tIns="0" rIns="0" bIns="0" rtlCol="0" anchor="ctr" anchorCtr="0">
+            <a:spAutoFit/>
+          </a:bodyPr>
+          <a:lstStyle/>
+          <a:p>
+            <a:r>
+              <a:rPr lang="en-US" sz="1100" spc="-10">
+                <a:solidFill>
+                  <a:schemeClr val="dk1"/>
+                </a:solidFill>
+                <a:latin typeface="Calibri" panose="020F0502020204030204" pitchFamily="34" charset="0"/>
+              </a:rPr>
+              <a:t>EOMP#1</a:t>
+            </a:r>
+          </a:p>
+        </p:txBody>
+      </p:sp>
+      <p:sp>
+        <p:nvSpPr>
+          <p:cNvPr id="5853" name="OTLSHAPE_M_f36886370e824535b35719d05e608266_Date">
+            <a:extLst>
+              <a:ext uri="{FF2B5EF4-FFF2-40B4-BE49-F238E27FC236}">
+                <a16:creationId xmlns:a16="http://schemas.microsoft.com/office/drawing/2014/main" id="{68CDEDDB-6D77-4017-B385-2E402F99E260}"/>
+              </a:ext>
+            </a:extLst>
+          </p:cNvPr>
+          <p:cNvSpPr txBox="1"/>
+          <p:nvPr>
+            <p:custDataLst>
+              <p:tags r:id="rId108"/>
+            </p:custDataLst>
+          </p:nvPr>
+        </p:nvSpPr>
+        <p:spPr>
+          <a:xfrm>
+            <a:off x="2882810" y="1675892"/>
+            <a:ext cx="368300" cy="155025"/>
+          </a:xfrm>
+          <a:prstGeom prst="rect">
+            <a:avLst/>
+          </a:prstGeom>
+          <a:noFill/>
+        </p:spPr>
+        <p:txBody>
+          <a:bodyPr vert="horz" wrap="square" lIns="0" tIns="0" rIns="0" bIns="0" rtlCol="0" anchor="ctr" anchorCtr="0">
+            <a:spAutoFit/>
+          </a:bodyPr>
+          <a:lstStyle/>
+          <a:p>
+            <a:r>
+              <a:rPr lang="en-US" sz="1000" spc="-6">
+                <a:solidFill>
+                  <a:schemeClr val="dk2"/>
+                </a:solidFill>
+                <a:latin typeface="Calibri" panose="020F0502020204030204" pitchFamily="34" charset="0"/>
+              </a:rPr>
+              <a:t>Nov 16</a:t>
+            </a:r>
+          </a:p>
+        </p:txBody>
+      </p:sp>
+      <p:sp>
+        <p:nvSpPr>
+          <p:cNvPr id="30" name="OTLSHAPE_M_440a7e1110954cea9aadfc599fcb2486_Title">
+            <a:extLst>
+              <a:ext uri="{FF2B5EF4-FFF2-40B4-BE49-F238E27FC236}">
+                <a16:creationId xmlns:a16="http://schemas.microsoft.com/office/drawing/2014/main" id="{DE82AA4C-1C1B-4A93-9F83-B5AFC588CA96}"/>
+              </a:ext>
+            </a:extLst>
+          </p:cNvPr>
+          <p:cNvSpPr txBox="1"/>
+          <p:nvPr>
+            <p:custDataLst>
+              <p:tags r:id="rId109"/>
+            </p:custDataLst>
+          </p:nvPr>
+        </p:nvSpPr>
+        <p:spPr>
+          <a:xfrm>
+            <a:off x="3571161" y="1945217"/>
+            <a:ext cx="876300" cy="170519"/>
+          </a:xfrm>
+          <a:prstGeom prst="rect">
+            <a:avLst/>
+          </a:prstGeom>
+          <a:noFill/>
+        </p:spPr>
+        <p:txBody>
+          <a:bodyPr vert="horz" wrap="square" lIns="0" tIns="0" rIns="0" bIns="0" rtlCol="0" anchor="ctr" anchorCtr="0">
+            <a:spAutoFit/>
+          </a:bodyPr>
+          <a:lstStyle/>
+          <a:p>
+            <a:r>
+              <a:rPr lang="en-US" sz="1100" spc="-4">
+                <a:solidFill>
+                  <a:schemeClr val="dk1"/>
+                </a:solidFill>
+                <a:latin typeface="Calibri" panose="020F0502020204030204" pitchFamily="34" charset="0"/>
+              </a:rPr>
+              <a:t>Baseline RE, AR</a:t>
+            </a:r>
+          </a:p>
+        </p:txBody>
+      </p:sp>
+      <p:sp>
+        <p:nvSpPr>
+          <p:cNvPr id="31" name="OTLSHAPE_M_440a7e1110954cea9aadfc599fcb2486_Date">
+            <a:extLst>
+              <a:ext uri="{FF2B5EF4-FFF2-40B4-BE49-F238E27FC236}">
+                <a16:creationId xmlns:a16="http://schemas.microsoft.com/office/drawing/2014/main" id="{D54352CA-DEFA-4328-9FAA-489B15B1F1D0}"/>
+              </a:ext>
+            </a:extLst>
+          </p:cNvPr>
+          <p:cNvSpPr txBox="1"/>
+          <p:nvPr>
+            <p:custDataLst>
+              <p:tags r:id="rId110"/>
+            </p:custDataLst>
+          </p:nvPr>
+        </p:nvSpPr>
+        <p:spPr>
+          <a:xfrm>
+            <a:off x="3571161" y="2128435"/>
+            <a:ext cx="368300" cy="155025"/>
+          </a:xfrm>
+          <a:prstGeom prst="rect">
+            <a:avLst/>
+          </a:prstGeom>
+          <a:noFill/>
+        </p:spPr>
+        <p:txBody>
+          <a:bodyPr vert="horz" wrap="square" lIns="0" tIns="0" rIns="0" bIns="0" rtlCol="0" anchor="ctr" anchorCtr="0">
+            <a:spAutoFit/>
+          </a:bodyPr>
+          <a:lstStyle/>
+          <a:p>
+            <a:r>
+              <a:rPr lang="en-US" sz="1000" spc="-6">
+                <a:solidFill>
+                  <a:schemeClr val="dk2"/>
+                </a:solidFill>
+                <a:latin typeface="Calibri" panose="020F0502020204030204" pitchFamily="34" charset="0"/>
+              </a:rPr>
+              <a:t>Nov 30</a:t>
+            </a:r>
+          </a:p>
+        </p:txBody>
+      </p:sp>
+      <p:sp>
+        <p:nvSpPr>
+          <p:cNvPr id="3" name="OTLSHAPE_M_b8d8e3a727d34366833bd51745f4c1c0_Title">
+            <a:extLst>
+              <a:ext uri="{FF2B5EF4-FFF2-40B4-BE49-F238E27FC236}">
+                <a16:creationId xmlns:a16="http://schemas.microsoft.com/office/drawing/2014/main" id="{4FFEFB06-A2FD-4941-93C5-AB5D9E851364}"/>
+              </a:ext>
+            </a:extLst>
+          </p:cNvPr>
+          <p:cNvSpPr txBox="1"/>
+          <p:nvPr>
+            <p:custDataLst>
+              <p:tags r:id="rId111"/>
+            </p:custDataLst>
+          </p:nvPr>
+        </p:nvSpPr>
+        <p:spPr>
+          <a:xfrm>
+            <a:off x="5439543" y="1040130"/>
+            <a:ext cx="495300" cy="170519"/>
+          </a:xfrm>
+          <a:prstGeom prst="rect">
+            <a:avLst/>
+          </a:prstGeom>
+          <a:noFill/>
+        </p:spPr>
+        <p:txBody>
+          <a:bodyPr vert="horz" wrap="square" lIns="0" tIns="0" rIns="0" bIns="0" rtlCol="0" anchor="ctr" anchorCtr="0">
+            <a:spAutoFit/>
+          </a:bodyPr>
+          <a:lstStyle/>
+          <a:p>
+            <a:r>
+              <a:rPr lang="en-US" sz="1100" spc="-10">
+                <a:solidFill>
+                  <a:schemeClr val="dk1"/>
+                </a:solidFill>
+                <a:latin typeface="Calibri" panose="020F0502020204030204" pitchFamily="34" charset="0"/>
+              </a:rPr>
+              <a:t>EOPM#2</a:t>
+            </a:r>
+          </a:p>
+        </p:txBody>
+      </p:sp>
+      <p:sp>
+        <p:nvSpPr>
+          <p:cNvPr id="4" name="OTLSHAPE_M_b8d8e3a727d34366833bd51745f4c1c0_Date">
+            <a:extLst>
+              <a:ext uri="{FF2B5EF4-FFF2-40B4-BE49-F238E27FC236}">
+                <a16:creationId xmlns:a16="http://schemas.microsoft.com/office/drawing/2014/main" id="{2155A319-4D61-41E0-8AE1-6FDE0BDB291F}"/>
+              </a:ext>
+            </a:extLst>
+          </p:cNvPr>
+          <p:cNvSpPr txBox="1"/>
+          <p:nvPr>
+            <p:custDataLst>
+              <p:tags r:id="rId112"/>
+            </p:custDataLst>
+          </p:nvPr>
+        </p:nvSpPr>
+        <p:spPr>
+          <a:xfrm>
+            <a:off x="5439543" y="1223349"/>
+            <a:ext cx="266700" cy="155025"/>
+          </a:xfrm>
+          <a:prstGeom prst="rect">
+            <a:avLst/>
+          </a:prstGeom>
+          <a:noFill/>
+        </p:spPr>
+        <p:txBody>
+          <a:bodyPr vert="horz" wrap="square" lIns="0" tIns="0" rIns="0" bIns="0" rtlCol="0" anchor="ctr" anchorCtr="0">
+            <a:spAutoFit/>
+          </a:bodyPr>
+          <a:lstStyle/>
+          <a:p>
+            <a:r>
+              <a:rPr lang="en-US" sz="1000" spc="-6">
+                <a:solidFill>
+                  <a:schemeClr val="dk2"/>
+                </a:solidFill>
+                <a:latin typeface="Calibri" panose="020F0502020204030204" pitchFamily="34" charset="0"/>
+              </a:rPr>
+              <a:t>Jan 7</a:t>
+            </a:r>
+          </a:p>
+        </p:txBody>
+      </p:sp>
+      <p:sp>
+        <p:nvSpPr>
+          <p:cNvPr id="39" name="OTLSHAPE_M_d7718b2de0af4d4e89c3ffe6ae0bd866_Title">
+            <a:extLst>
+              <a:ext uri="{FF2B5EF4-FFF2-40B4-BE49-F238E27FC236}">
+                <a16:creationId xmlns:a16="http://schemas.microsoft.com/office/drawing/2014/main" id="{1DA24B3A-0C26-4B99-9F75-E479D63AD634}"/>
+              </a:ext>
+            </a:extLst>
+          </p:cNvPr>
+          <p:cNvSpPr txBox="1"/>
+          <p:nvPr>
+            <p:custDataLst>
+              <p:tags r:id="rId113"/>
+            </p:custDataLst>
+          </p:nvPr>
+        </p:nvSpPr>
+        <p:spPr>
+          <a:xfrm>
+            <a:off x="4702024" y="1945217"/>
+            <a:ext cx="850900" cy="170519"/>
+          </a:xfrm>
+          <a:prstGeom prst="rect">
+            <a:avLst/>
+          </a:prstGeom>
+          <a:noFill/>
+        </p:spPr>
+        <p:txBody>
+          <a:bodyPr vert="horz" wrap="square" lIns="0" tIns="0" rIns="0" bIns="0" rtlCol="0" anchor="ctr" anchorCtr="0">
+            <a:spAutoFit/>
+          </a:bodyPr>
+          <a:lstStyle/>
+          <a:p>
+            <a:r>
+              <a:rPr lang="en-US" sz="1100" spc="-4" dirty="0">
+                <a:solidFill>
+                  <a:schemeClr val="dk1"/>
+                </a:solidFill>
+                <a:latin typeface="Calibri" panose="020F0502020204030204" pitchFamily="34" charset="0"/>
+              </a:rPr>
+              <a:t>Start Module 1</a:t>
+            </a:r>
+          </a:p>
+        </p:txBody>
+      </p:sp>
+      <p:sp>
+        <p:nvSpPr>
+          <p:cNvPr id="40" name="OTLSHAPE_M_d7718b2de0af4d4e89c3ffe6ae0bd866_Date">
+            <a:extLst>
+              <a:ext uri="{FF2B5EF4-FFF2-40B4-BE49-F238E27FC236}">
+                <a16:creationId xmlns:a16="http://schemas.microsoft.com/office/drawing/2014/main" id="{C6F59816-F3F2-49B7-BAF5-4930DCE4DB0E}"/>
+              </a:ext>
+            </a:extLst>
+          </p:cNvPr>
+          <p:cNvSpPr txBox="1"/>
+          <p:nvPr>
+            <p:custDataLst>
+              <p:tags r:id="rId114"/>
+            </p:custDataLst>
+          </p:nvPr>
+        </p:nvSpPr>
+        <p:spPr>
+          <a:xfrm>
+            <a:off x="4702024" y="2128435"/>
+            <a:ext cx="355600" cy="155025"/>
+          </a:xfrm>
+          <a:prstGeom prst="rect">
+            <a:avLst/>
+          </a:prstGeom>
+          <a:noFill/>
+        </p:spPr>
+        <p:txBody>
+          <a:bodyPr vert="horz" wrap="square" lIns="0" tIns="0" rIns="0" bIns="0" rtlCol="0" anchor="ctr" anchorCtr="0">
+            <a:spAutoFit/>
+          </a:bodyPr>
+          <a:lstStyle/>
+          <a:p>
+            <a:r>
+              <a:rPr lang="en-US" sz="1000" spc="-6" dirty="0">
+                <a:solidFill>
+                  <a:schemeClr val="dk2"/>
+                </a:solidFill>
+                <a:latin typeface="Calibri" panose="020F0502020204030204" pitchFamily="34" charset="0"/>
+              </a:rPr>
+              <a:t>Dec 23</a:t>
+            </a:r>
+          </a:p>
+        </p:txBody>
+      </p:sp>
+      <p:sp>
+        <p:nvSpPr>
+          <p:cNvPr id="45" name="OTLSHAPE_M_46abe3f955d64b66a04a7eb9cb3b00a8_Title">
+            <a:extLst>
+              <a:ext uri="{FF2B5EF4-FFF2-40B4-BE49-F238E27FC236}">
+                <a16:creationId xmlns:a16="http://schemas.microsoft.com/office/drawing/2014/main" id="{40F36F8C-DC94-454C-8925-0A4BE02046BA}"/>
+              </a:ext>
+            </a:extLst>
+          </p:cNvPr>
+          <p:cNvSpPr txBox="1"/>
+          <p:nvPr>
+            <p:custDataLst>
+              <p:tags r:id="rId115"/>
+            </p:custDataLst>
+          </p:nvPr>
+        </p:nvSpPr>
+        <p:spPr>
+          <a:xfrm>
+            <a:off x="5390375" y="1492673"/>
+            <a:ext cx="850900" cy="170519"/>
+          </a:xfrm>
+          <a:prstGeom prst="rect">
+            <a:avLst/>
+          </a:prstGeom>
+          <a:noFill/>
+        </p:spPr>
+        <p:txBody>
+          <a:bodyPr vert="horz" wrap="square" lIns="0" tIns="0" rIns="0" bIns="0" rtlCol="0" anchor="ctr" anchorCtr="0">
+            <a:spAutoFit/>
+          </a:bodyPr>
+          <a:lstStyle/>
+          <a:p>
+            <a:r>
+              <a:rPr lang="en-US" sz="1100" spc="-4">
+                <a:solidFill>
+                  <a:schemeClr val="dk1"/>
+                </a:solidFill>
+                <a:latin typeface="Calibri" panose="020F0502020204030204" pitchFamily="34" charset="0"/>
+              </a:rPr>
+              <a:t>Start Module 2</a:t>
+            </a:r>
+          </a:p>
+        </p:txBody>
+      </p:sp>
+      <p:sp>
+        <p:nvSpPr>
+          <p:cNvPr id="46" name="OTLSHAPE_M_46abe3f955d64b66a04a7eb9cb3b00a8_Date">
+            <a:extLst>
+              <a:ext uri="{FF2B5EF4-FFF2-40B4-BE49-F238E27FC236}">
+                <a16:creationId xmlns:a16="http://schemas.microsoft.com/office/drawing/2014/main" id="{DBD55B0E-7645-4A72-ACCC-32DF3B675668}"/>
+              </a:ext>
+            </a:extLst>
+          </p:cNvPr>
+          <p:cNvSpPr txBox="1"/>
+          <p:nvPr>
+            <p:custDataLst>
+              <p:tags r:id="rId116"/>
+            </p:custDataLst>
+          </p:nvPr>
+        </p:nvSpPr>
+        <p:spPr>
+          <a:xfrm>
+            <a:off x="5390375" y="1675892"/>
+            <a:ext cx="266700" cy="155025"/>
+          </a:xfrm>
+          <a:prstGeom prst="rect">
+            <a:avLst/>
+          </a:prstGeom>
+          <a:noFill/>
+        </p:spPr>
+        <p:txBody>
+          <a:bodyPr vert="horz" wrap="square" lIns="0" tIns="0" rIns="0" bIns="0" rtlCol="0" anchor="ctr" anchorCtr="0">
+            <a:spAutoFit/>
+          </a:bodyPr>
+          <a:lstStyle/>
+          <a:p>
+            <a:r>
+              <a:rPr lang="en-US" sz="1000" spc="-6">
+                <a:solidFill>
+                  <a:schemeClr val="dk2"/>
+                </a:solidFill>
+                <a:latin typeface="Calibri" panose="020F0502020204030204" pitchFamily="34" charset="0"/>
+              </a:rPr>
+              <a:t>Jan 6</a:t>
+            </a:r>
+          </a:p>
+        </p:txBody>
+      </p:sp>
+      <p:cxnSp>
+        <p:nvCxnSpPr>
+          <p:cNvPr id="120" name="OTLSHAPE_TB_00000000000000000000000000000000_Separator8">
+            <a:extLst>
+              <a:ext uri="{FF2B5EF4-FFF2-40B4-BE49-F238E27FC236}">
+                <a16:creationId xmlns:a16="http://schemas.microsoft.com/office/drawing/2014/main" id="{45549CA5-A71B-4CC7-9C6C-5735E0C3257D}"/>
+              </a:ext>
+            </a:extLst>
+          </p:cNvPr>
+          <p:cNvCxnSpPr/>
+          <p:nvPr>
+            <p:custDataLst>
+              <p:tags r:id="rId117"/>
+            </p:custDataLst>
+          </p:nvPr>
+        </p:nvCxnSpPr>
+        <p:spPr>
+          <a:xfrm>
+            <a:off x="9268000" y="2569892"/>
+            <a:ext cx="0" cy="254000"/>
+          </a:xfrm>
+          <a:prstGeom prst="line">
+            <a:avLst/>
+          </a:prstGeom>
+          <a:ln w="9525" cap="flat" cmpd="sng" algn="ctr">
+            <a:solidFill>
+              <a:schemeClr val="lt1">
+                <a:alpha val="29804"/>
+              </a:schemeClr>
+            </a:solidFill>
+            <a:prstDash val="solid"/>
+            <a:miter lim="800000"/>
+            <a:headEnd type="none" w="med" len="med"/>
+            <a:tailEnd type="none" w="med" len="med"/>
+          </a:ln>
+        </p:spPr>
+        <p:style>
+          <a:lnRef idx="1">
+            <a:schemeClr val="accent1"/>
+          </a:lnRef>
+          <a:fillRef idx="0">
+            <a:schemeClr val="accent1"/>
+          </a:fillRef>
+          <a:effectRef idx="0">
+            <a:schemeClr val="accent1"/>
+          </a:effectRef>
+          <a:fontRef idx="minor">
+            <a:schemeClr val="tx1"/>
+          </a:fontRef>
+        </p:style>
+      </p:cxnSp>
+      <p:sp>
+        <p:nvSpPr>
+          <p:cNvPr id="121" name="OTLSHAPE_TB_00000000000000000000000000000000_TimescaleInterval9">
+            <a:extLst>
+              <a:ext uri="{FF2B5EF4-FFF2-40B4-BE49-F238E27FC236}">
+                <a16:creationId xmlns:a16="http://schemas.microsoft.com/office/drawing/2014/main" id="{C576B04B-EC1F-4931-A233-2FBD9C787C24}"/>
+              </a:ext>
+            </a:extLst>
+          </p:cNvPr>
+          <p:cNvSpPr txBox="1"/>
+          <p:nvPr>
+            <p:custDataLst>
+              <p:tags r:id="rId118"/>
+            </p:custDataLst>
+          </p:nvPr>
+        </p:nvSpPr>
+        <p:spPr>
+          <a:xfrm>
+            <a:off x="9327875" y="2603177"/>
+            <a:ext cx="150939" cy="186055"/>
+          </a:xfrm>
+          <a:prstGeom prst="rect">
+            <a:avLst/>
+          </a:prstGeom>
+          <a:noFill/>
+        </p:spPr>
+        <p:txBody>
+          <a:bodyPr vert="horz" wrap="none" lIns="0" tIns="0" rIns="0" bIns="0" rtlCol="0" anchor="ctr" anchorCtr="0">
+            <a:noAutofit/>
+          </a:bodyPr>
+          <a:lstStyle/>
+          <a:p>
+            <a:r>
+              <a:rPr lang="en-GB" sz="1200" spc="-26" dirty="0">
+                <a:solidFill>
+                  <a:schemeClr val="lt1"/>
+                </a:solidFill>
+                <a:latin typeface="Calibri" panose="020F0502020204030204" pitchFamily="34" charset="0"/>
+              </a:rPr>
+              <a:t>35</a:t>
+            </a:r>
+          </a:p>
+        </p:txBody>
+      </p:sp>
+      <p:cxnSp>
+        <p:nvCxnSpPr>
+          <p:cNvPr id="122" name="OTLSHAPE_TB_00000000000000000000000000000000_Separator8">
+            <a:extLst>
+              <a:ext uri="{FF2B5EF4-FFF2-40B4-BE49-F238E27FC236}">
+                <a16:creationId xmlns:a16="http://schemas.microsoft.com/office/drawing/2014/main" id="{BD2699B4-0797-49B5-9CA2-AA4C45B847CE}"/>
+              </a:ext>
+            </a:extLst>
+          </p:cNvPr>
+          <p:cNvCxnSpPr/>
+          <p:nvPr>
+            <p:custDataLst>
+              <p:tags r:id="rId119"/>
+            </p:custDataLst>
+          </p:nvPr>
+        </p:nvCxnSpPr>
+        <p:spPr>
+          <a:xfrm>
+            <a:off x="9760835" y="2569892"/>
+            <a:ext cx="0" cy="254000"/>
+          </a:xfrm>
+          <a:prstGeom prst="line">
+            <a:avLst/>
+          </a:prstGeom>
+          <a:ln w="9525" cap="flat" cmpd="sng" algn="ctr">
+            <a:solidFill>
+              <a:schemeClr val="lt1">
+                <a:alpha val="29804"/>
+              </a:schemeClr>
+            </a:solidFill>
+            <a:prstDash val="solid"/>
+            <a:miter lim="800000"/>
+            <a:headEnd type="none" w="med" len="med"/>
+            <a:tailEnd type="none" w="med" len="med"/>
+          </a:ln>
+        </p:spPr>
+        <p:style>
+          <a:lnRef idx="1">
+            <a:schemeClr val="accent1"/>
+          </a:lnRef>
+          <a:fillRef idx="0">
+            <a:schemeClr val="accent1"/>
+          </a:fillRef>
+          <a:effectRef idx="0">
+            <a:schemeClr val="accent1"/>
+          </a:effectRef>
+          <a:fontRef idx="minor">
+            <a:schemeClr val="tx1"/>
+          </a:fontRef>
+        </p:style>
+      </p:cxnSp>
+      <p:sp>
+        <p:nvSpPr>
+          <p:cNvPr id="123" name="OTLSHAPE_TB_00000000000000000000000000000000_TimescaleInterval9">
+            <a:extLst>
+              <a:ext uri="{FF2B5EF4-FFF2-40B4-BE49-F238E27FC236}">
+                <a16:creationId xmlns:a16="http://schemas.microsoft.com/office/drawing/2014/main" id="{3438253C-F34E-4C4B-BC7D-A5F18E731406}"/>
+              </a:ext>
+            </a:extLst>
+          </p:cNvPr>
+          <p:cNvSpPr txBox="1"/>
+          <p:nvPr>
+            <p:custDataLst>
+              <p:tags r:id="rId120"/>
+            </p:custDataLst>
+          </p:nvPr>
+        </p:nvSpPr>
+        <p:spPr>
+          <a:xfrm>
+            <a:off x="9842532" y="2595275"/>
+            <a:ext cx="150939" cy="186055"/>
+          </a:xfrm>
+          <a:prstGeom prst="rect">
+            <a:avLst/>
+          </a:prstGeom>
+          <a:noFill/>
+        </p:spPr>
+        <p:txBody>
+          <a:bodyPr vert="horz" wrap="none" lIns="0" tIns="0" rIns="0" bIns="0" rtlCol="0" anchor="ctr" anchorCtr="0">
+            <a:noAutofit/>
+          </a:bodyPr>
+          <a:lstStyle/>
+          <a:p>
+            <a:r>
+              <a:rPr lang="en-GB" sz="1200" spc="-26" dirty="0">
+                <a:solidFill>
+                  <a:schemeClr val="lt1"/>
+                </a:solidFill>
+                <a:latin typeface="Calibri" panose="020F0502020204030204" pitchFamily="34" charset="0"/>
+              </a:rPr>
+              <a:t>36</a:t>
+            </a:r>
+          </a:p>
+        </p:txBody>
+      </p:sp>
+      <p:sp>
+        <p:nvSpPr>
+          <p:cNvPr id="125" name="OTLSHAPE_M_841a70fcf0844b768bd3c93d8e82cdc4_Shape">
+            <a:extLst>
+              <a:ext uri="{FF2B5EF4-FFF2-40B4-BE49-F238E27FC236}">
+                <a16:creationId xmlns:a16="http://schemas.microsoft.com/office/drawing/2014/main" id="{E7ADFAF8-5913-4FDD-9EDF-E26C2BADD81C}"/>
+              </a:ext>
+            </a:extLst>
+          </p:cNvPr>
+          <p:cNvSpPr/>
+          <p:nvPr>
+            <p:custDataLst>
+              <p:tags r:id="rId121"/>
+            </p:custDataLst>
+          </p:nvPr>
+        </p:nvSpPr>
+        <p:spPr>
+          <a:xfrm>
+            <a:off x="8455028" y="647428"/>
+            <a:ext cx="165100" cy="165100"/>
+          </a:xfrm>
+          <a:prstGeom prst="wave">
+            <a:avLst/>
+          </a:prstGeom>
+          <a:solidFill>
+            <a:srgbClr val="EA161E"/>
+          </a:solidFill>
+          <a:ln w="12700" cap="flat" cmpd="sng" algn="ctr">
+            <a:noFill/>
+            <a:prstDash val="solid"/>
+            <a:miter lim="800000"/>
+          </a:ln>
+          <a:effectLst/>
+          <a:scene3d>
+            <a:camera prst="orthographicFront"/>
+            <a:lightRig rig="threePt" dir="t"/>
+          </a:scene3d>
+          <a:sp3d>
+            <a:bevelT h="12700"/>
+          </a:sp3d>
+          <a:extLst>
+            <a:ext uri="{91240B29-F687-4F45-9708-019B960494DF}">
+              <a14:hiddenLine xmlns:a14="http://schemas.microsoft.com/office/drawing/2010/main" w="12700" cap="flat" cmpd="sng" algn="ctr">
+                <a:solidFill>
+                  <a:schemeClr val="accent1">
+                    <a:shade val="50000"/>
+                  </a:schemeClr>
+                </a:solidFill>
+                <a:prstDash val="solid"/>
+                <a:miter lim="800000"/>
+              </a14:hiddenLine>
+            </a:ext>
+          </a:extLst>
+        </p:spPr>
+        <p:style>
+          <a:lnRef idx="2">
+            <a:schemeClr val="accent1">
+              <a:shade val="50000"/>
+            </a:schemeClr>
+          </a:lnRef>
+          <a:fillRef idx="1">
+            <a:schemeClr val="accent1"/>
+          </a:fillRef>
+          <a:effectRef idx="0">
+            <a:schemeClr val="accent1"/>
+          </a:effectRef>
+          <a:fontRef idx="minor">
+            <a:schemeClr val="lt1"/>
+          </a:fontRef>
+        </p:style>
+        <p:txBody>
+          <a:bodyPr rtlCol="0" anchor="ctr"/>
+          <a:lstStyle/>
+          <a:p>
+            <a:pPr algn="ctr"/>
+            <a:endParaRPr lang="en-US"/>
+          </a:p>
+        </p:txBody>
+      </p:sp>
+      <p:sp>
+        <p:nvSpPr>
+          <p:cNvPr id="126" name="OTLSHAPE_M_841a70fcf0844b768bd3c93d8e82cdc4_Shape">
+            <a:extLst>
+              <a:ext uri="{FF2B5EF4-FFF2-40B4-BE49-F238E27FC236}">
+                <a16:creationId xmlns:a16="http://schemas.microsoft.com/office/drawing/2014/main" id="{BD15434F-4838-46A0-A91B-D766B0FBB08E}"/>
+              </a:ext>
+            </a:extLst>
+          </p:cNvPr>
+          <p:cNvSpPr/>
+          <p:nvPr>
+            <p:custDataLst>
+              <p:tags r:id="rId122"/>
+            </p:custDataLst>
+          </p:nvPr>
+        </p:nvSpPr>
+        <p:spPr>
+          <a:xfrm>
+            <a:off x="7727225" y="1276413"/>
+            <a:ext cx="165100" cy="165100"/>
+          </a:xfrm>
+          <a:prstGeom prst="wave">
+            <a:avLst/>
+          </a:prstGeom>
+          <a:solidFill>
+            <a:srgbClr val="EA161E"/>
+          </a:solidFill>
+          <a:ln w="12700" cap="flat" cmpd="sng" algn="ctr">
+            <a:noFill/>
+            <a:prstDash val="solid"/>
+            <a:miter lim="800000"/>
+          </a:ln>
+          <a:effectLst/>
+          <a:scene3d>
+            <a:camera prst="orthographicFront"/>
+            <a:lightRig rig="threePt" dir="t"/>
+          </a:scene3d>
+          <a:sp3d>
+            <a:bevelT h="12700"/>
+          </a:sp3d>
+          <a:extLst>
+            <a:ext uri="{91240B29-F687-4F45-9708-019B960494DF}">
+              <a14:hiddenLine xmlns:a14="http://schemas.microsoft.com/office/drawing/2010/main" w="12700" cap="flat" cmpd="sng" algn="ctr">
+                <a:solidFill>
+                  <a:schemeClr val="accent1">
+                    <a:shade val="50000"/>
+                  </a:schemeClr>
+                </a:solidFill>
+                <a:prstDash val="solid"/>
+                <a:miter lim="800000"/>
+              </a14:hiddenLine>
+            </a:ext>
+          </a:extLst>
+        </p:spPr>
+        <p:style>
+          <a:lnRef idx="2">
+            <a:schemeClr val="accent1">
+              <a:shade val="50000"/>
+            </a:schemeClr>
+          </a:lnRef>
+          <a:fillRef idx="1">
+            <a:schemeClr val="accent1"/>
+          </a:fillRef>
+          <a:effectRef idx="0">
+            <a:schemeClr val="accent1"/>
+          </a:effectRef>
+          <a:fontRef idx="minor">
+            <a:schemeClr val="lt1"/>
+          </a:fontRef>
+        </p:style>
+        <p:txBody>
+          <a:bodyPr rtlCol="0" anchor="ctr"/>
+          <a:lstStyle/>
+          <a:p>
+            <a:pPr algn="ctr"/>
+            <a:endParaRPr lang="en-US"/>
+          </a:p>
+        </p:txBody>
+      </p:sp>
+      <p:sp>
+        <p:nvSpPr>
+          <p:cNvPr id="127" name="OTLSHAPE_M_315e3df03a234161b9519aae38b30fa2_Title">
+            <a:extLst>
+              <a:ext uri="{FF2B5EF4-FFF2-40B4-BE49-F238E27FC236}">
+                <a16:creationId xmlns:a16="http://schemas.microsoft.com/office/drawing/2014/main" id="{F4473120-81D8-4942-A918-C9450E5E946C}"/>
+              </a:ext>
+            </a:extLst>
+          </p:cNvPr>
+          <p:cNvSpPr txBox="1"/>
+          <p:nvPr>
+            <p:custDataLst>
+              <p:tags r:id="rId123"/>
+            </p:custDataLst>
+          </p:nvPr>
+        </p:nvSpPr>
+        <p:spPr>
+          <a:xfrm>
+            <a:off x="8668752" y="484447"/>
+            <a:ext cx="905503" cy="338554"/>
+          </a:xfrm>
+          <a:prstGeom prst="rect">
+            <a:avLst/>
+          </a:prstGeom>
+          <a:noFill/>
+        </p:spPr>
+        <p:txBody>
+          <a:bodyPr vert="horz" wrap="square" lIns="0" tIns="0" rIns="0" bIns="0" rtlCol="0" anchor="ctr" anchorCtr="0">
+            <a:spAutoFit/>
+          </a:bodyPr>
+          <a:lstStyle/>
+          <a:p>
+            <a:r>
+              <a:rPr lang="en-US" sz="1100" spc="-4" dirty="0">
+                <a:solidFill>
+                  <a:schemeClr val="dk1"/>
+                </a:solidFill>
+                <a:latin typeface="Calibri" panose="020F0502020204030204" pitchFamily="34" charset="0"/>
+              </a:rPr>
+              <a:t>Delivery (Module 1 &amp; 2)</a:t>
+            </a:r>
+          </a:p>
+        </p:txBody>
+      </p:sp>
+      <p:sp>
+        <p:nvSpPr>
+          <p:cNvPr id="128" name="OTLSHAPE_TB_00000000000000000000000000000000_TimescaleInterval8">
+            <a:extLst>
+              <a:ext uri="{FF2B5EF4-FFF2-40B4-BE49-F238E27FC236}">
+                <a16:creationId xmlns:a16="http://schemas.microsoft.com/office/drawing/2014/main" id="{E9A36D1F-AE42-4925-9017-BC79C9F58ADD}"/>
+              </a:ext>
+            </a:extLst>
+          </p:cNvPr>
+          <p:cNvSpPr txBox="1"/>
+          <p:nvPr>
+            <p:custDataLst>
+              <p:tags r:id="rId124"/>
+            </p:custDataLst>
+          </p:nvPr>
+        </p:nvSpPr>
+        <p:spPr>
+          <a:xfrm>
+            <a:off x="7770978" y="2598137"/>
+            <a:ext cx="150939" cy="186055"/>
+          </a:xfrm>
+          <a:prstGeom prst="rect">
+            <a:avLst/>
+          </a:prstGeom>
+          <a:noFill/>
+        </p:spPr>
+        <p:txBody>
+          <a:bodyPr vert="horz" wrap="none" lIns="0" tIns="0" rIns="0" bIns="0" rtlCol="0" anchor="ctr" anchorCtr="0">
+            <a:noAutofit/>
+          </a:bodyPr>
+          <a:lstStyle/>
+          <a:p>
+            <a:r>
+              <a:rPr lang="en-GB" sz="1200" spc="-26" dirty="0">
+                <a:solidFill>
+                  <a:schemeClr val="lt1"/>
+                </a:solidFill>
+                <a:latin typeface="Calibri" panose="020F0502020204030204" pitchFamily="34" charset="0"/>
+              </a:rPr>
+              <a:t>25</a:t>
+            </a:r>
+          </a:p>
+        </p:txBody>
+      </p:sp>
+      <p:cxnSp>
+        <p:nvCxnSpPr>
+          <p:cNvPr id="129" name="OTLSHAPE_TB_00000000000000000000000000000000_Separator8">
+            <a:extLst>
+              <a:ext uri="{FF2B5EF4-FFF2-40B4-BE49-F238E27FC236}">
+                <a16:creationId xmlns:a16="http://schemas.microsoft.com/office/drawing/2014/main" id="{64E41B0E-9DA8-43F7-ABC8-124926728382}"/>
+              </a:ext>
+            </a:extLst>
+          </p:cNvPr>
+          <p:cNvCxnSpPr/>
+          <p:nvPr>
+            <p:custDataLst>
+              <p:tags r:id="rId125"/>
+            </p:custDataLst>
+          </p:nvPr>
+        </p:nvCxnSpPr>
+        <p:spPr>
+          <a:xfrm>
+            <a:off x="7704156" y="2569892"/>
+            <a:ext cx="0" cy="254000"/>
+          </a:xfrm>
+          <a:prstGeom prst="line">
+            <a:avLst/>
+          </a:prstGeom>
+          <a:ln w="9525" cap="flat" cmpd="sng" algn="ctr">
+            <a:solidFill>
+              <a:schemeClr val="lt1">
+                <a:alpha val="29804"/>
+              </a:schemeClr>
+            </a:solidFill>
+            <a:prstDash val="solid"/>
+            <a:miter lim="800000"/>
+            <a:headEnd type="none" w="med" len="med"/>
+            <a:tailEnd type="none" w="med" len="med"/>
+          </a:ln>
+        </p:spPr>
+        <p:style>
+          <a:lnRef idx="1">
+            <a:schemeClr val="accent1"/>
+          </a:lnRef>
+          <a:fillRef idx="0">
+            <a:schemeClr val="accent1"/>
+          </a:fillRef>
+          <a:effectRef idx="0">
+            <a:schemeClr val="accent1"/>
+          </a:effectRef>
+          <a:fontRef idx="minor">
+            <a:schemeClr val="tx1"/>
+          </a:fontRef>
+        </p:style>
+      </p:cxnSp>
+      <p:sp>
+        <p:nvSpPr>
+          <p:cNvPr id="130" name="OTLSHAPE_M_d7718b2de0af4d4e89c3ffe6ae0bd866_Title">
+            <a:extLst>
+              <a:ext uri="{FF2B5EF4-FFF2-40B4-BE49-F238E27FC236}">
+                <a16:creationId xmlns:a16="http://schemas.microsoft.com/office/drawing/2014/main" id="{FC344CCA-0ECF-49A2-9C4D-68807FAD0F5A}"/>
+              </a:ext>
+            </a:extLst>
+          </p:cNvPr>
+          <p:cNvSpPr txBox="1"/>
+          <p:nvPr>
+            <p:custDataLst>
+              <p:tags r:id="rId126"/>
+            </p:custDataLst>
+          </p:nvPr>
+        </p:nvSpPr>
+        <p:spPr>
+          <a:xfrm>
+            <a:off x="7238351" y="2049293"/>
+            <a:ext cx="850900" cy="170519"/>
+          </a:xfrm>
+          <a:prstGeom prst="rect">
+            <a:avLst/>
+          </a:prstGeom>
+          <a:noFill/>
+        </p:spPr>
+        <p:txBody>
+          <a:bodyPr vert="horz" wrap="square" lIns="0" tIns="0" rIns="0" bIns="0" rtlCol="0" anchor="ctr" anchorCtr="0">
+            <a:spAutoFit/>
+          </a:bodyPr>
+          <a:lstStyle/>
+          <a:p>
+            <a:r>
+              <a:rPr lang="en-US" sz="1100" spc="-4" dirty="0">
+                <a:solidFill>
+                  <a:schemeClr val="dk1"/>
+                </a:solidFill>
+                <a:latin typeface="Calibri" panose="020F0502020204030204" pitchFamily="34" charset="0"/>
+              </a:rPr>
+              <a:t>Start Module 2</a:t>
+            </a:r>
+          </a:p>
+        </p:txBody>
+      </p:sp>
+      <p:sp>
+        <p:nvSpPr>
+          <p:cNvPr id="131" name="OTLSHAPE_M_d7718b2de0af4d4e89c3ffe6ae0bd866_Date">
+            <a:extLst>
+              <a:ext uri="{FF2B5EF4-FFF2-40B4-BE49-F238E27FC236}">
+                <a16:creationId xmlns:a16="http://schemas.microsoft.com/office/drawing/2014/main" id="{AD9C0ADD-3CB2-4196-9512-4A75FC61C0A3}"/>
+              </a:ext>
+            </a:extLst>
+          </p:cNvPr>
+          <p:cNvSpPr txBox="1"/>
+          <p:nvPr>
+            <p:custDataLst>
+              <p:tags r:id="rId127"/>
+            </p:custDataLst>
+          </p:nvPr>
+        </p:nvSpPr>
+        <p:spPr>
+          <a:xfrm>
+            <a:off x="7238013" y="2243873"/>
+            <a:ext cx="355600" cy="153888"/>
+          </a:xfrm>
+          <a:prstGeom prst="rect">
+            <a:avLst/>
+          </a:prstGeom>
+          <a:noFill/>
+        </p:spPr>
+        <p:txBody>
+          <a:bodyPr vert="horz" wrap="square" lIns="0" tIns="0" rIns="0" bIns="0" rtlCol="0" anchor="ctr" anchorCtr="0">
+            <a:spAutoFit/>
+          </a:bodyPr>
+          <a:lstStyle/>
+          <a:p>
+            <a:r>
+              <a:rPr lang="en-US" sz="1000" spc="-6" dirty="0">
+                <a:solidFill>
+                  <a:schemeClr val="dk2"/>
+                </a:solidFill>
+                <a:latin typeface="Calibri" panose="020F0502020204030204" pitchFamily="34" charset="0"/>
+              </a:rPr>
+              <a:t>Mar 9</a:t>
+            </a:r>
+          </a:p>
+        </p:txBody>
+      </p:sp>
+      <p:cxnSp>
+        <p:nvCxnSpPr>
+          <p:cNvPr id="132" name="OTLSHAPE_M_b8d8e3a727d34366833bd51745f4c1c0_Connector2">
+            <a:extLst>
+              <a:ext uri="{FF2B5EF4-FFF2-40B4-BE49-F238E27FC236}">
+                <a16:creationId xmlns:a16="http://schemas.microsoft.com/office/drawing/2014/main" id="{2DA736DA-8BC3-4862-9FC2-9496A832B98E}"/>
+              </a:ext>
+            </a:extLst>
+          </p:cNvPr>
+          <p:cNvCxnSpPr>
+            <a:cxnSpLocks/>
+          </p:cNvCxnSpPr>
+          <p:nvPr>
+            <p:custDataLst>
+              <p:tags r:id="rId128"/>
+            </p:custDataLst>
+          </p:nvPr>
+        </p:nvCxnSpPr>
+        <p:spPr>
+          <a:xfrm>
+            <a:off x="7704156" y="2255534"/>
+            <a:ext cx="0" cy="245089"/>
+          </a:xfrm>
+          <a:prstGeom prst="line">
+            <a:avLst/>
+          </a:prstGeom>
+          <a:ln w="9525" cap="flat" cmpd="sng" algn="ctr">
+            <a:solidFill>
+              <a:srgbClr val="4F81BD"/>
+            </a:solidFill>
+            <a:prstDash val="solid"/>
+            <a:miter lim="800000"/>
+            <a:headEnd type="none" w="med" len="med"/>
+            <a:tailEnd type="none" w="med" len="med"/>
+          </a:ln>
+        </p:spPr>
+        <p:style>
+          <a:lnRef idx="1">
+            <a:schemeClr val="accent1"/>
+          </a:lnRef>
+          <a:fillRef idx="0">
+            <a:schemeClr val="accent1"/>
+          </a:fillRef>
+          <a:effectRef idx="0">
+            <a:schemeClr val="accent1"/>
+          </a:effectRef>
+          <a:fontRef idx="minor">
+            <a:schemeClr val="tx1"/>
+          </a:fontRef>
+        </p:style>
+      </p:cxnSp>
+      <p:cxnSp>
+        <p:nvCxnSpPr>
+          <p:cNvPr id="134" name="OTLSHAPE_M_b8d8e3a727d34366833bd51745f4c1c0_Connector1">
+            <a:extLst>
+              <a:ext uri="{FF2B5EF4-FFF2-40B4-BE49-F238E27FC236}">
+                <a16:creationId xmlns:a16="http://schemas.microsoft.com/office/drawing/2014/main" id="{1DC6A5F4-355A-4561-8F2D-51CDD0CFC2B5}"/>
+              </a:ext>
+            </a:extLst>
+          </p:cNvPr>
+          <p:cNvCxnSpPr/>
+          <p:nvPr>
+            <p:custDataLst>
+              <p:tags r:id="rId129"/>
+            </p:custDataLst>
+          </p:nvPr>
+        </p:nvCxnSpPr>
+        <p:spPr>
+          <a:xfrm>
+            <a:off x="7695399" y="1298956"/>
+            <a:ext cx="0" cy="793115"/>
+          </a:xfrm>
+          <a:prstGeom prst="line">
+            <a:avLst/>
+          </a:prstGeom>
+          <a:ln w="9525" cap="flat" cmpd="sng" algn="ctr">
+            <a:solidFill>
+              <a:srgbClr val="4F81BD"/>
+            </a:solidFill>
+            <a:prstDash val="solid"/>
+            <a:miter lim="800000"/>
+            <a:headEnd type="none" w="med" len="med"/>
+            <a:tailEnd type="none" w="med" len="med"/>
+          </a:ln>
+        </p:spPr>
+        <p:style>
+          <a:lnRef idx="1">
+            <a:schemeClr val="accent1"/>
+          </a:lnRef>
+          <a:fillRef idx="0">
+            <a:schemeClr val="accent1"/>
+          </a:fillRef>
+          <a:effectRef idx="0">
+            <a:schemeClr val="accent1"/>
+          </a:effectRef>
+          <a:fontRef idx="minor">
+            <a:schemeClr val="tx1"/>
+          </a:fontRef>
+        </p:style>
+      </p:cxnSp>
+      <p:sp>
+        <p:nvSpPr>
+          <p:cNvPr id="135" name="OTLSHAPE_M_d7718b2de0af4d4e89c3ffe6ae0bd866_Title">
+            <a:extLst>
+              <a:ext uri="{FF2B5EF4-FFF2-40B4-BE49-F238E27FC236}">
+                <a16:creationId xmlns:a16="http://schemas.microsoft.com/office/drawing/2014/main" id="{7A4CF291-C653-429A-9155-6F5A6BB32A7A}"/>
+              </a:ext>
+            </a:extLst>
+          </p:cNvPr>
+          <p:cNvSpPr txBox="1"/>
+          <p:nvPr>
+            <p:custDataLst>
+              <p:tags r:id="rId130"/>
+            </p:custDataLst>
+          </p:nvPr>
+        </p:nvSpPr>
+        <p:spPr>
+          <a:xfrm>
+            <a:off x="7921917" y="1177335"/>
+            <a:ext cx="850900" cy="170519"/>
+          </a:xfrm>
+          <a:prstGeom prst="rect">
+            <a:avLst/>
+          </a:prstGeom>
+          <a:noFill/>
+        </p:spPr>
+        <p:txBody>
+          <a:bodyPr vert="horz" wrap="square" lIns="0" tIns="0" rIns="0" bIns="0" rtlCol="0" anchor="ctr" anchorCtr="0">
+            <a:spAutoFit/>
+          </a:bodyPr>
+          <a:lstStyle/>
+          <a:p>
+            <a:r>
+              <a:rPr lang="en-US" sz="1100" spc="-4" dirty="0">
+                <a:solidFill>
+                  <a:schemeClr val="dk1"/>
+                </a:solidFill>
+                <a:latin typeface="Calibri" panose="020F0502020204030204" pitchFamily="34" charset="0"/>
+              </a:rPr>
+              <a:t>Start Module 3</a:t>
+            </a:r>
+          </a:p>
+        </p:txBody>
+      </p:sp>
+      <p:sp>
+        <p:nvSpPr>
+          <p:cNvPr id="137" name="OTLSHAPE_M_d7718b2de0af4d4e89c3ffe6ae0bd866_Date">
+            <a:extLst>
+              <a:ext uri="{FF2B5EF4-FFF2-40B4-BE49-F238E27FC236}">
+                <a16:creationId xmlns:a16="http://schemas.microsoft.com/office/drawing/2014/main" id="{D3091C17-0862-4C21-8A37-2C64FC6DFA80}"/>
+              </a:ext>
+            </a:extLst>
+          </p:cNvPr>
+          <p:cNvSpPr txBox="1"/>
+          <p:nvPr>
+            <p:custDataLst>
+              <p:tags r:id="rId131"/>
+            </p:custDataLst>
+          </p:nvPr>
+        </p:nvSpPr>
+        <p:spPr>
+          <a:xfrm>
+            <a:off x="7911451" y="1349502"/>
+            <a:ext cx="355600" cy="153888"/>
+          </a:xfrm>
+          <a:prstGeom prst="rect">
+            <a:avLst/>
+          </a:prstGeom>
+          <a:noFill/>
+        </p:spPr>
+        <p:txBody>
+          <a:bodyPr vert="horz" wrap="square" lIns="0" tIns="0" rIns="0" bIns="0" rtlCol="0" anchor="ctr" anchorCtr="0">
+            <a:spAutoFit/>
+          </a:bodyPr>
+          <a:lstStyle/>
+          <a:p>
+            <a:r>
+              <a:rPr lang="en-US" sz="1000" spc="-6" dirty="0">
+                <a:solidFill>
+                  <a:schemeClr val="dk2"/>
+                </a:solidFill>
+                <a:latin typeface="Calibri" panose="020F0502020204030204" pitchFamily="34" charset="0"/>
+              </a:rPr>
+              <a:t>April 1</a:t>
+            </a:r>
+          </a:p>
+        </p:txBody>
+      </p:sp>
+      <p:cxnSp>
+        <p:nvCxnSpPr>
+          <p:cNvPr id="138" name="OTLSHAPE_M_b8d8e3a727d34366833bd51745f4c1c0_Connector2">
+            <a:extLst>
+              <a:ext uri="{FF2B5EF4-FFF2-40B4-BE49-F238E27FC236}">
+                <a16:creationId xmlns:a16="http://schemas.microsoft.com/office/drawing/2014/main" id="{7804B229-06E5-4EDC-800C-59C82B06E5E3}"/>
+              </a:ext>
+            </a:extLst>
+          </p:cNvPr>
+          <p:cNvCxnSpPr>
+            <a:cxnSpLocks/>
+          </p:cNvCxnSpPr>
+          <p:nvPr>
+            <p:custDataLst>
+              <p:tags r:id="rId132"/>
+            </p:custDataLst>
+          </p:nvPr>
+        </p:nvCxnSpPr>
+        <p:spPr>
+          <a:xfrm>
+            <a:off x="8426541" y="1401220"/>
+            <a:ext cx="0" cy="1099403"/>
+          </a:xfrm>
+          <a:prstGeom prst="line">
+            <a:avLst/>
+          </a:prstGeom>
+          <a:ln w="9525" cap="flat" cmpd="sng" algn="ctr">
+            <a:solidFill>
+              <a:srgbClr val="4F81BD"/>
+            </a:solidFill>
+            <a:prstDash val="solid"/>
+            <a:miter lim="800000"/>
+            <a:headEnd type="none" w="med" len="med"/>
+            <a:tailEnd type="none" w="med" len="med"/>
+          </a:ln>
+        </p:spPr>
+        <p:style>
+          <a:lnRef idx="1">
+            <a:schemeClr val="accent1"/>
+          </a:lnRef>
+          <a:fillRef idx="0">
+            <a:schemeClr val="accent1"/>
+          </a:fillRef>
+          <a:effectRef idx="0">
+            <a:schemeClr val="accent1"/>
+          </a:effectRef>
+          <a:fontRef idx="minor">
+            <a:schemeClr val="tx1"/>
+          </a:fontRef>
+        </p:style>
+      </p:cxnSp>
+      <p:cxnSp>
+        <p:nvCxnSpPr>
+          <p:cNvPr id="139" name="OTLSHAPE_M_b8d8e3a727d34366833bd51745f4c1c0_Connector1">
+            <a:extLst>
+              <a:ext uri="{FF2B5EF4-FFF2-40B4-BE49-F238E27FC236}">
+                <a16:creationId xmlns:a16="http://schemas.microsoft.com/office/drawing/2014/main" id="{81CAA3D6-C071-4C76-9F8B-03137BACA3F2}"/>
+              </a:ext>
+            </a:extLst>
+          </p:cNvPr>
+          <p:cNvCxnSpPr>
+            <a:cxnSpLocks/>
+          </p:cNvCxnSpPr>
+          <p:nvPr>
+            <p:custDataLst>
+              <p:tags r:id="rId133"/>
+            </p:custDataLst>
+          </p:nvPr>
+        </p:nvCxnSpPr>
+        <p:spPr>
+          <a:xfrm>
+            <a:off x="8426541" y="685800"/>
+            <a:ext cx="0" cy="524849"/>
+          </a:xfrm>
+          <a:prstGeom prst="line">
+            <a:avLst/>
+          </a:prstGeom>
+          <a:ln w="9525" cap="flat" cmpd="sng" algn="ctr">
+            <a:solidFill>
+              <a:srgbClr val="4F81BD"/>
+            </a:solidFill>
+            <a:prstDash val="solid"/>
+            <a:miter lim="800000"/>
+            <a:headEnd type="none" w="med" len="med"/>
+            <a:tailEnd type="none" w="med" len="med"/>
+          </a:ln>
+        </p:spPr>
+        <p:style>
+          <a:lnRef idx="1">
+            <a:schemeClr val="accent1"/>
+          </a:lnRef>
+          <a:fillRef idx="0">
+            <a:schemeClr val="accent1"/>
+          </a:fillRef>
+          <a:effectRef idx="0">
+            <a:schemeClr val="accent1"/>
+          </a:effectRef>
+          <a:fontRef idx="minor">
+            <a:schemeClr val="tx1"/>
+          </a:fontRef>
+        </p:style>
+      </p:cxnSp>
+      <p:sp>
+        <p:nvSpPr>
+          <p:cNvPr id="142" name="OTLSHAPE_M_d7718b2de0af4d4e89c3ffe6ae0bd866_Date">
+            <a:extLst>
+              <a:ext uri="{FF2B5EF4-FFF2-40B4-BE49-F238E27FC236}">
+                <a16:creationId xmlns:a16="http://schemas.microsoft.com/office/drawing/2014/main" id="{AC3B0D5B-5DE3-4F30-8FAA-FF3D8AFEB92C}"/>
+              </a:ext>
+            </a:extLst>
+          </p:cNvPr>
+          <p:cNvSpPr txBox="1"/>
+          <p:nvPr>
+            <p:custDataLst>
+              <p:tags r:id="rId134"/>
+            </p:custDataLst>
+          </p:nvPr>
+        </p:nvSpPr>
+        <p:spPr>
+          <a:xfrm>
+            <a:off x="8668752" y="846810"/>
+            <a:ext cx="418661" cy="153888"/>
+          </a:xfrm>
+          <a:prstGeom prst="rect">
+            <a:avLst/>
+          </a:prstGeom>
+          <a:noFill/>
+        </p:spPr>
+        <p:txBody>
+          <a:bodyPr vert="horz" wrap="square" lIns="0" tIns="0" rIns="0" bIns="0" rtlCol="0" anchor="ctr" anchorCtr="0">
+            <a:spAutoFit/>
+          </a:bodyPr>
+          <a:lstStyle/>
+          <a:p>
+            <a:r>
+              <a:rPr lang="en-US" sz="1000" spc="-6" dirty="0">
+                <a:solidFill>
+                  <a:schemeClr val="dk2"/>
+                </a:solidFill>
+                <a:latin typeface="Calibri" panose="020F0502020204030204" pitchFamily="34" charset="0"/>
+              </a:rPr>
+              <a:t>May 23</a:t>
+            </a:r>
+          </a:p>
+        </p:txBody>
+      </p:sp>
+      <p:cxnSp>
+        <p:nvCxnSpPr>
+          <p:cNvPr id="143" name="OTLSHAPE_M_b8d8e3a727d34366833bd51745f4c1c0_Connector2">
+            <a:extLst>
+              <a:ext uri="{FF2B5EF4-FFF2-40B4-BE49-F238E27FC236}">
+                <a16:creationId xmlns:a16="http://schemas.microsoft.com/office/drawing/2014/main" id="{97AD2F38-9C3B-4F95-B36B-E492BDFBAE01}"/>
+              </a:ext>
+            </a:extLst>
+          </p:cNvPr>
+          <p:cNvCxnSpPr>
+            <a:cxnSpLocks/>
+          </p:cNvCxnSpPr>
+          <p:nvPr>
+            <p:custDataLst>
+              <p:tags r:id="rId135"/>
+            </p:custDataLst>
+          </p:nvPr>
+        </p:nvCxnSpPr>
+        <p:spPr>
+          <a:xfrm>
+            <a:off x="9268000" y="1040130"/>
+            <a:ext cx="0" cy="1460493"/>
+          </a:xfrm>
+          <a:prstGeom prst="line">
+            <a:avLst/>
+          </a:prstGeom>
+          <a:ln w="9525" cap="flat" cmpd="sng" algn="ctr">
+            <a:solidFill>
+              <a:srgbClr val="4F81BD"/>
+            </a:solidFill>
+            <a:prstDash val="solid"/>
+            <a:miter lim="800000"/>
+            <a:headEnd type="none" w="med" len="med"/>
+            <a:tailEnd type="none" w="med" len="med"/>
+          </a:ln>
+        </p:spPr>
+        <p:style>
+          <a:lnRef idx="1">
+            <a:schemeClr val="accent1"/>
+          </a:lnRef>
+          <a:fillRef idx="0">
+            <a:schemeClr val="accent1"/>
+          </a:fillRef>
+          <a:effectRef idx="0">
+            <a:schemeClr val="accent1"/>
+          </a:effectRef>
+          <a:fontRef idx="minor">
+            <a:schemeClr val="tx1"/>
+          </a:fontRef>
+        </p:style>
+      </p:cxnSp>
+      <p:sp>
+        <p:nvSpPr>
+          <p:cNvPr id="145" name="OTLSHAPE_M_841a70fcf0844b768bd3c93d8e82cdc4_Shape">
+            <a:extLst>
+              <a:ext uri="{FF2B5EF4-FFF2-40B4-BE49-F238E27FC236}">
+                <a16:creationId xmlns:a16="http://schemas.microsoft.com/office/drawing/2014/main" id="{1E908C99-BB3F-47EE-9DE2-DD5952ED7C53}"/>
+              </a:ext>
+            </a:extLst>
+          </p:cNvPr>
+          <p:cNvSpPr/>
+          <p:nvPr>
+            <p:custDataLst>
+              <p:tags r:id="rId136"/>
+            </p:custDataLst>
+          </p:nvPr>
+        </p:nvSpPr>
+        <p:spPr>
+          <a:xfrm>
+            <a:off x="9288046" y="984465"/>
+            <a:ext cx="165100" cy="165100"/>
+          </a:xfrm>
+          <a:prstGeom prst="wave">
+            <a:avLst/>
+          </a:prstGeom>
+          <a:solidFill>
+            <a:srgbClr val="EA161E"/>
+          </a:solidFill>
+          <a:ln w="12700" cap="flat" cmpd="sng" algn="ctr">
+            <a:noFill/>
+            <a:prstDash val="solid"/>
+            <a:miter lim="800000"/>
+          </a:ln>
+          <a:effectLst/>
+          <a:scene3d>
+            <a:camera prst="orthographicFront"/>
+            <a:lightRig rig="threePt" dir="t"/>
+          </a:scene3d>
+          <a:sp3d>
+            <a:bevelT h="12700"/>
+          </a:sp3d>
+          <a:extLst>
+            <a:ext uri="{91240B29-F687-4F45-9708-019B960494DF}">
+              <a14:hiddenLine xmlns:a14="http://schemas.microsoft.com/office/drawing/2010/main" w="12700" cap="flat" cmpd="sng" algn="ctr">
+                <a:solidFill>
+                  <a:schemeClr val="accent1">
+                    <a:shade val="50000"/>
+                  </a:schemeClr>
+                </a:solidFill>
+                <a:prstDash val="solid"/>
+                <a:miter lim="800000"/>
+              </a14:hiddenLine>
+            </a:ext>
+          </a:extLst>
+        </p:spPr>
+        <p:style>
+          <a:lnRef idx="2">
+            <a:schemeClr val="accent1">
+              <a:shade val="50000"/>
+            </a:schemeClr>
+          </a:lnRef>
+          <a:fillRef idx="1">
+            <a:schemeClr val="accent1"/>
+          </a:fillRef>
+          <a:effectRef idx="0">
+            <a:schemeClr val="accent1"/>
+          </a:effectRef>
+          <a:fontRef idx="minor">
+            <a:schemeClr val="lt1"/>
+          </a:fontRef>
+        </p:style>
+        <p:txBody>
+          <a:bodyPr rtlCol="0" anchor="ctr"/>
+          <a:lstStyle/>
+          <a:p>
+            <a:pPr algn="ctr"/>
+            <a:endParaRPr lang="en-US"/>
+          </a:p>
+        </p:txBody>
+      </p:sp>
+      <p:sp>
+        <p:nvSpPr>
+          <p:cNvPr id="146" name="OTLSHAPE_M_315e3df03a234161b9519aae38b30fa2_Title">
+            <a:extLst>
+              <a:ext uri="{FF2B5EF4-FFF2-40B4-BE49-F238E27FC236}">
+                <a16:creationId xmlns:a16="http://schemas.microsoft.com/office/drawing/2014/main" id="{75F3C776-2CEE-4DBE-8414-586DC5761328}"/>
+              </a:ext>
+            </a:extLst>
+          </p:cNvPr>
+          <p:cNvSpPr txBox="1"/>
+          <p:nvPr>
+            <p:custDataLst>
+              <p:tags r:id="rId137"/>
+            </p:custDataLst>
+          </p:nvPr>
+        </p:nvSpPr>
+        <p:spPr>
+          <a:xfrm>
+            <a:off x="9477989" y="899098"/>
+            <a:ext cx="1118655" cy="169277"/>
+          </a:xfrm>
+          <a:prstGeom prst="rect">
+            <a:avLst/>
+          </a:prstGeom>
+          <a:noFill/>
+        </p:spPr>
+        <p:txBody>
+          <a:bodyPr vert="horz" wrap="square" lIns="0" tIns="0" rIns="0" bIns="0" rtlCol="0" anchor="ctr" anchorCtr="0">
+            <a:spAutoFit/>
+          </a:bodyPr>
+          <a:lstStyle/>
+          <a:p>
+            <a:r>
+              <a:rPr lang="en-US" sz="1100" spc="-4" dirty="0">
+                <a:solidFill>
+                  <a:schemeClr val="dk1"/>
+                </a:solidFill>
+                <a:latin typeface="Calibri" panose="020F0502020204030204" pitchFamily="34" charset="0"/>
+              </a:rPr>
+              <a:t>Delivery (Module 3)</a:t>
+            </a:r>
+          </a:p>
+        </p:txBody>
+      </p:sp>
+      <p:sp>
+        <p:nvSpPr>
+          <p:cNvPr id="147" name="OTLSHAPE_M_d7718b2de0af4d4e89c3ffe6ae0bd866_Date">
+            <a:extLst>
+              <a:ext uri="{FF2B5EF4-FFF2-40B4-BE49-F238E27FC236}">
+                <a16:creationId xmlns:a16="http://schemas.microsoft.com/office/drawing/2014/main" id="{405507A6-E488-4EBC-8B9D-29010565DB20}"/>
+              </a:ext>
+            </a:extLst>
+          </p:cNvPr>
+          <p:cNvSpPr txBox="1"/>
+          <p:nvPr>
+            <p:custDataLst>
+              <p:tags r:id="rId138"/>
+            </p:custDataLst>
+          </p:nvPr>
+        </p:nvSpPr>
+        <p:spPr>
+          <a:xfrm>
+            <a:off x="9477898" y="1078099"/>
+            <a:ext cx="418661" cy="153888"/>
+          </a:xfrm>
+          <a:prstGeom prst="rect">
+            <a:avLst/>
+          </a:prstGeom>
+          <a:noFill/>
+        </p:spPr>
+        <p:txBody>
+          <a:bodyPr vert="horz" wrap="square" lIns="0" tIns="0" rIns="0" bIns="0" rtlCol="0" anchor="ctr" anchorCtr="0">
+            <a:spAutoFit/>
+          </a:bodyPr>
+          <a:lstStyle/>
+          <a:p>
+            <a:r>
+              <a:rPr lang="en-US" sz="1000" spc="-6" dirty="0">
+                <a:solidFill>
+                  <a:schemeClr val="dk2"/>
+                </a:solidFill>
+                <a:latin typeface="Calibri" panose="020F0502020204030204" pitchFamily="34" charset="0"/>
+              </a:rPr>
+              <a:t>June 11</a:t>
+            </a:r>
+          </a:p>
+        </p:txBody>
+      </p:sp>
+      <p:cxnSp>
+        <p:nvCxnSpPr>
+          <p:cNvPr id="148" name="OTLSHAPE_M_b8d8e3a727d34366833bd51745f4c1c0_Connector2">
+            <a:extLst>
+              <a:ext uri="{FF2B5EF4-FFF2-40B4-BE49-F238E27FC236}">
+                <a16:creationId xmlns:a16="http://schemas.microsoft.com/office/drawing/2014/main" id="{7086648B-9E99-4377-A0B2-14C3A27314C7}"/>
+              </a:ext>
+            </a:extLst>
+          </p:cNvPr>
+          <p:cNvCxnSpPr>
+            <a:cxnSpLocks/>
+          </p:cNvCxnSpPr>
+          <p:nvPr>
+            <p:custDataLst>
+              <p:tags r:id="rId139"/>
+            </p:custDataLst>
+          </p:nvPr>
+        </p:nvCxnSpPr>
+        <p:spPr>
+          <a:xfrm>
+            <a:off x="9774678" y="1460505"/>
+            <a:ext cx="804" cy="1035015"/>
+          </a:xfrm>
+          <a:prstGeom prst="line">
+            <a:avLst/>
+          </a:prstGeom>
+          <a:ln w="9525" cap="flat" cmpd="sng" algn="ctr">
+            <a:solidFill>
+              <a:srgbClr val="4F81BD"/>
+            </a:solidFill>
+            <a:prstDash val="solid"/>
+            <a:miter lim="800000"/>
+            <a:headEnd type="none" w="med" len="med"/>
+            <a:tailEnd type="none" w="med" len="med"/>
+          </a:ln>
+        </p:spPr>
+        <p:style>
+          <a:lnRef idx="1">
+            <a:schemeClr val="accent1"/>
+          </a:lnRef>
+          <a:fillRef idx="0">
+            <a:schemeClr val="accent1"/>
+          </a:fillRef>
+          <a:effectRef idx="0">
+            <a:schemeClr val="accent1"/>
+          </a:effectRef>
+          <a:fontRef idx="minor">
+            <a:schemeClr val="tx1"/>
+          </a:fontRef>
+        </p:style>
+      </p:cxnSp>
+      <p:sp>
+        <p:nvSpPr>
+          <p:cNvPr id="152" name="OTLSHAPE_M_841a70fcf0844b768bd3c93d8e82cdc4_Shape">
+            <a:extLst>
+              <a:ext uri="{FF2B5EF4-FFF2-40B4-BE49-F238E27FC236}">
+                <a16:creationId xmlns:a16="http://schemas.microsoft.com/office/drawing/2014/main" id="{9A751C6D-76F2-4A7F-B07B-4763994BD96D}"/>
+              </a:ext>
+            </a:extLst>
+          </p:cNvPr>
+          <p:cNvSpPr/>
+          <p:nvPr>
+            <p:custDataLst>
+              <p:tags r:id="rId140"/>
+            </p:custDataLst>
+          </p:nvPr>
+        </p:nvSpPr>
+        <p:spPr>
+          <a:xfrm>
+            <a:off x="9794336" y="1415566"/>
+            <a:ext cx="165100" cy="165100"/>
+          </a:xfrm>
+          <a:prstGeom prst="wave">
+            <a:avLst/>
+          </a:prstGeom>
+          <a:solidFill>
+            <a:srgbClr val="EA161E"/>
+          </a:solidFill>
+          <a:ln w="12700" cap="flat" cmpd="sng" algn="ctr">
+            <a:noFill/>
+            <a:prstDash val="solid"/>
+            <a:miter lim="800000"/>
+          </a:ln>
+          <a:effectLst/>
+          <a:scene3d>
+            <a:camera prst="orthographicFront"/>
+            <a:lightRig rig="threePt" dir="t"/>
+          </a:scene3d>
+          <a:sp3d>
+            <a:bevelT h="12700"/>
+          </a:sp3d>
+          <a:extLst>
+            <a:ext uri="{91240B29-F687-4F45-9708-019B960494DF}">
+              <a14:hiddenLine xmlns:a14="http://schemas.microsoft.com/office/drawing/2010/main" w="12700" cap="flat" cmpd="sng" algn="ctr">
+                <a:solidFill>
+                  <a:schemeClr val="accent1">
+                    <a:shade val="50000"/>
+                  </a:schemeClr>
+                </a:solidFill>
+                <a:prstDash val="solid"/>
+                <a:miter lim="800000"/>
+              </a14:hiddenLine>
+            </a:ext>
+          </a:extLst>
+        </p:spPr>
+        <p:style>
+          <a:lnRef idx="2">
+            <a:schemeClr val="accent1">
+              <a:shade val="50000"/>
+            </a:schemeClr>
+          </a:lnRef>
+          <a:fillRef idx="1">
+            <a:schemeClr val="accent1"/>
+          </a:fillRef>
+          <a:effectRef idx="0">
+            <a:schemeClr val="accent1"/>
+          </a:effectRef>
+          <a:fontRef idx="minor">
+            <a:schemeClr val="lt1"/>
+          </a:fontRef>
+        </p:style>
+        <p:txBody>
+          <a:bodyPr rtlCol="0" anchor="ctr"/>
+          <a:lstStyle/>
+          <a:p>
+            <a:pPr algn="ctr"/>
+            <a:endParaRPr lang="en-US"/>
+          </a:p>
+        </p:txBody>
+      </p:sp>
+      <p:sp>
+        <p:nvSpPr>
+          <p:cNvPr id="153" name="OTLSHAPE_M_315e3df03a234161b9519aae38b30fa2_Title">
+            <a:extLst>
+              <a:ext uri="{FF2B5EF4-FFF2-40B4-BE49-F238E27FC236}">
+                <a16:creationId xmlns:a16="http://schemas.microsoft.com/office/drawing/2014/main" id="{BAB06575-A3C8-4845-AD38-1806A20F7DD6}"/>
+              </a:ext>
+            </a:extLst>
+          </p:cNvPr>
+          <p:cNvSpPr txBox="1"/>
+          <p:nvPr>
+            <p:custDataLst>
+              <p:tags r:id="rId141"/>
+            </p:custDataLst>
+          </p:nvPr>
+        </p:nvSpPr>
+        <p:spPr>
+          <a:xfrm>
+            <a:off x="9988067" y="1334426"/>
+            <a:ext cx="1038140" cy="169277"/>
+          </a:xfrm>
+          <a:prstGeom prst="rect">
+            <a:avLst/>
+          </a:prstGeom>
+          <a:noFill/>
+        </p:spPr>
+        <p:txBody>
+          <a:bodyPr vert="horz" wrap="square" lIns="0" tIns="0" rIns="0" bIns="0" rtlCol="0" anchor="ctr" anchorCtr="0">
+            <a:spAutoFit/>
+          </a:bodyPr>
+          <a:lstStyle/>
+          <a:p>
+            <a:r>
+              <a:rPr lang="en-US" sz="1100" spc="-4" dirty="0">
+                <a:solidFill>
+                  <a:schemeClr val="dk1"/>
+                </a:solidFill>
+                <a:latin typeface="Calibri" panose="020F0502020204030204" pitchFamily="34" charset="0"/>
+              </a:rPr>
+              <a:t>Submit document</a:t>
+            </a:r>
+          </a:p>
+        </p:txBody>
+      </p:sp>
+      <p:sp>
+        <p:nvSpPr>
+          <p:cNvPr id="154" name="OTLSHAPE_M_d7718b2de0af4d4e89c3ffe6ae0bd866_Date">
+            <a:extLst>
+              <a:ext uri="{FF2B5EF4-FFF2-40B4-BE49-F238E27FC236}">
+                <a16:creationId xmlns:a16="http://schemas.microsoft.com/office/drawing/2014/main" id="{E975F72D-ACD6-4DEE-9927-CCD55BBB0C90}"/>
+              </a:ext>
+            </a:extLst>
+          </p:cNvPr>
+          <p:cNvSpPr txBox="1"/>
+          <p:nvPr>
+            <p:custDataLst>
+              <p:tags r:id="rId142"/>
+            </p:custDataLst>
+          </p:nvPr>
+        </p:nvSpPr>
+        <p:spPr>
+          <a:xfrm>
+            <a:off x="9991424" y="1540155"/>
+            <a:ext cx="418661" cy="153888"/>
+          </a:xfrm>
+          <a:prstGeom prst="rect">
+            <a:avLst/>
+          </a:prstGeom>
+          <a:noFill/>
+        </p:spPr>
+        <p:txBody>
+          <a:bodyPr vert="horz" wrap="square" lIns="0" tIns="0" rIns="0" bIns="0" rtlCol="0" anchor="ctr" anchorCtr="0">
+            <a:spAutoFit/>
+          </a:bodyPr>
+          <a:lstStyle/>
+          <a:p>
+            <a:r>
+              <a:rPr lang="en-US" sz="1000" spc="-6" dirty="0">
+                <a:solidFill>
+                  <a:schemeClr val="dk2"/>
+                </a:solidFill>
+                <a:latin typeface="Calibri" panose="020F0502020204030204" pitchFamily="34" charset="0"/>
+              </a:rPr>
+              <a:t>June 15</a:t>
+            </a:r>
+          </a:p>
+        </p:txBody>
+      </p:sp>
+      <p:cxnSp>
+        <p:nvCxnSpPr>
+          <p:cNvPr id="156" name="OTLSHAPE_T_313a161d2a7f4eada443e8c342d76860_HorizontalConnector1">
+            <a:extLst>
+              <a:ext uri="{FF2B5EF4-FFF2-40B4-BE49-F238E27FC236}">
+                <a16:creationId xmlns:a16="http://schemas.microsoft.com/office/drawing/2014/main" id="{787DDCFE-5450-45E9-A95E-F83238265630}"/>
+              </a:ext>
+            </a:extLst>
+          </p:cNvPr>
+          <p:cNvCxnSpPr>
+            <a:cxnSpLocks/>
+          </p:cNvCxnSpPr>
+          <p:nvPr>
+            <p:custDataLst>
+              <p:tags r:id="rId143"/>
+            </p:custDataLst>
+          </p:nvPr>
+        </p:nvCxnSpPr>
+        <p:spPr>
+          <a:xfrm>
+            <a:off x="878247" y="6447318"/>
+            <a:ext cx="9888708" cy="0"/>
+          </a:xfrm>
+          <a:prstGeom prst="line">
+            <a:avLst/>
+          </a:prstGeom>
+          <a:ln w="7620" cap="flat" cmpd="sng" algn="ctr">
+            <a:solidFill>
+              <a:srgbClr val="CCCCCC"/>
+            </a:solidFill>
+            <a:prstDash val="solid"/>
+            <a:miter lim="800000"/>
+            <a:headEnd type="none" w="med" len="med"/>
+            <a:tailEnd type="none" w="med" len="med"/>
+          </a:ln>
+        </p:spPr>
+        <p:style>
+          <a:lnRef idx="1">
+            <a:schemeClr val="accent1"/>
+          </a:lnRef>
+          <a:fillRef idx="0">
+            <a:schemeClr val="accent1"/>
+          </a:fillRef>
+          <a:effectRef idx="0">
+            <a:schemeClr val="accent1"/>
+          </a:effectRef>
+          <a:fontRef idx="minor">
+            <a:schemeClr val="tx1"/>
+          </a:fontRef>
+        </p:style>
+      </p:cxnSp>
+      <p:sp>
+        <p:nvSpPr>
+          <p:cNvPr id="157" name="OTLSHAPE_T_313a161d2a7f4eada443e8c342d76860_Shape">
+            <a:extLst>
+              <a:ext uri="{FF2B5EF4-FFF2-40B4-BE49-F238E27FC236}">
+                <a16:creationId xmlns:a16="http://schemas.microsoft.com/office/drawing/2014/main" id="{05805754-912B-481A-A573-80AB91A4B540}"/>
+              </a:ext>
+            </a:extLst>
+          </p:cNvPr>
+          <p:cNvSpPr/>
+          <p:nvPr>
+            <p:custDataLst>
+              <p:tags r:id="rId144"/>
+            </p:custDataLst>
+          </p:nvPr>
+        </p:nvSpPr>
+        <p:spPr>
+          <a:xfrm>
+            <a:off x="10766956" y="6345718"/>
+            <a:ext cx="50800" cy="203200"/>
           </a:xfrm>
           <a:prstGeom prst="rect">
             <a:avLst/>
@@ -5465,416 +10385,24 @@
       </p:sp>
       <p:sp>
         <p:nvSpPr>
-          <p:cNvPr id="5836" name="OTLSHAPE_T_11a5fd20169a4e5aa0bed048dba08ff2_ShapePercentage" hidden="1">
+          <p:cNvPr id="158" name="OTLSHAPE_T_313a161d2a7f4eada443e8c342d76860_JoinedDate">
             <a:extLst>
               <a:ext uri="{FF2B5EF4-FFF2-40B4-BE49-F238E27FC236}">
-                <a16:creationId xmlns:a16="http://schemas.microsoft.com/office/drawing/2014/main" id="{1A542091-0452-4752-A5B6-157570827F22}"/>
+                <a16:creationId xmlns:a16="http://schemas.microsoft.com/office/drawing/2014/main" id="{269B352A-AA50-40DD-8A02-F17D223AA5BE}"/>
               </a:ext>
             </a:extLst>
           </p:cNvPr>
-          <p:cNvSpPr/>
-          <p:nvPr>
-            <p:custDataLst>
-              <p:tags r:id="rId50"/>
-            </p:custDataLst>
-          </p:nvPr>
-        </p:nvSpPr>
-        <p:spPr>
-          <a:xfrm>
-            <a:off x="982533" y="3589740"/>
-            <a:ext cx="304800" cy="203200"/>
-          </a:xfrm>
-          <a:prstGeom prst="rect">
-            <a:avLst/>
-          </a:prstGeom>
-          <a:solidFill>
-            <a:srgbClr val="FCE33B">
-              <a:alpha val="34902"/>
-            </a:srgbClr>
-          </a:solidFill>
-          <a:ln w="12700" cap="flat" cmpd="sng" algn="ctr">
-            <a:noFill/>
-            <a:prstDash val="solid"/>
-            <a:miter lim="800000"/>
-          </a:ln>
-          <a:effectLst/>
-          <a:extLst>
-            <a:ext uri="{91240B29-F687-4F45-9708-019B960494DF}">
-              <a14:hiddenLine xmlns:a14="http://schemas.microsoft.com/office/drawing/2010/main" w="12700" cap="flat" cmpd="sng" algn="ctr">
-                <a:solidFill>
-                  <a:schemeClr val="accent1">
-                    <a:shade val="50000"/>
-                  </a:schemeClr>
-                </a:solidFill>
-                <a:prstDash val="solid"/>
-                <a:miter lim="800000"/>
-              </a14:hiddenLine>
-            </a:ext>
-          </a:extLst>
-        </p:spPr>
-        <p:style>
-          <a:lnRef idx="2">
-            <a:schemeClr val="accent1">
-              <a:shade val="50000"/>
-            </a:schemeClr>
-          </a:lnRef>
-          <a:fillRef idx="1">
-            <a:schemeClr val="accent1"/>
-          </a:fillRef>
-          <a:effectRef idx="0">
-            <a:schemeClr val="accent1"/>
-          </a:effectRef>
-          <a:fontRef idx="minor">
-            <a:schemeClr val="lt1"/>
-          </a:fontRef>
-        </p:style>
-        <p:txBody>
-          <a:bodyPr rtlCol="0" anchor="ctr"/>
-          <a:lstStyle/>
-          <a:p>
-            <a:pPr algn="ctr"/>
-            <a:endParaRPr lang="en-US"/>
-          </a:p>
-        </p:txBody>
-      </p:sp>
-      <p:sp>
-        <p:nvSpPr>
-          <p:cNvPr id="5838" name="OTLSHAPE_T_23c152327d314e958e11ca251f33fb49_ShapePercentage" hidden="1">
-            <a:extLst>
-              <a:ext uri="{FF2B5EF4-FFF2-40B4-BE49-F238E27FC236}">
-                <a16:creationId xmlns:a16="http://schemas.microsoft.com/office/drawing/2014/main" id="{AADE424F-31CE-4086-BE95-D4F7AAA5F9EB}"/>
-              </a:ext>
-            </a:extLst>
-          </p:cNvPr>
-          <p:cNvSpPr/>
-          <p:nvPr>
-            <p:custDataLst>
-              <p:tags r:id="rId51"/>
-            </p:custDataLst>
-          </p:nvPr>
-        </p:nvSpPr>
-        <p:spPr>
-          <a:xfrm>
-            <a:off x="1326709" y="4074964"/>
-            <a:ext cx="698500" cy="203200"/>
-          </a:xfrm>
-          <a:prstGeom prst="rect">
-            <a:avLst/>
-          </a:prstGeom>
-          <a:solidFill>
-            <a:srgbClr val="FCE33B">
-              <a:alpha val="34902"/>
-            </a:srgbClr>
-          </a:solidFill>
-          <a:ln w="12700" cap="flat" cmpd="sng" algn="ctr">
-            <a:noFill/>
-            <a:prstDash val="solid"/>
-            <a:miter lim="800000"/>
-          </a:ln>
-          <a:effectLst/>
-          <a:extLst>
-            <a:ext uri="{91240B29-F687-4F45-9708-019B960494DF}">
-              <a14:hiddenLine xmlns:a14="http://schemas.microsoft.com/office/drawing/2010/main" w="12700" cap="flat" cmpd="sng" algn="ctr">
-                <a:solidFill>
-                  <a:schemeClr val="accent1">
-                    <a:shade val="50000"/>
-                  </a:schemeClr>
-                </a:solidFill>
-                <a:prstDash val="solid"/>
-                <a:miter lim="800000"/>
-              </a14:hiddenLine>
-            </a:ext>
-          </a:extLst>
-        </p:spPr>
-        <p:style>
-          <a:lnRef idx="2">
-            <a:schemeClr val="accent1">
-              <a:shade val="50000"/>
-            </a:schemeClr>
-          </a:lnRef>
-          <a:fillRef idx="1">
-            <a:schemeClr val="accent1"/>
-          </a:fillRef>
-          <a:effectRef idx="0">
-            <a:schemeClr val="accent1"/>
-          </a:effectRef>
-          <a:fontRef idx="minor">
-            <a:schemeClr val="lt1"/>
-          </a:fontRef>
-        </p:style>
-        <p:txBody>
-          <a:bodyPr rtlCol="0" anchor="ctr"/>
-          <a:lstStyle/>
-          <a:p>
-            <a:pPr algn="ctr"/>
-            <a:endParaRPr lang="en-US"/>
-          </a:p>
-        </p:txBody>
-      </p:sp>
-      <p:sp>
-        <p:nvSpPr>
-          <p:cNvPr id="5840" name="OTLSHAPE_T_f23e460505c24ee88159b421b810b7e4_ShapePercentage" hidden="1">
-            <a:extLst>
-              <a:ext uri="{FF2B5EF4-FFF2-40B4-BE49-F238E27FC236}">
-                <a16:creationId xmlns:a16="http://schemas.microsoft.com/office/drawing/2014/main" id="{09B2F961-03B4-45EC-BE98-4D5A013EAD5E}"/>
-              </a:ext>
-            </a:extLst>
-          </p:cNvPr>
-          <p:cNvSpPr/>
-          <p:nvPr>
-            <p:custDataLst>
-              <p:tags r:id="rId52"/>
-            </p:custDataLst>
-          </p:nvPr>
-        </p:nvSpPr>
-        <p:spPr>
-          <a:xfrm>
-            <a:off x="12700" y="12700"/>
-            <a:ext cx="0" cy="0"/>
-          </a:xfrm>
-          <a:prstGeom prst="rect">
-            <a:avLst/>
-          </a:prstGeom>
-        </p:spPr>
-        <p:style>
-          <a:lnRef idx="2">
-            <a:schemeClr val="accent1">
-              <a:shade val="50000"/>
-            </a:schemeClr>
-          </a:lnRef>
-          <a:fillRef idx="1">
-            <a:schemeClr val="accent1"/>
-          </a:fillRef>
-          <a:effectRef idx="0">
-            <a:schemeClr val="accent1"/>
-          </a:effectRef>
-          <a:fontRef idx="minor">
-            <a:schemeClr val="lt1"/>
-          </a:fontRef>
-        </p:style>
-        <p:txBody>
-          <a:bodyPr rtlCol="0" anchor="ctr"/>
-          <a:lstStyle/>
-          <a:p>
-            <a:pPr algn="ctr"/>
-            <a:endParaRPr lang="en-US"/>
-          </a:p>
-        </p:txBody>
-      </p:sp>
-      <p:sp>
-        <p:nvSpPr>
-          <p:cNvPr id="5844" name="OTLSHAPE_T_82d1b7aae77d41a2be14d69f5e501b1b_ShapePercentage" hidden="1">
-            <a:extLst>
-              <a:ext uri="{FF2B5EF4-FFF2-40B4-BE49-F238E27FC236}">
-                <a16:creationId xmlns:a16="http://schemas.microsoft.com/office/drawing/2014/main" id="{783211BD-574F-403D-8772-FCC8D8236B9C}"/>
-              </a:ext>
-            </a:extLst>
-          </p:cNvPr>
-          <p:cNvSpPr/>
-          <p:nvPr>
-            <p:custDataLst>
-              <p:tags r:id="rId53"/>
-            </p:custDataLst>
-          </p:nvPr>
-        </p:nvSpPr>
-        <p:spPr>
-          <a:xfrm>
-            <a:off x="12700" y="12700"/>
-            <a:ext cx="0" cy="0"/>
-          </a:xfrm>
-          <a:prstGeom prst="rect">
-            <a:avLst/>
-          </a:prstGeom>
-        </p:spPr>
-        <p:style>
-          <a:lnRef idx="2">
-            <a:schemeClr val="accent1">
-              <a:shade val="50000"/>
-            </a:schemeClr>
-          </a:lnRef>
-          <a:fillRef idx="1">
-            <a:schemeClr val="accent1"/>
-          </a:fillRef>
-          <a:effectRef idx="0">
-            <a:schemeClr val="accent1"/>
-          </a:effectRef>
-          <a:fontRef idx="minor">
-            <a:schemeClr val="lt1"/>
-          </a:fontRef>
-        </p:style>
-        <p:txBody>
-          <a:bodyPr rtlCol="0" anchor="ctr"/>
-          <a:lstStyle/>
-          <a:p>
-            <a:pPr algn="ctr"/>
-            <a:endParaRPr lang="en-US"/>
-          </a:p>
-        </p:txBody>
-      </p:sp>
-      <p:sp>
-        <p:nvSpPr>
-          <p:cNvPr id="5846" name="OTLSHAPE_T_fe82a054eb724851a93f6a606432bfac_ShapePercentage" hidden="1">
-            <a:extLst>
-              <a:ext uri="{FF2B5EF4-FFF2-40B4-BE49-F238E27FC236}">
-                <a16:creationId xmlns:a16="http://schemas.microsoft.com/office/drawing/2014/main" id="{433E6F01-AA0B-4783-8393-9D09E2050AD6}"/>
-              </a:ext>
-            </a:extLst>
-          </p:cNvPr>
-          <p:cNvSpPr/>
-          <p:nvPr>
-            <p:custDataLst>
-              <p:tags r:id="rId54"/>
-            </p:custDataLst>
-          </p:nvPr>
-        </p:nvSpPr>
-        <p:spPr>
-          <a:xfrm>
-            <a:off x="12700" y="12700"/>
-            <a:ext cx="0" cy="0"/>
-          </a:xfrm>
-          <a:prstGeom prst="rect">
-            <a:avLst/>
-          </a:prstGeom>
-        </p:spPr>
-        <p:style>
-          <a:lnRef idx="2">
-            <a:schemeClr val="accent1">
-              <a:shade val="50000"/>
-            </a:schemeClr>
-          </a:lnRef>
-          <a:fillRef idx="1">
-            <a:schemeClr val="accent1"/>
-          </a:fillRef>
-          <a:effectRef idx="0">
-            <a:schemeClr val="accent1"/>
-          </a:effectRef>
-          <a:fontRef idx="minor">
-            <a:schemeClr val="lt1"/>
-          </a:fontRef>
-        </p:style>
-        <p:txBody>
-          <a:bodyPr rtlCol="0" anchor="ctr"/>
-          <a:lstStyle/>
-          <a:p>
-            <a:pPr algn="ctr"/>
-            <a:endParaRPr lang="en-US"/>
-          </a:p>
-        </p:txBody>
-      </p:sp>
-      <p:sp>
-        <p:nvSpPr>
-          <p:cNvPr id="5848" name="OTLSHAPE_T_313a161d2a7f4eada443e8c342d76860_ShapePercentage" hidden="1">
-            <a:extLst>
-              <a:ext uri="{FF2B5EF4-FFF2-40B4-BE49-F238E27FC236}">
-                <a16:creationId xmlns:a16="http://schemas.microsoft.com/office/drawing/2014/main" id="{FCCC07FF-56A1-400D-9386-498FCEE712ED}"/>
-              </a:ext>
-            </a:extLst>
-          </p:cNvPr>
-          <p:cNvSpPr/>
-          <p:nvPr>
-            <p:custDataLst>
-              <p:tags r:id="rId55"/>
-            </p:custDataLst>
-          </p:nvPr>
-        </p:nvSpPr>
-        <p:spPr>
-          <a:xfrm>
-            <a:off x="12700" y="12700"/>
-            <a:ext cx="0" cy="0"/>
-          </a:xfrm>
-          <a:prstGeom prst="rect">
-            <a:avLst/>
-          </a:prstGeom>
-        </p:spPr>
-        <p:style>
-          <a:lnRef idx="2">
-            <a:schemeClr val="accent1">
-              <a:shade val="50000"/>
-            </a:schemeClr>
-          </a:lnRef>
-          <a:fillRef idx="1">
-            <a:schemeClr val="accent1"/>
-          </a:fillRef>
-          <a:effectRef idx="0">
-            <a:schemeClr val="accent1"/>
-          </a:effectRef>
-          <a:fontRef idx="minor">
-            <a:schemeClr val="lt1"/>
-          </a:fontRef>
-        </p:style>
-        <p:txBody>
-          <a:bodyPr rtlCol="0" anchor="ctr"/>
-          <a:lstStyle/>
-          <a:p>
-            <a:pPr algn="ctr"/>
-            <a:endParaRPr lang="en-US"/>
-          </a:p>
-        </p:txBody>
-      </p:sp>
-      <p:sp>
-        <p:nvSpPr>
-          <p:cNvPr id="7" name="OTLSHAPE_T_505e5fa1ab624917a3b9976ce0128bea_ShapePercentage" hidden="1">
-            <a:extLst>
-              <a:ext uri="{FF2B5EF4-FFF2-40B4-BE49-F238E27FC236}">
-                <a16:creationId xmlns:a16="http://schemas.microsoft.com/office/drawing/2014/main" id="{51A0D4F6-F932-40F8-9DBC-C0646279F3A0}"/>
-              </a:ext>
-            </a:extLst>
-          </p:cNvPr>
-          <p:cNvSpPr/>
-          <p:nvPr>
-            <p:custDataLst>
-              <p:tags r:id="rId56"/>
-            </p:custDataLst>
-          </p:nvPr>
-        </p:nvSpPr>
-        <p:spPr>
-          <a:xfrm>
-            <a:off x="12700" y="12700"/>
-            <a:ext cx="0" cy="0"/>
-          </a:xfrm>
-          <a:prstGeom prst="rect">
-            <a:avLst/>
-          </a:prstGeom>
-        </p:spPr>
-        <p:style>
-          <a:lnRef idx="2">
-            <a:schemeClr val="accent1">
-              <a:shade val="50000"/>
-            </a:schemeClr>
-          </a:lnRef>
-          <a:fillRef idx="1">
-            <a:schemeClr val="accent1"/>
-          </a:fillRef>
-          <a:effectRef idx="0">
-            <a:schemeClr val="accent1"/>
-          </a:effectRef>
-          <a:fontRef idx="minor">
-            <a:schemeClr val="lt1"/>
-          </a:fontRef>
-        </p:style>
-        <p:txBody>
-          <a:bodyPr rtlCol="0" anchor="ctr"/>
-          <a:lstStyle/>
-          <a:p>
-            <a:pPr algn="ctr"/>
-            <a:endParaRPr lang="en-US"/>
-          </a:p>
-        </p:txBody>
-      </p:sp>
-      <p:sp>
-        <p:nvSpPr>
-          <p:cNvPr id="5946" name="OTLSHAPE_T_11a5fd20169a4e5aa0bed048dba08ff2_Duration"/>
           <p:cNvSpPr txBox="1"/>
           <p:nvPr>
             <p:custDataLst>
-              <p:tags r:id="rId57"/>
-            </p:custDataLst>
-          </p:nvPr>
-        </p:nvSpPr>
-        <p:spPr>
-          <a:xfrm>
-            <a:off x="982533" y="3396615"/>
-            <a:ext cx="330200" cy="155025"/>
+              <p:tags r:id="rId145"/>
+            </p:custDataLst>
+          </p:nvPr>
+        </p:nvSpPr>
+        <p:spPr>
+          <a:xfrm>
+            <a:off x="10868555" y="6370373"/>
+            <a:ext cx="445197" cy="153888"/>
           </a:xfrm>
           <a:prstGeom prst="rect">
             <a:avLst/>
@@ -5888,1327 +10416,36 @@
           <a:lstStyle/>
           <a:p>
             <a:r>
-              <a:rPr lang="en-GB" sz="1000" spc="-8">
+              <a:rPr lang="en-US" sz="1000" spc="-6" dirty="0">
                 <a:solidFill>
                   <a:schemeClr val="dk1"/>
                 </a:solidFill>
                 <a:latin typeface="Calibri" panose="020F0502020204030204" pitchFamily="34" charset="0"/>
               </a:rPr>
-              <a:t>6 days</a:t>
-            </a:r>
-          </a:p>
-        </p:txBody>
-      </p:sp>
-      <p:sp>
-        <p:nvSpPr>
-          <p:cNvPr id="5947" name="OTLSHAPE_T_11a5fd20169a4e5aa0bed048dba08ff2_TextPercentage" hidden="1"/>
-          <p:cNvSpPr txBox="1"/>
-          <p:nvPr>
-            <p:custDataLst>
-              <p:tags r:id="rId58"/>
-            </p:custDataLst>
-          </p:nvPr>
-        </p:nvSpPr>
-        <p:spPr>
-          <a:xfrm>
-            <a:off x="993535" y="3613827"/>
-            <a:ext cx="292100" cy="155025"/>
-          </a:xfrm>
-          <a:prstGeom prst="rect">
-            <a:avLst/>
-          </a:prstGeom>
-          <a:noFill/>
-        </p:spPr>
-        <p:txBody>
-          <a:bodyPr vert="horz" wrap="square" lIns="0" tIns="0" rIns="0" bIns="0" rtlCol="0" anchor="ctr" anchorCtr="0">
-            <a:spAutoFit/>
-          </a:bodyPr>
-          <a:lstStyle/>
-          <a:p>
-            <a:pPr algn="ctr"/>
-            <a:r>
-              <a:rPr lang="en-GB" sz="1000" spc="-8" dirty="0">
-                <a:solidFill>
-                  <a:srgbClr val="C0504D"/>
-                </a:solidFill>
-                <a:latin typeface="Calibri" panose="020F0502020204030204" pitchFamily="34" charset="0"/>
-              </a:rPr>
-              <a:t>100%</a:t>
-            </a:r>
-          </a:p>
-        </p:txBody>
-      </p:sp>
-      <p:sp>
-        <p:nvSpPr>
-          <p:cNvPr id="5948" name="OTLSHAPE_T_11a5fd20169a4e5aa0bed048dba08ff2_StartDate" hidden="1"/>
-          <p:cNvSpPr txBox="1"/>
-          <p:nvPr>
-            <p:custDataLst>
-              <p:tags r:id="rId59"/>
-            </p:custDataLst>
-          </p:nvPr>
-        </p:nvSpPr>
-        <p:spPr>
-          <a:xfrm>
-            <a:off x="0" y="3744764"/>
-            <a:ext cx="0" cy="153888"/>
-          </a:xfrm>
-          <a:prstGeom prst="rect">
-            <a:avLst/>
-          </a:prstGeom>
-          <a:noFill/>
-        </p:spPr>
-        <p:txBody>
-          <a:bodyPr vert="horz" wrap="square" lIns="0" tIns="0" rIns="0" bIns="0" rtlCol="0" anchor="ctr" anchorCtr="0">
-            <a:spAutoFit/>
-          </a:bodyPr>
-          <a:lstStyle/>
-          <a:p>
-            <a:pPr algn="ctr"/>
-            <a:endParaRPr lang="en-GB" sz="1000">
-              <a:solidFill>
-                <a:schemeClr val="dk1"/>
-              </a:solidFill>
-              <a:latin typeface="Calibri" panose="020F0502020204030204" pitchFamily="34" charset="0"/>
-            </a:endParaRPr>
-          </a:p>
-        </p:txBody>
-      </p:sp>
-      <p:sp>
-        <p:nvSpPr>
-          <p:cNvPr id="5949" name="OTLSHAPE_T_11a5fd20169a4e5aa0bed048dba08ff2_EndDate" hidden="1"/>
-          <p:cNvSpPr txBox="1"/>
-          <p:nvPr>
-            <p:custDataLst>
-              <p:tags r:id="rId60"/>
-            </p:custDataLst>
-          </p:nvPr>
-        </p:nvSpPr>
-        <p:spPr>
-          <a:xfrm>
-            <a:off x="0" y="3744764"/>
-            <a:ext cx="0" cy="153888"/>
-          </a:xfrm>
-          <a:prstGeom prst="rect">
-            <a:avLst/>
-          </a:prstGeom>
-          <a:noFill/>
-        </p:spPr>
-        <p:txBody>
-          <a:bodyPr vert="horz" wrap="square" lIns="0" tIns="0" rIns="0" bIns="0" rtlCol="0" anchor="ctr" anchorCtr="0">
-            <a:spAutoFit/>
-          </a:bodyPr>
-          <a:lstStyle/>
-          <a:p>
-            <a:pPr algn="ctr"/>
-            <a:endParaRPr lang="en-GB" sz="1000">
-              <a:solidFill>
-                <a:schemeClr val="dk1"/>
-              </a:solidFill>
-              <a:latin typeface="Calibri" panose="020F0502020204030204" pitchFamily="34" charset="0"/>
-            </a:endParaRPr>
-          </a:p>
-        </p:txBody>
-      </p:sp>
-      <p:sp>
-        <p:nvSpPr>
-          <p:cNvPr id="5950" name="OTLSHAPE_T_11a5fd20169a4e5aa0bed048dba08ff2_JoinedDate"/>
-          <p:cNvSpPr txBox="1"/>
-          <p:nvPr>
-            <p:custDataLst>
-              <p:tags r:id="rId61"/>
-            </p:custDataLst>
-          </p:nvPr>
-        </p:nvSpPr>
-        <p:spPr>
-          <a:xfrm>
-            <a:off x="1328307" y="3575727"/>
-            <a:ext cx="774700" cy="155025"/>
-          </a:xfrm>
-          <a:prstGeom prst="rect">
-            <a:avLst/>
-          </a:prstGeom>
-          <a:noFill/>
-        </p:spPr>
-        <p:txBody>
-          <a:bodyPr vert="horz" wrap="square" lIns="0" tIns="0" rIns="0" bIns="0" rtlCol="0" anchor="ctr" anchorCtr="0">
-            <a:spAutoFit/>
-          </a:bodyPr>
-          <a:lstStyle/>
-          <a:p>
-            <a:r>
-              <a:rPr lang="en-GB" sz="1000" spc="-4">
-                <a:solidFill>
-                  <a:schemeClr val="dk1"/>
-                </a:solidFill>
-                <a:latin typeface="Calibri" panose="020F0502020204030204" pitchFamily="34" charset="0"/>
-              </a:rPr>
-              <a:t>Oct 14 - Oct 19</a:t>
-            </a:r>
-          </a:p>
-        </p:txBody>
-      </p:sp>
-      <p:sp>
-        <p:nvSpPr>
-          <p:cNvPr id="5951" name="OTLSHAPE_T_11a5fd20169a4e5aa0bed048dba08ff2_Title"/>
-          <p:cNvSpPr txBox="1"/>
-          <p:nvPr>
-            <p:custDataLst>
-              <p:tags r:id="rId62"/>
-            </p:custDataLst>
-          </p:nvPr>
-        </p:nvSpPr>
-        <p:spPr>
-          <a:xfrm>
-            <a:off x="127000" y="3567980"/>
-            <a:ext cx="469900" cy="170519"/>
-          </a:xfrm>
-          <a:prstGeom prst="rect">
-            <a:avLst/>
-          </a:prstGeom>
-          <a:noFill/>
-        </p:spPr>
-        <p:txBody>
-          <a:bodyPr vert="horz" wrap="square" lIns="0" tIns="0" rIns="0" bIns="0" rtlCol="0" anchor="ctr" anchorCtr="0">
-            <a:spAutoFit/>
-          </a:bodyPr>
-          <a:lstStyle/>
-          <a:p>
-            <a:r>
-              <a:rPr lang="en-GB" sz="1100" b="1" spc="-12">
-                <a:solidFill>
-                  <a:schemeClr val="dk1"/>
-                </a:solidFill>
-                <a:latin typeface="Calibri" panose="020F0502020204030204" pitchFamily="34" charset="0"/>
-              </a:rPr>
-              <a:t>Kick-Off</a:t>
-            </a:r>
-          </a:p>
-        </p:txBody>
-      </p:sp>
-      <p:sp>
-        <p:nvSpPr>
-          <p:cNvPr id="5954" name="OTLSHAPE_T_23c152327d314e958e11ca251f33fb49_Duration"/>
-          <p:cNvSpPr txBox="1"/>
-          <p:nvPr>
-            <p:custDataLst>
-              <p:tags r:id="rId63"/>
-            </p:custDataLst>
-          </p:nvPr>
-        </p:nvSpPr>
-        <p:spPr>
-          <a:xfrm>
-            <a:off x="1326709" y="3792940"/>
-            <a:ext cx="393700" cy="155025"/>
-          </a:xfrm>
-          <a:prstGeom prst="rect">
-            <a:avLst/>
-          </a:prstGeom>
-          <a:noFill/>
-        </p:spPr>
-        <p:txBody>
-          <a:bodyPr vert="horz" wrap="square" lIns="0" tIns="0" rIns="0" bIns="0" rtlCol="0" anchor="ctr" anchorCtr="0">
-            <a:spAutoFit/>
-          </a:bodyPr>
-          <a:lstStyle/>
-          <a:p>
-            <a:r>
-              <a:rPr lang="en-GB" sz="1000" spc="-8">
-                <a:solidFill>
-                  <a:schemeClr val="dk1"/>
-                </a:solidFill>
-                <a:latin typeface="Calibri" panose="020F0502020204030204" pitchFamily="34" charset="0"/>
-              </a:rPr>
-              <a:t>18 days</a:t>
-            </a:r>
-          </a:p>
-        </p:txBody>
-      </p:sp>
-      <p:sp>
-        <p:nvSpPr>
-          <p:cNvPr id="5955" name="OTLSHAPE_T_23c152327d314e958e11ca251f33fb49_TextPercentage" hidden="1"/>
-          <p:cNvSpPr txBox="1"/>
-          <p:nvPr>
-            <p:custDataLst>
-              <p:tags r:id="rId64"/>
-            </p:custDataLst>
-          </p:nvPr>
-        </p:nvSpPr>
-        <p:spPr>
-          <a:xfrm>
-            <a:off x="1795453" y="4099052"/>
-            <a:ext cx="228600" cy="155025"/>
-          </a:xfrm>
-          <a:prstGeom prst="rect">
-            <a:avLst/>
-          </a:prstGeom>
-          <a:noFill/>
-        </p:spPr>
-        <p:txBody>
-          <a:bodyPr vert="horz" wrap="square" lIns="0" tIns="0" rIns="0" bIns="0" rtlCol="0" anchor="ctr" anchorCtr="0">
-            <a:spAutoFit/>
-          </a:bodyPr>
-          <a:lstStyle/>
-          <a:p>
-            <a:pPr algn="ctr"/>
-            <a:r>
-              <a:rPr lang="en-GB" sz="1000" spc="-10">
-                <a:solidFill>
-                  <a:srgbClr val="C0504D"/>
-                </a:solidFill>
-                <a:latin typeface="Calibri" panose="020F0502020204030204" pitchFamily="34" charset="0"/>
-              </a:rPr>
-              <a:t>70%</a:t>
-            </a:r>
-          </a:p>
-        </p:txBody>
-      </p:sp>
-      <p:sp>
-        <p:nvSpPr>
-          <p:cNvPr id="5956" name="OTLSHAPE_T_23c152327d314e958e11ca251f33fb49_StartDate" hidden="1"/>
-          <p:cNvSpPr txBox="1"/>
-          <p:nvPr>
-            <p:custDataLst>
-              <p:tags r:id="rId65"/>
-            </p:custDataLst>
-          </p:nvPr>
-        </p:nvSpPr>
-        <p:spPr>
-          <a:xfrm>
-            <a:off x="0" y="4074964"/>
-            <a:ext cx="0" cy="153888"/>
-          </a:xfrm>
-          <a:prstGeom prst="rect">
-            <a:avLst/>
-          </a:prstGeom>
-          <a:noFill/>
-        </p:spPr>
-        <p:txBody>
-          <a:bodyPr vert="horz" wrap="square" lIns="0" tIns="0" rIns="0" bIns="0" rtlCol="0" anchor="ctr" anchorCtr="0">
-            <a:spAutoFit/>
-          </a:bodyPr>
-          <a:lstStyle/>
-          <a:p>
-            <a:pPr algn="ctr"/>
-            <a:endParaRPr lang="en-GB" sz="1000">
-              <a:solidFill>
-                <a:schemeClr val="dk1"/>
-              </a:solidFill>
-              <a:latin typeface="Calibri" panose="020F0502020204030204" pitchFamily="34" charset="0"/>
-            </a:endParaRPr>
-          </a:p>
-        </p:txBody>
-      </p:sp>
-      <p:sp>
-        <p:nvSpPr>
-          <p:cNvPr id="5957" name="OTLSHAPE_T_23c152327d314e958e11ca251f33fb49_EndDate" hidden="1"/>
-          <p:cNvSpPr txBox="1"/>
-          <p:nvPr>
-            <p:custDataLst>
-              <p:tags r:id="rId66"/>
-            </p:custDataLst>
-          </p:nvPr>
-        </p:nvSpPr>
-        <p:spPr>
-          <a:xfrm>
-            <a:off x="0" y="4074964"/>
-            <a:ext cx="0" cy="153888"/>
-          </a:xfrm>
-          <a:prstGeom prst="rect">
-            <a:avLst/>
-          </a:prstGeom>
-          <a:noFill/>
-        </p:spPr>
-        <p:txBody>
-          <a:bodyPr vert="horz" wrap="square" lIns="0" tIns="0" rIns="0" bIns="0" rtlCol="0" anchor="ctr" anchorCtr="0">
-            <a:spAutoFit/>
-          </a:bodyPr>
-          <a:lstStyle/>
-          <a:p>
-            <a:pPr algn="ctr"/>
-            <a:endParaRPr lang="en-GB" sz="1000">
-              <a:solidFill>
-                <a:schemeClr val="dk1"/>
-              </a:solidFill>
-              <a:latin typeface="Calibri" panose="020F0502020204030204" pitchFamily="34" charset="0"/>
-            </a:endParaRPr>
-          </a:p>
-        </p:txBody>
-      </p:sp>
-      <p:sp>
-        <p:nvSpPr>
-          <p:cNvPr id="5958" name="OTLSHAPE_T_23c152327d314e958e11ca251f33fb49_JoinedDate"/>
-          <p:cNvSpPr txBox="1"/>
-          <p:nvPr>
-            <p:custDataLst>
-              <p:tags r:id="rId67"/>
-            </p:custDataLst>
-          </p:nvPr>
-        </p:nvSpPr>
-        <p:spPr>
-          <a:xfrm>
-            <a:off x="2360834" y="3972052"/>
-            <a:ext cx="736600" cy="155025"/>
-          </a:xfrm>
-          <a:prstGeom prst="rect">
-            <a:avLst/>
-          </a:prstGeom>
-          <a:noFill/>
-        </p:spPr>
-        <p:txBody>
-          <a:bodyPr vert="horz" wrap="square" lIns="0" tIns="0" rIns="0" bIns="0" rtlCol="0" anchor="ctr" anchorCtr="0">
-            <a:spAutoFit/>
-          </a:bodyPr>
-          <a:lstStyle/>
-          <a:p>
-            <a:r>
-              <a:rPr lang="en-GB" sz="1000" spc="-4">
-                <a:solidFill>
-                  <a:schemeClr val="dk1"/>
-                </a:solidFill>
-                <a:latin typeface="Calibri" panose="020F0502020204030204" pitchFamily="34" charset="0"/>
-              </a:rPr>
-              <a:t>Oct 21 - Nov 9</a:t>
-            </a:r>
-          </a:p>
-        </p:txBody>
-      </p:sp>
-      <p:sp>
-        <p:nvSpPr>
-          <p:cNvPr id="5959" name="OTLSHAPE_T_23c152327d314e958e11ca251f33fb49_Title"/>
-          <p:cNvSpPr txBox="1"/>
-          <p:nvPr>
-            <p:custDataLst>
-              <p:tags r:id="rId68"/>
-            </p:custDataLst>
-          </p:nvPr>
-        </p:nvSpPr>
-        <p:spPr>
-          <a:xfrm>
-            <a:off x="127000" y="3964305"/>
-            <a:ext cx="508000" cy="170519"/>
-          </a:xfrm>
-          <a:prstGeom prst="rect">
-            <a:avLst/>
-          </a:prstGeom>
-          <a:noFill/>
-        </p:spPr>
-        <p:txBody>
-          <a:bodyPr vert="horz" wrap="square" lIns="0" tIns="0" rIns="0" bIns="0" rtlCol="0" anchor="ctr" anchorCtr="0">
-            <a:spAutoFit/>
-          </a:bodyPr>
-          <a:lstStyle/>
-          <a:p>
-            <a:r>
-              <a:rPr lang="en-GB" sz="1100" b="1" spc="-6">
-                <a:solidFill>
-                  <a:schemeClr val="dk1"/>
-                </a:solidFill>
-                <a:latin typeface="Calibri" panose="020F0502020204030204" pitchFamily="34" charset="0"/>
-              </a:rPr>
-              <a:t>Planning</a:t>
-            </a:r>
-          </a:p>
-        </p:txBody>
-      </p:sp>
-      <p:sp>
-        <p:nvSpPr>
-          <p:cNvPr id="5962" name="OTLSHAPE_T_f23e460505c24ee88159b421b810b7e4_Duration"/>
-          <p:cNvSpPr txBox="1"/>
-          <p:nvPr>
-            <p:custDataLst>
-              <p:tags r:id="rId69"/>
-            </p:custDataLst>
-          </p:nvPr>
-        </p:nvSpPr>
-        <p:spPr>
-          <a:xfrm>
-            <a:off x="2359236" y="4189264"/>
-            <a:ext cx="393700" cy="155025"/>
-          </a:xfrm>
-          <a:prstGeom prst="rect">
-            <a:avLst/>
-          </a:prstGeom>
-          <a:noFill/>
-        </p:spPr>
-        <p:txBody>
-          <a:bodyPr vert="horz" wrap="square" lIns="0" tIns="0" rIns="0" bIns="0" rtlCol="0" anchor="ctr" anchorCtr="0">
-            <a:spAutoFit/>
-          </a:bodyPr>
-          <a:lstStyle/>
-          <a:p>
-            <a:r>
-              <a:rPr lang="en-GB" sz="1000" spc="-8">
-                <a:solidFill>
-                  <a:schemeClr val="dk1"/>
-                </a:solidFill>
-                <a:latin typeface="Calibri" panose="020F0502020204030204" pitchFamily="34" charset="0"/>
-              </a:rPr>
-              <a:t>36 days</a:t>
-            </a:r>
-          </a:p>
-        </p:txBody>
-      </p:sp>
-      <p:sp>
-        <p:nvSpPr>
-          <p:cNvPr id="5963" name="OTLSHAPE_T_f23e460505c24ee88159b421b810b7e4_TextPercentage" hidden="1"/>
-          <p:cNvSpPr txBox="1"/>
-          <p:nvPr>
-            <p:custDataLst>
-              <p:tags r:id="rId70"/>
-            </p:custDataLst>
-          </p:nvPr>
-        </p:nvSpPr>
-        <p:spPr>
-          <a:xfrm>
-            <a:off x="0" y="4250140"/>
-            <a:ext cx="228600" cy="155025"/>
-          </a:xfrm>
-          <a:prstGeom prst="rect">
-            <a:avLst/>
-          </a:prstGeom>
-          <a:noFill/>
-        </p:spPr>
-        <p:txBody>
-          <a:bodyPr vert="horz" wrap="square" lIns="0" tIns="0" rIns="0" bIns="0" rtlCol="0" anchor="ctr" anchorCtr="0">
-            <a:spAutoFit/>
-          </a:bodyPr>
-          <a:lstStyle/>
-          <a:p>
-            <a:pPr algn="ctr"/>
-            <a:r>
-              <a:rPr lang="en-GB" sz="1000">
-                <a:solidFill>
-                  <a:srgbClr val="C0504D"/>
-                </a:solidFill>
-                <a:latin typeface="Calibri" panose="020F0502020204030204" pitchFamily="34" charset="0"/>
-              </a:rPr>
-              <a:t>38%</a:t>
-            </a:r>
-          </a:p>
-        </p:txBody>
-      </p:sp>
-      <p:sp>
-        <p:nvSpPr>
-          <p:cNvPr id="5964" name="OTLSHAPE_T_f23e460505c24ee88159b421b810b7e4_StartDate" hidden="1"/>
-          <p:cNvSpPr txBox="1"/>
-          <p:nvPr>
-            <p:custDataLst>
-              <p:tags r:id="rId71"/>
-            </p:custDataLst>
-          </p:nvPr>
-        </p:nvSpPr>
-        <p:spPr>
-          <a:xfrm>
-            <a:off x="0" y="4405164"/>
-            <a:ext cx="0" cy="153888"/>
-          </a:xfrm>
-          <a:prstGeom prst="rect">
-            <a:avLst/>
-          </a:prstGeom>
-          <a:noFill/>
-        </p:spPr>
-        <p:txBody>
-          <a:bodyPr vert="horz" wrap="square" lIns="0" tIns="0" rIns="0" bIns="0" rtlCol="0" anchor="ctr" anchorCtr="0">
-            <a:spAutoFit/>
-          </a:bodyPr>
-          <a:lstStyle/>
-          <a:p>
-            <a:pPr algn="ctr"/>
-            <a:endParaRPr lang="en-GB" sz="1000">
-              <a:solidFill>
-                <a:schemeClr val="dk1"/>
-              </a:solidFill>
-              <a:latin typeface="Calibri" panose="020F0502020204030204" pitchFamily="34" charset="0"/>
-            </a:endParaRPr>
-          </a:p>
-        </p:txBody>
-      </p:sp>
-      <p:sp>
-        <p:nvSpPr>
-          <p:cNvPr id="5965" name="OTLSHAPE_T_f23e460505c24ee88159b421b810b7e4_EndDate" hidden="1"/>
-          <p:cNvSpPr txBox="1"/>
-          <p:nvPr>
-            <p:custDataLst>
-              <p:tags r:id="rId72"/>
-            </p:custDataLst>
-          </p:nvPr>
-        </p:nvSpPr>
-        <p:spPr>
-          <a:xfrm>
-            <a:off x="0" y="4405164"/>
-            <a:ext cx="0" cy="153888"/>
-          </a:xfrm>
-          <a:prstGeom prst="rect">
-            <a:avLst/>
-          </a:prstGeom>
-          <a:noFill/>
-        </p:spPr>
-        <p:txBody>
-          <a:bodyPr vert="horz" wrap="square" lIns="0" tIns="0" rIns="0" bIns="0" rtlCol="0" anchor="ctr" anchorCtr="0">
-            <a:spAutoFit/>
-          </a:bodyPr>
-          <a:lstStyle/>
-          <a:p>
-            <a:pPr algn="ctr"/>
-            <a:endParaRPr lang="en-GB" sz="1000">
-              <a:solidFill>
-                <a:schemeClr val="dk1"/>
-              </a:solidFill>
-              <a:latin typeface="Calibri" panose="020F0502020204030204" pitchFamily="34" charset="0"/>
-            </a:endParaRPr>
-          </a:p>
-        </p:txBody>
-      </p:sp>
-      <p:sp>
-        <p:nvSpPr>
-          <p:cNvPr id="5966" name="OTLSHAPE_T_f23e460505c24ee88159b421b810b7e4_JoinedDate"/>
-          <p:cNvSpPr txBox="1"/>
-          <p:nvPr>
-            <p:custDataLst>
-              <p:tags r:id="rId73"/>
-            </p:custDataLst>
-          </p:nvPr>
-        </p:nvSpPr>
-        <p:spPr>
-          <a:xfrm>
-            <a:off x="4425888" y="4368377"/>
-            <a:ext cx="812800" cy="155025"/>
-          </a:xfrm>
-          <a:prstGeom prst="rect">
-            <a:avLst/>
-          </a:prstGeom>
-          <a:noFill/>
-        </p:spPr>
-        <p:txBody>
-          <a:bodyPr vert="horz" wrap="square" lIns="0" tIns="0" rIns="0" bIns="0" rtlCol="0" anchor="ctr" anchorCtr="0">
-            <a:spAutoFit/>
-          </a:bodyPr>
-          <a:lstStyle/>
-          <a:p>
-            <a:r>
-              <a:rPr lang="en-GB" sz="1000" spc="-4" dirty="0">
-                <a:solidFill>
-                  <a:schemeClr val="dk1"/>
-                </a:solidFill>
-                <a:latin typeface="Calibri" panose="020F0502020204030204" pitchFamily="34" charset="0"/>
-              </a:rPr>
-              <a:t>Nov 11 - Dec 21</a:t>
-            </a:r>
-          </a:p>
-        </p:txBody>
-      </p:sp>
-      <p:sp>
-        <p:nvSpPr>
-          <p:cNvPr id="5967" name="OTLSHAPE_T_f23e460505c24ee88159b421b810b7e4_Title"/>
-          <p:cNvSpPr txBox="1"/>
-          <p:nvPr>
-            <p:custDataLst>
-              <p:tags r:id="rId74"/>
-            </p:custDataLst>
-          </p:nvPr>
-        </p:nvSpPr>
-        <p:spPr>
-          <a:xfrm>
-            <a:off x="127000" y="4360630"/>
-            <a:ext cx="571500" cy="170519"/>
-          </a:xfrm>
-          <a:prstGeom prst="rect">
-            <a:avLst/>
-          </a:prstGeom>
-          <a:noFill/>
-        </p:spPr>
-        <p:txBody>
-          <a:bodyPr vert="horz" wrap="square" lIns="0" tIns="0" rIns="0" bIns="0" rtlCol="0" anchor="ctr" anchorCtr="0">
-            <a:spAutoFit/>
-          </a:bodyPr>
-          <a:lstStyle/>
-          <a:p>
-            <a:r>
-              <a:rPr lang="en-GB" sz="1100" b="1" spc="-6">
-                <a:solidFill>
-                  <a:schemeClr val="dk1"/>
-                </a:solidFill>
-                <a:latin typeface="Calibri" panose="020F0502020204030204" pitchFamily="34" charset="0"/>
-              </a:rPr>
-              <a:t>Analysing</a:t>
-            </a:r>
-          </a:p>
-        </p:txBody>
-      </p:sp>
-      <p:sp>
-        <p:nvSpPr>
-          <p:cNvPr id="5970" name="OTLSHAPE_T_82d1b7aae77d41a2be14d69f5e501b1b_Duration"/>
-          <p:cNvSpPr txBox="1"/>
-          <p:nvPr>
-            <p:custDataLst>
-              <p:tags r:id="rId75"/>
-            </p:custDataLst>
-          </p:nvPr>
-        </p:nvSpPr>
-        <p:spPr>
-          <a:xfrm>
-            <a:off x="4424290" y="4981914"/>
-            <a:ext cx="457200" cy="155025"/>
-          </a:xfrm>
-          <a:prstGeom prst="rect">
-            <a:avLst/>
-          </a:prstGeom>
-          <a:noFill/>
-        </p:spPr>
-        <p:txBody>
-          <a:bodyPr vert="horz" wrap="square" lIns="0" tIns="0" rIns="0" bIns="0" rtlCol="0" anchor="ctr" anchorCtr="0">
-            <a:spAutoFit/>
-          </a:bodyPr>
-          <a:lstStyle/>
-          <a:p>
-            <a:r>
-              <a:rPr lang="en-GB" sz="1000" spc="-8" dirty="0">
-                <a:solidFill>
-                  <a:schemeClr val="dk1"/>
-                </a:solidFill>
-                <a:latin typeface="Calibri" panose="020F0502020204030204" pitchFamily="34" charset="0"/>
-              </a:rPr>
-              <a:t>112 days</a:t>
-            </a:r>
-          </a:p>
-        </p:txBody>
-      </p:sp>
-      <p:sp>
-        <p:nvSpPr>
-          <p:cNvPr id="5971" name="OTLSHAPE_T_82d1b7aae77d41a2be14d69f5e501b1b_TextPercentage" hidden="1"/>
-          <p:cNvSpPr txBox="1"/>
-          <p:nvPr>
-            <p:custDataLst>
-              <p:tags r:id="rId76"/>
-            </p:custDataLst>
-          </p:nvPr>
-        </p:nvSpPr>
-        <p:spPr>
-          <a:xfrm>
-            <a:off x="0" y="4580340"/>
-            <a:ext cx="228600" cy="155025"/>
-          </a:xfrm>
-          <a:prstGeom prst="rect">
-            <a:avLst/>
-          </a:prstGeom>
-          <a:noFill/>
-        </p:spPr>
-        <p:txBody>
-          <a:bodyPr vert="horz" wrap="square" lIns="0" tIns="0" rIns="0" bIns="0" rtlCol="0" anchor="ctr" anchorCtr="0">
-            <a:spAutoFit/>
-          </a:bodyPr>
-          <a:lstStyle/>
-          <a:p>
-            <a:pPr algn="ctr"/>
-            <a:r>
-              <a:rPr lang="en-GB" sz="1000">
-                <a:solidFill>
-                  <a:srgbClr val="C0504D"/>
-                </a:solidFill>
-                <a:latin typeface="Calibri" panose="020F0502020204030204" pitchFamily="34" charset="0"/>
-              </a:rPr>
-              <a:t>40%</a:t>
-            </a:r>
-          </a:p>
-        </p:txBody>
-      </p:sp>
-      <p:sp>
-        <p:nvSpPr>
-          <p:cNvPr id="5972" name="OTLSHAPE_T_82d1b7aae77d41a2be14d69f5e501b1b_StartDate" hidden="1"/>
-          <p:cNvSpPr txBox="1"/>
-          <p:nvPr>
-            <p:custDataLst>
-              <p:tags r:id="rId77"/>
-            </p:custDataLst>
-          </p:nvPr>
-        </p:nvSpPr>
-        <p:spPr>
-          <a:xfrm>
-            <a:off x="0" y="4735364"/>
-            <a:ext cx="0" cy="153888"/>
-          </a:xfrm>
-          <a:prstGeom prst="rect">
-            <a:avLst/>
-          </a:prstGeom>
-          <a:noFill/>
-        </p:spPr>
-        <p:txBody>
-          <a:bodyPr vert="horz" wrap="square" lIns="0" tIns="0" rIns="0" bIns="0" rtlCol="0" anchor="ctr" anchorCtr="0">
-            <a:spAutoFit/>
-          </a:bodyPr>
-          <a:lstStyle/>
-          <a:p>
-            <a:pPr algn="ctr"/>
-            <a:endParaRPr lang="en-GB" sz="1000">
-              <a:solidFill>
-                <a:schemeClr val="dk1"/>
-              </a:solidFill>
-              <a:latin typeface="Calibri" panose="020F0502020204030204" pitchFamily="34" charset="0"/>
-            </a:endParaRPr>
-          </a:p>
-        </p:txBody>
-      </p:sp>
-      <p:sp>
-        <p:nvSpPr>
-          <p:cNvPr id="5973" name="OTLSHAPE_T_82d1b7aae77d41a2be14d69f5e501b1b_EndDate" hidden="1"/>
-          <p:cNvSpPr txBox="1"/>
-          <p:nvPr>
-            <p:custDataLst>
-              <p:tags r:id="rId78"/>
-            </p:custDataLst>
-          </p:nvPr>
-        </p:nvSpPr>
-        <p:spPr>
-          <a:xfrm>
-            <a:off x="0" y="4735364"/>
-            <a:ext cx="0" cy="153888"/>
-          </a:xfrm>
-          <a:prstGeom prst="rect">
-            <a:avLst/>
-          </a:prstGeom>
-          <a:noFill/>
-        </p:spPr>
-        <p:txBody>
-          <a:bodyPr vert="horz" wrap="square" lIns="0" tIns="0" rIns="0" bIns="0" rtlCol="0" anchor="ctr" anchorCtr="0">
-            <a:spAutoFit/>
-          </a:bodyPr>
-          <a:lstStyle/>
-          <a:p>
-            <a:pPr algn="ctr"/>
-            <a:endParaRPr lang="en-GB" sz="1000">
-              <a:solidFill>
-                <a:schemeClr val="dk1"/>
-              </a:solidFill>
-              <a:latin typeface="Calibri" panose="020F0502020204030204" pitchFamily="34" charset="0"/>
-            </a:endParaRPr>
-          </a:p>
-        </p:txBody>
-      </p:sp>
-      <p:sp>
-        <p:nvSpPr>
-          <p:cNvPr id="5974" name="OTLSHAPE_T_82d1b7aae77d41a2be14d69f5e501b1b_JoinedDate"/>
-          <p:cNvSpPr txBox="1"/>
-          <p:nvPr>
-            <p:custDataLst>
-              <p:tags r:id="rId79"/>
-            </p:custDataLst>
-          </p:nvPr>
-        </p:nvSpPr>
-        <p:spPr>
-          <a:xfrm>
-            <a:off x="10866889" y="5161026"/>
-            <a:ext cx="800100" cy="155025"/>
-          </a:xfrm>
-          <a:prstGeom prst="rect">
-            <a:avLst/>
-          </a:prstGeom>
-          <a:noFill/>
-        </p:spPr>
-        <p:txBody>
-          <a:bodyPr vert="horz" wrap="square" lIns="0" tIns="0" rIns="0" bIns="0" rtlCol="0" anchor="ctr" anchorCtr="0">
-            <a:spAutoFit/>
-          </a:bodyPr>
-          <a:lstStyle/>
-          <a:p>
-            <a:r>
-              <a:rPr lang="en-GB" sz="1000" spc="-4">
-                <a:solidFill>
-                  <a:schemeClr val="dk1"/>
-                </a:solidFill>
-                <a:latin typeface="Calibri" panose="020F0502020204030204" pitchFamily="34" charset="0"/>
-              </a:rPr>
-              <a:t>Dec 23 - Apr 30</a:t>
-            </a:r>
-          </a:p>
-        </p:txBody>
-      </p:sp>
-      <p:sp>
-        <p:nvSpPr>
-          <p:cNvPr id="5975" name="OTLSHAPE_T_82d1b7aae77d41a2be14d69f5e501b1b_Title"/>
-          <p:cNvSpPr txBox="1"/>
-          <p:nvPr>
-            <p:custDataLst>
-              <p:tags r:id="rId80"/>
-            </p:custDataLst>
-          </p:nvPr>
-        </p:nvSpPr>
-        <p:spPr>
-          <a:xfrm>
-            <a:off x="127000" y="5153279"/>
-            <a:ext cx="1511300" cy="170519"/>
-          </a:xfrm>
-          <a:prstGeom prst="rect">
-            <a:avLst/>
-          </a:prstGeom>
-          <a:noFill/>
-        </p:spPr>
-        <p:txBody>
-          <a:bodyPr vert="horz" wrap="square" lIns="0" tIns="0" rIns="0" bIns="0" rtlCol="0" anchor="ctr" anchorCtr="0">
-            <a:spAutoFit/>
-          </a:bodyPr>
-          <a:lstStyle/>
-          <a:p>
-            <a:r>
-              <a:rPr lang="en-GB" sz="1100" b="1" spc="-10">
-                <a:solidFill>
-                  <a:schemeClr val="dk1"/>
-                </a:solidFill>
-                <a:latin typeface="Calibri" panose="020F0502020204030204" pitchFamily="34" charset="0"/>
-              </a:rPr>
-              <a:t>Implementation &amp; Testing</a:t>
-            </a:r>
-          </a:p>
-        </p:txBody>
-      </p:sp>
-      <p:sp>
-        <p:nvSpPr>
-          <p:cNvPr id="5986" name="OTLSHAPE_T_fe82a054eb724851a93f6a606432bfac_Duration"/>
-          <p:cNvSpPr txBox="1"/>
-          <p:nvPr>
-            <p:custDataLst>
-              <p:tags r:id="rId81"/>
-            </p:custDataLst>
-          </p:nvPr>
-        </p:nvSpPr>
-        <p:spPr>
-          <a:xfrm>
-            <a:off x="5456817" y="5378238"/>
-            <a:ext cx="393700" cy="155025"/>
-          </a:xfrm>
-          <a:prstGeom prst="rect">
-            <a:avLst/>
-          </a:prstGeom>
-          <a:noFill/>
-        </p:spPr>
-        <p:txBody>
-          <a:bodyPr vert="horz" wrap="square" lIns="0" tIns="0" rIns="0" bIns="0" rtlCol="0" anchor="ctr" anchorCtr="0">
-            <a:spAutoFit/>
-          </a:bodyPr>
-          <a:lstStyle/>
-          <a:p>
-            <a:r>
-              <a:rPr lang="en-GB" sz="1000" spc="-8">
-                <a:solidFill>
-                  <a:schemeClr val="dk1"/>
-                </a:solidFill>
-                <a:latin typeface="Calibri" panose="020F0502020204030204" pitchFamily="34" charset="0"/>
-              </a:rPr>
-              <a:t>24 days</a:t>
-            </a:r>
-          </a:p>
-        </p:txBody>
-      </p:sp>
-      <p:sp>
-        <p:nvSpPr>
-          <p:cNvPr id="5987" name="OTLSHAPE_T_fe82a054eb724851a93f6a606432bfac_TextPercentage" hidden="1"/>
-          <p:cNvSpPr txBox="1"/>
-          <p:nvPr>
-            <p:custDataLst>
-              <p:tags r:id="rId82"/>
-            </p:custDataLst>
-          </p:nvPr>
-        </p:nvSpPr>
-        <p:spPr>
-          <a:xfrm>
-            <a:off x="0" y="5240740"/>
-            <a:ext cx="0" cy="153888"/>
-          </a:xfrm>
-          <a:prstGeom prst="rect">
-            <a:avLst/>
-          </a:prstGeom>
-          <a:noFill/>
-        </p:spPr>
-        <p:txBody>
-          <a:bodyPr vert="horz" wrap="square" lIns="0" tIns="0" rIns="0" bIns="0" rtlCol="0" anchor="ctr" anchorCtr="0">
-            <a:spAutoFit/>
-          </a:bodyPr>
-          <a:lstStyle/>
-          <a:p>
-            <a:pPr algn="ctr"/>
-            <a:endParaRPr lang="en-GB" sz="1000">
-              <a:solidFill>
-                <a:srgbClr val="C0504D"/>
-              </a:solidFill>
-              <a:latin typeface="Calibri" panose="020F0502020204030204" pitchFamily="34" charset="0"/>
-            </a:endParaRPr>
-          </a:p>
-        </p:txBody>
-      </p:sp>
-      <p:sp>
-        <p:nvSpPr>
-          <p:cNvPr id="5988" name="OTLSHAPE_T_fe82a054eb724851a93f6a606432bfac_StartDate" hidden="1"/>
-          <p:cNvSpPr txBox="1"/>
-          <p:nvPr>
-            <p:custDataLst>
-              <p:tags r:id="rId83"/>
-            </p:custDataLst>
-          </p:nvPr>
-        </p:nvSpPr>
-        <p:spPr>
-          <a:xfrm>
-            <a:off x="0" y="5240740"/>
-            <a:ext cx="0" cy="153888"/>
-          </a:xfrm>
-          <a:prstGeom prst="rect">
-            <a:avLst/>
-          </a:prstGeom>
-          <a:noFill/>
-        </p:spPr>
-        <p:txBody>
-          <a:bodyPr vert="horz" wrap="square" lIns="0" tIns="0" rIns="0" bIns="0" rtlCol="0" anchor="ctr" anchorCtr="0">
-            <a:spAutoFit/>
-          </a:bodyPr>
-          <a:lstStyle/>
-          <a:p>
-            <a:pPr algn="ctr"/>
-            <a:endParaRPr lang="en-GB" sz="1000">
-              <a:solidFill>
-                <a:schemeClr val="dk1"/>
-              </a:solidFill>
-              <a:latin typeface="Calibri" panose="020F0502020204030204" pitchFamily="34" charset="0"/>
-            </a:endParaRPr>
-          </a:p>
-        </p:txBody>
-      </p:sp>
-      <p:sp>
-        <p:nvSpPr>
-          <p:cNvPr id="5989" name="OTLSHAPE_T_fe82a054eb724851a93f6a606432bfac_EndDate" hidden="1"/>
-          <p:cNvSpPr txBox="1"/>
-          <p:nvPr>
-            <p:custDataLst>
-              <p:tags r:id="rId84"/>
-            </p:custDataLst>
-          </p:nvPr>
-        </p:nvSpPr>
-        <p:spPr>
-          <a:xfrm>
-            <a:off x="0" y="5240740"/>
-            <a:ext cx="0" cy="153888"/>
-          </a:xfrm>
-          <a:prstGeom prst="rect">
-            <a:avLst/>
-          </a:prstGeom>
-          <a:noFill/>
-        </p:spPr>
-        <p:txBody>
-          <a:bodyPr vert="horz" wrap="square" lIns="0" tIns="0" rIns="0" bIns="0" rtlCol="0" anchor="ctr" anchorCtr="0">
-            <a:spAutoFit/>
-          </a:bodyPr>
-          <a:lstStyle/>
-          <a:p>
-            <a:pPr algn="ctr"/>
-            <a:endParaRPr lang="en-GB" sz="1000">
-              <a:solidFill>
-                <a:schemeClr val="dk1"/>
-              </a:solidFill>
-              <a:latin typeface="Calibri" panose="020F0502020204030204" pitchFamily="34" charset="0"/>
-            </a:endParaRPr>
-          </a:p>
-        </p:txBody>
-      </p:sp>
-      <p:sp>
-        <p:nvSpPr>
-          <p:cNvPr id="5990" name="OTLSHAPE_T_fe82a054eb724851a93f6a606432bfac_JoinedDate"/>
-          <p:cNvSpPr txBox="1"/>
-          <p:nvPr>
-            <p:custDataLst>
-              <p:tags r:id="rId85"/>
-            </p:custDataLst>
-          </p:nvPr>
-        </p:nvSpPr>
-        <p:spPr>
-          <a:xfrm>
-            <a:off x="6884285" y="5557351"/>
-            <a:ext cx="711200" cy="155025"/>
-          </a:xfrm>
-          <a:prstGeom prst="rect">
-            <a:avLst/>
-          </a:prstGeom>
-          <a:noFill/>
-        </p:spPr>
-        <p:txBody>
-          <a:bodyPr vert="horz" wrap="square" lIns="0" tIns="0" rIns="0" bIns="0" rtlCol="0" anchor="ctr" anchorCtr="0">
-            <a:spAutoFit/>
-          </a:bodyPr>
-          <a:lstStyle/>
-          <a:p>
-            <a:r>
-              <a:rPr lang="en-GB" sz="1000" spc="-4">
-                <a:solidFill>
-                  <a:schemeClr val="dk1"/>
-                </a:solidFill>
-                <a:latin typeface="Calibri" panose="020F0502020204030204" pitchFamily="34" charset="0"/>
-              </a:rPr>
-              <a:t>Jan 13 - Feb 9</a:t>
-            </a:r>
-          </a:p>
-        </p:txBody>
-      </p:sp>
-      <p:sp>
-        <p:nvSpPr>
-          <p:cNvPr id="5991" name="OTLSHAPE_T_fe82a054eb724851a93f6a606432bfac_Title"/>
-          <p:cNvSpPr txBox="1"/>
-          <p:nvPr>
-            <p:custDataLst>
-              <p:tags r:id="rId86"/>
-            </p:custDataLst>
-          </p:nvPr>
-        </p:nvSpPr>
-        <p:spPr>
-          <a:xfrm>
-            <a:off x="127000" y="5549604"/>
-            <a:ext cx="647700" cy="170519"/>
-          </a:xfrm>
-          <a:prstGeom prst="rect">
-            <a:avLst/>
-          </a:prstGeom>
-          <a:noFill/>
-        </p:spPr>
-        <p:txBody>
-          <a:bodyPr vert="horz" wrap="square" lIns="0" tIns="0" rIns="0" bIns="0" rtlCol="0" anchor="ctr" anchorCtr="0">
-            <a:spAutoFit/>
-          </a:bodyPr>
-          <a:lstStyle/>
-          <a:p>
-            <a:r>
-              <a:rPr lang="en-GB" sz="1100" b="1" spc="-16" dirty="0">
-                <a:solidFill>
-                  <a:schemeClr val="dk1"/>
-                </a:solidFill>
-                <a:latin typeface="Calibri" panose="020F0502020204030204" pitchFamily="34" charset="0"/>
-              </a:rPr>
-              <a:t>Tet Holiday</a:t>
-            </a:r>
-          </a:p>
-        </p:txBody>
-      </p:sp>
-      <p:sp>
-        <p:nvSpPr>
-          <p:cNvPr id="33" name="OTLSHAPE_T_313a161d2a7f4eada443e8c342d76860_Duration">
+              <a:t>June 30</a:t>
+            </a:r>
+          </a:p>
+        </p:txBody>
+      </p:sp>
+      <p:sp>
+        <p:nvSpPr>
+          <p:cNvPr id="159" name="OTLSHAPE_T_313a161d2a7f4eada443e8c342d76860_Title">
             <a:extLst>
               <a:ext uri="{FF2B5EF4-FFF2-40B4-BE49-F238E27FC236}">
-                <a16:creationId xmlns:a16="http://schemas.microsoft.com/office/drawing/2014/main" id="{351FE5E5-DD8C-408C-B09F-43D737FEA005}"/>
+                <a16:creationId xmlns:a16="http://schemas.microsoft.com/office/drawing/2014/main" id="{051D547E-34D7-440C-964D-B7C33AC5F398}"/>
               </a:ext>
             </a:extLst>
           </p:cNvPr>
           <p:cNvSpPr txBox="1"/>
           <p:nvPr>
             <p:custDataLst>
-              <p:tags r:id="rId87"/>
-            </p:custDataLst>
-          </p:nvPr>
-        </p:nvSpPr>
-        <p:spPr>
-          <a:xfrm>
-            <a:off x="10766956" y="5774563"/>
-            <a:ext cx="279400" cy="155025"/>
-          </a:xfrm>
-          <a:prstGeom prst="rect">
-            <a:avLst/>
-          </a:prstGeom>
-          <a:noFill/>
-        </p:spPr>
-        <p:txBody>
-          <a:bodyPr vert="horz" wrap="square" lIns="0" tIns="0" rIns="0" bIns="0" rtlCol="0" anchor="ctr" anchorCtr="0">
-            <a:spAutoFit/>
-          </a:bodyPr>
-          <a:lstStyle/>
-          <a:p>
-            <a:r>
-              <a:rPr lang="en-US" sz="1000" spc="-8">
-                <a:solidFill>
-                  <a:schemeClr val="dk1"/>
-                </a:solidFill>
-                <a:latin typeface="Calibri" panose="020F0502020204030204" pitchFamily="34" charset="0"/>
-              </a:rPr>
-              <a:t>1 day</a:t>
-            </a:r>
-          </a:p>
-        </p:txBody>
-      </p:sp>
-      <p:sp>
-        <p:nvSpPr>
-          <p:cNvPr id="34" name="OTLSHAPE_T_313a161d2a7f4eada443e8c342d76860_TextPercentage" hidden="1">
-            <a:extLst>
-              <a:ext uri="{FF2B5EF4-FFF2-40B4-BE49-F238E27FC236}">
-                <a16:creationId xmlns:a16="http://schemas.microsoft.com/office/drawing/2014/main" id="{CC57FBAF-EE94-4F34-B603-4F30F3FDF267}"/>
-              </a:ext>
-            </a:extLst>
-          </p:cNvPr>
-          <p:cNvSpPr txBox="1"/>
-          <p:nvPr>
-            <p:custDataLst>
-              <p:tags r:id="rId88"/>
-            </p:custDataLst>
-          </p:nvPr>
-        </p:nvSpPr>
-        <p:spPr>
-          <a:xfrm>
-            <a:off x="12700" y="12700"/>
-            <a:ext cx="0" cy="276999"/>
-          </a:xfrm>
-          <a:prstGeom prst="rect">
-            <a:avLst/>
-          </a:prstGeom>
-          <a:noFill/>
-        </p:spPr>
-        <p:txBody>
-          <a:bodyPr vert="horz" wrap="square" lIns="0" tIns="0" rIns="0" bIns="0" rtlCol="0" anchor="ctr" anchorCtr="0">
-            <a:spAutoFit/>
-          </a:bodyPr>
-          <a:lstStyle/>
-          <a:p>
-            <a:pPr algn="ctr"/>
-            <a:endParaRPr lang="en-US"/>
-          </a:p>
-        </p:txBody>
-      </p:sp>
-      <p:sp>
-        <p:nvSpPr>
-          <p:cNvPr id="35" name="OTLSHAPE_T_313a161d2a7f4eada443e8c342d76860_StartDate" hidden="1">
-            <a:extLst>
-              <a:ext uri="{FF2B5EF4-FFF2-40B4-BE49-F238E27FC236}">
-                <a16:creationId xmlns:a16="http://schemas.microsoft.com/office/drawing/2014/main" id="{2A2CE205-3409-4C03-BABC-B8FCA7D14CBA}"/>
-              </a:ext>
-            </a:extLst>
-          </p:cNvPr>
-          <p:cNvSpPr txBox="1"/>
-          <p:nvPr>
-            <p:custDataLst>
-              <p:tags r:id="rId89"/>
-            </p:custDataLst>
-          </p:nvPr>
-        </p:nvSpPr>
-        <p:spPr>
-          <a:xfrm>
-            <a:off x="12700" y="12700"/>
-            <a:ext cx="0" cy="276999"/>
-          </a:xfrm>
-          <a:prstGeom prst="rect">
-            <a:avLst/>
-          </a:prstGeom>
-          <a:noFill/>
-        </p:spPr>
-        <p:txBody>
-          <a:bodyPr vert="horz" wrap="square" lIns="0" tIns="0" rIns="0" bIns="0" rtlCol="0" anchor="ctr" anchorCtr="0">
-            <a:spAutoFit/>
-          </a:bodyPr>
-          <a:lstStyle/>
-          <a:p>
-            <a:pPr algn="ctr"/>
-            <a:endParaRPr lang="en-US">
-              <a:solidFill>
-                <a:schemeClr val="dk1"/>
-              </a:solidFill>
-            </a:endParaRPr>
-          </a:p>
-        </p:txBody>
-      </p:sp>
-      <p:sp>
-        <p:nvSpPr>
-          <p:cNvPr id="36" name="OTLSHAPE_T_313a161d2a7f4eada443e8c342d76860_EndDate" hidden="1">
-            <a:extLst>
-              <a:ext uri="{FF2B5EF4-FFF2-40B4-BE49-F238E27FC236}">
-                <a16:creationId xmlns:a16="http://schemas.microsoft.com/office/drawing/2014/main" id="{12A8F384-4A1E-4509-876A-330F497F049F}"/>
-              </a:ext>
-            </a:extLst>
-          </p:cNvPr>
-          <p:cNvSpPr txBox="1"/>
-          <p:nvPr>
-            <p:custDataLst>
-              <p:tags r:id="rId90"/>
-            </p:custDataLst>
-          </p:nvPr>
-        </p:nvSpPr>
-        <p:spPr>
-          <a:xfrm>
-            <a:off x="12700" y="12700"/>
-            <a:ext cx="0" cy="276999"/>
-          </a:xfrm>
-          <a:prstGeom prst="rect">
-            <a:avLst/>
-          </a:prstGeom>
-          <a:noFill/>
-        </p:spPr>
-        <p:txBody>
-          <a:bodyPr vert="horz" wrap="square" lIns="0" tIns="0" rIns="0" bIns="0" rtlCol="0" anchor="ctr" anchorCtr="0">
-            <a:spAutoFit/>
-          </a:bodyPr>
-          <a:lstStyle/>
-          <a:p>
-            <a:pPr algn="ctr"/>
-            <a:endParaRPr lang="en-US">
-              <a:solidFill>
-                <a:schemeClr val="dk1"/>
-              </a:solidFill>
-            </a:endParaRPr>
-          </a:p>
-        </p:txBody>
-      </p:sp>
-      <p:sp>
-        <p:nvSpPr>
-          <p:cNvPr id="37" name="OTLSHAPE_T_313a161d2a7f4eada443e8c342d76860_JoinedDate">
-            <a:extLst>
-              <a:ext uri="{FF2B5EF4-FFF2-40B4-BE49-F238E27FC236}">
-                <a16:creationId xmlns:a16="http://schemas.microsoft.com/office/drawing/2014/main" id="{3C48481D-44C5-409F-915E-2441EF53F534}"/>
-              </a:ext>
-            </a:extLst>
-          </p:cNvPr>
-          <p:cNvSpPr txBox="1"/>
-          <p:nvPr>
-            <p:custDataLst>
-              <p:tags r:id="rId91"/>
-            </p:custDataLst>
-          </p:nvPr>
-        </p:nvSpPr>
-        <p:spPr>
-          <a:xfrm>
-            <a:off x="10868556" y="5953675"/>
-            <a:ext cx="342900" cy="155025"/>
-          </a:xfrm>
-          <a:prstGeom prst="rect">
-            <a:avLst/>
-          </a:prstGeom>
-          <a:noFill/>
-        </p:spPr>
-        <p:txBody>
-          <a:bodyPr vert="horz" wrap="square" lIns="0" tIns="0" rIns="0" bIns="0" rtlCol="0" anchor="ctr" anchorCtr="0">
-            <a:spAutoFit/>
-          </a:bodyPr>
-          <a:lstStyle/>
-          <a:p>
-            <a:r>
-              <a:rPr lang="en-US" sz="1000" spc="-6">
-                <a:solidFill>
-                  <a:schemeClr val="dk1"/>
-                </a:solidFill>
-                <a:latin typeface="Calibri" panose="020F0502020204030204" pitchFamily="34" charset="0"/>
-              </a:rPr>
-              <a:t>Apr 30</a:t>
-            </a:r>
-          </a:p>
-        </p:txBody>
-      </p:sp>
-      <p:sp>
-        <p:nvSpPr>
-          <p:cNvPr id="38" name="OTLSHAPE_T_313a161d2a7f4eada443e8c342d76860_Title">
-            <a:extLst>
-              <a:ext uri="{FF2B5EF4-FFF2-40B4-BE49-F238E27FC236}">
-                <a16:creationId xmlns:a16="http://schemas.microsoft.com/office/drawing/2014/main" id="{7692CDBD-1DAC-4F92-BBE3-16C8CBB91643}"/>
-              </a:ext>
-            </a:extLst>
-          </p:cNvPr>
-          <p:cNvSpPr txBox="1"/>
-          <p:nvPr>
-            <p:custDataLst>
-              <p:tags r:id="rId92"/>
-            </p:custDataLst>
-          </p:nvPr>
-        </p:nvSpPr>
-        <p:spPr>
-          <a:xfrm>
-            <a:off x="127000" y="5945929"/>
+              <p:tags r:id="rId146"/>
+            </p:custDataLst>
+          </p:nvPr>
+        </p:nvSpPr>
+        <p:spPr>
+          <a:xfrm>
+            <a:off x="127000" y="6362059"/>
             <a:ext cx="762000" cy="170519"/>
           </a:xfrm>
           <a:prstGeom prst="rect">
@@ -7236,269 +10473,26 @@
       </p:sp>
       <p:sp>
         <p:nvSpPr>
-          <p:cNvPr id="8" name="OTLSHAPE_T_505e5fa1ab624917a3b9976ce0128bea_TextPercentage" hidden="1">
+          <p:cNvPr id="160" name="OTLSHAPE_T_fe82a054eb724851a93f6a606432bfac_Shape">
             <a:extLst>
               <a:ext uri="{FF2B5EF4-FFF2-40B4-BE49-F238E27FC236}">
-                <a16:creationId xmlns:a16="http://schemas.microsoft.com/office/drawing/2014/main" id="{8AAB4D4D-816B-4EA9-9607-794B2A8763B1}"/>
-              </a:ext>
-            </a:extLst>
-          </p:cNvPr>
-          <p:cNvSpPr txBox="1"/>
-          <p:nvPr>
-            <p:custDataLst>
-              <p:tags r:id="rId93"/>
-            </p:custDataLst>
-          </p:nvPr>
-        </p:nvSpPr>
-        <p:spPr>
-          <a:xfrm>
-            <a:off x="12700" y="12700"/>
-            <a:ext cx="0" cy="276999"/>
-          </a:xfrm>
-          <a:prstGeom prst="rect">
-            <a:avLst/>
-          </a:prstGeom>
-          <a:noFill/>
-        </p:spPr>
-        <p:txBody>
-          <a:bodyPr vert="horz" wrap="square" lIns="0" tIns="0" rIns="0" bIns="0" rtlCol="0" anchor="ctr" anchorCtr="0">
-            <a:spAutoFit/>
-          </a:bodyPr>
-          <a:lstStyle/>
-          <a:p>
-            <a:pPr algn="ctr"/>
-            <a:endParaRPr lang="en-US"/>
-          </a:p>
-        </p:txBody>
-      </p:sp>
-      <p:sp>
-        <p:nvSpPr>
-          <p:cNvPr id="9" name="OTLSHAPE_T_505e5fa1ab624917a3b9976ce0128bea_StartDate" hidden="1">
-            <a:extLst>
-              <a:ext uri="{FF2B5EF4-FFF2-40B4-BE49-F238E27FC236}">
-                <a16:creationId xmlns:a16="http://schemas.microsoft.com/office/drawing/2014/main" id="{9BA395F0-140C-49E5-931A-DD067CEA25AA}"/>
-              </a:ext>
-            </a:extLst>
-          </p:cNvPr>
-          <p:cNvSpPr txBox="1"/>
-          <p:nvPr>
-            <p:custDataLst>
-              <p:tags r:id="rId94"/>
-            </p:custDataLst>
-          </p:nvPr>
-        </p:nvSpPr>
-        <p:spPr>
-          <a:xfrm>
-            <a:off x="12700" y="12700"/>
-            <a:ext cx="0" cy="276999"/>
-          </a:xfrm>
-          <a:prstGeom prst="rect">
-            <a:avLst/>
-          </a:prstGeom>
-          <a:noFill/>
-        </p:spPr>
-        <p:txBody>
-          <a:bodyPr vert="horz" wrap="square" lIns="0" tIns="0" rIns="0" bIns="0" rtlCol="0" anchor="ctr" anchorCtr="0">
-            <a:spAutoFit/>
-          </a:bodyPr>
-          <a:lstStyle/>
-          <a:p>
-            <a:pPr algn="ctr"/>
-            <a:endParaRPr lang="en-US"/>
-          </a:p>
-        </p:txBody>
-      </p:sp>
-      <p:sp>
-        <p:nvSpPr>
-          <p:cNvPr id="10" name="OTLSHAPE_T_505e5fa1ab624917a3b9976ce0128bea_EndDate" hidden="1">
-            <a:extLst>
-              <a:ext uri="{FF2B5EF4-FFF2-40B4-BE49-F238E27FC236}">
-                <a16:creationId xmlns:a16="http://schemas.microsoft.com/office/drawing/2014/main" id="{3266FE62-AB97-4AC3-A3E1-D1AB3742C7F6}"/>
-              </a:ext>
-            </a:extLst>
-          </p:cNvPr>
-          <p:cNvSpPr txBox="1"/>
-          <p:nvPr>
-            <p:custDataLst>
-              <p:tags r:id="rId95"/>
-            </p:custDataLst>
-          </p:nvPr>
-        </p:nvSpPr>
-        <p:spPr>
-          <a:xfrm>
-            <a:off x="12700" y="12700"/>
-            <a:ext cx="0" cy="276999"/>
-          </a:xfrm>
-          <a:prstGeom prst="rect">
-            <a:avLst/>
-          </a:prstGeom>
-          <a:noFill/>
-        </p:spPr>
-        <p:txBody>
-          <a:bodyPr vert="horz" wrap="square" lIns="0" tIns="0" rIns="0" bIns="0" rtlCol="0" anchor="ctr" anchorCtr="0">
-            <a:spAutoFit/>
-          </a:bodyPr>
-          <a:lstStyle/>
-          <a:p>
-            <a:pPr algn="ctr"/>
-            <a:endParaRPr lang="en-US"/>
-          </a:p>
-        </p:txBody>
-      </p:sp>
-      <p:sp>
-        <p:nvSpPr>
-          <p:cNvPr id="11" name="OTLSHAPE_T_505e5fa1ab624917a3b9976ce0128bea_Duration">
-            <a:extLst>
-              <a:ext uri="{FF2B5EF4-FFF2-40B4-BE49-F238E27FC236}">
-                <a16:creationId xmlns:a16="http://schemas.microsoft.com/office/drawing/2014/main" id="{6F436A76-3FDF-489A-B5DF-1F5B622CF874}"/>
-              </a:ext>
-            </a:extLst>
-          </p:cNvPr>
-          <p:cNvSpPr txBox="1"/>
-          <p:nvPr>
-            <p:custDataLst>
-              <p:tags r:id="rId96"/>
-            </p:custDataLst>
-          </p:nvPr>
-        </p:nvSpPr>
-        <p:spPr>
-          <a:xfrm>
-            <a:off x="3047587" y="4585589"/>
-            <a:ext cx="393700" cy="155025"/>
-          </a:xfrm>
-          <a:prstGeom prst="rect">
-            <a:avLst/>
-          </a:prstGeom>
-          <a:noFill/>
-        </p:spPr>
-        <p:txBody>
-          <a:bodyPr vert="horz" wrap="square" lIns="0" tIns="0" rIns="0" bIns="0" rtlCol="0" anchor="ctr" anchorCtr="0">
-            <a:spAutoFit/>
-          </a:bodyPr>
-          <a:lstStyle/>
-          <a:p>
-            <a:r>
-              <a:rPr lang="en-US" sz="1000" spc="-8">
-                <a:solidFill>
-                  <a:schemeClr val="dk1"/>
-                </a:solidFill>
-                <a:latin typeface="Calibri" panose="020F0502020204030204" pitchFamily="34" charset="0"/>
-              </a:rPr>
-              <a:t>24 days</a:t>
-            </a:r>
-          </a:p>
-        </p:txBody>
-      </p:sp>
-      <p:sp>
-        <p:nvSpPr>
-          <p:cNvPr id="12" name="OTLSHAPE_T_505e5fa1ab624917a3b9976ce0128bea_JoinedDate">
-            <a:extLst>
-              <a:ext uri="{FF2B5EF4-FFF2-40B4-BE49-F238E27FC236}">
-                <a16:creationId xmlns:a16="http://schemas.microsoft.com/office/drawing/2014/main" id="{58D38513-EDF0-47DF-8296-06FCBBF98B69}"/>
-              </a:ext>
-            </a:extLst>
-          </p:cNvPr>
-          <p:cNvSpPr txBox="1"/>
-          <p:nvPr>
-            <p:custDataLst>
-              <p:tags r:id="rId97"/>
-            </p:custDataLst>
-          </p:nvPr>
-        </p:nvSpPr>
-        <p:spPr>
-          <a:xfrm>
-            <a:off x="4425888" y="4764701"/>
-            <a:ext cx="812800" cy="155025"/>
-          </a:xfrm>
-          <a:prstGeom prst="rect">
-            <a:avLst/>
-          </a:prstGeom>
-          <a:noFill/>
-        </p:spPr>
-        <p:txBody>
-          <a:bodyPr vert="horz" wrap="square" lIns="0" tIns="0" rIns="0" bIns="0" rtlCol="0" anchor="ctr" anchorCtr="0">
-            <a:spAutoFit/>
-          </a:bodyPr>
-          <a:lstStyle/>
-          <a:p>
-            <a:r>
-              <a:rPr lang="en-US" sz="1000" spc="-4" dirty="0">
-                <a:solidFill>
-                  <a:schemeClr val="dk1"/>
-                </a:solidFill>
-                <a:latin typeface="Calibri" panose="020F0502020204030204" pitchFamily="34" charset="0"/>
-              </a:rPr>
-              <a:t>Nov 25 - Dec 21</a:t>
-            </a:r>
-          </a:p>
-        </p:txBody>
-      </p:sp>
-      <p:sp>
-        <p:nvSpPr>
-          <p:cNvPr id="13" name="OTLSHAPE_T_505e5fa1ab624917a3b9976ce0128bea_Title">
-            <a:extLst>
-              <a:ext uri="{FF2B5EF4-FFF2-40B4-BE49-F238E27FC236}">
-                <a16:creationId xmlns:a16="http://schemas.microsoft.com/office/drawing/2014/main" id="{D4447CE3-1929-4624-8299-B4FD9483B2DB}"/>
-              </a:ext>
-            </a:extLst>
-          </p:cNvPr>
-          <p:cNvSpPr txBox="1"/>
-          <p:nvPr>
-            <p:custDataLst>
-              <p:tags r:id="rId98"/>
-            </p:custDataLst>
-          </p:nvPr>
-        </p:nvSpPr>
-        <p:spPr>
-          <a:xfrm>
-            <a:off x="127000" y="4756954"/>
-            <a:ext cx="469900" cy="170519"/>
-          </a:xfrm>
-          <a:prstGeom prst="rect">
-            <a:avLst/>
-          </a:prstGeom>
-          <a:noFill/>
-        </p:spPr>
-        <p:txBody>
-          <a:bodyPr vert="horz" wrap="square" lIns="0" tIns="0" rIns="0" bIns="0" rtlCol="0" anchor="ctr" anchorCtr="0">
-            <a:spAutoFit/>
-          </a:bodyPr>
-          <a:lstStyle/>
-          <a:p>
-            <a:r>
-              <a:rPr lang="en-US" sz="1100" b="1" spc="-16" dirty="0">
-                <a:solidFill>
-                  <a:schemeClr val="dk1"/>
-                </a:solidFill>
-                <a:latin typeface="Calibri" panose="020F0502020204030204" pitchFamily="34" charset="0"/>
-              </a:rPr>
-              <a:t>Training</a:t>
-            </a:r>
-          </a:p>
-        </p:txBody>
-      </p:sp>
-      <p:sp>
-        <p:nvSpPr>
-          <p:cNvPr id="20" name="OTLSHAPE_M_841a70fcf0844b768bd3c93d8e82cdc4_Shape">
-            <a:extLst>
-              <a:ext uri="{FF2B5EF4-FFF2-40B4-BE49-F238E27FC236}">
-                <a16:creationId xmlns:a16="http://schemas.microsoft.com/office/drawing/2014/main" id="{5E9B6690-1902-4E84-8109-83602C8EE2F2}"/>
+                <a16:creationId xmlns:a16="http://schemas.microsoft.com/office/drawing/2014/main" id="{E2E39C11-B33D-4A34-9343-80E83CBE384E}"/>
               </a:ext>
             </a:extLst>
           </p:cNvPr>
           <p:cNvSpPr/>
           <p:nvPr>
             <p:custDataLst>
-              <p:tags r:id="rId99"/>
-            </p:custDataLst>
-          </p:nvPr>
-        </p:nvSpPr>
-        <p:spPr>
-          <a:xfrm>
-            <a:off x="2340514" y="861542"/>
-            <a:ext cx="165100" cy="165100"/>
-          </a:xfrm>
-          <a:prstGeom prst="wave">
+              <p:tags r:id="rId147"/>
+            </p:custDataLst>
+          </p:nvPr>
+        </p:nvSpPr>
+        <p:spPr>
+          <a:xfrm>
+            <a:off x="5456817" y="5905500"/>
+            <a:ext cx="889892" cy="210948"/>
+          </a:xfrm>
+          <a:prstGeom prst="rect">
             <a:avLst/>
           </a:prstGeom>
           <a:solidFill>
@@ -7512,10 +10506,12 @@
           <a:effectLst/>
           <a:scene3d>
             <a:camera prst="orthographicFront"/>
-            <a:lightRig rig="threePt" dir="t"/>
+            <a:lightRig rig="balanced" dir="t">
+              <a:rot lat="0" lon="0" rev="8700000"/>
+            </a:lightRig>
           </a:scene3d>
           <a:sp3d>
-            <a:bevelT h="12700"/>
+            <a:bevelT w="165100" h="12700"/>
           </a:sp3d>
           <a:extLst>
             <a:ext uri="{91240B29-F687-4F45-9708-019B960494DF}">
@@ -7558,498 +10554,24 @@
       </p:sp>
       <p:sp>
         <p:nvSpPr>
-          <p:cNvPr id="28" name="OTLSHAPE_M_315e3df03a234161b9519aae38b30fa2_Shape">
+          <p:cNvPr id="163" name="OTLSHAPE_T_fe82a054eb724851a93f6a606432bfac_Duration">
             <a:extLst>
               <a:ext uri="{FF2B5EF4-FFF2-40B4-BE49-F238E27FC236}">
-                <a16:creationId xmlns:a16="http://schemas.microsoft.com/office/drawing/2014/main" id="{19F0F717-287A-49E9-B00A-5814A1D5611F}"/>
-              </a:ext>
-            </a:extLst>
-          </p:cNvPr>
-          <p:cNvSpPr/>
-          <p:nvPr>
-            <p:custDataLst>
-              <p:tags r:id="rId100"/>
-            </p:custDataLst>
-          </p:nvPr>
-        </p:nvSpPr>
-        <p:spPr>
-          <a:xfrm>
-            <a:off x="10846570" y="2057188"/>
-            <a:ext cx="165100" cy="165100"/>
-          </a:xfrm>
-          <a:prstGeom prst="wave">
-            <a:avLst/>
-          </a:prstGeom>
-          <a:solidFill>
-            <a:srgbClr val="EA161E"/>
-          </a:solidFill>
-          <a:ln w="12700" cap="flat" cmpd="sng" algn="ctr">
-            <a:noFill/>
-            <a:prstDash val="solid"/>
-            <a:miter lim="800000"/>
-          </a:ln>
-          <a:effectLst/>
-          <a:scene3d>
-            <a:camera prst="orthographicFront"/>
-            <a:lightRig rig="threePt" dir="t"/>
-          </a:scene3d>
-          <a:sp3d>
-            <a:bevelT h="12700"/>
-          </a:sp3d>
-          <a:extLst>
-            <a:ext uri="{91240B29-F687-4F45-9708-019B960494DF}">
-              <a14:hiddenLine xmlns:a14="http://schemas.microsoft.com/office/drawing/2010/main" w="12700" cap="flat" cmpd="sng" algn="ctr">
-                <a:solidFill>
-                  <a:schemeClr val="accent1">
-                    <a:shade val="50000"/>
-                  </a:schemeClr>
-                </a:solidFill>
-                <a:prstDash val="solid"/>
-                <a:miter lim="800000"/>
-              </a14:hiddenLine>
-            </a:ext>
-          </a:extLst>
-        </p:spPr>
-        <p:style>
-          <a:lnRef idx="2">
-            <a:schemeClr val="accent1">
-              <a:shade val="50000"/>
-            </a:schemeClr>
-          </a:lnRef>
-          <a:fillRef idx="1">
-            <a:schemeClr val="accent1"/>
-          </a:fillRef>
-          <a:effectRef idx="0">
-            <a:schemeClr val="accent1"/>
-          </a:effectRef>
-          <a:fontRef idx="minor">
-            <a:schemeClr val="lt1"/>
-          </a:fontRef>
-        </p:style>
-        <p:txBody>
-          <a:bodyPr rtlCol="0" anchor="ctr"/>
-          <a:lstStyle/>
-          <a:p>
-            <a:pPr algn="ctr"/>
-            <a:endParaRPr lang="en-US"/>
-          </a:p>
-        </p:txBody>
-      </p:sp>
-      <p:sp>
-        <p:nvSpPr>
-          <p:cNvPr id="5854" name="OTLSHAPE_M_f36886370e824535b35719d05e608266_Shape">
-            <a:extLst>
-              <a:ext uri="{FF2B5EF4-FFF2-40B4-BE49-F238E27FC236}">
-                <a16:creationId xmlns:a16="http://schemas.microsoft.com/office/drawing/2014/main" id="{E86ECE9F-91F6-467D-9FE1-F9210E7C5058}"/>
-              </a:ext>
-            </a:extLst>
-          </p:cNvPr>
-          <p:cNvSpPr/>
-          <p:nvPr>
-            <p:custDataLst>
-              <p:tags r:id="rId101"/>
-            </p:custDataLst>
-          </p:nvPr>
-        </p:nvSpPr>
-        <p:spPr>
-          <a:xfrm>
-            <a:off x="2684689" y="1604645"/>
-            <a:ext cx="165100" cy="165100"/>
-          </a:xfrm>
-          <a:prstGeom prst="wave">
-            <a:avLst/>
-          </a:prstGeom>
-          <a:solidFill>
-            <a:srgbClr val="EA161E"/>
-          </a:solidFill>
-          <a:ln w="12700" cap="flat" cmpd="sng" algn="ctr">
-            <a:noFill/>
-            <a:prstDash val="solid"/>
-            <a:miter lim="800000"/>
-          </a:ln>
-          <a:effectLst/>
-          <a:scene3d>
-            <a:camera prst="orthographicFront"/>
-            <a:lightRig rig="threePt" dir="t"/>
-          </a:scene3d>
-          <a:sp3d>
-            <a:bevelT h="12700"/>
-          </a:sp3d>
-          <a:extLst>
-            <a:ext uri="{91240B29-F687-4F45-9708-019B960494DF}">
-              <a14:hiddenLine xmlns:a14="http://schemas.microsoft.com/office/drawing/2010/main" w="12700" cap="flat" cmpd="sng" algn="ctr">
-                <a:solidFill>
-                  <a:schemeClr val="accent1">
-                    <a:shade val="50000"/>
-                  </a:schemeClr>
-                </a:solidFill>
-                <a:prstDash val="solid"/>
-                <a:miter lim="800000"/>
-              </a14:hiddenLine>
-            </a:ext>
-          </a:extLst>
-        </p:spPr>
-        <p:style>
-          <a:lnRef idx="2">
-            <a:schemeClr val="accent1">
-              <a:shade val="50000"/>
-            </a:schemeClr>
-          </a:lnRef>
-          <a:fillRef idx="1">
-            <a:schemeClr val="accent1"/>
-          </a:fillRef>
-          <a:effectRef idx="0">
-            <a:schemeClr val="accent1"/>
-          </a:effectRef>
-          <a:fontRef idx="minor">
-            <a:schemeClr val="lt1"/>
-          </a:fontRef>
-        </p:style>
-        <p:txBody>
-          <a:bodyPr rtlCol="0" anchor="ctr"/>
-          <a:lstStyle/>
-          <a:p>
-            <a:pPr algn="ctr"/>
-            <a:endParaRPr lang="en-US"/>
-          </a:p>
-        </p:txBody>
-      </p:sp>
-      <p:sp>
-        <p:nvSpPr>
-          <p:cNvPr id="32" name="OTLSHAPE_M_440a7e1110954cea9aadfc599fcb2486_Shape">
-            <a:extLst>
-              <a:ext uri="{FF2B5EF4-FFF2-40B4-BE49-F238E27FC236}">
-                <a16:creationId xmlns:a16="http://schemas.microsoft.com/office/drawing/2014/main" id="{3EF7CD39-8442-4A63-8B47-436313D47FBE}"/>
-              </a:ext>
-            </a:extLst>
-          </p:cNvPr>
-          <p:cNvSpPr/>
-          <p:nvPr>
-            <p:custDataLst>
-              <p:tags r:id="rId102"/>
-            </p:custDataLst>
-          </p:nvPr>
-        </p:nvSpPr>
-        <p:spPr>
-          <a:xfrm>
-            <a:off x="3373041" y="2057188"/>
-            <a:ext cx="165100" cy="165100"/>
-          </a:xfrm>
-          <a:prstGeom prst="wave">
-            <a:avLst/>
-          </a:prstGeom>
-          <a:solidFill>
-            <a:srgbClr val="EA161E"/>
-          </a:solidFill>
-          <a:ln w="12700" cap="flat" cmpd="sng" algn="ctr">
-            <a:noFill/>
-            <a:prstDash val="solid"/>
-            <a:miter lim="800000"/>
-          </a:ln>
-          <a:effectLst/>
-          <a:scene3d>
-            <a:camera prst="orthographicFront"/>
-            <a:lightRig rig="threePt" dir="t"/>
-          </a:scene3d>
-          <a:sp3d>
-            <a:bevelT h="12700"/>
-          </a:sp3d>
-          <a:extLst>
-            <a:ext uri="{91240B29-F687-4F45-9708-019B960494DF}">
-              <a14:hiddenLine xmlns:a14="http://schemas.microsoft.com/office/drawing/2010/main" w="12700" cap="flat" cmpd="sng" algn="ctr">
-                <a:solidFill>
-                  <a:schemeClr val="accent1">
-                    <a:shade val="50000"/>
-                  </a:schemeClr>
-                </a:solidFill>
-                <a:prstDash val="solid"/>
-                <a:miter lim="800000"/>
-              </a14:hiddenLine>
-            </a:ext>
-          </a:extLst>
-        </p:spPr>
-        <p:style>
-          <a:lnRef idx="2">
-            <a:schemeClr val="accent1">
-              <a:shade val="50000"/>
-            </a:schemeClr>
-          </a:lnRef>
-          <a:fillRef idx="1">
-            <a:schemeClr val="accent1"/>
-          </a:fillRef>
-          <a:effectRef idx="0">
-            <a:schemeClr val="accent1"/>
-          </a:effectRef>
-          <a:fontRef idx="minor">
-            <a:schemeClr val="lt1"/>
-          </a:fontRef>
-        </p:style>
-        <p:txBody>
-          <a:bodyPr rtlCol="0" anchor="ctr"/>
-          <a:lstStyle/>
-          <a:p>
-            <a:pPr algn="ctr"/>
-            <a:endParaRPr lang="en-US"/>
-          </a:p>
-        </p:txBody>
-      </p:sp>
-      <p:sp>
-        <p:nvSpPr>
-          <p:cNvPr id="17" name="OTLSHAPE_M_b8d8e3a727d34366833bd51745f4c1c0_Shape">
-            <a:extLst>
-              <a:ext uri="{FF2B5EF4-FFF2-40B4-BE49-F238E27FC236}">
-                <a16:creationId xmlns:a16="http://schemas.microsoft.com/office/drawing/2014/main" id="{4CB68C10-A22C-456F-BD39-4D98D1E6CFA2}"/>
-              </a:ext>
-            </a:extLst>
-          </p:cNvPr>
-          <p:cNvSpPr/>
-          <p:nvPr>
-            <p:custDataLst>
-              <p:tags r:id="rId103"/>
-            </p:custDataLst>
-          </p:nvPr>
-        </p:nvSpPr>
-        <p:spPr>
-          <a:xfrm>
-            <a:off x="5242693" y="1152102"/>
-            <a:ext cx="165100" cy="165100"/>
-          </a:xfrm>
-          <a:prstGeom prst="wave">
-            <a:avLst/>
-          </a:prstGeom>
-          <a:solidFill>
-            <a:srgbClr val="EA161E"/>
-          </a:solidFill>
-          <a:ln w="12700" cap="flat" cmpd="sng" algn="ctr">
-            <a:noFill/>
-            <a:prstDash val="solid"/>
-            <a:miter lim="800000"/>
-          </a:ln>
-          <a:effectLst/>
-          <a:scene3d>
-            <a:camera prst="orthographicFront"/>
-            <a:lightRig rig="threePt" dir="t"/>
-          </a:scene3d>
-          <a:sp3d>
-            <a:bevelT h="12700"/>
-          </a:sp3d>
-          <a:extLst>
-            <a:ext uri="{91240B29-F687-4F45-9708-019B960494DF}">
-              <a14:hiddenLine xmlns:a14="http://schemas.microsoft.com/office/drawing/2010/main" w="12700" cap="flat" cmpd="sng" algn="ctr">
-                <a:solidFill>
-                  <a:schemeClr val="accent1">
-                    <a:shade val="50000"/>
-                  </a:schemeClr>
-                </a:solidFill>
-                <a:prstDash val="solid"/>
-                <a:miter lim="800000"/>
-              </a14:hiddenLine>
-            </a:ext>
-          </a:extLst>
-        </p:spPr>
-        <p:style>
-          <a:lnRef idx="2">
-            <a:schemeClr val="accent1">
-              <a:shade val="50000"/>
-            </a:schemeClr>
-          </a:lnRef>
-          <a:fillRef idx="1">
-            <a:schemeClr val="accent1"/>
-          </a:fillRef>
-          <a:effectRef idx="0">
-            <a:schemeClr val="accent1"/>
-          </a:effectRef>
-          <a:fontRef idx="minor">
-            <a:schemeClr val="lt1"/>
-          </a:fontRef>
-        </p:style>
-        <p:txBody>
-          <a:bodyPr rtlCol="0" anchor="ctr"/>
-          <a:lstStyle/>
-          <a:p>
-            <a:pPr algn="ctr"/>
-            <a:endParaRPr lang="en-US"/>
-          </a:p>
-        </p:txBody>
-      </p:sp>
-      <p:sp>
-        <p:nvSpPr>
-          <p:cNvPr id="41" name="OTLSHAPE_M_d7718b2de0af4d4e89c3ffe6ae0bd866_Shape">
-            <a:extLst>
-              <a:ext uri="{FF2B5EF4-FFF2-40B4-BE49-F238E27FC236}">
-                <a16:creationId xmlns:a16="http://schemas.microsoft.com/office/drawing/2014/main" id="{145C510A-3B77-4BD5-9111-DA6A3A58991E}"/>
-              </a:ext>
-            </a:extLst>
-          </p:cNvPr>
-          <p:cNvSpPr/>
-          <p:nvPr>
-            <p:custDataLst>
-              <p:tags r:id="rId104"/>
-            </p:custDataLst>
-          </p:nvPr>
-        </p:nvSpPr>
-        <p:spPr>
-          <a:xfrm>
-            <a:off x="4505174" y="2057188"/>
-            <a:ext cx="165100" cy="165100"/>
-          </a:xfrm>
-          <a:prstGeom prst="wave">
-            <a:avLst/>
-          </a:prstGeom>
-          <a:solidFill>
-            <a:srgbClr val="EA161E"/>
-          </a:solidFill>
-          <a:ln w="12700" cap="flat" cmpd="sng" algn="ctr">
-            <a:noFill/>
-            <a:prstDash val="solid"/>
-            <a:miter lim="800000"/>
-          </a:ln>
-          <a:effectLst/>
-          <a:scene3d>
-            <a:camera prst="orthographicFront"/>
-            <a:lightRig rig="threePt" dir="t"/>
-          </a:scene3d>
-          <a:sp3d>
-            <a:bevelT h="12700"/>
-          </a:sp3d>
-          <a:extLst>
-            <a:ext uri="{91240B29-F687-4F45-9708-019B960494DF}">
-              <a14:hiddenLine xmlns:a14="http://schemas.microsoft.com/office/drawing/2010/main" w="12700" cap="flat" cmpd="sng" algn="ctr">
-                <a:solidFill>
-                  <a:schemeClr val="accent1">
-                    <a:shade val="50000"/>
-                  </a:schemeClr>
-                </a:solidFill>
-                <a:prstDash val="solid"/>
-                <a:miter lim="800000"/>
-              </a14:hiddenLine>
-            </a:ext>
-          </a:extLst>
-        </p:spPr>
-        <p:style>
-          <a:lnRef idx="2">
-            <a:schemeClr val="accent1">
-              <a:shade val="50000"/>
-            </a:schemeClr>
-          </a:lnRef>
-          <a:fillRef idx="1">
-            <a:schemeClr val="accent1"/>
-          </a:fillRef>
-          <a:effectRef idx="0">
-            <a:schemeClr val="accent1"/>
-          </a:effectRef>
-          <a:fontRef idx="minor">
-            <a:schemeClr val="lt1"/>
-          </a:fontRef>
-        </p:style>
-        <p:txBody>
-          <a:bodyPr rtlCol="0" anchor="ctr"/>
-          <a:lstStyle/>
-          <a:p>
-            <a:pPr algn="ctr"/>
-            <a:endParaRPr lang="en-US"/>
-          </a:p>
-        </p:txBody>
-      </p:sp>
-      <p:sp>
-        <p:nvSpPr>
-          <p:cNvPr id="47" name="OTLSHAPE_M_46abe3f955d64b66a04a7eb9cb3b00a8_Shape">
-            <a:extLst>
-              <a:ext uri="{FF2B5EF4-FFF2-40B4-BE49-F238E27FC236}">
-                <a16:creationId xmlns:a16="http://schemas.microsoft.com/office/drawing/2014/main" id="{CFBB9CF4-1F03-4072-ABC4-CFD4FBB2CF21}"/>
-              </a:ext>
-            </a:extLst>
-          </p:cNvPr>
-          <p:cNvSpPr/>
-          <p:nvPr>
-            <p:custDataLst>
-              <p:tags r:id="rId105"/>
-            </p:custDataLst>
-          </p:nvPr>
-        </p:nvSpPr>
-        <p:spPr>
-          <a:xfrm>
-            <a:off x="5193525" y="1604645"/>
-            <a:ext cx="165100" cy="165100"/>
-          </a:xfrm>
-          <a:prstGeom prst="wave">
-            <a:avLst/>
-          </a:prstGeom>
-          <a:solidFill>
-            <a:srgbClr val="EA161E"/>
-          </a:solidFill>
-          <a:ln w="12700" cap="flat" cmpd="sng" algn="ctr">
-            <a:noFill/>
-            <a:prstDash val="solid"/>
-            <a:miter lim="800000"/>
-          </a:ln>
-          <a:effectLst/>
-          <a:scene3d>
-            <a:camera prst="orthographicFront"/>
-            <a:lightRig rig="threePt" dir="t"/>
-          </a:scene3d>
-          <a:sp3d>
-            <a:bevelT h="12700"/>
-          </a:sp3d>
-          <a:extLst>
-            <a:ext uri="{91240B29-F687-4F45-9708-019B960494DF}">
-              <a14:hiddenLine xmlns:a14="http://schemas.microsoft.com/office/drawing/2010/main" w="12700" cap="flat" cmpd="sng" algn="ctr">
-                <a:solidFill>
-                  <a:schemeClr val="accent1">
-                    <a:shade val="50000"/>
-                  </a:schemeClr>
-                </a:solidFill>
-                <a:prstDash val="solid"/>
-                <a:miter lim="800000"/>
-              </a14:hiddenLine>
-            </a:ext>
-          </a:extLst>
-        </p:spPr>
-        <p:style>
-          <a:lnRef idx="2">
-            <a:schemeClr val="accent1">
-              <a:shade val="50000"/>
-            </a:schemeClr>
-          </a:lnRef>
-          <a:fillRef idx="1">
-            <a:schemeClr val="accent1"/>
-          </a:fillRef>
-          <a:effectRef idx="0">
-            <a:schemeClr val="accent1"/>
-          </a:effectRef>
-          <a:fontRef idx="minor">
-            <a:schemeClr val="lt1"/>
-          </a:fontRef>
-        </p:style>
-        <p:txBody>
-          <a:bodyPr rtlCol="0" anchor="ctr"/>
-          <a:lstStyle/>
-          <a:p>
-            <a:pPr algn="ctr"/>
-            <a:endParaRPr lang="en-US"/>
-          </a:p>
-        </p:txBody>
-      </p:sp>
-      <p:sp>
-        <p:nvSpPr>
-          <p:cNvPr id="18" name="OTLSHAPE_M_841a70fcf0844b768bd3c93d8e82cdc4_Title">
-            <a:extLst>
-              <a:ext uri="{FF2B5EF4-FFF2-40B4-BE49-F238E27FC236}">
-                <a16:creationId xmlns:a16="http://schemas.microsoft.com/office/drawing/2014/main" id="{5BDA52D4-42AF-4A10-BBA3-50965583C5C3}"/>
+                <a16:creationId xmlns:a16="http://schemas.microsoft.com/office/drawing/2014/main" id="{A0610535-780C-4DCD-8022-A70273594FAB}"/>
               </a:ext>
             </a:extLst>
           </p:cNvPr>
           <p:cNvSpPr txBox="1"/>
           <p:nvPr>
             <p:custDataLst>
-              <p:tags r:id="rId106"/>
-            </p:custDataLst>
-          </p:nvPr>
-        </p:nvSpPr>
-        <p:spPr>
-          <a:xfrm>
-            <a:off x="2538634" y="749570"/>
-            <a:ext cx="2425700" cy="170519"/>
+              <p:tags r:id="rId148"/>
+            </p:custDataLst>
+          </p:nvPr>
+        </p:nvSpPr>
+        <p:spPr>
+          <a:xfrm>
+            <a:off x="5456817" y="5743469"/>
+            <a:ext cx="393700" cy="155025"/>
           </a:xfrm>
           <a:prstGeom prst="rect">
             <a:avLst/>
@@ -8063,585 +10585,13 @@
           <a:lstStyle/>
           <a:p>
             <a:r>
-              <a:rPr lang="en-US" sz="1100" spc="-2">
+              <a:rPr lang="en-GB" sz="1000" spc="-8" dirty="0">
                 <a:solidFill>
                   <a:schemeClr val="dk1"/>
                 </a:solidFill>
                 <a:latin typeface="Calibri" panose="020F0502020204030204" pitchFamily="34" charset="0"/>
               </a:rPr>
-              <a:t>End Phase Planning (Review Documments)</a:t>
-            </a:r>
-          </a:p>
-        </p:txBody>
-      </p:sp>
-      <p:sp>
-        <p:nvSpPr>
-          <p:cNvPr id="19" name="OTLSHAPE_M_841a70fcf0844b768bd3c93d8e82cdc4_Date">
-            <a:extLst>
-              <a:ext uri="{FF2B5EF4-FFF2-40B4-BE49-F238E27FC236}">
-                <a16:creationId xmlns:a16="http://schemas.microsoft.com/office/drawing/2014/main" id="{A1295621-EACF-4873-B202-87346F424C67}"/>
-              </a:ext>
-            </a:extLst>
-          </p:cNvPr>
-          <p:cNvSpPr txBox="1"/>
-          <p:nvPr>
-            <p:custDataLst>
-              <p:tags r:id="rId107"/>
-            </p:custDataLst>
-          </p:nvPr>
-        </p:nvSpPr>
-        <p:spPr>
-          <a:xfrm>
-            <a:off x="2538634" y="932789"/>
-            <a:ext cx="304800" cy="155025"/>
-          </a:xfrm>
-          <a:prstGeom prst="rect">
-            <a:avLst/>
-          </a:prstGeom>
-          <a:noFill/>
-        </p:spPr>
-        <p:txBody>
-          <a:bodyPr vert="horz" wrap="square" lIns="0" tIns="0" rIns="0" bIns="0" rtlCol="0" anchor="ctr" anchorCtr="0">
-            <a:spAutoFit/>
-          </a:bodyPr>
-          <a:lstStyle/>
-          <a:p>
-            <a:r>
-              <a:rPr lang="en-US" sz="1000" spc="-6">
-                <a:solidFill>
-                  <a:schemeClr val="dk2"/>
-                </a:solidFill>
-                <a:latin typeface="Calibri" panose="020F0502020204030204" pitchFamily="34" charset="0"/>
-              </a:rPr>
-              <a:t>Nov 9</a:t>
-            </a:r>
-          </a:p>
-        </p:txBody>
-      </p:sp>
-      <p:sp>
-        <p:nvSpPr>
-          <p:cNvPr id="26" name="OTLSHAPE_M_315e3df03a234161b9519aae38b30fa2_Title">
-            <a:extLst>
-              <a:ext uri="{FF2B5EF4-FFF2-40B4-BE49-F238E27FC236}">
-                <a16:creationId xmlns:a16="http://schemas.microsoft.com/office/drawing/2014/main" id="{8C93A3F8-D95B-477B-AC24-AB8867DC297E}"/>
-              </a:ext>
-            </a:extLst>
-          </p:cNvPr>
-          <p:cNvSpPr txBox="1"/>
-          <p:nvPr>
-            <p:custDataLst>
-              <p:tags r:id="rId108"/>
-            </p:custDataLst>
-          </p:nvPr>
-        </p:nvSpPr>
-        <p:spPr>
-          <a:xfrm>
-            <a:off x="11044689" y="1945217"/>
-            <a:ext cx="749300" cy="170519"/>
-          </a:xfrm>
-          <a:prstGeom prst="rect">
-            <a:avLst/>
-          </a:prstGeom>
-          <a:noFill/>
-        </p:spPr>
-        <p:txBody>
-          <a:bodyPr vert="horz" wrap="square" lIns="0" tIns="0" rIns="0" bIns="0" rtlCol="0" anchor="ctr" anchorCtr="0">
-            <a:spAutoFit/>
-          </a:bodyPr>
-          <a:lstStyle/>
-          <a:p>
-            <a:r>
-              <a:rPr lang="en-US" sz="1100" spc="-4">
-                <a:solidFill>
-                  <a:schemeClr val="dk1"/>
-                </a:solidFill>
-                <a:latin typeface="Calibri" panose="020F0502020204030204" pitchFamily="34" charset="0"/>
-              </a:rPr>
-              <a:t>Close Project</a:t>
-            </a:r>
-          </a:p>
-        </p:txBody>
-      </p:sp>
-      <p:sp>
-        <p:nvSpPr>
-          <p:cNvPr id="27" name="OTLSHAPE_M_315e3df03a234161b9519aae38b30fa2_Date">
-            <a:extLst>
-              <a:ext uri="{FF2B5EF4-FFF2-40B4-BE49-F238E27FC236}">
-                <a16:creationId xmlns:a16="http://schemas.microsoft.com/office/drawing/2014/main" id="{EFEE49F0-F19C-4244-9A0B-200CC813B3A4}"/>
-              </a:ext>
-            </a:extLst>
-          </p:cNvPr>
-          <p:cNvSpPr txBox="1"/>
-          <p:nvPr>
-            <p:custDataLst>
-              <p:tags r:id="rId109"/>
-            </p:custDataLst>
-          </p:nvPr>
-        </p:nvSpPr>
-        <p:spPr>
-          <a:xfrm>
-            <a:off x="11044689" y="2128435"/>
-            <a:ext cx="342900" cy="155025"/>
-          </a:xfrm>
-          <a:prstGeom prst="rect">
-            <a:avLst/>
-          </a:prstGeom>
-          <a:noFill/>
-        </p:spPr>
-        <p:txBody>
-          <a:bodyPr vert="horz" wrap="square" lIns="0" tIns="0" rIns="0" bIns="0" rtlCol="0" anchor="ctr" anchorCtr="0">
-            <a:spAutoFit/>
-          </a:bodyPr>
-          <a:lstStyle/>
-          <a:p>
-            <a:r>
-              <a:rPr lang="en-US" sz="1000" spc="-6">
-                <a:solidFill>
-                  <a:schemeClr val="dk2"/>
-                </a:solidFill>
-                <a:latin typeface="Calibri" panose="020F0502020204030204" pitchFamily="34" charset="0"/>
-              </a:rPr>
-              <a:t>Apr 30</a:t>
-            </a:r>
-          </a:p>
-        </p:txBody>
-      </p:sp>
-      <p:sp>
-        <p:nvSpPr>
-          <p:cNvPr id="5852" name="OTLSHAPE_M_f36886370e824535b35719d05e608266_Title">
-            <a:extLst>
-              <a:ext uri="{FF2B5EF4-FFF2-40B4-BE49-F238E27FC236}">
-                <a16:creationId xmlns:a16="http://schemas.microsoft.com/office/drawing/2014/main" id="{BA461FA7-39F7-4421-AE89-AB942E204E26}"/>
-              </a:ext>
-            </a:extLst>
-          </p:cNvPr>
-          <p:cNvSpPr txBox="1"/>
-          <p:nvPr>
-            <p:custDataLst>
-              <p:tags r:id="rId110"/>
-            </p:custDataLst>
-          </p:nvPr>
-        </p:nvSpPr>
-        <p:spPr>
-          <a:xfrm>
-            <a:off x="2882810" y="1492673"/>
-            <a:ext cx="495300" cy="170519"/>
-          </a:xfrm>
-          <a:prstGeom prst="rect">
-            <a:avLst/>
-          </a:prstGeom>
-          <a:noFill/>
-        </p:spPr>
-        <p:txBody>
-          <a:bodyPr vert="horz" wrap="square" lIns="0" tIns="0" rIns="0" bIns="0" rtlCol="0" anchor="ctr" anchorCtr="0">
-            <a:spAutoFit/>
-          </a:bodyPr>
-          <a:lstStyle/>
-          <a:p>
-            <a:r>
-              <a:rPr lang="en-US" sz="1100" spc="-10">
-                <a:solidFill>
-                  <a:schemeClr val="dk1"/>
-                </a:solidFill>
-                <a:latin typeface="Calibri" panose="020F0502020204030204" pitchFamily="34" charset="0"/>
-              </a:rPr>
-              <a:t>EOMP#1</a:t>
-            </a:r>
-          </a:p>
-        </p:txBody>
-      </p:sp>
-      <p:sp>
-        <p:nvSpPr>
-          <p:cNvPr id="5853" name="OTLSHAPE_M_f36886370e824535b35719d05e608266_Date">
-            <a:extLst>
-              <a:ext uri="{FF2B5EF4-FFF2-40B4-BE49-F238E27FC236}">
-                <a16:creationId xmlns:a16="http://schemas.microsoft.com/office/drawing/2014/main" id="{68CDEDDB-6D77-4017-B385-2E402F99E260}"/>
-              </a:ext>
-            </a:extLst>
-          </p:cNvPr>
-          <p:cNvSpPr txBox="1"/>
-          <p:nvPr>
-            <p:custDataLst>
-              <p:tags r:id="rId111"/>
-            </p:custDataLst>
-          </p:nvPr>
-        </p:nvSpPr>
-        <p:spPr>
-          <a:xfrm>
-            <a:off x="2882810" y="1675892"/>
-            <a:ext cx="368300" cy="155025"/>
-          </a:xfrm>
-          <a:prstGeom prst="rect">
-            <a:avLst/>
-          </a:prstGeom>
-          <a:noFill/>
-        </p:spPr>
-        <p:txBody>
-          <a:bodyPr vert="horz" wrap="square" lIns="0" tIns="0" rIns="0" bIns="0" rtlCol="0" anchor="ctr" anchorCtr="0">
-            <a:spAutoFit/>
-          </a:bodyPr>
-          <a:lstStyle/>
-          <a:p>
-            <a:r>
-              <a:rPr lang="en-US" sz="1000" spc="-6">
-                <a:solidFill>
-                  <a:schemeClr val="dk2"/>
-                </a:solidFill>
-                <a:latin typeface="Calibri" panose="020F0502020204030204" pitchFamily="34" charset="0"/>
-              </a:rPr>
-              <a:t>Nov 16</a:t>
-            </a:r>
-          </a:p>
-        </p:txBody>
-      </p:sp>
-      <p:sp>
-        <p:nvSpPr>
-          <p:cNvPr id="30" name="OTLSHAPE_M_440a7e1110954cea9aadfc599fcb2486_Title">
-            <a:extLst>
-              <a:ext uri="{FF2B5EF4-FFF2-40B4-BE49-F238E27FC236}">
-                <a16:creationId xmlns:a16="http://schemas.microsoft.com/office/drawing/2014/main" id="{DE82AA4C-1C1B-4A93-9F83-B5AFC588CA96}"/>
-              </a:ext>
-            </a:extLst>
-          </p:cNvPr>
-          <p:cNvSpPr txBox="1"/>
-          <p:nvPr>
-            <p:custDataLst>
-              <p:tags r:id="rId112"/>
-            </p:custDataLst>
-          </p:nvPr>
-        </p:nvSpPr>
-        <p:spPr>
-          <a:xfrm>
-            <a:off x="3571161" y="1945217"/>
-            <a:ext cx="876300" cy="170519"/>
-          </a:xfrm>
-          <a:prstGeom prst="rect">
-            <a:avLst/>
-          </a:prstGeom>
-          <a:noFill/>
-        </p:spPr>
-        <p:txBody>
-          <a:bodyPr vert="horz" wrap="square" lIns="0" tIns="0" rIns="0" bIns="0" rtlCol="0" anchor="ctr" anchorCtr="0">
-            <a:spAutoFit/>
-          </a:bodyPr>
-          <a:lstStyle/>
-          <a:p>
-            <a:r>
-              <a:rPr lang="en-US" sz="1100" spc="-4">
-                <a:solidFill>
-                  <a:schemeClr val="dk1"/>
-                </a:solidFill>
-                <a:latin typeface="Calibri" panose="020F0502020204030204" pitchFamily="34" charset="0"/>
-              </a:rPr>
-              <a:t>Baseline RE, AR</a:t>
-            </a:r>
-          </a:p>
-        </p:txBody>
-      </p:sp>
-      <p:sp>
-        <p:nvSpPr>
-          <p:cNvPr id="31" name="OTLSHAPE_M_440a7e1110954cea9aadfc599fcb2486_Date">
-            <a:extLst>
-              <a:ext uri="{FF2B5EF4-FFF2-40B4-BE49-F238E27FC236}">
-                <a16:creationId xmlns:a16="http://schemas.microsoft.com/office/drawing/2014/main" id="{D54352CA-DEFA-4328-9FAA-489B15B1F1D0}"/>
-              </a:ext>
-            </a:extLst>
-          </p:cNvPr>
-          <p:cNvSpPr txBox="1"/>
-          <p:nvPr>
-            <p:custDataLst>
-              <p:tags r:id="rId113"/>
-            </p:custDataLst>
-          </p:nvPr>
-        </p:nvSpPr>
-        <p:spPr>
-          <a:xfrm>
-            <a:off x="3571161" y="2128435"/>
-            <a:ext cx="368300" cy="155025"/>
-          </a:xfrm>
-          <a:prstGeom prst="rect">
-            <a:avLst/>
-          </a:prstGeom>
-          <a:noFill/>
-        </p:spPr>
-        <p:txBody>
-          <a:bodyPr vert="horz" wrap="square" lIns="0" tIns="0" rIns="0" bIns="0" rtlCol="0" anchor="ctr" anchorCtr="0">
-            <a:spAutoFit/>
-          </a:bodyPr>
-          <a:lstStyle/>
-          <a:p>
-            <a:r>
-              <a:rPr lang="en-US" sz="1000" spc="-6">
-                <a:solidFill>
-                  <a:schemeClr val="dk2"/>
-                </a:solidFill>
-                <a:latin typeface="Calibri" panose="020F0502020204030204" pitchFamily="34" charset="0"/>
-              </a:rPr>
-              <a:t>Nov 30</a:t>
-            </a:r>
-          </a:p>
-        </p:txBody>
-      </p:sp>
-      <p:sp>
-        <p:nvSpPr>
-          <p:cNvPr id="3" name="OTLSHAPE_M_b8d8e3a727d34366833bd51745f4c1c0_Title">
-            <a:extLst>
-              <a:ext uri="{FF2B5EF4-FFF2-40B4-BE49-F238E27FC236}">
-                <a16:creationId xmlns:a16="http://schemas.microsoft.com/office/drawing/2014/main" id="{4FFEFB06-A2FD-4941-93C5-AB5D9E851364}"/>
-              </a:ext>
-            </a:extLst>
-          </p:cNvPr>
-          <p:cNvSpPr txBox="1"/>
-          <p:nvPr>
-            <p:custDataLst>
-              <p:tags r:id="rId114"/>
-            </p:custDataLst>
-          </p:nvPr>
-        </p:nvSpPr>
-        <p:spPr>
-          <a:xfrm>
-            <a:off x="5439543" y="1040130"/>
-            <a:ext cx="495300" cy="170519"/>
-          </a:xfrm>
-          <a:prstGeom prst="rect">
-            <a:avLst/>
-          </a:prstGeom>
-          <a:noFill/>
-        </p:spPr>
-        <p:txBody>
-          <a:bodyPr vert="horz" wrap="square" lIns="0" tIns="0" rIns="0" bIns="0" rtlCol="0" anchor="ctr" anchorCtr="0">
-            <a:spAutoFit/>
-          </a:bodyPr>
-          <a:lstStyle/>
-          <a:p>
-            <a:r>
-              <a:rPr lang="en-US" sz="1100" spc="-10">
-                <a:solidFill>
-                  <a:schemeClr val="dk1"/>
-                </a:solidFill>
-                <a:latin typeface="Calibri" panose="020F0502020204030204" pitchFamily="34" charset="0"/>
-              </a:rPr>
-              <a:t>EOPM#2</a:t>
-            </a:r>
-          </a:p>
-        </p:txBody>
-      </p:sp>
-      <p:sp>
-        <p:nvSpPr>
-          <p:cNvPr id="4" name="OTLSHAPE_M_b8d8e3a727d34366833bd51745f4c1c0_Date">
-            <a:extLst>
-              <a:ext uri="{FF2B5EF4-FFF2-40B4-BE49-F238E27FC236}">
-                <a16:creationId xmlns:a16="http://schemas.microsoft.com/office/drawing/2014/main" id="{2155A319-4D61-41E0-8AE1-6FDE0BDB291F}"/>
-              </a:ext>
-            </a:extLst>
-          </p:cNvPr>
-          <p:cNvSpPr txBox="1"/>
-          <p:nvPr>
-            <p:custDataLst>
-              <p:tags r:id="rId115"/>
-            </p:custDataLst>
-          </p:nvPr>
-        </p:nvSpPr>
-        <p:spPr>
-          <a:xfrm>
-            <a:off x="5439543" y="1223349"/>
-            <a:ext cx="266700" cy="155025"/>
-          </a:xfrm>
-          <a:prstGeom prst="rect">
-            <a:avLst/>
-          </a:prstGeom>
-          <a:noFill/>
-        </p:spPr>
-        <p:txBody>
-          <a:bodyPr vert="horz" wrap="square" lIns="0" tIns="0" rIns="0" bIns="0" rtlCol="0" anchor="ctr" anchorCtr="0">
-            <a:spAutoFit/>
-          </a:bodyPr>
-          <a:lstStyle/>
-          <a:p>
-            <a:r>
-              <a:rPr lang="en-US" sz="1000" spc="-6">
-                <a:solidFill>
-                  <a:schemeClr val="dk2"/>
-                </a:solidFill>
-                <a:latin typeface="Calibri" panose="020F0502020204030204" pitchFamily="34" charset="0"/>
-              </a:rPr>
-              <a:t>Jan 7</a:t>
-            </a:r>
-          </a:p>
-        </p:txBody>
-      </p:sp>
-      <p:sp>
-        <p:nvSpPr>
-          <p:cNvPr id="39" name="OTLSHAPE_M_d7718b2de0af4d4e89c3ffe6ae0bd866_Title">
-            <a:extLst>
-              <a:ext uri="{FF2B5EF4-FFF2-40B4-BE49-F238E27FC236}">
-                <a16:creationId xmlns:a16="http://schemas.microsoft.com/office/drawing/2014/main" id="{1DA24B3A-0C26-4B99-9F75-E479D63AD634}"/>
-              </a:ext>
-            </a:extLst>
-          </p:cNvPr>
-          <p:cNvSpPr txBox="1"/>
-          <p:nvPr>
-            <p:custDataLst>
-              <p:tags r:id="rId116"/>
-            </p:custDataLst>
-          </p:nvPr>
-        </p:nvSpPr>
-        <p:spPr>
-          <a:xfrm>
-            <a:off x="4702024" y="1945217"/>
-            <a:ext cx="850900" cy="170519"/>
-          </a:xfrm>
-          <a:prstGeom prst="rect">
-            <a:avLst/>
-          </a:prstGeom>
-          <a:noFill/>
-        </p:spPr>
-        <p:txBody>
-          <a:bodyPr vert="horz" wrap="square" lIns="0" tIns="0" rIns="0" bIns="0" rtlCol="0" anchor="ctr" anchorCtr="0">
-            <a:spAutoFit/>
-          </a:bodyPr>
-          <a:lstStyle/>
-          <a:p>
-            <a:r>
-              <a:rPr lang="en-US" sz="1100" spc="-4">
-                <a:solidFill>
-                  <a:schemeClr val="dk1"/>
-                </a:solidFill>
-                <a:latin typeface="Calibri" panose="020F0502020204030204" pitchFamily="34" charset="0"/>
-              </a:rPr>
-              <a:t>Start Module 1</a:t>
-            </a:r>
-          </a:p>
-        </p:txBody>
-      </p:sp>
-      <p:sp>
-        <p:nvSpPr>
-          <p:cNvPr id="40" name="OTLSHAPE_M_d7718b2de0af4d4e89c3ffe6ae0bd866_Date">
-            <a:extLst>
-              <a:ext uri="{FF2B5EF4-FFF2-40B4-BE49-F238E27FC236}">
-                <a16:creationId xmlns:a16="http://schemas.microsoft.com/office/drawing/2014/main" id="{C6F59816-F3F2-49B7-BAF5-4930DCE4DB0E}"/>
-              </a:ext>
-            </a:extLst>
-          </p:cNvPr>
-          <p:cNvSpPr txBox="1"/>
-          <p:nvPr>
-            <p:custDataLst>
-              <p:tags r:id="rId117"/>
-            </p:custDataLst>
-          </p:nvPr>
-        </p:nvSpPr>
-        <p:spPr>
-          <a:xfrm>
-            <a:off x="4702024" y="2128435"/>
-            <a:ext cx="355600" cy="155025"/>
-          </a:xfrm>
-          <a:prstGeom prst="rect">
-            <a:avLst/>
-          </a:prstGeom>
-          <a:noFill/>
-        </p:spPr>
-        <p:txBody>
-          <a:bodyPr vert="horz" wrap="square" lIns="0" tIns="0" rIns="0" bIns="0" rtlCol="0" anchor="ctr" anchorCtr="0">
-            <a:spAutoFit/>
-          </a:bodyPr>
-          <a:lstStyle/>
-          <a:p>
-            <a:r>
-              <a:rPr lang="en-US" sz="1000" spc="-6">
-                <a:solidFill>
-                  <a:schemeClr val="dk2"/>
-                </a:solidFill>
-                <a:latin typeface="Calibri" panose="020F0502020204030204" pitchFamily="34" charset="0"/>
-              </a:rPr>
-              <a:t>Dec 23</a:t>
-            </a:r>
-          </a:p>
-        </p:txBody>
-      </p:sp>
-      <p:sp>
-        <p:nvSpPr>
-          <p:cNvPr id="45" name="OTLSHAPE_M_46abe3f955d64b66a04a7eb9cb3b00a8_Title">
-            <a:extLst>
-              <a:ext uri="{FF2B5EF4-FFF2-40B4-BE49-F238E27FC236}">
-                <a16:creationId xmlns:a16="http://schemas.microsoft.com/office/drawing/2014/main" id="{40F36F8C-DC94-454C-8925-0A4BE02046BA}"/>
-              </a:ext>
-            </a:extLst>
-          </p:cNvPr>
-          <p:cNvSpPr txBox="1"/>
-          <p:nvPr>
-            <p:custDataLst>
-              <p:tags r:id="rId118"/>
-            </p:custDataLst>
-          </p:nvPr>
-        </p:nvSpPr>
-        <p:spPr>
-          <a:xfrm>
-            <a:off x="5390375" y="1492673"/>
-            <a:ext cx="850900" cy="170519"/>
-          </a:xfrm>
-          <a:prstGeom prst="rect">
-            <a:avLst/>
-          </a:prstGeom>
-          <a:noFill/>
-        </p:spPr>
-        <p:txBody>
-          <a:bodyPr vert="horz" wrap="square" lIns="0" tIns="0" rIns="0" bIns="0" rtlCol="0" anchor="ctr" anchorCtr="0">
-            <a:spAutoFit/>
-          </a:bodyPr>
-          <a:lstStyle/>
-          <a:p>
-            <a:r>
-              <a:rPr lang="en-US" sz="1100" spc="-4">
-                <a:solidFill>
-                  <a:schemeClr val="dk1"/>
-                </a:solidFill>
-                <a:latin typeface="Calibri" panose="020F0502020204030204" pitchFamily="34" charset="0"/>
-              </a:rPr>
-              <a:t>Start Module 2</a:t>
-            </a:r>
-          </a:p>
-        </p:txBody>
-      </p:sp>
-      <p:sp>
-        <p:nvSpPr>
-          <p:cNvPr id="46" name="OTLSHAPE_M_46abe3f955d64b66a04a7eb9cb3b00a8_Date">
-            <a:extLst>
-              <a:ext uri="{FF2B5EF4-FFF2-40B4-BE49-F238E27FC236}">
-                <a16:creationId xmlns:a16="http://schemas.microsoft.com/office/drawing/2014/main" id="{DBD55B0E-7645-4A72-ACCC-32DF3B675668}"/>
-              </a:ext>
-            </a:extLst>
-          </p:cNvPr>
-          <p:cNvSpPr txBox="1"/>
-          <p:nvPr>
-            <p:custDataLst>
-              <p:tags r:id="rId119"/>
-            </p:custDataLst>
-          </p:nvPr>
-        </p:nvSpPr>
-        <p:spPr>
-          <a:xfrm>
-            <a:off x="5390375" y="1675892"/>
-            <a:ext cx="266700" cy="155025"/>
-          </a:xfrm>
-          <a:prstGeom prst="rect">
-            <a:avLst/>
-          </a:prstGeom>
-          <a:noFill/>
-        </p:spPr>
-        <p:txBody>
-          <a:bodyPr vert="horz" wrap="square" lIns="0" tIns="0" rIns="0" bIns="0" rtlCol="0" anchor="ctr" anchorCtr="0">
-            <a:spAutoFit/>
-          </a:bodyPr>
-          <a:lstStyle/>
-          <a:p>
-            <a:r>
-              <a:rPr lang="en-US" sz="1000" spc="-6">
-                <a:solidFill>
-                  <a:schemeClr val="dk2"/>
-                </a:solidFill>
-                <a:latin typeface="Calibri" panose="020F0502020204030204" pitchFamily="34" charset="0"/>
-              </a:rPr>
-              <a:t>Jan 6</a:t>
+              <a:t>14 days</a:t>
             </a:r>
           </a:p>
         </p:txBody>
@@ -8807,13 +10757,187 @@
 </p:tagLst>
 </file>
 
+<file path=ppt/tags/tag120.xml><?xml version="1.0" encoding="utf-8"?>
+<p:tagLst xmlns:a="http://schemas.openxmlformats.org/drawingml/2006/main" xmlns:r="http://schemas.openxmlformats.org/officeDocument/2006/relationships" xmlns:p="http://schemas.openxmlformats.org/presentationml/2006/main">
+  <p:tag name="OTLMARKERSHAPE" val="OTL"/>
+</p:tagLst>
+</file>
+
+<file path=ppt/tags/tag121.xml><?xml version="1.0" encoding="utf-8"?>
+<p:tagLst xmlns:a="http://schemas.openxmlformats.org/drawingml/2006/main" xmlns:r="http://schemas.openxmlformats.org/officeDocument/2006/relationships" xmlns:p="http://schemas.openxmlformats.org/presentationml/2006/main">
+  <p:tag name="OTLMARKERSHAPE" val="OTL"/>
+</p:tagLst>
+</file>
+
+<file path=ppt/tags/tag122.xml><?xml version="1.0" encoding="utf-8"?>
+<p:tagLst xmlns:a="http://schemas.openxmlformats.org/drawingml/2006/main" xmlns:r="http://schemas.openxmlformats.org/officeDocument/2006/relationships" xmlns:p="http://schemas.openxmlformats.org/presentationml/2006/main">
+  <p:tag name="OTLMARKERSHAPE" val="OTL"/>
+</p:tagLst>
+</file>
+
+<file path=ppt/tags/tag123.xml><?xml version="1.0" encoding="utf-8"?>
+<p:tagLst xmlns:a="http://schemas.openxmlformats.org/drawingml/2006/main" xmlns:r="http://schemas.openxmlformats.org/officeDocument/2006/relationships" xmlns:p="http://schemas.openxmlformats.org/presentationml/2006/main">
+  <p:tag name="OTLMARKERSHAPE" val="OTL"/>
+</p:tagLst>
+</file>
+
+<file path=ppt/tags/tag124.xml><?xml version="1.0" encoding="utf-8"?>
+<p:tagLst xmlns:a="http://schemas.openxmlformats.org/drawingml/2006/main" xmlns:r="http://schemas.openxmlformats.org/officeDocument/2006/relationships" xmlns:p="http://schemas.openxmlformats.org/presentationml/2006/main">
+  <p:tag name="OTLMARKERSHAPE" val="OTL"/>
+</p:tagLst>
+</file>
+
+<file path=ppt/tags/tag125.xml><?xml version="1.0" encoding="utf-8"?>
+<p:tagLst xmlns:a="http://schemas.openxmlformats.org/drawingml/2006/main" xmlns:r="http://schemas.openxmlformats.org/officeDocument/2006/relationships" xmlns:p="http://schemas.openxmlformats.org/presentationml/2006/main">
+  <p:tag name="OTLMARKERSHAPE" val="OTL"/>
+</p:tagLst>
+</file>
+
+<file path=ppt/tags/tag126.xml><?xml version="1.0" encoding="utf-8"?>
+<p:tagLst xmlns:a="http://schemas.openxmlformats.org/drawingml/2006/main" xmlns:r="http://schemas.openxmlformats.org/officeDocument/2006/relationships" xmlns:p="http://schemas.openxmlformats.org/presentationml/2006/main">
+  <p:tag name="OTLMARKERSHAPE" val="OTL"/>
+</p:tagLst>
+</file>
+
+<file path=ppt/tags/tag127.xml><?xml version="1.0" encoding="utf-8"?>
+<p:tagLst xmlns:a="http://schemas.openxmlformats.org/drawingml/2006/main" xmlns:r="http://schemas.openxmlformats.org/officeDocument/2006/relationships" xmlns:p="http://schemas.openxmlformats.org/presentationml/2006/main">
+  <p:tag name="OTLMARKERSHAPE" val="OTL"/>
+</p:tagLst>
+</file>
+
+<file path=ppt/tags/tag128.xml><?xml version="1.0" encoding="utf-8"?>
+<p:tagLst xmlns:a="http://schemas.openxmlformats.org/drawingml/2006/main" xmlns:r="http://schemas.openxmlformats.org/officeDocument/2006/relationships" xmlns:p="http://schemas.openxmlformats.org/presentationml/2006/main">
+  <p:tag name="OTLMARKERSHAPE" val="OTL"/>
+</p:tagLst>
+</file>
+
+<file path=ppt/tags/tag129.xml><?xml version="1.0" encoding="utf-8"?>
+<p:tagLst xmlns:a="http://schemas.openxmlformats.org/drawingml/2006/main" xmlns:r="http://schemas.openxmlformats.org/officeDocument/2006/relationships" xmlns:p="http://schemas.openxmlformats.org/presentationml/2006/main">
+  <p:tag name="OTLMARKERSHAPE" val="OTL"/>
+</p:tagLst>
+</file>
+
 <file path=ppt/tags/tag13.xml><?xml version="1.0" encoding="utf-8"?>
 <p:tagLst xmlns:a="http://schemas.openxmlformats.org/drawingml/2006/main" xmlns:r="http://schemas.openxmlformats.org/officeDocument/2006/relationships" xmlns:p="http://schemas.openxmlformats.org/presentationml/2006/main">
   <p:tag name="OTLMARKERSHAPE" val="OTL"/>
 </p:tagLst>
 </file>
 
+<file path=ppt/tags/tag130.xml><?xml version="1.0" encoding="utf-8"?>
+<p:tagLst xmlns:a="http://schemas.openxmlformats.org/drawingml/2006/main" xmlns:r="http://schemas.openxmlformats.org/officeDocument/2006/relationships" xmlns:p="http://schemas.openxmlformats.org/presentationml/2006/main">
+  <p:tag name="OTLMARKERSHAPE" val="OTL"/>
+</p:tagLst>
+</file>
+
+<file path=ppt/tags/tag131.xml><?xml version="1.0" encoding="utf-8"?>
+<p:tagLst xmlns:a="http://schemas.openxmlformats.org/drawingml/2006/main" xmlns:r="http://schemas.openxmlformats.org/officeDocument/2006/relationships" xmlns:p="http://schemas.openxmlformats.org/presentationml/2006/main">
+  <p:tag name="OTLMARKERSHAPE" val="OTL"/>
+</p:tagLst>
+</file>
+
+<file path=ppt/tags/tag132.xml><?xml version="1.0" encoding="utf-8"?>
+<p:tagLst xmlns:a="http://schemas.openxmlformats.org/drawingml/2006/main" xmlns:r="http://schemas.openxmlformats.org/officeDocument/2006/relationships" xmlns:p="http://schemas.openxmlformats.org/presentationml/2006/main">
+  <p:tag name="OTLMARKERSHAPE" val="OTL"/>
+</p:tagLst>
+</file>
+
+<file path=ppt/tags/tag133.xml><?xml version="1.0" encoding="utf-8"?>
+<p:tagLst xmlns:a="http://schemas.openxmlformats.org/drawingml/2006/main" xmlns:r="http://schemas.openxmlformats.org/officeDocument/2006/relationships" xmlns:p="http://schemas.openxmlformats.org/presentationml/2006/main">
+  <p:tag name="OTLMARKERSHAPE" val="OTL"/>
+</p:tagLst>
+</file>
+
+<file path=ppt/tags/tag134.xml><?xml version="1.0" encoding="utf-8"?>
+<p:tagLst xmlns:a="http://schemas.openxmlformats.org/drawingml/2006/main" xmlns:r="http://schemas.openxmlformats.org/officeDocument/2006/relationships" xmlns:p="http://schemas.openxmlformats.org/presentationml/2006/main">
+  <p:tag name="OTLMARKERSHAPE" val="OTL"/>
+</p:tagLst>
+</file>
+
+<file path=ppt/tags/tag135.xml><?xml version="1.0" encoding="utf-8"?>
+<p:tagLst xmlns:a="http://schemas.openxmlformats.org/drawingml/2006/main" xmlns:r="http://schemas.openxmlformats.org/officeDocument/2006/relationships" xmlns:p="http://schemas.openxmlformats.org/presentationml/2006/main">
+  <p:tag name="OTLMARKERSHAPE" val="OTL"/>
+</p:tagLst>
+</file>
+
+<file path=ppt/tags/tag136.xml><?xml version="1.0" encoding="utf-8"?>
+<p:tagLst xmlns:a="http://schemas.openxmlformats.org/drawingml/2006/main" xmlns:r="http://schemas.openxmlformats.org/officeDocument/2006/relationships" xmlns:p="http://schemas.openxmlformats.org/presentationml/2006/main">
+  <p:tag name="OTLMARKERSHAPE" val="OTL"/>
+</p:tagLst>
+</file>
+
+<file path=ppt/tags/tag137.xml><?xml version="1.0" encoding="utf-8"?>
+<p:tagLst xmlns:a="http://schemas.openxmlformats.org/drawingml/2006/main" xmlns:r="http://schemas.openxmlformats.org/officeDocument/2006/relationships" xmlns:p="http://schemas.openxmlformats.org/presentationml/2006/main">
+  <p:tag name="OTLMARKERSHAPE" val="OTL"/>
+</p:tagLst>
+</file>
+
+<file path=ppt/tags/tag138.xml><?xml version="1.0" encoding="utf-8"?>
+<p:tagLst xmlns:a="http://schemas.openxmlformats.org/drawingml/2006/main" xmlns:r="http://schemas.openxmlformats.org/officeDocument/2006/relationships" xmlns:p="http://schemas.openxmlformats.org/presentationml/2006/main">
+  <p:tag name="OTLMARKERSHAPE" val="OTL"/>
+</p:tagLst>
+</file>
+
+<file path=ppt/tags/tag139.xml><?xml version="1.0" encoding="utf-8"?>
+<p:tagLst xmlns:a="http://schemas.openxmlformats.org/drawingml/2006/main" xmlns:r="http://schemas.openxmlformats.org/officeDocument/2006/relationships" xmlns:p="http://schemas.openxmlformats.org/presentationml/2006/main">
+  <p:tag name="OTLMARKERSHAPE" val="OTL"/>
+</p:tagLst>
+</file>
+
 <file path=ppt/tags/tag14.xml><?xml version="1.0" encoding="utf-8"?>
+<p:tagLst xmlns:a="http://schemas.openxmlformats.org/drawingml/2006/main" xmlns:r="http://schemas.openxmlformats.org/officeDocument/2006/relationships" xmlns:p="http://schemas.openxmlformats.org/presentationml/2006/main">
+  <p:tag name="OTLMARKERSHAPE" val="OTL"/>
+</p:tagLst>
+</file>
+
+<file path=ppt/tags/tag140.xml><?xml version="1.0" encoding="utf-8"?>
+<p:tagLst xmlns:a="http://schemas.openxmlformats.org/drawingml/2006/main" xmlns:r="http://schemas.openxmlformats.org/officeDocument/2006/relationships" xmlns:p="http://schemas.openxmlformats.org/presentationml/2006/main">
+  <p:tag name="OTLMARKERSHAPE" val="OTL"/>
+</p:tagLst>
+</file>
+
+<file path=ppt/tags/tag141.xml><?xml version="1.0" encoding="utf-8"?>
+<p:tagLst xmlns:a="http://schemas.openxmlformats.org/drawingml/2006/main" xmlns:r="http://schemas.openxmlformats.org/officeDocument/2006/relationships" xmlns:p="http://schemas.openxmlformats.org/presentationml/2006/main">
+  <p:tag name="OTLMARKERSHAPE" val="OTL"/>
+</p:tagLst>
+</file>
+
+<file path=ppt/tags/tag142.xml><?xml version="1.0" encoding="utf-8"?>
+<p:tagLst xmlns:a="http://schemas.openxmlformats.org/drawingml/2006/main" xmlns:r="http://schemas.openxmlformats.org/officeDocument/2006/relationships" xmlns:p="http://schemas.openxmlformats.org/presentationml/2006/main">
+  <p:tag name="OTLMARKERSHAPE" val="OTL"/>
+</p:tagLst>
+</file>
+
+<file path=ppt/tags/tag143.xml><?xml version="1.0" encoding="utf-8"?>
+<p:tagLst xmlns:a="http://schemas.openxmlformats.org/drawingml/2006/main" xmlns:r="http://schemas.openxmlformats.org/officeDocument/2006/relationships" xmlns:p="http://schemas.openxmlformats.org/presentationml/2006/main">
+  <p:tag name="OTLMARKERSHAPE" val="OTL"/>
+</p:tagLst>
+</file>
+
+<file path=ppt/tags/tag144.xml><?xml version="1.0" encoding="utf-8"?>
+<p:tagLst xmlns:a="http://schemas.openxmlformats.org/drawingml/2006/main" xmlns:r="http://schemas.openxmlformats.org/officeDocument/2006/relationships" xmlns:p="http://schemas.openxmlformats.org/presentationml/2006/main">
+  <p:tag name="OTLMARKERSHAPE" val="OTL"/>
+</p:tagLst>
+</file>
+
+<file path=ppt/tags/tag145.xml><?xml version="1.0" encoding="utf-8"?>
+<p:tagLst xmlns:a="http://schemas.openxmlformats.org/drawingml/2006/main" xmlns:r="http://schemas.openxmlformats.org/officeDocument/2006/relationships" xmlns:p="http://schemas.openxmlformats.org/presentationml/2006/main">
+  <p:tag name="OTLMARKERSHAPE" val="OTL"/>
+</p:tagLst>
+</file>
+
+<file path=ppt/tags/tag146.xml><?xml version="1.0" encoding="utf-8"?>
+<p:tagLst xmlns:a="http://schemas.openxmlformats.org/drawingml/2006/main" xmlns:r="http://schemas.openxmlformats.org/officeDocument/2006/relationships" xmlns:p="http://schemas.openxmlformats.org/presentationml/2006/main">
+  <p:tag name="OTLMARKERSHAPE" val="OTL"/>
+</p:tagLst>
+</file>
+
+<file path=ppt/tags/tag147.xml><?xml version="1.0" encoding="utf-8"?>
+<p:tagLst xmlns:a="http://schemas.openxmlformats.org/drawingml/2006/main" xmlns:r="http://schemas.openxmlformats.org/officeDocument/2006/relationships" xmlns:p="http://schemas.openxmlformats.org/presentationml/2006/main">
+  <p:tag name="OTLMARKERSHAPE" val="OTL"/>
+</p:tagLst>
+</file>
+
+<file path=ppt/tags/tag148.xml><?xml version="1.0" encoding="utf-8"?>
 <p:tagLst xmlns:a="http://schemas.openxmlformats.org/drawingml/2006/main" xmlns:r="http://schemas.openxmlformats.org/officeDocument/2006/relationships" xmlns:p="http://schemas.openxmlformats.org/presentationml/2006/main">
   <p:tag name="OTLMARKERSHAPE" val="OTL"/>
 </p:tagLst>
@@ -9636,4 +11760,299 @@
     </a:ext>
   </a:extLst>
 </a:theme>
+</file>
+
+<file path=ppt/theme/theme2.xml><?xml version="1.0" encoding="utf-8"?>
+<a:theme xmlns:a="http://schemas.openxmlformats.org/drawingml/2006/main" name="Chủ đề Office">
+  <a:themeElements>
+    <a:clrScheme name="Office">
+      <a:dk1>
+        <a:sysClr val="windowText" lastClr="000000"/>
+      </a:dk1>
+      <a:lt1>
+        <a:sysClr val="window" lastClr="FFFFFF"/>
+      </a:lt1>
+      <a:dk2>
+        <a:srgbClr val="44546A"/>
+      </a:dk2>
+      <a:lt2>
+        <a:srgbClr val="E7E6E6"/>
+      </a:lt2>
+      <a:accent1>
+        <a:srgbClr val="4472C4"/>
+      </a:accent1>
+      <a:accent2>
+        <a:srgbClr val="ED7D31"/>
+      </a:accent2>
+      <a:accent3>
+        <a:srgbClr val="A5A5A5"/>
+      </a:accent3>
+      <a:accent4>
+        <a:srgbClr val="FFC000"/>
+      </a:accent4>
+      <a:accent5>
+        <a:srgbClr val="5B9BD5"/>
+      </a:accent5>
+      <a:accent6>
+        <a:srgbClr val="70AD47"/>
+      </a:accent6>
+      <a:hlink>
+        <a:srgbClr val="0563C1"/>
+      </a:hlink>
+      <a:folHlink>
+        <a:srgbClr val="954F72"/>
+      </a:folHlink>
+    </a:clrScheme>
+    <a:fontScheme name="Office">
+      <a:majorFont>
+        <a:latin typeface="Calibri Light" panose="020F0302020204030204"/>
+        <a:ea typeface=""/>
+        <a:cs typeface=""/>
+        <a:font script="Jpan" typeface="游ゴシック Light"/>
+        <a:font script="Hang" typeface="맑은 고딕"/>
+        <a:font script="Hans" typeface="等线 Light"/>
+        <a:font script="Hant" typeface="新細明體"/>
+        <a:font script="Arab" typeface="Times New Roman"/>
+        <a:font script="Hebr" typeface="Times New Roman"/>
+        <a:font script="Thai" typeface="Angsana New"/>
+        <a:font script="Ethi" typeface="Nyala"/>
+        <a:font script="Beng" typeface="Vrinda"/>
+        <a:font script="Gujr" typeface="Shruti"/>
+        <a:font script="Khmr" typeface="MoolBoran"/>
+        <a:font script="Knda" typeface="Tunga"/>
+        <a:font script="Guru" typeface="Raavi"/>
+        <a:font script="Cans" typeface="Euphemia"/>
+        <a:font script="Cher" typeface="Plantagenet Cherokee"/>
+        <a:font script="Yiii" typeface="Microsoft Yi Baiti"/>
+        <a:font script="Tibt" typeface="Microsoft Himalaya"/>
+        <a:font script="Thaa" typeface="MV Boli"/>
+        <a:font script="Deva" typeface="Mangal"/>
+        <a:font script="Telu" typeface="Gautami"/>
+        <a:font script="Taml" typeface="Latha"/>
+        <a:font script="Syrc" typeface="Estrangelo Edessa"/>
+        <a:font script="Orya" typeface="Kalinga"/>
+        <a:font script="Mlym" typeface="Kartika"/>
+        <a:font script="Laoo" typeface="DokChampa"/>
+        <a:font script="Sinh" typeface="Iskoola Pota"/>
+        <a:font script="Mong" typeface="Mongolian Baiti"/>
+        <a:font script="Viet" typeface="Times New Roman"/>
+        <a:font script="Uigh" typeface="Microsoft Uighur"/>
+        <a:font script="Geor" typeface="Sylfaen"/>
+        <a:font script="Armn" typeface="Arial"/>
+        <a:font script="Bugi" typeface="Leelawadee UI"/>
+        <a:font script="Bopo" typeface="Microsoft JhengHei"/>
+        <a:font script="Java" typeface="Javanese Text"/>
+        <a:font script="Lisu" typeface="Segoe UI"/>
+        <a:font script="Mymr" typeface="Myanmar Text"/>
+        <a:font script="Nkoo" typeface="Ebrima"/>
+        <a:font script="Olck" typeface="Nirmala UI"/>
+        <a:font script="Osma" typeface="Ebrima"/>
+        <a:font script="Phag" typeface="Phagspa"/>
+        <a:font script="Syrn" typeface="Estrangelo Edessa"/>
+        <a:font script="Syrj" typeface="Estrangelo Edessa"/>
+        <a:font script="Syre" typeface="Estrangelo Edessa"/>
+        <a:font script="Sora" typeface="Nirmala UI"/>
+        <a:font script="Tale" typeface="Microsoft Tai Le"/>
+        <a:font script="Talu" typeface="Microsoft New Tai Lue"/>
+        <a:font script="Tfng" typeface="Ebrima"/>
+      </a:majorFont>
+      <a:minorFont>
+        <a:latin typeface="Calibri" panose="020F0502020204030204"/>
+        <a:ea typeface=""/>
+        <a:cs typeface=""/>
+        <a:font script="Jpan" typeface="游ゴシック"/>
+        <a:font script="Hang" typeface="맑은 고딕"/>
+        <a:font script="Hans" typeface="等线"/>
+        <a:font script="Hant" typeface="新細明體"/>
+        <a:font script="Arab" typeface="Arial"/>
+        <a:font script="Hebr" typeface="Arial"/>
+        <a:font script="Thai" typeface="Cordia New"/>
+        <a:font script="Ethi" typeface="Nyala"/>
+        <a:font script="Beng" typeface="Vrinda"/>
+        <a:font script="Gujr" typeface="Shruti"/>
+        <a:font script="Khmr" typeface="DaunPenh"/>
+        <a:font script="Knda" typeface="Tunga"/>
+        <a:font script="Guru" typeface="Raavi"/>
+        <a:font script="Cans" typeface="Euphemia"/>
+        <a:font script="Cher" typeface="Plantagenet Cherokee"/>
+        <a:font script="Yiii" typeface="Microsoft Yi Baiti"/>
+        <a:font script="Tibt" typeface="Microsoft Himalaya"/>
+        <a:font script="Thaa" typeface="MV Boli"/>
+        <a:font script="Deva" typeface="Mangal"/>
+        <a:font script="Telu" typeface="Gautami"/>
+        <a:font script="Taml" typeface="Latha"/>
+        <a:font script="Syrc" typeface="Estrangelo Edessa"/>
+        <a:font script="Orya" typeface="Kalinga"/>
+        <a:font script="Mlym" typeface="Kartika"/>
+        <a:font script="Laoo" typeface="DokChampa"/>
+        <a:font script="Sinh" typeface="Iskoola Pota"/>
+        <a:font script="Mong" typeface="Mongolian Baiti"/>
+        <a:font script="Viet" typeface="Arial"/>
+        <a:font script="Uigh" typeface="Microsoft Uighur"/>
+        <a:font script="Geor" typeface="Sylfaen"/>
+        <a:font script="Armn" typeface="Arial"/>
+        <a:font script="Bugi" typeface="Leelawadee UI"/>
+        <a:font script="Bopo" typeface="Microsoft JhengHei"/>
+        <a:font script="Java" typeface="Javanese Text"/>
+        <a:font script="Lisu" typeface="Segoe UI"/>
+        <a:font script="Mymr" typeface="Myanmar Text"/>
+        <a:font script="Nkoo" typeface="Ebrima"/>
+        <a:font script="Olck" typeface="Nirmala UI"/>
+        <a:font script="Osma" typeface="Ebrima"/>
+        <a:font script="Phag" typeface="Phagspa"/>
+        <a:font script="Syrn" typeface="Estrangelo Edessa"/>
+        <a:font script="Syrj" typeface="Estrangelo Edessa"/>
+        <a:font script="Syre" typeface="Estrangelo Edessa"/>
+        <a:font script="Sora" typeface="Nirmala UI"/>
+        <a:font script="Tale" typeface="Microsoft Tai Le"/>
+        <a:font script="Talu" typeface="Microsoft New Tai Lue"/>
+        <a:font script="Tfng" typeface="Ebrima"/>
+      </a:minorFont>
+    </a:fontScheme>
+    <a:fmtScheme name="Office">
+      <a:fillStyleLst>
+        <a:solidFill>
+          <a:schemeClr val="phClr"/>
+        </a:solidFill>
+        <a:gradFill rotWithShape="1">
+          <a:gsLst>
+            <a:gs pos="0">
+              <a:schemeClr val="phClr">
+                <a:lumMod val="110000"/>
+                <a:satMod val="105000"/>
+                <a:tint val="67000"/>
+              </a:schemeClr>
+            </a:gs>
+            <a:gs pos="50000">
+              <a:schemeClr val="phClr">
+                <a:lumMod val="105000"/>
+                <a:satMod val="103000"/>
+                <a:tint val="73000"/>
+              </a:schemeClr>
+            </a:gs>
+            <a:gs pos="100000">
+              <a:schemeClr val="phClr">
+                <a:lumMod val="105000"/>
+                <a:satMod val="109000"/>
+                <a:tint val="81000"/>
+              </a:schemeClr>
+            </a:gs>
+          </a:gsLst>
+          <a:lin ang="5400000" scaled="0"/>
+        </a:gradFill>
+        <a:gradFill rotWithShape="1">
+          <a:gsLst>
+            <a:gs pos="0">
+              <a:schemeClr val="phClr">
+                <a:satMod val="103000"/>
+                <a:lumMod val="102000"/>
+                <a:tint val="94000"/>
+              </a:schemeClr>
+            </a:gs>
+            <a:gs pos="50000">
+              <a:schemeClr val="phClr">
+                <a:satMod val="110000"/>
+                <a:lumMod val="100000"/>
+                <a:shade val="100000"/>
+              </a:schemeClr>
+            </a:gs>
+            <a:gs pos="100000">
+              <a:schemeClr val="phClr">
+                <a:lumMod val="99000"/>
+                <a:satMod val="120000"/>
+                <a:shade val="78000"/>
+              </a:schemeClr>
+            </a:gs>
+          </a:gsLst>
+          <a:lin ang="5400000" scaled="0"/>
+        </a:gradFill>
+      </a:fillStyleLst>
+      <a:lnStyleLst>
+        <a:ln w="6350" cap="flat" cmpd="sng" algn="ctr">
+          <a:solidFill>
+            <a:schemeClr val="phClr"/>
+          </a:solidFill>
+          <a:prstDash val="solid"/>
+          <a:miter lim="800000"/>
+        </a:ln>
+        <a:ln w="12700" cap="flat" cmpd="sng" algn="ctr">
+          <a:solidFill>
+            <a:schemeClr val="phClr"/>
+          </a:solidFill>
+          <a:prstDash val="solid"/>
+          <a:miter lim="800000"/>
+        </a:ln>
+        <a:ln w="19050" cap="flat" cmpd="sng" algn="ctr">
+          <a:solidFill>
+            <a:schemeClr val="phClr"/>
+          </a:solidFill>
+          <a:prstDash val="solid"/>
+          <a:miter lim="800000"/>
+        </a:ln>
+      </a:lnStyleLst>
+      <a:effectStyleLst>
+        <a:effectStyle>
+          <a:effectLst/>
+        </a:effectStyle>
+        <a:effectStyle>
+          <a:effectLst/>
+        </a:effectStyle>
+        <a:effectStyle>
+          <a:effectLst>
+            <a:outerShdw blurRad="57150" dist="19050" dir="5400000" algn="ctr" rotWithShape="0">
+              <a:srgbClr val="000000">
+                <a:alpha val="63000"/>
+              </a:srgbClr>
+            </a:outerShdw>
+          </a:effectLst>
+        </a:effectStyle>
+      </a:effectStyleLst>
+      <a:bgFillStyleLst>
+        <a:solidFill>
+          <a:schemeClr val="phClr"/>
+        </a:solidFill>
+        <a:solidFill>
+          <a:schemeClr val="phClr">
+            <a:tint val="95000"/>
+            <a:satMod val="170000"/>
+          </a:schemeClr>
+        </a:solidFill>
+        <a:gradFill rotWithShape="1">
+          <a:gsLst>
+            <a:gs pos="0">
+              <a:schemeClr val="phClr">
+                <a:tint val="93000"/>
+                <a:satMod val="150000"/>
+                <a:shade val="98000"/>
+                <a:lumMod val="102000"/>
+              </a:schemeClr>
+            </a:gs>
+            <a:gs pos="50000">
+              <a:schemeClr val="phClr">
+                <a:tint val="98000"/>
+                <a:satMod val="130000"/>
+                <a:shade val="90000"/>
+                <a:lumMod val="103000"/>
+              </a:schemeClr>
+            </a:gs>
+            <a:gs pos="100000">
+              <a:schemeClr val="phClr">
+                <a:shade val="63000"/>
+                <a:satMod val="120000"/>
+              </a:schemeClr>
+            </a:gs>
+          </a:gsLst>
+          <a:lin ang="5400000" scaled="0"/>
+        </a:gradFill>
+      </a:bgFillStyleLst>
+    </a:fmtScheme>
+  </a:themeElements>
+  <a:objectDefaults/>
+  <a:extraClrSchemeLst/>
+  <a:extLst>
+    <a:ext uri="{05A4C25C-085E-4340-85A3-A5531E510DB2}">
+      <thm15:themeFamily xmlns:thm15="http://schemas.microsoft.com/office/thememl/2012/main" name="Office Theme" id="{62F939B6-93AF-4DB8-9C6B-D6C7DFDC589F}" vid="{4A3C46E8-61CC-4603-A589-7422A47A8E4A}"/>
+    </a:ext>
+  </a:extLst>
+</a:theme>
 </file>